--- a/doc/An Introduction to Kubernetes.pptx
+++ b/doc/An Introduction to Kubernetes.pptx
@@ -994,7 +994,7 @@
               <a:rPr lang="en-US" smtClean="0">
                 <a:latin typeface="Tahoma"/>
               </a:rPr>
-              <a:t>4/21/21</a:t>
+              <a:t>4/23/21</a:t>
             </a:fld>
             <a:endParaRPr lang="en-US" dirty="0">
               <a:latin typeface="Tahoma"/>
@@ -1173,7 +1173,7 @@
             <a:fld id="{F9071F84-0802-C84F-8F3A-2F91A2DB1D02}" type="datetimeFigureOut">
               <a:rPr lang="en-US" smtClean="0"/>
               <a:pPr/>
-              <a:t>4/21/21</a:t>
+              <a:t>4/23/21</a:t>
             </a:fld>
             <a:endParaRPr lang="en-US" dirty="0"/>
           </a:p>
@@ -16125,7 +16125,15 @@
             </a:r>
             <a:r>
               <a:rPr lang="en" altLang="ko-Kore-KR" sz="3200" dirty="0"/>
-              <a:t>The industry needs to shift from seeing Kubernetes purely as a container orchestrator to leveraging it as an infrastructure abstraction layer.</a:t>
+              <a:t>The industry needs to shift from seeing Kubernetes purely as a container orchestrator to leveraging it as an </a:t>
+            </a:r>
+            <a:r>
+              <a:rPr lang="en" altLang="ko-Kore-KR" sz="3200" u="sng" dirty="0"/>
+              <a:t>infrastructure abstraction layer</a:t>
+            </a:r>
+            <a:r>
+              <a:rPr lang="en" altLang="ko-Kore-KR" sz="3200" dirty="0"/>
+              <a:t>.</a:t>
             </a:r>
             <a:r>
               <a:rPr kumimoji="1" lang="en-US" altLang="ko-Kore-KR" sz="3200" dirty="0"/>

--- a/doc/An Introduction to Kubernetes.pptx
+++ b/doc/An Introduction to Kubernetes.pptx
@@ -994,7 +994,7 @@
               <a:rPr lang="en-US" smtClean="0">
                 <a:latin typeface="Tahoma"/>
               </a:rPr>
-              <a:t>4/23/21</a:t>
+              <a:t>4/28/21</a:t>
             </a:fld>
             <a:endParaRPr lang="en-US" dirty="0">
               <a:latin typeface="Tahoma"/>
@@ -1173,7 +1173,7 @@
             <a:fld id="{F9071F84-0802-C84F-8F3A-2F91A2DB1D02}" type="datetimeFigureOut">
               <a:rPr lang="en-US" smtClean="0"/>
               <a:pPr/>
-              <a:t>4/23/21</a:t>
+              <a:t>4/28/21</a:t>
             </a:fld>
             <a:endParaRPr lang="en-US" dirty="0"/>
           </a:p>
@@ -4799,10 +4799,10 @@
       </p:sp>
       <p:grpSp>
         <p:nvGrpSpPr>
-          <p:cNvPr id="11" name="그룹 10">
+          <p:cNvPr id="7" name="그룹 6">
             <a:extLst>
               <a:ext uri="{FF2B5EF4-FFF2-40B4-BE49-F238E27FC236}">
-                <a16:creationId xmlns:a16="http://schemas.microsoft.com/office/drawing/2014/main" id="{4AEE0666-374A-A242-B856-1A7D0E058A86}"/>
+                <a16:creationId xmlns:a16="http://schemas.microsoft.com/office/drawing/2014/main" id="{15813FC5-21AA-EB42-A95E-09E5640CD805}"/>
               </a:ext>
             </a:extLst>
           </p:cNvPr>
@@ -4811,10 +4811,10 @@
         </p:nvGrpSpPr>
         <p:grpSpPr>
           <a:xfrm>
-            <a:off x="636121" y="1024307"/>
-            <a:ext cx="11000719" cy="5479024"/>
-            <a:chOff x="636121" y="946817"/>
-            <a:chExt cx="11000719" cy="5479024"/>
+            <a:off x="595640" y="1436615"/>
+            <a:ext cx="11000719" cy="3984770"/>
+            <a:chOff x="636121" y="1024307"/>
+            <a:chExt cx="11000719" cy="3984770"/>
           </a:xfrm>
         </p:grpSpPr>
         <p:sp>
@@ -4831,7 +4831,7 @@
           </p:nvSpPr>
           <p:spPr>
             <a:xfrm rot="10800000">
-              <a:off x="11098087" y="1508069"/>
+              <a:off x="11098087" y="1585559"/>
               <a:ext cx="142225" cy="1915378"/>
             </a:xfrm>
             <a:prstGeom prst="leftBrace">
@@ -4885,7 +4885,7 @@
           </p:nvSpPr>
           <p:spPr>
             <a:xfrm rot="5400000">
-              <a:off x="10605878" y="2310424"/>
+              <a:off x="10605878" y="2387914"/>
               <a:ext cx="1784926" cy="276999"/>
             </a:xfrm>
             <a:prstGeom prst="rect">
@@ -4926,7 +4926,7 @@
           </p:nvSpPr>
           <p:spPr bwMode="auto">
             <a:xfrm>
-              <a:off x="6876362" y="1508069"/>
+              <a:off x="6876362" y="1585559"/>
               <a:ext cx="4045226" cy="1915378"/>
             </a:xfrm>
             <a:prstGeom prst="roundRect">
@@ -4997,7 +4997,7 @@
           </p:nvSpPr>
           <p:spPr>
             <a:xfrm rot="5400000">
-              <a:off x="8790963" y="-689554"/>
+              <a:off x="8790963" y="-612064"/>
               <a:ext cx="216026" cy="4045225"/>
             </a:xfrm>
             <a:prstGeom prst="leftBrace">
@@ -5051,7 +5051,7 @@
           </p:nvSpPr>
           <p:spPr>
             <a:xfrm>
-              <a:off x="8006513" y="946817"/>
+              <a:off x="8006513" y="1024307"/>
               <a:ext cx="1784926" cy="276999"/>
             </a:xfrm>
             <a:prstGeom prst="rect">
@@ -5092,7 +5092,7 @@
           </p:nvSpPr>
           <p:spPr bwMode="auto">
             <a:xfrm>
-              <a:off x="6990084" y="1874090"/>
+              <a:off x="6990084" y="1951580"/>
               <a:ext cx="1687552" cy="1452067"/>
             </a:xfrm>
             <a:prstGeom prst="roundRect">
@@ -5152,7 +5152,7 @@
           </p:nvSpPr>
           <p:spPr>
             <a:xfrm>
-              <a:off x="7078376" y="2151313"/>
+              <a:off x="7078376" y="2228803"/>
               <a:ext cx="1506512" cy="537395"/>
             </a:xfrm>
             <a:prstGeom prst="roundRect">
@@ -5213,7 +5213,7 @@
           </p:nvSpPr>
           <p:spPr>
             <a:xfrm>
-              <a:off x="7078376" y="2871719"/>
+              <a:off x="7078376" y="2949209"/>
               <a:ext cx="1506512" cy="367254"/>
             </a:xfrm>
             <a:prstGeom prst="roundRect">
@@ -5298,7 +5298,7 @@
           </p:nvSpPr>
           <p:spPr>
             <a:xfrm>
-              <a:off x="7474993" y="2611703"/>
+              <a:off x="7474993" y="2689193"/>
               <a:ext cx="713277" cy="367254"/>
             </a:xfrm>
             <a:prstGeom prst="upDownArrow">
@@ -5393,7 +5393,7 @@
           </p:nvSpPr>
           <p:spPr bwMode="auto">
             <a:xfrm>
-              <a:off x="9115198" y="1874090"/>
+              <a:off x="9115198" y="1951580"/>
               <a:ext cx="1687552" cy="1452067"/>
             </a:xfrm>
             <a:prstGeom prst="roundRect">
@@ -5453,7 +5453,7 @@
           </p:nvSpPr>
           <p:spPr>
             <a:xfrm>
-              <a:off x="9203490" y="2151313"/>
+              <a:off x="9203490" y="2228803"/>
               <a:ext cx="1506512" cy="537395"/>
             </a:xfrm>
             <a:prstGeom prst="roundRect">
@@ -5514,7 +5514,7 @@
           </p:nvSpPr>
           <p:spPr>
             <a:xfrm>
-              <a:off x="9203490" y="2871719"/>
+              <a:off x="9203490" y="2949209"/>
               <a:ext cx="1506512" cy="367254"/>
             </a:xfrm>
             <a:prstGeom prst="roundRect">
@@ -5599,7 +5599,7 @@
           </p:nvSpPr>
           <p:spPr>
             <a:xfrm>
-              <a:off x="9600107" y="2611703"/>
+              <a:off x="9600107" y="2689193"/>
               <a:ext cx="713277" cy="367254"/>
             </a:xfrm>
             <a:prstGeom prst="upDownArrow">
@@ -5694,7 +5694,7 @@
           </p:nvSpPr>
           <p:spPr>
             <a:xfrm>
-              <a:off x="8326237" y="2381936"/>
+              <a:off x="8326237" y="2459426"/>
               <a:ext cx="1145476" cy="613545"/>
             </a:xfrm>
             <a:prstGeom prst="leftRightArrow">
@@ -5898,7 +5898,7 @@
           </p:nvSpPr>
           <p:spPr bwMode="auto">
             <a:xfrm>
-              <a:off x="6876362" y="3700670"/>
+              <a:off x="6876362" y="3778160"/>
               <a:ext cx="4045226" cy="1230917"/>
             </a:xfrm>
             <a:prstGeom prst="roundRect">
@@ -5969,7 +5969,7 @@
           </p:nvGrpSpPr>
           <p:grpSpPr>
             <a:xfrm>
-              <a:off x="6990084" y="4071632"/>
+              <a:off x="6990084" y="4149122"/>
               <a:ext cx="1687552" cy="762519"/>
               <a:chOff x="7256888" y="3757015"/>
               <a:chExt cx="1687552" cy="762519"/>
@@ -6117,7 +6117,7 @@
           </p:nvGrpSpPr>
           <p:grpSpPr>
             <a:xfrm>
-              <a:off x="9112969" y="4071632"/>
+              <a:off x="9112969" y="4149122"/>
               <a:ext cx="1687552" cy="762519"/>
               <a:chOff x="7256888" y="3757015"/>
               <a:chExt cx="1687552" cy="762519"/>
@@ -6265,7 +6265,7 @@
           </p:nvSpPr>
           <p:spPr>
             <a:xfrm>
-              <a:off x="8326237" y="4242576"/>
+              <a:off x="8326237" y="4320066"/>
               <a:ext cx="1145476" cy="613545"/>
             </a:xfrm>
             <a:prstGeom prst="leftRightArrow">
@@ -6469,7 +6469,7 @@
           </p:nvSpPr>
           <p:spPr>
             <a:xfrm rot="10800000">
-              <a:off x="11098085" y="3693728"/>
+              <a:off x="11098085" y="3771218"/>
               <a:ext cx="137768" cy="1230916"/>
             </a:xfrm>
             <a:prstGeom prst="leftBrace">
@@ -6523,7 +6523,7 @@
           </p:nvSpPr>
           <p:spPr>
             <a:xfrm rot="5400000">
-              <a:off x="10909707" y="4177628"/>
+              <a:off x="10909707" y="4255118"/>
               <a:ext cx="1177267" cy="276999"/>
             </a:xfrm>
             <a:prstGeom prst="rect">
@@ -6552,750 +6552,6 @@
         </p:sp>
         <p:sp>
           <p:nvSpPr>
-            <p:cNvPr id="34" name="모서리가 둥근 직사각형 33">
-              <a:extLst>
-                <a:ext uri="{FF2B5EF4-FFF2-40B4-BE49-F238E27FC236}">
-                  <a16:creationId xmlns:a16="http://schemas.microsoft.com/office/drawing/2014/main" id="{2B012307-1874-6F43-804E-FAF36B837E72}"/>
-                </a:ext>
-              </a:extLst>
-            </p:cNvPr>
-            <p:cNvSpPr/>
-            <p:nvPr/>
-          </p:nvSpPr>
-          <p:spPr bwMode="auto">
-            <a:xfrm>
-              <a:off x="6876362" y="5194924"/>
-              <a:ext cx="4045226" cy="1230917"/>
-            </a:xfrm>
-            <a:prstGeom prst="roundRect">
-              <a:avLst>
-                <a:gd name="adj" fmla="val 4194"/>
-              </a:avLst>
-            </a:prstGeom>
-            <a:solidFill>
-              <a:srgbClr val="333D47"/>
-            </a:solidFill>
-            <a:ln w="12700">
-              <a:noFill/>
-              <a:round/>
-              <a:headEnd type="none" w="med" len="med"/>
-              <a:tailEnd type="none" w="med" len="med"/>
-            </a:ln>
-          </p:spPr>
-          <p:txBody>
-            <a:bodyPr rot="0" spcFirstLastPara="0" vertOverflow="overflow" horzOverflow="overflow" vert="horz" wrap="square" lIns="90000" tIns="45720" rIns="91440" bIns="45720" numCol="1" spcCol="0" rtlCol="0" fromWordArt="0" anchor="t" anchorCtr="0" forceAA="0" compatLnSpc="1">
-              <a:prstTxWarp prst="textNoShape">
-                <a:avLst/>
-              </a:prstTxWarp>
-              <a:noAutofit/>
-            </a:bodyPr>
-            <a:lstStyle/>
-            <a:p>
-              <a:r>
-                <a:rPr kumimoji="1" lang="en-US" altLang="ko-KR" sz="1000" b="1" dirty="0">
-                  <a:solidFill>
-                    <a:schemeClr val="bg1"/>
-                  </a:solidFill>
-                  <a:latin typeface="+mn-lt"/>
-                  <a:ea typeface="+mn-ea"/>
-                </a:rPr>
-                <a:t>MongoDB</a:t>
-              </a:r>
-              <a:r>
-                <a:rPr kumimoji="1" lang="en-US" altLang="ko-KR" sz="1000" dirty="0">
-                  <a:solidFill>
-                    <a:schemeClr val="bg1"/>
-                  </a:solidFill>
-                  <a:latin typeface="+mn-lt"/>
-                  <a:ea typeface="+mn-ea"/>
-                </a:rPr>
-                <a:t> (MongoDB Atlas)</a:t>
-              </a:r>
-              <a:endParaRPr kumimoji="1" lang="ko-KR" altLang="en-US" sz="1000" dirty="0">
-                <a:solidFill>
-                  <a:schemeClr val="bg1"/>
-                </a:solidFill>
-                <a:latin typeface="+mn-lt"/>
-                <a:ea typeface="+mn-ea"/>
-              </a:endParaRPr>
-            </a:p>
-          </p:txBody>
-        </p:sp>
-        <p:grpSp>
-          <p:nvGrpSpPr>
-            <p:cNvPr id="35" name="그룹 34">
-              <a:extLst>
-                <a:ext uri="{FF2B5EF4-FFF2-40B4-BE49-F238E27FC236}">
-                  <a16:creationId xmlns:a16="http://schemas.microsoft.com/office/drawing/2014/main" id="{AB440934-6AAD-084F-BA62-679C817BD9A1}"/>
-                </a:ext>
-              </a:extLst>
-            </p:cNvPr>
-            <p:cNvGrpSpPr/>
-            <p:nvPr/>
-          </p:nvGrpSpPr>
-          <p:grpSpPr>
-            <a:xfrm>
-              <a:off x="6990084" y="5565886"/>
-              <a:ext cx="1107623" cy="762519"/>
-              <a:chOff x="7256888" y="5128615"/>
-              <a:chExt cx="1107623" cy="762519"/>
-            </a:xfrm>
-          </p:grpSpPr>
-          <p:sp>
-            <p:nvSpPr>
-              <p:cNvPr id="98" name="모서리가 둥근 직사각형 97">
-                <a:extLst>
-                  <a:ext uri="{FF2B5EF4-FFF2-40B4-BE49-F238E27FC236}">
-                    <a16:creationId xmlns:a16="http://schemas.microsoft.com/office/drawing/2014/main" id="{B4471AE9-44F3-3542-A02F-195005B2A760}"/>
-                  </a:ext>
-                </a:extLst>
-              </p:cNvPr>
-              <p:cNvSpPr/>
-              <p:nvPr/>
-            </p:nvSpPr>
-            <p:spPr bwMode="auto">
-              <a:xfrm>
-                <a:off x="7256888" y="5128615"/>
-                <a:ext cx="1107623" cy="762519"/>
-              </a:xfrm>
-              <a:prstGeom prst="roundRect">
-                <a:avLst>
-                  <a:gd name="adj" fmla="val 7355"/>
-                </a:avLst>
-              </a:prstGeom>
-              <a:solidFill>
-                <a:schemeClr val="accent3">
-                  <a:lumMod val="40000"/>
-                  <a:lumOff val="60000"/>
-                </a:schemeClr>
-              </a:solidFill>
-              <a:ln w="12700">
-                <a:solidFill>
-                  <a:schemeClr val="bg1"/>
-                </a:solidFill>
-                <a:round/>
-                <a:headEnd type="none" w="med" len="med"/>
-                <a:tailEnd type="none" w="med" len="med"/>
-              </a:ln>
-            </p:spPr>
-            <p:txBody>
-              <a:bodyPr rot="0" spcFirstLastPara="0" vertOverflow="overflow" horzOverflow="overflow" vert="horz" wrap="square" lIns="90000" tIns="45720" rIns="91440" bIns="45720" numCol="1" spcCol="0" rtlCol="0" fromWordArt="0" anchor="t" anchorCtr="0" forceAA="0" compatLnSpc="1">
-                <a:prstTxWarp prst="textNoShape">
-                  <a:avLst/>
-                </a:prstTxWarp>
-                <a:noAutofit/>
-              </a:bodyPr>
-              <a:lstStyle/>
-              <a:p>
-                <a:r>
-                  <a:rPr kumimoji="1" lang="en-US" altLang="ko-KR" sz="900" dirty="0">
-                    <a:latin typeface="+mn-lt"/>
-                    <a:ea typeface="+mn-ea"/>
-                  </a:rPr>
-                  <a:t>Primary</a:t>
-                </a:r>
-                <a:endParaRPr kumimoji="1" lang="ko-KR" altLang="en-US" sz="900" dirty="0">
-                  <a:latin typeface="+mn-lt"/>
-                  <a:ea typeface="+mn-ea"/>
-                </a:endParaRPr>
-              </a:p>
-            </p:txBody>
-          </p:sp>
-          <p:sp>
-            <p:nvSpPr>
-              <p:cNvPr id="99" name="모서리가 둥근 직사각형 6">
-                <a:extLst>
-                  <a:ext uri="{FF2B5EF4-FFF2-40B4-BE49-F238E27FC236}">
-                    <a16:creationId xmlns:a16="http://schemas.microsoft.com/office/drawing/2014/main" id="{775FCC3F-2059-D148-84D8-DE3CF03C4A93}"/>
-                  </a:ext>
-                </a:extLst>
-              </p:cNvPr>
-              <p:cNvSpPr/>
-              <p:nvPr/>
-            </p:nvSpPr>
-            <p:spPr>
-              <a:xfrm>
-                <a:off x="7345179" y="5413947"/>
-                <a:ext cx="928138" cy="367253"/>
-              </a:xfrm>
-              <a:prstGeom prst="roundRect">
-                <a:avLst>
-                  <a:gd name="adj" fmla="val 10015"/>
-                </a:avLst>
-              </a:prstGeom>
-              <a:solidFill>
-                <a:schemeClr val="bg1"/>
-              </a:solidFill>
-              <a:ln w="6350"/>
-              <a:effectLst/>
-            </p:spPr>
-            <p:style>
-              <a:lnRef idx="1">
-                <a:schemeClr val="dk1"/>
-              </a:lnRef>
-              <a:fillRef idx="2">
-                <a:schemeClr val="dk1"/>
-              </a:fillRef>
-              <a:effectRef idx="1">
-                <a:schemeClr val="dk1"/>
-              </a:effectRef>
-              <a:fontRef idx="minor">
-                <a:schemeClr val="dk1"/>
-              </a:fontRef>
-            </p:style>
-            <p:txBody>
-              <a:bodyPr lIns="18000" rIns="18000" anchor="ctr" anchorCtr="0"/>
-              <a:lstStyle/>
-              <a:p>
-                <a:pPr algn="ctr">
-                  <a:defRPr/>
-                </a:pPr>
-                <a:r>
-                  <a:rPr lang="en-US" altLang="ko-KR" sz="900" dirty="0">
-                    <a:solidFill>
-                      <a:srgbClr val="000000"/>
-                    </a:solidFill>
-                    <a:ea typeface="맑은 고딕" pitchFamily="50" charset="-127"/>
-                  </a:rPr>
-                  <a:t>Billing/Stat Data</a:t>
-                </a:r>
-                <a:endParaRPr lang="en-US" altLang="ko-KR" sz="1000" dirty="0">
-                  <a:solidFill>
-                    <a:srgbClr val="000000"/>
-                  </a:solidFill>
-                  <a:ea typeface="맑은 고딕" pitchFamily="50" charset="-127"/>
-                </a:endParaRPr>
-              </a:p>
-            </p:txBody>
-          </p:sp>
-        </p:grpSp>
-        <p:grpSp>
-          <p:nvGrpSpPr>
-            <p:cNvPr id="36" name="그룹 35">
-              <a:extLst>
-                <a:ext uri="{FF2B5EF4-FFF2-40B4-BE49-F238E27FC236}">
-                  <a16:creationId xmlns:a16="http://schemas.microsoft.com/office/drawing/2014/main" id="{873BD695-BD18-C847-A922-2EC4D798A529}"/>
-                </a:ext>
-              </a:extLst>
-            </p:cNvPr>
-            <p:cNvGrpSpPr/>
-            <p:nvPr/>
-          </p:nvGrpSpPr>
-          <p:grpSpPr>
-            <a:xfrm>
-              <a:off x="8976370" y="5565886"/>
-              <a:ext cx="1107623" cy="762519"/>
-              <a:chOff x="7256888" y="5128615"/>
-              <a:chExt cx="1107623" cy="762519"/>
-            </a:xfrm>
-          </p:grpSpPr>
-          <p:sp>
-            <p:nvSpPr>
-              <p:cNvPr id="96" name="모서리가 둥근 직사각형 95">
-                <a:extLst>
-                  <a:ext uri="{FF2B5EF4-FFF2-40B4-BE49-F238E27FC236}">
-                    <a16:creationId xmlns:a16="http://schemas.microsoft.com/office/drawing/2014/main" id="{10C7C1AA-AE0C-DD47-AC91-692EEADBB467}"/>
-                  </a:ext>
-                </a:extLst>
-              </p:cNvPr>
-              <p:cNvSpPr/>
-              <p:nvPr/>
-            </p:nvSpPr>
-            <p:spPr bwMode="auto">
-              <a:xfrm>
-                <a:off x="7256888" y="5128615"/>
-                <a:ext cx="1107623" cy="762519"/>
-              </a:xfrm>
-              <a:prstGeom prst="roundRect">
-                <a:avLst>
-                  <a:gd name="adj" fmla="val 7355"/>
-                </a:avLst>
-              </a:prstGeom>
-              <a:solidFill>
-                <a:schemeClr val="accent3">
-                  <a:lumMod val="40000"/>
-                  <a:lumOff val="60000"/>
-                </a:schemeClr>
-              </a:solidFill>
-              <a:ln w="12700">
-                <a:solidFill>
-                  <a:schemeClr val="bg1"/>
-                </a:solidFill>
-                <a:round/>
-                <a:headEnd type="none" w="med" len="med"/>
-                <a:tailEnd type="none" w="med" len="med"/>
-              </a:ln>
-            </p:spPr>
-            <p:txBody>
-              <a:bodyPr rot="0" spcFirstLastPara="0" vertOverflow="overflow" horzOverflow="overflow" vert="horz" wrap="square" lIns="90000" tIns="45720" rIns="91440" bIns="45720" numCol="1" spcCol="0" rtlCol="0" fromWordArt="0" anchor="t" anchorCtr="0" forceAA="0" compatLnSpc="1">
-                <a:prstTxWarp prst="textNoShape">
-                  <a:avLst/>
-                </a:prstTxWarp>
-                <a:noAutofit/>
-              </a:bodyPr>
-              <a:lstStyle/>
-              <a:p>
-                <a:r>
-                  <a:rPr kumimoji="1" lang="en-US" altLang="ko-KR" sz="900" dirty="0">
-                    <a:latin typeface="+mn-lt"/>
-                    <a:ea typeface="+mn-ea"/>
-                  </a:rPr>
-                  <a:t>Secondary</a:t>
-                </a:r>
-                <a:endParaRPr kumimoji="1" lang="ko-KR" altLang="en-US" sz="900" dirty="0">
-                  <a:latin typeface="+mn-lt"/>
-                  <a:ea typeface="+mn-ea"/>
-                </a:endParaRPr>
-              </a:p>
-            </p:txBody>
-          </p:sp>
-          <p:sp>
-            <p:nvSpPr>
-              <p:cNvPr id="97" name="모서리가 둥근 직사각형 6">
-                <a:extLst>
-                  <a:ext uri="{FF2B5EF4-FFF2-40B4-BE49-F238E27FC236}">
-                    <a16:creationId xmlns:a16="http://schemas.microsoft.com/office/drawing/2014/main" id="{E0047DD6-1C6D-F04C-B977-B331BC6F7D57}"/>
-                  </a:ext>
-                </a:extLst>
-              </p:cNvPr>
-              <p:cNvSpPr/>
-              <p:nvPr/>
-            </p:nvSpPr>
-            <p:spPr>
-              <a:xfrm>
-                <a:off x="7345179" y="5413947"/>
-                <a:ext cx="928138" cy="367253"/>
-              </a:xfrm>
-              <a:prstGeom prst="roundRect">
-                <a:avLst>
-                  <a:gd name="adj" fmla="val 10015"/>
-                </a:avLst>
-              </a:prstGeom>
-              <a:solidFill>
-                <a:schemeClr val="bg1"/>
-              </a:solidFill>
-              <a:ln w="6350"/>
-              <a:effectLst/>
-            </p:spPr>
-            <p:style>
-              <a:lnRef idx="1">
-                <a:schemeClr val="dk1"/>
-              </a:lnRef>
-              <a:fillRef idx="2">
-                <a:schemeClr val="dk1"/>
-              </a:fillRef>
-              <a:effectRef idx="1">
-                <a:schemeClr val="dk1"/>
-              </a:effectRef>
-              <a:fontRef idx="minor">
-                <a:schemeClr val="dk1"/>
-              </a:fontRef>
-            </p:style>
-            <p:txBody>
-              <a:bodyPr lIns="18000" rIns="18000" anchor="ctr" anchorCtr="0"/>
-              <a:lstStyle/>
-              <a:p>
-                <a:pPr algn="ctr">
-                  <a:defRPr/>
-                </a:pPr>
-                <a:r>
-                  <a:rPr lang="en-US" altLang="ko-KR" sz="900" dirty="0">
-                    <a:solidFill>
-                      <a:srgbClr val="000000"/>
-                    </a:solidFill>
-                    <a:ea typeface="맑은 고딕" pitchFamily="50" charset="-127"/>
-                  </a:rPr>
-                  <a:t>Billing/Stat</a:t>
-                </a:r>
-                <a:r>
-                  <a:rPr lang="en-US" altLang="ko-KR" sz="900" b="1" dirty="0">
-                    <a:solidFill>
-                      <a:srgbClr val="000000"/>
-                    </a:solidFill>
-                    <a:ea typeface="맑은 고딕" pitchFamily="50" charset="-127"/>
-                  </a:rPr>
-                  <a:t> </a:t>
-                </a:r>
-                <a:r>
-                  <a:rPr lang="en-US" altLang="ko-KR" sz="900" dirty="0">
-                    <a:solidFill>
-                      <a:srgbClr val="000000"/>
-                    </a:solidFill>
-                    <a:ea typeface="맑은 고딕" pitchFamily="50" charset="-127"/>
-                  </a:rPr>
-                  <a:t>Data</a:t>
-                </a:r>
-                <a:endParaRPr lang="en-US" altLang="ko-KR" sz="1000" dirty="0">
-                  <a:solidFill>
-                    <a:srgbClr val="000000"/>
-                  </a:solidFill>
-                  <a:ea typeface="맑은 고딕" pitchFamily="50" charset="-127"/>
-                </a:endParaRPr>
-              </a:p>
-            </p:txBody>
-          </p:sp>
-        </p:grpSp>
-        <p:sp>
-          <p:nvSpPr>
-            <p:cNvPr id="37" name="모서리가 둥근 직사각형 36">
-              <a:extLst>
-                <a:ext uri="{FF2B5EF4-FFF2-40B4-BE49-F238E27FC236}">
-                  <a16:creationId xmlns:a16="http://schemas.microsoft.com/office/drawing/2014/main" id="{75C63258-F39B-CC4B-9BEB-E3AA4A3524F1}"/>
-                </a:ext>
-              </a:extLst>
-            </p:cNvPr>
-            <p:cNvSpPr/>
-            <p:nvPr/>
-          </p:nvSpPr>
-          <p:spPr bwMode="auto">
-            <a:xfrm>
-              <a:off x="10204099" y="5565886"/>
-              <a:ext cx="596421" cy="762519"/>
-            </a:xfrm>
-            <a:prstGeom prst="roundRect">
-              <a:avLst>
-                <a:gd name="adj" fmla="val 7355"/>
-              </a:avLst>
-            </a:prstGeom>
-            <a:solidFill>
-              <a:schemeClr val="accent3">
-                <a:lumMod val="40000"/>
-                <a:lumOff val="60000"/>
-              </a:schemeClr>
-            </a:solidFill>
-            <a:ln w="12700">
-              <a:solidFill>
-                <a:schemeClr val="bg1"/>
-              </a:solidFill>
-              <a:round/>
-              <a:headEnd type="none" w="med" len="med"/>
-              <a:tailEnd type="none" w="med" len="med"/>
-            </a:ln>
-          </p:spPr>
-          <p:txBody>
-            <a:bodyPr rot="0" spcFirstLastPara="0" vertOverflow="overflow" horzOverflow="overflow" vert="horz" wrap="square" lIns="90000" tIns="45720" rIns="91440" bIns="45720" numCol="1" spcCol="0" rtlCol="0" fromWordArt="0" anchor="t" anchorCtr="0" forceAA="0" compatLnSpc="1">
-              <a:prstTxWarp prst="textNoShape">
-                <a:avLst/>
-              </a:prstTxWarp>
-              <a:noAutofit/>
-            </a:bodyPr>
-            <a:lstStyle/>
-            <a:p>
-              <a:r>
-                <a:rPr kumimoji="1" lang="en-US" altLang="ko-KR" sz="900" dirty="0">
-                  <a:latin typeface="+mn-lt"/>
-                  <a:ea typeface="+mn-ea"/>
-                </a:rPr>
-                <a:t>Arbiter</a:t>
-              </a:r>
-              <a:endParaRPr kumimoji="1" lang="ko-KR" altLang="en-US" sz="900" dirty="0">
-                <a:latin typeface="+mn-lt"/>
-                <a:ea typeface="+mn-ea"/>
-              </a:endParaRPr>
-            </a:p>
-          </p:txBody>
-        </p:sp>
-        <p:sp>
-          <p:nvSpPr>
-            <p:cNvPr id="38" name="왼쪽/오른쪽 화살표 148">
-              <a:extLst>
-                <a:ext uri="{FF2B5EF4-FFF2-40B4-BE49-F238E27FC236}">
-                  <a16:creationId xmlns:a16="http://schemas.microsoft.com/office/drawing/2014/main" id="{FB93622A-956A-E840-A29F-5448957273C9}"/>
-                </a:ext>
-              </a:extLst>
-            </p:cNvPr>
-            <p:cNvSpPr/>
-            <p:nvPr/>
-          </p:nvSpPr>
-          <p:spPr>
-            <a:xfrm>
-              <a:off x="7967493" y="5728071"/>
-              <a:ext cx="1145476" cy="613545"/>
-            </a:xfrm>
-            <a:prstGeom prst="leftRightArrow">
-              <a:avLst/>
-            </a:prstGeom>
-            <a:solidFill>
-              <a:schemeClr val="bg1">
-                <a:lumMod val="95000"/>
-              </a:schemeClr>
-            </a:solidFill>
-            <a:ln w="9525">
-              <a:solidFill>
-                <a:schemeClr val="tx1">
-                  <a:lumMod val="85000"/>
-                  <a:lumOff val="15000"/>
-                </a:schemeClr>
-              </a:solidFill>
-            </a:ln>
-            <a:scene3d>
-              <a:camera prst="orthographicFront"/>
-              <a:lightRig rig="threePt" dir="t"/>
-            </a:scene3d>
-            <a:sp3d/>
-          </p:spPr>
-          <p:style>
-            <a:lnRef idx="2">
-              <a:schemeClr val="accent1">
-                <a:shade val="50000"/>
-              </a:schemeClr>
-            </a:lnRef>
-            <a:fillRef idx="1">
-              <a:schemeClr val="accent1"/>
-            </a:fillRef>
-            <a:effectRef idx="0">
-              <a:schemeClr val="accent1"/>
-            </a:effectRef>
-            <a:fontRef idx="minor">
-              <a:schemeClr val="lt1"/>
-            </a:fontRef>
-          </p:style>
-          <p:txBody>
-            <a:bodyPr rtlCol="0" anchor="ctr">
-              <a:flatTx/>
-            </a:bodyPr>
-            <a:lstStyle>
-              <a:defPPr>
-                <a:defRPr lang="ko-KR"/>
-              </a:defPPr>
-              <a:lvl1pPr algn="l" rtl="0" fontAlgn="base" latinLnBrk="1">
-                <a:spcBef>
-                  <a:spcPct val="0"/>
-                </a:spcBef>
-                <a:spcAft>
-                  <a:spcPct val="0"/>
-                </a:spcAft>
-                <a:defRPr kumimoji="1" sz="1200" kern="1200">
-                  <a:solidFill>
-                    <a:schemeClr val="lt1"/>
-                  </a:solidFill>
-                  <a:latin typeface="+mn-lt"/>
-                  <a:ea typeface="+mn-ea"/>
-                  <a:cs typeface="+mn-cs"/>
-                </a:defRPr>
-              </a:lvl1pPr>
-              <a:lvl2pPr marL="457200" algn="l" rtl="0" fontAlgn="base" latinLnBrk="1">
-                <a:spcBef>
-                  <a:spcPct val="0"/>
-                </a:spcBef>
-                <a:spcAft>
-                  <a:spcPct val="0"/>
-                </a:spcAft>
-                <a:defRPr kumimoji="1" sz="1200" kern="1200">
-                  <a:solidFill>
-                    <a:schemeClr val="lt1"/>
-                  </a:solidFill>
-                  <a:latin typeface="+mn-lt"/>
-                  <a:ea typeface="+mn-ea"/>
-                  <a:cs typeface="+mn-cs"/>
-                </a:defRPr>
-              </a:lvl2pPr>
-              <a:lvl3pPr marL="914400" algn="l" rtl="0" fontAlgn="base" latinLnBrk="1">
-                <a:spcBef>
-                  <a:spcPct val="0"/>
-                </a:spcBef>
-                <a:spcAft>
-                  <a:spcPct val="0"/>
-                </a:spcAft>
-                <a:defRPr kumimoji="1" sz="1200" kern="1200">
-                  <a:solidFill>
-                    <a:schemeClr val="lt1"/>
-                  </a:solidFill>
-                  <a:latin typeface="+mn-lt"/>
-                  <a:ea typeface="+mn-ea"/>
-                  <a:cs typeface="+mn-cs"/>
-                </a:defRPr>
-              </a:lvl3pPr>
-              <a:lvl4pPr marL="1371600" algn="l" rtl="0" fontAlgn="base" latinLnBrk="1">
-                <a:spcBef>
-                  <a:spcPct val="0"/>
-                </a:spcBef>
-                <a:spcAft>
-                  <a:spcPct val="0"/>
-                </a:spcAft>
-                <a:defRPr kumimoji="1" sz="1200" kern="1200">
-                  <a:solidFill>
-                    <a:schemeClr val="lt1"/>
-                  </a:solidFill>
-                  <a:latin typeface="+mn-lt"/>
-                  <a:ea typeface="+mn-ea"/>
-                  <a:cs typeface="+mn-cs"/>
-                </a:defRPr>
-              </a:lvl4pPr>
-              <a:lvl5pPr marL="1828800" algn="l" rtl="0" fontAlgn="base" latinLnBrk="1">
-                <a:spcBef>
-                  <a:spcPct val="0"/>
-                </a:spcBef>
-                <a:spcAft>
-                  <a:spcPct val="0"/>
-                </a:spcAft>
-                <a:defRPr kumimoji="1" sz="1200" kern="1200">
-                  <a:solidFill>
-                    <a:schemeClr val="lt1"/>
-                  </a:solidFill>
-                  <a:latin typeface="+mn-lt"/>
-                  <a:ea typeface="+mn-ea"/>
-                  <a:cs typeface="+mn-cs"/>
-                </a:defRPr>
-              </a:lvl5pPr>
-              <a:lvl6pPr marL="2286000" algn="l" defTabSz="914400" rtl="0" eaLnBrk="1" latinLnBrk="0" hangingPunct="1">
-                <a:defRPr kumimoji="1" sz="1200" kern="1200">
-                  <a:solidFill>
-                    <a:schemeClr val="lt1"/>
-                  </a:solidFill>
-                  <a:latin typeface="+mn-lt"/>
-                  <a:ea typeface="+mn-ea"/>
-                  <a:cs typeface="+mn-cs"/>
-                </a:defRPr>
-              </a:lvl6pPr>
-              <a:lvl7pPr marL="2743200" algn="l" defTabSz="914400" rtl="0" eaLnBrk="1" latinLnBrk="0" hangingPunct="1">
-                <a:defRPr kumimoji="1" sz="1200" kern="1200">
-                  <a:solidFill>
-                    <a:schemeClr val="lt1"/>
-                  </a:solidFill>
-                  <a:latin typeface="+mn-lt"/>
-                  <a:ea typeface="+mn-ea"/>
-                  <a:cs typeface="+mn-cs"/>
-                </a:defRPr>
-              </a:lvl7pPr>
-              <a:lvl8pPr marL="3200400" algn="l" defTabSz="914400" rtl="0" eaLnBrk="1" latinLnBrk="0" hangingPunct="1">
-                <a:defRPr kumimoji="1" sz="1200" kern="1200">
-                  <a:solidFill>
-                    <a:schemeClr val="lt1"/>
-                  </a:solidFill>
-                  <a:latin typeface="+mn-lt"/>
-                  <a:ea typeface="+mn-ea"/>
-                  <a:cs typeface="+mn-cs"/>
-                </a:defRPr>
-              </a:lvl8pPr>
-              <a:lvl9pPr marL="3657600" algn="l" defTabSz="914400" rtl="0" eaLnBrk="1" latinLnBrk="0" hangingPunct="1">
-                <a:defRPr kumimoji="1" sz="1200" kern="1200">
-                  <a:solidFill>
-                    <a:schemeClr val="lt1"/>
-                  </a:solidFill>
-                  <a:latin typeface="+mn-lt"/>
-                  <a:ea typeface="+mn-ea"/>
-                  <a:cs typeface="+mn-cs"/>
-                </a:defRPr>
-              </a:lvl9pPr>
-            </a:lstStyle>
-            <a:p>
-              <a:pPr algn="ctr"/>
-              <a:r>
-                <a:rPr lang="en-US" altLang="ko-KR" sz="700" dirty="0">
-                  <a:solidFill>
-                    <a:schemeClr val="tx1"/>
-                  </a:solidFill>
-                  <a:ea typeface="맑은 고딕" pitchFamily="50" charset="-127"/>
-                </a:rPr>
-                <a:t>Replication</a:t>
-              </a:r>
-              <a:endParaRPr lang="ko-KR" altLang="en-US" sz="800" dirty="0">
-                <a:solidFill>
-                  <a:schemeClr val="tx1"/>
-                </a:solidFill>
-                <a:ea typeface="맑은 고딕" pitchFamily="50" charset="-127"/>
-              </a:endParaRPr>
-            </a:p>
-          </p:txBody>
-        </p:sp>
-        <p:sp>
-          <p:nvSpPr>
-            <p:cNvPr id="39" name="왼쪽 중괄호 57">
-              <a:extLst>
-                <a:ext uri="{FF2B5EF4-FFF2-40B4-BE49-F238E27FC236}">
-                  <a16:creationId xmlns:a16="http://schemas.microsoft.com/office/drawing/2014/main" id="{DBA16D4A-980B-C74D-A500-5A5D0F2AF5AF}"/>
-                </a:ext>
-              </a:extLst>
-            </p:cNvPr>
-            <p:cNvSpPr/>
-            <p:nvPr/>
-          </p:nvSpPr>
-          <p:spPr>
-            <a:xfrm rot="10800000">
-              <a:off x="11098085" y="5194925"/>
-              <a:ext cx="137768" cy="1230916"/>
-            </a:xfrm>
-            <a:prstGeom prst="leftBrace">
-              <a:avLst/>
-            </a:prstGeom>
-            <a:ln w="12700">
-              <a:solidFill>
-                <a:schemeClr val="bg1">
-                  <a:lumMod val="50000"/>
-                </a:schemeClr>
-              </a:solidFill>
-              <a:prstDash val="solid"/>
-              <a:headEnd type="none"/>
-              <a:tailEnd type="none"/>
-            </a:ln>
-          </p:spPr>
-          <p:style>
-            <a:lnRef idx="1">
-              <a:schemeClr val="accent1"/>
-            </a:lnRef>
-            <a:fillRef idx="0">
-              <a:schemeClr val="accent1"/>
-            </a:fillRef>
-            <a:effectRef idx="0">
-              <a:schemeClr val="accent1"/>
-            </a:effectRef>
-            <a:fontRef idx="minor">
-              <a:schemeClr val="tx1"/>
-            </a:fontRef>
-          </p:style>
-          <p:txBody>
-            <a:bodyPr rtlCol="0" anchor="ctr"/>
-            <a:lstStyle/>
-            <a:p>
-              <a:pPr algn="ctr"/>
-              <a:endParaRPr lang="ko-KR" altLang="en-US"/>
-            </a:p>
-          </p:txBody>
-        </p:sp>
-        <p:sp>
-          <p:nvSpPr>
-            <p:cNvPr id="40" name="TextBox 39">
-              <a:extLst>
-                <a:ext uri="{FF2B5EF4-FFF2-40B4-BE49-F238E27FC236}">
-                  <a16:creationId xmlns:a16="http://schemas.microsoft.com/office/drawing/2014/main" id="{B81AD2C5-B579-F547-AF16-3A262D61488D}"/>
-                </a:ext>
-              </a:extLst>
-            </p:cNvPr>
-            <p:cNvSpPr txBox="1"/>
-            <p:nvPr/>
-          </p:nvSpPr>
-          <p:spPr>
-            <a:xfrm rot="5400000">
-              <a:off x="10909707" y="5671882"/>
-              <a:ext cx="1177267" cy="276999"/>
-            </a:xfrm>
-            <a:prstGeom prst="rect">
-              <a:avLst/>
-            </a:prstGeom>
-            <a:noFill/>
-          </p:spPr>
-          <p:txBody>
-            <a:bodyPr wrap="square" rtlCol="0">
-              <a:spAutoFit/>
-            </a:bodyPr>
-            <a:lstStyle/>
-            <a:p>
-              <a:pPr algn="ctr"/>
-              <a:r>
-                <a:rPr lang="en-US" altLang="ko-KR" sz="1200" b="1" dirty="0">
-                  <a:latin typeface="+mn-lt"/>
-                </a:rPr>
-                <a:t>NoSQL</a:t>
-              </a:r>
-              <a:endParaRPr lang="ko-KR" altLang="en-US" sz="1200" b="1" dirty="0">
-                <a:latin typeface="+mn-lt"/>
-              </a:endParaRPr>
-            </a:p>
-          </p:txBody>
-        </p:sp>
-        <p:sp>
-          <p:nvSpPr>
             <p:cNvPr id="41" name="왼쪽 중괄호 55">
               <a:extLst>
                 <a:ext uri="{FF2B5EF4-FFF2-40B4-BE49-F238E27FC236}">
@@ -7308,7 +6564,7 @@
           </p:nvSpPr>
           <p:spPr>
             <a:xfrm rot="5400000">
-              <a:off x="5344262" y="425676"/>
+              <a:off x="5344262" y="503166"/>
               <a:ext cx="216026" cy="1814767"/>
             </a:xfrm>
             <a:prstGeom prst="leftBrace">
@@ -7362,7 +6618,7 @@
           </p:nvSpPr>
           <p:spPr>
             <a:xfrm>
-              <a:off x="4559812" y="946817"/>
+              <a:off x="4559812" y="1024307"/>
               <a:ext cx="1784926" cy="276999"/>
             </a:xfrm>
             <a:prstGeom prst="rect">
@@ -7403,8 +6659,8 @@
           </p:nvSpPr>
           <p:spPr bwMode="auto">
             <a:xfrm>
-              <a:off x="789984" y="1508067"/>
-              <a:ext cx="5569675" cy="4242012"/>
+              <a:off x="789984" y="1585557"/>
+              <a:ext cx="5569675" cy="2808062"/>
             </a:xfrm>
             <a:prstGeom prst="roundRect">
               <a:avLst>
@@ -7464,7 +6720,7 @@
           </p:nvSpPr>
           <p:spPr bwMode="auto">
             <a:xfrm>
-              <a:off x="4708734" y="2079769"/>
+              <a:off x="4708734" y="2157259"/>
               <a:ext cx="1529559" cy="1643170"/>
             </a:xfrm>
             <a:prstGeom prst="roundRect">
@@ -7524,7 +6780,7 @@
           </p:nvSpPr>
           <p:spPr bwMode="auto">
             <a:xfrm>
-              <a:off x="4632550" y="1988003"/>
+              <a:off x="4632550" y="2065493"/>
               <a:ext cx="1529559" cy="1610607"/>
             </a:xfrm>
             <a:prstGeom prst="roundRect">
@@ -7584,7 +6840,7 @@
           </p:nvSpPr>
           <p:spPr bwMode="auto">
             <a:xfrm>
-              <a:off x="4544892" y="1874091"/>
+              <a:off x="4544892" y="1951581"/>
               <a:ext cx="1529559" cy="1610607"/>
             </a:xfrm>
             <a:prstGeom prst="roundRect">
@@ -7651,7 +6907,7 @@
           </p:nvSpPr>
           <p:spPr>
             <a:xfrm>
-              <a:off x="4632549" y="2213232"/>
+              <a:off x="4632549" y="2290722"/>
               <a:ext cx="1336933" cy="1162662"/>
             </a:xfrm>
             <a:prstGeom prst="roundRect">
@@ -7718,7 +6974,7 @@
           </p:nvSpPr>
           <p:spPr bwMode="auto">
             <a:xfrm>
-              <a:off x="4734813" y="2889326"/>
+              <a:off x="4734813" y="2966816"/>
               <a:ext cx="1132402" cy="250573"/>
             </a:xfrm>
             <a:prstGeom prst="roundRect">
@@ -7773,7 +7029,7 @@
           </p:nvSpPr>
           <p:spPr bwMode="auto">
             <a:xfrm>
-              <a:off x="4734813" y="2547098"/>
+              <a:off x="4734813" y="2624588"/>
               <a:ext cx="1132402" cy="252000"/>
             </a:xfrm>
             <a:prstGeom prst="roundRect">
@@ -7828,7 +7084,7 @@
           </p:nvSpPr>
           <p:spPr>
             <a:xfrm rot="5400000">
-              <a:off x="3169159" y="567126"/>
+              <a:off x="3169159" y="644616"/>
               <a:ext cx="216026" cy="1531871"/>
             </a:xfrm>
             <a:prstGeom prst="leftBrace">
@@ -7882,7 +7138,7 @@
           </p:nvSpPr>
           <p:spPr>
             <a:xfrm>
-              <a:off x="2378619" y="946818"/>
+              <a:off x="2378619" y="1024308"/>
               <a:ext cx="1784926" cy="276999"/>
             </a:xfrm>
             <a:prstGeom prst="rect">
@@ -7909,400 +7165,6 @@
             </a:p>
           </p:txBody>
         </p:sp>
-        <p:sp>
-          <p:nvSpPr>
-            <p:cNvPr id="52" name="모서리가 둥근 직사각형 51">
-              <a:extLst>
-                <a:ext uri="{FF2B5EF4-FFF2-40B4-BE49-F238E27FC236}">
-                  <a16:creationId xmlns:a16="http://schemas.microsoft.com/office/drawing/2014/main" id="{F583711D-3569-3D46-B20D-C0046A4E6178}"/>
-                </a:ext>
-              </a:extLst>
-            </p:cNvPr>
-            <p:cNvSpPr/>
-            <p:nvPr/>
-          </p:nvSpPr>
-          <p:spPr bwMode="auto">
-            <a:xfrm>
-              <a:off x="4544892" y="4030668"/>
-              <a:ext cx="1693401" cy="1610607"/>
-            </a:xfrm>
-            <a:prstGeom prst="roundRect">
-              <a:avLst>
-                <a:gd name="adj" fmla="val 4646"/>
-              </a:avLst>
-            </a:prstGeom>
-            <a:solidFill>
-              <a:schemeClr val="accent3">
-                <a:lumMod val="40000"/>
-                <a:lumOff val="60000"/>
-              </a:schemeClr>
-            </a:solidFill>
-            <a:ln w="12700">
-              <a:solidFill>
-                <a:schemeClr val="bg1"/>
-              </a:solidFill>
-              <a:round/>
-              <a:headEnd type="none" w="med" len="med"/>
-              <a:tailEnd type="none" w="med" len="med"/>
-            </a:ln>
-          </p:spPr>
-          <p:txBody>
-            <a:bodyPr rot="0" spcFirstLastPara="0" vertOverflow="overflow" horzOverflow="overflow" vert="horz" wrap="square" lIns="90000" tIns="45720" rIns="91440" bIns="45720" numCol="1" spcCol="0" rtlCol="0" fromWordArt="0" anchor="t" anchorCtr="0" forceAA="0" compatLnSpc="1">
-              <a:prstTxWarp prst="textNoShape">
-                <a:avLst/>
-              </a:prstTxWarp>
-              <a:noAutofit/>
-            </a:bodyPr>
-            <a:lstStyle/>
-            <a:p>
-              <a:r>
-                <a:rPr kumimoji="1" lang="en-US" altLang="ko-KR" sz="1000" b="1" dirty="0">
-                  <a:latin typeface="+mn-lt"/>
-                  <a:ea typeface="+mn-ea"/>
-                </a:rPr>
-                <a:t>Crawler Pod</a:t>
-              </a:r>
-              <a:r>
-                <a:rPr kumimoji="1" lang="en-US" altLang="ko-KR" sz="900" dirty="0">
-                  <a:latin typeface="+mn-lt"/>
-                  <a:ea typeface="+mn-ea"/>
-                </a:rPr>
-                <a:t> (replica = 1)</a:t>
-              </a:r>
-              <a:endParaRPr kumimoji="1" lang="ko-KR" altLang="en-US" sz="900" dirty="0">
-                <a:latin typeface="+mn-lt"/>
-                <a:ea typeface="+mn-ea"/>
-              </a:endParaRPr>
-            </a:p>
-          </p:txBody>
-        </p:sp>
-        <p:sp>
-          <p:nvSpPr>
-            <p:cNvPr id="53" name="모서리가 둥근 직사각형 6">
-              <a:extLst>
-                <a:ext uri="{FF2B5EF4-FFF2-40B4-BE49-F238E27FC236}">
-                  <a16:creationId xmlns:a16="http://schemas.microsoft.com/office/drawing/2014/main" id="{334A3FEA-1F2D-6545-A985-E7A3365CEFC0}"/>
-                </a:ext>
-              </a:extLst>
-            </p:cNvPr>
-            <p:cNvSpPr/>
-            <p:nvPr/>
-          </p:nvSpPr>
-          <p:spPr>
-            <a:xfrm>
-              <a:off x="4628216" y="5002356"/>
-              <a:ext cx="1520905" cy="522711"/>
-            </a:xfrm>
-            <a:prstGeom prst="roundRect">
-              <a:avLst>
-                <a:gd name="adj" fmla="val 10015"/>
-              </a:avLst>
-            </a:prstGeom>
-            <a:solidFill>
-              <a:schemeClr val="bg1"/>
-            </a:solidFill>
-            <a:ln w="6350"/>
-            <a:effectLst/>
-          </p:spPr>
-          <p:style>
-            <a:lnRef idx="1">
-              <a:schemeClr val="dk1"/>
-            </a:lnRef>
-            <a:fillRef idx="2">
-              <a:schemeClr val="dk1"/>
-            </a:fillRef>
-            <a:effectRef idx="1">
-              <a:schemeClr val="dk1"/>
-            </a:effectRef>
-            <a:fontRef idx="minor">
-              <a:schemeClr val="dk1"/>
-            </a:fontRef>
-          </p:style>
-          <p:txBody>
-            <a:bodyPr lIns="18000" rIns="18000" anchor="t" anchorCtr="0"/>
-            <a:lstStyle/>
-            <a:p>
-              <a:pPr>
-                <a:defRPr/>
-              </a:pPr>
-              <a:r>
-                <a:rPr lang="en-US" altLang="ko-KR" sz="900" dirty="0">
-                  <a:solidFill>
-                    <a:srgbClr val="000000"/>
-                  </a:solidFill>
-                  <a:ea typeface="맑은 고딕" pitchFamily="50" charset="-127"/>
-                </a:rPr>
-                <a:t>Data Crawler</a:t>
-              </a:r>
-              <a:endParaRPr lang="en-US" altLang="ko-KR" sz="1000" b="1" dirty="0">
-                <a:solidFill>
-                  <a:srgbClr val="000000"/>
-                </a:solidFill>
-                <a:ea typeface="맑은 고딕" pitchFamily="50" charset="-127"/>
-              </a:endParaRPr>
-            </a:p>
-          </p:txBody>
-        </p:sp>
-        <p:sp>
-          <p:nvSpPr>
-            <p:cNvPr id="54" name="모서리가 둥근 직사각형 53">
-              <a:extLst>
-                <a:ext uri="{FF2B5EF4-FFF2-40B4-BE49-F238E27FC236}">
-                  <a16:creationId xmlns:a16="http://schemas.microsoft.com/office/drawing/2014/main" id="{35ECBABF-1944-AD4E-A6F6-427F74C63627}"/>
-                </a:ext>
-              </a:extLst>
-            </p:cNvPr>
-            <p:cNvSpPr/>
-            <p:nvPr/>
-          </p:nvSpPr>
-          <p:spPr bwMode="auto">
-            <a:xfrm>
-              <a:off x="4417680" y="5847515"/>
-              <a:ext cx="1941978" cy="578326"/>
-            </a:xfrm>
-            <a:prstGeom prst="roundRect">
-              <a:avLst>
-                <a:gd name="adj" fmla="val 6884"/>
-              </a:avLst>
-            </a:prstGeom>
-            <a:solidFill>
-              <a:srgbClr val="333D47"/>
-            </a:solidFill>
-            <a:ln w="12700">
-              <a:noFill/>
-              <a:round/>
-              <a:headEnd type="none" w="med" len="med"/>
-              <a:tailEnd type="none" w="med" len="med"/>
-            </a:ln>
-          </p:spPr>
-          <p:txBody>
-            <a:bodyPr rot="0" spcFirstLastPara="0" vertOverflow="overflow" horzOverflow="overflow" vert="horz" wrap="square" lIns="90000" tIns="45720" rIns="91440" bIns="45720" numCol="1" spcCol="0" rtlCol="0" fromWordArt="0" anchor="t" anchorCtr="0" forceAA="0" compatLnSpc="1">
-              <a:prstTxWarp prst="textNoShape">
-                <a:avLst/>
-              </a:prstTxWarp>
-              <a:noAutofit/>
-            </a:bodyPr>
-            <a:lstStyle/>
-            <a:p>
-              <a:r>
-                <a:rPr kumimoji="1" lang="en-US" altLang="ko-KR" sz="1000" b="1" dirty="0">
-                  <a:solidFill>
-                    <a:schemeClr val="bg1"/>
-                  </a:solidFill>
-                  <a:latin typeface="+mn-lt"/>
-                  <a:ea typeface="+mn-ea"/>
-                </a:rPr>
-                <a:t>aws S3</a:t>
-              </a:r>
-              <a:endParaRPr kumimoji="1" lang="ko-KR" altLang="en-US" sz="1000" b="1" dirty="0">
-                <a:solidFill>
-                  <a:schemeClr val="bg1"/>
-                </a:solidFill>
-                <a:latin typeface="+mn-lt"/>
-                <a:ea typeface="+mn-ea"/>
-              </a:endParaRPr>
-            </a:p>
-          </p:txBody>
-        </p:sp>
-        <p:sp>
-          <p:nvSpPr>
-            <p:cNvPr id="55" name="모서리가 둥근 직사각형 54">
-              <a:extLst>
-                <a:ext uri="{FF2B5EF4-FFF2-40B4-BE49-F238E27FC236}">
-                  <a16:creationId xmlns:a16="http://schemas.microsoft.com/office/drawing/2014/main" id="{A6F093F8-5101-0749-9887-E5E276CFEEE3}"/>
-                </a:ext>
-              </a:extLst>
-            </p:cNvPr>
-            <p:cNvSpPr/>
-            <p:nvPr/>
-          </p:nvSpPr>
-          <p:spPr bwMode="auto">
-            <a:xfrm>
-              <a:off x="4544892" y="6137586"/>
-              <a:ext cx="1693401" cy="190819"/>
-            </a:xfrm>
-            <a:prstGeom prst="roundRect">
-              <a:avLst>
-                <a:gd name="adj" fmla="val 4646"/>
-              </a:avLst>
-            </a:prstGeom>
-            <a:solidFill>
-              <a:schemeClr val="accent3">
-                <a:lumMod val="40000"/>
-                <a:lumOff val="60000"/>
-              </a:schemeClr>
-            </a:solidFill>
-            <a:ln w="12700">
-              <a:solidFill>
-                <a:schemeClr val="bg1"/>
-              </a:solidFill>
-              <a:round/>
-              <a:headEnd type="none" w="med" len="med"/>
-              <a:tailEnd type="none" w="med" len="med"/>
-            </a:ln>
-          </p:spPr>
-          <p:txBody>
-            <a:bodyPr rot="0" spcFirstLastPara="0" vertOverflow="overflow" horzOverflow="overflow" vert="horz" wrap="square" lIns="90000" tIns="45720" rIns="91440" bIns="45720" numCol="1" spcCol="0" rtlCol="0" fromWordArt="0" anchor="ctr" anchorCtr="0" forceAA="0" compatLnSpc="1">
-              <a:prstTxWarp prst="textNoShape">
-                <a:avLst/>
-              </a:prstTxWarp>
-              <a:noAutofit/>
-            </a:bodyPr>
-            <a:lstStyle/>
-            <a:p>
-              <a:pPr algn="ctr"/>
-              <a:r>
-                <a:rPr kumimoji="1" lang="en-US" altLang="ko-KR" sz="900" dirty="0">
-                  <a:latin typeface="+mn-lt"/>
-                  <a:ea typeface="+mn-ea"/>
-                </a:rPr>
-                <a:t>Billing &amp; Usage Report</a:t>
-              </a:r>
-              <a:endParaRPr kumimoji="1" lang="ko-KR" altLang="en-US" sz="900" dirty="0">
-                <a:latin typeface="+mn-lt"/>
-                <a:ea typeface="+mn-ea"/>
-              </a:endParaRPr>
-            </a:p>
-          </p:txBody>
-        </p:sp>
-        <p:sp>
-          <p:nvSpPr>
-            <p:cNvPr id="56" name="모서리가 둥근 직사각형 55">
-              <a:extLst>
-                <a:ext uri="{FF2B5EF4-FFF2-40B4-BE49-F238E27FC236}">
-                  <a16:creationId xmlns:a16="http://schemas.microsoft.com/office/drawing/2014/main" id="{E5976B35-996F-8541-87D4-05DB08324A5D}"/>
-                </a:ext>
-              </a:extLst>
-            </p:cNvPr>
-            <p:cNvSpPr/>
-            <p:nvPr/>
-          </p:nvSpPr>
-          <p:spPr bwMode="auto">
-            <a:xfrm>
-              <a:off x="4734813" y="5262839"/>
-              <a:ext cx="1286922" cy="192237"/>
-            </a:xfrm>
-            <a:prstGeom prst="roundRect">
-              <a:avLst>
-                <a:gd name="adj" fmla="val 9531"/>
-              </a:avLst>
-            </a:prstGeom>
-            <a:solidFill>
-              <a:schemeClr val="accent1"/>
-            </a:solidFill>
-            <a:ln w="12700">
-              <a:noFill/>
-              <a:round/>
-              <a:headEnd type="none" w="med" len="med"/>
-              <a:tailEnd type="none" w="med" len="med"/>
-            </a:ln>
-          </p:spPr>
-          <p:txBody>
-            <a:bodyPr rot="0" spcFirstLastPara="0" vertOverflow="overflow" horzOverflow="overflow" vert="horz" wrap="square" lIns="91440" tIns="45720" rIns="91440" bIns="45720" numCol="1" spcCol="0" rtlCol="0" fromWordArt="0" anchor="ctr" anchorCtr="0" forceAA="0" compatLnSpc="1">
-              <a:prstTxWarp prst="textNoShape">
-                <a:avLst/>
-              </a:prstTxWarp>
-              <a:noAutofit/>
-            </a:bodyPr>
-            <a:lstStyle/>
-            <a:p>
-              <a:pPr algn="ctr"/>
-              <a:r>
-                <a:rPr kumimoji="1" lang="en-US" altLang="ko-KR" sz="900" b="0" dirty="0">
-                  <a:solidFill>
-                    <a:schemeClr val="bg1"/>
-                  </a:solidFill>
-                  <a:latin typeface="+mn-lt"/>
-                  <a:ea typeface="+mn-ea"/>
-                </a:rPr>
-                <a:t>timeloop</a:t>
-              </a:r>
-            </a:p>
-          </p:txBody>
-        </p:sp>
-        <p:sp>
-          <p:nvSpPr>
-            <p:cNvPr id="57" name="위쪽/아래쪽 화살표 6">
-              <a:extLst>
-                <a:ext uri="{FF2B5EF4-FFF2-40B4-BE49-F238E27FC236}">
-                  <a16:creationId xmlns:a16="http://schemas.microsoft.com/office/drawing/2014/main" id="{006FB0C5-18BE-2A4E-9B71-6BE9C940A3F2}"/>
-                </a:ext>
-              </a:extLst>
-            </p:cNvPr>
-            <p:cNvSpPr/>
-            <p:nvPr/>
-          </p:nvSpPr>
-          <p:spPr>
-            <a:xfrm>
-              <a:off x="4963409" y="5491091"/>
-              <a:ext cx="867839" cy="676507"/>
-            </a:xfrm>
-            <a:prstGeom prst="upDownArrow">
-              <a:avLst>
-                <a:gd name="adj1" fmla="val 63985"/>
-                <a:gd name="adj2" fmla="val 33684"/>
-              </a:avLst>
-            </a:prstGeom>
-            <a:solidFill>
-              <a:schemeClr val="bg1">
-                <a:lumMod val="95000"/>
-              </a:schemeClr>
-            </a:solidFill>
-            <a:ln w="9525">
-              <a:solidFill>
-                <a:schemeClr val="tx1">
-                  <a:lumMod val="85000"/>
-                  <a:lumOff val="15000"/>
-                </a:schemeClr>
-              </a:solidFill>
-            </a:ln>
-            <a:scene3d>
-              <a:camera prst="orthographicFront"/>
-              <a:lightRig rig="threePt" dir="t"/>
-            </a:scene3d>
-            <a:sp3d/>
-          </p:spPr>
-          <p:style>
-            <a:lnRef idx="2">
-              <a:schemeClr val="accent1">
-                <a:shade val="50000"/>
-              </a:schemeClr>
-            </a:lnRef>
-            <a:fillRef idx="1">
-              <a:schemeClr val="accent1"/>
-            </a:fillRef>
-            <a:effectRef idx="0">
-              <a:schemeClr val="accent1"/>
-            </a:effectRef>
-            <a:fontRef idx="minor">
-              <a:schemeClr val="lt1"/>
-            </a:fontRef>
-          </p:style>
-          <p:txBody>
-            <a:bodyPr rtlCol="0" anchor="ctr">
-              <a:flatTx/>
-            </a:bodyPr>
-            <a:lstStyle/>
-            <a:p>
-              <a:pPr algn="ctr"/>
-              <a:r>
-                <a:rPr lang="en-US" altLang="ko-KR" sz="700" dirty="0">
-                  <a:solidFill>
-                    <a:schemeClr val="tx1"/>
-                  </a:solidFill>
-                  <a:ea typeface="맑은 고딕" pitchFamily="50" charset="-127"/>
-                </a:rPr>
-                <a:t>Crawling</a:t>
-              </a:r>
-              <a:endParaRPr lang="ko-KR" altLang="en-US" sz="800" dirty="0">
-                <a:solidFill>
-                  <a:schemeClr val="tx1"/>
-                </a:solidFill>
-                <a:ea typeface="맑은 고딕" pitchFamily="50" charset="-127"/>
-              </a:endParaRPr>
-            </a:p>
-          </p:txBody>
-        </p:sp>
         <p:cxnSp>
           <p:nvCxnSpPr>
             <p:cNvPr id="58" name="직선 연결선[R] 57">
@@ -8321,7 +7183,7 @@
           </p:nvCxnSpPr>
           <p:spPr>
             <a:xfrm flipV="1">
-              <a:off x="5969482" y="2465758"/>
+              <a:off x="5969482" y="2543248"/>
               <a:ext cx="906880" cy="328805"/>
             </a:xfrm>
             <a:prstGeom prst="line">
@@ -8371,280 +7233,8 @@
           </p:nvCxnSpPr>
           <p:spPr>
             <a:xfrm>
-              <a:off x="5969482" y="2794563"/>
+              <a:off x="5969482" y="2872053"/>
               <a:ext cx="906880" cy="1521566"/>
-            </a:xfrm>
-            <a:prstGeom prst="line">
-              <a:avLst/>
-            </a:prstGeom>
-            <a:ln w="19050">
-              <a:solidFill>
-                <a:schemeClr val="accent4">
-                  <a:lumMod val="60000"/>
-                  <a:lumOff val="40000"/>
-                </a:schemeClr>
-              </a:solidFill>
-              <a:headEnd type="none" w="med" len="sm"/>
-              <a:tailEnd type="none" w="med" len="sm"/>
-            </a:ln>
-          </p:spPr>
-          <p:style>
-            <a:lnRef idx="1">
-              <a:schemeClr val="accent1"/>
-            </a:lnRef>
-            <a:fillRef idx="0">
-              <a:schemeClr val="accent1"/>
-            </a:fillRef>
-            <a:effectRef idx="0">
-              <a:schemeClr val="accent1"/>
-            </a:effectRef>
-            <a:fontRef idx="minor">
-              <a:schemeClr val="tx1"/>
-            </a:fontRef>
-          </p:style>
-        </p:cxnSp>
-        <p:cxnSp>
-          <p:nvCxnSpPr>
-            <p:cNvPr id="60" name="직선 연결선[R] 59">
-              <a:extLst>
-                <a:ext uri="{FF2B5EF4-FFF2-40B4-BE49-F238E27FC236}">
-                  <a16:creationId xmlns:a16="http://schemas.microsoft.com/office/drawing/2014/main" id="{4805A485-3A58-774C-8377-95B3FE926FE7}"/>
-                </a:ext>
-              </a:extLst>
-            </p:cNvPr>
-            <p:cNvCxnSpPr>
-              <a:cxnSpLocks/>
-              <a:stCxn id="47" idx="3"/>
-              <a:endCxn id="34" idx="1"/>
-            </p:cNvCxnSpPr>
-            <p:nvPr/>
-          </p:nvCxnSpPr>
-          <p:spPr>
-            <a:xfrm>
-              <a:off x="5969482" y="2794563"/>
-              <a:ext cx="906880" cy="3015820"/>
-            </a:xfrm>
-            <a:prstGeom prst="line">
-              <a:avLst/>
-            </a:prstGeom>
-            <a:ln w="19050">
-              <a:solidFill>
-                <a:schemeClr val="accent4">
-                  <a:lumMod val="60000"/>
-                  <a:lumOff val="40000"/>
-                </a:schemeClr>
-              </a:solidFill>
-              <a:headEnd type="none" w="med" len="sm"/>
-              <a:tailEnd type="none" w="med" len="sm"/>
-            </a:ln>
-          </p:spPr>
-          <p:style>
-            <a:lnRef idx="1">
-              <a:schemeClr val="accent1"/>
-            </a:lnRef>
-            <a:fillRef idx="0">
-              <a:schemeClr val="accent1"/>
-            </a:fillRef>
-            <a:effectRef idx="0">
-              <a:schemeClr val="accent1"/>
-            </a:effectRef>
-            <a:fontRef idx="minor">
-              <a:schemeClr val="tx1"/>
-            </a:fontRef>
-          </p:style>
-        </p:cxnSp>
-        <p:cxnSp>
-          <p:nvCxnSpPr>
-            <p:cNvPr id="61" name="직선 연결선[R] 60">
-              <a:extLst>
-                <a:ext uri="{FF2B5EF4-FFF2-40B4-BE49-F238E27FC236}">
-                  <a16:creationId xmlns:a16="http://schemas.microsoft.com/office/drawing/2014/main" id="{65B602FC-FCBC-6343-B7AB-4875DFF76699}"/>
-                </a:ext>
-              </a:extLst>
-            </p:cNvPr>
-            <p:cNvCxnSpPr>
-              <a:cxnSpLocks/>
-              <a:stCxn id="53" idx="3"/>
-              <a:endCxn id="34" idx="1"/>
-            </p:cNvCxnSpPr>
-            <p:nvPr/>
-          </p:nvCxnSpPr>
-          <p:spPr>
-            <a:xfrm>
-              <a:off x="6149121" y="5263712"/>
-              <a:ext cx="727241" cy="546671"/>
-            </a:xfrm>
-            <a:prstGeom prst="line">
-              <a:avLst/>
-            </a:prstGeom>
-            <a:ln w="19050">
-              <a:solidFill>
-                <a:schemeClr val="accent4">
-                  <a:lumMod val="60000"/>
-                  <a:lumOff val="40000"/>
-                </a:schemeClr>
-              </a:solidFill>
-              <a:headEnd type="none" w="med" len="sm"/>
-              <a:tailEnd type="none" w="med" len="sm"/>
-            </a:ln>
-          </p:spPr>
-          <p:style>
-            <a:lnRef idx="1">
-              <a:schemeClr val="accent1"/>
-            </a:lnRef>
-            <a:fillRef idx="0">
-              <a:schemeClr val="accent1"/>
-            </a:fillRef>
-            <a:effectRef idx="0">
-              <a:schemeClr val="accent1"/>
-            </a:effectRef>
-            <a:fontRef idx="minor">
-              <a:schemeClr val="tx1"/>
-            </a:fontRef>
-          </p:style>
-        </p:cxnSp>
-        <p:sp>
-          <p:nvSpPr>
-            <p:cNvPr id="62" name="모서리가 둥근 직사각형 6">
-              <a:extLst>
-                <a:ext uri="{FF2B5EF4-FFF2-40B4-BE49-F238E27FC236}">
-                  <a16:creationId xmlns:a16="http://schemas.microsoft.com/office/drawing/2014/main" id="{0E53483D-D49B-3B4F-9909-AD5D02D35AB6}"/>
-                </a:ext>
-              </a:extLst>
-            </p:cNvPr>
-            <p:cNvSpPr/>
-            <p:nvPr/>
-          </p:nvSpPr>
-          <p:spPr>
-            <a:xfrm>
-              <a:off x="4628216" y="4362502"/>
-              <a:ext cx="1520905" cy="522711"/>
-            </a:xfrm>
-            <a:prstGeom prst="roundRect">
-              <a:avLst>
-                <a:gd name="adj" fmla="val 10015"/>
-              </a:avLst>
-            </a:prstGeom>
-            <a:solidFill>
-              <a:schemeClr val="bg1"/>
-            </a:solidFill>
-            <a:ln w="6350"/>
-            <a:effectLst/>
-          </p:spPr>
-          <p:style>
-            <a:lnRef idx="1">
-              <a:schemeClr val="dk1"/>
-            </a:lnRef>
-            <a:fillRef idx="2">
-              <a:schemeClr val="dk1"/>
-            </a:fillRef>
-            <a:effectRef idx="1">
-              <a:schemeClr val="dk1"/>
-            </a:effectRef>
-            <a:fontRef idx="minor">
-              <a:schemeClr val="dk1"/>
-            </a:fontRef>
-          </p:style>
-          <p:txBody>
-            <a:bodyPr lIns="18000" rIns="18000" anchor="t" anchorCtr="0"/>
-            <a:lstStyle/>
-            <a:p>
-              <a:pPr>
-                <a:defRPr/>
-              </a:pPr>
-              <a:r>
-                <a:rPr lang="en-US" altLang="ko-KR" sz="900" dirty="0">
-                  <a:solidFill>
-                    <a:srgbClr val="000000"/>
-                  </a:solidFill>
-                  <a:ea typeface="맑은 고딕" pitchFamily="50" charset="-127"/>
-                </a:rPr>
-                <a:t>Data Analyzer</a:t>
-              </a:r>
-              <a:endParaRPr lang="en-US" altLang="ko-KR" sz="1000" b="1" dirty="0">
-                <a:solidFill>
-                  <a:srgbClr val="000000"/>
-                </a:solidFill>
-                <a:ea typeface="맑은 고딕" pitchFamily="50" charset="-127"/>
-              </a:endParaRPr>
-            </a:p>
-          </p:txBody>
-        </p:sp>
-        <p:sp>
-          <p:nvSpPr>
-            <p:cNvPr id="63" name="모서리가 둥근 직사각형 62">
-              <a:extLst>
-                <a:ext uri="{FF2B5EF4-FFF2-40B4-BE49-F238E27FC236}">
-                  <a16:creationId xmlns:a16="http://schemas.microsoft.com/office/drawing/2014/main" id="{AEF3751A-923C-2B4F-AD01-AD1978F6E677}"/>
-                </a:ext>
-              </a:extLst>
-            </p:cNvPr>
-            <p:cNvSpPr/>
-            <p:nvPr/>
-          </p:nvSpPr>
-          <p:spPr bwMode="auto">
-            <a:xfrm>
-              <a:off x="4734813" y="4622985"/>
-              <a:ext cx="1286922" cy="192237"/>
-            </a:xfrm>
-            <a:prstGeom prst="roundRect">
-              <a:avLst>
-                <a:gd name="adj" fmla="val 9531"/>
-              </a:avLst>
-            </a:prstGeom>
-            <a:solidFill>
-              <a:schemeClr val="accent1"/>
-            </a:solidFill>
-            <a:ln w="12700">
-              <a:noFill/>
-              <a:round/>
-              <a:headEnd type="none" w="med" len="med"/>
-              <a:tailEnd type="none" w="med" len="med"/>
-            </a:ln>
-          </p:spPr>
-          <p:txBody>
-            <a:bodyPr rot="0" spcFirstLastPara="0" vertOverflow="overflow" horzOverflow="overflow" vert="horz" wrap="square" lIns="91440" tIns="45720" rIns="91440" bIns="45720" numCol="1" spcCol="0" rtlCol="0" fromWordArt="0" anchor="ctr" anchorCtr="0" forceAA="0" compatLnSpc="1">
-              <a:prstTxWarp prst="textNoShape">
-                <a:avLst/>
-              </a:prstTxWarp>
-              <a:noAutofit/>
-            </a:bodyPr>
-            <a:lstStyle/>
-            <a:p>
-              <a:pPr algn="ctr"/>
-              <a:r>
-                <a:rPr kumimoji="1" lang="en-US" altLang="ko-KR" sz="900" b="0" dirty="0">
-                  <a:solidFill>
-                    <a:schemeClr val="bg1"/>
-                  </a:solidFill>
-                  <a:latin typeface="+mn-lt"/>
-                  <a:ea typeface="+mn-ea"/>
-                </a:rPr>
-                <a:t>timeloop</a:t>
-              </a:r>
-            </a:p>
-          </p:txBody>
-        </p:sp>
-        <p:cxnSp>
-          <p:nvCxnSpPr>
-            <p:cNvPr id="64" name="직선 연결선[R] 63">
-              <a:extLst>
-                <a:ext uri="{FF2B5EF4-FFF2-40B4-BE49-F238E27FC236}">
-                  <a16:creationId xmlns:a16="http://schemas.microsoft.com/office/drawing/2014/main" id="{DF3693F1-C90C-7E43-A434-3FAC75500F74}"/>
-                </a:ext>
-              </a:extLst>
-            </p:cNvPr>
-            <p:cNvCxnSpPr>
-              <a:cxnSpLocks/>
-              <a:stCxn id="62" idx="3"/>
-              <a:endCxn id="34" idx="1"/>
-            </p:cNvCxnSpPr>
-            <p:nvPr/>
-          </p:nvCxnSpPr>
-          <p:spPr>
-            <a:xfrm>
-              <a:off x="6149121" y="4623858"/>
-              <a:ext cx="727241" cy="1186525"/>
             </a:xfrm>
             <a:prstGeom prst="line">
               <a:avLst/>
@@ -8689,8 +7279,8 @@
           </p:nvSpPr>
           <p:spPr bwMode="auto">
             <a:xfrm>
-              <a:off x="918045" y="1883183"/>
-              <a:ext cx="964600" cy="3758092"/>
+              <a:off x="918045" y="1960673"/>
+              <a:ext cx="964600" cy="2285863"/>
             </a:xfrm>
             <a:prstGeom prst="roundRect">
               <a:avLst>
@@ -8734,13 +7324,6 @@
               </a:endParaRPr>
             </a:p>
             <a:p>
-              <a:r>
-                <a:rPr kumimoji="1" lang="en-US" altLang="ko-KR" sz="900" dirty="0">
-                  <a:latin typeface="+mn-lt"/>
-                  <a:ea typeface="+mn-ea"/>
-                </a:rPr>
-                <a:t>(k8s L/B)</a:t>
-              </a:r>
               <a:endParaRPr kumimoji="1" lang="ko-KR" altLang="en-US" sz="900" dirty="0">
                 <a:latin typeface="+mn-lt"/>
                 <a:ea typeface="+mn-ea"/>
@@ -8764,7 +7347,7 @@
           </p:nvSpPr>
           <p:spPr bwMode="auto">
             <a:xfrm>
-              <a:off x="1237137" y="2893054"/>
+              <a:off x="1237137" y="2970544"/>
               <a:ext cx="643988" cy="200055"/>
             </a:xfrm>
             <a:prstGeom prst="rect">
@@ -8935,7 +7518,7 @@
           </p:nvCxnSpPr>
           <p:spPr>
             <a:xfrm flipV="1">
-              <a:off x="1881125" y="2826172"/>
+              <a:off x="1881125" y="2903662"/>
               <a:ext cx="358402" cy="166910"/>
             </a:xfrm>
             <a:prstGeom prst="bentConnector3">
@@ -8969,663 +7552,6 @@
             </a:fontRef>
           </p:style>
         </p:cxnSp>
-        <p:sp>
-          <p:nvSpPr>
-            <p:cNvPr id="70" name="모서리가 둥근 직사각형 69">
-              <a:extLst>
-                <a:ext uri="{FF2B5EF4-FFF2-40B4-BE49-F238E27FC236}">
-                  <a16:creationId xmlns:a16="http://schemas.microsoft.com/office/drawing/2014/main" id="{2A620B4E-FE04-7049-B688-E68EE3D84D78}"/>
-                </a:ext>
-              </a:extLst>
-            </p:cNvPr>
-            <p:cNvSpPr/>
-            <p:nvPr/>
-          </p:nvSpPr>
-          <p:spPr bwMode="auto">
-            <a:xfrm>
-              <a:off x="2499057" y="1988004"/>
-              <a:ext cx="1544050" cy="2793305"/>
-            </a:xfrm>
-            <a:prstGeom prst="roundRect">
-              <a:avLst>
-                <a:gd name="adj" fmla="val 5152"/>
-              </a:avLst>
-            </a:prstGeom>
-            <a:solidFill>
-              <a:schemeClr val="accent3">
-                <a:lumMod val="40000"/>
-                <a:lumOff val="60000"/>
-              </a:schemeClr>
-            </a:solidFill>
-            <a:ln w="12700">
-              <a:solidFill>
-                <a:schemeClr val="bg1"/>
-              </a:solidFill>
-              <a:round/>
-              <a:headEnd type="none" w="med" len="med"/>
-              <a:tailEnd type="none" w="med" len="med"/>
-            </a:ln>
-          </p:spPr>
-          <p:txBody>
-            <a:bodyPr rot="0" spcFirstLastPara="0" vertOverflow="overflow" horzOverflow="overflow" vert="horz" wrap="square" lIns="90000" tIns="45720" rIns="91440" bIns="45720" numCol="1" spcCol="0" rtlCol="0" fromWordArt="0" anchor="t" anchorCtr="0" forceAA="0" compatLnSpc="1">
-              <a:prstTxWarp prst="textNoShape">
-                <a:avLst/>
-              </a:prstTxWarp>
-              <a:noAutofit/>
-            </a:bodyPr>
-            <a:lstStyle/>
-            <a:p>
-              <a:r>
-                <a:rPr kumimoji="1" lang="en-US" altLang="ko-KR" sz="900" dirty="0">
-                  <a:latin typeface="+mn-lt"/>
-                  <a:ea typeface="+mn-ea"/>
-                </a:rPr>
-                <a:t>Pod (replica &gt; 2)</a:t>
-              </a:r>
-              <a:endParaRPr kumimoji="1" lang="ko-KR" altLang="en-US" sz="900" dirty="0">
-                <a:latin typeface="+mn-lt"/>
-                <a:ea typeface="+mn-ea"/>
-              </a:endParaRPr>
-            </a:p>
-          </p:txBody>
-        </p:sp>
-        <p:sp>
-          <p:nvSpPr>
-            <p:cNvPr id="71" name="모서리가 둥근 직사각형 70">
-              <a:extLst>
-                <a:ext uri="{FF2B5EF4-FFF2-40B4-BE49-F238E27FC236}">
-                  <a16:creationId xmlns:a16="http://schemas.microsoft.com/office/drawing/2014/main" id="{F2237898-ADF5-A343-B2BE-9D12CA429061}"/>
-                </a:ext>
-              </a:extLst>
-            </p:cNvPr>
-            <p:cNvSpPr/>
-            <p:nvPr/>
-          </p:nvSpPr>
-          <p:spPr bwMode="auto">
-            <a:xfrm>
-              <a:off x="2393682" y="1887070"/>
-              <a:ext cx="1544050" cy="2793304"/>
-            </a:xfrm>
-            <a:prstGeom prst="roundRect">
-              <a:avLst>
-                <a:gd name="adj" fmla="val 5152"/>
-              </a:avLst>
-            </a:prstGeom>
-            <a:solidFill>
-              <a:schemeClr val="accent3">
-                <a:lumMod val="40000"/>
-                <a:lumOff val="60000"/>
-              </a:schemeClr>
-            </a:solidFill>
-            <a:ln w="12700">
-              <a:solidFill>
-                <a:schemeClr val="bg1"/>
-              </a:solidFill>
-              <a:round/>
-              <a:headEnd type="none" w="med" len="med"/>
-              <a:tailEnd type="none" w="med" len="med"/>
-            </a:ln>
-          </p:spPr>
-          <p:txBody>
-            <a:bodyPr rot="0" spcFirstLastPara="0" vertOverflow="overflow" horzOverflow="overflow" vert="horz" wrap="square" lIns="90000" tIns="45720" rIns="91440" bIns="45720" numCol="1" spcCol="0" rtlCol="0" fromWordArt="0" anchor="t" anchorCtr="0" forceAA="0" compatLnSpc="1">
-              <a:prstTxWarp prst="textNoShape">
-                <a:avLst/>
-              </a:prstTxWarp>
-              <a:noAutofit/>
-            </a:bodyPr>
-            <a:lstStyle/>
-            <a:p>
-              <a:r>
-                <a:rPr kumimoji="1" lang="en-US" altLang="ko-KR" sz="1000" b="1" dirty="0">
-                  <a:latin typeface="+mn-lt"/>
-                  <a:ea typeface="+mn-ea"/>
-                </a:rPr>
-                <a:t>Frontend Pod</a:t>
-              </a:r>
-              <a:r>
-                <a:rPr kumimoji="1" lang="en-US" altLang="ko-KR" sz="900" dirty="0">
-                  <a:latin typeface="+mn-lt"/>
-                  <a:ea typeface="+mn-ea"/>
-                </a:rPr>
-                <a:t> (replica &gt;= 2)</a:t>
-              </a:r>
-              <a:endParaRPr kumimoji="1" lang="ko-KR" altLang="en-US" sz="900" dirty="0">
-                <a:latin typeface="+mn-lt"/>
-                <a:ea typeface="+mn-ea"/>
-              </a:endParaRPr>
-            </a:p>
-          </p:txBody>
-        </p:sp>
-        <p:grpSp>
-          <p:nvGrpSpPr>
-            <p:cNvPr id="72" name="그룹 71">
-              <a:extLst>
-                <a:ext uri="{FF2B5EF4-FFF2-40B4-BE49-F238E27FC236}">
-                  <a16:creationId xmlns:a16="http://schemas.microsoft.com/office/drawing/2014/main" id="{A04CC617-EF1C-3642-8B07-8A8979E443A2}"/>
-                </a:ext>
-              </a:extLst>
-            </p:cNvPr>
-            <p:cNvGrpSpPr/>
-            <p:nvPr/>
-          </p:nvGrpSpPr>
-          <p:grpSpPr>
-            <a:xfrm>
-              <a:off x="2492722" y="2213232"/>
-              <a:ext cx="1336933" cy="1128155"/>
-              <a:chOff x="2492722" y="2213232"/>
-              <a:chExt cx="1336933" cy="1128155"/>
-            </a:xfrm>
-          </p:grpSpPr>
-          <p:sp>
-            <p:nvSpPr>
-              <p:cNvPr id="92" name="모서리가 둥근 직사각형 6">
-                <a:extLst>
-                  <a:ext uri="{FF2B5EF4-FFF2-40B4-BE49-F238E27FC236}">
-                    <a16:creationId xmlns:a16="http://schemas.microsoft.com/office/drawing/2014/main" id="{ECF06ABC-FCE4-D245-954E-F36357EE34CB}"/>
-                  </a:ext>
-                </a:extLst>
-              </p:cNvPr>
-              <p:cNvSpPr/>
-              <p:nvPr/>
-            </p:nvSpPr>
-            <p:spPr>
-              <a:xfrm>
-                <a:off x="2492722" y="2213232"/>
-                <a:ext cx="1336933" cy="1128155"/>
-              </a:xfrm>
-              <a:prstGeom prst="roundRect">
-                <a:avLst>
-                  <a:gd name="adj" fmla="val 3674"/>
-                </a:avLst>
-              </a:prstGeom>
-              <a:solidFill>
-                <a:schemeClr val="bg1"/>
-              </a:solidFill>
-              <a:ln w="6350"/>
-              <a:effectLst/>
-            </p:spPr>
-            <p:style>
-              <a:lnRef idx="1">
-                <a:schemeClr val="dk1"/>
-              </a:lnRef>
-              <a:fillRef idx="2">
-                <a:schemeClr val="dk1"/>
-              </a:fillRef>
-              <a:effectRef idx="1">
-                <a:schemeClr val="dk1"/>
-              </a:effectRef>
-              <a:fontRef idx="minor">
-                <a:schemeClr val="dk1"/>
-              </a:fontRef>
-            </p:style>
-            <p:txBody>
-              <a:bodyPr lIns="18000" rIns="18000" anchor="t" anchorCtr="0"/>
-              <a:lstStyle/>
-              <a:p>
-                <a:pPr>
-                  <a:defRPr/>
-                </a:pPr>
-                <a:r>
-                  <a:rPr lang="en-US" altLang="ko-KR" sz="900" dirty="0" err="1">
-                    <a:solidFill>
-                      <a:srgbClr val="000000"/>
-                    </a:solidFill>
-                    <a:ea typeface="맑은 고딕" pitchFamily="50" charset="-127"/>
-                  </a:rPr>
-                  <a:t>nginx</a:t>
-                </a:r>
-                <a:r>
-                  <a:rPr lang="en-US" altLang="ko-KR" sz="900" dirty="0">
-                    <a:solidFill>
-                      <a:srgbClr val="000000"/>
-                    </a:solidFill>
-                    <a:ea typeface="맑은 고딕" pitchFamily="50" charset="-127"/>
-                  </a:rPr>
-                  <a:t> - Customer</a:t>
-                </a:r>
-                <a:endParaRPr lang="en-US" altLang="ko-KR" sz="1000" dirty="0">
-                  <a:solidFill>
-                    <a:srgbClr val="000000"/>
-                  </a:solidFill>
-                  <a:ea typeface="맑은 고딕" pitchFamily="50" charset="-127"/>
-                </a:endParaRPr>
-              </a:p>
-            </p:txBody>
-          </p:sp>
-          <p:sp>
-            <p:nvSpPr>
-              <p:cNvPr id="93" name="모서리가 둥근 직사각형 92">
-                <a:extLst>
-                  <a:ext uri="{FF2B5EF4-FFF2-40B4-BE49-F238E27FC236}">
-                    <a16:creationId xmlns:a16="http://schemas.microsoft.com/office/drawing/2014/main" id="{3AC4E8BB-FFFB-5B49-8D03-BF7D624D8B86}"/>
-                  </a:ext>
-                </a:extLst>
-              </p:cNvPr>
-              <p:cNvSpPr/>
-              <p:nvPr/>
-            </p:nvSpPr>
-            <p:spPr bwMode="auto">
-              <a:xfrm>
-                <a:off x="2594986" y="2547098"/>
-                <a:ext cx="1132402" cy="191668"/>
-              </a:xfrm>
-              <a:prstGeom prst="roundRect">
-                <a:avLst>
-                  <a:gd name="adj" fmla="val 9531"/>
-                </a:avLst>
-              </a:prstGeom>
-              <a:solidFill>
-                <a:schemeClr val="accent1"/>
-              </a:solidFill>
-              <a:ln w="12700">
-                <a:noFill/>
-                <a:round/>
-                <a:headEnd type="none" w="med" len="med"/>
-                <a:tailEnd type="none" w="med" len="med"/>
-              </a:ln>
-            </p:spPr>
-            <p:txBody>
-              <a:bodyPr rot="0" spcFirstLastPara="0" vertOverflow="overflow" horzOverflow="overflow" vert="horz" wrap="square" lIns="91440" tIns="45720" rIns="91440" bIns="45720" numCol="1" spcCol="0" rtlCol="0" fromWordArt="0" anchor="ctr" anchorCtr="0" forceAA="0" compatLnSpc="1">
-                <a:prstTxWarp prst="textNoShape">
-                  <a:avLst/>
-                </a:prstTxWarp>
-                <a:noAutofit/>
-              </a:bodyPr>
-              <a:lstStyle/>
-              <a:p>
-                <a:pPr algn="ctr"/>
-                <a:r>
-                  <a:rPr kumimoji="1" lang="en-US" altLang="ko-KR" sz="900" b="0" dirty="0">
-                    <a:solidFill>
-                      <a:schemeClr val="bg1"/>
-                    </a:solidFill>
-                    <a:latin typeface="+mn-lt"/>
-                    <a:ea typeface="+mn-ea"/>
-                  </a:rPr>
-                  <a:t>HTML</a:t>
-                </a:r>
-              </a:p>
-            </p:txBody>
-          </p:sp>
-          <p:sp>
-            <p:nvSpPr>
-              <p:cNvPr id="94" name="모서리가 둥근 직사각형 93">
-                <a:extLst>
-                  <a:ext uri="{FF2B5EF4-FFF2-40B4-BE49-F238E27FC236}">
-                    <a16:creationId xmlns:a16="http://schemas.microsoft.com/office/drawing/2014/main" id="{6DC67952-6947-B141-8523-525F7CE2B308}"/>
-                  </a:ext>
-                </a:extLst>
-              </p:cNvPr>
-              <p:cNvSpPr/>
-              <p:nvPr/>
-            </p:nvSpPr>
-            <p:spPr bwMode="auto">
-              <a:xfrm>
-                <a:off x="2594986" y="2805004"/>
-                <a:ext cx="1132402" cy="191668"/>
-              </a:xfrm>
-              <a:prstGeom prst="roundRect">
-                <a:avLst>
-                  <a:gd name="adj" fmla="val 9531"/>
-                </a:avLst>
-              </a:prstGeom>
-              <a:solidFill>
-                <a:schemeClr val="accent1"/>
-              </a:solidFill>
-              <a:ln w="12700">
-                <a:noFill/>
-                <a:round/>
-                <a:headEnd type="none" w="med" len="med"/>
-                <a:tailEnd type="none" w="med" len="med"/>
-              </a:ln>
-            </p:spPr>
-            <p:txBody>
-              <a:bodyPr rot="0" spcFirstLastPara="0" vertOverflow="overflow" horzOverflow="overflow" vert="horz" wrap="square" lIns="91440" tIns="45720" rIns="91440" bIns="45720" numCol="1" spcCol="0" rtlCol="0" fromWordArt="0" anchor="ctr" anchorCtr="0" forceAA="0" compatLnSpc="1">
-                <a:prstTxWarp prst="textNoShape">
-                  <a:avLst/>
-                </a:prstTxWarp>
-                <a:noAutofit/>
-              </a:bodyPr>
-              <a:lstStyle/>
-              <a:p>
-                <a:pPr algn="ctr"/>
-                <a:r>
-                  <a:rPr kumimoji="1" lang="en-US" altLang="ko-KR" sz="900" b="0" dirty="0">
-                    <a:solidFill>
-                      <a:schemeClr val="bg1"/>
-                    </a:solidFill>
-                    <a:latin typeface="+mn-lt"/>
-                    <a:ea typeface="+mn-ea"/>
-                  </a:rPr>
-                  <a:t>CSS, Images</a:t>
-                </a:r>
-              </a:p>
-            </p:txBody>
-          </p:sp>
-          <p:sp>
-            <p:nvSpPr>
-              <p:cNvPr id="95" name="모서리가 둥근 직사각형 94">
-                <a:extLst>
-                  <a:ext uri="{FF2B5EF4-FFF2-40B4-BE49-F238E27FC236}">
-                    <a16:creationId xmlns:a16="http://schemas.microsoft.com/office/drawing/2014/main" id="{38CB6D34-ECF7-4442-9312-0F2992FC27F8}"/>
-                  </a:ext>
-                </a:extLst>
-              </p:cNvPr>
-              <p:cNvSpPr/>
-              <p:nvPr/>
-            </p:nvSpPr>
-            <p:spPr bwMode="auto">
-              <a:xfrm>
-                <a:off x="2594986" y="3062910"/>
-                <a:ext cx="1132402" cy="191668"/>
-              </a:xfrm>
-              <a:prstGeom prst="roundRect">
-                <a:avLst>
-                  <a:gd name="adj" fmla="val 9531"/>
-                </a:avLst>
-              </a:prstGeom>
-              <a:solidFill>
-                <a:schemeClr val="accent1"/>
-              </a:solidFill>
-              <a:ln w="12700">
-                <a:noFill/>
-                <a:round/>
-                <a:headEnd type="none" w="med" len="med"/>
-                <a:tailEnd type="none" w="med" len="med"/>
-              </a:ln>
-            </p:spPr>
-            <p:txBody>
-              <a:bodyPr rot="0" spcFirstLastPara="0" vertOverflow="overflow" horzOverflow="overflow" vert="horz" wrap="square" lIns="91440" tIns="45720" rIns="91440" bIns="45720" numCol="1" spcCol="0" rtlCol="0" fromWordArt="0" anchor="ctr" anchorCtr="0" forceAA="0" compatLnSpc="1">
-                <a:prstTxWarp prst="textNoShape">
-                  <a:avLst/>
-                </a:prstTxWarp>
-                <a:noAutofit/>
-              </a:bodyPr>
-              <a:lstStyle/>
-              <a:p>
-                <a:pPr algn="ctr"/>
-                <a:r>
-                  <a:rPr kumimoji="1" lang="en-US" altLang="ko-KR" sz="900" b="0" dirty="0" err="1">
-                    <a:solidFill>
-                      <a:schemeClr val="bg1"/>
-                    </a:solidFill>
-                    <a:latin typeface="+mn-lt"/>
-                    <a:ea typeface="+mn-ea"/>
-                  </a:rPr>
-                  <a:t>JQuery.js</a:t>
-                </a:r>
-                <a:endParaRPr kumimoji="1" lang="en-US" altLang="ko-KR" sz="900" b="0" dirty="0">
-                  <a:solidFill>
-                    <a:schemeClr val="bg1"/>
-                  </a:solidFill>
-                  <a:latin typeface="+mn-lt"/>
-                  <a:ea typeface="+mn-ea"/>
-                </a:endParaRPr>
-              </a:p>
-            </p:txBody>
-          </p:sp>
-        </p:grpSp>
-        <p:grpSp>
-          <p:nvGrpSpPr>
-            <p:cNvPr id="73" name="그룹 72">
-              <a:extLst>
-                <a:ext uri="{FF2B5EF4-FFF2-40B4-BE49-F238E27FC236}">
-                  <a16:creationId xmlns:a16="http://schemas.microsoft.com/office/drawing/2014/main" id="{75E21566-3B36-C34A-9428-A96A9F19392C}"/>
-                </a:ext>
-              </a:extLst>
-            </p:cNvPr>
-            <p:cNvGrpSpPr/>
-            <p:nvPr/>
-          </p:nvGrpSpPr>
-          <p:grpSpPr>
-            <a:xfrm>
-              <a:off x="2239527" y="2646172"/>
-              <a:ext cx="360000" cy="360000"/>
-              <a:chOff x="2210181" y="2714828"/>
-              <a:chExt cx="360000" cy="360000"/>
-            </a:xfrm>
-          </p:grpSpPr>
-          <p:sp>
-            <p:nvSpPr>
-              <p:cNvPr id="90" name="타원 89">
-                <a:extLst>
-                  <a:ext uri="{FF2B5EF4-FFF2-40B4-BE49-F238E27FC236}">
-                    <a16:creationId xmlns:a16="http://schemas.microsoft.com/office/drawing/2014/main" id="{FAC67BA9-042C-CE46-926B-FE40688CF938}"/>
-                  </a:ext>
-                </a:extLst>
-              </p:cNvPr>
-              <p:cNvSpPr/>
-              <p:nvPr/>
-            </p:nvSpPr>
-            <p:spPr>
-              <a:xfrm>
-                <a:off x="2210181" y="2714828"/>
-                <a:ext cx="360000" cy="360000"/>
-              </a:xfrm>
-              <a:prstGeom prst="ellipse">
-                <a:avLst/>
-              </a:prstGeom>
-              <a:solidFill>
-                <a:schemeClr val="bg1">
-                  <a:lumMod val="95000"/>
-                </a:schemeClr>
-              </a:solidFill>
-              <a:ln w="9525">
-                <a:solidFill>
-                  <a:schemeClr val="tx1">
-                    <a:lumMod val="85000"/>
-                    <a:lumOff val="15000"/>
-                  </a:schemeClr>
-                </a:solidFill>
-              </a:ln>
-              <a:scene3d>
-                <a:camera prst="orthographicFront"/>
-                <a:lightRig rig="threePt" dir="t"/>
-              </a:scene3d>
-              <a:sp3d/>
-            </p:spPr>
-            <p:style>
-              <a:lnRef idx="2">
-                <a:schemeClr val="accent1">
-                  <a:shade val="50000"/>
-                </a:schemeClr>
-              </a:lnRef>
-              <a:fillRef idx="1">
-                <a:schemeClr val="accent1"/>
-              </a:fillRef>
-              <a:effectRef idx="0">
-                <a:schemeClr val="accent1"/>
-              </a:effectRef>
-              <a:fontRef idx="minor">
-                <a:schemeClr val="lt1"/>
-              </a:fontRef>
-            </p:style>
-            <p:txBody>
-              <a:bodyPr rtlCol="0" anchor="ctr">
-                <a:flatTx/>
-              </a:bodyPr>
-              <a:lstStyle/>
-              <a:p>
-                <a:pPr algn="ctr"/>
-                <a:endParaRPr kumimoji="1" lang="ko-Kore-KR" altLang="en-US" sz="700" dirty="0">
-                  <a:solidFill>
-                    <a:schemeClr val="tx1"/>
-                  </a:solidFill>
-                  <a:ea typeface="맑은 고딕" pitchFamily="50" charset="-127"/>
-                </a:endParaRPr>
-              </a:p>
-            </p:txBody>
-          </p:sp>
-          <p:sp>
-            <p:nvSpPr>
-              <p:cNvPr id="91" name="Text Box 53">
-                <a:extLst>
-                  <a:ext uri="{FF2B5EF4-FFF2-40B4-BE49-F238E27FC236}">
-                    <a16:creationId xmlns:a16="http://schemas.microsoft.com/office/drawing/2014/main" id="{78AD33C3-60D1-684E-91D8-1CB271BAB909}"/>
-                  </a:ext>
-                </a:extLst>
-              </p:cNvPr>
-              <p:cNvSpPr txBox="1">
-                <a:spLocks noChangeArrowheads="1"/>
-              </p:cNvSpPr>
-              <p:nvPr/>
-            </p:nvSpPr>
-            <p:spPr bwMode="auto">
-              <a:xfrm>
-                <a:off x="2234985" y="2790182"/>
-                <a:ext cx="335196" cy="200055"/>
-              </a:xfrm>
-              <a:prstGeom prst="rect">
-                <a:avLst/>
-              </a:prstGeom>
-              <a:noFill/>
-              <a:ln>
-                <a:noFill/>
-              </a:ln>
-              <a:extLst>
-                <a:ext uri="{909E8E84-426E-40DD-AFC4-6F175D3DCCD1}">
-                  <a14:hiddenFill xmlns:a14="http://schemas.microsoft.com/office/drawing/2010/main">
-                    <a:solidFill>
-                      <a:srgbClr val="FFFFFF"/>
-                    </a:solidFill>
-                  </a14:hiddenFill>
-                </a:ext>
-                <a:ext uri="{91240B29-F687-4F45-9708-019B960494DF}">
-                  <a14:hiddenLine xmlns:a14="http://schemas.microsoft.com/office/drawing/2010/main" w="9525" algn="ctr">
-                    <a:solidFill>
-                      <a:srgbClr val="000000"/>
-                    </a:solidFill>
-                    <a:miter lim="800000"/>
-                    <a:headEnd/>
-                    <a:tailEnd/>
-                  </a14:hiddenLine>
-                </a:ext>
-              </a:extLst>
-            </p:spPr>
-            <p:txBody>
-              <a:bodyPr wrap="square">
-                <a:spAutoFit/>
-              </a:bodyPr>
-              <a:lstStyle>
-                <a:lvl1pPr marL="90488" indent="-90488" eaLnBrk="0" hangingPunct="0">
-                  <a:defRPr kumimoji="1">
-                    <a:solidFill>
-                      <a:schemeClr val="tx1"/>
-                    </a:solidFill>
-                    <a:latin typeface="굴림" charset="-127"/>
-                    <a:ea typeface="굴림" charset="-127"/>
-                  </a:defRPr>
-                </a:lvl1pPr>
-                <a:lvl2pPr marL="742950" indent="-285750" eaLnBrk="0" hangingPunct="0">
-                  <a:defRPr kumimoji="1">
-                    <a:solidFill>
-                      <a:schemeClr val="tx1"/>
-                    </a:solidFill>
-                    <a:latin typeface="굴림" charset="-127"/>
-                    <a:ea typeface="굴림" charset="-127"/>
-                  </a:defRPr>
-                </a:lvl2pPr>
-                <a:lvl3pPr marL="1143000" indent="-228600" eaLnBrk="0" hangingPunct="0">
-                  <a:defRPr kumimoji="1">
-                    <a:solidFill>
-                      <a:schemeClr val="tx1"/>
-                    </a:solidFill>
-                    <a:latin typeface="굴림" charset="-127"/>
-                    <a:ea typeface="굴림" charset="-127"/>
-                  </a:defRPr>
-                </a:lvl3pPr>
-                <a:lvl4pPr marL="1600200" indent="-228600" eaLnBrk="0" hangingPunct="0">
-                  <a:defRPr kumimoji="1">
-                    <a:solidFill>
-                      <a:schemeClr val="tx1"/>
-                    </a:solidFill>
-                    <a:latin typeface="굴림" charset="-127"/>
-                    <a:ea typeface="굴림" charset="-127"/>
-                  </a:defRPr>
-                </a:lvl4pPr>
-                <a:lvl5pPr marL="2057400" indent="-228600" eaLnBrk="0" hangingPunct="0">
-                  <a:defRPr kumimoji="1">
-                    <a:solidFill>
-                      <a:schemeClr val="tx1"/>
-                    </a:solidFill>
-                    <a:latin typeface="굴림" charset="-127"/>
-                    <a:ea typeface="굴림" charset="-127"/>
-                  </a:defRPr>
-                </a:lvl5pPr>
-                <a:lvl6pPr marL="2514600" indent="-228600" eaLnBrk="0" fontAlgn="base" hangingPunct="0">
-                  <a:spcBef>
-                    <a:spcPct val="0"/>
-                  </a:spcBef>
-                  <a:spcAft>
-                    <a:spcPct val="0"/>
-                  </a:spcAft>
-                  <a:defRPr kumimoji="1">
-                    <a:solidFill>
-                      <a:schemeClr val="tx1"/>
-                    </a:solidFill>
-                    <a:latin typeface="굴림" charset="-127"/>
-                    <a:ea typeface="굴림" charset="-127"/>
-                  </a:defRPr>
-                </a:lvl6pPr>
-                <a:lvl7pPr marL="2971800" indent="-228600" eaLnBrk="0" fontAlgn="base" hangingPunct="0">
-                  <a:spcBef>
-                    <a:spcPct val="0"/>
-                  </a:spcBef>
-                  <a:spcAft>
-                    <a:spcPct val="0"/>
-                  </a:spcAft>
-                  <a:defRPr kumimoji="1">
-                    <a:solidFill>
-                      <a:schemeClr val="tx1"/>
-                    </a:solidFill>
-                    <a:latin typeface="굴림" charset="-127"/>
-                    <a:ea typeface="굴림" charset="-127"/>
-                  </a:defRPr>
-                </a:lvl7pPr>
-                <a:lvl8pPr marL="3429000" indent="-228600" eaLnBrk="0" fontAlgn="base" hangingPunct="0">
-                  <a:spcBef>
-                    <a:spcPct val="0"/>
-                  </a:spcBef>
-                  <a:spcAft>
-                    <a:spcPct val="0"/>
-                  </a:spcAft>
-                  <a:defRPr kumimoji="1">
-                    <a:solidFill>
-                      <a:schemeClr val="tx1"/>
-                    </a:solidFill>
-                    <a:latin typeface="굴림" charset="-127"/>
-                    <a:ea typeface="굴림" charset="-127"/>
-                  </a:defRPr>
-                </a:lvl8pPr>
-                <a:lvl9pPr marL="3886200" indent="-228600" eaLnBrk="0" fontAlgn="base" hangingPunct="0">
-                  <a:spcBef>
-                    <a:spcPct val="0"/>
-                  </a:spcBef>
-                  <a:spcAft>
-                    <a:spcPct val="0"/>
-                  </a:spcAft>
-                  <a:defRPr kumimoji="1">
-                    <a:solidFill>
-                      <a:schemeClr val="tx1"/>
-                    </a:solidFill>
-                    <a:latin typeface="굴림" charset="-127"/>
-                    <a:ea typeface="굴림" charset="-127"/>
-                  </a:defRPr>
-                </a:lvl9pPr>
-              </a:lstStyle>
-              <a:p>
-                <a:pPr marL="0" indent="0" algn="ctr" eaLnBrk="1" hangingPunct="1"/>
-                <a:r>
-                  <a:rPr lang="en-US" altLang="ko-KR" sz="700" dirty="0">
-                    <a:latin typeface="+mn-ea"/>
-                    <a:ea typeface="+mn-ea"/>
-                  </a:rPr>
-                  <a:t>L/B</a:t>
-                </a:r>
-              </a:p>
-            </p:txBody>
-          </p:sp>
-        </p:grpSp>
         <p:grpSp>
           <p:nvGrpSpPr>
             <p:cNvPr id="74" name="그룹 73">
@@ -9640,7 +7566,7 @@
           </p:nvGrpSpPr>
           <p:grpSpPr>
             <a:xfrm>
-              <a:off x="4250413" y="2714828"/>
+              <a:off x="4250413" y="2792318"/>
               <a:ext cx="360000" cy="360000"/>
               <a:chOff x="2210181" y="2714828"/>
               <a:chExt cx="360000" cy="360000"/>
@@ -9887,536 +7813,6 @@
             </p:txBody>
           </p:sp>
         </p:grpSp>
-        <p:grpSp>
-          <p:nvGrpSpPr>
-            <p:cNvPr id="75" name="그룹 74">
-              <a:extLst>
-                <a:ext uri="{FF2B5EF4-FFF2-40B4-BE49-F238E27FC236}">
-                  <a16:creationId xmlns:a16="http://schemas.microsoft.com/office/drawing/2014/main" id="{0FF430D4-0220-CF49-9635-16FDA9E42B48}"/>
-                </a:ext>
-              </a:extLst>
-            </p:cNvPr>
-            <p:cNvGrpSpPr/>
-            <p:nvPr/>
-          </p:nvGrpSpPr>
-          <p:grpSpPr>
-            <a:xfrm>
-              <a:off x="2492722" y="3452752"/>
-              <a:ext cx="1336933" cy="1128155"/>
-              <a:chOff x="2492722" y="2213232"/>
-              <a:chExt cx="1336933" cy="1128155"/>
-            </a:xfrm>
-          </p:grpSpPr>
-          <p:sp>
-            <p:nvSpPr>
-              <p:cNvPr id="84" name="모서리가 둥근 직사각형 6">
-                <a:extLst>
-                  <a:ext uri="{FF2B5EF4-FFF2-40B4-BE49-F238E27FC236}">
-                    <a16:creationId xmlns:a16="http://schemas.microsoft.com/office/drawing/2014/main" id="{BA8B39F6-FC4D-C947-8268-3A74603FDB8F}"/>
-                  </a:ext>
-                </a:extLst>
-              </p:cNvPr>
-              <p:cNvSpPr/>
-              <p:nvPr/>
-            </p:nvSpPr>
-            <p:spPr>
-              <a:xfrm>
-                <a:off x="2492722" y="2213232"/>
-                <a:ext cx="1336933" cy="1128155"/>
-              </a:xfrm>
-              <a:prstGeom prst="roundRect">
-                <a:avLst>
-                  <a:gd name="adj" fmla="val 3674"/>
-                </a:avLst>
-              </a:prstGeom>
-              <a:solidFill>
-                <a:schemeClr val="bg1"/>
-              </a:solidFill>
-              <a:ln w="6350"/>
-              <a:effectLst/>
-            </p:spPr>
-            <p:style>
-              <a:lnRef idx="1">
-                <a:schemeClr val="dk1"/>
-              </a:lnRef>
-              <a:fillRef idx="2">
-                <a:schemeClr val="dk1"/>
-              </a:fillRef>
-              <a:effectRef idx="1">
-                <a:schemeClr val="dk1"/>
-              </a:effectRef>
-              <a:fontRef idx="minor">
-                <a:schemeClr val="dk1"/>
-              </a:fontRef>
-            </p:style>
-            <p:txBody>
-              <a:bodyPr lIns="18000" rIns="18000" anchor="t" anchorCtr="0"/>
-              <a:lstStyle/>
-              <a:p>
-                <a:pPr>
-                  <a:defRPr/>
-                </a:pPr>
-                <a:r>
-                  <a:rPr lang="en-US" altLang="ko-KR" sz="900" dirty="0" err="1">
-                    <a:solidFill>
-                      <a:srgbClr val="000000"/>
-                    </a:solidFill>
-                    <a:ea typeface="맑은 고딕" pitchFamily="50" charset="-127"/>
-                  </a:rPr>
-                  <a:t>nginx</a:t>
-                </a:r>
-                <a:r>
-                  <a:rPr lang="en-US" altLang="ko-KR" sz="900" dirty="0">
-                    <a:solidFill>
-                      <a:srgbClr val="000000"/>
-                    </a:solidFill>
-                    <a:ea typeface="맑은 고딕" pitchFamily="50" charset="-127"/>
-                  </a:rPr>
-                  <a:t> - Admin</a:t>
-                </a:r>
-                <a:endParaRPr lang="en-US" altLang="ko-KR" sz="1000" dirty="0">
-                  <a:solidFill>
-                    <a:srgbClr val="000000"/>
-                  </a:solidFill>
-                  <a:ea typeface="맑은 고딕" pitchFamily="50" charset="-127"/>
-                </a:endParaRPr>
-              </a:p>
-            </p:txBody>
-          </p:sp>
-          <p:sp>
-            <p:nvSpPr>
-              <p:cNvPr id="85" name="모서리가 둥근 직사각형 84">
-                <a:extLst>
-                  <a:ext uri="{FF2B5EF4-FFF2-40B4-BE49-F238E27FC236}">
-                    <a16:creationId xmlns:a16="http://schemas.microsoft.com/office/drawing/2014/main" id="{0278E1CE-6AD7-514D-8516-0D3E75407922}"/>
-                  </a:ext>
-                </a:extLst>
-              </p:cNvPr>
-              <p:cNvSpPr/>
-              <p:nvPr/>
-            </p:nvSpPr>
-            <p:spPr bwMode="auto">
-              <a:xfrm>
-                <a:off x="2594986" y="2547098"/>
-                <a:ext cx="1132402" cy="191668"/>
-              </a:xfrm>
-              <a:prstGeom prst="roundRect">
-                <a:avLst>
-                  <a:gd name="adj" fmla="val 9531"/>
-                </a:avLst>
-              </a:prstGeom>
-              <a:solidFill>
-                <a:schemeClr val="accent1"/>
-              </a:solidFill>
-              <a:ln w="12700">
-                <a:noFill/>
-                <a:round/>
-                <a:headEnd type="none" w="med" len="med"/>
-                <a:tailEnd type="none" w="med" len="med"/>
-              </a:ln>
-            </p:spPr>
-            <p:txBody>
-              <a:bodyPr rot="0" spcFirstLastPara="0" vertOverflow="overflow" horzOverflow="overflow" vert="horz" wrap="square" lIns="91440" tIns="45720" rIns="91440" bIns="45720" numCol="1" spcCol="0" rtlCol="0" fromWordArt="0" anchor="ctr" anchorCtr="0" forceAA="0" compatLnSpc="1">
-                <a:prstTxWarp prst="textNoShape">
-                  <a:avLst/>
-                </a:prstTxWarp>
-                <a:noAutofit/>
-              </a:bodyPr>
-              <a:lstStyle/>
-              <a:p>
-                <a:pPr algn="ctr"/>
-                <a:r>
-                  <a:rPr kumimoji="1" lang="en-US" altLang="ko-KR" sz="900" b="0" dirty="0">
-                    <a:solidFill>
-                      <a:schemeClr val="bg1"/>
-                    </a:solidFill>
-                    <a:latin typeface="+mn-lt"/>
-                    <a:ea typeface="+mn-ea"/>
-                  </a:rPr>
-                  <a:t>HTML</a:t>
-                </a:r>
-              </a:p>
-            </p:txBody>
-          </p:sp>
-          <p:sp>
-            <p:nvSpPr>
-              <p:cNvPr id="86" name="모서리가 둥근 직사각형 85">
-                <a:extLst>
-                  <a:ext uri="{FF2B5EF4-FFF2-40B4-BE49-F238E27FC236}">
-                    <a16:creationId xmlns:a16="http://schemas.microsoft.com/office/drawing/2014/main" id="{A5F30CF1-8110-FF4F-B159-B20265E8CC39}"/>
-                  </a:ext>
-                </a:extLst>
-              </p:cNvPr>
-              <p:cNvSpPr/>
-              <p:nvPr/>
-            </p:nvSpPr>
-            <p:spPr bwMode="auto">
-              <a:xfrm>
-                <a:off x="2594986" y="2805004"/>
-                <a:ext cx="1132402" cy="191668"/>
-              </a:xfrm>
-              <a:prstGeom prst="roundRect">
-                <a:avLst>
-                  <a:gd name="adj" fmla="val 9531"/>
-                </a:avLst>
-              </a:prstGeom>
-              <a:solidFill>
-                <a:schemeClr val="accent1"/>
-              </a:solidFill>
-              <a:ln w="12700">
-                <a:noFill/>
-                <a:round/>
-                <a:headEnd type="none" w="med" len="med"/>
-                <a:tailEnd type="none" w="med" len="med"/>
-              </a:ln>
-            </p:spPr>
-            <p:txBody>
-              <a:bodyPr rot="0" spcFirstLastPara="0" vertOverflow="overflow" horzOverflow="overflow" vert="horz" wrap="square" lIns="91440" tIns="45720" rIns="91440" bIns="45720" numCol="1" spcCol="0" rtlCol="0" fromWordArt="0" anchor="ctr" anchorCtr="0" forceAA="0" compatLnSpc="1">
-                <a:prstTxWarp prst="textNoShape">
-                  <a:avLst/>
-                </a:prstTxWarp>
-                <a:noAutofit/>
-              </a:bodyPr>
-              <a:lstStyle/>
-              <a:p>
-                <a:pPr algn="ctr"/>
-                <a:r>
-                  <a:rPr kumimoji="1" lang="en-US" altLang="ko-KR" sz="900" b="0" dirty="0">
-                    <a:solidFill>
-                      <a:schemeClr val="bg1"/>
-                    </a:solidFill>
-                    <a:latin typeface="+mn-lt"/>
-                    <a:ea typeface="+mn-ea"/>
-                  </a:rPr>
-                  <a:t>CSS, Images</a:t>
-                </a:r>
-              </a:p>
-            </p:txBody>
-          </p:sp>
-          <p:sp>
-            <p:nvSpPr>
-              <p:cNvPr id="87" name="모서리가 둥근 직사각형 86">
-                <a:extLst>
-                  <a:ext uri="{FF2B5EF4-FFF2-40B4-BE49-F238E27FC236}">
-                    <a16:creationId xmlns:a16="http://schemas.microsoft.com/office/drawing/2014/main" id="{417D705B-8F06-3943-9FD6-899596DDECC0}"/>
-                  </a:ext>
-                </a:extLst>
-              </p:cNvPr>
-              <p:cNvSpPr/>
-              <p:nvPr/>
-            </p:nvSpPr>
-            <p:spPr bwMode="auto">
-              <a:xfrm>
-                <a:off x="2594986" y="3062910"/>
-                <a:ext cx="1132402" cy="191668"/>
-              </a:xfrm>
-              <a:prstGeom prst="roundRect">
-                <a:avLst>
-                  <a:gd name="adj" fmla="val 9531"/>
-                </a:avLst>
-              </a:prstGeom>
-              <a:solidFill>
-                <a:schemeClr val="accent1"/>
-              </a:solidFill>
-              <a:ln w="12700">
-                <a:noFill/>
-                <a:round/>
-                <a:headEnd type="none" w="med" len="med"/>
-                <a:tailEnd type="none" w="med" len="med"/>
-              </a:ln>
-            </p:spPr>
-            <p:txBody>
-              <a:bodyPr rot="0" spcFirstLastPara="0" vertOverflow="overflow" horzOverflow="overflow" vert="horz" wrap="square" lIns="91440" tIns="45720" rIns="91440" bIns="45720" numCol="1" spcCol="0" rtlCol="0" fromWordArt="0" anchor="ctr" anchorCtr="0" forceAA="0" compatLnSpc="1">
-                <a:prstTxWarp prst="textNoShape">
-                  <a:avLst/>
-                </a:prstTxWarp>
-                <a:noAutofit/>
-              </a:bodyPr>
-              <a:lstStyle/>
-              <a:p>
-                <a:pPr algn="ctr"/>
-                <a:r>
-                  <a:rPr kumimoji="1" lang="en-US" altLang="ko-KR" sz="900" b="0" dirty="0" err="1">
-                    <a:solidFill>
-                      <a:schemeClr val="bg1"/>
-                    </a:solidFill>
-                    <a:latin typeface="+mn-lt"/>
-                    <a:ea typeface="+mn-ea"/>
-                  </a:rPr>
-                  <a:t>JQuery.js</a:t>
-                </a:r>
-                <a:endParaRPr kumimoji="1" lang="en-US" altLang="ko-KR" sz="900" b="0" dirty="0">
-                  <a:solidFill>
-                    <a:schemeClr val="bg1"/>
-                  </a:solidFill>
-                  <a:latin typeface="+mn-lt"/>
-                  <a:ea typeface="+mn-ea"/>
-                </a:endParaRPr>
-              </a:p>
-            </p:txBody>
-          </p:sp>
-        </p:grpSp>
-        <p:grpSp>
-          <p:nvGrpSpPr>
-            <p:cNvPr id="76" name="그룹 75">
-              <a:extLst>
-                <a:ext uri="{FF2B5EF4-FFF2-40B4-BE49-F238E27FC236}">
-                  <a16:creationId xmlns:a16="http://schemas.microsoft.com/office/drawing/2014/main" id="{2F27B106-7A99-BF46-8D0D-B6B682D9643A}"/>
-                </a:ext>
-              </a:extLst>
-            </p:cNvPr>
-            <p:cNvGrpSpPr/>
-            <p:nvPr/>
-          </p:nvGrpSpPr>
-          <p:grpSpPr>
-            <a:xfrm>
-              <a:off x="2239527" y="3892465"/>
-              <a:ext cx="360000" cy="360000"/>
-              <a:chOff x="2210181" y="2714828"/>
-              <a:chExt cx="360000" cy="360000"/>
-            </a:xfrm>
-          </p:grpSpPr>
-          <p:sp>
-            <p:nvSpPr>
-              <p:cNvPr id="82" name="타원 81">
-                <a:extLst>
-                  <a:ext uri="{FF2B5EF4-FFF2-40B4-BE49-F238E27FC236}">
-                    <a16:creationId xmlns:a16="http://schemas.microsoft.com/office/drawing/2014/main" id="{FFA675E3-DA11-EF46-85B0-3B357E971F3C}"/>
-                  </a:ext>
-                </a:extLst>
-              </p:cNvPr>
-              <p:cNvSpPr/>
-              <p:nvPr/>
-            </p:nvSpPr>
-            <p:spPr>
-              <a:xfrm>
-                <a:off x="2210181" y="2714828"/>
-                <a:ext cx="360000" cy="360000"/>
-              </a:xfrm>
-              <a:prstGeom prst="ellipse">
-                <a:avLst/>
-              </a:prstGeom>
-              <a:solidFill>
-                <a:schemeClr val="bg1">
-                  <a:lumMod val="95000"/>
-                </a:schemeClr>
-              </a:solidFill>
-              <a:ln w="9525">
-                <a:solidFill>
-                  <a:schemeClr val="tx1">
-                    <a:lumMod val="85000"/>
-                    <a:lumOff val="15000"/>
-                  </a:schemeClr>
-                </a:solidFill>
-              </a:ln>
-              <a:scene3d>
-                <a:camera prst="orthographicFront"/>
-                <a:lightRig rig="threePt" dir="t"/>
-              </a:scene3d>
-              <a:sp3d/>
-            </p:spPr>
-            <p:style>
-              <a:lnRef idx="2">
-                <a:schemeClr val="accent1">
-                  <a:shade val="50000"/>
-                </a:schemeClr>
-              </a:lnRef>
-              <a:fillRef idx="1">
-                <a:schemeClr val="accent1"/>
-              </a:fillRef>
-              <a:effectRef idx="0">
-                <a:schemeClr val="accent1"/>
-              </a:effectRef>
-              <a:fontRef idx="minor">
-                <a:schemeClr val="lt1"/>
-              </a:fontRef>
-            </p:style>
-            <p:txBody>
-              <a:bodyPr rtlCol="0" anchor="ctr">
-                <a:flatTx/>
-              </a:bodyPr>
-              <a:lstStyle/>
-              <a:p>
-                <a:pPr algn="ctr"/>
-                <a:endParaRPr kumimoji="1" lang="ko-Kore-KR" altLang="en-US" sz="700" dirty="0">
-                  <a:solidFill>
-                    <a:schemeClr val="tx1"/>
-                  </a:solidFill>
-                  <a:ea typeface="맑은 고딕" pitchFamily="50" charset="-127"/>
-                </a:endParaRPr>
-              </a:p>
-            </p:txBody>
-          </p:sp>
-          <p:sp>
-            <p:nvSpPr>
-              <p:cNvPr id="83" name="Text Box 53">
-                <a:extLst>
-                  <a:ext uri="{FF2B5EF4-FFF2-40B4-BE49-F238E27FC236}">
-                    <a16:creationId xmlns:a16="http://schemas.microsoft.com/office/drawing/2014/main" id="{712847FA-735E-1E42-BC8A-93E3EB2BE065}"/>
-                  </a:ext>
-                </a:extLst>
-              </p:cNvPr>
-              <p:cNvSpPr txBox="1">
-                <a:spLocks noChangeArrowheads="1"/>
-              </p:cNvSpPr>
-              <p:nvPr/>
-            </p:nvSpPr>
-            <p:spPr bwMode="auto">
-              <a:xfrm>
-                <a:off x="2234985" y="2790182"/>
-                <a:ext cx="335196" cy="200055"/>
-              </a:xfrm>
-              <a:prstGeom prst="rect">
-                <a:avLst/>
-              </a:prstGeom>
-              <a:noFill/>
-              <a:ln>
-                <a:noFill/>
-              </a:ln>
-              <a:extLst>
-                <a:ext uri="{909E8E84-426E-40DD-AFC4-6F175D3DCCD1}">
-                  <a14:hiddenFill xmlns:a14="http://schemas.microsoft.com/office/drawing/2010/main">
-                    <a:solidFill>
-                      <a:srgbClr val="FFFFFF"/>
-                    </a:solidFill>
-                  </a14:hiddenFill>
-                </a:ext>
-                <a:ext uri="{91240B29-F687-4F45-9708-019B960494DF}">
-                  <a14:hiddenLine xmlns:a14="http://schemas.microsoft.com/office/drawing/2010/main" w="9525" algn="ctr">
-                    <a:solidFill>
-                      <a:srgbClr val="000000"/>
-                    </a:solidFill>
-                    <a:miter lim="800000"/>
-                    <a:headEnd/>
-                    <a:tailEnd/>
-                  </a14:hiddenLine>
-                </a:ext>
-              </a:extLst>
-            </p:spPr>
-            <p:txBody>
-              <a:bodyPr wrap="square">
-                <a:spAutoFit/>
-              </a:bodyPr>
-              <a:lstStyle>
-                <a:lvl1pPr marL="90488" indent="-90488" eaLnBrk="0" hangingPunct="0">
-                  <a:defRPr kumimoji="1">
-                    <a:solidFill>
-                      <a:schemeClr val="tx1"/>
-                    </a:solidFill>
-                    <a:latin typeface="굴림" charset="-127"/>
-                    <a:ea typeface="굴림" charset="-127"/>
-                  </a:defRPr>
-                </a:lvl1pPr>
-                <a:lvl2pPr marL="742950" indent="-285750" eaLnBrk="0" hangingPunct="0">
-                  <a:defRPr kumimoji="1">
-                    <a:solidFill>
-                      <a:schemeClr val="tx1"/>
-                    </a:solidFill>
-                    <a:latin typeface="굴림" charset="-127"/>
-                    <a:ea typeface="굴림" charset="-127"/>
-                  </a:defRPr>
-                </a:lvl2pPr>
-                <a:lvl3pPr marL="1143000" indent="-228600" eaLnBrk="0" hangingPunct="0">
-                  <a:defRPr kumimoji="1">
-                    <a:solidFill>
-                      <a:schemeClr val="tx1"/>
-                    </a:solidFill>
-                    <a:latin typeface="굴림" charset="-127"/>
-                    <a:ea typeface="굴림" charset="-127"/>
-                  </a:defRPr>
-                </a:lvl3pPr>
-                <a:lvl4pPr marL="1600200" indent="-228600" eaLnBrk="0" hangingPunct="0">
-                  <a:defRPr kumimoji="1">
-                    <a:solidFill>
-                      <a:schemeClr val="tx1"/>
-                    </a:solidFill>
-                    <a:latin typeface="굴림" charset="-127"/>
-                    <a:ea typeface="굴림" charset="-127"/>
-                  </a:defRPr>
-                </a:lvl4pPr>
-                <a:lvl5pPr marL="2057400" indent="-228600" eaLnBrk="0" hangingPunct="0">
-                  <a:defRPr kumimoji="1">
-                    <a:solidFill>
-                      <a:schemeClr val="tx1"/>
-                    </a:solidFill>
-                    <a:latin typeface="굴림" charset="-127"/>
-                    <a:ea typeface="굴림" charset="-127"/>
-                  </a:defRPr>
-                </a:lvl5pPr>
-                <a:lvl6pPr marL="2514600" indent="-228600" eaLnBrk="0" fontAlgn="base" hangingPunct="0">
-                  <a:spcBef>
-                    <a:spcPct val="0"/>
-                  </a:spcBef>
-                  <a:spcAft>
-                    <a:spcPct val="0"/>
-                  </a:spcAft>
-                  <a:defRPr kumimoji="1">
-                    <a:solidFill>
-                      <a:schemeClr val="tx1"/>
-                    </a:solidFill>
-                    <a:latin typeface="굴림" charset="-127"/>
-                    <a:ea typeface="굴림" charset="-127"/>
-                  </a:defRPr>
-                </a:lvl6pPr>
-                <a:lvl7pPr marL="2971800" indent="-228600" eaLnBrk="0" fontAlgn="base" hangingPunct="0">
-                  <a:spcBef>
-                    <a:spcPct val="0"/>
-                  </a:spcBef>
-                  <a:spcAft>
-                    <a:spcPct val="0"/>
-                  </a:spcAft>
-                  <a:defRPr kumimoji="1">
-                    <a:solidFill>
-                      <a:schemeClr val="tx1"/>
-                    </a:solidFill>
-                    <a:latin typeface="굴림" charset="-127"/>
-                    <a:ea typeface="굴림" charset="-127"/>
-                  </a:defRPr>
-                </a:lvl7pPr>
-                <a:lvl8pPr marL="3429000" indent="-228600" eaLnBrk="0" fontAlgn="base" hangingPunct="0">
-                  <a:spcBef>
-                    <a:spcPct val="0"/>
-                  </a:spcBef>
-                  <a:spcAft>
-                    <a:spcPct val="0"/>
-                  </a:spcAft>
-                  <a:defRPr kumimoji="1">
-                    <a:solidFill>
-                      <a:schemeClr val="tx1"/>
-                    </a:solidFill>
-                    <a:latin typeface="굴림" charset="-127"/>
-                    <a:ea typeface="굴림" charset="-127"/>
-                  </a:defRPr>
-                </a:lvl8pPr>
-                <a:lvl9pPr marL="3886200" indent="-228600" eaLnBrk="0" fontAlgn="base" hangingPunct="0">
-                  <a:spcBef>
-                    <a:spcPct val="0"/>
-                  </a:spcBef>
-                  <a:spcAft>
-                    <a:spcPct val="0"/>
-                  </a:spcAft>
-                  <a:defRPr kumimoji="1">
-                    <a:solidFill>
-                      <a:schemeClr val="tx1"/>
-                    </a:solidFill>
-                    <a:latin typeface="굴림" charset="-127"/>
-                    <a:ea typeface="굴림" charset="-127"/>
-                  </a:defRPr>
-                </a:lvl9pPr>
-              </a:lstStyle>
-              <a:p>
-                <a:pPr marL="0" indent="0" algn="ctr" eaLnBrk="1" hangingPunct="1"/>
-                <a:r>
-                  <a:rPr lang="en-US" altLang="ko-KR" sz="700" dirty="0">
-                    <a:latin typeface="+mn-ea"/>
-                    <a:ea typeface="+mn-ea"/>
-                  </a:rPr>
-                  <a:t>L/B</a:t>
-                </a:r>
-              </a:p>
-            </p:txBody>
-          </p:sp>
-        </p:grpSp>
         <p:sp>
           <p:nvSpPr>
             <p:cNvPr id="77" name="Text Box 53">
@@ -10433,7 +7829,7 @@
           </p:nvSpPr>
           <p:spPr bwMode="auto">
             <a:xfrm>
-              <a:off x="1237137" y="3872410"/>
+              <a:off x="1237137" y="3949900"/>
               <a:ext cx="643988" cy="200055"/>
             </a:xfrm>
             <a:prstGeom prst="rect">
@@ -10581,7 +7977,7 @@
                   <a:latin typeface="+mn-ea"/>
                   <a:ea typeface="+mn-ea"/>
                 </a:rPr>
-                <a:t>http 8081</a:t>
+                <a:t>http 80000</a:t>
               </a:r>
             </a:p>
           </p:txBody>
@@ -10598,19 +7994,17 @@
             <p:cNvCxnSpPr>
               <a:cxnSpLocks/>
               <a:stCxn id="77" idx="3"/>
-              <a:endCxn id="82" idx="2"/>
+              <a:endCxn id="88" idx="4"/>
             </p:cNvCxnSpPr>
             <p:nvPr/>
           </p:nvCxnSpPr>
           <p:spPr>
-            <a:xfrm>
-              <a:off x="1881125" y="3972438"/>
-              <a:ext cx="358402" cy="100027"/>
+            <a:xfrm flipV="1">
+              <a:off x="1881125" y="3152318"/>
+              <a:ext cx="2549288" cy="897610"/>
             </a:xfrm>
-            <a:prstGeom prst="bentConnector3">
-              <a:avLst>
-                <a:gd name="adj1" fmla="val 50000"/>
-              </a:avLst>
+            <a:prstGeom prst="bentConnector2">
+              <a:avLst/>
             </a:prstGeom>
             <a:ln w="19050">
               <a:solidFill>
@@ -10652,7 +8046,7 @@
           </p:nvGrpSpPr>
           <p:grpSpPr>
             <a:xfrm>
-              <a:off x="636121" y="3452752"/>
+              <a:off x="636121" y="2714162"/>
               <a:ext cx="458034" cy="360000"/>
               <a:chOff x="636121" y="3452752"/>
               <a:chExt cx="458034" cy="360000"/>
@@ -10916,12 +8310,15 @@
             <p:nvPr/>
           </p:nvCxnSpPr>
           <p:spPr>
-            <a:xfrm flipV="1">
-              <a:off x="3937732" y="3074828"/>
-              <a:ext cx="492681" cy="208894"/>
+            <a:xfrm>
+              <a:off x="3937732" y="2867890"/>
+              <a:ext cx="492681" cy="284428"/>
             </a:xfrm>
-            <a:prstGeom prst="bentConnector2">
-              <a:avLst/>
+            <a:prstGeom prst="bentConnector4">
+              <a:avLst>
+                <a:gd name="adj1" fmla="val 31733"/>
+                <a:gd name="adj2" fmla="val 180372"/>
+              </a:avLst>
             </a:prstGeom>
             <a:ln w="19050">
               <a:solidFill>
@@ -10949,6 +8346,709 @@
             </a:fontRef>
           </p:style>
         </p:cxnSp>
+        <p:grpSp>
+          <p:nvGrpSpPr>
+            <p:cNvPr id="4" name="그룹 3">
+              <a:extLst>
+                <a:ext uri="{FF2B5EF4-FFF2-40B4-BE49-F238E27FC236}">
+                  <a16:creationId xmlns:a16="http://schemas.microsoft.com/office/drawing/2014/main" id="{118ACE27-8E85-B046-96B9-958E13A159DC}"/>
+                </a:ext>
+              </a:extLst>
+            </p:cNvPr>
+            <p:cNvGrpSpPr/>
+            <p:nvPr/>
+          </p:nvGrpSpPr>
+          <p:grpSpPr>
+            <a:xfrm>
+              <a:off x="2239527" y="1964561"/>
+              <a:ext cx="1803580" cy="1905404"/>
+              <a:chOff x="2239527" y="1964561"/>
+              <a:chExt cx="1803580" cy="1905404"/>
+            </a:xfrm>
+          </p:grpSpPr>
+          <p:sp>
+            <p:nvSpPr>
+              <p:cNvPr id="70" name="모서리가 둥근 직사각형 69">
+                <a:extLst>
+                  <a:ext uri="{FF2B5EF4-FFF2-40B4-BE49-F238E27FC236}">
+                    <a16:creationId xmlns:a16="http://schemas.microsoft.com/office/drawing/2014/main" id="{2A620B4E-FE04-7049-B688-E68EE3D84D78}"/>
+                  </a:ext>
+                </a:extLst>
+              </p:cNvPr>
+              <p:cNvSpPr/>
+              <p:nvPr/>
+            </p:nvSpPr>
+            <p:spPr bwMode="auto">
+              <a:xfrm>
+                <a:off x="2499057" y="2065494"/>
+                <a:ext cx="1544050" cy="1804471"/>
+              </a:xfrm>
+              <a:prstGeom prst="roundRect">
+                <a:avLst>
+                  <a:gd name="adj" fmla="val 5152"/>
+                </a:avLst>
+              </a:prstGeom>
+              <a:solidFill>
+                <a:schemeClr val="accent3">
+                  <a:lumMod val="40000"/>
+                  <a:lumOff val="60000"/>
+                </a:schemeClr>
+              </a:solidFill>
+              <a:ln w="12700">
+                <a:solidFill>
+                  <a:schemeClr val="bg1"/>
+                </a:solidFill>
+                <a:round/>
+                <a:headEnd type="none" w="med" len="med"/>
+                <a:tailEnd type="none" w="med" len="med"/>
+              </a:ln>
+            </p:spPr>
+            <p:txBody>
+              <a:bodyPr rot="0" spcFirstLastPara="0" vertOverflow="overflow" horzOverflow="overflow" vert="horz" wrap="square" lIns="90000" tIns="45720" rIns="91440" bIns="45720" numCol="1" spcCol="0" rtlCol="0" fromWordArt="0" anchor="t" anchorCtr="0" forceAA="0" compatLnSpc="1">
+                <a:prstTxWarp prst="textNoShape">
+                  <a:avLst/>
+                </a:prstTxWarp>
+                <a:noAutofit/>
+              </a:bodyPr>
+              <a:lstStyle/>
+              <a:p>
+                <a:r>
+                  <a:rPr kumimoji="1" lang="en-US" altLang="ko-KR" sz="900" dirty="0">
+                    <a:latin typeface="+mn-lt"/>
+                    <a:ea typeface="+mn-ea"/>
+                  </a:rPr>
+                  <a:t>Pod (replica &gt; 2)</a:t>
+                </a:r>
+                <a:endParaRPr kumimoji="1" lang="ko-KR" altLang="en-US" sz="900" dirty="0">
+                  <a:latin typeface="+mn-lt"/>
+                  <a:ea typeface="+mn-ea"/>
+                </a:endParaRPr>
+              </a:p>
+            </p:txBody>
+          </p:sp>
+          <p:sp>
+            <p:nvSpPr>
+              <p:cNvPr id="71" name="모서리가 둥근 직사각형 70">
+                <a:extLst>
+                  <a:ext uri="{FF2B5EF4-FFF2-40B4-BE49-F238E27FC236}">
+                    <a16:creationId xmlns:a16="http://schemas.microsoft.com/office/drawing/2014/main" id="{F2237898-ADF5-A343-B2BE-9D12CA429061}"/>
+                  </a:ext>
+                </a:extLst>
+              </p:cNvPr>
+              <p:cNvSpPr/>
+              <p:nvPr/>
+            </p:nvSpPr>
+            <p:spPr bwMode="auto">
+              <a:xfrm>
+                <a:off x="2393682" y="1964561"/>
+                <a:ext cx="1544050" cy="1806658"/>
+              </a:xfrm>
+              <a:prstGeom prst="roundRect">
+                <a:avLst>
+                  <a:gd name="adj" fmla="val 5152"/>
+                </a:avLst>
+              </a:prstGeom>
+              <a:solidFill>
+                <a:schemeClr val="accent3">
+                  <a:lumMod val="40000"/>
+                  <a:lumOff val="60000"/>
+                </a:schemeClr>
+              </a:solidFill>
+              <a:ln w="12700">
+                <a:solidFill>
+                  <a:schemeClr val="bg1"/>
+                </a:solidFill>
+                <a:round/>
+                <a:headEnd type="none" w="med" len="med"/>
+                <a:tailEnd type="none" w="med" len="med"/>
+              </a:ln>
+            </p:spPr>
+            <p:txBody>
+              <a:bodyPr rot="0" spcFirstLastPara="0" vertOverflow="overflow" horzOverflow="overflow" vert="horz" wrap="square" lIns="90000" tIns="45720" rIns="91440" bIns="45720" numCol="1" spcCol="0" rtlCol="0" fromWordArt="0" anchor="t" anchorCtr="0" forceAA="0" compatLnSpc="1">
+                <a:prstTxWarp prst="textNoShape">
+                  <a:avLst/>
+                </a:prstTxWarp>
+                <a:noAutofit/>
+              </a:bodyPr>
+              <a:lstStyle/>
+              <a:p>
+                <a:r>
+                  <a:rPr kumimoji="1" lang="en-US" altLang="ko-KR" sz="1000" b="1" dirty="0">
+                    <a:latin typeface="+mn-lt"/>
+                    <a:ea typeface="+mn-ea"/>
+                  </a:rPr>
+                  <a:t>Frontend Pod</a:t>
+                </a:r>
+                <a:r>
+                  <a:rPr kumimoji="1" lang="en-US" altLang="ko-KR" sz="900" dirty="0">
+                    <a:latin typeface="+mn-lt"/>
+                    <a:ea typeface="+mn-ea"/>
+                  </a:rPr>
+                  <a:t> (replica &gt;= 2)</a:t>
+                </a:r>
+                <a:endParaRPr kumimoji="1" lang="ko-KR" altLang="en-US" sz="900" dirty="0">
+                  <a:latin typeface="+mn-lt"/>
+                  <a:ea typeface="+mn-ea"/>
+                </a:endParaRPr>
+              </a:p>
+            </p:txBody>
+          </p:sp>
+          <p:sp>
+            <p:nvSpPr>
+              <p:cNvPr id="92" name="모서리가 둥근 직사각형 6">
+                <a:extLst>
+                  <a:ext uri="{FF2B5EF4-FFF2-40B4-BE49-F238E27FC236}">
+                    <a16:creationId xmlns:a16="http://schemas.microsoft.com/office/drawing/2014/main" id="{ECF06ABC-FCE4-D245-954E-F36357EE34CB}"/>
+                  </a:ext>
+                </a:extLst>
+              </p:cNvPr>
+              <p:cNvSpPr/>
+              <p:nvPr/>
+            </p:nvSpPr>
+            <p:spPr>
+              <a:xfrm>
+                <a:off x="2492722" y="2290723"/>
+                <a:ext cx="1336933" cy="1385378"/>
+              </a:xfrm>
+              <a:prstGeom prst="roundRect">
+                <a:avLst>
+                  <a:gd name="adj" fmla="val 3674"/>
+                </a:avLst>
+              </a:prstGeom>
+              <a:solidFill>
+                <a:schemeClr val="bg1"/>
+              </a:solidFill>
+              <a:ln w="6350"/>
+              <a:effectLst/>
+            </p:spPr>
+            <p:style>
+              <a:lnRef idx="1">
+                <a:schemeClr val="dk1"/>
+              </a:lnRef>
+              <a:fillRef idx="2">
+                <a:schemeClr val="dk1"/>
+              </a:fillRef>
+              <a:effectRef idx="1">
+                <a:schemeClr val="dk1"/>
+              </a:effectRef>
+              <a:fontRef idx="minor">
+                <a:schemeClr val="dk1"/>
+              </a:fontRef>
+            </p:style>
+            <p:txBody>
+              <a:bodyPr lIns="18000" rIns="18000" anchor="t" anchorCtr="0"/>
+              <a:lstStyle/>
+              <a:p>
+                <a:pPr>
+                  <a:defRPr/>
+                </a:pPr>
+                <a:r>
+                  <a:rPr lang="en-US" altLang="ko-KR" sz="900" dirty="0" err="1">
+                    <a:solidFill>
+                      <a:srgbClr val="000000"/>
+                    </a:solidFill>
+                    <a:ea typeface="맑은 고딕" pitchFamily="50" charset="-127"/>
+                  </a:rPr>
+                  <a:t>nginx</a:t>
+                </a:r>
+                <a:endParaRPr lang="en-US" altLang="ko-KR" sz="1000" dirty="0">
+                  <a:solidFill>
+                    <a:srgbClr val="000000"/>
+                  </a:solidFill>
+                  <a:ea typeface="맑은 고딕" pitchFamily="50" charset="-127"/>
+                </a:endParaRPr>
+              </a:p>
+            </p:txBody>
+          </p:sp>
+          <p:sp>
+            <p:nvSpPr>
+              <p:cNvPr id="93" name="모서리가 둥근 직사각형 92">
+                <a:extLst>
+                  <a:ext uri="{FF2B5EF4-FFF2-40B4-BE49-F238E27FC236}">
+                    <a16:creationId xmlns:a16="http://schemas.microsoft.com/office/drawing/2014/main" id="{3AC4E8BB-FFFB-5B49-8D03-BF7D624D8B86}"/>
+                  </a:ext>
+                </a:extLst>
+              </p:cNvPr>
+              <p:cNvSpPr/>
+              <p:nvPr/>
+            </p:nvSpPr>
+            <p:spPr bwMode="auto">
+              <a:xfrm>
+                <a:off x="2594986" y="2624588"/>
+                <a:ext cx="1132402" cy="191668"/>
+              </a:xfrm>
+              <a:prstGeom prst="roundRect">
+                <a:avLst>
+                  <a:gd name="adj" fmla="val 9531"/>
+                </a:avLst>
+              </a:prstGeom>
+              <a:solidFill>
+                <a:schemeClr val="accent1"/>
+              </a:solidFill>
+              <a:ln w="12700">
+                <a:noFill/>
+                <a:round/>
+                <a:headEnd type="none" w="med" len="med"/>
+                <a:tailEnd type="none" w="med" len="med"/>
+              </a:ln>
+            </p:spPr>
+            <p:txBody>
+              <a:bodyPr rot="0" spcFirstLastPara="0" vertOverflow="overflow" horzOverflow="overflow" vert="horz" wrap="square" lIns="91440" tIns="45720" rIns="91440" bIns="45720" numCol="1" spcCol="0" rtlCol="0" fromWordArt="0" anchor="ctr" anchorCtr="0" forceAA="0" compatLnSpc="1">
+                <a:prstTxWarp prst="textNoShape">
+                  <a:avLst/>
+                </a:prstTxWarp>
+                <a:noAutofit/>
+              </a:bodyPr>
+              <a:lstStyle/>
+              <a:p>
+                <a:pPr algn="ctr"/>
+                <a:r>
+                  <a:rPr kumimoji="1" lang="en-US" altLang="ko-KR" sz="900" b="0" dirty="0">
+                    <a:solidFill>
+                      <a:schemeClr val="bg1"/>
+                    </a:solidFill>
+                    <a:latin typeface="+mn-lt"/>
+                    <a:ea typeface="+mn-ea"/>
+                  </a:rPr>
+                  <a:t>HTML</a:t>
+                </a:r>
+              </a:p>
+            </p:txBody>
+          </p:sp>
+          <p:sp>
+            <p:nvSpPr>
+              <p:cNvPr id="94" name="모서리가 둥근 직사각형 93">
+                <a:extLst>
+                  <a:ext uri="{FF2B5EF4-FFF2-40B4-BE49-F238E27FC236}">
+                    <a16:creationId xmlns:a16="http://schemas.microsoft.com/office/drawing/2014/main" id="{6DC67952-6947-B141-8523-525F7CE2B308}"/>
+                  </a:ext>
+                </a:extLst>
+              </p:cNvPr>
+              <p:cNvSpPr/>
+              <p:nvPr/>
+            </p:nvSpPr>
+            <p:spPr bwMode="auto">
+              <a:xfrm>
+                <a:off x="2594986" y="2882494"/>
+                <a:ext cx="1132402" cy="191668"/>
+              </a:xfrm>
+              <a:prstGeom prst="roundRect">
+                <a:avLst>
+                  <a:gd name="adj" fmla="val 9531"/>
+                </a:avLst>
+              </a:prstGeom>
+              <a:solidFill>
+                <a:schemeClr val="accent1"/>
+              </a:solidFill>
+              <a:ln w="12700">
+                <a:noFill/>
+                <a:round/>
+                <a:headEnd type="none" w="med" len="med"/>
+                <a:tailEnd type="none" w="med" len="med"/>
+              </a:ln>
+            </p:spPr>
+            <p:txBody>
+              <a:bodyPr rot="0" spcFirstLastPara="0" vertOverflow="overflow" horzOverflow="overflow" vert="horz" wrap="square" lIns="91440" tIns="45720" rIns="91440" bIns="45720" numCol="1" spcCol="0" rtlCol="0" fromWordArt="0" anchor="ctr" anchorCtr="0" forceAA="0" compatLnSpc="1">
+                <a:prstTxWarp prst="textNoShape">
+                  <a:avLst/>
+                </a:prstTxWarp>
+                <a:noAutofit/>
+              </a:bodyPr>
+              <a:lstStyle/>
+              <a:p>
+                <a:pPr algn="ctr"/>
+                <a:r>
+                  <a:rPr kumimoji="1" lang="en-US" altLang="ko-KR" sz="900" b="0" dirty="0">
+                    <a:solidFill>
+                      <a:schemeClr val="bg1"/>
+                    </a:solidFill>
+                    <a:latin typeface="+mn-lt"/>
+                    <a:ea typeface="+mn-ea"/>
+                  </a:rPr>
+                  <a:t>CSS, Images</a:t>
+                </a:r>
+              </a:p>
+            </p:txBody>
+          </p:sp>
+          <p:sp>
+            <p:nvSpPr>
+              <p:cNvPr id="95" name="모서리가 둥근 직사각형 94">
+                <a:extLst>
+                  <a:ext uri="{FF2B5EF4-FFF2-40B4-BE49-F238E27FC236}">
+                    <a16:creationId xmlns:a16="http://schemas.microsoft.com/office/drawing/2014/main" id="{38CB6D34-ECF7-4442-9312-0F2992FC27F8}"/>
+                  </a:ext>
+                </a:extLst>
+              </p:cNvPr>
+              <p:cNvSpPr/>
+              <p:nvPr/>
+            </p:nvSpPr>
+            <p:spPr bwMode="auto">
+              <a:xfrm>
+                <a:off x="2594986" y="3140400"/>
+                <a:ext cx="1132402" cy="191668"/>
+              </a:xfrm>
+              <a:prstGeom prst="roundRect">
+                <a:avLst>
+                  <a:gd name="adj" fmla="val 9531"/>
+                </a:avLst>
+              </a:prstGeom>
+              <a:solidFill>
+                <a:schemeClr val="accent1"/>
+              </a:solidFill>
+              <a:ln w="12700">
+                <a:noFill/>
+                <a:round/>
+                <a:headEnd type="none" w="med" len="med"/>
+                <a:tailEnd type="none" w="med" len="med"/>
+              </a:ln>
+            </p:spPr>
+            <p:txBody>
+              <a:bodyPr rot="0" spcFirstLastPara="0" vertOverflow="overflow" horzOverflow="overflow" vert="horz" wrap="square" lIns="91440" tIns="45720" rIns="91440" bIns="45720" numCol="1" spcCol="0" rtlCol="0" fromWordArt="0" anchor="ctr" anchorCtr="0" forceAA="0" compatLnSpc="1">
+                <a:prstTxWarp prst="textNoShape">
+                  <a:avLst/>
+                </a:prstTxWarp>
+                <a:noAutofit/>
+              </a:bodyPr>
+              <a:lstStyle/>
+              <a:p>
+                <a:pPr algn="ctr"/>
+                <a:r>
+                  <a:rPr kumimoji="1" lang="en-US" altLang="ko-KR" sz="900" b="0" dirty="0">
+                    <a:solidFill>
+                      <a:schemeClr val="bg1"/>
+                    </a:solidFill>
+                    <a:latin typeface="+mn-lt"/>
+                    <a:ea typeface="+mn-ea"/>
+                  </a:rPr>
+                  <a:t>Bootstrap</a:t>
+                </a:r>
+              </a:p>
+            </p:txBody>
+          </p:sp>
+          <p:grpSp>
+            <p:nvGrpSpPr>
+              <p:cNvPr id="73" name="그룹 72">
+                <a:extLst>
+                  <a:ext uri="{FF2B5EF4-FFF2-40B4-BE49-F238E27FC236}">
+                    <a16:creationId xmlns:a16="http://schemas.microsoft.com/office/drawing/2014/main" id="{75E21566-3B36-C34A-9428-A96A9F19392C}"/>
+                  </a:ext>
+                </a:extLst>
+              </p:cNvPr>
+              <p:cNvGrpSpPr/>
+              <p:nvPr/>
+            </p:nvGrpSpPr>
+            <p:grpSpPr>
+              <a:xfrm>
+                <a:off x="2239527" y="2723662"/>
+                <a:ext cx="360000" cy="360000"/>
+                <a:chOff x="2210181" y="2714828"/>
+                <a:chExt cx="360000" cy="360000"/>
+              </a:xfrm>
+            </p:grpSpPr>
+            <p:sp>
+              <p:nvSpPr>
+                <p:cNvPr id="90" name="타원 89">
+                  <a:extLst>
+                    <a:ext uri="{FF2B5EF4-FFF2-40B4-BE49-F238E27FC236}">
+                      <a16:creationId xmlns:a16="http://schemas.microsoft.com/office/drawing/2014/main" id="{FAC67BA9-042C-CE46-926B-FE40688CF938}"/>
+                    </a:ext>
+                  </a:extLst>
+                </p:cNvPr>
+                <p:cNvSpPr/>
+                <p:nvPr/>
+              </p:nvSpPr>
+              <p:spPr>
+                <a:xfrm>
+                  <a:off x="2210181" y="2714828"/>
+                  <a:ext cx="360000" cy="360000"/>
+                </a:xfrm>
+                <a:prstGeom prst="ellipse">
+                  <a:avLst/>
+                </a:prstGeom>
+                <a:solidFill>
+                  <a:schemeClr val="bg1">
+                    <a:lumMod val="95000"/>
+                  </a:schemeClr>
+                </a:solidFill>
+                <a:ln w="9525">
+                  <a:solidFill>
+                    <a:schemeClr val="tx1">
+                      <a:lumMod val="85000"/>
+                      <a:lumOff val="15000"/>
+                    </a:schemeClr>
+                  </a:solidFill>
+                </a:ln>
+                <a:scene3d>
+                  <a:camera prst="orthographicFront"/>
+                  <a:lightRig rig="threePt" dir="t"/>
+                </a:scene3d>
+                <a:sp3d/>
+              </p:spPr>
+              <p:style>
+                <a:lnRef idx="2">
+                  <a:schemeClr val="accent1">
+                    <a:shade val="50000"/>
+                  </a:schemeClr>
+                </a:lnRef>
+                <a:fillRef idx="1">
+                  <a:schemeClr val="accent1"/>
+                </a:fillRef>
+                <a:effectRef idx="0">
+                  <a:schemeClr val="accent1"/>
+                </a:effectRef>
+                <a:fontRef idx="minor">
+                  <a:schemeClr val="lt1"/>
+                </a:fontRef>
+              </p:style>
+              <p:txBody>
+                <a:bodyPr rtlCol="0" anchor="ctr">
+                  <a:flatTx/>
+                </a:bodyPr>
+                <a:lstStyle/>
+                <a:p>
+                  <a:pPr algn="ctr"/>
+                  <a:endParaRPr kumimoji="1" lang="ko-Kore-KR" altLang="en-US" sz="700" dirty="0">
+                    <a:solidFill>
+                      <a:schemeClr val="tx1"/>
+                    </a:solidFill>
+                    <a:ea typeface="맑은 고딕" pitchFamily="50" charset="-127"/>
+                  </a:endParaRPr>
+                </a:p>
+              </p:txBody>
+            </p:sp>
+            <p:sp>
+              <p:nvSpPr>
+                <p:cNvPr id="91" name="Text Box 53">
+                  <a:extLst>
+                    <a:ext uri="{FF2B5EF4-FFF2-40B4-BE49-F238E27FC236}">
+                      <a16:creationId xmlns:a16="http://schemas.microsoft.com/office/drawing/2014/main" id="{78AD33C3-60D1-684E-91D8-1CB271BAB909}"/>
+                    </a:ext>
+                  </a:extLst>
+                </p:cNvPr>
+                <p:cNvSpPr txBox="1">
+                  <a:spLocks noChangeArrowheads="1"/>
+                </p:cNvSpPr>
+                <p:nvPr/>
+              </p:nvSpPr>
+              <p:spPr bwMode="auto">
+                <a:xfrm>
+                  <a:off x="2234985" y="2790182"/>
+                  <a:ext cx="335196" cy="200055"/>
+                </a:xfrm>
+                <a:prstGeom prst="rect">
+                  <a:avLst/>
+                </a:prstGeom>
+                <a:noFill/>
+                <a:ln>
+                  <a:noFill/>
+                </a:ln>
+                <a:extLst>
+                  <a:ext uri="{909E8E84-426E-40DD-AFC4-6F175D3DCCD1}">
+                    <a14:hiddenFill xmlns:a14="http://schemas.microsoft.com/office/drawing/2010/main">
+                      <a:solidFill>
+                        <a:srgbClr val="FFFFFF"/>
+                      </a:solidFill>
+                    </a14:hiddenFill>
+                  </a:ext>
+                  <a:ext uri="{91240B29-F687-4F45-9708-019B960494DF}">
+                    <a14:hiddenLine xmlns:a14="http://schemas.microsoft.com/office/drawing/2010/main" w="9525" algn="ctr">
+                      <a:solidFill>
+                        <a:srgbClr val="000000"/>
+                      </a:solidFill>
+                      <a:miter lim="800000"/>
+                      <a:headEnd/>
+                      <a:tailEnd/>
+                    </a14:hiddenLine>
+                  </a:ext>
+                </a:extLst>
+              </p:spPr>
+              <p:txBody>
+                <a:bodyPr wrap="square">
+                  <a:spAutoFit/>
+                </a:bodyPr>
+                <a:lstStyle>
+                  <a:lvl1pPr marL="90488" indent="-90488" eaLnBrk="0" hangingPunct="0">
+                    <a:defRPr kumimoji="1">
+                      <a:solidFill>
+                        <a:schemeClr val="tx1"/>
+                      </a:solidFill>
+                      <a:latin typeface="굴림" charset="-127"/>
+                      <a:ea typeface="굴림" charset="-127"/>
+                    </a:defRPr>
+                  </a:lvl1pPr>
+                  <a:lvl2pPr marL="742950" indent="-285750" eaLnBrk="0" hangingPunct="0">
+                    <a:defRPr kumimoji="1">
+                      <a:solidFill>
+                        <a:schemeClr val="tx1"/>
+                      </a:solidFill>
+                      <a:latin typeface="굴림" charset="-127"/>
+                      <a:ea typeface="굴림" charset="-127"/>
+                    </a:defRPr>
+                  </a:lvl2pPr>
+                  <a:lvl3pPr marL="1143000" indent="-228600" eaLnBrk="0" hangingPunct="0">
+                    <a:defRPr kumimoji="1">
+                      <a:solidFill>
+                        <a:schemeClr val="tx1"/>
+                      </a:solidFill>
+                      <a:latin typeface="굴림" charset="-127"/>
+                      <a:ea typeface="굴림" charset="-127"/>
+                    </a:defRPr>
+                  </a:lvl3pPr>
+                  <a:lvl4pPr marL="1600200" indent="-228600" eaLnBrk="0" hangingPunct="0">
+                    <a:defRPr kumimoji="1">
+                      <a:solidFill>
+                        <a:schemeClr val="tx1"/>
+                      </a:solidFill>
+                      <a:latin typeface="굴림" charset="-127"/>
+                      <a:ea typeface="굴림" charset="-127"/>
+                    </a:defRPr>
+                  </a:lvl4pPr>
+                  <a:lvl5pPr marL="2057400" indent="-228600" eaLnBrk="0" hangingPunct="0">
+                    <a:defRPr kumimoji="1">
+                      <a:solidFill>
+                        <a:schemeClr val="tx1"/>
+                      </a:solidFill>
+                      <a:latin typeface="굴림" charset="-127"/>
+                      <a:ea typeface="굴림" charset="-127"/>
+                    </a:defRPr>
+                  </a:lvl5pPr>
+                  <a:lvl6pPr marL="2514600" indent="-228600" eaLnBrk="0" fontAlgn="base" hangingPunct="0">
+                    <a:spcBef>
+                      <a:spcPct val="0"/>
+                    </a:spcBef>
+                    <a:spcAft>
+                      <a:spcPct val="0"/>
+                    </a:spcAft>
+                    <a:defRPr kumimoji="1">
+                      <a:solidFill>
+                        <a:schemeClr val="tx1"/>
+                      </a:solidFill>
+                      <a:latin typeface="굴림" charset="-127"/>
+                      <a:ea typeface="굴림" charset="-127"/>
+                    </a:defRPr>
+                  </a:lvl6pPr>
+                  <a:lvl7pPr marL="2971800" indent="-228600" eaLnBrk="0" fontAlgn="base" hangingPunct="0">
+                    <a:spcBef>
+                      <a:spcPct val="0"/>
+                    </a:spcBef>
+                    <a:spcAft>
+                      <a:spcPct val="0"/>
+                    </a:spcAft>
+                    <a:defRPr kumimoji="1">
+                      <a:solidFill>
+                        <a:schemeClr val="tx1"/>
+                      </a:solidFill>
+                      <a:latin typeface="굴림" charset="-127"/>
+                      <a:ea typeface="굴림" charset="-127"/>
+                    </a:defRPr>
+                  </a:lvl7pPr>
+                  <a:lvl8pPr marL="3429000" indent="-228600" eaLnBrk="0" fontAlgn="base" hangingPunct="0">
+                    <a:spcBef>
+                      <a:spcPct val="0"/>
+                    </a:spcBef>
+                    <a:spcAft>
+                      <a:spcPct val="0"/>
+                    </a:spcAft>
+                    <a:defRPr kumimoji="1">
+                      <a:solidFill>
+                        <a:schemeClr val="tx1"/>
+                      </a:solidFill>
+                      <a:latin typeface="굴림" charset="-127"/>
+                      <a:ea typeface="굴림" charset="-127"/>
+                    </a:defRPr>
+                  </a:lvl8pPr>
+                  <a:lvl9pPr marL="3886200" indent="-228600" eaLnBrk="0" fontAlgn="base" hangingPunct="0">
+                    <a:spcBef>
+                      <a:spcPct val="0"/>
+                    </a:spcBef>
+                    <a:spcAft>
+                      <a:spcPct val="0"/>
+                    </a:spcAft>
+                    <a:defRPr kumimoji="1">
+                      <a:solidFill>
+                        <a:schemeClr val="tx1"/>
+                      </a:solidFill>
+                      <a:latin typeface="굴림" charset="-127"/>
+                      <a:ea typeface="굴림" charset="-127"/>
+                    </a:defRPr>
+                  </a:lvl9pPr>
+                </a:lstStyle>
+                <a:p>
+                  <a:pPr marL="0" indent="0" algn="ctr" eaLnBrk="1" hangingPunct="1"/>
+                  <a:r>
+                    <a:rPr lang="en-US" altLang="ko-KR" sz="700" dirty="0">
+                      <a:latin typeface="+mn-ea"/>
+                      <a:ea typeface="+mn-ea"/>
+                    </a:rPr>
+                    <a:t>L/B</a:t>
+                  </a:r>
+                </a:p>
+              </p:txBody>
+            </p:sp>
+          </p:grpSp>
+          <p:sp>
+            <p:nvSpPr>
+              <p:cNvPr id="104" name="모서리가 둥근 직사각형 103">
+                <a:extLst>
+                  <a:ext uri="{FF2B5EF4-FFF2-40B4-BE49-F238E27FC236}">
+                    <a16:creationId xmlns:a16="http://schemas.microsoft.com/office/drawing/2014/main" id="{70C2C6EC-FFC8-F34C-A3D1-F642B47C24B6}"/>
+                  </a:ext>
+                </a:extLst>
+              </p:cNvPr>
+              <p:cNvSpPr/>
+              <p:nvPr/>
+            </p:nvSpPr>
+            <p:spPr bwMode="auto">
+              <a:xfrm>
+                <a:off x="2594986" y="3400324"/>
+                <a:ext cx="1132402" cy="191668"/>
+              </a:xfrm>
+              <a:prstGeom prst="roundRect">
+                <a:avLst>
+                  <a:gd name="adj" fmla="val 9531"/>
+                </a:avLst>
+              </a:prstGeom>
+              <a:solidFill>
+                <a:schemeClr val="accent1"/>
+              </a:solidFill>
+              <a:ln w="12700">
+                <a:noFill/>
+                <a:round/>
+                <a:headEnd type="none" w="med" len="med"/>
+                <a:tailEnd type="none" w="med" len="med"/>
+              </a:ln>
+            </p:spPr>
+            <p:txBody>
+              <a:bodyPr rot="0" spcFirstLastPara="0" vertOverflow="overflow" horzOverflow="overflow" vert="horz" wrap="square" lIns="91440" tIns="45720" rIns="91440" bIns="45720" numCol="1" spcCol="0" rtlCol="0" fromWordArt="0" anchor="ctr" anchorCtr="0" forceAA="0" compatLnSpc="1">
+                <a:prstTxWarp prst="textNoShape">
+                  <a:avLst/>
+                </a:prstTxWarp>
+                <a:noAutofit/>
+              </a:bodyPr>
+              <a:lstStyle/>
+              <a:p>
+                <a:pPr algn="ctr"/>
+                <a:r>
+                  <a:rPr kumimoji="1" lang="en-US" altLang="ko-KR" sz="900" b="0" dirty="0" err="1">
+                    <a:solidFill>
+                      <a:schemeClr val="bg1"/>
+                    </a:solidFill>
+                    <a:latin typeface="+mn-lt"/>
+                    <a:ea typeface="+mn-ea"/>
+                  </a:rPr>
+                  <a:t>JQuery.js</a:t>
+                </a:r>
+                <a:endParaRPr kumimoji="1" lang="en-US" altLang="ko-KR" sz="900" b="0" dirty="0">
+                  <a:solidFill>
+                    <a:schemeClr val="bg1"/>
+                  </a:solidFill>
+                  <a:latin typeface="+mn-lt"/>
+                  <a:ea typeface="+mn-ea"/>
+                </a:endParaRPr>
+              </a:p>
+            </p:txBody>
+          </p:sp>
+        </p:grpSp>
       </p:grpSp>
     </p:spTree>
     <p:extLst>
@@ -11033,10 +9133,10 @@
       </p:sp>
       <p:grpSp>
         <p:nvGrpSpPr>
-          <p:cNvPr id="2" name="그룹 1">
+          <p:cNvPr id="194" name="그룹 193">
             <a:extLst>
               <a:ext uri="{FF2B5EF4-FFF2-40B4-BE49-F238E27FC236}">
-                <a16:creationId xmlns:a16="http://schemas.microsoft.com/office/drawing/2014/main" id="{C9E0112A-922A-2642-94B9-2021A8D69ADA}"/>
+                <a16:creationId xmlns:a16="http://schemas.microsoft.com/office/drawing/2014/main" id="{1B10DD7F-5523-0847-9873-9AA3D87D2A63}"/>
               </a:ext>
             </a:extLst>
           </p:cNvPr>
@@ -11045,10 +9145,10 @@
         </p:nvGrpSpPr>
         <p:grpSpPr>
           <a:xfrm>
-            <a:off x="1471157" y="1265414"/>
-            <a:ext cx="9249685" cy="4870250"/>
-            <a:chOff x="1075049" y="1265414"/>
-            <a:chExt cx="9249685" cy="4870250"/>
+            <a:off x="101938" y="1125931"/>
+            <a:ext cx="11754265" cy="5320577"/>
+            <a:chOff x="101938" y="1125931"/>
+            <a:chExt cx="11754265" cy="5320577"/>
           </a:xfrm>
         </p:grpSpPr>
         <p:sp>
@@ -11065,12 +9165,12 @@
           </p:nvSpPr>
           <p:spPr>
             <a:xfrm>
-              <a:off x="1075049" y="1265414"/>
-              <a:ext cx="9249685" cy="4870250"/>
+              <a:off x="328823" y="1125931"/>
+              <a:ext cx="11527380" cy="5320577"/>
             </a:xfrm>
             <a:prstGeom prst="roundRect">
               <a:avLst>
-                <a:gd name="adj" fmla="val 10263"/>
+                <a:gd name="adj" fmla="val 3262"/>
               </a:avLst>
             </a:prstGeom>
             <a:noFill/>
@@ -11120,12 +9220,12 @@
           </p:nvSpPr>
           <p:spPr>
             <a:xfrm>
-              <a:off x="1484244" y="1713606"/>
-              <a:ext cx="8327046" cy="3377728"/>
+              <a:off x="472699" y="1263133"/>
+              <a:ext cx="11236270" cy="5036928"/>
             </a:xfrm>
             <a:prstGeom prst="roundRect">
               <a:avLst>
-                <a:gd name="adj" fmla="val 7982"/>
+                <a:gd name="adj" fmla="val 1901"/>
               </a:avLst>
             </a:prstGeom>
             <a:noFill/>
@@ -11163,111 +9263,6 @@
         </p:sp>
         <p:cxnSp>
           <p:nvCxnSpPr>
-            <p:cNvPr id="8" name="Google Shape;398;p28">
-              <a:extLst>
-                <a:ext uri="{FF2B5EF4-FFF2-40B4-BE49-F238E27FC236}">
-                  <a16:creationId xmlns:a16="http://schemas.microsoft.com/office/drawing/2014/main" id="{4E215B55-64BA-B849-AB67-636C8004D3D3}"/>
-                </a:ext>
-              </a:extLst>
-            </p:cNvPr>
-            <p:cNvCxnSpPr>
-              <a:stCxn id="25" idx="3"/>
-              <a:endCxn id="23" idx="1"/>
-            </p:cNvCxnSpPr>
-            <p:nvPr/>
-          </p:nvCxnSpPr>
-          <p:spPr>
-            <a:xfrm>
-              <a:off x="4201948" y="5614479"/>
-              <a:ext cx="1124802" cy="0"/>
-            </a:xfrm>
-            <a:prstGeom prst="straightConnector1">
-              <a:avLst/>
-            </a:prstGeom>
-            <a:noFill/>
-            <a:ln w="28575" cap="flat" cmpd="sng">
-              <a:solidFill>
-                <a:srgbClr val="999999"/>
-              </a:solidFill>
-              <a:prstDash val="dash"/>
-              <a:round/>
-              <a:headEnd type="none" w="med" len="med"/>
-              <a:tailEnd type="triangle" w="med" len="med"/>
-            </a:ln>
-          </p:spPr>
-        </p:cxnSp>
-        <p:cxnSp>
-          <p:nvCxnSpPr>
-            <p:cNvPr id="9" name="Google Shape;401;p28">
-              <a:extLst>
-                <a:ext uri="{FF2B5EF4-FFF2-40B4-BE49-F238E27FC236}">
-                  <a16:creationId xmlns:a16="http://schemas.microsoft.com/office/drawing/2014/main" id="{07D79F80-6AA4-294A-8E13-7BD4CD521F5E}"/>
-                </a:ext>
-              </a:extLst>
-            </p:cNvPr>
-            <p:cNvCxnSpPr>
-              <a:stCxn id="24" idx="2"/>
-              <a:endCxn id="23" idx="0"/>
-            </p:cNvCxnSpPr>
-            <p:nvPr/>
-          </p:nvCxnSpPr>
-          <p:spPr>
-            <a:xfrm>
-              <a:off x="5627812" y="4510780"/>
-              <a:ext cx="2151" cy="800409"/>
-            </a:xfrm>
-            <a:prstGeom prst="straightConnector1">
-              <a:avLst/>
-            </a:prstGeom>
-            <a:noFill/>
-            <a:ln w="28575" cap="flat" cmpd="sng">
-              <a:solidFill>
-                <a:schemeClr val="dk2"/>
-              </a:solidFill>
-              <a:prstDash val="solid"/>
-              <a:round/>
-              <a:headEnd type="triangle" w="med" len="med"/>
-              <a:tailEnd type="triangle" w="med" len="med"/>
-            </a:ln>
-          </p:spPr>
-        </p:cxnSp>
-        <p:cxnSp>
-          <p:nvCxnSpPr>
-            <p:cNvPr id="10" name="Google Shape;403;p28">
-              <a:extLst>
-                <a:ext uri="{FF2B5EF4-FFF2-40B4-BE49-F238E27FC236}">
-                  <a16:creationId xmlns:a16="http://schemas.microsoft.com/office/drawing/2014/main" id="{2343B0BE-9F8A-B743-9703-E95D20FED7D1}"/>
-                </a:ext>
-              </a:extLst>
-            </p:cNvPr>
-            <p:cNvCxnSpPr>
-              <a:stCxn id="17" idx="2"/>
-              <a:endCxn id="24" idx="0"/>
-            </p:cNvCxnSpPr>
-            <p:nvPr/>
-          </p:nvCxnSpPr>
-          <p:spPr>
-            <a:xfrm>
-              <a:off x="5627822" y="3461304"/>
-              <a:ext cx="0" cy="443397"/>
-            </a:xfrm>
-            <a:prstGeom prst="straightConnector1">
-              <a:avLst/>
-            </a:prstGeom>
-            <a:noFill/>
-            <a:ln w="28575" cap="flat" cmpd="sng">
-              <a:solidFill>
-                <a:srgbClr val="434343"/>
-              </a:solidFill>
-              <a:prstDash val="solid"/>
-              <a:round/>
-              <a:headEnd type="none" w="med" len="med"/>
-              <a:tailEnd type="triangle" w="med" len="med"/>
-            </a:ln>
-          </p:spPr>
-        </p:cxnSp>
-        <p:cxnSp>
-          <p:nvCxnSpPr>
             <p:cNvPr id="11" name="Google Shape;405;p28">
               <a:extLst>
                 <a:ext uri="{FF2B5EF4-FFF2-40B4-BE49-F238E27FC236}">
@@ -11282,13 +9277,13 @@
             <p:nvPr/>
           </p:nvCxnSpPr>
           <p:spPr>
-            <a:xfrm>
-              <a:off x="3326779" y="3102995"/>
-              <a:ext cx="572437" cy="717"/>
+            <a:xfrm flipV="1">
+              <a:off x="1318234" y="1770885"/>
+              <a:ext cx="901932" cy="741523"/>
             </a:xfrm>
             <a:prstGeom prst="bentConnector3">
               <a:avLst>
-                <a:gd name="adj1" fmla="val 49989"/>
+                <a:gd name="adj1" fmla="val 50000"/>
               </a:avLst>
             </a:prstGeom>
             <a:noFill/>
@@ -11313,6 +9308,7 @@
               </a:extLst>
             </p:cNvPr>
             <p:cNvCxnSpPr>
+              <a:cxnSpLocks/>
               <a:stCxn id="20" idx="3"/>
               <a:endCxn id="17" idx="1"/>
             </p:cNvCxnSpPr>
@@ -11320,12 +9316,12 @@
           </p:nvCxnSpPr>
           <p:spPr>
             <a:xfrm>
-              <a:off x="4613390" y="3102990"/>
-              <a:ext cx="655955" cy="717"/>
+              <a:off x="2824966" y="1770885"/>
+              <a:ext cx="391876" cy="2"/>
             </a:xfrm>
             <a:prstGeom prst="bentConnector3">
               <a:avLst>
-                <a:gd name="adj1" fmla="val 50011"/>
+                <a:gd name="adj1" fmla="val 50000"/>
               </a:avLst>
             </a:prstGeom>
             <a:noFill/>
@@ -11350,19 +9346,20 @@
               </a:extLst>
             </p:cNvPr>
             <p:cNvCxnSpPr>
+              <a:cxnSpLocks/>
               <a:stCxn id="17" idx="3"/>
               <a:endCxn id="19" idx="1"/>
             </p:cNvCxnSpPr>
             <p:nvPr/>
           </p:nvCxnSpPr>
           <p:spPr>
-            <a:xfrm>
-              <a:off x="5986150" y="3102978"/>
-              <a:ext cx="755245" cy="717"/>
+            <a:xfrm flipV="1">
+              <a:off x="3821642" y="1770886"/>
+              <a:ext cx="391876" cy="1"/>
             </a:xfrm>
             <a:prstGeom prst="bentConnector3">
               <a:avLst>
-                <a:gd name="adj1" fmla="val 50004"/>
+                <a:gd name="adj1" fmla="val 50000"/>
               </a:avLst>
             </a:prstGeom>
             <a:noFill/>
@@ -11393,13 +9390,13 @@
             <p:nvPr/>
           </p:nvCxnSpPr>
           <p:spPr>
-            <a:xfrm rot="10800000">
-              <a:off x="7458118" y="3103047"/>
-              <a:ext cx="573513" cy="2868"/>
+            <a:xfrm rot="10800000" flipV="1">
+              <a:off x="4818318" y="1770884"/>
+              <a:ext cx="391872" cy="1"/>
             </a:xfrm>
             <a:prstGeom prst="bentConnector3">
               <a:avLst>
-                <a:gd name="adj1" fmla="val 50001"/>
+                <a:gd name="adj1" fmla="val 50000"/>
               </a:avLst>
             </a:prstGeom>
             <a:noFill/>
@@ -11414,64 +9411,6 @@
             </a:ln>
           </p:spPr>
         </p:cxnSp>
-        <p:sp>
-          <p:nvSpPr>
-            <p:cNvPr id="15" name="Google Shape;413;p28">
-              <a:extLst>
-                <a:ext uri="{FF2B5EF4-FFF2-40B4-BE49-F238E27FC236}">
-                  <a16:creationId xmlns:a16="http://schemas.microsoft.com/office/drawing/2014/main" id="{FC825345-1F41-B148-9D28-81C61C49FA81}"/>
-                </a:ext>
-              </a:extLst>
-            </p:cNvPr>
-            <p:cNvSpPr txBox="1"/>
-            <p:nvPr/>
-          </p:nvSpPr>
-          <p:spPr>
-            <a:xfrm>
-              <a:off x="2251143" y="3494753"/>
-              <a:ext cx="1436972" cy="346617"/>
-            </a:xfrm>
-            <a:prstGeom prst="rect">
-              <a:avLst/>
-            </a:prstGeom>
-            <a:noFill/>
-            <a:ln>
-              <a:noFill/>
-            </a:ln>
-          </p:spPr>
-          <p:txBody>
-            <a:bodyPr spcFirstLastPara="1" wrap="square" lIns="91425" tIns="91425" rIns="91425" bIns="91425" anchor="ctr" anchorCtr="0">
-              <a:noAutofit/>
-            </a:bodyPr>
-            <a:lstStyle/>
-            <a:p>
-              <a:pPr marL="0" lvl="0" indent="0" algn="ctr" rtl="0">
-                <a:spcBef>
-                  <a:spcPts val="0"/>
-                </a:spcBef>
-                <a:spcAft>
-                  <a:spcPts val="0"/>
-                </a:spcAft>
-                <a:buNone/>
-              </a:pPr>
-              <a:r>
-                <a:rPr lang="fr" sz="1200" dirty="0" err="1">
-                  <a:latin typeface="Malgun Gothic" panose="020B0503020000020004" pitchFamily="34" charset="-127"/>
-                  <a:ea typeface="Malgun Gothic" panose="020B0503020000020004" pitchFamily="34" charset="-127"/>
-                  <a:cs typeface="Consolas"/>
-                  <a:sym typeface="Consolas"/>
-                </a:rPr>
-                <a:t>www.yogiyo.com</a:t>
-              </a:r>
-              <a:endParaRPr sz="1200" dirty="0">
-                <a:latin typeface="Malgun Gothic" panose="020B0503020000020004" pitchFamily="34" charset="-127"/>
-                <a:ea typeface="Malgun Gothic" panose="020B0503020000020004" pitchFamily="34" charset="-127"/>
-                <a:cs typeface="Consolas"/>
-                <a:sym typeface="Consolas"/>
-              </a:endParaRPr>
-            </a:p>
-          </p:txBody>
-        </p:sp>
         <p:pic>
           <p:nvPicPr>
             <p:cNvPr id="16" name="Google Shape;414;p28">
@@ -11494,8 +9433,8 @@
           </p:blipFill>
           <p:spPr>
             <a:xfrm>
-              <a:off x="1665387" y="1806336"/>
-              <a:ext cx="715323" cy="714023"/>
+              <a:off x="761220" y="5504000"/>
+              <a:ext cx="604800" cy="604800"/>
             </a:xfrm>
             <a:prstGeom prst="rect">
               <a:avLst/>
@@ -11528,8 +9467,8 @@
           </p:blipFill>
           <p:spPr>
             <a:xfrm>
-              <a:off x="5269494" y="2744652"/>
-              <a:ext cx="716656" cy="716652"/>
+              <a:off x="3216842" y="1468487"/>
+              <a:ext cx="604800" cy="604800"/>
             </a:xfrm>
             <a:prstGeom prst="rect">
               <a:avLst/>
@@ -11562,8 +9501,8 @@
           </p:blipFill>
           <p:spPr>
             <a:xfrm>
-              <a:off x="8031631" y="2747589"/>
-              <a:ext cx="716656" cy="716652"/>
+              <a:off x="5210190" y="1468485"/>
+              <a:ext cx="604800" cy="604800"/>
             </a:xfrm>
             <a:prstGeom prst="rect">
               <a:avLst/>
@@ -11596,8 +9535,8 @@
           </p:blipFill>
           <p:spPr>
             <a:xfrm>
-              <a:off x="6741453" y="2744664"/>
-              <a:ext cx="716652" cy="716652"/>
+              <a:off x="4213518" y="1468486"/>
+              <a:ext cx="604800" cy="604800"/>
             </a:xfrm>
             <a:prstGeom prst="rect">
               <a:avLst/>
@@ -11630,8 +9569,8 @@
           </p:blipFill>
           <p:spPr>
             <a:xfrm>
-              <a:off x="3899090" y="2745844"/>
-              <a:ext cx="714299" cy="714292"/>
+              <a:off x="2220166" y="1468485"/>
+              <a:ext cx="604800" cy="604800"/>
             </a:xfrm>
             <a:prstGeom prst="rect">
               <a:avLst/>
@@ -11664,8 +9603,8 @@
           </p:blipFill>
           <p:spPr>
             <a:xfrm>
-              <a:off x="2612480" y="2745848"/>
-              <a:ext cx="714299" cy="714292"/>
+              <a:off x="713434" y="2210008"/>
+              <a:ext cx="604800" cy="604800"/>
             </a:xfrm>
             <a:prstGeom prst="rect">
               <a:avLst/>
@@ -11678,10 +9617,10 @@
         </p:pic>
         <p:pic>
           <p:nvPicPr>
-            <p:cNvPr id="23" name="Google Shape;400;p28">
+            <p:cNvPr id="32" name="Google Shape;402;p28">
               <a:extLst>
                 <a:ext uri="{FF2B5EF4-FFF2-40B4-BE49-F238E27FC236}">
-                  <a16:creationId xmlns:a16="http://schemas.microsoft.com/office/drawing/2014/main" id="{E1DD88D4-AF3F-634F-BF3E-90B4841D7746}"/>
+                  <a16:creationId xmlns:a16="http://schemas.microsoft.com/office/drawing/2014/main" id="{BD2854FC-666C-D040-8AB4-7E8125F98DF7}"/>
                 </a:ext>
               </a:extLst>
             </p:cNvPr>
@@ -11698,8 +9637,8 @@
           </p:blipFill>
           <p:spPr>
             <a:xfrm>
-              <a:off x="5326892" y="5311345"/>
-              <a:ext cx="606258" cy="606256"/>
+              <a:off x="8443662" y="1794420"/>
+              <a:ext cx="606256" cy="606256"/>
             </a:xfrm>
             <a:prstGeom prst="rect">
               <a:avLst/>
@@ -11712,10 +9651,10 @@
         </p:pic>
         <p:pic>
           <p:nvPicPr>
-            <p:cNvPr id="24" name="Google Shape;402;p28">
+            <p:cNvPr id="42" name="Google Shape;400;p28">
               <a:extLst>
                 <a:ext uri="{FF2B5EF4-FFF2-40B4-BE49-F238E27FC236}">
-                  <a16:creationId xmlns:a16="http://schemas.microsoft.com/office/drawing/2014/main" id="{EF0B7457-AF49-514E-8FE7-0857FA3407D4}"/>
+                  <a16:creationId xmlns:a16="http://schemas.microsoft.com/office/drawing/2014/main" id="{33236336-D36A-6343-B81B-6278600D8279}"/>
                 </a:ext>
               </a:extLst>
             </p:cNvPr>
@@ -11732,8 +9671,8 @@
           </p:blipFill>
           <p:spPr>
             <a:xfrm>
-              <a:off x="5324683" y="3904524"/>
-              <a:ext cx="606256" cy="606256"/>
+              <a:off x="9469329" y="1790111"/>
+              <a:ext cx="606258" cy="606256"/>
             </a:xfrm>
             <a:prstGeom prst="rect">
               <a:avLst/>
@@ -11744,12 +9683,48 @@
             </a:ln>
           </p:spPr>
         </p:pic>
+        <p:cxnSp>
+          <p:nvCxnSpPr>
+            <p:cNvPr id="43" name="Google Shape;401;p28">
+              <a:extLst>
+                <a:ext uri="{FF2B5EF4-FFF2-40B4-BE49-F238E27FC236}">
+                  <a16:creationId xmlns:a16="http://schemas.microsoft.com/office/drawing/2014/main" id="{20EE2520-C6B6-C844-98F5-0CD89A5B4CD7}"/>
+                </a:ext>
+              </a:extLst>
+            </p:cNvPr>
+            <p:cNvCxnSpPr>
+              <a:cxnSpLocks/>
+              <a:stCxn id="42" idx="1"/>
+              <a:endCxn id="32" idx="3"/>
+            </p:cNvCxnSpPr>
+            <p:nvPr/>
+          </p:nvCxnSpPr>
+          <p:spPr>
+            <a:xfrm flipH="1">
+              <a:off x="9049918" y="2093239"/>
+              <a:ext cx="419411" cy="4309"/>
+            </a:xfrm>
+            <a:prstGeom prst="straightConnector1">
+              <a:avLst/>
+            </a:prstGeom>
+            <a:noFill/>
+            <a:ln w="28575" cap="flat" cmpd="sng">
+              <a:solidFill>
+                <a:schemeClr val="dk2"/>
+              </a:solidFill>
+              <a:prstDash val="solid"/>
+              <a:round/>
+              <a:headEnd type="triangle" w="med" len="med"/>
+              <a:tailEnd type="triangle" w="med" len="med"/>
+            </a:ln>
+          </p:spPr>
+        </p:cxnSp>
         <p:pic>
           <p:nvPicPr>
-            <p:cNvPr id="25" name="Google Shape;399;p28">
+            <p:cNvPr id="47" name="Google Shape;399;p28">
               <a:extLst>
                 <a:ext uri="{FF2B5EF4-FFF2-40B4-BE49-F238E27FC236}">
-                  <a16:creationId xmlns:a16="http://schemas.microsoft.com/office/drawing/2014/main" id="{A1970CE1-13AE-6242-B4E5-4C8ED994DC41}"/>
+                  <a16:creationId xmlns:a16="http://schemas.microsoft.com/office/drawing/2014/main" id="{927A0C88-8026-0F49-B584-F5A139D94181}"/>
                 </a:ext>
               </a:extLst>
             </p:cNvPr>
@@ -11766,7 +9741,7 @@
           </p:blipFill>
           <p:spPr>
             <a:xfrm>
-              <a:off x="3595691" y="5311351"/>
+              <a:off x="10435554" y="1794643"/>
               <a:ext cx="606256" cy="606256"/>
             </a:xfrm>
             <a:prstGeom prst="rect">
@@ -11780,10 +9755,10 @@
         </p:pic>
         <p:sp>
           <p:nvSpPr>
-            <p:cNvPr id="26" name="Google Shape;413;p28">
+            <p:cNvPr id="48" name="Google Shape;413;p28">
               <a:extLst>
                 <a:ext uri="{FF2B5EF4-FFF2-40B4-BE49-F238E27FC236}">
-                  <a16:creationId xmlns:a16="http://schemas.microsoft.com/office/drawing/2014/main" id="{FB5FF613-CBA3-6E4D-A20B-6323BBB844EC}"/>
+                  <a16:creationId xmlns:a16="http://schemas.microsoft.com/office/drawing/2014/main" id="{590BACBC-7811-5343-842A-5917517CCF79}"/>
                 </a:ext>
               </a:extLst>
             </p:cNvPr>
@@ -11792,92 +9767,7 @@
           </p:nvSpPr>
           <p:spPr>
             <a:xfrm>
-              <a:off x="4613389" y="2327075"/>
-              <a:ext cx="2128006" cy="290100"/>
-            </a:xfrm>
-            <a:prstGeom prst="rect">
-              <a:avLst/>
-            </a:prstGeom>
-            <a:noFill/>
-            <a:ln>
-              <a:noFill/>
-            </a:ln>
-          </p:spPr>
-          <p:txBody>
-            <a:bodyPr spcFirstLastPara="1" wrap="square" lIns="91425" tIns="91425" rIns="91425" bIns="91425" anchor="ctr" anchorCtr="0">
-              <a:noAutofit/>
-            </a:bodyPr>
-            <a:lstStyle/>
-            <a:p>
-              <a:pPr marL="0" lvl="0" indent="0" algn="ctr" rtl="0">
-                <a:spcBef>
-                  <a:spcPts val="0"/>
-                </a:spcBef>
-                <a:spcAft>
-                  <a:spcPts val="0"/>
-                </a:spcAft>
-                <a:buNone/>
-              </a:pPr>
-              <a:r>
-                <a:rPr lang="fr" sz="1200" dirty="0" err="1">
-                  <a:latin typeface="Malgun Gothic" panose="020B0503020000020004" pitchFamily="34" charset="-127"/>
-                  <a:ea typeface="Malgun Gothic" panose="020B0503020000020004" pitchFamily="34" charset="-127"/>
-                  <a:cs typeface="Consolas"/>
-                  <a:sym typeface="Consolas"/>
-                </a:rPr>
-                <a:t>nginx</a:t>
-              </a:r>
-              <a:r>
-                <a:rPr lang="fr" sz="1200" dirty="0">
-                  <a:latin typeface="Malgun Gothic" panose="020B0503020000020004" pitchFamily="34" charset="-127"/>
-                  <a:ea typeface="Malgun Gothic" panose="020B0503020000020004" pitchFamily="34" charset="-127"/>
-                  <a:cs typeface="Consolas"/>
-                  <a:sym typeface="Consolas"/>
-                </a:rPr>
-                <a:t> – </a:t>
-              </a:r>
-              <a:r>
-                <a:rPr lang="fr" sz="1200" dirty="0" err="1">
-                  <a:latin typeface="Malgun Gothic" panose="020B0503020000020004" pitchFamily="34" charset="-127"/>
-                  <a:ea typeface="Malgun Gothic" panose="020B0503020000020004" pitchFamily="34" charset="-127"/>
-                  <a:cs typeface="Consolas"/>
-                  <a:sym typeface="Consolas"/>
-                </a:rPr>
-                <a:t>uwsgi</a:t>
-              </a:r>
-              <a:r>
-                <a:rPr lang="fr" sz="1200" dirty="0">
-                  <a:latin typeface="Malgun Gothic" panose="020B0503020000020004" pitchFamily="34" charset="-127"/>
-                  <a:ea typeface="Malgun Gothic" panose="020B0503020000020004" pitchFamily="34" charset="-127"/>
-                  <a:cs typeface="Consolas"/>
-                  <a:sym typeface="Consolas"/>
-                </a:rPr>
-                <a:t> - django</a:t>
-              </a:r>
-              <a:endParaRPr sz="1200" dirty="0">
-                <a:latin typeface="Malgun Gothic" panose="020B0503020000020004" pitchFamily="34" charset="-127"/>
-                <a:ea typeface="Malgun Gothic" panose="020B0503020000020004" pitchFamily="34" charset="-127"/>
-                <a:cs typeface="Consolas"/>
-                <a:sym typeface="Consolas"/>
-              </a:endParaRPr>
-            </a:p>
-          </p:txBody>
-        </p:sp>
-        <p:sp>
-          <p:nvSpPr>
-            <p:cNvPr id="27" name="Google Shape;413;p28">
-              <a:extLst>
-                <a:ext uri="{FF2B5EF4-FFF2-40B4-BE49-F238E27FC236}">
-                  <a16:creationId xmlns:a16="http://schemas.microsoft.com/office/drawing/2014/main" id="{6E157B9F-4858-5849-8FBA-9227FA781940}"/>
-                </a:ext>
-              </a:extLst>
-            </p:cNvPr>
-            <p:cNvSpPr txBox="1"/>
-            <p:nvPr/>
-          </p:nvSpPr>
-          <p:spPr>
-            <a:xfrm>
-              <a:off x="2761178" y="5468448"/>
+              <a:off x="10359654" y="1456234"/>
               <a:ext cx="758056" cy="290100"/>
             </a:xfrm>
             <a:prstGeom prst="rect">
@@ -11910,7 +9800,7 @@
                   <a:cs typeface="Consolas"/>
                   <a:sym typeface="Consolas"/>
                 </a:rPr>
-                <a:t>NAS</a:t>
+                <a:t>hostpath</a:t>
               </a:r>
               <a:endParaRPr sz="900" dirty="0">
                 <a:latin typeface="Malgun Gothic" panose="020B0503020000020004" pitchFamily="34" charset="-127"/>
@@ -11921,6 +9811,1646 @@
             </a:p>
           </p:txBody>
         </p:sp>
+        <p:sp>
+          <p:nvSpPr>
+            <p:cNvPr id="55" name="Google Shape;413;p28">
+              <a:extLst>
+                <a:ext uri="{FF2B5EF4-FFF2-40B4-BE49-F238E27FC236}">
+                  <a16:creationId xmlns:a16="http://schemas.microsoft.com/office/drawing/2014/main" id="{772CACBB-1E38-F14D-930E-DDD7FCE79670}"/>
+                </a:ext>
+              </a:extLst>
+            </p:cNvPr>
+            <p:cNvSpPr txBox="1"/>
+            <p:nvPr/>
+          </p:nvSpPr>
+          <p:spPr>
+            <a:xfrm>
+              <a:off x="1213877" y="5713789"/>
+              <a:ext cx="758056" cy="290100"/>
+            </a:xfrm>
+            <a:prstGeom prst="rect">
+              <a:avLst/>
+            </a:prstGeom>
+            <a:noFill/>
+            <a:ln>
+              <a:noFill/>
+            </a:ln>
+          </p:spPr>
+          <p:txBody>
+            <a:bodyPr spcFirstLastPara="1" wrap="square" lIns="91425" tIns="91425" rIns="91425" bIns="91425" anchor="ctr" anchorCtr="0">
+              <a:noAutofit/>
+            </a:bodyPr>
+            <a:lstStyle/>
+            <a:p>
+              <a:pPr marL="0" lvl="0" indent="0" algn="ctr" rtl="0">
+                <a:spcBef>
+                  <a:spcPts val="0"/>
+                </a:spcBef>
+                <a:spcAft>
+                  <a:spcPts val="0"/>
+                </a:spcAft>
+                <a:buNone/>
+              </a:pPr>
+              <a:r>
+                <a:rPr lang="en-US" sz="900" dirty="0">
+                  <a:latin typeface="Malgun Gothic" panose="020B0503020000020004" pitchFamily="34" charset="-127"/>
+                  <a:ea typeface="Malgun Gothic" panose="020B0503020000020004" pitchFamily="34" charset="-127"/>
+                  <a:cs typeface="Consolas"/>
+                  <a:sym typeface="Consolas"/>
+                </a:rPr>
+                <a:t>yogiyo</a:t>
+              </a:r>
+              <a:endParaRPr sz="900" dirty="0">
+                <a:latin typeface="Malgun Gothic" panose="020B0503020000020004" pitchFamily="34" charset="-127"/>
+                <a:ea typeface="Malgun Gothic" panose="020B0503020000020004" pitchFamily="34" charset="-127"/>
+                <a:cs typeface="Consolas"/>
+                <a:sym typeface="Consolas"/>
+              </a:endParaRPr>
+            </a:p>
+          </p:txBody>
+        </p:sp>
+        <p:sp>
+          <p:nvSpPr>
+            <p:cNvPr id="57" name="Google Shape;413;p28">
+              <a:extLst>
+                <a:ext uri="{FF2B5EF4-FFF2-40B4-BE49-F238E27FC236}">
+                  <a16:creationId xmlns:a16="http://schemas.microsoft.com/office/drawing/2014/main" id="{F8CAD0A1-3C50-4342-970A-02BDAC131A56}"/>
+                </a:ext>
+              </a:extLst>
+            </p:cNvPr>
+            <p:cNvSpPr txBox="1"/>
+            <p:nvPr/>
+          </p:nvSpPr>
+          <p:spPr>
+            <a:xfrm>
+              <a:off x="521043" y="2966708"/>
+              <a:ext cx="989583" cy="290100"/>
+            </a:xfrm>
+            <a:prstGeom prst="rect">
+              <a:avLst/>
+            </a:prstGeom>
+            <a:noFill/>
+            <a:ln>
+              <a:noFill/>
+            </a:ln>
+          </p:spPr>
+          <p:txBody>
+            <a:bodyPr spcFirstLastPara="1" wrap="square" lIns="91425" tIns="91425" rIns="91425" bIns="91425" anchor="ctr" anchorCtr="0">
+              <a:noAutofit/>
+            </a:bodyPr>
+            <a:lstStyle/>
+            <a:p>
+              <a:pPr marL="0" lvl="0" indent="0" algn="ctr" rtl="0">
+                <a:spcBef>
+                  <a:spcPts val="0"/>
+                </a:spcBef>
+                <a:spcAft>
+                  <a:spcPts val="0"/>
+                </a:spcAft>
+                <a:buNone/>
+              </a:pPr>
+              <a:r>
+                <a:rPr lang="en-US" sz="900" dirty="0">
+                  <a:latin typeface="Malgun Gothic" panose="020B0503020000020004" pitchFamily="34" charset="-127"/>
+                  <a:ea typeface="Malgun Gothic" panose="020B0503020000020004" pitchFamily="34" charset="-127"/>
+                  <a:cs typeface="Consolas"/>
+                  <a:sym typeface="Consolas"/>
+                </a:rPr>
+                <a:t>yogiyo.com</a:t>
+              </a:r>
+              <a:endParaRPr sz="900" dirty="0">
+                <a:latin typeface="Malgun Gothic" panose="020B0503020000020004" pitchFamily="34" charset="-127"/>
+                <a:ea typeface="Malgun Gothic" panose="020B0503020000020004" pitchFamily="34" charset="-127"/>
+                <a:cs typeface="Consolas"/>
+                <a:sym typeface="Consolas"/>
+              </a:endParaRPr>
+            </a:p>
+          </p:txBody>
+        </p:sp>
+        <p:sp>
+          <p:nvSpPr>
+            <p:cNvPr id="64" name="Google Shape;413;p28">
+              <a:extLst>
+                <a:ext uri="{FF2B5EF4-FFF2-40B4-BE49-F238E27FC236}">
+                  <a16:creationId xmlns:a16="http://schemas.microsoft.com/office/drawing/2014/main" id="{2D5F1B1D-CD39-0F4B-9785-203A74480BCC}"/>
+                </a:ext>
+              </a:extLst>
+            </p:cNvPr>
+            <p:cNvSpPr txBox="1"/>
+            <p:nvPr/>
+          </p:nvSpPr>
+          <p:spPr>
+            <a:xfrm>
+              <a:off x="1462110" y="1450015"/>
+              <a:ext cx="758056" cy="290100"/>
+            </a:xfrm>
+            <a:prstGeom prst="rect">
+              <a:avLst/>
+            </a:prstGeom>
+            <a:noFill/>
+            <a:ln>
+              <a:noFill/>
+            </a:ln>
+          </p:spPr>
+          <p:txBody>
+            <a:bodyPr spcFirstLastPara="1" wrap="square" lIns="91425" tIns="91425" rIns="91425" bIns="91425" anchor="ctr" anchorCtr="0">
+              <a:noAutofit/>
+            </a:bodyPr>
+            <a:lstStyle/>
+            <a:p>
+              <a:pPr marL="0" lvl="0" indent="0" algn="ctr" rtl="0">
+                <a:spcBef>
+                  <a:spcPts val="0"/>
+                </a:spcBef>
+                <a:spcAft>
+                  <a:spcPts val="0"/>
+                </a:spcAft>
+                <a:buNone/>
+              </a:pPr>
+              <a:r>
+                <a:rPr lang="en-US" sz="900" dirty="0">
+                  <a:latin typeface="Malgun Gothic" panose="020B0503020000020004" pitchFamily="34" charset="-127"/>
+                  <a:ea typeface="Malgun Gothic" panose="020B0503020000020004" pitchFamily="34" charset="-127"/>
+                  <a:cs typeface="Consolas"/>
+                  <a:sym typeface="Consolas"/>
+                </a:rPr>
+                <a:t>frontend</a:t>
+              </a:r>
+              <a:endParaRPr sz="900" dirty="0">
+                <a:latin typeface="Malgun Gothic" panose="020B0503020000020004" pitchFamily="34" charset="-127"/>
+                <a:ea typeface="Malgun Gothic" panose="020B0503020000020004" pitchFamily="34" charset="-127"/>
+                <a:cs typeface="Consolas"/>
+                <a:sym typeface="Consolas"/>
+              </a:endParaRPr>
+            </a:p>
+          </p:txBody>
+        </p:sp>
+        <p:cxnSp>
+          <p:nvCxnSpPr>
+            <p:cNvPr id="89" name="Google Shape;408;p28">
+              <a:extLst>
+                <a:ext uri="{FF2B5EF4-FFF2-40B4-BE49-F238E27FC236}">
+                  <a16:creationId xmlns:a16="http://schemas.microsoft.com/office/drawing/2014/main" id="{151A535D-3DB9-7840-88FC-EC6FD6BEDE9D}"/>
+                </a:ext>
+              </a:extLst>
+            </p:cNvPr>
+            <p:cNvCxnSpPr>
+              <a:cxnSpLocks/>
+              <a:stCxn id="95" idx="3"/>
+              <a:endCxn id="92" idx="1"/>
+            </p:cNvCxnSpPr>
+            <p:nvPr/>
+          </p:nvCxnSpPr>
+          <p:spPr>
+            <a:xfrm>
+              <a:off x="2824966" y="3129277"/>
+              <a:ext cx="391876" cy="2"/>
+            </a:xfrm>
+            <a:prstGeom prst="bentConnector3">
+              <a:avLst>
+                <a:gd name="adj1" fmla="val 50000"/>
+              </a:avLst>
+            </a:prstGeom>
+            <a:noFill/>
+            <a:ln w="28575" cap="flat" cmpd="sng">
+              <a:solidFill>
+                <a:schemeClr val="dk2"/>
+              </a:solidFill>
+              <a:prstDash val="solid"/>
+              <a:round/>
+              <a:headEnd type="none" w="med" len="med"/>
+              <a:tailEnd type="triangle" w="med" len="med"/>
+            </a:ln>
+          </p:spPr>
+        </p:cxnSp>
+        <p:cxnSp>
+          <p:nvCxnSpPr>
+            <p:cNvPr id="90" name="Google Shape;409;p28">
+              <a:extLst>
+                <a:ext uri="{FF2B5EF4-FFF2-40B4-BE49-F238E27FC236}">
+                  <a16:creationId xmlns:a16="http://schemas.microsoft.com/office/drawing/2014/main" id="{CCA7DC28-FD87-DE4B-89CF-BECA0642E24D}"/>
+                </a:ext>
+              </a:extLst>
+            </p:cNvPr>
+            <p:cNvCxnSpPr>
+              <a:cxnSpLocks/>
+              <a:stCxn id="92" idx="3"/>
+              <a:endCxn id="94" idx="1"/>
+            </p:cNvCxnSpPr>
+            <p:nvPr/>
+          </p:nvCxnSpPr>
+          <p:spPr>
+            <a:xfrm flipV="1">
+              <a:off x="3821642" y="3129278"/>
+              <a:ext cx="391876" cy="1"/>
+            </a:xfrm>
+            <a:prstGeom prst="bentConnector3">
+              <a:avLst>
+                <a:gd name="adj1" fmla="val 50000"/>
+              </a:avLst>
+            </a:prstGeom>
+            <a:noFill/>
+            <a:ln w="28575" cap="flat" cmpd="sng">
+              <a:solidFill>
+                <a:srgbClr val="999999"/>
+              </a:solidFill>
+              <a:prstDash val="dash"/>
+              <a:round/>
+              <a:headEnd type="triangle" w="med" len="med"/>
+              <a:tailEnd type="none" w="med" len="med"/>
+            </a:ln>
+          </p:spPr>
+        </p:cxnSp>
+        <p:cxnSp>
+          <p:nvCxnSpPr>
+            <p:cNvPr id="91" name="Google Shape;411;p28">
+              <a:extLst>
+                <a:ext uri="{FF2B5EF4-FFF2-40B4-BE49-F238E27FC236}">
+                  <a16:creationId xmlns:a16="http://schemas.microsoft.com/office/drawing/2014/main" id="{FA1410CF-40EE-B84D-A14D-1C033EE51989}"/>
+                </a:ext>
+              </a:extLst>
+            </p:cNvPr>
+            <p:cNvCxnSpPr>
+              <a:stCxn id="93" idx="1"/>
+              <a:endCxn id="94" idx="3"/>
+            </p:cNvCxnSpPr>
+            <p:nvPr/>
+          </p:nvCxnSpPr>
+          <p:spPr>
+            <a:xfrm rot="10800000" flipV="1">
+              <a:off x="4818318" y="3129276"/>
+              <a:ext cx="391872" cy="1"/>
+            </a:xfrm>
+            <a:prstGeom prst="bentConnector3">
+              <a:avLst>
+                <a:gd name="adj1" fmla="val 50000"/>
+              </a:avLst>
+            </a:prstGeom>
+            <a:noFill/>
+            <a:ln w="28575" cap="flat" cmpd="sng">
+              <a:solidFill>
+                <a:srgbClr val="999999"/>
+              </a:solidFill>
+              <a:prstDash val="dash"/>
+              <a:round/>
+              <a:headEnd type="none" w="med" len="med"/>
+              <a:tailEnd type="triangle" w="med" len="med"/>
+            </a:ln>
+          </p:spPr>
+        </p:cxnSp>
+        <p:pic>
+          <p:nvPicPr>
+            <p:cNvPr id="92" name="Google Shape;404;p28">
+              <a:extLst>
+                <a:ext uri="{FF2B5EF4-FFF2-40B4-BE49-F238E27FC236}">
+                  <a16:creationId xmlns:a16="http://schemas.microsoft.com/office/drawing/2014/main" id="{65E1ABC6-0463-ED40-AEA9-3111568DA8FA}"/>
+                </a:ext>
+              </a:extLst>
+            </p:cNvPr>
+            <p:cNvPicPr preferRelativeResize="0"/>
+            <p:nvPr/>
+          </p:nvPicPr>
+          <p:blipFill>
+            <a:blip r:embed="rId3">
+              <a:alphaModFix/>
+            </a:blip>
+            <a:stretch>
+              <a:fillRect/>
+            </a:stretch>
+          </p:blipFill>
+          <p:spPr>
+            <a:xfrm>
+              <a:off x="3216842" y="2826879"/>
+              <a:ext cx="604800" cy="604800"/>
+            </a:xfrm>
+            <a:prstGeom prst="rect">
+              <a:avLst/>
+            </a:prstGeom>
+            <a:noFill/>
+            <a:ln>
+              <a:noFill/>
+            </a:ln>
+          </p:spPr>
+        </p:pic>
+        <p:pic>
+          <p:nvPicPr>
+            <p:cNvPr id="93" name="Google Shape;412;p28">
+              <a:extLst>
+                <a:ext uri="{FF2B5EF4-FFF2-40B4-BE49-F238E27FC236}">
+                  <a16:creationId xmlns:a16="http://schemas.microsoft.com/office/drawing/2014/main" id="{A8A33E91-9289-3A44-BD93-9C7CBE7712D6}"/>
+                </a:ext>
+              </a:extLst>
+            </p:cNvPr>
+            <p:cNvPicPr preferRelativeResize="0"/>
+            <p:nvPr/>
+          </p:nvPicPr>
+          <p:blipFill>
+            <a:blip r:embed="rId4">
+              <a:alphaModFix/>
+            </a:blip>
+            <a:stretch>
+              <a:fillRect/>
+            </a:stretch>
+          </p:blipFill>
+          <p:spPr>
+            <a:xfrm>
+              <a:off x="5210190" y="2826877"/>
+              <a:ext cx="604800" cy="604800"/>
+            </a:xfrm>
+            <a:prstGeom prst="rect">
+              <a:avLst/>
+            </a:prstGeom>
+            <a:noFill/>
+            <a:ln>
+              <a:noFill/>
+            </a:ln>
+          </p:spPr>
+        </p:pic>
+        <p:pic>
+          <p:nvPicPr>
+            <p:cNvPr id="94" name="Google Shape;410;p28">
+              <a:extLst>
+                <a:ext uri="{FF2B5EF4-FFF2-40B4-BE49-F238E27FC236}">
+                  <a16:creationId xmlns:a16="http://schemas.microsoft.com/office/drawing/2014/main" id="{5051D87D-FE2B-0B4B-9982-282B59A30E90}"/>
+                </a:ext>
+              </a:extLst>
+            </p:cNvPr>
+            <p:cNvPicPr preferRelativeResize="0"/>
+            <p:nvPr/>
+          </p:nvPicPr>
+          <p:blipFill>
+            <a:blip r:embed="rId5">
+              <a:alphaModFix/>
+            </a:blip>
+            <a:stretch>
+              <a:fillRect/>
+            </a:stretch>
+          </p:blipFill>
+          <p:spPr>
+            <a:xfrm>
+              <a:off x="4213518" y="2826878"/>
+              <a:ext cx="604800" cy="604800"/>
+            </a:xfrm>
+            <a:prstGeom prst="rect">
+              <a:avLst/>
+            </a:prstGeom>
+            <a:noFill/>
+            <a:ln>
+              <a:noFill/>
+            </a:ln>
+          </p:spPr>
+        </p:pic>
+        <p:pic>
+          <p:nvPicPr>
+            <p:cNvPr id="95" name="Google Shape;407;p28">
+              <a:extLst>
+                <a:ext uri="{FF2B5EF4-FFF2-40B4-BE49-F238E27FC236}">
+                  <a16:creationId xmlns:a16="http://schemas.microsoft.com/office/drawing/2014/main" id="{FC5C0BEC-10DA-854B-9E44-49DC49A41C03}"/>
+                </a:ext>
+              </a:extLst>
+            </p:cNvPr>
+            <p:cNvPicPr preferRelativeResize="0"/>
+            <p:nvPr/>
+          </p:nvPicPr>
+          <p:blipFill>
+            <a:blip r:embed="rId6">
+              <a:alphaModFix/>
+            </a:blip>
+            <a:stretch>
+              <a:fillRect/>
+            </a:stretch>
+          </p:blipFill>
+          <p:spPr>
+            <a:xfrm>
+              <a:off x="2220166" y="2826877"/>
+              <a:ext cx="604800" cy="604800"/>
+            </a:xfrm>
+            <a:prstGeom prst="rect">
+              <a:avLst/>
+            </a:prstGeom>
+            <a:noFill/>
+            <a:ln>
+              <a:noFill/>
+            </a:ln>
+          </p:spPr>
+        </p:pic>
+        <p:cxnSp>
+          <p:nvCxnSpPr>
+            <p:cNvPr id="96" name="Google Shape;405;p28">
+              <a:extLst>
+                <a:ext uri="{FF2B5EF4-FFF2-40B4-BE49-F238E27FC236}">
+                  <a16:creationId xmlns:a16="http://schemas.microsoft.com/office/drawing/2014/main" id="{2D42ED55-CC0D-9E47-95F2-7A618C2390AA}"/>
+                </a:ext>
+              </a:extLst>
+            </p:cNvPr>
+            <p:cNvCxnSpPr>
+              <a:cxnSpLocks/>
+              <a:stCxn id="21" idx="3"/>
+              <a:endCxn id="95" idx="1"/>
+            </p:cNvCxnSpPr>
+            <p:nvPr/>
+          </p:nvCxnSpPr>
+          <p:spPr>
+            <a:xfrm>
+              <a:off x="1318234" y="2512408"/>
+              <a:ext cx="901932" cy="616869"/>
+            </a:xfrm>
+            <a:prstGeom prst="bentConnector3">
+              <a:avLst>
+                <a:gd name="adj1" fmla="val 50000"/>
+              </a:avLst>
+            </a:prstGeom>
+            <a:noFill/>
+            <a:ln w="28575" cap="flat" cmpd="sng">
+              <a:solidFill>
+                <a:schemeClr val="dk2"/>
+              </a:solidFill>
+              <a:prstDash val="solid"/>
+              <a:round/>
+              <a:headEnd type="none" w="med" len="med"/>
+              <a:tailEnd type="triangle" w="med" len="med"/>
+            </a:ln>
+          </p:spPr>
+        </p:cxnSp>
+        <p:sp>
+          <p:nvSpPr>
+            <p:cNvPr id="104" name="Google Shape;413;p28">
+              <a:extLst>
+                <a:ext uri="{FF2B5EF4-FFF2-40B4-BE49-F238E27FC236}">
+                  <a16:creationId xmlns:a16="http://schemas.microsoft.com/office/drawing/2014/main" id="{574AF34C-4191-944C-8DFA-089B7C11A8B8}"/>
+                </a:ext>
+              </a:extLst>
+            </p:cNvPr>
+            <p:cNvSpPr txBox="1"/>
+            <p:nvPr/>
+          </p:nvSpPr>
+          <p:spPr>
+            <a:xfrm>
+              <a:off x="1484057" y="3372530"/>
+              <a:ext cx="758056" cy="290100"/>
+            </a:xfrm>
+            <a:prstGeom prst="rect">
+              <a:avLst/>
+            </a:prstGeom>
+            <a:noFill/>
+            <a:ln>
+              <a:noFill/>
+            </a:ln>
+          </p:spPr>
+          <p:txBody>
+            <a:bodyPr spcFirstLastPara="1" wrap="square" lIns="91425" tIns="91425" rIns="91425" bIns="91425" anchor="ctr" anchorCtr="0">
+              <a:noAutofit/>
+            </a:bodyPr>
+            <a:lstStyle/>
+            <a:p>
+              <a:pPr marL="0" lvl="0" indent="0" algn="ctr" rtl="0">
+                <a:spcBef>
+                  <a:spcPts val="0"/>
+                </a:spcBef>
+                <a:spcAft>
+                  <a:spcPts val="0"/>
+                </a:spcAft>
+                <a:buNone/>
+              </a:pPr>
+              <a:r>
+                <a:rPr lang="en-US" sz="900" dirty="0">
+                  <a:latin typeface="Malgun Gothic" panose="020B0503020000020004" pitchFamily="34" charset="-127"/>
+                  <a:ea typeface="Malgun Gothic" panose="020B0503020000020004" pitchFamily="34" charset="-127"/>
+                  <a:cs typeface="Consolas"/>
+                  <a:sym typeface="Consolas"/>
+                </a:rPr>
+                <a:t>backend</a:t>
+              </a:r>
+              <a:endParaRPr sz="900" dirty="0">
+                <a:latin typeface="Malgun Gothic" panose="020B0503020000020004" pitchFamily="34" charset="-127"/>
+                <a:ea typeface="Malgun Gothic" panose="020B0503020000020004" pitchFamily="34" charset="-127"/>
+                <a:cs typeface="Consolas"/>
+                <a:sym typeface="Consolas"/>
+              </a:endParaRPr>
+            </a:p>
+          </p:txBody>
+        </p:sp>
+        <p:cxnSp>
+          <p:nvCxnSpPr>
+            <p:cNvPr id="121" name="Google Shape;408;p28">
+              <a:extLst>
+                <a:ext uri="{FF2B5EF4-FFF2-40B4-BE49-F238E27FC236}">
+                  <a16:creationId xmlns:a16="http://schemas.microsoft.com/office/drawing/2014/main" id="{F6531C82-7D18-7242-800A-2A133F809DF6}"/>
+                </a:ext>
+              </a:extLst>
+            </p:cNvPr>
+            <p:cNvCxnSpPr>
+              <a:cxnSpLocks/>
+              <a:endCxn id="21" idx="1"/>
+            </p:cNvCxnSpPr>
+            <p:nvPr/>
+          </p:nvCxnSpPr>
+          <p:spPr>
+            <a:xfrm rot="5400000" flipH="1" flipV="1">
+              <a:off x="-173036" y="2787383"/>
+              <a:ext cx="1161444" cy="611495"/>
+            </a:xfrm>
+            <a:prstGeom prst="bentConnector2">
+              <a:avLst/>
+            </a:prstGeom>
+            <a:noFill/>
+            <a:ln w="28575" cap="flat" cmpd="sng">
+              <a:solidFill>
+                <a:schemeClr val="dk2"/>
+              </a:solidFill>
+              <a:prstDash val="solid"/>
+              <a:round/>
+              <a:headEnd type="none" w="med" len="med"/>
+              <a:tailEnd type="triangle" w="med" len="med"/>
+            </a:ln>
+          </p:spPr>
+        </p:cxnSp>
+        <p:cxnSp>
+          <p:nvCxnSpPr>
+            <p:cNvPr id="128" name="Google Shape;408;p28">
+              <a:extLst>
+                <a:ext uri="{FF2B5EF4-FFF2-40B4-BE49-F238E27FC236}">
+                  <a16:creationId xmlns:a16="http://schemas.microsoft.com/office/drawing/2014/main" id="{57457501-A17B-CF49-98A7-ECE9D80BDEB8}"/>
+                </a:ext>
+              </a:extLst>
+            </p:cNvPr>
+            <p:cNvCxnSpPr>
+              <a:cxnSpLocks/>
+              <a:stCxn id="134" idx="3"/>
+              <a:endCxn id="131" idx="1"/>
+            </p:cNvCxnSpPr>
+            <p:nvPr/>
+          </p:nvCxnSpPr>
+          <p:spPr>
+            <a:xfrm>
+              <a:off x="8051786" y="3108101"/>
+              <a:ext cx="391876" cy="2"/>
+            </a:xfrm>
+            <a:prstGeom prst="bentConnector3">
+              <a:avLst>
+                <a:gd name="adj1" fmla="val 50000"/>
+              </a:avLst>
+            </a:prstGeom>
+            <a:noFill/>
+            <a:ln w="28575" cap="flat" cmpd="sng">
+              <a:solidFill>
+                <a:schemeClr val="dk2"/>
+              </a:solidFill>
+              <a:prstDash val="solid"/>
+              <a:round/>
+              <a:headEnd type="none" w="med" len="med"/>
+              <a:tailEnd type="triangle" w="med" len="med"/>
+            </a:ln>
+          </p:spPr>
+        </p:cxnSp>
+        <p:cxnSp>
+          <p:nvCxnSpPr>
+            <p:cNvPr id="129" name="Google Shape;409;p28">
+              <a:extLst>
+                <a:ext uri="{FF2B5EF4-FFF2-40B4-BE49-F238E27FC236}">
+                  <a16:creationId xmlns:a16="http://schemas.microsoft.com/office/drawing/2014/main" id="{1ADA0606-8050-B242-B573-E2C25FDF2DF5}"/>
+                </a:ext>
+              </a:extLst>
+            </p:cNvPr>
+            <p:cNvCxnSpPr>
+              <a:cxnSpLocks/>
+              <a:stCxn id="131" idx="3"/>
+              <a:endCxn id="133" idx="1"/>
+            </p:cNvCxnSpPr>
+            <p:nvPr/>
+          </p:nvCxnSpPr>
+          <p:spPr>
+            <a:xfrm flipV="1">
+              <a:off x="9048462" y="3108102"/>
+              <a:ext cx="391876" cy="1"/>
+            </a:xfrm>
+            <a:prstGeom prst="bentConnector3">
+              <a:avLst>
+                <a:gd name="adj1" fmla="val 50000"/>
+              </a:avLst>
+            </a:prstGeom>
+            <a:noFill/>
+            <a:ln w="28575" cap="flat" cmpd="sng">
+              <a:solidFill>
+                <a:srgbClr val="999999"/>
+              </a:solidFill>
+              <a:prstDash val="dash"/>
+              <a:round/>
+              <a:headEnd type="triangle" w="med" len="med"/>
+              <a:tailEnd type="none" w="med" len="med"/>
+            </a:ln>
+          </p:spPr>
+        </p:cxnSp>
+        <p:cxnSp>
+          <p:nvCxnSpPr>
+            <p:cNvPr id="130" name="Google Shape;411;p28">
+              <a:extLst>
+                <a:ext uri="{FF2B5EF4-FFF2-40B4-BE49-F238E27FC236}">
+                  <a16:creationId xmlns:a16="http://schemas.microsoft.com/office/drawing/2014/main" id="{EDDC901D-AF38-144F-A6D1-BFC82A00D287}"/>
+                </a:ext>
+              </a:extLst>
+            </p:cNvPr>
+            <p:cNvCxnSpPr>
+              <a:stCxn id="132" idx="1"/>
+              <a:endCxn id="133" idx="3"/>
+            </p:cNvCxnSpPr>
+            <p:nvPr/>
+          </p:nvCxnSpPr>
+          <p:spPr>
+            <a:xfrm rot="10800000" flipV="1">
+              <a:off x="10045138" y="3108100"/>
+              <a:ext cx="391872" cy="1"/>
+            </a:xfrm>
+            <a:prstGeom prst="bentConnector3">
+              <a:avLst>
+                <a:gd name="adj1" fmla="val 50000"/>
+              </a:avLst>
+            </a:prstGeom>
+            <a:noFill/>
+            <a:ln w="28575" cap="flat" cmpd="sng">
+              <a:solidFill>
+                <a:srgbClr val="999999"/>
+              </a:solidFill>
+              <a:prstDash val="dash"/>
+              <a:round/>
+              <a:headEnd type="none" w="med" len="med"/>
+              <a:tailEnd type="triangle" w="med" len="med"/>
+            </a:ln>
+          </p:spPr>
+        </p:cxnSp>
+        <p:pic>
+          <p:nvPicPr>
+            <p:cNvPr id="131" name="Google Shape;404;p28">
+              <a:extLst>
+                <a:ext uri="{FF2B5EF4-FFF2-40B4-BE49-F238E27FC236}">
+                  <a16:creationId xmlns:a16="http://schemas.microsoft.com/office/drawing/2014/main" id="{C01DA6FC-A89B-FA4B-9F64-442FCA65BFA2}"/>
+                </a:ext>
+              </a:extLst>
+            </p:cNvPr>
+            <p:cNvPicPr preferRelativeResize="0"/>
+            <p:nvPr/>
+          </p:nvPicPr>
+          <p:blipFill>
+            <a:blip r:embed="rId3">
+              <a:alphaModFix/>
+            </a:blip>
+            <a:stretch>
+              <a:fillRect/>
+            </a:stretch>
+          </p:blipFill>
+          <p:spPr>
+            <a:xfrm>
+              <a:off x="8443662" y="2805703"/>
+              <a:ext cx="604800" cy="604800"/>
+            </a:xfrm>
+            <a:prstGeom prst="rect">
+              <a:avLst/>
+            </a:prstGeom>
+            <a:noFill/>
+            <a:ln>
+              <a:noFill/>
+            </a:ln>
+          </p:spPr>
+        </p:pic>
+        <p:pic>
+          <p:nvPicPr>
+            <p:cNvPr id="132" name="Google Shape;412;p28">
+              <a:extLst>
+                <a:ext uri="{FF2B5EF4-FFF2-40B4-BE49-F238E27FC236}">
+                  <a16:creationId xmlns:a16="http://schemas.microsoft.com/office/drawing/2014/main" id="{D5168D68-8F83-D24F-9E3D-31D5979D90D9}"/>
+                </a:ext>
+              </a:extLst>
+            </p:cNvPr>
+            <p:cNvPicPr preferRelativeResize="0"/>
+            <p:nvPr/>
+          </p:nvPicPr>
+          <p:blipFill>
+            <a:blip r:embed="rId4">
+              <a:alphaModFix/>
+            </a:blip>
+            <a:stretch>
+              <a:fillRect/>
+            </a:stretch>
+          </p:blipFill>
+          <p:spPr>
+            <a:xfrm>
+              <a:off x="10437010" y="2805701"/>
+              <a:ext cx="604800" cy="604800"/>
+            </a:xfrm>
+            <a:prstGeom prst="rect">
+              <a:avLst/>
+            </a:prstGeom>
+            <a:noFill/>
+            <a:ln>
+              <a:noFill/>
+            </a:ln>
+          </p:spPr>
+        </p:pic>
+        <p:pic>
+          <p:nvPicPr>
+            <p:cNvPr id="133" name="Google Shape;410;p28">
+              <a:extLst>
+                <a:ext uri="{FF2B5EF4-FFF2-40B4-BE49-F238E27FC236}">
+                  <a16:creationId xmlns:a16="http://schemas.microsoft.com/office/drawing/2014/main" id="{AD5B04E1-4490-A247-BFB5-0CBDCF8CF23E}"/>
+                </a:ext>
+              </a:extLst>
+            </p:cNvPr>
+            <p:cNvPicPr preferRelativeResize="0"/>
+            <p:nvPr/>
+          </p:nvPicPr>
+          <p:blipFill>
+            <a:blip r:embed="rId5">
+              <a:alphaModFix/>
+            </a:blip>
+            <a:stretch>
+              <a:fillRect/>
+            </a:stretch>
+          </p:blipFill>
+          <p:spPr>
+            <a:xfrm>
+              <a:off x="9440338" y="2805702"/>
+              <a:ext cx="604800" cy="604800"/>
+            </a:xfrm>
+            <a:prstGeom prst="rect">
+              <a:avLst/>
+            </a:prstGeom>
+            <a:noFill/>
+            <a:ln>
+              <a:noFill/>
+            </a:ln>
+          </p:spPr>
+        </p:pic>
+        <p:pic>
+          <p:nvPicPr>
+            <p:cNvPr id="134" name="Google Shape;407;p28">
+              <a:extLst>
+                <a:ext uri="{FF2B5EF4-FFF2-40B4-BE49-F238E27FC236}">
+                  <a16:creationId xmlns:a16="http://schemas.microsoft.com/office/drawing/2014/main" id="{EA977727-91D3-C44C-98D0-CF6DD26AC4DB}"/>
+                </a:ext>
+              </a:extLst>
+            </p:cNvPr>
+            <p:cNvPicPr preferRelativeResize="0"/>
+            <p:nvPr/>
+          </p:nvPicPr>
+          <p:blipFill>
+            <a:blip r:embed="rId6">
+              <a:alphaModFix/>
+            </a:blip>
+            <a:stretch>
+              <a:fillRect/>
+            </a:stretch>
+          </p:blipFill>
+          <p:spPr>
+            <a:xfrm>
+              <a:off x="7446986" y="2805701"/>
+              <a:ext cx="604800" cy="604800"/>
+            </a:xfrm>
+            <a:prstGeom prst="rect">
+              <a:avLst/>
+            </a:prstGeom>
+            <a:noFill/>
+            <a:ln>
+              <a:noFill/>
+            </a:ln>
+          </p:spPr>
+        </p:pic>
+        <p:cxnSp>
+          <p:nvCxnSpPr>
+            <p:cNvPr id="135" name="Google Shape;401;p28">
+              <a:extLst>
+                <a:ext uri="{FF2B5EF4-FFF2-40B4-BE49-F238E27FC236}">
+                  <a16:creationId xmlns:a16="http://schemas.microsoft.com/office/drawing/2014/main" id="{5745A4F0-FC80-0E47-BBA5-A418967D3DC1}"/>
+                </a:ext>
+              </a:extLst>
+            </p:cNvPr>
+            <p:cNvCxnSpPr>
+              <a:cxnSpLocks/>
+              <a:stCxn id="131" idx="0"/>
+              <a:endCxn id="32" idx="2"/>
+            </p:cNvCxnSpPr>
+            <p:nvPr/>
+          </p:nvCxnSpPr>
+          <p:spPr>
+            <a:xfrm flipV="1">
+              <a:off x="8746062" y="2400676"/>
+              <a:ext cx="728" cy="405027"/>
+            </a:xfrm>
+            <a:prstGeom prst="straightConnector1">
+              <a:avLst/>
+            </a:prstGeom>
+            <a:noFill/>
+            <a:ln w="28575" cap="flat" cmpd="sng">
+              <a:solidFill>
+                <a:schemeClr val="dk2"/>
+              </a:solidFill>
+              <a:prstDash val="solid"/>
+              <a:round/>
+              <a:headEnd type="triangle" w="med" len="med"/>
+              <a:tailEnd type="triangle" w="med" len="med"/>
+            </a:ln>
+          </p:spPr>
+        </p:cxnSp>
+        <p:cxnSp>
+          <p:nvCxnSpPr>
+            <p:cNvPr id="153" name="Google Shape;398;p28">
+              <a:extLst>
+                <a:ext uri="{FF2B5EF4-FFF2-40B4-BE49-F238E27FC236}">
+                  <a16:creationId xmlns:a16="http://schemas.microsoft.com/office/drawing/2014/main" id="{550D1092-7285-F342-ABAA-0DE7E06256CC}"/>
+                </a:ext>
+              </a:extLst>
+            </p:cNvPr>
+            <p:cNvCxnSpPr>
+              <a:cxnSpLocks/>
+              <a:stCxn id="47" idx="1"/>
+              <a:endCxn id="42" idx="3"/>
+            </p:cNvCxnSpPr>
+            <p:nvPr/>
+          </p:nvCxnSpPr>
+          <p:spPr>
+            <a:xfrm flipH="1" flipV="1">
+              <a:off x="10075587" y="2093239"/>
+              <a:ext cx="359967" cy="4532"/>
+            </a:xfrm>
+            <a:prstGeom prst="straightConnector1">
+              <a:avLst/>
+            </a:prstGeom>
+            <a:noFill/>
+            <a:ln w="28575" cap="flat" cmpd="sng">
+              <a:solidFill>
+                <a:srgbClr val="999999"/>
+              </a:solidFill>
+              <a:prstDash val="dash"/>
+              <a:round/>
+              <a:headEnd type="none" w="med" len="med"/>
+              <a:tailEnd type="triangle" w="med" len="med"/>
+            </a:ln>
+          </p:spPr>
+        </p:cxnSp>
+        <p:sp>
+          <p:nvSpPr>
+            <p:cNvPr id="157" name="Google Shape;413;p28">
+              <a:extLst>
+                <a:ext uri="{FF2B5EF4-FFF2-40B4-BE49-F238E27FC236}">
+                  <a16:creationId xmlns:a16="http://schemas.microsoft.com/office/drawing/2014/main" id="{A40094DB-B727-9C4E-AA5B-738C8D389198}"/>
+                </a:ext>
+              </a:extLst>
+            </p:cNvPr>
+            <p:cNvSpPr txBox="1"/>
+            <p:nvPr/>
+          </p:nvSpPr>
+          <p:spPr>
+            <a:xfrm>
+              <a:off x="7373684" y="2502809"/>
+              <a:ext cx="758056" cy="290100"/>
+            </a:xfrm>
+            <a:prstGeom prst="rect">
+              <a:avLst/>
+            </a:prstGeom>
+            <a:noFill/>
+            <a:ln>
+              <a:noFill/>
+            </a:ln>
+          </p:spPr>
+          <p:txBody>
+            <a:bodyPr spcFirstLastPara="1" wrap="square" lIns="91425" tIns="91425" rIns="91425" bIns="91425" anchor="ctr" anchorCtr="0">
+              <a:noAutofit/>
+            </a:bodyPr>
+            <a:lstStyle/>
+            <a:p>
+              <a:pPr marL="0" lvl="0" indent="0" algn="ctr" rtl="0">
+                <a:spcBef>
+                  <a:spcPts val="0"/>
+                </a:spcBef>
+                <a:spcAft>
+                  <a:spcPts val="0"/>
+                </a:spcAft>
+                <a:buNone/>
+              </a:pPr>
+              <a:r>
+                <a:rPr lang="en-US" sz="900" dirty="0" err="1">
+                  <a:latin typeface="Malgun Gothic" panose="020B0503020000020004" pitchFamily="34" charset="-127"/>
+                  <a:ea typeface="Malgun Gothic" panose="020B0503020000020004" pitchFamily="34" charset="-127"/>
+                  <a:cs typeface="Consolas"/>
+                  <a:sym typeface="Consolas"/>
+                </a:rPr>
+                <a:t>redis</a:t>
+              </a:r>
+              <a:endParaRPr sz="900" dirty="0">
+                <a:latin typeface="Malgun Gothic" panose="020B0503020000020004" pitchFamily="34" charset="-127"/>
+                <a:ea typeface="Malgun Gothic" panose="020B0503020000020004" pitchFamily="34" charset="-127"/>
+                <a:cs typeface="Consolas"/>
+                <a:sym typeface="Consolas"/>
+              </a:endParaRPr>
+            </a:p>
+          </p:txBody>
+        </p:sp>
+        <p:cxnSp>
+          <p:nvCxnSpPr>
+            <p:cNvPr id="159" name="Google Shape;408;p28">
+              <a:extLst>
+                <a:ext uri="{FF2B5EF4-FFF2-40B4-BE49-F238E27FC236}">
+                  <a16:creationId xmlns:a16="http://schemas.microsoft.com/office/drawing/2014/main" id="{911EF1C0-D8F1-E940-BA72-6B9A2294C5A3}"/>
+                </a:ext>
+              </a:extLst>
+            </p:cNvPr>
+            <p:cNvCxnSpPr>
+              <a:cxnSpLocks/>
+              <a:stCxn id="165" idx="3"/>
+              <a:endCxn id="162" idx="1"/>
+            </p:cNvCxnSpPr>
+            <p:nvPr/>
+          </p:nvCxnSpPr>
+          <p:spPr>
+            <a:xfrm>
+              <a:off x="8051786" y="4426297"/>
+              <a:ext cx="391876" cy="2"/>
+            </a:xfrm>
+            <a:prstGeom prst="bentConnector3">
+              <a:avLst>
+                <a:gd name="adj1" fmla="val 50000"/>
+              </a:avLst>
+            </a:prstGeom>
+            <a:noFill/>
+            <a:ln w="28575" cap="flat" cmpd="sng">
+              <a:solidFill>
+                <a:schemeClr val="dk2"/>
+              </a:solidFill>
+              <a:prstDash val="solid"/>
+              <a:round/>
+              <a:headEnd type="none" w="med" len="med"/>
+              <a:tailEnd type="triangle" w="med" len="med"/>
+            </a:ln>
+          </p:spPr>
+        </p:cxnSp>
+        <p:cxnSp>
+          <p:nvCxnSpPr>
+            <p:cNvPr id="160" name="Google Shape;409;p28">
+              <a:extLst>
+                <a:ext uri="{FF2B5EF4-FFF2-40B4-BE49-F238E27FC236}">
+                  <a16:creationId xmlns:a16="http://schemas.microsoft.com/office/drawing/2014/main" id="{B912B942-042A-F047-8A87-DBE5FF5961E6}"/>
+                </a:ext>
+              </a:extLst>
+            </p:cNvPr>
+            <p:cNvCxnSpPr>
+              <a:cxnSpLocks/>
+              <a:stCxn id="162" idx="3"/>
+              <a:endCxn id="164" idx="1"/>
+            </p:cNvCxnSpPr>
+            <p:nvPr/>
+          </p:nvCxnSpPr>
+          <p:spPr>
+            <a:xfrm flipV="1">
+              <a:off x="9048462" y="4426298"/>
+              <a:ext cx="391876" cy="1"/>
+            </a:xfrm>
+            <a:prstGeom prst="bentConnector3">
+              <a:avLst>
+                <a:gd name="adj1" fmla="val 50000"/>
+              </a:avLst>
+            </a:prstGeom>
+            <a:noFill/>
+            <a:ln w="28575" cap="flat" cmpd="sng">
+              <a:solidFill>
+                <a:srgbClr val="999999"/>
+              </a:solidFill>
+              <a:prstDash val="dash"/>
+              <a:round/>
+              <a:headEnd type="triangle" w="med" len="med"/>
+              <a:tailEnd type="none" w="med" len="med"/>
+            </a:ln>
+          </p:spPr>
+        </p:cxnSp>
+        <p:cxnSp>
+          <p:nvCxnSpPr>
+            <p:cNvPr id="161" name="Google Shape;411;p28">
+              <a:extLst>
+                <a:ext uri="{FF2B5EF4-FFF2-40B4-BE49-F238E27FC236}">
+                  <a16:creationId xmlns:a16="http://schemas.microsoft.com/office/drawing/2014/main" id="{429292E2-0E8E-F741-8DF3-DFD6B73DBED5}"/>
+                </a:ext>
+              </a:extLst>
+            </p:cNvPr>
+            <p:cNvCxnSpPr>
+              <a:stCxn id="163" idx="1"/>
+              <a:endCxn id="164" idx="3"/>
+            </p:cNvCxnSpPr>
+            <p:nvPr/>
+          </p:nvCxnSpPr>
+          <p:spPr>
+            <a:xfrm rot="10800000" flipV="1">
+              <a:off x="10045138" y="4426296"/>
+              <a:ext cx="391872" cy="1"/>
+            </a:xfrm>
+            <a:prstGeom prst="bentConnector3">
+              <a:avLst>
+                <a:gd name="adj1" fmla="val 50000"/>
+              </a:avLst>
+            </a:prstGeom>
+            <a:noFill/>
+            <a:ln w="28575" cap="flat" cmpd="sng">
+              <a:solidFill>
+                <a:srgbClr val="999999"/>
+              </a:solidFill>
+              <a:prstDash val="dash"/>
+              <a:round/>
+              <a:headEnd type="none" w="med" len="med"/>
+              <a:tailEnd type="triangle" w="med" len="med"/>
+            </a:ln>
+          </p:spPr>
+        </p:cxnSp>
+        <p:pic>
+          <p:nvPicPr>
+            <p:cNvPr id="162" name="Google Shape;404;p28">
+              <a:extLst>
+                <a:ext uri="{FF2B5EF4-FFF2-40B4-BE49-F238E27FC236}">
+                  <a16:creationId xmlns:a16="http://schemas.microsoft.com/office/drawing/2014/main" id="{33FEFC71-2073-7542-81B6-FD9563A299FD}"/>
+                </a:ext>
+              </a:extLst>
+            </p:cNvPr>
+            <p:cNvPicPr preferRelativeResize="0"/>
+            <p:nvPr/>
+          </p:nvPicPr>
+          <p:blipFill>
+            <a:blip r:embed="rId3">
+              <a:alphaModFix/>
+            </a:blip>
+            <a:stretch>
+              <a:fillRect/>
+            </a:stretch>
+          </p:blipFill>
+          <p:spPr>
+            <a:xfrm>
+              <a:off x="8443662" y="4123899"/>
+              <a:ext cx="604800" cy="604800"/>
+            </a:xfrm>
+            <a:prstGeom prst="rect">
+              <a:avLst/>
+            </a:prstGeom>
+            <a:noFill/>
+            <a:ln>
+              <a:noFill/>
+            </a:ln>
+          </p:spPr>
+        </p:pic>
+        <p:pic>
+          <p:nvPicPr>
+            <p:cNvPr id="163" name="Google Shape;412;p28">
+              <a:extLst>
+                <a:ext uri="{FF2B5EF4-FFF2-40B4-BE49-F238E27FC236}">
+                  <a16:creationId xmlns:a16="http://schemas.microsoft.com/office/drawing/2014/main" id="{AF7D067A-6371-0F47-B885-D98305C64B1E}"/>
+                </a:ext>
+              </a:extLst>
+            </p:cNvPr>
+            <p:cNvPicPr preferRelativeResize="0"/>
+            <p:nvPr/>
+          </p:nvPicPr>
+          <p:blipFill>
+            <a:blip r:embed="rId4">
+              <a:alphaModFix/>
+            </a:blip>
+            <a:stretch>
+              <a:fillRect/>
+            </a:stretch>
+          </p:blipFill>
+          <p:spPr>
+            <a:xfrm>
+              <a:off x="10437010" y="4123897"/>
+              <a:ext cx="604800" cy="604800"/>
+            </a:xfrm>
+            <a:prstGeom prst="rect">
+              <a:avLst/>
+            </a:prstGeom>
+            <a:noFill/>
+            <a:ln>
+              <a:noFill/>
+            </a:ln>
+          </p:spPr>
+        </p:pic>
+        <p:pic>
+          <p:nvPicPr>
+            <p:cNvPr id="164" name="Google Shape;410;p28">
+              <a:extLst>
+                <a:ext uri="{FF2B5EF4-FFF2-40B4-BE49-F238E27FC236}">
+                  <a16:creationId xmlns:a16="http://schemas.microsoft.com/office/drawing/2014/main" id="{FB3B406D-80B4-B748-AB18-83E604F50E88}"/>
+                </a:ext>
+              </a:extLst>
+            </p:cNvPr>
+            <p:cNvPicPr preferRelativeResize="0"/>
+            <p:nvPr/>
+          </p:nvPicPr>
+          <p:blipFill>
+            <a:blip r:embed="rId5">
+              <a:alphaModFix/>
+            </a:blip>
+            <a:stretch>
+              <a:fillRect/>
+            </a:stretch>
+          </p:blipFill>
+          <p:spPr>
+            <a:xfrm>
+              <a:off x="9440338" y="4123898"/>
+              <a:ext cx="604800" cy="604800"/>
+            </a:xfrm>
+            <a:prstGeom prst="rect">
+              <a:avLst/>
+            </a:prstGeom>
+            <a:noFill/>
+            <a:ln>
+              <a:noFill/>
+            </a:ln>
+          </p:spPr>
+        </p:pic>
+        <p:pic>
+          <p:nvPicPr>
+            <p:cNvPr id="165" name="Google Shape;407;p28">
+              <a:extLst>
+                <a:ext uri="{FF2B5EF4-FFF2-40B4-BE49-F238E27FC236}">
+                  <a16:creationId xmlns:a16="http://schemas.microsoft.com/office/drawing/2014/main" id="{F03D9D88-0B38-784A-A31F-C9889C670BF8}"/>
+                </a:ext>
+              </a:extLst>
+            </p:cNvPr>
+            <p:cNvPicPr preferRelativeResize="0"/>
+            <p:nvPr/>
+          </p:nvPicPr>
+          <p:blipFill>
+            <a:blip r:embed="rId6">
+              <a:alphaModFix/>
+            </a:blip>
+            <a:stretch>
+              <a:fillRect/>
+            </a:stretch>
+          </p:blipFill>
+          <p:spPr>
+            <a:xfrm>
+              <a:off x="7446986" y="4123897"/>
+              <a:ext cx="604800" cy="604800"/>
+            </a:xfrm>
+            <a:prstGeom prst="rect">
+              <a:avLst/>
+            </a:prstGeom>
+            <a:noFill/>
+            <a:ln>
+              <a:noFill/>
+            </a:ln>
+          </p:spPr>
+        </p:pic>
+        <p:sp>
+          <p:nvSpPr>
+            <p:cNvPr id="166" name="Google Shape;413;p28">
+              <a:extLst>
+                <a:ext uri="{FF2B5EF4-FFF2-40B4-BE49-F238E27FC236}">
+                  <a16:creationId xmlns:a16="http://schemas.microsoft.com/office/drawing/2014/main" id="{32ECD94F-F53F-BC4E-B805-2ACBE9BFCFCC}"/>
+                </a:ext>
+              </a:extLst>
+            </p:cNvPr>
+            <p:cNvSpPr txBox="1"/>
+            <p:nvPr/>
+          </p:nvSpPr>
+          <p:spPr>
+            <a:xfrm>
+              <a:off x="7373684" y="4736752"/>
+              <a:ext cx="758056" cy="290100"/>
+            </a:xfrm>
+            <a:prstGeom prst="rect">
+              <a:avLst/>
+            </a:prstGeom>
+            <a:noFill/>
+            <a:ln>
+              <a:noFill/>
+            </a:ln>
+          </p:spPr>
+          <p:txBody>
+            <a:bodyPr spcFirstLastPara="1" wrap="square" lIns="91425" tIns="91425" rIns="91425" bIns="91425" anchor="ctr" anchorCtr="0">
+              <a:noAutofit/>
+            </a:bodyPr>
+            <a:lstStyle/>
+            <a:p>
+              <a:pPr marL="0" lvl="0" indent="0" algn="ctr" rtl="0">
+                <a:spcBef>
+                  <a:spcPts val="0"/>
+                </a:spcBef>
+                <a:spcAft>
+                  <a:spcPts val="0"/>
+                </a:spcAft>
+                <a:buNone/>
+              </a:pPr>
+              <a:r>
+                <a:rPr lang="en-US" sz="900" dirty="0" err="1">
+                  <a:latin typeface="Malgun Gothic" panose="020B0503020000020004" pitchFamily="34" charset="-127"/>
+                  <a:ea typeface="Malgun Gothic" panose="020B0503020000020004" pitchFamily="34" charset="-127"/>
+                  <a:cs typeface="Consolas"/>
+                  <a:sym typeface="Consolas"/>
+                </a:rPr>
+                <a:t>postgres</a:t>
+              </a:r>
+              <a:endParaRPr sz="900" dirty="0">
+                <a:latin typeface="Malgun Gothic" panose="020B0503020000020004" pitchFamily="34" charset="-127"/>
+                <a:ea typeface="Malgun Gothic" panose="020B0503020000020004" pitchFamily="34" charset="-127"/>
+                <a:cs typeface="Consolas"/>
+                <a:sym typeface="Consolas"/>
+              </a:endParaRPr>
+            </a:p>
+          </p:txBody>
+        </p:sp>
+        <p:pic>
+          <p:nvPicPr>
+            <p:cNvPr id="175" name="Google Shape;402;p28">
+              <a:extLst>
+                <a:ext uri="{FF2B5EF4-FFF2-40B4-BE49-F238E27FC236}">
+                  <a16:creationId xmlns:a16="http://schemas.microsoft.com/office/drawing/2014/main" id="{7B3DC1B9-7C4F-1A46-841F-173A71D5F4D6}"/>
+                </a:ext>
+              </a:extLst>
+            </p:cNvPr>
+            <p:cNvPicPr preferRelativeResize="0"/>
+            <p:nvPr/>
+          </p:nvPicPr>
+          <p:blipFill>
+            <a:blip r:embed="rId8">
+              <a:alphaModFix/>
+            </a:blip>
+            <a:stretch>
+              <a:fillRect/>
+            </a:stretch>
+          </p:blipFill>
+          <p:spPr>
+            <a:xfrm>
+              <a:off x="8443662" y="5143272"/>
+              <a:ext cx="606256" cy="606256"/>
+            </a:xfrm>
+            <a:prstGeom prst="rect">
+              <a:avLst/>
+            </a:prstGeom>
+            <a:noFill/>
+            <a:ln>
+              <a:noFill/>
+            </a:ln>
+          </p:spPr>
+        </p:pic>
+        <p:pic>
+          <p:nvPicPr>
+            <p:cNvPr id="176" name="Google Shape;400;p28">
+              <a:extLst>
+                <a:ext uri="{FF2B5EF4-FFF2-40B4-BE49-F238E27FC236}">
+                  <a16:creationId xmlns:a16="http://schemas.microsoft.com/office/drawing/2014/main" id="{24171381-F290-9A41-A4C5-0F94BCEA4D18}"/>
+                </a:ext>
+              </a:extLst>
+            </p:cNvPr>
+            <p:cNvPicPr preferRelativeResize="0"/>
+            <p:nvPr/>
+          </p:nvPicPr>
+          <p:blipFill>
+            <a:blip r:embed="rId9">
+              <a:alphaModFix/>
+            </a:blip>
+            <a:stretch>
+              <a:fillRect/>
+            </a:stretch>
+          </p:blipFill>
+          <p:spPr>
+            <a:xfrm>
+              <a:off x="9469329" y="5138963"/>
+              <a:ext cx="606258" cy="606256"/>
+            </a:xfrm>
+            <a:prstGeom prst="rect">
+              <a:avLst/>
+            </a:prstGeom>
+            <a:noFill/>
+            <a:ln>
+              <a:noFill/>
+            </a:ln>
+          </p:spPr>
+        </p:pic>
+        <p:cxnSp>
+          <p:nvCxnSpPr>
+            <p:cNvPr id="177" name="Google Shape;401;p28">
+              <a:extLst>
+                <a:ext uri="{FF2B5EF4-FFF2-40B4-BE49-F238E27FC236}">
+                  <a16:creationId xmlns:a16="http://schemas.microsoft.com/office/drawing/2014/main" id="{F22C7873-BC26-3E47-9123-86DCBE65EAAB}"/>
+                </a:ext>
+              </a:extLst>
+            </p:cNvPr>
+            <p:cNvCxnSpPr>
+              <a:cxnSpLocks/>
+              <a:stCxn id="176" idx="1"/>
+              <a:endCxn id="175" idx="3"/>
+            </p:cNvCxnSpPr>
+            <p:nvPr/>
+          </p:nvCxnSpPr>
+          <p:spPr>
+            <a:xfrm flipH="1">
+              <a:off x="9049918" y="5442091"/>
+              <a:ext cx="419411" cy="4309"/>
+            </a:xfrm>
+            <a:prstGeom prst="straightConnector1">
+              <a:avLst/>
+            </a:prstGeom>
+            <a:noFill/>
+            <a:ln w="28575" cap="flat" cmpd="sng">
+              <a:solidFill>
+                <a:schemeClr val="dk2"/>
+              </a:solidFill>
+              <a:prstDash val="solid"/>
+              <a:round/>
+              <a:headEnd type="triangle" w="med" len="med"/>
+              <a:tailEnd type="triangle" w="med" len="med"/>
+            </a:ln>
+          </p:spPr>
+        </p:cxnSp>
+        <p:pic>
+          <p:nvPicPr>
+            <p:cNvPr id="178" name="Google Shape;399;p28">
+              <a:extLst>
+                <a:ext uri="{FF2B5EF4-FFF2-40B4-BE49-F238E27FC236}">
+                  <a16:creationId xmlns:a16="http://schemas.microsoft.com/office/drawing/2014/main" id="{394E4D9F-C08D-A84E-AA5F-3998559320B6}"/>
+                </a:ext>
+              </a:extLst>
+            </p:cNvPr>
+            <p:cNvPicPr preferRelativeResize="0"/>
+            <p:nvPr/>
+          </p:nvPicPr>
+          <p:blipFill>
+            <a:blip r:embed="rId10">
+              <a:alphaModFix/>
+            </a:blip>
+            <a:stretch>
+              <a:fillRect/>
+            </a:stretch>
+          </p:blipFill>
+          <p:spPr>
+            <a:xfrm>
+              <a:off x="10435554" y="5143495"/>
+              <a:ext cx="606256" cy="606256"/>
+            </a:xfrm>
+            <a:prstGeom prst="rect">
+              <a:avLst/>
+            </a:prstGeom>
+            <a:noFill/>
+            <a:ln>
+              <a:noFill/>
+            </a:ln>
+          </p:spPr>
+        </p:pic>
+        <p:sp>
+          <p:nvSpPr>
+            <p:cNvPr id="179" name="Google Shape;413;p28">
+              <a:extLst>
+                <a:ext uri="{FF2B5EF4-FFF2-40B4-BE49-F238E27FC236}">
+                  <a16:creationId xmlns:a16="http://schemas.microsoft.com/office/drawing/2014/main" id="{9BF6BACC-704A-CC4D-A8C5-0FFB3C7BD10F}"/>
+                </a:ext>
+              </a:extLst>
+            </p:cNvPr>
+            <p:cNvSpPr txBox="1"/>
+            <p:nvPr/>
+          </p:nvSpPr>
+          <p:spPr>
+            <a:xfrm>
+              <a:off x="10359654" y="4601643"/>
+              <a:ext cx="758056" cy="290100"/>
+            </a:xfrm>
+            <a:prstGeom prst="rect">
+              <a:avLst/>
+            </a:prstGeom>
+            <a:noFill/>
+            <a:ln>
+              <a:noFill/>
+            </a:ln>
+          </p:spPr>
+          <p:txBody>
+            <a:bodyPr spcFirstLastPara="1" wrap="square" lIns="91425" tIns="91425" rIns="91425" bIns="91425" anchor="ctr" anchorCtr="0">
+              <a:noAutofit/>
+            </a:bodyPr>
+            <a:lstStyle/>
+            <a:p>
+              <a:pPr marL="0" lvl="0" indent="0" algn="ctr" rtl="0">
+                <a:spcBef>
+                  <a:spcPts val="0"/>
+                </a:spcBef>
+                <a:spcAft>
+                  <a:spcPts val="0"/>
+                </a:spcAft>
+                <a:buNone/>
+              </a:pPr>
+              <a:r>
+                <a:rPr lang="en-US" sz="900" dirty="0">
+                  <a:latin typeface="Malgun Gothic" panose="020B0503020000020004" pitchFamily="34" charset="-127"/>
+                  <a:ea typeface="Malgun Gothic" panose="020B0503020000020004" pitchFamily="34" charset="-127"/>
+                  <a:cs typeface="Consolas"/>
+                  <a:sym typeface="Consolas"/>
+                </a:rPr>
+                <a:t>hostpath</a:t>
+              </a:r>
+              <a:endParaRPr sz="900" dirty="0">
+                <a:latin typeface="Malgun Gothic" panose="020B0503020000020004" pitchFamily="34" charset="-127"/>
+                <a:ea typeface="Malgun Gothic" panose="020B0503020000020004" pitchFamily="34" charset="-127"/>
+                <a:cs typeface="Consolas"/>
+                <a:sym typeface="Consolas"/>
+              </a:endParaRPr>
+            </a:p>
+          </p:txBody>
+        </p:sp>
+        <p:cxnSp>
+          <p:nvCxnSpPr>
+            <p:cNvPr id="180" name="Google Shape;398;p28">
+              <a:extLst>
+                <a:ext uri="{FF2B5EF4-FFF2-40B4-BE49-F238E27FC236}">
+                  <a16:creationId xmlns:a16="http://schemas.microsoft.com/office/drawing/2014/main" id="{694EC28F-3B24-2C42-8AE7-8144A508ACAB}"/>
+                </a:ext>
+              </a:extLst>
+            </p:cNvPr>
+            <p:cNvCxnSpPr>
+              <a:cxnSpLocks/>
+              <a:stCxn id="178" idx="1"/>
+              <a:endCxn id="176" idx="3"/>
+            </p:cNvCxnSpPr>
+            <p:nvPr/>
+          </p:nvCxnSpPr>
+          <p:spPr>
+            <a:xfrm flipH="1" flipV="1">
+              <a:off x="10075587" y="5442091"/>
+              <a:ext cx="359967" cy="4532"/>
+            </a:xfrm>
+            <a:prstGeom prst="straightConnector1">
+              <a:avLst/>
+            </a:prstGeom>
+            <a:noFill/>
+            <a:ln w="28575" cap="flat" cmpd="sng">
+              <a:solidFill>
+                <a:srgbClr val="999999"/>
+              </a:solidFill>
+              <a:prstDash val="dash"/>
+              <a:round/>
+              <a:headEnd type="none" w="med" len="med"/>
+              <a:tailEnd type="triangle" w="med" len="med"/>
+            </a:ln>
+          </p:spPr>
+        </p:cxnSp>
+        <p:cxnSp>
+          <p:nvCxnSpPr>
+            <p:cNvPr id="181" name="Google Shape;401;p28">
+              <a:extLst>
+                <a:ext uri="{FF2B5EF4-FFF2-40B4-BE49-F238E27FC236}">
+                  <a16:creationId xmlns:a16="http://schemas.microsoft.com/office/drawing/2014/main" id="{25A7AEFF-5075-5647-B033-C1D33189D80E}"/>
+                </a:ext>
+              </a:extLst>
+            </p:cNvPr>
+            <p:cNvCxnSpPr>
+              <a:cxnSpLocks/>
+              <a:stCxn id="175" idx="0"/>
+              <a:endCxn id="162" idx="2"/>
+            </p:cNvCxnSpPr>
+            <p:nvPr/>
+          </p:nvCxnSpPr>
+          <p:spPr>
+            <a:xfrm flipH="1" flipV="1">
+              <a:off x="8746062" y="4728699"/>
+              <a:ext cx="728" cy="414573"/>
+            </a:xfrm>
+            <a:prstGeom prst="straightConnector1">
+              <a:avLst/>
+            </a:prstGeom>
+            <a:noFill/>
+            <a:ln w="28575" cap="flat" cmpd="sng">
+              <a:solidFill>
+                <a:schemeClr val="dk2"/>
+              </a:solidFill>
+              <a:prstDash val="solid"/>
+              <a:round/>
+              <a:headEnd type="triangle" w="med" len="med"/>
+              <a:tailEnd type="triangle" w="med" len="med"/>
+            </a:ln>
+          </p:spPr>
+        </p:cxnSp>
+        <p:sp>
+          <p:nvSpPr>
+            <p:cNvPr id="186" name="Google Shape;413;p28">
+              <a:extLst>
+                <a:ext uri="{FF2B5EF4-FFF2-40B4-BE49-F238E27FC236}">
+                  <a16:creationId xmlns:a16="http://schemas.microsoft.com/office/drawing/2014/main" id="{EDA2DAC4-4C31-C84B-B4B1-E4C70A70BC16}"/>
+                </a:ext>
+              </a:extLst>
+            </p:cNvPr>
+            <p:cNvSpPr txBox="1"/>
+            <p:nvPr/>
+          </p:nvSpPr>
+          <p:spPr>
+            <a:xfrm>
+              <a:off x="10359654" y="5825131"/>
+              <a:ext cx="758056" cy="290100"/>
+            </a:xfrm>
+            <a:prstGeom prst="rect">
+              <a:avLst/>
+            </a:prstGeom>
+            <a:noFill/>
+            <a:ln>
+              <a:noFill/>
+            </a:ln>
+          </p:spPr>
+          <p:txBody>
+            <a:bodyPr spcFirstLastPara="1" wrap="square" lIns="91425" tIns="91425" rIns="91425" bIns="91425" anchor="ctr" anchorCtr="0">
+              <a:noAutofit/>
+            </a:bodyPr>
+            <a:lstStyle/>
+            <a:p>
+              <a:pPr marL="0" lvl="0" indent="0" algn="ctr" rtl="0">
+                <a:spcBef>
+                  <a:spcPts val="0"/>
+                </a:spcBef>
+                <a:spcAft>
+                  <a:spcPts val="0"/>
+                </a:spcAft>
+                <a:buNone/>
+              </a:pPr>
+              <a:r>
+                <a:rPr lang="en-US" sz="900" dirty="0">
+                  <a:latin typeface="Malgun Gothic" panose="020B0503020000020004" pitchFamily="34" charset="-127"/>
+                  <a:ea typeface="Malgun Gothic" panose="020B0503020000020004" pitchFamily="34" charset="-127"/>
+                  <a:cs typeface="Consolas"/>
+                  <a:sym typeface="Consolas"/>
+                </a:rPr>
+                <a:t>hostpath</a:t>
+              </a:r>
+              <a:endParaRPr sz="900" dirty="0">
+                <a:latin typeface="Malgun Gothic" panose="020B0503020000020004" pitchFamily="34" charset="-127"/>
+                <a:ea typeface="Malgun Gothic" panose="020B0503020000020004" pitchFamily="34" charset="-127"/>
+                <a:cs typeface="Consolas"/>
+                <a:sym typeface="Consolas"/>
+              </a:endParaRPr>
+            </a:p>
+          </p:txBody>
+        </p:sp>
+        <p:cxnSp>
+          <p:nvCxnSpPr>
+            <p:cNvPr id="187" name="Google Shape;408;p28">
+              <a:extLst>
+                <a:ext uri="{FF2B5EF4-FFF2-40B4-BE49-F238E27FC236}">
+                  <a16:creationId xmlns:a16="http://schemas.microsoft.com/office/drawing/2014/main" id="{D9C4DAB7-F824-1B4B-B6F1-914991FB405C}"/>
+                </a:ext>
+              </a:extLst>
+            </p:cNvPr>
+            <p:cNvCxnSpPr>
+              <a:cxnSpLocks/>
+              <a:stCxn id="92" idx="2"/>
+              <a:endCxn id="165" idx="1"/>
+            </p:cNvCxnSpPr>
+            <p:nvPr/>
+          </p:nvCxnSpPr>
+          <p:spPr>
+            <a:xfrm rot="16200000" flipH="1">
+              <a:off x="4985805" y="1965116"/>
+              <a:ext cx="994618" cy="3927744"/>
+            </a:xfrm>
+            <a:prstGeom prst="bentConnector2">
+              <a:avLst/>
+            </a:prstGeom>
+            <a:noFill/>
+            <a:ln w="28575" cap="flat" cmpd="sng">
+              <a:solidFill>
+                <a:schemeClr val="dk2"/>
+              </a:solidFill>
+              <a:prstDash val="solid"/>
+              <a:round/>
+              <a:headEnd type="none" w="med" len="med"/>
+              <a:tailEnd type="triangle" w="med" len="med"/>
+            </a:ln>
+          </p:spPr>
+        </p:cxnSp>
+        <p:cxnSp>
+          <p:nvCxnSpPr>
+            <p:cNvPr id="190" name="Google Shape;408;p28">
+              <a:extLst>
+                <a:ext uri="{FF2B5EF4-FFF2-40B4-BE49-F238E27FC236}">
+                  <a16:creationId xmlns:a16="http://schemas.microsoft.com/office/drawing/2014/main" id="{C651CF26-D7BD-454C-9F33-D04CFD3C1B4B}"/>
+                </a:ext>
+              </a:extLst>
+            </p:cNvPr>
+            <p:cNvCxnSpPr>
+              <a:cxnSpLocks/>
+              <a:stCxn id="92" idx="2"/>
+              <a:endCxn id="134" idx="2"/>
+            </p:cNvCxnSpPr>
+            <p:nvPr/>
+          </p:nvCxnSpPr>
+          <p:spPr>
+            <a:xfrm rot="5400000" flipH="1" flipV="1">
+              <a:off x="5623725" y="1306018"/>
+              <a:ext cx="21178" cy="4230144"/>
+            </a:xfrm>
+            <a:prstGeom prst="bentConnector3">
+              <a:avLst>
+                <a:gd name="adj1" fmla="val -1994187"/>
+              </a:avLst>
+            </a:prstGeom>
+            <a:noFill/>
+            <a:ln w="28575" cap="flat" cmpd="sng">
+              <a:solidFill>
+                <a:schemeClr val="dk2"/>
+              </a:solidFill>
+              <a:prstDash val="solid"/>
+              <a:round/>
+              <a:headEnd type="none" w="med" len="med"/>
+              <a:tailEnd type="triangle" w="med" len="med"/>
+            </a:ln>
+          </p:spPr>
+        </p:cxnSp>
       </p:grpSp>
     </p:spTree>
     <p:extLst>

--- a/doc/An Introduction to Kubernetes.pptx
+++ b/doc/An Introduction to Kubernetes.pptx
@@ -6877,7 +6877,7 @@
                   <a:latin typeface="+mn-lt"/>
                   <a:ea typeface="+mn-ea"/>
                 </a:rPr>
-                <a:t>Rest-API Pod</a:t>
+                <a:t>Backend Pod</a:t>
               </a:r>
               <a:r>
                 <a:rPr kumimoji="1" lang="en-US" altLang="ko-KR" sz="900" dirty="0">

--- a/doc/An Introduction to Kubernetes.pptx
+++ b/doc/An Introduction to Kubernetes.pptx
@@ -994,7 +994,7 @@
               <a:rPr lang="en-US" smtClean="0">
                 <a:latin typeface="Tahoma"/>
               </a:rPr>
-              <a:t>4/28/21</a:t>
+              <a:t>5/11/21</a:t>
             </a:fld>
             <a:endParaRPr lang="en-US" dirty="0">
               <a:latin typeface="Tahoma"/>
@@ -1173,7 +1173,7 @@
             <a:fld id="{F9071F84-0802-C84F-8F3A-2F91A2DB1D02}" type="datetimeFigureOut">
               <a:rPr lang="en-US" smtClean="0"/>
               <a:pPr/>
-              <a:t>4/28/21</a:t>
+              <a:t>5/11/21</a:t>
             </a:fld>
             <a:endParaRPr lang="en-US" dirty="0"/>
           </a:p>
@@ -4799,10 +4799,10 @@
       </p:sp>
       <p:grpSp>
         <p:nvGrpSpPr>
-          <p:cNvPr id="7" name="그룹 6">
+          <p:cNvPr id="37" name="그룹 36">
             <a:extLst>
               <a:ext uri="{FF2B5EF4-FFF2-40B4-BE49-F238E27FC236}">
-                <a16:creationId xmlns:a16="http://schemas.microsoft.com/office/drawing/2014/main" id="{15813FC5-21AA-EB42-A95E-09E5640CD805}"/>
+                <a16:creationId xmlns:a16="http://schemas.microsoft.com/office/drawing/2014/main" id="{E7B81CB7-D95A-C540-A43A-8DBB93CB98B7}"/>
               </a:ext>
             </a:extLst>
           </p:cNvPr>
@@ -4813,10 +4813,138 @@
           <a:xfrm>
             <a:off x="595640" y="1436615"/>
             <a:ext cx="11000719" cy="3984770"/>
-            <a:chOff x="636121" y="1024307"/>
+            <a:chOff x="595640" y="1436615"/>
             <a:chExt cx="11000719" cy="3984770"/>
           </a:xfrm>
         </p:grpSpPr>
+        <p:sp>
+          <p:nvSpPr>
+            <p:cNvPr id="43" name="모서리가 둥근 직사각형 42">
+              <a:extLst>
+                <a:ext uri="{FF2B5EF4-FFF2-40B4-BE49-F238E27FC236}">
+                  <a16:creationId xmlns:a16="http://schemas.microsoft.com/office/drawing/2014/main" id="{9D5B7D09-F83B-044A-8BC3-51BF9FC4B6AD}"/>
+                </a:ext>
+              </a:extLst>
+            </p:cNvPr>
+            <p:cNvSpPr/>
+            <p:nvPr/>
+          </p:nvSpPr>
+          <p:spPr bwMode="auto">
+            <a:xfrm>
+              <a:off x="749503" y="1997865"/>
+              <a:ext cx="5569675" cy="2808062"/>
+            </a:xfrm>
+            <a:prstGeom prst="roundRect">
+              <a:avLst>
+                <a:gd name="adj" fmla="val 2047"/>
+              </a:avLst>
+            </a:prstGeom>
+            <a:solidFill>
+              <a:srgbClr val="333D47"/>
+            </a:solidFill>
+            <a:ln w="12700">
+              <a:noFill/>
+              <a:round/>
+              <a:headEnd type="none" w="med" len="med"/>
+              <a:tailEnd type="none" w="med" len="med"/>
+            </a:ln>
+          </p:spPr>
+          <p:txBody>
+            <a:bodyPr rot="0" spcFirstLastPara="0" vertOverflow="overflow" horzOverflow="overflow" vert="horz" wrap="square" lIns="90000" tIns="45720" rIns="91440" bIns="45720" numCol="1" spcCol="0" rtlCol="0" fromWordArt="0" anchor="t" anchorCtr="0" forceAA="0" compatLnSpc="1">
+              <a:prstTxWarp prst="textNoShape">
+                <a:avLst/>
+              </a:prstTxWarp>
+              <a:noAutofit/>
+            </a:bodyPr>
+            <a:lstStyle/>
+            <a:p>
+              <a:r>
+                <a:rPr kumimoji="1" lang="en-US" altLang="ko-KR" sz="1000" b="1" dirty="0">
+                  <a:solidFill>
+                    <a:schemeClr val="bg1"/>
+                  </a:solidFill>
+                  <a:latin typeface="+mn-lt"/>
+                  <a:ea typeface="+mn-ea"/>
+                </a:rPr>
+                <a:t>Kubernetes Cluster</a:t>
+              </a:r>
+              <a:endParaRPr kumimoji="1" lang="ko-KR" altLang="en-US" sz="1000" b="1" dirty="0">
+                <a:solidFill>
+                  <a:schemeClr val="bg1"/>
+                </a:solidFill>
+                <a:latin typeface="+mn-lt"/>
+                <a:ea typeface="+mn-ea"/>
+              </a:endParaRPr>
+            </a:p>
+          </p:txBody>
+        </p:sp>
+        <p:sp>
+          <p:nvSpPr>
+            <p:cNvPr id="83" name="모서리가 둥근 직사각형 82">
+              <a:extLst>
+                <a:ext uri="{FF2B5EF4-FFF2-40B4-BE49-F238E27FC236}">
+                  <a16:creationId xmlns:a16="http://schemas.microsoft.com/office/drawing/2014/main" id="{F8A6059F-A8B6-3743-842C-C3814EF4D15E}"/>
+                </a:ext>
+              </a:extLst>
+            </p:cNvPr>
+            <p:cNvSpPr/>
+            <p:nvPr/>
+          </p:nvSpPr>
+          <p:spPr bwMode="auto">
+            <a:xfrm>
+              <a:off x="4617108" y="2480381"/>
+              <a:ext cx="1529559" cy="2098347"/>
+            </a:xfrm>
+            <a:prstGeom prst="roundRect">
+              <a:avLst>
+                <a:gd name="adj" fmla="val 4646"/>
+              </a:avLst>
+            </a:prstGeom>
+            <a:solidFill>
+              <a:schemeClr val="accent3">
+                <a:lumMod val="40000"/>
+                <a:lumOff val="60000"/>
+              </a:schemeClr>
+            </a:solidFill>
+            <a:ln w="12700">
+              <a:solidFill>
+                <a:schemeClr val="bg1"/>
+              </a:solidFill>
+              <a:round/>
+              <a:headEnd type="none" w="med" len="med"/>
+              <a:tailEnd type="none" w="med" len="med"/>
+            </a:ln>
+          </p:spPr>
+          <p:txBody>
+            <a:bodyPr rot="0" spcFirstLastPara="0" vertOverflow="overflow" horzOverflow="overflow" vert="horz" wrap="square" lIns="90000" tIns="45720" rIns="91440" bIns="45720" numCol="1" spcCol="0" rtlCol="0" fromWordArt="0" anchor="t" anchorCtr="0" forceAA="0" compatLnSpc="1">
+              <a:prstTxWarp prst="textNoShape">
+                <a:avLst/>
+              </a:prstTxWarp>
+              <a:noAutofit/>
+            </a:bodyPr>
+            <a:lstStyle/>
+            <a:p>
+              <a:r>
+                <a:rPr kumimoji="1" lang="en-US" altLang="ko-KR" sz="1000" b="1" dirty="0">
+                  <a:latin typeface="+mn-lt"/>
+                  <a:ea typeface="+mn-ea"/>
+                </a:rPr>
+                <a:t>Backend Pod</a:t>
+              </a:r>
+              <a:r>
+                <a:rPr kumimoji="1" lang="en-US" altLang="ko-KR" sz="900" dirty="0">
+                  <a:latin typeface="+mn-lt"/>
+                  <a:ea typeface="+mn-ea"/>
+                </a:rPr>
+                <a:t> (replica &gt;= 2)</a:t>
+              </a:r>
+              <a:endParaRPr kumimoji="1" lang="ko-KR" altLang="en-US" sz="900" dirty="0">
+                <a:latin typeface="+mn-lt"/>
+                <a:ea typeface="+mn-ea"/>
+              </a:endParaRPr>
+            </a:p>
+          </p:txBody>
+        </p:sp>
         <p:sp>
           <p:nvSpPr>
             <p:cNvPr id="12" name="왼쪽 중괄호 57">
@@ -4831,7 +4959,7 @@
           </p:nvSpPr>
           <p:spPr>
             <a:xfrm rot="10800000">
-              <a:off x="11098087" y="1585559"/>
+              <a:off x="11057606" y="1997867"/>
               <a:ext cx="142225" cy="1915378"/>
             </a:xfrm>
             <a:prstGeom prst="leftBrace">
@@ -4885,7 +5013,7 @@
           </p:nvSpPr>
           <p:spPr>
             <a:xfrm rot="5400000">
-              <a:off x="10605878" y="2387914"/>
+              <a:off x="10565397" y="2800222"/>
               <a:ext cx="1784926" cy="276999"/>
             </a:xfrm>
             <a:prstGeom prst="rect">
@@ -4926,7 +5054,7 @@
           </p:nvSpPr>
           <p:spPr bwMode="auto">
             <a:xfrm>
-              <a:off x="6876362" y="1585559"/>
+              <a:off x="6835881" y="1997867"/>
               <a:ext cx="4045226" cy="1915378"/>
             </a:xfrm>
             <a:prstGeom prst="roundRect">
@@ -4997,7 +5125,7 @@
           </p:nvSpPr>
           <p:spPr>
             <a:xfrm rot="5400000">
-              <a:off x="8790963" y="-612064"/>
+              <a:off x="8750482" y="-199756"/>
               <a:ext cx="216026" cy="4045225"/>
             </a:xfrm>
             <a:prstGeom prst="leftBrace">
@@ -5051,7 +5179,7 @@
           </p:nvSpPr>
           <p:spPr>
             <a:xfrm>
-              <a:off x="8006513" y="1024307"/>
+              <a:off x="7966032" y="1436615"/>
               <a:ext cx="1784926" cy="276999"/>
             </a:xfrm>
             <a:prstGeom prst="rect">
@@ -5092,7 +5220,7 @@
           </p:nvSpPr>
           <p:spPr bwMode="auto">
             <a:xfrm>
-              <a:off x="6990084" y="1951580"/>
+              <a:off x="6949603" y="2363888"/>
               <a:ext cx="1687552" cy="1452067"/>
             </a:xfrm>
             <a:prstGeom prst="roundRect">
@@ -5152,7 +5280,7 @@
           </p:nvSpPr>
           <p:spPr>
             <a:xfrm>
-              <a:off x="7078376" y="2228803"/>
+              <a:off x="7037895" y="2641111"/>
               <a:ext cx="1506512" cy="537395"/>
             </a:xfrm>
             <a:prstGeom prst="roundRect">
@@ -5213,7 +5341,7 @@
           </p:nvSpPr>
           <p:spPr>
             <a:xfrm>
-              <a:off x="7078376" y="2949209"/>
+              <a:off x="7037895" y="3361517"/>
               <a:ext cx="1506512" cy="367254"/>
             </a:xfrm>
             <a:prstGeom prst="roundRect">
@@ -5298,7 +5426,7 @@
           </p:nvSpPr>
           <p:spPr>
             <a:xfrm>
-              <a:off x="7474993" y="2689193"/>
+              <a:off x="7434512" y="3101501"/>
               <a:ext cx="713277" cy="367254"/>
             </a:xfrm>
             <a:prstGeom prst="upDownArrow">
@@ -5393,7 +5521,7 @@
           </p:nvSpPr>
           <p:spPr bwMode="auto">
             <a:xfrm>
-              <a:off x="9115198" y="1951580"/>
+              <a:off x="9074717" y="2363888"/>
               <a:ext cx="1687552" cy="1452067"/>
             </a:xfrm>
             <a:prstGeom prst="roundRect">
@@ -5453,7 +5581,7 @@
           </p:nvSpPr>
           <p:spPr>
             <a:xfrm>
-              <a:off x="9203490" y="2228803"/>
+              <a:off x="9163009" y="2641111"/>
               <a:ext cx="1506512" cy="537395"/>
             </a:xfrm>
             <a:prstGeom prst="roundRect">
@@ -5514,7 +5642,7 @@
           </p:nvSpPr>
           <p:spPr>
             <a:xfrm>
-              <a:off x="9203490" y="2949209"/>
+              <a:off x="9163009" y="3361517"/>
               <a:ext cx="1506512" cy="367254"/>
             </a:xfrm>
             <a:prstGeom prst="roundRect">
@@ -5599,7 +5727,7 @@
           </p:nvSpPr>
           <p:spPr>
             <a:xfrm>
-              <a:off x="9600107" y="2689193"/>
+              <a:off x="9559626" y="3101501"/>
               <a:ext cx="713277" cy="367254"/>
             </a:xfrm>
             <a:prstGeom prst="upDownArrow">
@@ -5694,7 +5822,7 @@
           </p:nvSpPr>
           <p:spPr>
             <a:xfrm>
-              <a:off x="8326237" y="2459426"/>
+              <a:off x="8285756" y="2871734"/>
               <a:ext cx="1145476" cy="613545"/>
             </a:xfrm>
             <a:prstGeom prst="leftRightArrow">
@@ -5898,7 +6026,7 @@
           </p:nvSpPr>
           <p:spPr bwMode="auto">
             <a:xfrm>
-              <a:off x="6876362" y="3778160"/>
+              <a:off x="6835881" y="4190468"/>
               <a:ext cx="4045226" cy="1230917"/>
             </a:xfrm>
             <a:prstGeom prst="roundRect">
@@ -5969,7 +6097,7 @@
           </p:nvGrpSpPr>
           <p:grpSpPr>
             <a:xfrm>
-              <a:off x="6990084" y="4149122"/>
+              <a:off x="6949603" y="4561430"/>
               <a:ext cx="1687552" cy="762519"/>
               <a:chOff x="7256888" y="3757015"/>
               <a:chExt cx="1687552" cy="762519"/>
@@ -6117,7 +6245,7 @@
           </p:nvGrpSpPr>
           <p:grpSpPr>
             <a:xfrm>
-              <a:off x="9112969" y="4149122"/>
+              <a:off x="9072488" y="4561430"/>
               <a:ext cx="1687552" cy="762519"/>
               <a:chOff x="7256888" y="3757015"/>
               <a:chExt cx="1687552" cy="762519"/>
@@ -6265,7 +6393,7 @@
           </p:nvSpPr>
           <p:spPr>
             <a:xfrm>
-              <a:off x="8326237" y="4320066"/>
+              <a:off x="8285756" y="4732374"/>
               <a:ext cx="1145476" cy="613545"/>
             </a:xfrm>
             <a:prstGeom prst="leftRightArrow">
@@ -6469,7 +6597,7 @@
           </p:nvSpPr>
           <p:spPr>
             <a:xfrm rot="10800000">
-              <a:off x="11098085" y="3771218"/>
+              <a:off x="11057604" y="4183526"/>
               <a:ext cx="137768" cy="1230916"/>
             </a:xfrm>
             <a:prstGeom prst="leftBrace">
@@ -6523,7 +6651,7 @@
           </p:nvSpPr>
           <p:spPr>
             <a:xfrm rot="5400000">
-              <a:off x="10909707" y="4255118"/>
+              <a:off x="10869226" y="4667426"/>
               <a:ext cx="1177267" cy="276999"/>
             </a:xfrm>
             <a:prstGeom prst="rect">
@@ -6564,7 +6692,7 @@
           </p:nvSpPr>
           <p:spPr>
             <a:xfrm rot="5400000">
-              <a:off x="5344262" y="503166"/>
+              <a:off x="5303781" y="915474"/>
               <a:ext cx="216026" cy="1814767"/>
             </a:xfrm>
             <a:prstGeom prst="leftBrace">
@@ -6618,7 +6746,7 @@
           </p:nvSpPr>
           <p:spPr>
             <a:xfrm>
-              <a:off x="4559812" y="1024307"/>
+              <a:off x="4519331" y="1436615"/>
               <a:ext cx="1784926" cy="276999"/>
             </a:xfrm>
             <a:prstGeom prst="rect">
@@ -6647,187 +6775,6 @@
         </p:sp>
         <p:sp>
           <p:nvSpPr>
-            <p:cNvPr id="43" name="모서리가 둥근 직사각형 42">
-              <a:extLst>
-                <a:ext uri="{FF2B5EF4-FFF2-40B4-BE49-F238E27FC236}">
-                  <a16:creationId xmlns:a16="http://schemas.microsoft.com/office/drawing/2014/main" id="{9D5B7D09-F83B-044A-8BC3-51BF9FC4B6AD}"/>
-                </a:ext>
-              </a:extLst>
-            </p:cNvPr>
-            <p:cNvSpPr/>
-            <p:nvPr/>
-          </p:nvSpPr>
-          <p:spPr bwMode="auto">
-            <a:xfrm>
-              <a:off x="789984" y="1585557"/>
-              <a:ext cx="5569675" cy="2808062"/>
-            </a:xfrm>
-            <a:prstGeom prst="roundRect">
-              <a:avLst>
-                <a:gd name="adj" fmla="val 2047"/>
-              </a:avLst>
-            </a:prstGeom>
-            <a:solidFill>
-              <a:srgbClr val="333D47"/>
-            </a:solidFill>
-            <a:ln w="12700">
-              <a:noFill/>
-              <a:round/>
-              <a:headEnd type="none" w="med" len="med"/>
-              <a:tailEnd type="none" w="med" len="med"/>
-            </a:ln>
-          </p:spPr>
-          <p:txBody>
-            <a:bodyPr rot="0" spcFirstLastPara="0" vertOverflow="overflow" horzOverflow="overflow" vert="horz" wrap="square" lIns="90000" tIns="45720" rIns="91440" bIns="45720" numCol="1" spcCol="0" rtlCol="0" fromWordArt="0" anchor="t" anchorCtr="0" forceAA="0" compatLnSpc="1">
-              <a:prstTxWarp prst="textNoShape">
-                <a:avLst/>
-              </a:prstTxWarp>
-              <a:noAutofit/>
-            </a:bodyPr>
-            <a:lstStyle/>
-            <a:p>
-              <a:r>
-                <a:rPr kumimoji="1" lang="en-US" altLang="ko-KR" sz="1000" b="1" dirty="0">
-                  <a:solidFill>
-                    <a:schemeClr val="bg1"/>
-                  </a:solidFill>
-                  <a:latin typeface="+mn-lt"/>
-                  <a:ea typeface="+mn-ea"/>
-                </a:rPr>
-                <a:t>Kubernetes Cluster</a:t>
-              </a:r>
-              <a:endParaRPr kumimoji="1" lang="ko-KR" altLang="en-US" sz="1000" b="1" dirty="0">
-                <a:solidFill>
-                  <a:schemeClr val="bg1"/>
-                </a:solidFill>
-                <a:latin typeface="+mn-lt"/>
-                <a:ea typeface="+mn-ea"/>
-              </a:endParaRPr>
-            </a:p>
-          </p:txBody>
-        </p:sp>
-        <p:sp>
-          <p:nvSpPr>
-            <p:cNvPr id="44" name="모서리가 둥근 직사각형 43">
-              <a:extLst>
-                <a:ext uri="{FF2B5EF4-FFF2-40B4-BE49-F238E27FC236}">
-                  <a16:creationId xmlns:a16="http://schemas.microsoft.com/office/drawing/2014/main" id="{B95F9F97-6267-0C4D-BBDD-37A978B29D70}"/>
-                </a:ext>
-              </a:extLst>
-            </p:cNvPr>
-            <p:cNvSpPr/>
-            <p:nvPr/>
-          </p:nvSpPr>
-          <p:spPr bwMode="auto">
-            <a:xfrm>
-              <a:off x="4708734" y="2157259"/>
-              <a:ext cx="1529559" cy="1643170"/>
-            </a:xfrm>
-            <a:prstGeom prst="roundRect">
-              <a:avLst>
-                <a:gd name="adj" fmla="val 4646"/>
-              </a:avLst>
-            </a:prstGeom>
-            <a:solidFill>
-              <a:schemeClr val="accent3">
-                <a:lumMod val="40000"/>
-                <a:lumOff val="60000"/>
-              </a:schemeClr>
-            </a:solidFill>
-            <a:ln w="12700">
-              <a:solidFill>
-                <a:schemeClr val="bg1"/>
-              </a:solidFill>
-              <a:round/>
-              <a:headEnd type="none" w="med" len="med"/>
-              <a:tailEnd type="none" w="med" len="med"/>
-            </a:ln>
-          </p:spPr>
-          <p:txBody>
-            <a:bodyPr rot="0" spcFirstLastPara="0" vertOverflow="overflow" horzOverflow="overflow" vert="horz" wrap="square" lIns="90000" tIns="45720" rIns="91440" bIns="45720" numCol="1" spcCol="0" rtlCol="0" fromWordArt="0" anchor="t" anchorCtr="0" forceAA="0" compatLnSpc="1">
-              <a:prstTxWarp prst="textNoShape">
-                <a:avLst/>
-              </a:prstTxWarp>
-              <a:noAutofit/>
-            </a:bodyPr>
-            <a:lstStyle/>
-            <a:p>
-              <a:r>
-                <a:rPr kumimoji="1" lang="en-US" altLang="ko-KR" sz="900" dirty="0">
-                  <a:latin typeface="+mn-lt"/>
-                  <a:ea typeface="+mn-ea"/>
-                </a:rPr>
-                <a:t>Container</a:t>
-              </a:r>
-              <a:endParaRPr kumimoji="1" lang="ko-KR" altLang="en-US" sz="900" dirty="0">
-                <a:latin typeface="+mn-lt"/>
-                <a:ea typeface="+mn-ea"/>
-              </a:endParaRPr>
-            </a:p>
-          </p:txBody>
-        </p:sp>
-        <p:sp>
-          <p:nvSpPr>
-            <p:cNvPr id="45" name="모서리가 둥근 직사각형 44">
-              <a:extLst>
-                <a:ext uri="{FF2B5EF4-FFF2-40B4-BE49-F238E27FC236}">
-                  <a16:creationId xmlns:a16="http://schemas.microsoft.com/office/drawing/2014/main" id="{6801EA31-6B76-C54F-BE40-916B44CEF3AF}"/>
-                </a:ext>
-              </a:extLst>
-            </p:cNvPr>
-            <p:cNvSpPr/>
-            <p:nvPr/>
-          </p:nvSpPr>
-          <p:spPr bwMode="auto">
-            <a:xfrm>
-              <a:off x="4632550" y="2065493"/>
-              <a:ext cx="1529559" cy="1610607"/>
-            </a:xfrm>
-            <a:prstGeom prst="roundRect">
-              <a:avLst>
-                <a:gd name="adj" fmla="val 4646"/>
-              </a:avLst>
-            </a:prstGeom>
-            <a:solidFill>
-              <a:schemeClr val="accent3">
-                <a:lumMod val="40000"/>
-                <a:lumOff val="60000"/>
-              </a:schemeClr>
-            </a:solidFill>
-            <a:ln w="12700">
-              <a:solidFill>
-                <a:schemeClr val="bg1"/>
-              </a:solidFill>
-              <a:round/>
-              <a:headEnd type="none" w="med" len="med"/>
-              <a:tailEnd type="none" w="med" len="med"/>
-            </a:ln>
-          </p:spPr>
-          <p:txBody>
-            <a:bodyPr rot="0" spcFirstLastPara="0" vertOverflow="overflow" horzOverflow="overflow" vert="horz" wrap="square" lIns="90000" tIns="45720" rIns="91440" bIns="45720" numCol="1" spcCol="0" rtlCol="0" fromWordArt="0" anchor="t" anchorCtr="0" forceAA="0" compatLnSpc="1">
-              <a:prstTxWarp prst="textNoShape">
-                <a:avLst/>
-              </a:prstTxWarp>
-              <a:noAutofit/>
-            </a:bodyPr>
-            <a:lstStyle/>
-            <a:p>
-              <a:r>
-                <a:rPr kumimoji="1" lang="en-US" altLang="ko-KR" sz="900" dirty="0">
-                  <a:latin typeface="+mn-lt"/>
-                  <a:ea typeface="+mn-ea"/>
-                </a:rPr>
-                <a:t>Container</a:t>
-              </a:r>
-              <a:endParaRPr kumimoji="1" lang="ko-KR" altLang="en-US" sz="900" dirty="0">
-                <a:latin typeface="+mn-lt"/>
-                <a:ea typeface="+mn-ea"/>
-              </a:endParaRPr>
-            </a:p>
-          </p:txBody>
-        </p:sp>
-        <p:sp>
-          <p:nvSpPr>
             <p:cNvPr id="46" name="모서리가 둥근 직사각형 45">
               <a:extLst>
                 <a:ext uri="{FF2B5EF4-FFF2-40B4-BE49-F238E27FC236}">
@@ -6840,8 +6787,8 @@
           </p:nvSpPr>
           <p:spPr bwMode="auto">
             <a:xfrm>
-              <a:off x="4544892" y="1951581"/>
-              <a:ext cx="1529559" cy="1610607"/>
+              <a:off x="4504411" y="2363889"/>
+              <a:ext cx="1529559" cy="2098347"/>
             </a:xfrm>
             <a:prstGeom prst="roundRect">
               <a:avLst>
@@ -6907,8 +6854,8 @@
           </p:nvSpPr>
           <p:spPr>
             <a:xfrm>
-              <a:off x="4632549" y="2290722"/>
-              <a:ext cx="1336933" cy="1162662"/>
+              <a:off x="4592068" y="2703030"/>
+              <a:ext cx="1336933" cy="1260414"/>
             </a:xfrm>
             <a:prstGeom prst="roundRect">
               <a:avLst>
@@ -6974,8 +6921,8 @@
           </p:nvSpPr>
           <p:spPr bwMode="auto">
             <a:xfrm>
-              <a:off x="4734813" y="2966816"/>
-              <a:ext cx="1132402" cy="250573"/>
+              <a:off x="4694332" y="3309383"/>
+              <a:ext cx="1132402" cy="203783"/>
             </a:xfrm>
             <a:prstGeom prst="roundRect">
               <a:avLst>
@@ -7029,8 +6976,8 @@
           </p:nvSpPr>
           <p:spPr bwMode="auto">
             <a:xfrm>
-              <a:off x="4734813" y="2624588"/>
-              <a:ext cx="1132402" cy="252000"/>
+              <a:off x="4694332" y="3036896"/>
+              <a:ext cx="1132402" cy="204944"/>
             </a:xfrm>
             <a:prstGeom prst="roundRect">
               <a:avLst>
@@ -7084,7 +7031,7 @@
           </p:nvSpPr>
           <p:spPr>
             <a:xfrm rot="5400000">
-              <a:off x="3169159" y="644616"/>
+              <a:off x="3128678" y="1056924"/>
               <a:ext cx="216026" cy="1531871"/>
             </a:xfrm>
             <a:prstGeom prst="leftBrace">
@@ -7138,7 +7085,7 @@
           </p:nvSpPr>
           <p:spPr>
             <a:xfrm>
-              <a:off x="2378619" y="1024308"/>
+              <a:off x="2338138" y="1436616"/>
               <a:ext cx="1784926" cy="276999"/>
             </a:xfrm>
             <a:prstGeom prst="rect">
@@ -7183,8 +7130,8 @@
           </p:nvCxnSpPr>
           <p:spPr>
             <a:xfrm flipV="1">
-              <a:off x="5969482" y="2543248"/>
-              <a:ext cx="906880" cy="328805"/>
+              <a:off x="5929001" y="2955556"/>
+              <a:ext cx="906880" cy="377681"/>
             </a:xfrm>
             <a:prstGeom prst="line">
               <a:avLst/>
@@ -7233,8 +7180,8 @@
           </p:nvCxnSpPr>
           <p:spPr>
             <a:xfrm>
-              <a:off x="5969482" y="2872053"/>
-              <a:ext cx="906880" cy="1521566"/>
+              <a:off x="5929001" y="3333237"/>
+              <a:ext cx="906880" cy="1472690"/>
             </a:xfrm>
             <a:prstGeom prst="line">
               <a:avLst/>
@@ -7279,7 +7226,7 @@
           </p:nvSpPr>
           <p:spPr bwMode="auto">
             <a:xfrm>
-              <a:off x="918045" y="1960673"/>
+              <a:off x="877564" y="2372981"/>
               <a:ext cx="964600" cy="2285863"/>
             </a:xfrm>
             <a:prstGeom prst="roundRect">
@@ -7347,7 +7294,7 @@
           </p:nvSpPr>
           <p:spPr bwMode="auto">
             <a:xfrm>
-              <a:off x="1237137" y="2970544"/>
+              <a:off x="1196656" y="3382852"/>
               <a:ext cx="643988" cy="200055"/>
             </a:xfrm>
             <a:prstGeom prst="rect">
@@ -7518,7 +7465,7 @@
           </p:nvCxnSpPr>
           <p:spPr>
             <a:xfrm flipV="1">
-              <a:off x="1881125" y="2903662"/>
+              <a:off x="1840644" y="3315970"/>
               <a:ext cx="358402" cy="166910"/>
             </a:xfrm>
             <a:prstGeom prst="bentConnector3">
@@ -7566,7 +7513,7 @@
           </p:nvGrpSpPr>
           <p:grpSpPr>
             <a:xfrm>
-              <a:off x="4250413" y="2792318"/>
+              <a:off x="4209932" y="4037292"/>
               <a:ext cx="360000" cy="360000"/>
               <a:chOff x="2210181" y="2714828"/>
               <a:chExt cx="360000" cy="360000"/>
@@ -7829,7 +7776,7 @@
           </p:nvSpPr>
           <p:spPr bwMode="auto">
             <a:xfrm>
-              <a:off x="1237137" y="3949900"/>
+              <a:off x="1196656" y="4362208"/>
               <a:ext cx="643988" cy="200055"/>
             </a:xfrm>
             <a:prstGeom prst="rect">
@@ -7977,7 +7924,7 @@
                   <a:latin typeface="+mn-ea"/>
                   <a:ea typeface="+mn-ea"/>
                 </a:rPr>
-                <a:t>http 80000</a:t>
+                <a:t>http 8000</a:t>
               </a:r>
             </a:p>
           </p:txBody>
@@ -8000,8 +7947,8 @@
           </p:nvCxnSpPr>
           <p:spPr>
             <a:xfrm flipV="1">
-              <a:off x="1881125" y="3152318"/>
-              <a:ext cx="2549288" cy="897610"/>
+              <a:off x="1840644" y="4397292"/>
+              <a:ext cx="2549288" cy="64944"/>
             </a:xfrm>
             <a:prstGeom prst="bentConnector2">
               <a:avLst/>
@@ -8046,7 +7993,7 @@
           </p:nvGrpSpPr>
           <p:grpSpPr>
             <a:xfrm>
-              <a:off x="636121" y="2714162"/>
+              <a:off x="595640" y="3126470"/>
               <a:ext cx="458034" cy="360000"/>
               <a:chOff x="636121" y="3452752"/>
               <a:chExt cx="458034" cy="360000"/>
@@ -8305,20 +8252,17 @@
             <p:cNvCxnSpPr>
               <a:cxnSpLocks/>
               <a:stCxn id="71" idx="3"/>
-              <a:endCxn id="88" idx="4"/>
+              <a:endCxn id="88" idx="0"/>
             </p:cNvCxnSpPr>
             <p:nvPr/>
           </p:nvCxnSpPr>
           <p:spPr>
             <a:xfrm>
-              <a:off x="3937732" y="2867890"/>
-              <a:ext cx="492681" cy="284428"/>
+              <a:off x="3897251" y="3280198"/>
+              <a:ext cx="492681" cy="757094"/>
             </a:xfrm>
-            <a:prstGeom prst="bentConnector4">
-              <a:avLst>
-                <a:gd name="adj1" fmla="val 31733"/>
-                <a:gd name="adj2" fmla="val 180372"/>
-              </a:avLst>
+            <a:prstGeom prst="bentConnector2">
+              <a:avLst/>
             </a:prstGeom>
             <a:ln w="19050">
               <a:solidFill>
@@ -8360,7 +8304,7 @@
           </p:nvGrpSpPr>
           <p:grpSpPr>
             <a:xfrm>
-              <a:off x="2239527" y="1964561"/>
+              <a:off x="2199046" y="2376869"/>
               <a:ext cx="1803580" cy="1905404"/>
               <a:chOff x="2239527" y="1964561"/>
               <a:chExt cx="1803580" cy="1905404"/>
@@ -9049,6 +8993,135 @@
             </p:txBody>
           </p:sp>
         </p:grpSp>
+        <p:sp>
+          <p:nvSpPr>
+            <p:cNvPr id="72" name="모서리가 둥근 직사각형 6">
+              <a:extLst>
+                <a:ext uri="{FF2B5EF4-FFF2-40B4-BE49-F238E27FC236}">
+                  <a16:creationId xmlns:a16="http://schemas.microsoft.com/office/drawing/2014/main" id="{F14F9D13-61AA-E446-9DA3-FE950A2E8C47}"/>
+                </a:ext>
+              </a:extLst>
+            </p:cNvPr>
+            <p:cNvSpPr/>
+            <p:nvPr/>
+          </p:nvSpPr>
+          <p:spPr>
+            <a:xfrm>
+              <a:off x="4592068" y="4062637"/>
+              <a:ext cx="1336933" cy="295285"/>
+            </a:xfrm>
+            <a:prstGeom prst="roundRect">
+              <a:avLst>
+                <a:gd name="adj" fmla="val 17236"/>
+              </a:avLst>
+            </a:prstGeom>
+            <a:solidFill>
+              <a:schemeClr val="bg1"/>
+            </a:solidFill>
+            <a:ln w="6350"/>
+            <a:effectLst/>
+          </p:spPr>
+          <p:style>
+            <a:lnRef idx="1">
+              <a:schemeClr val="dk1"/>
+            </a:lnRef>
+            <a:fillRef idx="2">
+              <a:schemeClr val="dk1"/>
+            </a:fillRef>
+            <a:effectRef idx="1">
+              <a:schemeClr val="dk1"/>
+            </a:effectRef>
+            <a:fontRef idx="minor">
+              <a:schemeClr val="dk1"/>
+            </a:fontRef>
+          </p:style>
+          <p:txBody>
+            <a:bodyPr lIns="18000" rIns="18000" anchor="t" anchorCtr="0"/>
+            <a:lstStyle/>
+            <a:p>
+              <a:pPr>
+                <a:defRPr/>
+              </a:pPr>
+              <a:r>
+                <a:rPr lang="en-US" altLang="ko-KR" sz="900" dirty="0" err="1">
+                  <a:solidFill>
+                    <a:srgbClr val="000000"/>
+                  </a:solidFill>
+                  <a:ea typeface="맑은 고딕" pitchFamily="50" charset="-127"/>
+                </a:rPr>
+                <a:t>nginx</a:t>
+              </a:r>
+              <a:endParaRPr lang="en-US" altLang="ko-KR" sz="1000" b="1" dirty="0">
+                <a:solidFill>
+                  <a:srgbClr val="000000"/>
+                </a:solidFill>
+                <a:ea typeface="맑은 고딕" pitchFamily="50" charset="-127"/>
+              </a:endParaRPr>
+            </a:p>
+          </p:txBody>
+        </p:sp>
+        <p:sp>
+          <p:nvSpPr>
+            <p:cNvPr id="75" name="모서리가 둥근 직사각형 74">
+              <a:extLst>
+                <a:ext uri="{FF2B5EF4-FFF2-40B4-BE49-F238E27FC236}">
+                  <a16:creationId xmlns:a16="http://schemas.microsoft.com/office/drawing/2014/main" id="{B5BC0FC2-7919-6442-B62C-16BD3CC0EABE}"/>
+                </a:ext>
+              </a:extLst>
+            </p:cNvPr>
+            <p:cNvSpPr/>
+            <p:nvPr/>
+          </p:nvSpPr>
+          <p:spPr bwMode="auto">
+            <a:xfrm>
+              <a:off x="4694332" y="3576596"/>
+              <a:ext cx="1132402" cy="203783"/>
+            </a:xfrm>
+            <a:prstGeom prst="roundRect">
+              <a:avLst>
+                <a:gd name="adj" fmla="val 9531"/>
+              </a:avLst>
+            </a:prstGeom>
+            <a:solidFill>
+              <a:schemeClr val="accent1"/>
+            </a:solidFill>
+            <a:ln w="12700">
+              <a:noFill/>
+              <a:round/>
+              <a:headEnd type="none" w="med" len="med"/>
+              <a:tailEnd type="none" w="med" len="med"/>
+            </a:ln>
+          </p:spPr>
+          <p:txBody>
+            <a:bodyPr rot="0" spcFirstLastPara="0" vertOverflow="overflow" horzOverflow="overflow" vert="horz" wrap="square" lIns="91440" tIns="45720" rIns="91440" bIns="45720" numCol="1" spcCol="0" rtlCol="0" fromWordArt="0" anchor="ctr" anchorCtr="0" forceAA="0" compatLnSpc="1">
+              <a:prstTxWarp prst="textNoShape">
+                <a:avLst/>
+              </a:prstTxWarp>
+              <a:noAutofit/>
+            </a:bodyPr>
+            <a:lstStyle/>
+            <a:p>
+              <a:pPr algn="ctr"/>
+              <a:r>
+                <a:rPr kumimoji="1" lang="en-US" altLang="ko-KR" sz="900" b="0" dirty="0" err="1">
+                  <a:solidFill>
+                    <a:schemeClr val="bg1"/>
+                  </a:solidFill>
+                  <a:latin typeface="+mn-lt"/>
+                  <a:ea typeface="+mn-ea"/>
+                </a:rPr>
+                <a:t>gunicorn</a:t>
+              </a:r>
+              <a:endParaRPr kumimoji="1" lang="en-US" altLang="ko-KR" sz="900" b="0" dirty="0">
+                <a:solidFill>
+                  <a:schemeClr val="bg1"/>
+                </a:solidFill>
+                <a:latin typeface="+mn-lt"/>
+                <a:ea typeface="+mn-ea"/>
+              </a:endParaRPr>
+            </a:p>
+          </p:txBody>
+        </p:sp>
       </p:grpSp>
     </p:spTree>
     <p:extLst>

--- a/doc/An Introduction to Kubernetes.pptx
+++ b/doc/An Introduction to Kubernetes.pptx
@@ -5,10 +5,10 @@
     <p:sldMasterId id="2147483648" r:id="rId1"/>
   </p:sldMasterIdLst>
   <p:notesMasterIdLst>
-    <p:notesMasterId r:id="rId16"/>
+    <p:notesMasterId r:id="rId17"/>
   </p:notesMasterIdLst>
   <p:handoutMasterIdLst>
-    <p:handoutMasterId r:id="rId17"/>
+    <p:handoutMasterId r:id="rId18"/>
   </p:handoutMasterIdLst>
   <p:sldIdLst>
     <p:sldId id="279" r:id="rId2"/>
@@ -24,7 +24,8 @@
     <p:sldId id="331" r:id="rId12"/>
     <p:sldId id="314" r:id="rId13"/>
     <p:sldId id="332" r:id="rId14"/>
-    <p:sldId id="313" r:id="rId15"/>
+    <p:sldId id="347" r:id="rId15"/>
+    <p:sldId id="313" r:id="rId16"/>
   </p:sldIdLst>
   <p:sldSz cx="12192000" cy="6858000"/>
   <p:notesSz cx="6858000" cy="9144000"/>
@@ -14518,7 +14519,7 @@
           </p:nvSpPr>
           <p:spPr>
             <a:xfrm>
-              <a:off x="5525002" y="4696687"/>
+              <a:off x="3951497" y="4422236"/>
               <a:ext cx="1353053" cy="276999"/>
             </a:xfrm>
             <a:prstGeom prst="rect">
@@ -15119,50 +15120,6 @@
           </p:txBody>
         </p:sp>
       </p:grpSp>
-      <p:sp>
-        <p:nvSpPr>
-          <p:cNvPr id="45" name="직사각형 44">
-            <a:extLst>
-              <a:ext uri="{FF2B5EF4-FFF2-40B4-BE49-F238E27FC236}">
-                <a16:creationId xmlns:a16="http://schemas.microsoft.com/office/drawing/2014/main" id="{88BC2F64-03F9-2E4C-9DDB-7A17D7E75B9E}"/>
-              </a:ext>
-            </a:extLst>
-          </p:cNvPr>
-          <p:cNvSpPr/>
-          <p:nvPr/>
-        </p:nvSpPr>
-        <p:spPr>
-          <a:xfrm>
-            <a:off x="3916346" y="4421680"/>
-            <a:ext cx="685170" cy="276999"/>
-          </a:xfrm>
-          <a:prstGeom prst="rect">
-            <a:avLst/>
-          </a:prstGeom>
-        </p:spPr>
-        <p:txBody>
-          <a:bodyPr wrap="square">
-            <a:spAutoFit/>
-          </a:bodyPr>
-          <a:lstStyle/>
-          <a:p>
-            <a:pPr algn="ctr"/>
-            <a:r>
-              <a:rPr lang="en-US" altLang="ko-KR" sz="1200" b="0" dirty="0">
-                <a:latin typeface="Malgun Gothic" panose="020B0503020000020004" pitchFamily="34" charset="-127"/>
-                <a:ea typeface="Malgun Gothic" panose="020B0503020000020004" pitchFamily="34" charset="-127"/>
-                <a:cs typeface="Open Sans Condensed" panose="020B0806030504020204" pitchFamily="34" charset="0"/>
-              </a:rPr>
-              <a:t>push</a:t>
-            </a:r>
-            <a:endParaRPr lang="ko-KR" altLang="en-US" sz="1200" b="0" dirty="0">
-              <a:latin typeface="Malgun Gothic" panose="020B0503020000020004" pitchFamily="34" charset="-127"/>
-              <a:ea typeface="Malgun Gothic" panose="020B0503020000020004" pitchFamily="34" charset="-127"/>
-              <a:cs typeface="Open Sans Condensed" panose="020B0806030504020204" pitchFamily="34" charset="0"/>
-            </a:endParaRPr>
-          </a:p>
-        </p:txBody>
-      </p:sp>
     </p:spTree>
     <p:extLst>
       <p:ext uri="{BB962C8B-B14F-4D97-AF65-F5344CB8AC3E}">
@@ -15177,6 +15134,1450 @@
 </file>
 
 <file path=ppt/slides/slide14.xml><?xml version="1.0" encoding="utf-8"?>
+<p:sld xmlns:a="http://schemas.openxmlformats.org/drawingml/2006/main" xmlns:r="http://schemas.openxmlformats.org/officeDocument/2006/relationships" xmlns:p="http://schemas.openxmlformats.org/presentationml/2006/main">
+  <p:cSld>
+    <p:spTree>
+      <p:nvGrpSpPr>
+        <p:cNvPr id="1" name=""/>
+        <p:cNvGrpSpPr/>
+        <p:nvPr/>
+      </p:nvGrpSpPr>
+      <p:grpSpPr>
+        <a:xfrm>
+          <a:off x="0" y="0"/>
+          <a:ext cx="0" cy="0"/>
+          <a:chOff x="0" y="0"/>
+          <a:chExt cx="0" cy="0"/>
+        </a:xfrm>
+      </p:grpSpPr>
+      <p:sp>
+        <p:nvSpPr>
+          <p:cNvPr id="5" name="Text Placeholder 4">
+            <a:extLst>
+              <a:ext uri="{FF2B5EF4-FFF2-40B4-BE49-F238E27FC236}">
+                <a16:creationId xmlns:a16="http://schemas.microsoft.com/office/drawing/2014/main" id="{95071101-42D9-A744-BD20-E3AC436CF69A}"/>
+              </a:ext>
+            </a:extLst>
+          </p:cNvPr>
+          <p:cNvSpPr>
+            <a:spLocks noGrp="1"/>
+          </p:cNvSpPr>
+          <p:nvPr>
+            <p:ph type="body" sz="quarter" idx="16"/>
+          </p:nvPr>
+        </p:nvSpPr>
+        <p:spPr>
+          <a:xfrm>
+            <a:off x="328823" y="411491"/>
+            <a:ext cx="8799411" cy="327721"/>
+          </a:xfrm>
+          <a:prstGeom prst="rect">
+            <a:avLst/>
+          </a:prstGeom>
+        </p:spPr>
+        <p:txBody>
+          <a:bodyPr/>
+          <a:lstStyle/>
+          <a:p>
+            <a:r>
+              <a:rPr lang="en-US" sz="2800" dirty="0">
+                <a:solidFill>
+                  <a:schemeClr val="tx1"/>
+                </a:solidFill>
+                <a:latin typeface="+mn-ea"/>
+                <a:ea typeface="+mn-ea"/>
+                <a:cs typeface="Arial" panose="020B0604020202020204" pitchFamily="34" charset="0"/>
+              </a:rPr>
+              <a:t>Key Points</a:t>
+            </a:r>
+            <a:endParaRPr lang="de-DE" altLang="ko-KR" sz="2800" dirty="0">
+              <a:solidFill>
+                <a:schemeClr val="tx1"/>
+              </a:solidFill>
+              <a:latin typeface="+mn-ea"/>
+              <a:ea typeface="+mn-ea"/>
+              <a:cs typeface="Arial" panose="020B0604020202020204" pitchFamily="34" charset="0"/>
+            </a:endParaRPr>
+          </a:p>
+        </p:txBody>
+      </p:sp>
+      <p:grpSp>
+        <p:nvGrpSpPr>
+          <p:cNvPr id="49" name="그룹 48">
+            <a:extLst>
+              <a:ext uri="{FF2B5EF4-FFF2-40B4-BE49-F238E27FC236}">
+                <a16:creationId xmlns:a16="http://schemas.microsoft.com/office/drawing/2014/main" id="{C50271C9-4BC4-DB4E-B11D-EF7A182287C5}"/>
+              </a:ext>
+            </a:extLst>
+          </p:cNvPr>
+          <p:cNvGrpSpPr/>
+          <p:nvPr/>
+        </p:nvGrpSpPr>
+        <p:grpSpPr>
+          <a:xfrm>
+            <a:off x="715850" y="1473467"/>
+            <a:ext cx="10624150" cy="4253771"/>
+            <a:chOff x="715850" y="1473467"/>
+            <a:chExt cx="10624150" cy="4253771"/>
+          </a:xfrm>
+        </p:grpSpPr>
+        <p:sp>
+          <p:nvSpPr>
+            <p:cNvPr id="4" name="Shape 393">
+              <a:extLst>
+                <a:ext uri="{FF2B5EF4-FFF2-40B4-BE49-F238E27FC236}">
+                  <a16:creationId xmlns:a16="http://schemas.microsoft.com/office/drawing/2014/main" id="{0619D02C-EF9D-9844-B968-18BF49A85418}"/>
+                </a:ext>
+              </a:extLst>
+            </p:cNvPr>
+            <p:cNvSpPr/>
+            <p:nvPr/>
+          </p:nvSpPr>
+          <p:spPr>
+            <a:xfrm>
+              <a:off x="715850" y="2396152"/>
+              <a:ext cx="576000" cy="576000"/>
+            </a:xfrm>
+            <a:custGeom>
+              <a:avLst/>
+              <a:gdLst/>
+              <a:ahLst/>
+              <a:cxnLst>
+                <a:cxn ang="0">
+                  <a:pos x="wd2" y="hd2"/>
+                </a:cxn>
+                <a:cxn ang="5400000">
+                  <a:pos x="wd2" y="hd2"/>
+                </a:cxn>
+                <a:cxn ang="10800000">
+                  <a:pos x="wd2" y="hd2"/>
+                </a:cxn>
+                <a:cxn ang="16200000">
+                  <a:pos x="wd2" y="hd2"/>
+                </a:cxn>
+              </a:cxnLst>
+              <a:rect l="0" t="0" r="r" b="b"/>
+              <a:pathLst>
+                <a:path w="19677" h="21600" extrusionOk="0">
+                  <a:moveTo>
+                    <a:pt x="9838" y="0"/>
+                  </a:moveTo>
+                  <a:cubicBezTo>
+                    <a:pt x="7361" y="0"/>
+                    <a:pt x="4818" y="1085"/>
+                    <a:pt x="2884" y="3196"/>
+                  </a:cubicBezTo>
+                  <a:cubicBezTo>
+                    <a:pt x="-962" y="7419"/>
+                    <a:pt x="-962" y="14241"/>
+                    <a:pt x="2884" y="18463"/>
+                  </a:cubicBezTo>
+                  <a:cubicBezTo>
+                    <a:pt x="4818" y="20574"/>
+                    <a:pt x="7361" y="21600"/>
+                    <a:pt x="9838" y="21600"/>
+                  </a:cubicBezTo>
+                  <a:cubicBezTo>
+                    <a:pt x="12391" y="21600"/>
+                    <a:pt x="14869" y="20574"/>
+                    <a:pt x="16792" y="18463"/>
+                  </a:cubicBezTo>
+                  <a:cubicBezTo>
+                    <a:pt x="20638" y="14241"/>
+                    <a:pt x="20638" y="7419"/>
+                    <a:pt x="16792" y="3196"/>
+                  </a:cubicBezTo>
+                  <a:cubicBezTo>
+                    <a:pt x="14869" y="1085"/>
+                    <a:pt x="12391" y="0"/>
+                    <a:pt x="9838" y="0"/>
+                  </a:cubicBezTo>
+                </a:path>
+              </a:pathLst>
+            </a:custGeom>
+            <a:solidFill>
+              <a:schemeClr val="accent2"/>
+            </a:solidFill>
+            <a:ln w="12700">
+              <a:miter lim="400000"/>
+            </a:ln>
+          </p:spPr>
+          <p:txBody>
+            <a:bodyPr lIns="45719" rIns="45719" anchor="ctr"/>
+            <a:lstStyle/>
+            <a:p>
+              <a:pPr>
+                <a:defRPr sz="600">
+                  <a:latin typeface="+mn-lt"/>
+                  <a:ea typeface="+mn-ea"/>
+                  <a:cs typeface="+mn-cs"/>
+                  <a:sym typeface="Helvetica"/>
+                </a:defRPr>
+              </a:pPr>
+              <a:endParaRPr dirty="0">
+                <a:latin typeface="맑은 고딕" panose="020B0503020000020004" pitchFamily="50" charset="-127"/>
+                <a:ea typeface="맑은 고딕" panose="020B0503020000020004" pitchFamily="50" charset="-127"/>
+                <a:cs typeface="NanumGothic" charset="-127"/>
+              </a:endParaRPr>
+            </a:p>
+          </p:txBody>
+        </p:sp>
+        <p:sp>
+          <p:nvSpPr>
+            <p:cNvPr id="6" name="Shape 394">
+              <a:extLst>
+                <a:ext uri="{FF2B5EF4-FFF2-40B4-BE49-F238E27FC236}">
+                  <a16:creationId xmlns:a16="http://schemas.microsoft.com/office/drawing/2014/main" id="{6FA881B8-8301-A841-BF56-741A58FCF9AB}"/>
+                </a:ext>
+              </a:extLst>
+            </p:cNvPr>
+            <p:cNvSpPr/>
+            <p:nvPr/>
+          </p:nvSpPr>
+          <p:spPr>
+            <a:xfrm>
+              <a:off x="715850" y="3314514"/>
+              <a:ext cx="576000" cy="576000"/>
+            </a:xfrm>
+            <a:custGeom>
+              <a:avLst/>
+              <a:gdLst/>
+              <a:ahLst/>
+              <a:cxnLst>
+                <a:cxn ang="0">
+                  <a:pos x="wd2" y="hd2"/>
+                </a:cxn>
+                <a:cxn ang="5400000">
+                  <a:pos x="wd2" y="hd2"/>
+                </a:cxn>
+                <a:cxn ang="10800000">
+                  <a:pos x="wd2" y="hd2"/>
+                </a:cxn>
+                <a:cxn ang="16200000">
+                  <a:pos x="wd2" y="hd2"/>
+                </a:cxn>
+              </a:cxnLst>
+              <a:rect l="0" t="0" r="r" b="b"/>
+              <a:pathLst>
+                <a:path w="19677" h="21600" extrusionOk="0">
+                  <a:moveTo>
+                    <a:pt x="9838" y="0"/>
+                  </a:moveTo>
+                  <a:cubicBezTo>
+                    <a:pt x="7361" y="0"/>
+                    <a:pt x="4818" y="1085"/>
+                    <a:pt x="2884" y="3196"/>
+                  </a:cubicBezTo>
+                  <a:cubicBezTo>
+                    <a:pt x="-962" y="7419"/>
+                    <a:pt x="-962" y="14241"/>
+                    <a:pt x="2884" y="18463"/>
+                  </a:cubicBezTo>
+                  <a:cubicBezTo>
+                    <a:pt x="4818" y="20574"/>
+                    <a:pt x="7361" y="21600"/>
+                    <a:pt x="9838" y="21600"/>
+                  </a:cubicBezTo>
+                  <a:cubicBezTo>
+                    <a:pt x="12391" y="21600"/>
+                    <a:pt x="14869" y="20574"/>
+                    <a:pt x="16792" y="18463"/>
+                  </a:cubicBezTo>
+                  <a:cubicBezTo>
+                    <a:pt x="20638" y="14241"/>
+                    <a:pt x="20638" y="7419"/>
+                    <a:pt x="16792" y="3196"/>
+                  </a:cubicBezTo>
+                  <a:cubicBezTo>
+                    <a:pt x="14869" y="1085"/>
+                    <a:pt x="12391" y="0"/>
+                    <a:pt x="9838" y="0"/>
+                  </a:cubicBezTo>
+                </a:path>
+              </a:pathLst>
+            </a:custGeom>
+            <a:solidFill>
+              <a:srgbClr val="EB483F"/>
+            </a:solidFill>
+            <a:ln w="12700">
+              <a:miter lim="400000"/>
+            </a:ln>
+          </p:spPr>
+          <p:txBody>
+            <a:bodyPr lIns="45719" rIns="45719" anchor="ctr"/>
+            <a:lstStyle/>
+            <a:p>
+              <a:pPr>
+                <a:defRPr sz="600">
+                  <a:latin typeface="+mn-lt"/>
+                  <a:ea typeface="+mn-ea"/>
+                  <a:cs typeface="+mn-cs"/>
+                  <a:sym typeface="Helvetica"/>
+                </a:defRPr>
+              </a:pPr>
+              <a:endParaRPr dirty="0">
+                <a:latin typeface="맑은 고딕" panose="020B0503020000020004" pitchFamily="50" charset="-127"/>
+                <a:ea typeface="맑은 고딕" panose="020B0503020000020004" pitchFamily="50" charset="-127"/>
+                <a:cs typeface="NanumGothic" charset="-127"/>
+              </a:endParaRPr>
+            </a:p>
+          </p:txBody>
+        </p:sp>
+        <p:sp>
+          <p:nvSpPr>
+            <p:cNvPr id="8" name="Shape 416">
+              <a:extLst>
+                <a:ext uri="{FF2B5EF4-FFF2-40B4-BE49-F238E27FC236}">
+                  <a16:creationId xmlns:a16="http://schemas.microsoft.com/office/drawing/2014/main" id="{7D0E9A4D-9060-E145-AD1D-6B9993CBA487}"/>
+                </a:ext>
+              </a:extLst>
+            </p:cNvPr>
+            <p:cNvSpPr/>
+            <p:nvPr/>
+          </p:nvSpPr>
+          <p:spPr>
+            <a:xfrm>
+              <a:off x="1470036" y="1577278"/>
+              <a:ext cx="1257682" cy="321247"/>
+            </a:xfrm>
+            <a:prstGeom prst="rect">
+              <a:avLst/>
+            </a:prstGeom>
+            <a:ln w="12700">
+              <a:miter lim="400000"/>
+            </a:ln>
+            <a:extLst>
+              <a:ext uri="{C572A759-6A51-4108-AA02-DFA0A04FC94B}">
+                <ma14:wrappingTextBoxFlag xmlns="" xmlns:ma14="http://schemas.microsoft.com/office/mac/drawingml/2011/main" val="1"/>
+              </a:ext>
+            </a:extLst>
+          </p:spPr>
+          <p:txBody>
+            <a:bodyPr wrap="square" lIns="37150" tIns="37150" rIns="37150" bIns="37150">
+              <a:spAutoFit/>
+            </a:bodyPr>
+            <a:lstStyle>
+              <a:lvl1pPr algn="ctr">
+                <a:defRPr sz="3200" b="1">
+                  <a:latin typeface="Lato Bold"/>
+                  <a:ea typeface="Lato Bold"/>
+                  <a:cs typeface="Lato Bold"/>
+                  <a:sym typeface="Lato Bold"/>
+                </a:defRPr>
+              </a:lvl1pPr>
+            </a:lstStyle>
+            <a:p>
+              <a:pPr algn="l"/>
+              <a:r>
+                <a:rPr lang="en-US" sz="1600" b="0" dirty="0">
+                  <a:latin typeface="맑은 고딕" panose="020B0503020000020004" pitchFamily="50" charset="-127"/>
+                  <a:ea typeface="맑은 고딕" panose="020B0503020000020004" pitchFamily="50" charset="-127"/>
+                  <a:cs typeface="NanumGothic" charset="-127"/>
+                </a:rPr>
+                <a:t>Serverless</a:t>
+              </a:r>
+              <a:endParaRPr sz="1600" b="0" dirty="0">
+                <a:latin typeface="맑은 고딕" panose="020B0503020000020004" pitchFamily="50" charset="-127"/>
+                <a:ea typeface="맑은 고딕" panose="020B0503020000020004" pitchFamily="50" charset="-127"/>
+                <a:cs typeface="NanumGothic" charset="-127"/>
+              </a:endParaRPr>
+            </a:p>
+          </p:txBody>
+        </p:sp>
+        <p:sp>
+          <p:nvSpPr>
+            <p:cNvPr id="9" name="Shape 418">
+              <a:extLst>
+                <a:ext uri="{FF2B5EF4-FFF2-40B4-BE49-F238E27FC236}">
+                  <a16:creationId xmlns:a16="http://schemas.microsoft.com/office/drawing/2014/main" id="{2DFDAE60-15C5-6247-AC07-883E89A519BA}"/>
+                </a:ext>
+              </a:extLst>
+            </p:cNvPr>
+            <p:cNvSpPr/>
+            <p:nvPr/>
+          </p:nvSpPr>
+          <p:spPr>
+            <a:xfrm>
+              <a:off x="2850356" y="1473467"/>
+              <a:ext cx="8489644" cy="528868"/>
+            </a:xfrm>
+            <a:prstGeom prst="rect">
+              <a:avLst/>
+            </a:prstGeom>
+            <a:ln w="12700">
+              <a:miter lim="400000"/>
+            </a:ln>
+            <a:extLst>
+              <a:ext uri="{C572A759-6A51-4108-AA02-DFA0A04FC94B}">
+                <ma14:wrappingTextBoxFlag xmlns="" xmlns:ma14="http://schemas.microsoft.com/office/mac/drawingml/2011/main" val="1"/>
+              </a:ext>
+            </a:extLst>
+          </p:spPr>
+          <p:txBody>
+            <a:bodyPr wrap="square" lIns="37150" tIns="37150" rIns="37150" bIns="37150">
+              <a:spAutoFit/>
+            </a:bodyPr>
+            <a:lstStyle/>
+            <a:p>
+              <a:pPr>
+                <a:lnSpc>
+                  <a:spcPct val="110000"/>
+                </a:lnSpc>
+                <a:defRPr sz="1100">
+                  <a:latin typeface="+mn-lt"/>
+                  <a:ea typeface="+mn-ea"/>
+                  <a:cs typeface="+mn-cs"/>
+                  <a:sym typeface="Helvetica"/>
+                </a:defRPr>
+              </a:pPr>
+              <a:r>
+                <a:rPr lang="en-US" altLang="ko-KR" sz="1400" dirty="0">
+                  <a:latin typeface="맑은 고딕" panose="020B0503020000020004" pitchFamily="50" charset="-127"/>
+                  <a:ea typeface="맑은 고딕" panose="020B0503020000020004" pitchFamily="50" charset="-127"/>
+                  <a:cs typeface="NanumGothic" charset="-127"/>
+                </a:rPr>
+                <a:t>There is no dedicated EC2 and fixed IP address. Therefore, no security patch, no O/S upgrade, etc. are required.</a:t>
+              </a:r>
+            </a:p>
+          </p:txBody>
+        </p:sp>
+        <p:sp>
+          <p:nvSpPr>
+            <p:cNvPr id="10" name="Shape 394">
+              <a:extLst>
+                <a:ext uri="{FF2B5EF4-FFF2-40B4-BE49-F238E27FC236}">
+                  <a16:creationId xmlns:a16="http://schemas.microsoft.com/office/drawing/2014/main" id="{DC241F4B-0821-A24E-BD30-095905B0EFBC}"/>
+                </a:ext>
+              </a:extLst>
+            </p:cNvPr>
+            <p:cNvSpPr/>
+            <p:nvPr/>
+          </p:nvSpPr>
+          <p:spPr>
+            <a:xfrm>
+              <a:off x="715850" y="4232876"/>
+              <a:ext cx="576000" cy="576000"/>
+            </a:xfrm>
+            <a:custGeom>
+              <a:avLst/>
+              <a:gdLst/>
+              <a:ahLst/>
+              <a:cxnLst>
+                <a:cxn ang="0">
+                  <a:pos x="wd2" y="hd2"/>
+                </a:cxn>
+                <a:cxn ang="5400000">
+                  <a:pos x="wd2" y="hd2"/>
+                </a:cxn>
+                <a:cxn ang="10800000">
+                  <a:pos x="wd2" y="hd2"/>
+                </a:cxn>
+                <a:cxn ang="16200000">
+                  <a:pos x="wd2" y="hd2"/>
+                </a:cxn>
+              </a:cxnLst>
+              <a:rect l="0" t="0" r="r" b="b"/>
+              <a:pathLst>
+                <a:path w="19677" h="21600" extrusionOk="0">
+                  <a:moveTo>
+                    <a:pt x="9838" y="0"/>
+                  </a:moveTo>
+                  <a:cubicBezTo>
+                    <a:pt x="7361" y="0"/>
+                    <a:pt x="4818" y="1085"/>
+                    <a:pt x="2884" y="3196"/>
+                  </a:cubicBezTo>
+                  <a:cubicBezTo>
+                    <a:pt x="-962" y="7419"/>
+                    <a:pt x="-962" y="14241"/>
+                    <a:pt x="2884" y="18463"/>
+                  </a:cubicBezTo>
+                  <a:cubicBezTo>
+                    <a:pt x="4818" y="20574"/>
+                    <a:pt x="7361" y="21600"/>
+                    <a:pt x="9838" y="21600"/>
+                  </a:cubicBezTo>
+                  <a:cubicBezTo>
+                    <a:pt x="12391" y="21600"/>
+                    <a:pt x="14869" y="20574"/>
+                    <a:pt x="16792" y="18463"/>
+                  </a:cubicBezTo>
+                  <a:cubicBezTo>
+                    <a:pt x="20638" y="14241"/>
+                    <a:pt x="20638" y="7419"/>
+                    <a:pt x="16792" y="3196"/>
+                  </a:cubicBezTo>
+                  <a:cubicBezTo>
+                    <a:pt x="14869" y="1085"/>
+                    <a:pt x="12391" y="0"/>
+                    <a:pt x="9838" y="0"/>
+                  </a:cubicBezTo>
+                </a:path>
+              </a:pathLst>
+            </a:custGeom>
+            <a:solidFill>
+              <a:schemeClr val="accent3"/>
+            </a:solidFill>
+            <a:ln w="12700">
+              <a:miter lim="400000"/>
+            </a:ln>
+          </p:spPr>
+          <p:txBody>
+            <a:bodyPr lIns="45719" rIns="45719" anchor="ctr"/>
+            <a:lstStyle/>
+            <a:p>
+              <a:pPr>
+                <a:defRPr sz="600">
+                  <a:latin typeface="+mn-lt"/>
+                  <a:ea typeface="+mn-ea"/>
+                  <a:cs typeface="+mn-cs"/>
+                  <a:sym typeface="Helvetica"/>
+                </a:defRPr>
+              </a:pPr>
+              <a:endParaRPr dirty="0">
+                <a:latin typeface="맑은 고딕" panose="020B0503020000020004" pitchFamily="50" charset="-127"/>
+                <a:ea typeface="맑은 고딕" panose="020B0503020000020004" pitchFamily="50" charset="-127"/>
+                <a:cs typeface="NanumGothic" charset="-127"/>
+              </a:endParaRPr>
+            </a:p>
+          </p:txBody>
+        </p:sp>
+        <p:sp>
+          <p:nvSpPr>
+            <p:cNvPr id="11" name="Shape 394">
+              <a:extLst>
+                <a:ext uri="{FF2B5EF4-FFF2-40B4-BE49-F238E27FC236}">
+                  <a16:creationId xmlns:a16="http://schemas.microsoft.com/office/drawing/2014/main" id="{006C6612-3AD8-7442-B91F-35ADC4D30A48}"/>
+                </a:ext>
+              </a:extLst>
+            </p:cNvPr>
+            <p:cNvSpPr/>
+            <p:nvPr/>
+          </p:nvSpPr>
+          <p:spPr>
+            <a:xfrm>
+              <a:off x="715850" y="5151238"/>
+              <a:ext cx="576000" cy="576000"/>
+            </a:xfrm>
+            <a:custGeom>
+              <a:avLst/>
+              <a:gdLst/>
+              <a:ahLst/>
+              <a:cxnLst>
+                <a:cxn ang="0">
+                  <a:pos x="wd2" y="hd2"/>
+                </a:cxn>
+                <a:cxn ang="5400000">
+                  <a:pos x="wd2" y="hd2"/>
+                </a:cxn>
+                <a:cxn ang="10800000">
+                  <a:pos x="wd2" y="hd2"/>
+                </a:cxn>
+                <a:cxn ang="16200000">
+                  <a:pos x="wd2" y="hd2"/>
+                </a:cxn>
+              </a:cxnLst>
+              <a:rect l="0" t="0" r="r" b="b"/>
+              <a:pathLst>
+                <a:path w="19677" h="21600" extrusionOk="0">
+                  <a:moveTo>
+                    <a:pt x="9838" y="0"/>
+                  </a:moveTo>
+                  <a:cubicBezTo>
+                    <a:pt x="7361" y="0"/>
+                    <a:pt x="4818" y="1085"/>
+                    <a:pt x="2884" y="3196"/>
+                  </a:cubicBezTo>
+                  <a:cubicBezTo>
+                    <a:pt x="-962" y="7419"/>
+                    <a:pt x="-962" y="14241"/>
+                    <a:pt x="2884" y="18463"/>
+                  </a:cubicBezTo>
+                  <a:cubicBezTo>
+                    <a:pt x="4818" y="20574"/>
+                    <a:pt x="7361" y="21600"/>
+                    <a:pt x="9838" y="21600"/>
+                  </a:cubicBezTo>
+                  <a:cubicBezTo>
+                    <a:pt x="12391" y="21600"/>
+                    <a:pt x="14869" y="20574"/>
+                    <a:pt x="16792" y="18463"/>
+                  </a:cubicBezTo>
+                  <a:cubicBezTo>
+                    <a:pt x="20638" y="14241"/>
+                    <a:pt x="20638" y="7419"/>
+                    <a:pt x="16792" y="3196"/>
+                  </a:cubicBezTo>
+                  <a:cubicBezTo>
+                    <a:pt x="14869" y="1085"/>
+                    <a:pt x="12391" y="0"/>
+                    <a:pt x="9838" y="0"/>
+                  </a:cubicBezTo>
+                </a:path>
+              </a:pathLst>
+            </a:custGeom>
+            <a:solidFill>
+              <a:schemeClr val="tx1"/>
+            </a:solidFill>
+            <a:ln w="12700">
+              <a:miter lim="400000"/>
+            </a:ln>
+          </p:spPr>
+          <p:txBody>
+            <a:bodyPr lIns="45719" rIns="45719" anchor="ctr"/>
+            <a:lstStyle/>
+            <a:p>
+              <a:pPr>
+                <a:defRPr sz="600">
+                  <a:latin typeface="+mn-lt"/>
+                  <a:ea typeface="+mn-ea"/>
+                  <a:cs typeface="+mn-cs"/>
+                  <a:sym typeface="Helvetica"/>
+                </a:defRPr>
+              </a:pPr>
+              <a:endParaRPr dirty="0">
+                <a:latin typeface="맑은 고딕" panose="020B0503020000020004" pitchFamily="50" charset="-127"/>
+                <a:ea typeface="맑은 고딕" panose="020B0503020000020004" pitchFamily="50" charset="-127"/>
+                <a:cs typeface="NanumGothic" charset="-127"/>
+              </a:endParaRPr>
+            </a:p>
+          </p:txBody>
+        </p:sp>
+        <p:sp>
+          <p:nvSpPr>
+            <p:cNvPr id="12" name="Shape 394">
+              <a:extLst>
+                <a:ext uri="{FF2B5EF4-FFF2-40B4-BE49-F238E27FC236}">
+                  <a16:creationId xmlns:a16="http://schemas.microsoft.com/office/drawing/2014/main" id="{318F4AC2-4213-2A48-A4DC-181AB2A05C9C}"/>
+                </a:ext>
+              </a:extLst>
+            </p:cNvPr>
+            <p:cNvSpPr/>
+            <p:nvPr/>
+          </p:nvSpPr>
+          <p:spPr>
+            <a:xfrm>
+              <a:off x="715850" y="1477790"/>
+              <a:ext cx="576000" cy="576000"/>
+            </a:xfrm>
+            <a:custGeom>
+              <a:avLst/>
+              <a:gdLst/>
+              <a:ahLst/>
+              <a:cxnLst>
+                <a:cxn ang="0">
+                  <a:pos x="wd2" y="hd2"/>
+                </a:cxn>
+                <a:cxn ang="5400000">
+                  <a:pos x="wd2" y="hd2"/>
+                </a:cxn>
+                <a:cxn ang="10800000">
+                  <a:pos x="wd2" y="hd2"/>
+                </a:cxn>
+                <a:cxn ang="16200000">
+                  <a:pos x="wd2" y="hd2"/>
+                </a:cxn>
+              </a:cxnLst>
+              <a:rect l="0" t="0" r="r" b="b"/>
+              <a:pathLst>
+                <a:path w="19677" h="21600" extrusionOk="0">
+                  <a:moveTo>
+                    <a:pt x="9838" y="0"/>
+                  </a:moveTo>
+                  <a:cubicBezTo>
+                    <a:pt x="7361" y="0"/>
+                    <a:pt x="4818" y="1085"/>
+                    <a:pt x="2884" y="3196"/>
+                  </a:cubicBezTo>
+                  <a:cubicBezTo>
+                    <a:pt x="-962" y="7419"/>
+                    <a:pt x="-962" y="14241"/>
+                    <a:pt x="2884" y="18463"/>
+                  </a:cubicBezTo>
+                  <a:cubicBezTo>
+                    <a:pt x="4818" y="20574"/>
+                    <a:pt x="7361" y="21600"/>
+                    <a:pt x="9838" y="21600"/>
+                  </a:cubicBezTo>
+                  <a:cubicBezTo>
+                    <a:pt x="12391" y="21600"/>
+                    <a:pt x="14869" y="20574"/>
+                    <a:pt x="16792" y="18463"/>
+                  </a:cubicBezTo>
+                  <a:cubicBezTo>
+                    <a:pt x="20638" y="14241"/>
+                    <a:pt x="20638" y="7419"/>
+                    <a:pt x="16792" y="3196"/>
+                  </a:cubicBezTo>
+                  <a:cubicBezTo>
+                    <a:pt x="14869" y="1085"/>
+                    <a:pt x="12391" y="0"/>
+                    <a:pt x="9838" y="0"/>
+                  </a:cubicBezTo>
+                </a:path>
+              </a:pathLst>
+            </a:custGeom>
+            <a:solidFill>
+              <a:schemeClr val="bg2"/>
+            </a:solidFill>
+            <a:ln w="12700">
+              <a:miter lim="400000"/>
+            </a:ln>
+          </p:spPr>
+          <p:txBody>
+            <a:bodyPr lIns="45719" rIns="45719" anchor="ctr"/>
+            <a:lstStyle/>
+            <a:p>
+              <a:pPr>
+                <a:defRPr sz="600">
+                  <a:latin typeface="+mn-lt"/>
+                  <a:ea typeface="+mn-ea"/>
+                  <a:cs typeface="+mn-cs"/>
+                  <a:sym typeface="Helvetica"/>
+                </a:defRPr>
+              </a:pPr>
+              <a:endParaRPr dirty="0">
+                <a:latin typeface="맑은 고딕" panose="020B0503020000020004" pitchFamily="50" charset="-127"/>
+                <a:ea typeface="맑은 고딕" panose="020B0503020000020004" pitchFamily="50" charset="-127"/>
+                <a:cs typeface="NanumGothic" charset="-127"/>
+              </a:endParaRPr>
+            </a:p>
+          </p:txBody>
+        </p:sp>
+        <p:sp>
+          <p:nvSpPr>
+            <p:cNvPr id="13" name="Shape 416">
+              <a:extLst>
+                <a:ext uri="{FF2B5EF4-FFF2-40B4-BE49-F238E27FC236}">
+                  <a16:creationId xmlns:a16="http://schemas.microsoft.com/office/drawing/2014/main" id="{F190AF6F-8E9C-4046-95DB-A4B36C08F437}"/>
+                </a:ext>
+              </a:extLst>
+            </p:cNvPr>
+            <p:cNvSpPr/>
+            <p:nvPr/>
+          </p:nvSpPr>
+          <p:spPr>
+            <a:xfrm>
+              <a:off x="1464848" y="2396152"/>
+              <a:ext cx="1262870" cy="567468"/>
+            </a:xfrm>
+            <a:prstGeom prst="rect">
+              <a:avLst/>
+            </a:prstGeom>
+            <a:ln w="12700">
+              <a:miter lim="400000"/>
+            </a:ln>
+            <a:extLst>
+              <a:ext uri="{C572A759-6A51-4108-AA02-DFA0A04FC94B}">
+                <ma14:wrappingTextBoxFlag xmlns="" xmlns:ma14="http://schemas.microsoft.com/office/mac/drawingml/2011/main" val="1"/>
+              </a:ext>
+            </a:extLst>
+          </p:spPr>
+          <p:txBody>
+            <a:bodyPr wrap="square" lIns="37150" tIns="37150" rIns="37150" bIns="37150">
+              <a:spAutoFit/>
+            </a:bodyPr>
+            <a:lstStyle>
+              <a:lvl1pPr algn="ctr">
+                <a:defRPr sz="3200" b="1">
+                  <a:latin typeface="Lato Bold"/>
+                  <a:ea typeface="Lato Bold"/>
+                  <a:cs typeface="Lato Bold"/>
+                  <a:sym typeface="Lato Bold"/>
+                </a:defRPr>
+              </a:lvl1pPr>
+            </a:lstStyle>
+            <a:p>
+              <a:pPr algn="l"/>
+              <a:r>
+                <a:rPr lang="en-US" sz="1600" b="0" dirty="0">
+                  <a:latin typeface="맑은 고딕" panose="020B0503020000020004" pitchFamily="50" charset="-127"/>
+                  <a:ea typeface="맑은 고딕" panose="020B0503020000020004" pitchFamily="50" charset="-127"/>
+                  <a:cs typeface="NanumGothic" charset="-127"/>
+                </a:rPr>
+                <a:t>Cost </a:t>
+              </a:r>
+              <a:br>
+                <a:rPr lang="en-US" sz="1600" b="0" dirty="0">
+                  <a:latin typeface="맑은 고딕" panose="020B0503020000020004" pitchFamily="50" charset="-127"/>
+                  <a:ea typeface="맑은 고딕" panose="020B0503020000020004" pitchFamily="50" charset="-127"/>
+                  <a:cs typeface="NanumGothic" charset="-127"/>
+                </a:rPr>
+              </a:br>
+              <a:r>
+                <a:rPr lang="en-US" sz="1600" b="0" dirty="0">
+                  <a:latin typeface="맑은 고딕" panose="020B0503020000020004" pitchFamily="50" charset="-127"/>
+                  <a:ea typeface="맑은 고딕" panose="020B0503020000020004" pitchFamily="50" charset="-127"/>
+                  <a:cs typeface="NanumGothic" charset="-127"/>
+                </a:rPr>
+                <a:t>Saving</a:t>
+              </a:r>
+              <a:endParaRPr sz="1600" b="0" dirty="0">
+                <a:latin typeface="맑은 고딕" panose="020B0503020000020004" pitchFamily="50" charset="-127"/>
+                <a:ea typeface="맑은 고딕" panose="020B0503020000020004" pitchFamily="50" charset="-127"/>
+                <a:cs typeface="NanumGothic" charset="-127"/>
+              </a:endParaRPr>
+            </a:p>
+          </p:txBody>
+        </p:sp>
+        <p:sp>
+          <p:nvSpPr>
+            <p:cNvPr id="14" name="Shape 416">
+              <a:extLst>
+                <a:ext uri="{FF2B5EF4-FFF2-40B4-BE49-F238E27FC236}">
+                  <a16:creationId xmlns:a16="http://schemas.microsoft.com/office/drawing/2014/main" id="{2C722E2B-5619-B845-8AB8-CD2527343DCB}"/>
+                </a:ext>
+              </a:extLst>
+            </p:cNvPr>
+            <p:cNvSpPr/>
+            <p:nvPr/>
+          </p:nvSpPr>
+          <p:spPr>
+            <a:xfrm>
+              <a:off x="1468181" y="4360252"/>
+              <a:ext cx="1259537" cy="321247"/>
+            </a:xfrm>
+            <a:prstGeom prst="rect">
+              <a:avLst/>
+            </a:prstGeom>
+            <a:ln w="12700">
+              <a:miter lim="400000"/>
+            </a:ln>
+            <a:extLst>
+              <a:ext uri="{C572A759-6A51-4108-AA02-DFA0A04FC94B}">
+                <ma14:wrappingTextBoxFlag xmlns="" xmlns:ma14="http://schemas.microsoft.com/office/mac/drawingml/2011/main" val="1"/>
+              </a:ext>
+            </a:extLst>
+          </p:spPr>
+          <p:txBody>
+            <a:bodyPr wrap="square" lIns="37150" tIns="37150" rIns="37150" bIns="37150">
+              <a:spAutoFit/>
+            </a:bodyPr>
+            <a:lstStyle>
+              <a:lvl1pPr algn="ctr">
+                <a:defRPr sz="3200" b="1">
+                  <a:latin typeface="Lato Bold"/>
+                  <a:ea typeface="Lato Bold"/>
+                  <a:cs typeface="Lato Bold"/>
+                  <a:sym typeface="Lato Bold"/>
+                </a:defRPr>
+              </a:lvl1pPr>
+            </a:lstStyle>
+            <a:p>
+              <a:pPr algn="l"/>
+              <a:r>
+                <a:rPr lang="en-US" sz="1600" b="0" dirty="0">
+                  <a:latin typeface="맑은 고딕" panose="020B0503020000020004" pitchFamily="50" charset="-127"/>
+                  <a:ea typeface="맑은 고딕" panose="020B0503020000020004" pitchFamily="50" charset="-127"/>
+                  <a:cs typeface="NanumGothic" charset="-127"/>
+                </a:rPr>
+                <a:t>CI/CD</a:t>
+              </a:r>
+              <a:endParaRPr sz="1600" b="0" dirty="0">
+                <a:latin typeface="맑은 고딕" panose="020B0503020000020004" pitchFamily="50" charset="-127"/>
+                <a:ea typeface="맑은 고딕" panose="020B0503020000020004" pitchFamily="50" charset="-127"/>
+                <a:cs typeface="NanumGothic" charset="-127"/>
+              </a:endParaRPr>
+            </a:p>
+          </p:txBody>
+        </p:sp>
+        <p:sp>
+          <p:nvSpPr>
+            <p:cNvPr id="15" name="Shape 416">
+              <a:extLst>
+                <a:ext uri="{FF2B5EF4-FFF2-40B4-BE49-F238E27FC236}">
+                  <a16:creationId xmlns:a16="http://schemas.microsoft.com/office/drawing/2014/main" id="{BDB90FD2-6255-C143-BD25-D3F5C9062851}"/>
+                </a:ext>
+              </a:extLst>
+            </p:cNvPr>
+            <p:cNvSpPr/>
+            <p:nvPr/>
+          </p:nvSpPr>
+          <p:spPr>
+            <a:xfrm>
+              <a:off x="1468181" y="5155504"/>
+              <a:ext cx="1259537" cy="567468"/>
+            </a:xfrm>
+            <a:prstGeom prst="rect">
+              <a:avLst/>
+            </a:prstGeom>
+            <a:ln w="12700">
+              <a:miter lim="400000"/>
+            </a:ln>
+            <a:extLst>
+              <a:ext uri="{C572A759-6A51-4108-AA02-DFA0A04FC94B}">
+                <ma14:wrappingTextBoxFlag xmlns="" xmlns:ma14="http://schemas.microsoft.com/office/mac/drawingml/2011/main" val="1"/>
+              </a:ext>
+            </a:extLst>
+          </p:spPr>
+          <p:txBody>
+            <a:bodyPr wrap="square" lIns="37150" tIns="37150" rIns="37150" bIns="37150">
+              <a:spAutoFit/>
+            </a:bodyPr>
+            <a:lstStyle>
+              <a:lvl1pPr algn="ctr">
+                <a:defRPr sz="3200" b="1">
+                  <a:latin typeface="Lato Bold"/>
+                  <a:ea typeface="Lato Bold"/>
+                  <a:cs typeface="Lato Bold"/>
+                  <a:sym typeface="Lato Bold"/>
+                </a:defRPr>
+              </a:lvl1pPr>
+            </a:lstStyle>
+            <a:p>
+              <a:pPr algn="l"/>
+              <a:r>
+                <a:rPr lang="en-US" sz="1600" b="0" dirty="0">
+                  <a:latin typeface="맑은 고딕" panose="020B0503020000020004" pitchFamily="50" charset="-127"/>
+                  <a:ea typeface="맑은 고딕" panose="020B0503020000020004" pitchFamily="50" charset="-127"/>
+                  <a:cs typeface="NanumGothic" charset="-127"/>
+                </a:rPr>
+                <a:t>Throttling</a:t>
+              </a:r>
+            </a:p>
+            <a:p>
+              <a:pPr algn="l"/>
+              <a:r>
+                <a:rPr lang="en-US" sz="1600" b="0" dirty="0">
+                  <a:latin typeface="맑은 고딕" panose="020B0503020000020004" pitchFamily="50" charset="-127"/>
+                  <a:ea typeface="맑은 고딕" panose="020B0503020000020004" pitchFamily="50" charset="-127"/>
+                  <a:cs typeface="NanumGothic" charset="-127"/>
+                </a:rPr>
+                <a:t>Safe</a:t>
+              </a:r>
+              <a:endParaRPr sz="1600" b="0" dirty="0">
+                <a:latin typeface="맑은 고딕" panose="020B0503020000020004" pitchFamily="50" charset="-127"/>
+                <a:ea typeface="맑은 고딕" panose="020B0503020000020004" pitchFamily="50" charset="-127"/>
+                <a:cs typeface="NanumGothic" charset="-127"/>
+              </a:endParaRPr>
+            </a:p>
+          </p:txBody>
+        </p:sp>
+        <p:sp>
+          <p:nvSpPr>
+            <p:cNvPr id="17" name="Shape 418">
+              <a:extLst>
+                <a:ext uri="{FF2B5EF4-FFF2-40B4-BE49-F238E27FC236}">
+                  <a16:creationId xmlns:a16="http://schemas.microsoft.com/office/drawing/2014/main" id="{353A2131-F81E-AE46-B7F6-0BE62E469728}"/>
+                </a:ext>
+              </a:extLst>
+            </p:cNvPr>
+            <p:cNvSpPr/>
+            <p:nvPr/>
+          </p:nvSpPr>
+          <p:spPr>
+            <a:xfrm>
+              <a:off x="2850356" y="2533946"/>
+              <a:ext cx="8489644" cy="291880"/>
+            </a:xfrm>
+            <a:prstGeom prst="rect">
+              <a:avLst/>
+            </a:prstGeom>
+            <a:ln w="12700">
+              <a:miter lim="400000"/>
+            </a:ln>
+            <a:extLst>
+              <a:ext uri="{C572A759-6A51-4108-AA02-DFA0A04FC94B}">
+                <ma14:wrappingTextBoxFlag xmlns="" xmlns:ma14="http://schemas.microsoft.com/office/mac/drawingml/2011/main" val="1"/>
+              </a:ext>
+            </a:extLst>
+          </p:spPr>
+          <p:txBody>
+            <a:bodyPr wrap="square" lIns="37150" tIns="37150" rIns="37150" bIns="37150">
+              <a:spAutoFit/>
+            </a:bodyPr>
+            <a:lstStyle/>
+            <a:p>
+              <a:pPr>
+                <a:lnSpc>
+                  <a:spcPct val="110000"/>
+                </a:lnSpc>
+                <a:defRPr sz="1100">
+                  <a:latin typeface="+mn-lt"/>
+                  <a:ea typeface="+mn-ea"/>
+                  <a:cs typeface="+mn-cs"/>
+                  <a:sym typeface="Helvetica"/>
+                </a:defRPr>
+              </a:pPr>
+              <a:r>
+                <a:rPr lang="en-US" altLang="ko-KR" sz="1400" dirty="0">
+                  <a:latin typeface="Malgun Gothic" panose="020B0503020000020004" pitchFamily="34" charset="-127"/>
+                  <a:ea typeface="Malgun Gothic" panose="020B0503020000020004" pitchFamily="34" charset="-127"/>
+                  <a:cs typeface="NanumGothic" charset="-127"/>
+                </a:rPr>
+                <a:t>No cost optimization is required. We only pay for what we use based on CPU/memory usage.</a:t>
+              </a:r>
+            </a:p>
+          </p:txBody>
+        </p:sp>
+        <p:sp>
+          <p:nvSpPr>
+            <p:cNvPr id="18" name="Shape 416">
+              <a:extLst>
+                <a:ext uri="{FF2B5EF4-FFF2-40B4-BE49-F238E27FC236}">
+                  <a16:creationId xmlns:a16="http://schemas.microsoft.com/office/drawing/2014/main" id="{6B00461C-DA07-ED46-96C0-027C948038BC}"/>
+                </a:ext>
+              </a:extLst>
+            </p:cNvPr>
+            <p:cNvSpPr/>
+            <p:nvPr/>
+          </p:nvSpPr>
+          <p:spPr>
+            <a:xfrm>
+              <a:off x="1464848" y="3441890"/>
+              <a:ext cx="1262870" cy="321247"/>
+            </a:xfrm>
+            <a:prstGeom prst="rect">
+              <a:avLst/>
+            </a:prstGeom>
+            <a:ln w="12700">
+              <a:miter lim="400000"/>
+            </a:ln>
+            <a:extLst>
+              <a:ext uri="{C572A759-6A51-4108-AA02-DFA0A04FC94B}">
+                <ma14:wrappingTextBoxFlag xmlns="" xmlns:ma14="http://schemas.microsoft.com/office/mac/drawingml/2011/main" val="1"/>
+              </a:ext>
+            </a:extLst>
+          </p:spPr>
+          <p:txBody>
+            <a:bodyPr wrap="square" lIns="37150" tIns="37150" rIns="37150" bIns="37150">
+              <a:spAutoFit/>
+            </a:bodyPr>
+            <a:lstStyle>
+              <a:lvl1pPr algn="ctr">
+                <a:defRPr sz="3200" b="1">
+                  <a:latin typeface="Lato Bold"/>
+                  <a:ea typeface="Lato Bold"/>
+                  <a:cs typeface="Lato Bold"/>
+                  <a:sym typeface="Lato Bold"/>
+                </a:defRPr>
+              </a:lvl1pPr>
+            </a:lstStyle>
+            <a:p>
+              <a:pPr algn="l"/>
+              <a:r>
+                <a:rPr lang="en-US" sz="1600" b="0" dirty="0">
+                  <a:latin typeface="맑은 고딕" panose="020B0503020000020004" pitchFamily="50" charset="-127"/>
+                  <a:ea typeface="맑은 고딕" panose="020B0503020000020004" pitchFamily="50" charset="-127"/>
+                  <a:cs typeface="NanumGothic" charset="-127"/>
+                </a:rPr>
+                <a:t>Dev Env</a:t>
+              </a:r>
+              <a:endParaRPr sz="1600" b="0" dirty="0">
+                <a:latin typeface="맑은 고딕" panose="020B0503020000020004" pitchFamily="50" charset="-127"/>
+                <a:ea typeface="맑은 고딕" panose="020B0503020000020004" pitchFamily="50" charset="-127"/>
+                <a:cs typeface="NanumGothic" charset="-127"/>
+              </a:endParaRPr>
+            </a:p>
+          </p:txBody>
+        </p:sp>
+        <p:sp>
+          <p:nvSpPr>
+            <p:cNvPr id="23" name="Shape 418">
+              <a:extLst>
+                <a:ext uri="{FF2B5EF4-FFF2-40B4-BE49-F238E27FC236}">
+                  <a16:creationId xmlns:a16="http://schemas.microsoft.com/office/drawing/2014/main" id="{E99A233D-0FB9-F741-A8B7-79D682968A82}"/>
+                </a:ext>
+              </a:extLst>
+            </p:cNvPr>
+            <p:cNvSpPr/>
+            <p:nvPr/>
+          </p:nvSpPr>
+          <p:spPr>
+            <a:xfrm>
+              <a:off x="2850356" y="3456573"/>
+              <a:ext cx="8489644" cy="291880"/>
+            </a:xfrm>
+            <a:prstGeom prst="rect">
+              <a:avLst/>
+            </a:prstGeom>
+            <a:ln w="12700">
+              <a:miter lim="400000"/>
+            </a:ln>
+            <a:extLst>
+              <a:ext uri="{C572A759-6A51-4108-AA02-DFA0A04FC94B}">
+                <ma14:wrappingTextBoxFlag xmlns="" xmlns:ma14="http://schemas.microsoft.com/office/mac/drawingml/2011/main" val="1"/>
+              </a:ext>
+            </a:extLst>
+          </p:spPr>
+          <p:txBody>
+            <a:bodyPr wrap="square" lIns="37150" tIns="37150" rIns="37150" bIns="37150">
+              <a:spAutoFit/>
+            </a:bodyPr>
+            <a:lstStyle/>
+            <a:p>
+              <a:pPr>
+                <a:lnSpc>
+                  <a:spcPct val="110000"/>
+                </a:lnSpc>
+                <a:defRPr sz="1100">
+                  <a:latin typeface="+mn-lt"/>
+                  <a:ea typeface="+mn-ea"/>
+                  <a:cs typeface="+mn-cs"/>
+                  <a:sym typeface="Helvetica"/>
+                </a:defRPr>
+              </a:pPr>
+              <a:r>
+                <a:rPr lang="en-US" altLang="ko-KR" sz="1400" dirty="0">
+                  <a:latin typeface="맑은 고딕" panose="020B0503020000020004" pitchFamily="50" charset="-127"/>
+                  <a:ea typeface="맑은 고딕" panose="020B0503020000020004" pitchFamily="50" charset="-127"/>
+                  <a:cs typeface="NanumGothic" charset="-127"/>
+                </a:rPr>
+                <a:t>No Dev environment is required for frontend developer. Dev is for the integration test between MSAs.</a:t>
+              </a:r>
+            </a:p>
+          </p:txBody>
+        </p:sp>
+        <p:sp>
+          <p:nvSpPr>
+            <p:cNvPr id="27" name="Shape 418">
+              <a:extLst>
+                <a:ext uri="{FF2B5EF4-FFF2-40B4-BE49-F238E27FC236}">
+                  <a16:creationId xmlns:a16="http://schemas.microsoft.com/office/drawing/2014/main" id="{E0F13312-2B3F-F041-BA00-D7BD8E65716B}"/>
+                </a:ext>
+              </a:extLst>
+            </p:cNvPr>
+            <p:cNvSpPr/>
+            <p:nvPr/>
+          </p:nvSpPr>
+          <p:spPr>
+            <a:xfrm>
+              <a:off x="2850356" y="4374935"/>
+              <a:ext cx="8489644" cy="291880"/>
+            </a:xfrm>
+            <a:prstGeom prst="rect">
+              <a:avLst/>
+            </a:prstGeom>
+            <a:ln w="12700">
+              <a:miter lim="400000"/>
+            </a:ln>
+            <a:extLst>
+              <a:ext uri="{C572A759-6A51-4108-AA02-DFA0A04FC94B}">
+                <ma14:wrappingTextBoxFlag xmlns="" xmlns:ma14="http://schemas.microsoft.com/office/mac/drawingml/2011/main" val="1"/>
+              </a:ext>
+            </a:extLst>
+          </p:spPr>
+          <p:txBody>
+            <a:bodyPr wrap="square" lIns="37150" tIns="37150" rIns="37150" bIns="37150">
+              <a:spAutoFit/>
+            </a:bodyPr>
+            <a:lstStyle/>
+            <a:p>
+              <a:pPr>
+                <a:lnSpc>
+                  <a:spcPct val="110000"/>
+                </a:lnSpc>
+                <a:defRPr sz="1100">
+                  <a:latin typeface="+mn-lt"/>
+                  <a:ea typeface="+mn-ea"/>
+                  <a:cs typeface="+mn-cs"/>
+                  <a:sym typeface="Helvetica"/>
+                </a:defRPr>
+              </a:pPr>
+              <a:r>
+                <a:rPr lang="en-US" altLang="ko-KR" sz="1400" dirty="0">
+                  <a:latin typeface="Malgun Gothic" panose="020B0503020000020004" pitchFamily="34" charset="-127"/>
+                  <a:ea typeface="Malgun Gothic" panose="020B0503020000020004" pitchFamily="34" charset="-127"/>
+                  <a:cs typeface="NanumGothic" charset="-127"/>
+                </a:rPr>
+                <a:t>Simple yet powerful CI/CD for both application and infrastructure.</a:t>
+              </a:r>
+            </a:p>
+          </p:txBody>
+        </p:sp>
+        <p:sp>
+          <p:nvSpPr>
+            <p:cNvPr id="28" name="Shape 418">
+              <a:extLst>
+                <a:ext uri="{FF2B5EF4-FFF2-40B4-BE49-F238E27FC236}">
+                  <a16:creationId xmlns:a16="http://schemas.microsoft.com/office/drawing/2014/main" id="{F5739B50-5029-6346-82B9-73FBC1068961}"/>
+                </a:ext>
+              </a:extLst>
+            </p:cNvPr>
+            <p:cNvSpPr/>
+            <p:nvPr/>
+          </p:nvSpPr>
+          <p:spPr>
+            <a:xfrm>
+              <a:off x="2850356" y="5293298"/>
+              <a:ext cx="8489644" cy="291880"/>
+            </a:xfrm>
+            <a:prstGeom prst="rect">
+              <a:avLst/>
+            </a:prstGeom>
+            <a:ln w="12700">
+              <a:miter lim="400000"/>
+            </a:ln>
+            <a:extLst>
+              <a:ext uri="{C572A759-6A51-4108-AA02-DFA0A04FC94B}">
+                <ma14:wrappingTextBoxFlag xmlns="" xmlns:ma14="http://schemas.microsoft.com/office/mac/drawingml/2011/main" val="1"/>
+              </a:ext>
+            </a:extLst>
+          </p:spPr>
+          <p:txBody>
+            <a:bodyPr wrap="square" lIns="37150" tIns="37150" rIns="37150" bIns="37150">
+              <a:spAutoFit/>
+            </a:bodyPr>
+            <a:lstStyle/>
+            <a:p>
+              <a:pPr>
+                <a:lnSpc>
+                  <a:spcPct val="110000"/>
+                </a:lnSpc>
+                <a:defRPr sz="1100">
+                  <a:latin typeface="+mn-lt"/>
+                  <a:ea typeface="+mn-ea"/>
+                  <a:cs typeface="+mn-cs"/>
+                  <a:sym typeface="Helvetica"/>
+                </a:defRPr>
+              </a:pPr>
+              <a:r>
+                <a:rPr lang="en-US" altLang="ko-KR" sz="1400" dirty="0">
+                  <a:latin typeface="맑은 고딕" panose="020B0503020000020004" pitchFamily="50" charset="-127"/>
+                  <a:ea typeface="맑은 고딕" panose="020B0503020000020004" pitchFamily="50" charset="-127"/>
+                  <a:cs typeface="NanumGothic" charset="-127"/>
+                </a:rPr>
+                <a:t>No 402-throttling issue unlike Lambda.</a:t>
+              </a:r>
+              <a:endParaRPr lang="en-US" altLang="ko-KR" sz="1400" dirty="0">
+                <a:latin typeface="Malgun Gothic" panose="020B0503020000020004" pitchFamily="34" charset="-127"/>
+                <a:ea typeface="Malgun Gothic" panose="020B0503020000020004" pitchFamily="34" charset="-127"/>
+                <a:cs typeface="NanumGothic" charset="-127"/>
+              </a:endParaRPr>
+            </a:p>
+          </p:txBody>
+        </p:sp>
+        <p:pic>
+          <p:nvPicPr>
+            <p:cNvPr id="31" name="그래픽 30" descr="기중기 단색으로 채워진">
+              <a:extLst>
+                <a:ext uri="{FF2B5EF4-FFF2-40B4-BE49-F238E27FC236}">
+                  <a16:creationId xmlns:a16="http://schemas.microsoft.com/office/drawing/2014/main" id="{6D296CB8-1ADD-064F-B9DC-404ECAFF5A65}"/>
+                </a:ext>
+              </a:extLst>
+            </p:cNvPr>
+            <p:cNvPicPr>
+              <a:picLocks noChangeAspect="1"/>
+            </p:cNvPicPr>
+            <p:nvPr/>
+          </p:nvPicPr>
+          <p:blipFill>
+            <a:blip r:embed="rId2">
+              <a:extLst>
+                <a:ext uri="{96DAC541-7B7A-43D3-8B79-37D633B846F1}">
+                  <asvg:svgBlip xmlns:asvg="http://schemas.microsoft.com/office/drawing/2016/SVG/main" r:embed="rId3"/>
+                </a:ext>
+              </a:extLst>
+            </a:blip>
+            <a:stretch>
+              <a:fillRect/>
+            </a:stretch>
+          </p:blipFill>
+          <p:spPr>
+            <a:xfrm>
+              <a:off x="764893" y="4266670"/>
+              <a:ext cx="493543" cy="493543"/>
+            </a:xfrm>
+            <a:prstGeom prst="rect">
+              <a:avLst/>
+            </a:prstGeom>
+          </p:spPr>
+        </p:pic>
+        <p:pic>
+          <p:nvPicPr>
+            <p:cNvPr id="38" name="그래픽 37" descr="망치 단색으로 채워진">
+              <a:extLst>
+                <a:ext uri="{FF2B5EF4-FFF2-40B4-BE49-F238E27FC236}">
+                  <a16:creationId xmlns:a16="http://schemas.microsoft.com/office/drawing/2014/main" id="{41F587F3-2203-2A4C-8FFD-EFF038670976}"/>
+                </a:ext>
+              </a:extLst>
+            </p:cNvPr>
+            <p:cNvPicPr>
+              <a:picLocks noChangeAspect="1"/>
+            </p:cNvPicPr>
+            <p:nvPr/>
+          </p:nvPicPr>
+          <p:blipFill>
+            <a:blip r:embed="rId4">
+              <a:extLst>
+                <a:ext uri="{96DAC541-7B7A-43D3-8B79-37D633B846F1}">
+                  <asvg:svgBlip xmlns:asvg="http://schemas.microsoft.com/office/drawing/2016/SVG/main" r:embed="rId5"/>
+                </a:ext>
+              </a:extLst>
+            </a:blip>
+            <a:stretch>
+              <a:fillRect/>
+            </a:stretch>
+          </p:blipFill>
+          <p:spPr>
+            <a:xfrm>
+              <a:off x="811114" y="3401963"/>
+              <a:ext cx="401099" cy="401099"/>
+            </a:xfrm>
+            <a:prstGeom prst="rect">
+              <a:avLst/>
+            </a:prstGeom>
+          </p:spPr>
+        </p:pic>
+        <p:pic>
+          <p:nvPicPr>
+            <p:cNvPr id="40" name="그래픽 39" descr="달러 단색으로 채워진">
+              <a:extLst>
+                <a:ext uri="{FF2B5EF4-FFF2-40B4-BE49-F238E27FC236}">
+                  <a16:creationId xmlns:a16="http://schemas.microsoft.com/office/drawing/2014/main" id="{F227958E-4F2A-0846-B782-BEE7195719CE}"/>
+                </a:ext>
+              </a:extLst>
+            </p:cNvPr>
+            <p:cNvPicPr>
+              <a:picLocks noChangeAspect="1"/>
+            </p:cNvPicPr>
+            <p:nvPr/>
+          </p:nvPicPr>
+          <p:blipFill>
+            <a:blip r:embed="rId6">
+              <a:extLst>
+                <a:ext uri="{96DAC541-7B7A-43D3-8B79-37D633B846F1}">
+                  <asvg:svgBlip xmlns:asvg="http://schemas.microsoft.com/office/drawing/2016/SVG/main" r:embed="rId7"/>
+                </a:ext>
+              </a:extLst>
+            </a:blip>
+            <a:stretch>
+              <a:fillRect/>
+            </a:stretch>
+          </p:blipFill>
+          <p:spPr>
+            <a:xfrm>
+              <a:off x="787241" y="2470067"/>
+              <a:ext cx="448844" cy="448844"/>
+            </a:xfrm>
+            <a:prstGeom prst="rect">
+              <a:avLst/>
+            </a:prstGeom>
+          </p:spPr>
+        </p:pic>
+        <p:pic>
+          <p:nvPicPr>
+            <p:cNvPr id="44" name="그래픽 43" descr="지수 그래프 단색으로 채워진">
+              <a:extLst>
+                <a:ext uri="{FF2B5EF4-FFF2-40B4-BE49-F238E27FC236}">
+                  <a16:creationId xmlns:a16="http://schemas.microsoft.com/office/drawing/2014/main" id="{792C9907-F064-4F43-A6C8-CC241430C5EE}"/>
+                </a:ext>
+              </a:extLst>
+            </p:cNvPr>
+            <p:cNvPicPr>
+              <a:picLocks noChangeAspect="1"/>
+            </p:cNvPicPr>
+            <p:nvPr/>
+          </p:nvPicPr>
+          <p:blipFill>
+            <a:blip r:embed="rId8">
+              <a:extLst>
+                <a:ext uri="{96DAC541-7B7A-43D3-8B79-37D633B846F1}">
+                  <asvg:svgBlip xmlns:asvg="http://schemas.microsoft.com/office/drawing/2016/SVG/main" r:embed="rId9"/>
+                </a:ext>
+              </a:extLst>
+            </a:blip>
+            <a:stretch>
+              <a:fillRect/>
+            </a:stretch>
+          </p:blipFill>
+          <p:spPr>
+            <a:xfrm>
+              <a:off x="770749" y="5206137"/>
+              <a:ext cx="466201" cy="466201"/>
+            </a:xfrm>
+            <a:prstGeom prst="rect">
+              <a:avLst/>
+            </a:prstGeom>
+          </p:spPr>
+        </p:pic>
+        <p:pic>
+          <p:nvPicPr>
+            <p:cNvPr id="46" name="그래픽 45" descr="금지 표지 윤곽선">
+              <a:extLst>
+                <a:ext uri="{FF2B5EF4-FFF2-40B4-BE49-F238E27FC236}">
+                  <a16:creationId xmlns:a16="http://schemas.microsoft.com/office/drawing/2014/main" id="{29C2CBC8-E89A-364B-B212-C599A0EA0960}"/>
+                </a:ext>
+              </a:extLst>
+            </p:cNvPr>
+            <p:cNvPicPr>
+              <a:picLocks noChangeAspect="1"/>
+            </p:cNvPicPr>
+            <p:nvPr/>
+          </p:nvPicPr>
+          <p:blipFill>
+            <a:blip r:embed="rId10">
+              <a:extLst>
+                <a:ext uri="{96DAC541-7B7A-43D3-8B79-37D633B846F1}">
+                  <asvg:svgBlip xmlns:asvg="http://schemas.microsoft.com/office/drawing/2016/SVG/main" r:embed="rId11"/>
+                </a:ext>
+              </a:extLst>
+            </a:blip>
+            <a:stretch>
+              <a:fillRect/>
+            </a:stretch>
+          </p:blipFill>
+          <p:spPr>
+            <a:xfrm>
+              <a:off x="723663" y="1477790"/>
+              <a:ext cx="576000" cy="576000"/>
+            </a:xfrm>
+            <a:prstGeom prst="rect">
+              <a:avLst/>
+            </a:prstGeom>
+          </p:spPr>
+        </p:pic>
+        <p:pic>
+          <p:nvPicPr>
+            <p:cNvPr id="48" name="그래픽 47" descr="서버 단색으로 채워진">
+              <a:extLst>
+                <a:ext uri="{FF2B5EF4-FFF2-40B4-BE49-F238E27FC236}">
+                  <a16:creationId xmlns:a16="http://schemas.microsoft.com/office/drawing/2014/main" id="{728E7340-B8F9-8C41-9B04-09DBE9A1F1A9}"/>
+                </a:ext>
+              </a:extLst>
+            </p:cNvPr>
+            <p:cNvPicPr>
+              <a:picLocks noChangeAspect="1"/>
+            </p:cNvPicPr>
+            <p:nvPr/>
+          </p:nvPicPr>
+          <p:blipFill>
+            <a:blip r:embed="rId12">
+              <a:extLst>
+                <a:ext uri="{96DAC541-7B7A-43D3-8B79-37D633B846F1}">
+                  <asvg:svgBlip xmlns:asvg="http://schemas.microsoft.com/office/drawing/2016/SVG/main" r:embed="rId13"/>
+                </a:ext>
+              </a:extLst>
+            </a:blip>
+            <a:stretch>
+              <a:fillRect/>
+            </a:stretch>
+          </p:blipFill>
+          <p:spPr>
+            <a:xfrm>
+              <a:off x="838099" y="1606141"/>
+              <a:ext cx="341874" cy="341874"/>
+            </a:xfrm>
+            <a:prstGeom prst="rect">
+              <a:avLst/>
+            </a:prstGeom>
+          </p:spPr>
+        </p:pic>
+      </p:grpSp>
+    </p:spTree>
+    <p:extLst>
+      <p:ext uri="{BB962C8B-B14F-4D97-AF65-F5344CB8AC3E}">
+        <p14:creationId xmlns:p14="http://schemas.microsoft.com/office/powerpoint/2010/main" val="921469418"/>
+      </p:ext>
+    </p:extLst>
+  </p:cSld>
+  <p:clrMapOvr>
+    <a:masterClrMapping/>
+  </p:clrMapOvr>
+</p:sld>
+</file>
+
+<file path=ppt/slides/slide15.xml><?xml version="1.0" encoding="utf-8"?>
 <p:sld xmlns:a="http://schemas.openxmlformats.org/drawingml/2006/main" xmlns:r="http://schemas.openxmlformats.org/officeDocument/2006/relationships" xmlns:p="http://schemas.openxmlformats.org/presentationml/2006/main">
   <p:cSld>
     <p:spTree>
@@ -19559,7 +20960,7 @@
                   <a:schemeClr val="bg2"/>
                 </a:solidFill>
               </a:rPr>
-              <a:t>2020 ~</a:t>
+              <a:t>2019 ~</a:t>
             </a:r>
             <a:endParaRPr kumimoji="1" lang="en-US" altLang="ko-KR" dirty="0">
               <a:solidFill>

--- a/doc/An Introduction to Kubernetes.pptx
+++ b/doc/An Introduction to Kubernetes.pptx
@@ -12964,23 +12964,31 @@
               </a:endParaRPr>
             </a:p>
             <a:p>
-              <a:pPr marL="171450" lvl="0" indent="-171450" eaLnBrk="1" fontAlgn="auto" hangingPunct="1">
-                <a:spcBef>
-                  <a:spcPts val="0"/>
-                </a:spcBef>
-                <a:spcAft>
-                  <a:spcPts val="0"/>
-                </a:spcAft>
+              <a:pPr marL="171450" lvl="0" indent="-171450">
                 <a:buFont typeface="Arial" panose="020B0604020202020204" pitchFamily="34" charset="0"/>
                 <a:buChar char="•"/>
               </a:pPr>
               <a:r>
-                <a:rPr lang="en-US" altLang="ko-Kore-KR" sz="1000" b="0" dirty="0">
+                <a:rPr lang="en-US" altLang="ko-Kore-KR" sz="1000" dirty="0">
                   <a:solidFill>
                     <a:srgbClr val="0074C8"/>
                   </a:solidFill>
                 </a:rPr>
-                <a:t>App</a:t>
+                <a:t>Frontend</a:t>
+              </a:r>
+            </a:p>
+            <a:p>
+              <a:pPr marL="171450" indent="-171450">
+                <a:buFont typeface="Arial" panose="020B0604020202020204" pitchFamily="34" charset="0"/>
+                <a:buChar char="•"/>
+              </a:pPr>
+              <a:r>
+                <a:rPr lang="en-US" altLang="ko-Kore-KR" sz="1000" dirty="0">
+                  <a:solidFill>
+                    <a:srgbClr val="0074C8"/>
+                  </a:solidFill>
+                </a:rPr>
+                <a:t>Backend</a:t>
               </a:r>
               <a:r>
                 <a:rPr kumimoji="1" lang="en-US" altLang="ko-Kore-KR" sz="700" b="0" dirty="0">
@@ -12990,59 +12998,6 @@
                   <a:ea typeface="맑은 고딕" pitchFamily="50" charset="-127"/>
                 </a:rPr>
                 <a:t> </a:t>
-              </a:r>
-              <a:br>
-                <a:rPr kumimoji="1" lang="en-US" altLang="ko-Kore-KR" sz="700" b="0" dirty="0">
-                  <a:solidFill>
-                    <a:schemeClr val="tx1"/>
-                  </a:solidFill>
-                  <a:ea typeface="맑은 고딕" pitchFamily="50" charset="-127"/>
-                </a:rPr>
-              </a:br>
-              <a:r>
-                <a:rPr kumimoji="1" lang="en-US" altLang="ko-Kore-KR" sz="900" dirty="0">
-                  <a:solidFill>
-                    <a:schemeClr val="tx1"/>
-                  </a:solidFill>
-                  <a:ea typeface="맑은 고딕" pitchFamily="50" charset="-127"/>
-                </a:rPr>
-                <a:t>(</a:t>
-              </a:r>
-              <a:r>
-                <a:rPr kumimoji="1" lang="en-US" altLang="ko-Kore-KR" sz="900" dirty="0" err="1">
-                  <a:solidFill>
-                    <a:schemeClr val="tx1"/>
-                  </a:solidFill>
-                  <a:ea typeface="맑은 고딕" pitchFamily="50" charset="-127"/>
-                </a:rPr>
-                <a:t>nginx</a:t>
-              </a:r>
-              <a:r>
-                <a:rPr kumimoji="1" lang="en-US" altLang="ko-Kore-KR" sz="900" dirty="0">
-                  <a:solidFill>
-                    <a:schemeClr val="tx1"/>
-                  </a:solidFill>
-                  <a:ea typeface="맑은 고딕" pitchFamily="50" charset="-127"/>
-                </a:rPr>
-                <a:t> – </a:t>
-              </a:r>
-              <a:r>
-                <a:rPr kumimoji="1" lang="en-US" altLang="ko-Kore-KR" sz="900" dirty="0" err="1">
-                  <a:solidFill>
-                    <a:schemeClr val="tx1"/>
-                  </a:solidFill>
-                  <a:ea typeface="맑은 고딕" pitchFamily="50" charset="-127"/>
-                </a:rPr>
-                <a:t>uwsgi</a:t>
-              </a:r>
-              <a:r>
-                <a:rPr kumimoji="1" lang="en-US" altLang="ko-Kore-KR" sz="900" dirty="0">
-                  <a:solidFill>
-                    <a:schemeClr val="tx1"/>
-                  </a:solidFill>
-                  <a:ea typeface="맑은 고딕" pitchFamily="50" charset="-127"/>
-                </a:rPr>
-                <a:t> – django)</a:t>
               </a:r>
               <a:endParaRPr lang="en-US" altLang="ko-Kore-KR" sz="1100" b="0" dirty="0">
                 <a:solidFill>
@@ -15448,7 +15403,7 @@
             </a:ln>
             <a:extLst>
               <a:ext uri="{C572A759-6A51-4108-AA02-DFA0A04FC94B}">
-                <ma14:wrappingTextBoxFlag xmlns="" xmlns:ma14="http://schemas.microsoft.com/office/mac/drawingml/2011/main" val="1"/>
+                <ma14:wrappingTextBoxFlag xmlns:ma14="http://schemas.microsoft.com/office/mac/drawingml/2011/main" xmlns="" val="1"/>
               </a:ext>
             </a:extLst>
           </p:spPr>
@@ -15509,7 +15464,7 @@
             </a:ln>
             <a:extLst>
               <a:ext uri="{C572A759-6A51-4108-AA02-DFA0A04FC94B}">
-                <ma14:wrappingTextBoxFlag xmlns="" xmlns:ma14="http://schemas.microsoft.com/office/mac/drawingml/2011/main" val="1"/>
+                <ma14:wrappingTextBoxFlag xmlns:ma14="http://schemas.microsoft.com/office/mac/drawingml/2011/main" xmlns="" val="1"/>
               </a:ext>
             </a:extLst>
           </p:spPr>
@@ -15869,7 +15824,7 @@
             </a:ln>
             <a:extLst>
               <a:ext uri="{C572A759-6A51-4108-AA02-DFA0A04FC94B}">
-                <ma14:wrappingTextBoxFlag xmlns="" xmlns:ma14="http://schemas.microsoft.com/office/mac/drawingml/2011/main" val="1"/>
+                <ma14:wrappingTextBoxFlag xmlns:ma14="http://schemas.microsoft.com/office/mac/drawingml/2011/main" xmlns="" val="1"/>
               </a:ext>
             </a:extLst>
           </p:spPr>
@@ -15945,7 +15900,7 @@
             </a:ln>
             <a:extLst>
               <a:ext uri="{C572A759-6A51-4108-AA02-DFA0A04FC94B}">
-                <ma14:wrappingTextBoxFlag xmlns="" xmlns:ma14="http://schemas.microsoft.com/office/mac/drawingml/2011/main" val="1"/>
+                <ma14:wrappingTextBoxFlag xmlns:ma14="http://schemas.microsoft.com/office/mac/drawingml/2011/main" xmlns="" val="1"/>
               </a:ext>
             </a:extLst>
           </p:spPr>
@@ -16006,7 +15961,7 @@
             </a:ln>
             <a:extLst>
               <a:ext uri="{C572A759-6A51-4108-AA02-DFA0A04FC94B}">
-                <ma14:wrappingTextBoxFlag xmlns="" xmlns:ma14="http://schemas.microsoft.com/office/mac/drawingml/2011/main" val="1"/>
+                <ma14:wrappingTextBoxFlag xmlns:ma14="http://schemas.microsoft.com/office/mac/drawingml/2011/main" xmlns="" val="1"/>
               </a:ext>
             </a:extLst>
           </p:spPr>
@@ -16078,7 +16033,7 @@
             </a:ln>
             <a:extLst>
               <a:ext uri="{C572A759-6A51-4108-AA02-DFA0A04FC94B}">
-                <ma14:wrappingTextBoxFlag xmlns="" xmlns:ma14="http://schemas.microsoft.com/office/mac/drawingml/2011/main" val="1"/>
+                <ma14:wrappingTextBoxFlag xmlns:ma14="http://schemas.microsoft.com/office/mac/drawingml/2011/main" xmlns="" val="1"/>
               </a:ext>
             </a:extLst>
           </p:spPr>
@@ -16135,7 +16090,7 @@
             </a:ln>
             <a:extLst>
               <a:ext uri="{C572A759-6A51-4108-AA02-DFA0A04FC94B}">
-                <ma14:wrappingTextBoxFlag xmlns="" xmlns:ma14="http://schemas.microsoft.com/office/mac/drawingml/2011/main" val="1"/>
+                <ma14:wrappingTextBoxFlag xmlns:ma14="http://schemas.microsoft.com/office/mac/drawingml/2011/main" xmlns="" val="1"/>
               </a:ext>
             </a:extLst>
           </p:spPr>
@@ -16196,7 +16151,7 @@
             </a:ln>
             <a:extLst>
               <a:ext uri="{C572A759-6A51-4108-AA02-DFA0A04FC94B}">
-                <ma14:wrappingTextBoxFlag xmlns="" xmlns:ma14="http://schemas.microsoft.com/office/mac/drawingml/2011/main" val="1"/>
+                <ma14:wrappingTextBoxFlag xmlns:ma14="http://schemas.microsoft.com/office/mac/drawingml/2011/main" xmlns="" val="1"/>
               </a:ext>
             </a:extLst>
           </p:spPr>
@@ -16253,7 +16208,7 @@
             </a:ln>
             <a:extLst>
               <a:ext uri="{C572A759-6A51-4108-AA02-DFA0A04FC94B}">
-                <ma14:wrappingTextBoxFlag xmlns="" xmlns:ma14="http://schemas.microsoft.com/office/mac/drawingml/2011/main" val="1"/>
+                <ma14:wrappingTextBoxFlag xmlns:ma14="http://schemas.microsoft.com/office/mac/drawingml/2011/main" xmlns="" val="1"/>
               </a:ext>
             </a:extLst>
           </p:spPr>
@@ -16310,7 +16265,7 @@
             </a:ln>
             <a:extLst>
               <a:ext uri="{C572A759-6A51-4108-AA02-DFA0A04FC94B}">
-                <ma14:wrappingTextBoxFlag xmlns="" xmlns:ma14="http://schemas.microsoft.com/office/mac/drawingml/2011/main" val="1"/>
+                <ma14:wrappingTextBoxFlag xmlns:ma14="http://schemas.microsoft.com/office/mac/drawingml/2011/main" xmlns="" val="1"/>
               </a:ext>
             </a:extLst>
           </p:spPr>

--- a/doc/An Introduction to Kubernetes.pptx
+++ b/doc/An Introduction to Kubernetes.pptx
@@ -995,7 +995,7 @@
               <a:rPr lang="en-US" smtClean="0">
                 <a:latin typeface="Tahoma"/>
               </a:rPr>
-              <a:t>5/11/21</a:t>
+              <a:t>5/12/21</a:t>
             </a:fld>
             <a:endParaRPr lang="en-US" dirty="0">
               <a:latin typeface="Tahoma"/>
@@ -1174,7 +1174,7 @@
             <a:fld id="{F9071F84-0802-C84F-8F3A-2F91A2DB1D02}" type="datetimeFigureOut">
               <a:rPr lang="en-US" smtClean="0"/>
               <a:pPr/>
-              <a:t>5/11/21</a:t>
+              <a:t>5/12/21</a:t>
             </a:fld>
             <a:endParaRPr lang="en-US" dirty="0"/>
           </a:p>
@@ -15403,7 +15403,7 @@
             </a:ln>
             <a:extLst>
               <a:ext uri="{C572A759-6A51-4108-AA02-DFA0A04FC94B}">
-                <ma14:wrappingTextBoxFlag xmlns:ma14="http://schemas.microsoft.com/office/mac/drawingml/2011/main" xmlns="" val="1"/>
+                <ma14:wrappingTextBoxFlag xmlns="" xmlns:ma14="http://schemas.microsoft.com/office/mac/drawingml/2011/main" val="1"/>
               </a:ext>
             </a:extLst>
           </p:spPr>
@@ -15464,7 +15464,7 @@
             </a:ln>
             <a:extLst>
               <a:ext uri="{C572A759-6A51-4108-AA02-DFA0A04FC94B}">
-                <ma14:wrappingTextBoxFlag xmlns:ma14="http://schemas.microsoft.com/office/mac/drawingml/2011/main" xmlns="" val="1"/>
+                <ma14:wrappingTextBoxFlag xmlns="" xmlns:ma14="http://schemas.microsoft.com/office/mac/drawingml/2011/main" val="1"/>
               </a:ext>
             </a:extLst>
           </p:spPr>
@@ -15824,7 +15824,7 @@
             </a:ln>
             <a:extLst>
               <a:ext uri="{C572A759-6A51-4108-AA02-DFA0A04FC94B}">
-                <ma14:wrappingTextBoxFlag xmlns:ma14="http://schemas.microsoft.com/office/mac/drawingml/2011/main" xmlns="" val="1"/>
+                <ma14:wrappingTextBoxFlag xmlns="" xmlns:ma14="http://schemas.microsoft.com/office/mac/drawingml/2011/main" val="1"/>
               </a:ext>
             </a:extLst>
           </p:spPr>
@@ -15900,7 +15900,7 @@
             </a:ln>
             <a:extLst>
               <a:ext uri="{C572A759-6A51-4108-AA02-DFA0A04FC94B}">
-                <ma14:wrappingTextBoxFlag xmlns:ma14="http://schemas.microsoft.com/office/mac/drawingml/2011/main" xmlns="" val="1"/>
+                <ma14:wrappingTextBoxFlag xmlns="" xmlns:ma14="http://schemas.microsoft.com/office/mac/drawingml/2011/main" val="1"/>
               </a:ext>
             </a:extLst>
           </p:spPr>
@@ -15961,7 +15961,7 @@
             </a:ln>
             <a:extLst>
               <a:ext uri="{C572A759-6A51-4108-AA02-DFA0A04FC94B}">
-                <ma14:wrappingTextBoxFlag xmlns:ma14="http://schemas.microsoft.com/office/mac/drawingml/2011/main" xmlns="" val="1"/>
+                <ma14:wrappingTextBoxFlag xmlns="" xmlns:ma14="http://schemas.microsoft.com/office/mac/drawingml/2011/main" val="1"/>
               </a:ext>
             </a:extLst>
           </p:spPr>
@@ -16033,7 +16033,7 @@
             </a:ln>
             <a:extLst>
               <a:ext uri="{C572A759-6A51-4108-AA02-DFA0A04FC94B}">
-                <ma14:wrappingTextBoxFlag xmlns:ma14="http://schemas.microsoft.com/office/mac/drawingml/2011/main" xmlns="" val="1"/>
+                <ma14:wrappingTextBoxFlag xmlns="" xmlns:ma14="http://schemas.microsoft.com/office/mac/drawingml/2011/main" val="1"/>
               </a:ext>
             </a:extLst>
           </p:spPr>
@@ -16090,7 +16090,7 @@
             </a:ln>
             <a:extLst>
               <a:ext uri="{C572A759-6A51-4108-AA02-DFA0A04FC94B}">
-                <ma14:wrappingTextBoxFlag xmlns:ma14="http://schemas.microsoft.com/office/mac/drawingml/2011/main" xmlns="" val="1"/>
+                <ma14:wrappingTextBoxFlag xmlns="" xmlns:ma14="http://schemas.microsoft.com/office/mac/drawingml/2011/main" val="1"/>
               </a:ext>
             </a:extLst>
           </p:spPr>
@@ -16151,7 +16151,7 @@
             </a:ln>
             <a:extLst>
               <a:ext uri="{C572A759-6A51-4108-AA02-DFA0A04FC94B}">
-                <ma14:wrappingTextBoxFlag xmlns:ma14="http://schemas.microsoft.com/office/mac/drawingml/2011/main" xmlns="" val="1"/>
+                <ma14:wrappingTextBoxFlag xmlns="" xmlns:ma14="http://schemas.microsoft.com/office/mac/drawingml/2011/main" val="1"/>
               </a:ext>
             </a:extLst>
           </p:spPr>
@@ -16208,7 +16208,7 @@
             </a:ln>
             <a:extLst>
               <a:ext uri="{C572A759-6A51-4108-AA02-DFA0A04FC94B}">
-                <ma14:wrappingTextBoxFlag xmlns:ma14="http://schemas.microsoft.com/office/mac/drawingml/2011/main" xmlns="" val="1"/>
+                <ma14:wrappingTextBoxFlag xmlns="" xmlns:ma14="http://schemas.microsoft.com/office/mac/drawingml/2011/main" val="1"/>
               </a:ext>
             </a:extLst>
           </p:spPr>
@@ -16265,7 +16265,7 @@
             </a:ln>
             <a:extLst>
               <a:ext uri="{C572A759-6A51-4108-AA02-DFA0A04FC94B}">
-                <ma14:wrappingTextBoxFlag xmlns:ma14="http://schemas.microsoft.com/office/mac/drawingml/2011/main" xmlns="" val="1"/>
+                <ma14:wrappingTextBoxFlag xmlns="" xmlns:ma14="http://schemas.microsoft.com/office/mac/drawingml/2011/main" val="1"/>
               </a:ext>
             </a:extLst>
           </p:spPr>
@@ -17655,7 +17655,15 @@
           <a:p>
             <a:r>
               <a:rPr kumimoji="1" lang="en-US" altLang="ko-KR" sz="2000" dirty="0"/>
-              <a:t>Ops keep slowing us down! – Too many dependencies between Dev and Ops</a:t>
+              <a:t>Too many dependencies between Dev and Ops</a:t>
+            </a:r>
+            <a:r>
+              <a:rPr kumimoji="1" lang="ko-KR" altLang="en-US" sz="2000" dirty="0"/>
+              <a:t> </a:t>
+            </a:r>
+            <a:r>
+              <a:rPr kumimoji="1" lang="en-US" altLang="ko-KR" sz="2000" dirty="0"/>
+              <a:t>which slows down our performance.</a:t>
             </a:r>
             <a:endParaRPr kumimoji="1" lang="ko-Kore-KR" altLang="en-US" sz="2000" dirty="0"/>
           </a:p>

--- a/doc/An Introduction to Kubernetes.pptx
+++ b/doc/An Introduction to Kubernetes.pptx
@@ -5,10 +5,10 @@
     <p:sldMasterId id="2147483648" r:id="rId1"/>
   </p:sldMasterIdLst>
   <p:notesMasterIdLst>
-    <p:notesMasterId r:id="rId17"/>
+    <p:notesMasterId r:id="rId18"/>
   </p:notesMasterIdLst>
   <p:handoutMasterIdLst>
-    <p:handoutMasterId r:id="rId18"/>
+    <p:handoutMasterId r:id="rId19"/>
   </p:handoutMasterIdLst>
   <p:sldIdLst>
     <p:sldId id="279" r:id="rId2"/>
@@ -21,11 +21,12 @@
     <p:sldId id="334" r:id="rId9"/>
     <p:sldId id="344" r:id="rId10"/>
     <p:sldId id="306" r:id="rId11"/>
-    <p:sldId id="331" r:id="rId12"/>
-    <p:sldId id="314" r:id="rId13"/>
-    <p:sldId id="332" r:id="rId14"/>
-    <p:sldId id="347" r:id="rId15"/>
-    <p:sldId id="313" r:id="rId16"/>
+    <p:sldId id="349" r:id="rId12"/>
+    <p:sldId id="331" r:id="rId13"/>
+    <p:sldId id="314" r:id="rId14"/>
+    <p:sldId id="332" r:id="rId15"/>
+    <p:sldId id="347" r:id="rId16"/>
+    <p:sldId id="313" r:id="rId17"/>
   </p:sldIdLst>
   <p:sldSz cx="12192000" cy="6858000"/>
   <p:notesSz cx="6858000" cy="9144000"/>
@@ -995,7 +996,7 @@
               <a:rPr lang="en-US" smtClean="0">
                 <a:latin typeface="Tahoma"/>
               </a:rPr>
-              <a:t>5/12/21</a:t>
+              <a:t>5/18/21</a:t>
             </a:fld>
             <a:endParaRPr lang="en-US" dirty="0">
               <a:latin typeface="Tahoma"/>
@@ -1174,7 +1175,7 @@
             <a:fld id="{F9071F84-0802-C84F-8F3A-2F91A2DB1D02}" type="datetimeFigureOut">
               <a:rPr lang="en-US" smtClean="0"/>
               <a:pPr/>
-              <a:t>5/12/21</a:t>
+              <a:t>5/18/21</a:t>
             </a:fld>
             <a:endParaRPr lang="en-US" dirty="0"/>
           </a:p>
@@ -4785,7 +4786,7 @@
                 <a:ea typeface="+mn-ea"/>
                 <a:cs typeface="Arial" panose="020B0604020202020204" pitchFamily="34" charset="0"/>
               </a:rPr>
-              <a:t>Logical Architecture</a:t>
+              <a:t>Logical Architecture (local)</a:t>
             </a:r>
             <a:endParaRPr lang="de-DE" altLang="ko-KR" sz="2800" dirty="0">
               <a:solidFill>
@@ -4800,10 +4801,10 @@
       </p:sp>
       <p:grpSp>
         <p:nvGrpSpPr>
-          <p:cNvPr id="37" name="그룹 36">
+          <p:cNvPr id="54" name="그룹 53">
             <a:extLst>
               <a:ext uri="{FF2B5EF4-FFF2-40B4-BE49-F238E27FC236}">
-                <a16:creationId xmlns:a16="http://schemas.microsoft.com/office/drawing/2014/main" id="{E7B81CB7-D95A-C540-A43A-8DBB93CB98B7}"/>
+                <a16:creationId xmlns:a16="http://schemas.microsoft.com/office/drawing/2014/main" id="{A2860541-1867-C543-880C-65C5D785FE59}"/>
               </a:ext>
             </a:extLst>
           </p:cNvPr>
@@ -4812,10 +4813,10 @@
         </p:nvGrpSpPr>
         <p:grpSpPr>
           <a:xfrm>
-            <a:off x="595640" y="1436615"/>
-            <a:ext cx="11000719" cy="3984770"/>
+            <a:off x="933842" y="1436615"/>
+            <a:ext cx="9800964" cy="3222229"/>
             <a:chOff x="595640" y="1436615"/>
-            <a:chExt cx="11000719" cy="3984770"/>
+            <a:chExt cx="9800964" cy="3222229"/>
           </a:xfrm>
         </p:grpSpPr>
         <p:sp>
@@ -4832,8 +4833,8 @@
           </p:nvSpPr>
           <p:spPr bwMode="auto">
             <a:xfrm>
-              <a:off x="749503" y="1997865"/>
-              <a:ext cx="5569675" cy="2808062"/>
+              <a:off x="749504" y="1997865"/>
+              <a:ext cx="9647100" cy="2660979"/>
             </a:xfrm>
             <a:prstGeom prst="roundRect">
               <a:avLst>
@@ -4867,9 +4868,19 @@
                   <a:latin typeface="+mn-lt"/>
                   <a:ea typeface="+mn-ea"/>
                 </a:rPr>
-                <a:t>Kubernetes Cluster</a:t>
+                <a:t>Kubernetes Cluster </a:t>
               </a:r>
-              <a:endParaRPr kumimoji="1" lang="ko-KR" altLang="en-US" sz="1000" b="1" dirty="0">
+              <a:r>
+                <a:rPr kumimoji="1" lang="en-US" altLang="ko-KR" sz="1000" dirty="0">
+                  <a:solidFill>
+                    <a:schemeClr val="bg1"/>
+                  </a:solidFill>
+                  <a:latin typeface="+mn-lt"/>
+                  <a:ea typeface="+mn-ea"/>
+                </a:rPr>
+                <a:t>(minikube, namespace=yogiyo)</a:t>
+              </a:r>
+              <a:endParaRPr kumimoji="1" lang="ko-KR" altLang="en-US" sz="1000" dirty="0">
                 <a:solidFill>
                   <a:schemeClr val="bg1"/>
                 </a:solidFill>
@@ -4948,1739 +4959,6 @@
         </p:sp>
         <p:sp>
           <p:nvSpPr>
-            <p:cNvPr id="12" name="왼쪽 중괄호 57">
-              <a:extLst>
-                <a:ext uri="{FF2B5EF4-FFF2-40B4-BE49-F238E27FC236}">
-                  <a16:creationId xmlns:a16="http://schemas.microsoft.com/office/drawing/2014/main" id="{33CFCD5E-E5E0-3D4B-A01E-C277730F4FDD}"/>
-                </a:ext>
-              </a:extLst>
-            </p:cNvPr>
-            <p:cNvSpPr/>
-            <p:nvPr/>
-          </p:nvSpPr>
-          <p:spPr>
-            <a:xfrm rot="10800000">
-              <a:off x="11057606" y="1997867"/>
-              <a:ext cx="142225" cy="1915378"/>
-            </a:xfrm>
-            <a:prstGeom prst="leftBrace">
-              <a:avLst/>
-            </a:prstGeom>
-            <a:ln w="12700">
-              <a:solidFill>
-                <a:schemeClr val="bg1">
-                  <a:lumMod val="50000"/>
-                </a:schemeClr>
-              </a:solidFill>
-              <a:prstDash val="solid"/>
-              <a:headEnd type="none"/>
-              <a:tailEnd type="none"/>
-            </a:ln>
-          </p:spPr>
-          <p:style>
-            <a:lnRef idx="1">
-              <a:schemeClr val="accent1"/>
-            </a:lnRef>
-            <a:fillRef idx="0">
-              <a:schemeClr val="accent1"/>
-            </a:fillRef>
-            <a:effectRef idx="0">
-              <a:schemeClr val="accent1"/>
-            </a:effectRef>
-            <a:fontRef idx="minor">
-              <a:schemeClr val="tx1"/>
-            </a:fontRef>
-          </p:style>
-          <p:txBody>
-            <a:bodyPr rtlCol="0" anchor="ctr"/>
-            <a:lstStyle/>
-            <a:p>
-              <a:pPr algn="ctr"/>
-              <a:endParaRPr lang="ko-KR" altLang="en-US"/>
-            </a:p>
-          </p:txBody>
-        </p:sp>
-        <p:sp>
-          <p:nvSpPr>
-            <p:cNvPr id="13" name="TextBox 12">
-              <a:extLst>
-                <a:ext uri="{FF2B5EF4-FFF2-40B4-BE49-F238E27FC236}">
-                  <a16:creationId xmlns:a16="http://schemas.microsoft.com/office/drawing/2014/main" id="{D9E9AB9F-E2E2-0A43-B661-818090962DFF}"/>
-                </a:ext>
-              </a:extLst>
-            </p:cNvPr>
-            <p:cNvSpPr txBox="1"/>
-            <p:nvPr/>
-          </p:nvSpPr>
-          <p:spPr>
-            <a:xfrm rot="5400000">
-              <a:off x="10565397" y="2800222"/>
-              <a:ext cx="1784926" cy="276999"/>
-            </a:xfrm>
-            <a:prstGeom prst="rect">
-              <a:avLst/>
-            </a:prstGeom>
-            <a:noFill/>
-          </p:spPr>
-          <p:txBody>
-            <a:bodyPr wrap="square" rtlCol="0">
-              <a:spAutoFit/>
-            </a:bodyPr>
-            <a:lstStyle/>
-            <a:p>
-              <a:pPr algn="ctr"/>
-              <a:r>
-                <a:rPr lang="en-US" altLang="ko-KR" sz="1200" b="1" dirty="0">
-                  <a:latin typeface="+mn-lt"/>
-                </a:rPr>
-                <a:t>In-Memory-DB</a:t>
-              </a:r>
-              <a:endParaRPr lang="ko-KR" altLang="en-US" sz="1200" b="1" dirty="0">
-                <a:latin typeface="+mn-lt"/>
-              </a:endParaRPr>
-            </a:p>
-          </p:txBody>
-        </p:sp>
-        <p:sp>
-          <p:nvSpPr>
-            <p:cNvPr id="14" name="모서리가 둥근 직사각형 13">
-              <a:extLst>
-                <a:ext uri="{FF2B5EF4-FFF2-40B4-BE49-F238E27FC236}">
-                  <a16:creationId xmlns:a16="http://schemas.microsoft.com/office/drawing/2014/main" id="{BAA56A1E-AAFC-5340-AEC7-8662336CCF4F}"/>
-                </a:ext>
-              </a:extLst>
-            </p:cNvPr>
-            <p:cNvSpPr/>
-            <p:nvPr/>
-          </p:nvSpPr>
-          <p:spPr bwMode="auto">
-            <a:xfrm>
-              <a:off x="6835881" y="1997867"/>
-              <a:ext cx="4045226" cy="1915378"/>
-            </a:xfrm>
-            <a:prstGeom prst="roundRect">
-              <a:avLst>
-                <a:gd name="adj" fmla="val 4194"/>
-              </a:avLst>
-            </a:prstGeom>
-            <a:solidFill>
-              <a:srgbClr val="333D47"/>
-            </a:solidFill>
-            <a:ln w="12700">
-              <a:noFill/>
-              <a:round/>
-              <a:headEnd type="none" w="med" len="med"/>
-              <a:tailEnd type="none" w="med" len="med"/>
-            </a:ln>
-          </p:spPr>
-          <p:txBody>
-            <a:bodyPr rot="0" spcFirstLastPara="0" vertOverflow="overflow" horzOverflow="overflow" vert="horz" wrap="square" lIns="90000" tIns="45720" rIns="91440" bIns="45720" numCol="1" spcCol="0" rtlCol="0" fromWordArt="0" anchor="t" anchorCtr="0" forceAA="0" compatLnSpc="1">
-              <a:prstTxWarp prst="textNoShape">
-                <a:avLst/>
-              </a:prstTxWarp>
-              <a:noAutofit/>
-            </a:bodyPr>
-            <a:lstStyle/>
-            <a:p>
-              <a:r>
-                <a:rPr kumimoji="1" lang="en-US" altLang="ko-KR" sz="1000" b="1" dirty="0">
-                  <a:solidFill>
-                    <a:schemeClr val="bg1"/>
-                  </a:solidFill>
-                  <a:latin typeface="+mn-lt"/>
-                  <a:ea typeface="+mn-ea"/>
-                </a:rPr>
-                <a:t>Redis</a:t>
-              </a:r>
-              <a:r>
-                <a:rPr kumimoji="1" lang="en-US" altLang="ko-KR" sz="1000" dirty="0">
-                  <a:solidFill>
-                    <a:schemeClr val="bg1"/>
-                  </a:solidFill>
-                  <a:latin typeface="+mn-lt"/>
-                  <a:ea typeface="+mn-ea"/>
-                </a:rPr>
-                <a:t> (aws ElastiCache)</a:t>
-              </a:r>
-              <a:endParaRPr kumimoji="1" lang="ko-KR" altLang="en-US" sz="1000" dirty="0">
-                <a:solidFill>
-                  <a:schemeClr val="bg1"/>
-                </a:solidFill>
-                <a:latin typeface="+mn-lt"/>
-                <a:ea typeface="+mn-ea"/>
-              </a:endParaRPr>
-            </a:p>
-          </p:txBody>
-        </p:sp>
-        <p:sp>
-          <p:nvSpPr>
-            <p:cNvPr id="15" name="왼쪽 중괄호 55">
-              <a:extLst>
-                <a:ext uri="{FF2B5EF4-FFF2-40B4-BE49-F238E27FC236}">
-                  <a16:creationId xmlns:a16="http://schemas.microsoft.com/office/drawing/2014/main" id="{D8373BBB-A264-C646-AE50-18139B06C1C9}"/>
-                </a:ext>
-              </a:extLst>
-            </p:cNvPr>
-            <p:cNvSpPr/>
-            <p:nvPr/>
-          </p:nvSpPr>
-          <p:spPr>
-            <a:xfrm rot="5400000">
-              <a:off x="8750482" y="-199756"/>
-              <a:ext cx="216026" cy="4045225"/>
-            </a:xfrm>
-            <a:prstGeom prst="leftBrace">
-              <a:avLst/>
-            </a:prstGeom>
-            <a:ln w="12700">
-              <a:solidFill>
-                <a:schemeClr val="bg1">
-                  <a:lumMod val="50000"/>
-                </a:schemeClr>
-              </a:solidFill>
-              <a:prstDash val="solid"/>
-              <a:headEnd type="none"/>
-              <a:tailEnd type="none"/>
-            </a:ln>
-          </p:spPr>
-          <p:style>
-            <a:lnRef idx="1">
-              <a:schemeClr val="accent1"/>
-            </a:lnRef>
-            <a:fillRef idx="0">
-              <a:schemeClr val="accent1"/>
-            </a:fillRef>
-            <a:effectRef idx="0">
-              <a:schemeClr val="accent1"/>
-            </a:effectRef>
-            <a:fontRef idx="minor">
-              <a:schemeClr val="tx1"/>
-            </a:fontRef>
-          </p:style>
-          <p:txBody>
-            <a:bodyPr rtlCol="0" anchor="ctr"/>
-            <a:lstStyle/>
-            <a:p>
-              <a:pPr algn="ctr"/>
-              <a:endParaRPr lang="ko-KR" altLang="en-US"/>
-            </a:p>
-          </p:txBody>
-        </p:sp>
-        <p:sp>
-          <p:nvSpPr>
-            <p:cNvPr id="16" name="TextBox 15">
-              <a:extLst>
-                <a:ext uri="{FF2B5EF4-FFF2-40B4-BE49-F238E27FC236}">
-                  <a16:creationId xmlns:a16="http://schemas.microsoft.com/office/drawing/2014/main" id="{F5576F2E-34AD-0A42-9412-90D83663092D}"/>
-                </a:ext>
-              </a:extLst>
-            </p:cNvPr>
-            <p:cNvSpPr txBox="1"/>
-            <p:nvPr/>
-          </p:nvSpPr>
-          <p:spPr>
-            <a:xfrm>
-              <a:off x="7966032" y="1436615"/>
-              <a:ext cx="1784926" cy="276999"/>
-            </a:xfrm>
-            <a:prstGeom prst="rect">
-              <a:avLst/>
-            </a:prstGeom>
-            <a:noFill/>
-          </p:spPr>
-          <p:txBody>
-            <a:bodyPr wrap="square" rtlCol="0">
-              <a:spAutoFit/>
-            </a:bodyPr>
-            <a:lstStyle/>
-            <a:p>
-              <a:pPr algn="ctr"/>
-              <a:r>
-                <a:rPr lang="en-US" altLang="ko-KR" sz="1200" b="1" dirty="0">
-                  <a:latin typeface="+mn-lt"/>
-                </a:rPr>
-                <a:t>Data Layer</a:t>
-              </a:r>
-              <a:endParaRPr lang="ko-KR" altLang="en-US" sz="1200" b="1" dirty="0">
-                <a:latin typeface="+mn-lt"/>
-              </a:endParaRPr>
-            </a:p>
-          </p:txBody>
-        </p:sp>
-        <p:sp>
-          <p:nvSpPr>
-            <p:cNvPr id="17" name="모서리가 둥근 직사각형 16">
-              <a:extLst>
-                <a:ext uri="{FF2B5EF4-FFF2-40B4-BE49-F238E27FC236}">
-                  <a16:creationId xmlns:a16="http://schemas.microsoft.com/office/drawing/2014/main" id="{62DBBFC6-A77A-2B4B-8621-A27029FC270C}"/>
-                </a:ext>
-              </a:extLst>
-            </p:cNvPr>
-            <p:cNvSpPr/>
-            <p:nvPr/>
-          </p:nvSpPr>
-          <p:spPr bwMode="auto">
-            <a:xfrm>
-              <a:off x="6949603" y="2363888"/>
-              <a:ext cx="1687552" cy="1452067"/>
-            </a:xfrm>
-            <a:prstGeom prst="roundRect">
-              <a:avLst>
-                <a:gd name="adj" fmla="val 4780"/>
-              </a:avLst>
-            </a:prstGeom>
-            <a:solidFill>
-              <a:schemeClr val="accent3">
-                <a:lumMod val="40000"/>
-                <a:lumOff val="60000"/>
-              </a:schemeClr>
-            </a:solidFill>
-            <a:ln w="12700">
-              <a:solidFill>
-                <a:schemeClr val="bg1"/>
-              </a:solidFill>
-              <a:round/>
-              <a:headEnd type="none" w="med" len="med"/>
-              <a:tailEnd type="none" w="med" len="med"/>
-            </a:ln>
-          </p:spPr>
-          <p:txBody>
-            <a:bodyPr rot="0" spcFirstLastPara="0" vertOverflow="overflow" horzOverflow="overflow" vert="horz" wrap="square" lIns="90000" tIns="45720" rIns="91440" bIns="45720" numCol="1" spcCol="0" rtlCol="0" fromWordArt="0" anchor="t" anchorCtr="0" forceAA="0" compatLnSpc="1">
-              <a:prstTxWarp prst="textNoShape">
-                <a:avLst/>
-              </a:prstTxWarp>
-              <a:noAutofit/>
-            </a:bodyPr>
-            <a:lstStyle/>
-            <a:p>
-              <a:r>
-                <a:rPr kumimoji="1" lang="en-US" altLang="ko-KR" sz="900" dirty="0">
-                  <a:latin typeface="+mn-lt"/>
-                  <a:ea typeface="+mn-ea"/>
-                </a:rPr>
-                <a:t>Master</a:t>
-              </a:r>
-              <a:endParaRPr kumimoji="1" lang="ko-KR" altLang="en-US" sz="900" dirty="0">
-                <a:latin typeface="+mn-lt"/>
-                <a:ea typeface="+mn-ea"/>
-              </a:endParaRPr>
-            </a:p>
-          </p:txBody>
-        </p:sp>
-        <p:sp>
-          <p:nvSpPr>
-            <p:cNvPr id="18" name="모서리가 둥근 직사각형 6">
-              <a:extLst>
-                <a:ext uri="{FF2B5EF4-FFF2-40B4-BE49-F238E27FC236}">
-                  <a16:creationId xmlns:a16="http://schemas.microsoft.com/office/drawing/2014/main" id="{C442D823-4D32-3E48-BC24-B7F3194849DF}"/>
-                </a:ext>
-              </a:extLst>
-            </p:cNvPr>
-            <p:cNvSpPr/>
-            <p:nvPr/>
-          </p:nvSpPr>
-          <p:spPr>
-            <a:xfrm>
-              <a:off x="7037895" y="2641111"/>
-              <a:ext cx="1506512" cy="537395"/>
-            </a:xfrm>
-            <a:prstGeom prst="roundRect">
-              <a:avLst>
-                <a:gd name="adj" fmla="val 10015"/>
-              </a:avLst>
-            </a:prstGeom>
-            <a:solidFill>
-              <a:schemeClr val="bg1"/>
-            </a:solidFill>
-            <a:ln w="6350"/>
-            <a:effectLst/>
-          </p:spPr>
-          <p:style>
-            <a:lnRef idx="1">
-              <a:schemeClr val="dk1"/>
-            </a:lnRef>
-            <a:fillRef idx="2">
-              <a:schemeClr val="dk1"/>
-            </a:fillRef>
-            <a:effectRef idx="1">
-              <a:schemeClr val="dk1"/>
-            </a:effectRef>
-            <a:fontRef idx="minor">
-              <a:schemeClr val="dk1"/>
-            </a:fontRef>
-          </p:style>
-          <p:txBody>
-            <a:bodyPr lIns="18000" rIns="18000" anchor="ctr" anchorCtr="0"/>
-            <a:lstStyle/>
-            <a:p>
-              <a:pPr algn="ctr">
-                <a:defRPr/>
-              </a:pPr>
-              <a:r>
-                <a:rPr lang="en-US" altLang="ko-KR" sz="900" dirty="0">
-                  <a:solidFill>
-                    <a:srgbClr val="000000"/>
-                  </a:solidFill>
-                  <a:ea typeface="맑은 고딕" pitchFamily="50" charset="-127"/>
-                </a:rPr>
-                <a:t>Session Data</a:t>
-              </a:r>
-            </a:p>
-          </p:txBody>
-        </p:sp>
-        <p:sp>
-          <p:nvSpPr>
-            <p:cNvPr id="19" name="모서리가 둥근 직사각형 6">
-              <a:extLst>
-                <a:ext uri="{FF2B5EF4-FFF2-40B4-BE49-F238E27FC236}">
-                  <a16:creationId xmlns:a16="http://schemas.microsoft.com/office/drawing/2014/main" id="{F8A26C1D-8964-F844-AFF4-6F54C963C294}"/>
-                </a:ext>
-              </a:extLst>
-            </p:cNvPr>
-            <p:cNvSpPr/>
-            <p:nvPr/>
-          </p:nvSpPr>
-          <p:spPr>
-            <a:xfrm>
-              <a:off x="7037895" y="3361517"/>
-              <a:ext cx="1506512" cy="367254"/>
-            </a:xfrm>
-            <a:prstGeom prst="roundRect">
-              <a:avLst>
-                <a:gd name="adj" fmla="val 13038"/>
-              </a:avLst>
-            </a:prstGeom>
-            <a:solidFill>
-              <a:schemeClr val="bg1"/>
-            </a:solidFill>
-            <a:ln w="6350"/>
-            <a:effectLst/>
-          </p:spPr>
-          <p:style>
-            <a:lnRef idx="1">
-              <a:schemeClr val="dk1"/>
-            </a:lnRef>
-            <a:fillRef idx="2">
-              <a:schemeClr val="dk1"/>
-            </a:fillRef>
-            <a:effectRef idx="1">
-              <a:schemeClr val="dk1"/>
-            </a:effectRef>
-            <a:fontRef idx="minor">
-              <a:schemeClr val="dk1"/>
-            </a:fontRef>
-          </p:style>
-          <p:txBody>
-            <a:bodyPr lIns="18000" rIns="18000" anchor="ctr" anchorCtr="0"/>
-            <a:lstStyle/>
-            <a:p>
-              <a:pPr algn="ctr">
-                <a:defRPr/>
-              </a:pPr>
-              <a:r>
-                <a:rPr lang="en-US" altLang="ko-KR" sz="900" dirty="0">
-                  <a:solidFill>
-                    <a:srgbClr val="000000"/>
-                  </a:solidFill>
-                  <a:ea typeface="맑은 고딕" pitchFamily="50" charset="-127"/>
-                </a:rPr>
-                <a:t>.</a:t>
-              </a:r>
-              <a:r>
-                <a:rPr lang="en-US" altLang="ko-KR" sz="900" dirty="0" err="1">
-                  <a:solidFill>
-                    <a:srgbClr val="000000"/>
-                  </a:solidFill>
-                  <a:ea typeface="맑은 고딕" pitchFamily="50" charset="-127"/>
-                </a:rPr>
-                <a:t>rdb</a:t>
-              </a:r>
-              <a:r>
-                <a:rPr lang="en-US" altLang="ko-KR" sz="900" dirty="0">
-                  <a:solidFill>
-                    <a:srgbClr val="000000"/>
-                  </a:solidFill>
-                  <a:ea typeface="맑은 고딕" pitchFamily="50" charset="-127"/>
-                </a:rPr>
-                <a:t> file</a:t>
-              </a:r>
-              <a:endParaRPr lang="en-US" altLang="ko-KR" sz="1000" b="1" dirty="0">
-                <a:solidFill>
-                  <a:srgbClr val="000000"/>
-                </a:solidFill>
-                <a:ea typeface="맑은 고딕" pitchFamily="50" charset="-127"/>
-              </a:endParaRPr>
-            </a:p>
-          </p:txBody>
-        </p:sp>
-        <p:sp>
-          <p:nvSpPr>
-            <p:cNvPr id="20" name="위쪽/아래쪽 화살표 6">
-              <a:extLst>
-                <a:ext uri="{FF2B5EF4-FFF2-40B4-BE49-F238E27FC236}">
-                  <a16:creationId xmlns:a16="http://schemas.microsoft.com/office/drawing/2014/main" id="{024F3B90-0635-2047-B981-FA028E0F41A6}"/>
-                </a:ext>
-              </a:extLst>
-            </p:cNvPr>
-            <p:cNvSpPr/>
-            <p:nvPr/>
-          </p:nvSpPr>
-          <p:spPr>
-            <a:xfrm>
-              <a:off x="7434512" y="3101501"/>
-              <a:ext cx="713277" cy="367254"/>
-            </a:xfrm>
-            <a:prstGeom prst="upDownArrow">
-              <a:avLst>
-                <a:gd name="adj1" fmla="val 63985"/>
-                <a:gd name="adj2" fmla="val 33684"/>
-              </a:avLst>
-            </a:prstGeom>
-            <a:solidFill>
-              <a:schemeClr val="bg1">
-                <a:lumMod val="95000"/>
-              </a:schemeClr>
-            </a:solidFill>
-            <a:ln w="9525">
-              <a:solidFill>
-                <a:schemeClr val="tx1">
-                  <a:lumMod val="85000"/>
-                  <a:lumOff val="15000"/>
-                </a:schemeClr>
-              </a:solidFill>
-            </a:ln>
-            <a:scene3d>
-              <a:camera prst="orthographicFront"/>
-              <a:lightRig rig="threePt" dir="t"/>
-            </a:scene3d>
-            <a:sp3d/>
-          </p:spPr>
-          <p:style>
-            <a:lnRef idx="2">
-              <a:schemeClr val="accent1">
-                <a:shade val="50000"/>
-              </a:schemeClr>
-            </a:lnRef>
-            <a:fillRef idx="1">
-              <a:schemeClr val="accent1"/>
-            </a:fillRef>
-            <a:effectRef idx="0">
-              <a:schemeClr val="accent1"/>
-            </a:effectRef>
-            <a:fontRef idx="minor">
-              <a:schemeClr val="lt1"/>
-            </a:fontRef>
-          </p:style>
-          <p:txBody>
-            <a:bodyPr rtlCol="0" anchor="ctr">
-              <a:flatTx/>
-            </a:bodyPr>
-            <a:lstStyle/>
-            <a:p>
-              <a:pPr algn="ctr"/>
-              <a:r>
-                <a:rPr lang="en-US" altLang="ko-KR" sz="700" dirty="0">
-                  <a:solidFill>
-                    <a:schemeClr val="tx1"/>
-                  </a:solidFill>
-                  <a:ea typeface="맑은 고딕" pitchFamily="50" charset="-127"/>
-                </a:rPr>
-                <a:t>State</a:t>
-              </a:r>
-            </a:p>
-            <a:p>
-              <a:pPr algn="ctr"/>
-              <a:r>
-                <a:rPr lang="en-US" altLang="ko-KR" sz="700" dirty="0">
-                  <a:solidFill>
-                    <a:schemeClr val="tx1"/>
-                  </a:solidFill>
-                  <a:ea typeface="맑은 고딕" pitchFamily="50" charset="-127"/>
-                </a:rPr>
-                <a:t>Sync</a:t>
-              </a:r>
-              <a:endParaRPr lang="ko-KR" altLang="en-US" sz="700" dirty="0">
-                <a:solidFill>
-                  <a:schemeClr val="tx1"/>
-                </a:solidFill>
-                <a:ea typeface="맑은 고딕" pitchFamily="50" charset="-127"/>
-              </a:endParaRPr>
-            </a:p>
-          </p:txBody>
-        </p:sp>
-        <p:sp>
-          <p:nvSpPr>
-            <p:cNvPr id="21" name="모서리가 둥근 직사각형 20">
-              <a:extLst>
-                <a:ext uri="{FF2B5EF4-FFF2-40B4-BE49-F238E27FC236}">
-                  <a16:creationId xmlns:a16="http://schemas.microsoft.com/office/drawing/2014/main" id="{AAA7C098-C760-D54B-9A83-6161F5CBAF28}"/>
-                </a:ext>
-              </a:extLst>
-            </p:cNvPr>
-            <p:cNvSpPr/>
-            <p:nvPr/>
-          </p:nvSpPr>
-          <p:spPr bwMode="auto">
-            <a:xfrm>
-              <a:off x="9074717" y="2363888"/>
-              <a:ext cx="1687552" cy="1452067"/>
-            </a:xfrm>
-            <a:prstGeom prst="roundRect">
-              <a:avLst>
-                <a:gd name="adj" fmla="val 4780"/>
-              </a:avLst>
-            </a:prstGeom>
-            <a:solidFill>
-              <a:schemeClr val="accent3">
-                <a:lumMod val="40000"/>
-                <a:lumOff val="60000"/>
-              </a:schemeClr>
-            </a:solidFill>
-            <a:ln w="12700">
-              <a:solidFill>
-                <a:schemeClr val="bg1"/>
-              </a:solidFill>
-              <a:round/>
-              <a:headEnd type="none" w="med" len="med"/>
-              <a:tailEnd type="none" w="med" len="med"/>
-            </a:ln>
-          </p:spPr>
-          <p:txBody>
-            <a:bodyPr rot="0" spcFirstLastPara="0" vertOverflow="overflow" horzOverflow="overflow" vert="horz" wrap="square" lIns="90000" tIns="45720" rIns="91440" bIns="45720" numCol="1" spcCol="0" rtlCol="0" fromWordArt="0" anchor="t" anchorCtr="0" forceAA="0" compatLnSpc="1">
-              <a:prstTxWarp prst="textNoShape">
-                <a:avLst/>
-              </a:prstTxWarp>
-              <a:noAutofit/>
-            </a:bodyPr>
-            <a:lstStyle/>
-            <a:p>
-              <a:r>
-                <a:rPr kumimoji="1" lang="en-US" altLang="ko-KR" sz="900" dirty="0">
-                  <a:latin typeface="+mn-lt"/>
-                  <a:ea typeface="+mn-ea"/>
-                </a:rPr>
-                <a:t>Slave</a:t>
-              </a:r>
-              <a:endParaRPr kumimoji="1" lang="ko-KR" altLang="en-US" sz="900" dirty="0">
-                <a:latin typeface="+mn-lt"/>
-                <a:ea typeface="+mn-ea"/>
-              </a:endParaRPr>
-            </a:p>
-          </p:txBody>
-        </p:sp>
-        <p:sp>
-          <p:nvSpPr>
-            <p:cNvPr id="23" name="모서리가 둥근 직사각형 6">
-              <a:extLst>
-                <a:ext uri="{FF2B5EF4-FFF2-40B4-BE49-F238E27FC236}">
-                  <a16:creationId xmlns:a16="http://schemas.microsoft.com/office/drawing/2014/main" id="{49159B64-C0DC-594C-976B-9ECFDAE0F0C9}"/>
-                </a:ext>
-              </a:extLst>
-            </p:cNvPr>
-            <p:cNvSpPr/>
-            <p:nvPr/>
-          </p:nvSpPr>
-          <p:spPr>
-            <a:xfrm>
-              <a:off x="9163009" y="2641111"/>
-              <a:ext cx="1506512" cy="537395"/>
-            </a:xfrm>
-            <a:prstGeom prst="roundRect">
-              <a:avLst>
-                <a:gd name="adj" fmla="val 10015"/>
-              </a:avLst>
-            </a:prstGeom>
-            <a:solidFill>
-              <a:schemeClr val="bg1"/>
-            </a:solidFill>
-            <a:ln w="6350"/>
-            <a:effectLst/>
-          </p:spPr>
-          <p:style>
-            <a:lnRef idx="1">
-              <a:schemeClr val="dk1"/>
-            </a:lnRef>
-            <a:fillRef idx="2">
-              <a:schemeClr val="dk1"/>
-            </a:fillRef>
-            <a:effectRef idx="1">
-              <a:schemeClr val="dk1"/>
-            </a:effectRef>
-            <a:fontRef idx="minor">
-              <a:schemeClr val="dk1"/>
-            </a:fontRef>
-          </p:style>
-          <p:txBody>
-            <a:bodyPr lIns="18000" rIns="18000" anchor="ctr" anchorCtr="0"/>
-            <a:lstStyle/>
-            <a:p>
-              <a:pPr algn="ctr">
-                <a:defRPr/>
-              </a:pPr>
-              <a:r>
-                <a:rPr lang="en-US" altLang="ko-KR" sz="900" dirty="0">
-                  <a:solidFill>
-                    <a:srgbClr val="000000"/>
-                  </a:solidFill>
-                  <a:ea typeface="맑은 고딕" pitchFamily="50" charset="-127"/>
-                </a:rPr>
-                <a:t>Session Data</a:t>
-              </a:r>
-            </a:p>
-          </p:txBody>
-        </p:sp>
-        <p:sp>
-          <p:nvSpPr>
-            <p:cNvPr id="24" name="모서리가 둥근 직사각형 6">
-              <a:extLst>
-                <a:ext uri="{FF2B5EF4-FFF2-40B4-BE49-F238E27FC236}">
-                  <a16:creationId xmlns:a16="http://schemas.microsoft.com/office/drawing/2014/main" id="{2DFCD5C0-A976-E24C-A5FE-DA70ACD2C63F}"/>
-                </a:ext>
-              </a:extLst>
-            </p:cNvPr>
-            <p:cNvSpPr/>
-            <p:nvPr/>
-          </p:nvSpPr>
-          <p:spPr>
-            <a:xfrm>
-              <a:off x="9163009" y="3361517"/>
-              <a:ext cx="1506512" cy="367254"/>
-            </a:xfrm>
-            <a:prstGeom prst="roundRect">
-              <a:avLst>
-                <a:gd name="adj" fmla="val 13038"/>
-              </a:avLst>
-            </a:prstGeom>
-            <a:solidFill>
-              <a:schemeClr val="bg1"/>
-            </a:solidFill>
-            <a:ln w="6350"/>
-            <a:effectLst/>
-          </p:spPr>
-          <p:style>
-            <a:lnRef idx="1">
-              <a:schemeClr val="dk1"/>
-            </a:lnRef>
-            <a:fillRef idx="2">
-              <a:schemeClr val="dk1"/>
-            </a:fillRef>
-            <a:effectRef idx="1">
-              <a:schemeClr val="dk1"/>
-            </a:effectRef>
-            <a:fontRef idx="minor">
-              <a:schemeClr val="dk1"/>
-            </a:fontRef>
-          </p:style>
-          <p:txBody>
-            <a:bodyPr lIns="18000" rIns="18000" anchor="ctr" anchorCtr="0"/>
-            <a:lstStyle/>
-            <a:p>
-              <a:pPr algn="ctr">
-                <a:defRPr/>
-              </a:pPr>
-              <a:r>
-                <a:rPr lang="en-US" altLang="ko-KR" sz="900" dirty="0">
-                  <a:solidFill>
-                    <a:srgbClr val="000000"/>
-                  </a:solidFill>
-                  <a:ea typeface="맑은 고딕" pitchFamily="50" charset="-127"/>
-                </a:rPr>
-                <a:t>.</a:t>
-              </a:r>
-              <a:r>
-                <a:rPr lang="en-US" altLang="ko-KR" sz="900" dirty="0" err="1">
-                  <a:solidFill>
-                    <a:srgbClr val="000000"/>
-                  </a:solidFill>
-                  <a:ea typeface="맑은 고딕" pitchFamily="50" charset="-127"/>
-                </a:rPr>
-                <a:t>rdb</a:t>
-              </a:r>
-              <a:r>
-                <a:rPr lang="en-US" altLang="ko-KR" sz="900" dirty="0">
-                  <a:solidFill>
-                    <a:srgbClr val="000000"/>
-                  </a:solidFill>
-                  <a:ea typeface="맑은 고딕" pitchFamily="50" charset="-127"/>
-                </a:rPr>
-                <a:t> file</a:t>
-              </a:r>
-              <a:endParaRPr lang="en-US" altLang="ko-KR" sz="1000" b="1" dirty="0">
-                <a:solidFill>
-                  <a:srgbClr val="000000"/>
-                </a:solidFill>
-                <a:ea typeface="맑은 고딕" pitchFamily="50" charset="-127"/>
-              </a:endParaRPr>
-            </a:p>
-          </p:txBody>
-        </p:sp>
-        <p:sp>
-          <p:nvSpPr>
-            <p:cNvPr id="25" name="위쪽/아래쪽 화살표 6">
-              <a:extLst>
-                <a:ext uri="{FF2B5EF4-FFF2-40B4-BE49-F238E27FC236}">
-                  <a16:creationId xmlns:a16="http://schemas.microsoft.com/office/drawing/2014/main" id="{785956EB-FCC3-6A43-896F-381C8E3DB48C}"/>
-                </a:ext>
-              </a:extLst>
-            </p:cNvPr>
-            <p:cNvSpPr/>
-            <p:nvPr/>
-          </p:nvSpPr>
-          <p:spPr>
-            <a:xfrm>
-              <a:off x="9559626" y="3101501"/>
-              <a:ext cx="713277" cy="367254"/>
-            </a:xfrm>
-            <a:prstGeom prst="upDownArrow">
-              <a:avLst>
-                <a:gd name="adj1" fmla="val 63985"/>
-                <a:gd name="adj2" fmla="val 33684"/>
-              </a:avLst>
-            </a:prstGeom>
-            <a:solidFill>
-              <a:schemeClr val="bg1">
-                <a:lumMod val="95000"/>
-              </a:schemeClr>
-            </a:solidFill>
-            <a:ln w="9525">
-              <a:solidFill>
-                <a:schemeClr val="tx1">
-                  <a:lumMod val="85000"/>
-                  <a:lumOff val="15000"/>
-                </a:schemeClr>
-              </a:solidFill>
-            </a:ln>
-            <a:scene3d>
-              <a:camera prst="orthographicFront"/>
-              <a:lightRig rig="threePt" dir="t"/>
-            </a:scene3d>
-            <a:sp3d/>
-          </p:spPr>
-          <p:style>
-            <a:lnRef idx="2">
-              <a:schemeClr val="accent1">
-                <a:shade val="50000"/>
-              </a:schemeClr>
-            </a:lnRef>
-            <a:fillRef idx="1">
-              <a:schemeClr val="accent1"/>
-            </a:fillRef>
-            <a:effectRef idx="0">
-              <a:schemeClr val="accent1"/>
-            </a:effectRef>
-            <a:fontRef idx="minor">
-              <a:schemeClr val="lt1"/>
-            </a:fontRef>
-          </p:style>
-          <p:txBody>
-            <a:bodyPr rtlCol="0" anchor="ctr">
-              <a:flatTx/>
-            </a:bodyPr>
-            <a:lstStyle/>
-            <a:p>
-              <a:pPr algn="ctr"/>
-              <a:r>
-                <a:rPr lang="en-US" altLang="ko-KR" sz="700" dirty="0">
-                  <a:solidFill>
-                    <a:schemeClr val="tx1"/>
-                  </a:solidFill>
-                  <a:ea typeface="맑은 고딕" pitchFamily="50" charset="-127"/>
-                </a:rPr>
-                <a:t>State</a:t>
-              </a:r>
-            </a:p>
-            <a:p>
-              <a:pPr algn="ctr"/>
-              <a:r>
-                <a:rPr lang="en-US" altLang="ko-KR" sz="700" dirty="0">
-                  <a:solidFill>
-                    <a:schemeClr val="tx1"/>
-                  </a:solidFill>
-                  <a:ea typeface="맑은 고딕" pitchFamily="50" charset="-127"/>
-                </a:rPr>
-                <a:t>Sync</a:t>
-              </a:r>
-              <a:endParaRPr lang="ko-KR" altLang="en-US" sz="700" dirty="0">
-                <a:solidFill>
-                  <a:schemeClr val="tx1"/>
-                </a:solidFill>
-                <a:ea typeface="맑은 고딕" pitchFamily="50" charset="-127"/>
-              </a:endParaRPr>
-            </a:p>
-          </p:txBody>
-        </p:sp>
-        <p:sp>
-          <p:nvSpPr>
-            <p:cNvPr id="27" name="왼쪽/오른쪽 화살표 148">
-              <a:extLst>
-                <a:ext uri="{FF2B5EF4-FFF2-40B4-BE49-F238E27FC236}">
-                  <a16:creationId xmlns:a16="http://schemas.microsoft.com/office/drawing/2014/main" id="{11EC5221-5003-834A-883E-97E60513293C}"/>
-                </a:ext>
-              </a:extLst>
-            </p:cNvPr>
-            <p:cNvSpPr/>
-            <p:nvPr/>
-          </p:nvSpPr>
-          <p:spPr>
-            <a:xfrm>
-              <a:off x="8285756" y="2871734"/>
-              <a:ext cx="1145476" cy="613545"/>
-            </a:xfrm>
-            <a:prstGeom prst="leftRightArrow">
-              <a:avLst/>
-            </a:prstGeom>
-            <a:solidFill>
-              <a:schemeClr val="bg1">
-                <a:lumMod val="95000"/>
-              </a:schemeClr>
-            </a:solidFill>
-            <a:ln w="9525">
-              <a:solidFill>
-                <a:schemeClr val="tx1">
-                  <a:lumMod val="85000"/>
-                  <a:lumOff val="15000"/>
-                </a:schemeClr>
-              </a:solidFill>
-            </a:ln>
-            <a:scene3d>
-              <a:camera prst="orthographicFront"/>
-              <a:lightRig rig="threePt" dir="t"/>
-            </a:scene3d>
-            <a:sp3d/>
-          </p:spPr>
-          <p:style>
-            <a:lnRef idx="2">
-              <a:schemeClr val="accent1">
-                <a:shade val="50000"/>
-              </a:schemeClr>
-            </a:lnRef>
-            <a:fillRef idx="1">
-              <a:schemeClr val="accent1"/>
-            </a:fillRef>
-            <a:effectRef idx="0">
-              <a:schemeClr val="accent1"/>
-            </a:effectRef>
-            <a:fontRef idx="minor">
-              <a:schemeClr val="lt1"/>
-            </a:fontRef>
-          </p:style>
-          <p:txBody>
-            <a:bodyPr rtlCol="0" anchor="ctr">
-              <a:flatTx/>
-            </a:bodyPr>
-            <a:lstStyle>
-              <a:defPPr>
-                <a:defRPr lang="ko-KR"/>
-              </a:defPPr>
-              <a:lvl1pPr algn="l" rtl="0" fontAlgn="base" latinLnBrk="1">
-                <a:spcBef>
-                  <a:spcPct val="0"/>
-                </a:spcBef>
-                <a:spcAft>
-                  <a:spcPct val="0"/>
-                </a:spcAft>
-                <a:defRPr kumimoji="1" sz="1200" kern="1200">
-                  <a:solidFill>
-                    <a:schemeClr val="lt1"/>
-                  </a:solidFill>
-                  <a:latin typeface="+mn-lt"/>
-                  <a:ea typeface="+mn-ea"/>
-                  <a:cs typeface="+mn-cs"/>
-                </a:defRPr>
-              </a:lvl1pPr>
-              <a:lvl2pPr marL="457200" algn="l" rtl="0" fontAlgn="base" latinLnBrk="1">
-                <a:spcBef>
-                  <a:spcPct val="0"/>
-                </a:spcBef>
-                <a:spcAft>
-                  <a:spcPct val="0"/>
-                </a:spcAft>
-                <a:defRPr kumimoji="1" sz="1200" kern="1200">
-                  <a:solidFill>
-                    <a:schemeClr val="lt1"/>
-                  </a:solidFill>
-                  <a:latin typeface="+mn-lt"/>
-                  <a:ea typeface="+mn-ea"/>
-                  <a:cs typeface="+mn-cs"/>
-                </a:defRPr>
-              </a:lvl2pPr>
-              <a:lvl3pPr marL="914400" algn="l" rtl="0" fontAlgn="base" latinLnBrk="1">
-                <a:spcBef>
-                  <a:spcPct val="0"/>
-                </a:spcBef>
-                <a:spcAft>
-                  <a:spcPct val="0"/>
-                </a:spcAft>
-                <a:defRPr kumimoji="1" sz="1200" kern="1200">
-                  <a:solidFill>
-                    <a:schemeClr val="lt1"/>
-                  </a:solidFill>
-                  <a:latin typeface="+mn-lt"/>
-                  <a:ea typeface="+mn-ea"/>
-                  <a:cs typeface="+mn-cs"/>
-                </a:defRPr>
-              </a:lvl3pPr>
-              <a:lvl4pPr marL="1371600" algn="l" rtl="0" fontAlgn="base" latinLnBrk="1">
-                <a:spcBef>
-                  <a:spcPct val="0"/>
-                </a:spcBef>
-                <a:spcAft>
-                  <a:spcPct val="0"/>
-                </a:spcAft>
-                <a:defRPr kumimoji="1" sz="1200" kern="1200">
-                  <a:solidFill>
-                    <a:schemeClr val="lt1"/>
-                  </a:solidFill>
-                  <a:latin typeface="+mn-lt"/>
-                  <a:ea typeface="+mn-ea"/>
-                  <a:cs typeface="+mn-cs"/>
-                </a:defRPr>
-              </a:lvl4pPr>
-              <a:lvl5pPr marL="1828800" algn="l" rtl="0" fontAlgn="base" latinLnBrk="1">
-                <a:spcBef>
-                  <a:spcPct val="0"/>
-                </a:spcBef>
-                <a:spcAft>
-                  <a:spcPct val="0"/>
-                </a:spcAft>
-                <a:defRPr kumimoji="1" sz="1200" kern="1200">
-                  <a:solidFill>
-                    <a:schemeClr val="lt1"/>
-                  </a:solidFill>
-                  <a:latin typeface="+mn-lt"/>
-                  <a:ea typeface="+mn-ea"/>
-                  <a:cs typeface="+mn-cs"/>
-                </a:defRPr>
-              </a:lvl5pPr>
-              <a:lvl6pPr marL="2286000" algn="l" defTabSz="914400" rtl="0" eaLnBrk="1" latinLnBrk="0" hangingPunct="1">
-                <a:defRPr kumimoji="1" sz="1200" kern="1200">
-                  <a:solidFill>
-                    <a:schemeClr val="lt1"/>
-                  </a:solidFill>
-                  <a:latin typeface="+mn-lt"/>
-                  <a:ea typeface="+mn-ea"/>
-                  <a:cs typeface="+mn-cs"/>
-                </a:defRPr>
-              </a:lvl6pPr>
-              <a:lvl7pPr marL="2743200" algn="l" defTabSz="914400" rtl="0" eaLnBrk="1" latinLnBrk="0" hangingPunct="1">
-                <a:defRPr kumimoji="1" sz="1200" kern="1200">
-                  <a:solidFill>
-                    <a:schemeClr val="lt1"/>
-                  </a:solidFill>
-                  <a:latin typeface="+mn-lt"/>
-                  <a:ea typeface="+mn-ea"/>
-                  <a:cs typeface="+mn-cs"/>
-                </a:defRPr>
-              </a:lvl7pPr>
-              <a:lvl8pPr marL="3200400" algn="l" defTabSz="914400" rtl="0" eaLnBrk="1" latinLnBrk="0" hangingPunct="1">
-                <a:defRPr kumimoji="1" sz="1200" kern="1200">
-                  <a:solidFill>
-                    <a:schemeClr val="lt1"/>
-                  </a:solidFill>
-                  <a:latin typeface="+mn-lt"/>
-                  <a:ea typeface="+mn-ea"/>
-                  <a:cs typeface="+mn-cs"/>
-                </a:defRPr>
-              </a:lvl8pPr>
-              <a:lvl9pPr marL="3657600" algn="l" defTabSz="914400" rtl="0" eaLnBrk="1" latinLnBrk="0" hangingPunct="1">
-                <a:defRPr kumimoji="1" sz="1200" kern="1200">
-                  <a:solidFill>
-                    <a:schemeClr val="lt1"/>
-                  </a:solidFill>
-                  <a:latin typeface="+mn-lt"/>
-                  <a:ea typeface="+mn-ea"/>
-                  <a:cs typeface="+mn-cs"/>
-                </a:defRPr>
-              </a:lvl9pPr>
-            </a:lstStyle>
-            <a:p>
-              <a:pPr algn="ctr"/>
-              <a:r>
-                <a:rPr lang="en-US" altLang="ko-KR" sz="700" dirty="0">
-                  <a:solidFill>
-                    <a:schemeClr val="tx1"/>
-                  </a:solidFill>
-                  <a:ea typeface="맑은 고딕" pitchFamily="50" charset="-127"/>
-                </a:rPr>
-                <a:t>Replication</a:t>
-              </a:r>
-              <a:endParaRPr lang="ko-KR" altLang="en-US" sz="700" dirty="0">
-                <a:solidFill>
-                  <a:schemeClr val="tx1"/>
-                </a:solidFill>
-                <a:ea typeface="맑은 고딕" pitchFamily="50" charset="-127"/>
-              </a:endParaRPr>
-            </a:p>
-          </p:txBody>
-        </p:sp>
-        <p:sp>
-          <p:nvSpPr>
-            <p:cNvPr id="28" name="모서리가 둥근 직사각형 27">
-              <a:extLst>
-                <a:ext uri="{FF2B5EF4-FFF2-40B4-BE49-F238E27FC236}">
-                  <a16:creationId xmlns:a16="http://schemas.microsoft.com/office/drawing/2014/main" id="{E8F30837-DD6F-4D41-95DF-39EF79B1FA81}"/>
-                </a:ext>
-              </a:extLst>
-            </p:cNvPr>
-            <p:cNvSpPr/>
-            <p:nvPr/>
-          </p:nvSpPr>
-          <p:spPr bwMode="auto">
-            <a:xfrm>
-              <a:off x="6835881" y="4190468"/>
-              <a:ext cx="4045226" cy="1230917"/>
-            </a:xfrm>
-            <a:prstGeom prst="roundRect">
-              <a:avLst>
-                <a:gd name="adj" fmla="val 4194"/>
-              </a:avLst>
-            </a:prstGeom>
-            <a:solidFill>
-              <a:srgbClr val="333D47"/>
-            </a:solidFill>
-            <a:ln w="12700">
-              <a:noFill/>
-              <a:round/>
-              <a:headEnd type="none" w="med" len="med"/>
-              <a:tailEnd type="none" w="med" len="med"/>
-            </a:ln>
-          </p:spPr>
-          <p:txBody>
-            <a:bodyPr rot="0" spcFirstLastPara="0" vertOverflow="overflow" horzOverflow="overflow" vert="horz" wrap="square" lIns="90000" tIns="45720" rIns="91440" bIns="45720" numCol="1" spcCol="0" rtlCol="0" fromWordArt="0" anchor="t" anchorCtr="0" forceAA="0" compatLnSpc="1">
-              <a:prstTxWarp prst="textNoShape">
-                <a:avLst/>
-              </a:prstTxWarp>
-              <a:noAutofit/>
-            </a:bodyPr>
-            <a:lstStyle/>
-            <a:p>
-              <a:r>
-                <a:rPr kumimoji="1" lang="en-US" altLang="ko-KR" sz="1000" b="1" dirty="0">
-                  <a:solidFill>
-                    <a:schemeClr val="bg1"/>
-                  </a:solidFill>
-                  <a:latin typeface="+mn-lt"/>
-                  <a:ea typeface="+mn-ea"/>
-                </a:rPr>
-                <a:t>PostgreSQL</a:t>
-              </a:r>
-              <a:r>
-                <a:rPr kumimoji="1" lang="en-US" altLang="ko-KR" sz="1000" dirty="0">
-                  <a:solidFill>
-                    <a:schemeClr val="bg1"/>
-                  </a:solidFill>
-                  <a:latin typeface="+mn-lt"/>
-                  <a:ea typeface="+mn-ea"/>
-                </a:rPr>
-                <a:t> (aws Aurora)</a:t>
-              </a:r>
-              <a:endParaRPr kumimoji="1" lang="ko-KR" altLang="en-US" sz="1000" dirty="0">
-                <a:solidFill>
-                  <a:schemeClr val="bg1"/>
-                </a:solidFill>
-                <a:latin typeface="+mn-lt"/>
-                <a:ea typeface="+mn-ea"/>
-              </a:endParaRPr>
-            </a:p>
-          </p:txBody>
-        </p:sp>
-        <p:grpSp>
-          <p:nvGrpSpPr>
-            <p:cNvPr id="29" name="그룹 28">
-              <a:extLst>
-                <a:ext uri="{FF2B5EF4-FFF2-40B4-BE49-F238E27FC236}">
-                  <a16:creationId xmlns:a16="http://schemas.microsoft.com/office/drawing/2014/main" id="{D7C9D0AE-68A6-A04C-9DEE-90BC58EA4A3A}"/>
-                </a:ext>
-              </a:extLst>
-            </p:cNvPr>
-            <p:cNvGrpSpPr/>
-            <p:nvPr/>
-          </p:nvGrpSpPr>
-          <p:grpSpPr>
-            <a:xfrm>
-              <a:off x="6949603" y="4561430"/>
-              <a:ext cx="1687552" cy="762519"/>
-              <a:chOff x="7256888" y="3757015"/>
-              <a:chExt cx="1687552" cy="762519"/>
-            </a:xfrm>
-          </p:grpSpPr>
-          <p:sp>
-            <p:nvSpPr>
-              <p:cNvPr id="102" name="모서리가 둥근 직사각형 101">
-                <a:extLst>
-                  <a:ext uri="{FF2B5EF4-FFF2-40B4-BE49-F238E27FC236}">
-                    <a16:creationId xmlns:a16="http://schemas.microsoft.com/office/drawing/2014/main" id="{2BD33BB5-8891-F94A-97D2-016DC81BAFAB}"/>
-                  </a:ext>
-                </a:extLst>
-              </p:cNvPr>
-              <p:cNvSpPr/>
-              <p:nvPr/>
-            </p:nvSpPr>
-            <p:spPr bwMode="auto">
-              <a:xfrm>
-                <a:off x="7256888" y="3757015"/>
-                <a:ext cx="1687552" cy="762519"/>
-              </a:xfrm>
-              <a:prstGeom prst="roundRect">
-                <a:avLst>
-                  <a:gd name="adj" fmla="val 7355"/>
-                </a:avLst>
-              </a:prstGeom>
-              <a:solidFill>
-                <a:schemeClr val="accent3">
-                  <a:lumMod val="40000"/>
-                  <a:lumOff val="60000"/>
-                </a:schemeClr>
-              </a:solidFill>
-              <a:ln w="12700">
-                <a:solidFill>
-                  <a:schemeClr val="bg1"/>
-                </a:solidFill>
-                <a:round/>
-                <a:headEnd type="none" w="med" len="med"/>
-                <a:tailEnd type="none" w="med" len="med"/>
-              </a:ln>
-            </p:spPr>
-            <p:txBody>
-              <a:bodyPr rot="0" spcFirstLastPara="0" vertOverflow="overflow" horzOverflow="overflow" vert="horz" wrap="square" lIns="90000" tIns="45720" rIns="91440" bIns="45720" numCol="1" spcCol="0" rtlCol="0" fromWordArt="0" anchor="t" anchorCtr="0" forceAA="0" compatLnSpc="1">
-                <a:prstTxWarp prst="textNoShape">
-                  <a:avLst/>
-                </a:prstTxWarp>
-                <a:noAutofit/>
-              </a:bodyPr>
-              <a:lstStyle/>
-              <a:p>
-                <a:r>
-                  <a:rPr kumimoji="1" lang="en-US" altLang="ko-KR" sz="900" dirty="0">
-                    <a:latin typeface="+mn-lt"/>
-                    <a:ea typeface="+mn-ea"/>
-                  </a:rPr>
-                  <a:t>Master</a:t>
-                </a:r>
-                <a:endParaRPr kumimoji="1" lang="ko-KR" altLang="en-US" sz="900" dirty="0">
-                  <a:latin typeface="+mn-lt"/>
-                  <a:ea typeface="+mn-ea"/>
-                </a:endParaRPr>
-              </a:p>
-            </p:txBody>
-          </p:sp>
-          <p:sp>
-            <p:nvSpPr>
-              <p:cNvPr id="103" name="모서리가 둥근 직사각형 6">
-                <a:extLst>
-                  <a:ext uri="{FF2B5EF4-FFF2-40B4-BE49-F238E27FC236}">
-                    <a16:creationId xmlns:a16="http://schemas.microsoft.com/office/drawing/2014/main" id="{6BF87E82-A2A4-4544-BFBA-EFE641B5E3AA}"/>
-                  </a:ext>
-                </a:extLst>
-              </p:cNvPr>
-              <p:cNvSpPr/>
-              <p:nvPr/>
-            </p:nvSpPr>
-            <p:spPr>
-              <a:xfrm>
-                <a:off x="7345179" y="4051106"/>
-                <a:ext cx="1506512" cy="367253"/>
-              </a:xfrm>
-              <a:prstGeom prst="roundRect">
-                <a:avLst>
-                  <a:gd name="adj" fmla="val 10015"/>
-                </a:avLst>
-              </a:prstGeom>
-              <a:solidFill>
-                <a:schemeClr val="bg1"/>
-              </a:solidFill>
-              <a:ln w="6350"/>
-              <a:effectLst/>
-            </p:spPr>
-            <p:style>
-              <a:lnRef idx="1">
-                <a:schemeClr val="dk1"/>
-              </a:lnRef>
-              <a:fillRef idx="2">
-                <a:schemeClr val="dk1"/>
-              </a:fillRef>
-              <a:effectRef idx="1">
-                <a:schemeClr val="dk1"/>
-              </a:effectRef>
-              <a:fontRef idx="minor">
-                <a:schemeClr val="dk1"/>
-              </a:fontRef>
-            </p:style>
-            <p:txBody>
-              <a:bodyPr lIns="18000" rIns="18000" anchor="ctr" anchorCtr="0"/>
-              <a:lstStyle/>
-              <a:p>
-                <a:pPr algn="ctr">
-                  <a:defRPr/>
-                </a:pPr>
-                <a:r>
-                  <a:rPr lang="en-US" altLang="ko-KR" sz="900" dirty="0">
-                    <a:solidFill>
-                      <a:srgbClr val="000000"/>
-                    </a:solidFill>
-                    <a:ea typeface="맑은 고딕" pitchFamily="50" charset="-127"/>
-                  </a:rPr>
-                  <a:t>Account Data</a:t>
-                </a:r>
-                <a:endParaRPr lang="en-US" altLang="ko-KR" sz="1000" dirty="0">
-                  <a:solidFill>
-                    <a:srgbClr val="000000"/>
-                  </a:solidFill>
-                  <a:ea typeface="맑은 고딕" pitchFamily="50" charset="-127"/>
-                </a:endParaRPr>
-              </a:p>
-            </p:txBody>
-          </p:sp>
-        </p:grpSp>
-        <p:grpSp>
-          <p:nvGrpSpPr>
-            <p:cNvPr id="30" name="그룹 29">
-              <a:extLst>
-                <a:ext uri="{FF2B5EF4-FFF2-40B4-BE49-F238E27FC236}">
-                  <a16:creationId xmlns:a16="http://schemas.microsoft.com/office/drawing/2014/main" id="{F6D5218D-8479-CE43-9E06-C946CDC1777B}"/>
-                </a:ext>
-              </a:extLst>
-            </p:cNvPr>
-            <p:cNvGrpSpPr/>
-            <p:nvPr/>
-          </p:nvGrpSpPr>
-          <p:grpSpPr>
-            <a:xfrm>
-              <a:off x="9072488" y="4561430"/>
-              <a:ext cx="1687552" cy="762519"/>
-              <a:chOff x="7256888" y="3757015"/>
-              <a:chExt cx="1687552" cy="762519"/>
-            </a:xfrm>
-          </p:grpSpPr>
-          <p:sp>
-            <p:nvSpPr>
-              <p:cNvPr id="100" name="모서리가 둥근 직사각형 99">
-                <a:extLst>
-                  <a:ext uri="{FF2B5EF4-FFF2-40B4-BE49-F238E27FC236}">
-                    <a16:creationId xmlns:a16="http://schemas.microsoft.com/office/drawing/2014/main" id="{EF7031C1-897A-0449-B6B4-925249444294}"/>
-                  </a:ext>
-                </a:extLst>
-              </p:cNvPr>
-              <p:cNvSpPr/>
-              <p:nvPr/>
-            </p:nvSpPr>
-            <p:spPr bwMode="auto">
-              <a:xfrm>
-                <a:off x="7256888" y="3757015"/>
-                <a:ext cx="1687552" cy="762519"/>
-              </a:xfrm>
-              <a:prstGeom prst="roundRect">
-                <a:avLst>
-                  <a:gd name="adj" fmla="val 7355"/>
-                </a:avLst>
-              </a:prstGeom>
-              <a:solidFill>
-                <a:schemeClr val="accent3">
-                  <a:lumMod val="40000"/>
-                  <a:lumOff val="60000"/>
-                </a:schemeClr>
-              </a:solidFill>
-              <a:ln w="12700">
-                <a:solidFill>
-                  <a:schemeClr val="bg1"/>
-                </a:solidFill>
-                <a:round/>
-                <a:headEnd type="none" w="med" len="med"/>
-                <a:tailEnd type="none" w="med" len="med"/>
-              </a:ln>
-            </p:spPr>
-            <p:txBody>
-              <a:bodyPr rot="0" spcFirstLastPara="0" vertOverflow="overflow" horzOverflow="overflow" vert="horz" wrap="square" lIns="90000" tIns="45720" rIns="91440" bIns="45720" numCol="1" spcCol="0" rtlCol="0" fromWordArt="0" anchor="t" anchorCtr="0" forceAA="0" compatLnSpc="1">
-                <a:prstTxWarp prst="textNoShape">
-                  <a:avLst/>
-                </a:prstTxWarp>
-                <a:noAutofit/>
-              </a:bodyPr>
-              <a:lstStyle/>
-              <a:p>
-                <a:r>
-                  <a:rPr kumimoji="1" lang="en-US" altLang="ko-KR" sz="900" dirty="0">
-                    <a:latin typeface="+mn-lt"/>
-                    <a:ea typeface="+mn-ea"/>
-                  </a:rPr>
-                  <a:t>Slave</a:t>
-                </a:r>
-                <a:endParaRPr kumimoji="1" lang="ko-KR" altLang="en-US" sz="900" dirty="0">
-                  <a:latin typeface="+mn-lt"/>
-                  <a:ea typeface="+mn-ea"/>
-                </a:endParaRPr>
-              </a:p>
-            </p:txBody>
-          </p:sp>
-          <p:sp>
-            <p:nvSpPr>
-              <p:cNvPr id="101" name="모서리가 둥근 직사각형 6">
-                <a:extLst>
-                  <a:ext uri="{FF2B5EF4-FFF2-40B4-BE49-F238E27FC236}">
-                    <a16:creationId xmlns:a16="http://schemas.microsoft.com/office/drawing/2014/main" id="{1F30DBA9-BAAD-204C-9031-4F462C7F4614}"/>
-                  </a:ext>
-                </a:extLst>
-              </p:cNvPr>
-              <p:cNvSpPr/>
-              <p:nvPr/>
-            </p:nvSpPr>
-            <p:spPr>
-              <a:xfrm>
-                <a:off x="7345179" y="4051106"/>
-                <a:ext cx="1506512" cy="367253"/>
-              </a:xfrm>
-              <a:prstGeom prst="roundRect">
-                <a:avLst>
-                  <a:gd name="adj" fmla="val 10015"/>
-                </a:avLst>
-              </a:prstGeom>
-              <a:solidFill>
-                <a:schemeClr val="bg1"/>
-              </a:solidFill>
-              <a:ln w="6350"/>
-              <a:effectLst/>
-            </p:spPr>
-            <p:style>
-              <a:lnRef idx="1">
-                <a:schemeClr val="dk1"/>
-              </a:lnRef>
-              <a:fillRef idx="2">
-                <a:schemeClr val="dk1"/>
-              </a:fillRef>
-              <a:effectRef idx="1">
-                <a:schemeClr val="dk1"/>
-              </a:effectRef>
-              <a:fontRef idx="minor">
-                <a:schemeClr val="dk1"/>
-              </a:fontRef>
-            </p:style>
-            <p:txBody>
-              <a:bodyPr lIns="18000" rIns="18000" anchor="ctr" anchorCtr="0"/>
-              <a:lstStyle/>
-              <a:p>
-                <a:pPr algn="ctr">
-                  <a:defRPr/>
-                </a:pPr>
-                <a:r>
-                  <a:rPr lang="en-US" altLang="ko-KR" sz="900" dirty="0">
-                    <a:solidFill>
-                      <a:srgbClr val="000000"/>
-                    </a:solidFill>
-                    <a:ea typeface="맑은 고딕" pitchFamily="50" charset="-127"/>
-                  </a:rPr>
-                  <a:t>Account Data</a:t>
-                </a:r>
-                <a:endParaRPr lang="en-US" altLang="ko-KR" sz="1000" dirty="0">
-                  <a:solidFill>
-                    <a:srgbClr val="000000"/>
-                  </a:solidFill>
-                  <a:ea typeface="맑은 고딕" pitchFamily="50" charset="-127"/>
-                </a:endParaRPr>
-              </a:p>
-            </p:txBody>
-          </p:sp>
-        </p:grpSp>
-        <p:sp>
-          <p:nvSpPr>
-            <p:cNvPr id="31" name="왼쪽/오른쪽 화살표 148">
-              <a:extLst>
-                <a:ext uri="{FF2B5EF4-FFF2-40B4-BE49-F238E27FC236}">
-                  <a16:creationId xmlns:a16="http://schemas.microsoft.com/office/drawing/2014/main" id="{2AE4BAD9-9B4D-BC41-ACC4-6808B3D1E714}"/>
-                </a:ext>
-              </a:extLst>
-            </p:cNvPr>
-            <p:cNvSpPr/>
-            <p:nvPr/>
-          </p:nvSpPr>
-          <p:spPr>
-            <a:xfrm>
-              <a:off x="8285756" y="4732374"/>
-              <a:ext cx="1145476" cy="613545"/>
-            </a:xfrm>
-            <a:prstGeom prst="leftRightArrow">
-              <a:avLst/>
-            </a:prstGeom>
-            <a:solidFill>
-              <a:schemeClr val="bg1">
-                <a:lumMod val="95000"/>
-              </a:schemeClr>
-            </a:solidFill>
-            <a:ln w="9525">
-              <a:solidFill>
-                <a:schemeClr val="tx1">
-                  <a:lumMod val="85000"/>
-                  <a:lumOff val="15000"/>
-                </a:schemeClr>
-              </a:solidFill>
-            </a:ln>
-            <a:scene3d>
-              <a:camera prst="orthographicFront"/>
-              <a:lightRig rig="threePt" dir="t"/>
-            </a:scene3d>
-            <a:sp3d/>
-          </p:spPr>
-          <p:style>
-            <a:lnRef idx="2">
-              <a:schemeClr val="accent1">
-                <a:shade val="50000"/>
-              </a:schemeClr>
-            </a:lnRef>
-            <a:fillRef idx="1">
-              <a:schemeClr val="accent1"/>
-            </a:fillRef>
-            <a:effectRef idx="0">
-              <a:schemeClr val="accent1"/>
-            </a:effectRef>
-            <a:fontRef idx="minor">
-              <a:schemeClr val="lt1"/>
-            </a:fontRef>
-          </p:style>
-          <p:txBody>
-            <a:bodyPr rtlCol="0" anchor="ctr">
-              <a:flatTx/>
-            </a:bodyPr>
-            <a:lstStyle>
-              <a:defPPr>
-                <a:defRPr lang="ko-KR"/>
-              </a:defPPr>
-              <a:lvl1pPr algn="l" rtl="0" fontAlgn="base" latinLnBrk="1">
-                <a:spcBef>
-                  <a:spcPct val="0"/>
-                </a:spcBef>
-                <a:spcAft>
-                  <a:spcPct val="0"/>
-                </a:spcAft>
-                <a:defRPr kumimoji="1" sz="1200" kern="1200">
-                  <a:solidFill>
-                    <a:schemeClr val="lt1"/>
-                  </a:solidFill>
-                  <a:latin typeface="+mn-lt"/>
-                  <a:ea typeface="+mn-ea"/>
-                  <a:cs typeface="+mn-cs"/>
-                </a:defRPr>
-              </a:lvl1pPr>
-              <a:lvl2pPr marL="457200" algn="l" rtl="0" fontAlgn="base" latinLnBrk="1">
-                <a:spcBef>
-                  <a:spcPct val="0"/>
-                </a:spcBef>
-                <a:spcAft>
-                  <a:spcPct val="0"/>
-                </a:spcAft>
-                <a:defRPr kumimoji="1" sz="1200" kern="1200">
-                  <a:solidFill>
-                    <a:schemeClr val="lt1"/>
-                  </a:solidFill>
-                  <a:latin typeface="+mn-lt"/>
-                  <a:ea typeface="+mn-ea"/>
-                  <a:cs typeface="+mn-cs"/>
-                </a:defRPr>
-              </a:lvl2pPr>
-              <a:lvl3pPr marL="914400" algn="l" rtl="0" fontAlgn="base" latinLnBrk="1">
-                <a:spcBef>
-                  <a:spcPct val="0"/>
-                </a:spcBef>
-                <a:spcAft>
-                  <a:spcPct val="0"/>
-                </a:spcAft>
-                <a:defRPr kumimoji="1" sz="1200" kern="1200">
-                  <a:solidFill>
-                    <a:schemeClr val="lt1"/>
-                  </a:solidFill>
-                  <a:latin typeface="+mn-lt"/>
-                  <a:ea typeface="+mn-ea"/>
-                  <a:cs typeface="+mn-cs"/>
-                </a:defRPr>
-              </a:lvl3pPr>
-              <a:lvl4pPr marL="1371600" algn="l" rtl="0" fontAlgn="base" latinLnBrk="1">
-                <a:spcBef>
-                  <a:spcPct val="0"/>
-                </a:spcBef>
-                <a:spcAft>
-                  <a:spcPct val="0"/>
-                </a:spcAft>
-                <a:defRPr kumimoji="1" sz="1200" kern="1200">
-                  <a:solidFill>
-                    <a:schemeClr val="lt1"/>
-                  </a:solidFill>
-                  <a:latin typeface="+mn-lt"/>
-                  <a:ea typeface="+mn-ea"/>
-                  <a:cs typeface="+mn-cs"/>
-                </a:defRPr>
-              </a:lvl4pPr>
-              <a:lvl5pPr marL="1828800" algn="l" rtl="0" fontAlgn="base" latinLnBrk="1">
-                <a:spcBef>
-                  <a:spcPct val="0"/>
-                </a:spcBef>
-                <a:spcAft>
-                  <a:spcPct val="0"/>
-                </a:spcAft>
-                <a:defRPr kumimoji="1" sz="1200" kern="1200">
-                  <a:solidFill>
-                    <a:schemeClr val="lt1"/>
-                  </a:solidFill>
-                  <a:latin typeface="+mn-lt"/>
-                  <a:ea typeface="+mn-ea"/>
-                  <a:cs typeface="+mn-cs"/>
-                </a:defRPr>
-              </a:lvl5pPr>
-              <a:lvl6pPr marL="2286000" algn="l" defTabSz="914400" rtl="0" eaLnBrk="1" latinLnBrk="0" hangingPunct="1">
-                <a:defRPr kumimoji="1" sz="1200" kern="1200">
-                  <a:solidFill>
-                    <a:schemeClr val="lt1"/>
-                  </a:solidFill>
-                  <a:latin typeface="+mn-lt"/>
-                  <a:ea typeface="+mn-ea"/>
-                  <a:cs typeface="+mn-cs"/>
-                </a:defRPr>
-              </a:lvl6pPr>
-              <a:lvl7pPr marL="2743200" algn="l" defTabSz="914400" rtl="0" eaLnBrk="1" latinLnBrk="0" hangingPunct="1">
-                <a:defRPr kumimoji="1" sz="1200" kern="1200">
-                  <a:solidFill>
-                    <a:schemeClr val="lt1"/>
-                  </a:solidFill>
-                  <a:latin typeface="+mn-lt"/>
-                  <a:ea typeface="+mn-ea"/>
-                  <a:cs typeface="+mn-cs"/>
-                </a:defRPr>
-              </a:lvl7pPr>
-              <a:lvl8pPr marL="3200400" algn="l" defTabSz="914400" rtl="0" eaLnBrk="1" latinLnBrk="0" hangingPunct="1">
-                <a:defRPr kumimoji="1" sz="1200" kern="1200">
-                  <a:solidFill>
-                    <a:schemeClr val="lt1"/>
-                  </a:solidFill>
-                  <a:latin typeface="+mn-lt"/>
-                  <a:ea typeface="+mn-ea"/>
-                  <a:cs typeface="+mn-cs"/>
-                </a:defRPr>
-              </a:lvl8pPr>
-              <a:lvl9pPr marL="3657600" algn="l" defTabSz="914400" rtl="0" eaLnBrk="1" latinLnBrk="0" hangingPunct="1">
-                <a:defRPr kumimoji="1" sz="1200" kern="1200">
-                  <a:solidFill>
-                    <a:schemeClr val="lt1"/>
-                  </a:solidFill>
-                  <a:latin typeface="+mn-lt"/>
-                  <a:ea typeface="+mn-ea"/>
-                  <a:cs typeface="+mn-cs"/>
-                </a:defRPr>
-              </a:lvl9pPr>
-            </a:lstStyle>
-            <a:p>
-              <a:pPr algn="ctr"/>
-              <a:r>
-                <a:rPr lang="en-US" altLang="ko-KR" sz="700" dirty="0">
-                  <a:solidFill>
-                    <a:schemeClr val="tx1"/>
-                  </a:solidFill>
-                  <a:ea typeface="맑은 고딕" pitchFamily="50" charset="-127"/>
-                </a:rPr>
-                <a:t>Replication</a:t>
-              </a:r>
-              <a:endParaRPr lang="ko-KR" altLang="en-US" sz="800" dirty="0">
-                <a:solidFill>
-                  <a:schemeClr val="tx1"/>
-                </a:solidFill>
-                <a:ea typeface="맑은 고딕" pitchFamily="50" charset="-127"/>
-              </a:endParaRPr>
-            </a:p>
-          </p:txBody>
-        </p:sp>
-        <p:sp>
-          <p:nvSpPr>
-            <p:cNvPr id="32" name="왼쪽 중괄호 57">
-              <a:extLst>
-                <a:ext uri="{FF2B5EF4-FFF2-40B4-BE49-F238E27FC236}">
-                  <a16:creationId xmlns:a16="http://schemas.microsoft.com/office/drawing/2014/main" id="{3285C20B-2C29-004F-8CFB-27EA01A3C8F7}"/>
-                </a:ext>
-              </a:extLst>
-            </p:cNvPr>
-            <p:cNvSpPr/>
-            <p:nvPr/>
-          </p:nvSpPr>
-          <p:spPr>
-            <a:xfrm rot="10800000">
-              <a:off x="11057604" y="4183526"/>
-              <a:ext cx="137768" cy="1230916"/>
-            </a:xfrm>
-            <a:prstGeom prst="leftBrace">
-              <a:avLst/>
-            </a:prstGeom>
-            <a:ln w="12700">
-              <a:solidFill>
-                <a:schemeClr val="bg1">
-                  <a:lumMod val="50000"/>
-                </a:schemeClr>
-              </a:solidFill>
-              <a:prstDash val="solid"/>
-              <a:headEnd type="none"/>
-              <a:tailEnd type="none"/>
-            </a:ln>
-          </p:spPr>
-          <p:style>
-            <a:lnRef idx="1">
-              <a:schemeClr val="accent1"/>
-            </a:lnRef>
-            <a:fillRef idx="0">
-              <a:schemeClr val="accent1"/>
-            </a:fillRef>
-            <a:effectRef idx="0">
-              <a:schemeClr val="accent1"/>
-            </a:effectRef>
-            <a:fontRef idx="minor">
-              <a:schemeClr val="tx1"/>
-            </a:fontRef>
-          </p:style>
-          <p:txBody>
-            <a:bodyPr rtlCol="0" anchor="ctr"/>
-            <a:lstStyle/>
-            <a:p>
-              <a:pPr algn="ctr"/>
-              <a:endParaRPr lang="ko-KR" altLang="en-US"/>
-            </a:p>
-          </p:txBody>
-        </p:sp>
-        <p:sp>
-          <p:nvSpPr>
-            <p:cNvPr id="33" name="TextBox 32">
-              <a:extLst>
-                <a:ext uri="{FF2B5EF4-FFF2-40B4-BE49-F238E27FC236}">
-                  <a16:creationId xmlns:a16="http://schemas.microsoft.com/office/drawing/2014/main" id="{89BEEC42-E05F-984F-A7D0-31899633CE35}"/>
-                </a:ext>
-              </a:extLst>
-            </p:cNvPr>
-            <p:cNvSpPr txBox="1"/>
-            <p:nvPr/>
-          </p:nvSpPr>
-          <p:spPr>
-            <a:xfrm rot="5400000">
-              <a:off x="10869226" y="4667426"/>
-              <a:ext cx="1177267" cy="276999"/>
-            </a:xfrm>
-            <a:prstGeom prst="rect">
-              <a:avLst/>
-            </a:prstGeom>
-            <a:noFill/>
-          </p:spPr>
-          <p:txBody>
-            <a:bodyPr wrap="square" rtlCol="0">
-              <a:spAutoFit/>
-            </a:bodyPr>
-            <a:lstStyle/>
-            <a:p>
-              <a:pPr algn="ctr"/>
-              <a:r>
-                <a:rPr lang="en-US" altLang="ko-KR" sz="1200" b="1" dirty="0">
-                  <a:latin typeface="+mn-lt"/>
-                </a:rPr>
-                <a:t>RDB</a:t>
-              </a:r>
-              <a:endParaRPr lang="ko-KR" altLang="en-US" sz="1200" b="1" dirty="0">
-                <a:latin typeface="+mn-lt"/>
-              </a:endParaRPr>
-            </a:p>
-          </p:txBody>
-        </p:sp>
-        <p:sp>
-          <p:nvSpPr>
             <p:cNvPr id="41" name="왼쪽 중괄호 55">
               <a:extLst>
                 <a:ext uri="{FF2B5EF4-FFF2-40B4-BE49-F238E27FC236}">
@@ -6693,8 +4971,8 @@
           </p:nvSpPr>
           <p:spPr>
             <a:xfrm rot="5400000">
-              <a:off x="5303781" y="915474"/>
-              <a:ext cx="216026" cy="1814767"/>
+              <a:off x="5217526" y="1001730"/>
+              <a:ext cx="216026" cy="1642256"/>
             </a:xfrm>
             <a:prstGeom prst="leftBrace">
               <a:avLst/>
@@ -6747,7 +5025,7 @@
           </p:nvSpPr>
           <p:spPr>
             <a:xfrm>
-              <a:off x="4519331" y="1436615"/>
+              <a:off x="4433076" y="1436615"/>
               <a:ext cx="1784926" cy="276999"/>
             </a:xfrm>
             <a:prstGeom prst="rect">
@@ -6832,7 +5110,7 @@
                   <a:latin typeface="+mn-lt"/>
                   <a:ea typeface="+mn-ea"/>
                 </a:rPr>
-                <a:t> (replica &gt;= 2)</a:t>
+                <a:t> (replica = 2)</a:t>
               </a:r>
               <a:endParaRPr kumimoji="1" lang="ko-KR" altLang="en-US" sz="900" dirty="0">
                 <a:latin typeface="+mn-lt"/>
@@ -7113,106 +5391,6 @@
             </a:p>
           </p:txBody>
         </p:sp>
-        <p:cxnSp>
-          <p:nvCxnSpPr>
-            <p:cNvPr id="58" name="직선 연결선[R] 57">
-              <a:extLst>
-                <a:ext uri="{FF2B5EF4-FFF2-40B4-BE49-F238E27FC236}">
-                  <a16:creationId xmlns:a16="http://schemas.microsoft.com/office/drawing/2014/main" id="{22132499-275B-B344-8994-2FCA2B32409E}"/>
-                </a:ext>
-              </a:extLst>
-            </p:cNvPr>
-            <p:cNvCxnSpPr>
-              <a:cxnSpLocks/>
-              <a:stCxn id="47" idx="3"/>
-              <a:endCxn id="14" idx="1"/>
-            </p:cNvCxnSpPr>
-            <p:nvPr/>
-          </p:nvCxnSpPr>
-          <p:spPr>
-            <a:xfrm flipV="1">
-              <a:off x="5929001" y="2955556"/>
-              <a:ext cx="906880" cy="377681"/>
-            </a:xfrm>
-            <a:prstGeom prst="line">
-              <a:avLst/>
-            </a:prstGeom>
-            <a:ln w="19050">
-              <a:solidFill>
-                <a:schemeClr val="accent4">
-                  <a:lumMod val="60000"/>
-                  <a:lumOff val="40000"/>
-                </a:schemeClr>
-              </a:solidFill>
-              <a:headEnd type="none" w="med" len="sm"/>
-              <a:tailEnd type="none" w="med" len="sm"/>
-            </a:ln>
-          </p:spPr>
-          <p:style>
-            <a:lnRef idx="1">
-              <a:schemeClr val="accent1"/>
-            </a:lnRef>
-            <a:fillRef idx="0">
-              <a:schemeClr val="accent1"/>
-            </a:fillRef>
-            <a:effectRef idx="0">
-              <a:schemeClr val="accent1"/>
-            </a:effectRef>
-            <a:fontRef idx="minor">
-              <a:schemeClr val="tx1"/>
-            </a:fontRef>
-          </p:style>
-        </p:cxnSp>
-        <p:cxnSp>
-          <p:nvCxnSpPr>
-            <p:cNvPr id="59" name="직선 연결선[R] 58">
-              <a:extLst>
-                <a:ext uri="{FF2B5EF4-FFF2-40B4-BE49-F238E27FC236}">
-                  <a16:creationId xmlns:a16="http://schemas.microsoft.com/office/drawing/2014/main" id="{F2608D5E-8991-7B47-9D25-EB6723739405}"/>
-                </a:ext>
-              </a:extLst>
-            </p:cNvPr>
-            <p:cNvCxnSpPr>
-              <a:cxnSpLocks/>
-              <a:stCxn id="47" idx="3"/>
-              <a:endCxn id="28" idx="1"/>
-            </p:cNvCxnSpPr>
-            <p:nvPr/>
-          </p:nvCxnSpPr>
-          <p:spPr>
-            <a:xfrm>
-              <a:off x="5929001" y="3333237"/>
-              <a:ext cx="906880" cy="1472690"/>
-            </a:xfrm>
-            <a:prstGeom prst="line">
-              <a:avLst/>
-            </a:prstGeom>
-            <a:ln w="19050">
-              <a:solidFill>
-                <a:schemeClr val="accent4">
-                  <a:lumMod val="60000"/>
-                  <a:lumOff val="40000"/>
-                </a:schemeClr>
-              </a:solidFill>
-              <a:headEnd type="none" w="med" len="sm"/>
-              <a:tailEnd type="none" w="med" len="sm"/>
-            </a:ln>
-          </p:spPr>
-          <p:style>
-            <a:lnRef idx="1">
-              <a:schemeClr val="accent1"/>
-            </a:lnRef>
-            <a:fillRef idx="0">
-              <a:schemeClr val="accent1"/>
-            </a:fillRef>
-            <a:effectRef idx="0">
-              <a:schemeClr val="accent1"/>
-            </a:effectRef>
-            <a:fontRef idx="minor">
-              <a:schemeClr val="tx1"/>
-            </a:fontRef>
-          </p:style>
-        </p:cxnSp>
         <p:sp>
           <p:nvSpPr>
             <p:cNvPr id="65" name="모서리가 둥근 직사각형 64">
@@ -7228,7 +5406,7 @@
           <p:spPr bwMode="auto">
             <a:xfrm>
               <a:off x="877564" y="2372981"/>
-              <a:ext cx="964600" cy="2285863"/>
+              <a:ext cx="964600" cy="2186111"/>
             </a:xfrm>
             <a:prstGeom prst="roundRect">
               <a:avLst>
@@ -7266,7 +5444,21 @@
                 </a:rPr>
                 <a:t>Ingress</a:t>
               </a:r>
-              <a:endParaRPr kumimoji="1" lang="en-US" altLang="ko-KR" sz="900" b="1" dirty="0">
+            </a:p>
+            <a:p>
+              <a:r>
+                <a:rPr kumimoji="1" lang="en-US" altLang="ko-KR" sz="1000" dirty="0"/>
+                <a:t>(</a:t>
+              </a:r>
+              <a:r>
+                <a:rPr kumimoji="1" lang="en-US" altLang="ko-KR" sz="1000" dirty="0" err="1"/>
+                <a:t>nginx</a:t>
+              </a:r>
+              <a:r>
+                <a:rPr kumimoji="1" lang="en-US" altLang="ko-KR" sz="1000" dirty="0"/>
+                <a:t> ctrl.)</a:t>
+              </a:r>
+              <a:endParaRPr kumimoji="1" lang="en-US" altLang="ko-KR" sz="900" dirty="0">
                 <a:latin typeface="+mn-lt"/>
                 <a:ea typeface="+mn-ea"/>
               </a:endParaRPr>
@@ -8429,7 +6621,7 @@
                     <a:latin typeface="+mn-lt"/>
                     <a:ea typeface="+mn-ea"/>
                   </a:rPr>
-                  <a:t> (replica &gt;= 2)</a:t>
+                  <a:t> (replica = 2)</a:t>
                 </a:r>
                 <a:endParaRPr kumimoji="1" lang="ko-KR" altLang="en-US" sz="900" dirty="0">
                   <a:latin typeface="+mn-lt"/>
@@ -9123,6 +7315,1231 @@
             </a:p>
           </p:txBody>
         </p:sp>
+        <p:sp>
+          <p:nvSpPr>
+            <p:cNvPr id="68" name="모서리가 둥근 직사각형 67">
+              <a:extLst>
+                <a:ext uri="{FF2B5EF4-FFF2-40B4-BE49-F238E27FC236}">
+                  <a16:creationId xmlns:a16="http://schemas.microsoft.com/office/drawing/2014/main" id="{2919333D-FF42-C546-B529-80AA678F67B7}"/>
+                </a:ext>
+              </a:extLst>
+            </p:cNvPr>
+            <p:cNvSpPr/>
+            <p:nvPr/>
+          </p:nvSpPr>
+          <p:spPr bwMode="auto">
+            <a:xfrm>
+              <a:off x="6659817" y="2363889"/>
+              <a:ext cx="1529559" cy="814717"/>
+            </a:xfrm>
+            <a:prstGeom prst="roundRect">
+              <a:avLst>
+                <a:gd name="adj" fmla="val 10103"/>
+              </a:avLst>
+            </a:prstGeom>
+            <a:solidFill>
+              <a:schemeClr val="accent3">
+                <a:lumMod val="40000"/>
+                <a:lumOff val="60000"/>
+              </a:schemeClr>
+            </a:solidFill>
+            <a:ln w="12700">
+              <a:solidFill>
+                <a:schemeClr val="bg1"/>
+              </a:solidFill>
+              <a:round/>
+              <a:headEnd type="none" w="med" len="med"/>
+              <a:tailEnd type="none" w="med" len="med"/>
+            </a:ln>
+          </p:spPr>
+          <p:txBody>
+            <a:bodyPr rot="0" spcFirstLastPara="0" vertOverflow="overflow" horzOverflow="overflow" vert="horz" wrap="square" lIns="90000" tIns="45720" rIns="91440" bIns="45720" numCol="1" spcCol="0" rtlCol="0" fromWordArt="0" anchor="t" anchorCtr="0" forceAA="0" compatLnSpc="1">
+              <a:prstTxWarp prst="textNoShape">
+                <a:avLst/>
+              </a:prstTxWarp>
+              <a:noAutofit/>
+            </a:bodyPr>
+            <a:lstStyle/>
+            <a:p>
+              <a:r>
+                <a:rPr kumimoji="1" lang="en-US" altLang="ko-KR" sz="1000" b="1" dirty="0">
+                  <a:latin typeface="+mn-lt"/>
+                  <a:ea typeface="+mn-ea"/>
+                </a:rPr>
+                <a:t>Redis Pod</a:t>
+              </a:r>
+              <a:r>
+                <a:rPr kumimoji="1" lang="en-US" altLang="ko-KR" sz="900" dirty="0">
+                  <a:latin typeface="+mn-lt"/>
+                  <a:ea typeface="+mn-ea"/>
+                </a:rPr>
+                <a:t> (replica = 1)</a:t>
+              </a:r>
+              <a:endParaRPr kumimoji="1" lang="ko-KR" altLang="en-US" sz="900" dirty="0">
+                <a:latin typeface="+mn-lt"/>
+                <a:ea typeface="+mn-ea"/>
+              </a:endParaRPr>
+            </a:p>
+          </p:txBody>
+        </p:sp>
+        <p:sp>
+          <p:nvSpPr>
+            <p:cNvPr id="2" name="원통[C] 1">
+              <a:extLst>
+                <a:ext uri="{FF2B5EF4-FFF2-40B4-BE49-F238E27FC236}">
+                  <a16:creationId xmlns:a16="http://schemas.microsoft.com/office/drawing/2014/main" id="{507D80BB-E267-DB4D-BB44-A5DB368616F5}"/>
+                </a:ext>
+              </a:extLst>
+            </p:cNvPr>
+            <p:cNvSpPr/>
+            <p:nvPr/>
+          </p:nvSpPr>
+          <p:spPr bwMode="auto">
+            <a:xfrm>
+              <a:off x="8703945" y="2533459"/>
+              <a:ext cx="1529559" cy="577168"/>
+            </a:xfrm>
+            <a:prstGeom prst="can">
+              <a:avLst/>
+            </a:prstGeom>
+            <a:solidFill>
+              <a:schemeClr val="accent3">
+                <a:lumMod val="40000"/>
+                <a:lumOff val="60000"/>
+              </a:schemeClr>
+            </a:solidFill>
+            <a:ln w="12700">
+              <a:solidFill>
+                <a:schemeClr val="bg1"/>
+              </a:solidFill>
+              <a:round/>
+              <a:headEnd type="none" w="med" len="med"/>
+              <a:tailEnd type="none" w="med" len="med"/>
+            </a:ln>
+          </p:spPr>
+          <p:txBody>
+            <a:bodyPr rot="0" spcFirstLastPara="0" vertOverflow="overflow" horzOverflow="overflow" vert="horz" wrap="square" lIns="90000" tIns="45720" rIns="91440" bIns="45720" numCol="1" spcCol="0" rtlCol="0" fromWordArt="0" anchor="t" anchorCtr="0" forceAA="0" compatLnSpc="1">
+              <a:prstTxWarp prst="textNoShape">
+                <a:avLst/>
+              </a:prstTxWarp>
+              <a:noAutofit/>
+            </a:bodyPr>
+            <a:lstStyle/>
+            <a:p>
+              <a:pPr algn="l"/>
+              <a:r>
+                <a:rPr kumimoji="1" lang="en-US" altLang="ko-Kore-KR" sz="1000" b="1" dirty="0">
+                  <a:latin typeface="+mn-lt"/>
+                  <a:ea typeface="+mn-ea"/>
+                </a:rPr>
+                <a:t>Storage Class</a:t>
+              </a:r>
+              <a:r>
+                <a:rPr kumimoji="1" lang="en-US" altLang="ko-Kore-KR" sz="1000" dirty="0">
+                  <a:latin typeface="+mn-lt"/>
+                  <a:ea typeface="+mn-ea"/>
+                </a:rPr>
+                <a:t> (hostpath)</a:t>
+              </a:r>
+              <a:endParaRPr kumimoji="1" lang="ko-Kore-KR" altLang="en-US" sz="1000" dirty="0">
+                <a:latin typeface="+mn-lt"/>
+                <a:ea typeface="+mn-ea"/>
+              </a:endParaRPr>
+            </a:p>
+          </p:txBody>
+        </p:sp>
+        <p:sp>
+          <p:nvSpPr>
+            <p:cNvPr id="87" name="모서리가 둥근 직사각형 6">
+              <a:extLst>
+                <a:ext uri="{FF2B5EF4-FFF2-40B4-BE49-F238E27FC236}">
+                  <a16:creationId xmlns:a16="http://schemas.microsoft.com/office/drawing/2014/main" id="{1AF7F973-3DE3-CF41-B7DE-D4904397937B}"/>
+                </a:ext>
+              </a:extLst>
+            </p:cNvPr>
+            <p:cNvSpPr/>
+            <p:nvPr/>
+          </p:nvSpPr>
+          <p:spPr>
+            <a:xfrm>
+              <a:off x="6745317" y="2798609"/>
+              <a:ext cx="1336933" cy="295285"/>
+            </a:xfrm>
+            <a:prstGeom prst="roundRect">
+              <a:avLst>
+                <a:gd name="adj" fmla="val 17236"/>
+              </a:avLst>
+            </a:prstGeom>
+            <a:solidFill>
+              <a:schemeClr val="bg1"/>
+            </a:solidFill>
+            <a:ln w="6350"/>
+            <a:effectLst/>
+          </p:spPr>
+          <p:style>
+            <a:lnRef idx="1">
+              <a:schemeClr val="dk1"/>
+            </a:lnRef>
+            <a:fillRef idx="2">
+              <a:schemeClr val="dk1"/>
+            </a:fillRef>
+            <a:effectRef idx="1">
+              <a:schemeClr val="dk1"/>
+            </a:effectRef>
+            <a:fontRef idx="minor">
+              <a:schemeClr val="dk1"/>
+            </a:fontRef>
+          </p:style>
+          <p:txBody>
+            <a:bodyPr lIns="18000" rIns="18000" anchor="ctr" anchorCtr="0"/>
+            <a:lstStyle/>
+            <a:p>
+              <a:pPr algn="ctr">
+                <a:defRPr/>
+              </a:pPr>
+              <a:r>
+                <a:rPr lang="en-US" altLang="ko-KR" sz="900" dirty="0">
+                  <a:solidFill>
+                    <a:srgbClr val="000000"/>
+                  </a:solidFill>
+                  <a:ea typeface="맑은 고딕" pitchFamily="50" charset="-127"/>
+                </a:rPr>
+                <a:t>Session Data</a:t>
+              </a:r>
+              <a:endParaRPr lang="en-US" altLang="ko-KR" sz="1000" b="1" dirty="0">
+                <a:solidFill>
+                  <a:srgbClr val="000000"/>
+                </a:solidFill>
+                <a:ea typeface="맑은 고딕" pitchFamily="50" charset="-127"/>
+              </a:endParaRPr>
+            </a:p>
+          </p:txBody>
+        </p:sp>
+        <p:cxnSp>
+          <p:nvCxnSpPr>
+            <p:cNvPr id="97" name="직선 연결선[R] 108">
+              <a:extLst>
+                <a:ext uri="{FF2B5EF4-FFF2-40B4-BE49-F238E27FC236}">
+                  <a16:creationId xmlns:a16="http://schemas.microsoft.com/office/drawing/2014/main" id="{0C0C6F50-2AB8-6642-BD4B-2E19BAF32995}"/>
+                </a:ext>
+              </a:extLst>
+            </p:cNvPr>
+            <p:cNvCxnSpPr>
+              <a:cxnSpLocks/>
+              <a:stCxn id="68" idx="3"/>
+              <a:endCxn id="2" idx="2"/>
+            </p:cNvCxnSpPr>
+            <p:nvPr/>
+          </p:nvCxnSpPr>
+          <p:spPr>
+            <a:xfrm>
+              <a:off x="8189376" y="2771248"/>
+              <a:ext cx="514569" cy="50795"/>
+            </a:xfrm>
+            <a:prstGeom prst="bentConnector3">
+              <a:avLst>
+                <a:gd name="adj1" fmla="val 50000"/>
+              </a:avLst>
+            </a:prstGeom>
+            <a:ln w="19050">
+              <a:solidFill>
+                <a:schemeClr val="accent4">
+                  <a:lumMod val="60000"/>
+                  <a:lumOff val="40000"/>
+                </a:schemeClr>
+              </a:solidFill>
+              <a:headEnd type="none" w="med" len="sm"/>
+              <a:tailEnd type="none" w="med" len="sm"/>
+            </a:ln>
+          </p:spPr>
+          <p:style>
+            <a:lnRef idx="1">
+              <a:schemeClr val="accent1"/>
+            </a:lnRef>
+            <a:fillRef idx="0">
+              <a:schemeClr val="accent1"/>
+            </a:fillRef>
+            <a:effectRef idx="0">
+              <a:schemeClr val="accent1"/>
+            </a:effectRef>
+            <a:fontRef idx="minor">
+              <a:schemeClr val="tx1"/>
+            </a:fontRef>
+          </p:style>
+        </p:cxnSp>
+        <p:grpSp>
+          <p:nvGrpSpPr>
+            <p:cNvPr id="98" name="그룹 97">
+              <a:extLst>
+                <a:ext uri="{FF2B5EF4-FFF2-40B4-BE49-F238E27FC236}">
+                  <a16:creationId xmlns:a16="http://schemas.microsoft.com/office/drawing/2014/main" id="{EF2F972D-9FC0-074D-A592-26B768C41B61}"/>
+                </a:ext>
+              </a:extLst>
+            </p:cNvPr>
+            <p:cNvGrpSpPr/>
+            <p:nvPr/>
+          </p:nvGrpSpPr>
+          <p:grpSpPr>
+            <a:xfrm>
+              <a:off x="6374848" y="2609685"/>
+              <a:ext cx="360000" cy="360000"/>
+              <a:chOff x="2210181" y="2714828"/>
+              <a:chExt cx="360000" cy="360000"/>
+            </a:xfrm>
+          </p:grpSpPr>
+          <p:sp>
+            <p:nvSpPr>
+              <p:cNvPr id="99" name="타원 98">
+                <a:extLst>
+                  <a:ext uri="{FF2B5EF4-FFF2-40B4-BE49-F238E27FC236}">
+                    <a16:creationId xmlns:a16="http://schemas.microsoft.com/office/drawing/2014/main" id="{4AED5010-0621-7C42-89CF-86EA5A671FC3}"/>
+                  </a:ext>
+                </a:extLst>
+              </p:cNvPr>
+              <p:cNvSpPr/>
+              <p:nvPr/>
+            </p:nvSpPr>
+            <p:spPr>
+              <a:xfrm>
+                <a:off x="2210181" y="2714828"/>
+                <a:ext cx="360000" cy="360000"/>
+              </a:xfrm>
+              <a:prstGeom prst="ellipse">
+                <a:avLst/>
+              </a:prstGeom>
+              <a:solidFill>
+                <a:schemeClr val="bg1">
+                  <a:lumMod val="95000"/>
+                </a:schemeClr>
+              </a:solidFill>
+              <a:ln w="9525">
+                <a:solidFill>
+                  <a:schemeClr val="tx1">
+                    <a:lumMod val="85000"/>
+                    <a:lumOff val="15000"/>
+                  </a:schemeClr>
+                </a:solidFill>
+              </a:ln>
+              <a:scene3d>
+                <a:camera prst="orthographicFront"/>
+                <a:lightRig rig="threePt" dir="t"/>
+              </a:scene3d>
+              <a:sp3d/>
+            </p:spPr>
+            <p:style>
+              <a:lnRef idx="2">
+                <a:schemeClr val="accent1">
+                  <a:shade val="50000"/>
+                </a:schemeClr>
+              </a:lnRef>
+              <a:fillRef idx="1">
+                <a:schemeClr val="accent1"/>
+              </a:fillRef>
+              <a:effectRef idx="0">
+                <a:schemeClr val="accent1"/>
+              </a:effectRef>
+              <a:fontRef idx="minor">
+                <a:schemeClr val="lt1"/>
+              </a:fontRef>
+            </p:style>
+            <p:txBody>
+              <a:bodyPr rtlCol="0" anchor="ctr">
+                <a:flatTx/>
+              </a:bodyPr>
+              <a:lstStyle/>
+              <a:p>
+                <a:pPr algn="ctr"/>
+                <a:endParaRPr kumimoji="1" lang="ko-Kore-KR" altLang="en-US" sz="700" dirty="0">
+                  <a:solidFill>
+                    <a:schemeClr val="tx1"/>
+                  </a:solidFill>
+                  <a:ea typeface="맑은 고딕" pitchFamily="50" charset="-127"/>
+                </a:endParaRPr>
+              </a:p>
+            </p:txBody>
+          </p:sp>
+          <p:sp>
+            <p:nvSpPr>
+              <p:cNvPr id="105" name="Text Box 53">
+                <a:extLst>
+                  <a:ext uri="{FF2B5EF4-FFF2-40B4-BE49-F238E27FC236}">
+                    <a16:creationId xmlns:a16="http://schemas.microsoft.com/office/drawing/2014/main" id="{1B98BC15-57BA-8240-8A0E-6051AA72D9C4}"/>
+                  </a:ext>
+                </a:extLst>
+              </p:cNvPr>
+              <p:cNvSpPr txBox="1">
+                <a:spLocks noChangeArrowheads="1"/>
+              </p:cNvSpPr>
+              <p:nvPr/>
+            </p:nvSpPr>
+            <p:spPr bwMode="auto">
+              <a:xfrm>
+                <a:off x="2234985" y="2790182"/>
+                <a:ext cx="335196" cy="200055"/>
+              </a:xfrm>
+              <a:prstGeom prst="rect">
+                <a:avLst/>
+              </a:prstGeom>
+              <a:noFill/>
+              <a:ln>
+                <a:noFill/>
+              </a:ln>
+              <a:extLst>
+                <a:ext uri="{909E8E84-426E-40DD-AFC4-6F175D3DCCD1}">
+                  <a14:hiddenFill xmlns:a14="http://schemas.microsoft.com/office/drawing/2010/main">
+                    <a:solidFill>
+                      <a:srgbClr val="FFFFFF"/>
+                    </a:solidFill>
+                  </a14:hiddenFill>
+                </a:ext>
+                <a:ext uri="{91240B29-F687-4F45-9708-019B960494DF}">
+                  <a14:hiddenLine xmlns:a14="http://schemas.microsoft.com/office/drawing/2010/main" w="9525" algn="ctr">
+                    <a:solidFill>
+                      <a:srgbClr val="000000"/>
+                    </a:solidFill>
+                    <a:miter lim="800000"/>
+                    <a:headEnd/>
+                    <a:tailEnd/>
+                  </a14:hiddenLine>
+                </a:ext>
+              </a:extLst>
+            </p:spPr>
+            <p:txBody>
+              <a:bodyPr wrap="square">
+                <a:spAutoFit/>
+              </a:bodyPr>
+              <a:lstStyle>
+                <a:lvl1pPr marL="90488" indent="-90488" eaLnBrk="0" hangingPunct="0">
+                  <a:defRPr kumimoji="1">
+                    <a:solidFill>
+                      <a:schemeClr val="tx1"/>
+                    </a:solidFill>
+                    <a:latin typeface="굴림" charset="-127"/>
+                    <a:ea typeface="굴림" charset="-127"/>
+                  </a:defRPr>
+                </a:lvl1pPr>
+                <a:lvl2pPr marL="742950" indent="-285750" eaLnBrk="0" hangingPunct="0">
+                  <a:defRPr kumimoji="1">
+                    <a:solidFill>
+                      <a:schemeClr val="tx1"/>
+                    </a:solidFill>
+                    <a:latin typeface="굴림" charset="-127"/>
+                    <a:ea typeface="굴림" charset="-127"/>
+                  </a:defRPr>
+                </a:lvl2pPr>
+                <a:lvl3pPr marL="1143000" indent="-228600" eaLnBrk="0" hangingPunct="0">
+                  <a:defRPr kumimoji="1">
+                    <a:solidFill>
+                      <a:schemeClr val="tx1"/>
+                    </a:solidFill>
+                    <a:latin typeface="굴림" charset="-127"/>
+                    <a:ea typeface="굴림" charset="-127"/>
+                  </a:defRPr>
+                </a:lvl3pPr>
+                <a:lvl4pPr marL="1600200" indent="-228600" eaLnBrk="0" hangingPunct="0">
+                  <a:defRPr kumimoji="1">
+                    <a:solidFill>
+                      <a:schemeClr val="tx1"/>
+                    </a:solidFill>
+                    <a:latin typeface="굴림" charset="-127"/>
+                    <a:ea typeface="굴림" charset="-127"/>
+                  </a:defRPr>
+                </a:lvl4pPr>
+                <a:lvl5pPr marL="2057400" indent="-228600" eaLnBrk="0" hangingPunct="0">
+                  <a:defRPr kumimoji="1">
+                    <a:solidFill>
+                      <a:schemeClr val="tx1"/>
+                    </a:solidFill>
+                    <a:latin typeface="굴림" charset="-127"/>
+                    <a:ea typeface="굴림" charset="-127"/>
+                  </a:defRPr>
+                </a:lvl5pPr>
+                <a:lvl6pPr marL="2514600" indent="-228600" eaLnBrk="0" fontAlgn="base" hangingPunct="0">
+                  <a:spcBef>
+                    <a:spcPct val="0"/>
+                  </a:spcBef>
+                  <a:spcAft>
+                    <a:spcPct val="0"/>
+                  </a:spcAft>
+                  <a:defRPr kumimoji="1">
+                    <a:solidFill>
+                      <a:schemeClr val="tx1"/>
+                    </a:solidFill>
+                    <a:latin typeface="굴림" charset="-127"/>
+                    <a:ea typeface="굴림" charset="-127"/>
+                  </a:defRPr>
+                </a:lvl6pPr>
+                <a:lvl7pPr marL="2971800" indent="-228600" eaLnBrk="0" fontAlgn="base" hangingPunct="0">
+                  <a:spcBef>
+                    <a:spcPct val="0"/>
+                  </a:spcBef>
+                  <a:spcAft>
+                    <a:spcPct val="0"/>
+                  </a:spcAft>
+                  <a:defRPr kumimoji="1">
+                    <a:solidFill>
+                      <a:schemeClr val="tx1"/>
+                    </a:solidFill>
+                    <a:latin typeface="굴림" charset="-127"/>
+                    <a:ea typeface="굴림" charset="-127"/>
+                  </a:defRPr>
+                </a:lvl7pPr>
+                <a:lvl8pPr marL="3429000" indent="-228600" eaLnBrk="0" fontAlgn="base" hangingPunct="0">
+                  <a:spcBef>
+                    <a:spcPct val="0"/>
+                  </a:spcBef>
+                  <a:spcAft>
+                    <a:spcPct val="0"/>
+                  </a:spcAft>
+                  <a:defRPr kumimoji="1">
+                    <a:solidFill>
+                      <a:schemeClr val="tx1"/>
+                    </a:solidFill>
+                    <a:latin typeface="굴림" charset="-127"/>
+                    <a:ea typeface="굴림" charset="-127"/>
+                  </a:defRPr>
+                </a:lvl8pPr>
+                <a:lvl9pPr marL="3886200" indent="-228600" eaLnBrk="0" fontAlgn="base" hangingPunct="0">
+                  <a:spcBef>
+                    <a:spcPct val="0"/>
+                  </a:spcBef>
+                  <a:spcAft>
+                    <a:spcPct val="0"/>
+                  </a:spcAft>
+                  <a:defRPr kumimoji="1">
+                    <a:solidFill>
+                      <a:schemeClr val="tx1"/>
+                    </a:solidFill>
+                    <a:latin typeface="굴림" charset="-127"/>
+                    <a:ea typeface="굴림" charset="-127"/>
+                  </a:defRPr>
+                </a:lvl9pPr>
+              </a:lstStyle>
+              <a:p>
+                <a:pPr marL="0" indent="0" algn="ctr" eaLnBrk="1" hangingPunct="1"/>
+                <a:r>
+                  <a:rPr lang="en-US" altLang="ko-KR" sz="700" dirty="0">
+                    <a:latin typeface="+mn-ea"/>
+                    <a:ea typeface="+mn-ea"/>
+                  </a:rPr>
+                  <a:t>L/B</a:t>
+                </a:r>
+              </a:p>
+            </p:txBody>
+          </p:sp>
+        </p:grpSp>
+        <p:cxnSp>
+          <p:nvCxnSpPr>
+            <p:cNvPr id="106" name="직선 연결선[R] 108">
+              <a:extLst>
+                <a:ext uri="{FF2B5EF4-FFF2-40B4-BE49-F238E27FC236}">
+                  <a16:creationId xmlns:a16="http://schemas.microsoft.com/office/drawing/2014/main" id="{72359472-8AFB-764B-B828-08128A96BACF}"/>
+                </a:ext>
+              </a:extLst>
+            </p:cNvPr>
+            <p:cNvCxnSpPr>
+              <a:cxnSpLocks/>
+              <a:stCxn id="46" idx="3"/>
+              <a:endCxn id="99" idx="2"/>
+            </p:cNvCxnSpPr>
+            <p:nvPr/>
+          </p:nvCxnSpPr>
+          <p:spPr>
+            <a:xfrm flipV="1">
+              <a:off x="6033970" y="2789685"/>
+              <a:ext cx="340878" cy="623378"/>
+            </a:xfrm>
+            <a:prstGeom prst="bentConnector3">
+              <a:avLst>
+                <a:gd name="adj1" fmla="val 68373"/>
+              </a:avLst>
+            </a:prstGeom>
+            <a:ln w="19050">
+              <a:solidFill>
+                <a:schemeClr val="accent4">
+                  <a:lumMod val="60000"/>
+                  <a:lumOff val="40000"/>
+                </a:schemeClr>
+              </a:solidFill>
+              <a:headEnd type="none" w="med" len="sm"/>
+              <a:tailEnd type="none" w="med" len="sm"/>
+            </a:ln>
+          </p:spPr>
+          <p:style>
+            <a:lnRef idx="1">
+              <a:schemeClr val="accent1"/>
+            </a:lnRef>
+            <a:fillRef idx="0">
+              <a:schemeClr val="accent1"/>
+            </a:fillRef>
+            <a:effectRef idx="0">
+              <a:schemeClr val="accent1"/>
+            </a:effectRef>
+            <a:fontRef idx="minor">
+              <a:schemeClr val="tx1"/>
+            </a:fontRef>
+          </p:style>
+        </p:cxnSp>
+        <p:sp>
+          <p:nvSpPr>
+            <p:cNvPr id="107" name="모서리가 둥근 직사각형 106">
+              <a:extLst>
+                <a:ext uri="{FF2B5EF4-FFF2-40B4-BE49-F238E27FC236}">
+                  <a16:creationId xmlns:a16="http://schemas.microsoft.com/office/drawing/2014/main" id="{E21F2FB2-1AD0-ED44-80C6-836152F1FBA8}"/>
+                </a:ext>
+              </a:extLst>
+            </p:cNvPr>
+            <p:cNvSpPr/>
+            <p:nvPr/>
+          </p:nvSpPr>
+          <p:spPr bwMode="auto">
+            <a:xfrm>
+              <a:off x="6659817" y="3744375"/>
+              <a:ext cx="1529559" cy="814717"/>
+            </a:xfrm>
+            <a:prstGeom prst="roundRect">
+              <a:avLst>
+                <a:gd name="adj" fmla="val 10103"/>
+              </a:avLst>
+            </a:prstGeom>
+            <a:solidFill>
+              <a:schemeClr val="accent3">
+                <a:lumMod val="40000"/>
+                <a:lumOff val="60000"/>
+              </a:schemeClr>
+            </a:solidFill>
+            <a:ln w="12700">
+              <a:solidFill>
+                <a:schemeClr val="bg1"/>
+              </a:solidFill>
+              <a:round/>
+              <a:headEnd type="none" w="med" len="med"/>
+              <a:tailEnd type="none" w="med" len="med"/>
+            </a:ln>
+          </p:spPr>
+          <p:txBody>
+            <a:bodyPr rot="0" spcFirstLastPara="0" vertOverflow="overflow" horzOverflow="overflow" vert="horz" wrap="square" lIns="90000" tIns="45720" rIns="91440" bIns="45720" numCol="1" spcCol="0" rtlCol="0" fromWordArt="0" anchor="t" anchorCtr="0" forceAA="0" compatLnSpc="1">
+              <a:prstTxWarp prst="textNoShape">
+                <a:avLst/>
+              </a:prstTxWarp>
+              <a:noAutofit/>
+            </a:bodyPr>
+            <a:lstStyle/>
+            <a:p>
+              <a:r>
+                <a:rPr kumimoji="1" lang="en-US" altLang="ko-KR" sz="1000" b="1" dirty="0">
+                  <a:latin typeface="+mn-lt"/>
+                  <a:ea typeface="+mn-ea"/>
+                </a:rPr>
+                <a:t>Postgres Pod</a:t>
+              </a:r>
+              <a:r>
+                <a:rPr kumimoji="1" lang="en-US" altLang="ko-KR" sz="900" dirty="0">
+                  <a:latin typeface="+mn-lt"/>
+                  <a:ea typeface="+mn-ea"/>
+                </a:rPr>
+                <a:t> (replica = 1)</a:t>
+              </a:r>
+              <a:endParaRPr kumimoji="1" lang="ko-KR" altLang="en-US" sz="900" dirty="0">
+                <a:latin typeface="+mn-lt"/>
+                <a:ea typeface="+mn-ea"/>
+              </a:endParaRPr>
+            </a:p>
+          </p:txBody>
+        </p:sp>
+        <p:sp>
+          <p:nvSpPr>
+            <p:cNvPr id="108" name="원통[C] 107">
+              <a:extLst>
+                <a:ext uri="{FF2B5EF4-FFF2-40B4-BE49-F238E27FC236}">
+                  <a16:creationId xmlns:a16="http://schemas.microsoft.com/office/drawing/2014/main" id="{84AC463A-BE1F-C74B-8F2E-7C94C13F2C7B}"/>
+                </a:ext>
+              </a:extLst>
+            </p:cNvPr>
+            <p:cNvSpPr/>
+            <p:nvPr/>
+          </p:nvSpPr>
+          <p:spPr bwMode="auto">
+            <a:xfrm>
+              <a:off x="8703945" y="3773608"/>
+              <a:ext cx="1529559" cy="577168"/>
+            </a:xfrm>
+            <a:prstGeom prst="can">
+              <a:avLst/>
+            </a:prstGeom>
+            <a:solidFill>
+              <a:schemeClr val="accent3">
+                <a:lumMod val="40000"/>
+                <a:lumOff val="60000"/>
+              </a:schemeClr>
+            </a:solidFill>
+            <a:ln w="12700">
+              <a:solidFill>
+                <a:schemeClr val="bg1"/>
+              </a:solidFill>
+              <a:round/>
+              <a:headEnd type="none" w="med" len="med"/>
+              <a:tailEnd type="none" w="med" len="med"/>
+            </a:ln>
+          </p:spPr>
+          <p:txBody>
+            <a:bodyPr rot="0" spcFirstLastPara="0" vertOverflow="overflow" horzOverflow="overflow" vert="horz" wrap="square" lIns="90000" tIns="45720" rIns="91440" bIns="45720" numCol="1" spcCol="0" rtlCol="0" fromWordArt="0" anchor="t" anchorCtr="0" forceAA="0" compatLnSpc="1">
+              <a:prstTxWarp prst="textNoShape">
+                <a:avLst/>
+              </a:prstTxWarp>
+              <a:noAutofit/>
+            </a:bodyPr>
+            <a:lstStyle/>
+            <a:p>
+              <a:pPr algn="l"/>
+              <a:r>
+                <a:rPr kumimoji="1" lang="en-US" altLang="ko-Kore-KR" sz="1000" b="1" dirty="0">
+                  <a:latin typeface="+mn-lt"/>
+                  <a:ea typeface="+mn-ea"/>
+                </a:rPr>
+                <a:t>Storage Class</a:t>
+              </a:r>
+              <a:r>
+                <a:rPr kumimoji="1" lang="en-US" altLang="ko-Kore-KR" sz="1000" dirty="0">
+                  <a:latin typeface="+mn-lt"/>
+                  <a:ea typeface="+mn-ea"/>
+                </a:rPr>
+                <a:t> (hostpath)</a:t>
+              </a:r>
+              <a:endParaRPr kumimoji="1" lang="ko-Kore-KR" altLang="en-US" sz="1000" dirty="0">
+                <a:latin typeface="+mn-lt"/>
+                <a:ea typeface="+mn-ea"/>
+              </a:endParaRPr>
+            </a:p>
+          </p:txBody>
+        </p:sp>
+        <p:sp>
+          <p:nvSpPr>
+            <p:cNvPr id="110" name="모서리가 둥근 직사각형 6">
+              <a:extLst>
+                <a:ext uri="{FF2B5EF4-FFF2-40B4-BE49-F238E27FC236}">
+                  <a16:creationId xmlns:a16="http://schemas.microsoft.com/office/drawing/2014/main" id="{EFEA3EFF-A5B0-104D-A7E1-5C12A43EE32C}"/>
+                </a:ext>
+              </a:extLst>
+            </p:cNvPr>
+            <p:cNvSpPr/>
+            <p:nvPr/>
+          </p:nvSpPr>
+          <p:spPr>
+            <a:xfrm>
+              <a:off x="6745317" y="4184610"/>
+              <a:ext cx="1336933" cy="295285"/>
+            </a:xfrm>
+            <a:prstGeom prst="roundRect">
+              <a:avLst>
+                <a:gd name="adj" fmla="val 17236"/>
+              </a:avLst>
+            </a:prstGeom>
+            <a:solidFill>
+              <a:schemeClr val="bg1"/>
+            </a:solidFill>
+            <a:ln w="6350"/>
+            <a:effectLst/>
+          </p:spPr>
+          <p:style>
+            <a:lnRef idx="1">
+              <a:schemeClr val="dk1"/>
+            </a:lnRef>
+            <a:fillRef idx="2">
+              <a:schemeClr val="dk1"/>
+            </a:fillRef>
+            <a:effectRef idx="1">
+              <a:schemeClr val="dk1"/>
+            </a:effectRef>
+            <a:fontRef idx="minor">
+              <a:schemeClr val="dk1"/>
+            </a:fontRef>
+          </p:style>
+          <p:txBody>
+            <a:bodyPr lIns="18000" rIns="18000" anchor="ctr" anchorCtr="0"/>
+            <a:lstStyle/>
+            <a:p>
+              <a:pPr algn="ctr">
+                <a:defRPr/>
+              </a:pPr>
+              <a:r>
+                <a:rPr lang="en-US" altLang="ko-KR" sz="900" dirty="0">
+                  <a:solidFill>
+                    <a:srgbClr val="000000"/>
+                  </a:solidFill>
+                  <a:ea typeface="맑은 고딕" pitchFamily="50" charset="-127"/>
+                </a:rPr>
+                <a:t>Relational Data</a:t>
+              </a:r>
+              <a:endParaRPr lang="en-US" altLang="ko-KR" sz="1000" b="1" dirty="0">
+                <a:solidFill>
+                  <a:srgbClr val="000000"/>
+                </a:solidFill>
+                <a:ea typeface="맑은 고딕" pitchFamily="50" charset="-127"/>
+              </a:endParaRPr>
+            </a:p>
+          </p:txBody>
+        </p:sp>
+        <p:cxnSp>
+          <p:nvCxnSpPr>
+            <p:cNvPr id="111" name="직선 연결선[R] 108">
+              <a:extLst>
+                <a:ext uri="{FF2B5EF4-FFF2-40B4-BE49-F238E27FC236}">
+                  <a16:creationId xmlns:a16="http://schemas.microsoft.com/office/drawing/2014/main" id="{7A04289F-89DE-E148-88AE-3EDD40F7D75F}"/>
+                </a:ext>
+              </a:extLst>
+            </p:cNvPr>
+            <p:cNvCxnSpPr>
+              <a:cxnSpLocks/>
+              <a:stCxn id="107" idx="3"/>
+              <a:endCxn id="108" idx="2"/>
+            </p:cNvCxnSpPr>
+            <p:nvPr/>
+          </p:nvCxnSpPr>
+          <p:spPr>
+            <a:xfrm flipV="1">
+              <a:off x="8189376" y="4062192"/>
+              <a:ext cx="514569" cy="89542"/>
+            </a:xfrm>
+            <a:prstGeom prst="bentConnector3">
+              <a:avLst>
+                <a:gd name="adj1" fmla="val 50000"/>
+              </a:avLst>
+            </a:prstGeom>
+            <a:ln w="19050">
+              <a:solidFill>
+                <a:schemeClr val="accent4">
+                  <a:lumMod val="60000"/>
+                  <a:lumOff val="40000"/>
+                </a:schemeClr>
+              </a:solidFill>
+              <a:headEnd type="none" w="med" len="sm"/>
+              <a:tailEnd type="none" w="med" len="sm"/>
+            </a:ln>
+          </p:spPr>
+          <p:style>
+            <a:lnRef idx="1">
+              <a:schemeClr val="accent1"/>
+            </a:lnRef>
+            <a:fillRef idx="0">
+              <a:schemeClr val="accent1"/>
+            </a:fillRef>
+            <a:effectRef idx="0">
+              <a:schemeClr val="accent1"/>
+            </a:effectRef>
+            <a:fontRef idx="minor">
+              <a:schemeClr val="tx1"/>
+            </a:fontRef>
+          </p:style>
+        </p:cxnSp>
+        <p:grpSp>
+          <p:nvGrpSpPr>
+            <p:cNvPr id="112" name="그룹 111">
+              <a:extLst>
+                <a:ext uri="{FF2B5EF4-FFF2-40B4-BE49-F238E27FC236}">
+                  <a16:creationId xmlns:a16="http://schemas.microsoft.com/office/drawing/2014/main" id="{D15BC055-23EA-EA43-87A0-3D9DCBF68C81}"/>
+                </a:ext>
+              </a:extLst>
+            </p:cNvPr>
+            <p:cNvGrpSpPr/>
+            <p:nvPr/>
+          </p:nvGrpSpPr>
+          <p:grpSpPr>
+            <a:xfrm>
+              <a:off x="6374848" y="4022168"/>
+              <a:ext cx="360000" cy="360000"/>
+              <a:chOff x="2210181" y="2714828"/>
+              <a:chExt cx="360000" cy="360000"/>
+            </a:xfrm>
+          </p:grpSpPr>
+          <p:sp>
+            <p:nvSpPr>
+              <p:cNvPr id="113" name="타원 112">
+                <a:extLst>
+                  <a:ext uri="{FF2B5EF4-FFF2-40B4-BE49-F238E27FC236}">
+                    <a16:creationId xmlns:a16="http://schemas.microsoft.com/office/drawing/2014/main" id="{8B8E6F5C-3E39-6D4D-B874-321D78D5B683}"/>
+                  </a:ext>
+                </a:extLst>
+              </p:cNvPr>
+              <p:cNvSpPr/>
+              <p:nvPr/>
+            </p:nvSpPr>
+            <p:spPr>
+              <a:xfrm>
+                <a:off x="2210181" y="2714828"/>
+                <a:ext cx="360000" cy="360000"/>
+              </a:xfrm>
+              <a:prstGeom prst="ellipse">
+                <a:avLst/>
+              </a:prstGeom>
+              <a:solidFill>
+                <a:schemeClr val="bg1">
+                  <a:lumMod val="95000"/>
+                </a:schemeClr>
+              </a:solidFill>
+              <a:ln w="9525">
+                <a:solidFill>
+                  <a:schemeClr val="tx1">
+                    <a:lumMod val="85000"/>
+                    <a:lumOff val="15000"/>
+                  </a:schemeClr>
+                </a:solidFill>
+              </a:ln>
+              <a:scene3d>
+                <a:camera prst="orthographicFront"/>
+                <a:lightRig rig="threePt" dir="t"/>
+              </a:scene3d>
+              <a:sp3d/>
+            </p:spPr>
+            <p:style>
+              <a:lnRef idx="2">
+                <a:schemeClr val="accent1">
+                  <a:shade val="50000"/>
+                </a:schemeClr>
+              </a:lnRef>
+              <a:fillRef idx="1">
+                <a:schemeClr val="accent1"/>
+              </a:fillRef>
+              <a:effectRef idx="0">
+                <a:schemeClr val="accent1"/>
+              </a:effectRef>
+              <a:fontRef idx="minor">
+                <a:schemeClr val="lt1"/>
+              </a:fontRef>
+            </p:style>
+            <p:txBody>
+              <a:bodyPr rtlCol="0" anchor="ctr">
+                <a:flatTx/>
+              </a:bodyPr>
+              <a:lstStyle/>
+              <a:p>
+                <a:pPr algn="ctr"/>
+                <a:endParaRPr kumimoji="1" lang="ko-Kore-KR" altLang="en-US" sz="700" dirty="0">
+                  <a:solidFill>
+                    <a:schemeClr val="tx1"/>
+                  </a:solidFill>
+                  <a:ea typeface="맑은 고딕" pitchFamily="50" charset="-127"/>
+                </a:endParaRPr>
+              </a:p>
+            </p:txBody>
+          </p:sp>
+          <p:sp>
+            <p:nvSpPr>
+              <p:cNvPr id="114" name="Text Box 53">
+                <a:extLst>
+                  <a:ext uri="{FF2B5EF4-FFF2-40B4-BE49-F238E27FC236}">
+                    <a16:creationId xmlns:a16="http://schemas.microsoft.com/office/drawing/2014/main" id="{9D14350F-46A7-9D4B-AE30-42CD56596365}"/>
+                  </a:ext>
+                </a:extLst>
+              </p:cNvPr>
+              <p:cNvSpPr txBox="1">
+                <a:spLocks noChangeArrowheads="1"/>
+              </p:cNvSpPr>
+              <p:nvPr/>
+            </p:nvSpPr>
+            <p:spPr bwMode="auto">
+              <a:xfrm>
+                <a:off x="2234985" y="2790182"/>
+                <a:ext cx="335196" cy="200055"/>
+              </a:xfrm>
+              <a:prstGeom prst="rect">
+                <a:avLst/>
+              </a:prstGeom>
+              <a:noFill/>
+              <a:ln>
+                <a:noFill/>
+              </a:ln>
+              <a:extLst>
+                <a:ext uri="{909E8E84-426E-40DD-AFC4-6F175D3DCCD1}">
+                  <a14:hiddenFill xmlns:a14="http://schemas.microsoft.com/office/drawing/2010/main">
+                    <a:solidFill>
+                      <a:srgbClr val="FFFFFF"/>
+                    </a:solidFill>
+                  </a14:hiddenFill>
+                </a:ext>
+                <a:ext uri="{91240B29-F687-4F45-9708-019B960494DF}">
+                  <a14:hiddenLine xmlns:a14="http://schemas.microsoft.com/office/drawing/2010/main" w="9525" algn="ctr">
+                    <a:solidFill>
+                      <a:srgbClr val="000000"/>
+                    </a:solidFill>
+                    <a:miter lim="800000"/>
+                    <a:headEnd/>
+                    <a:tailEnd/>
+                  </a14:hiddenLine>
+                </a:ext>
+              </a:extLst>
+            </p:spPr>
+            <p:txBody>
+              <a:bodyPr wrap="square">
+                <a:spAutoFit/>
+              </a:bodyPr>
+              <a:lstStyle>
+                <a:lvl1pPr marL="90488" indent="-90488" eaLnBrk="0" hangingPunct="0">
+                  <a:defRPr kumimoji="1">
+                    <a:solidFill>
+                      <a:schemeClr val="tx1"/>
+                    </a:solidFill>
+                    <a:latin typeface="굴림" charset="-127"/>
+                    <a:ea typeface="굴림" charset="-127"/>
+                  </a:defRPr>
+                </a:lvl1pPr>
+                <a:lvl2pPr marL="742950" indent="-285750" eaLnBrk="0" hangingPunct="0">
+                  <a:defRPr kumimoji="1">
+                    <a:solidFill>
+                      <a:schemeClr val="tx1"/>
+                    </a:solidFill>
+                    <a:latin typeface="굴림" charset="-127"/>
+                    <a:ea typeface="굴림" charset="-127"/>
+                  </a:defRPr>
+                </a:lvl2pPr>
+                <a:lvl3pPr marL="1143000" indent="-228600" eaLnBrk="0" hangingPunct="0">
+                  <a:defRPr kumimoji="1">
+                    <a:solidFill>
+                      <a:schemeClr val="tx1"/>
+                    </a:solidFill>
+                    <a:latin typeface="굴림" charset="-127"/>
+                    <a:ea typeface="굴림" charset="-127"/>
+                  </a:defRPr>
+                </a:lvl3pPr>
+                <a:lvl4pPr marL="1600200" indent="-228600" eaLnBrk="0" hangingPunct="0">
+                  <a:defRPr kumimoji="1">
+                    <a:solidFill>
+                      <a:schemeClr val="tx1"/>
+                    </a:solidFill>
+                    <a:latin typeface="굴림" charset="-127"/>
+                    <a:ea typeface="굴림" charset="-127"/>
+                  </a:defRPr>
+                </a:lvl4pPr>
+                <a:lvl5pPr marL="2057400" indent="-228600" eaLnBrk="0" hangingPunct="0">
+                  <a:defRPr kumimoji="1">
+                    <a:solidFill>
+                      <a:schemeClr val="tx1"/>
+                    </a:solidFill>
+                    <a:latin typeface="굴림" charset="-127"/>
+                    <a:ea typeface="굴림" charset="-127"/>
+                  </a:defRPr>
+                </a:lvl5pPr>
+                <a:lvl6pPr marL="2514600" indent="-228600" eaLnBrk="0" fontAlgn="base" hangingPunct="0">
+                  <a:spcBef>
+                    <a:spcPct val="0"/>
+                  </a:spcBef>
+                  <a:spcAft>
+                    <a:spcPct val="0"/>
+                  </a:spcAft>
+                  <a:defRPr kumimoji="1">
+                    <a:solidFill>
+                      <a:schemeClr val="tx1"/>
+                    </a:solidFill>
+                    <a:latin typeface="굴림" charset="-127"/>
+                    <a:ea typeface="굴림" charset="-127"/>
+                  </a:defRPr>
+                </a:lvl6pPr>
+                <a:lvl7pPr marL="2971800" indent="-228600" eaLnBrk="0" fontAlgn="base" hangingPunct="0">
+                  <a:spcBef>
+                    <a:spcPct val="0"/>
+                  </a:spcBef>
+                  <a:spcAft>
+                    <a:spcPct val="0"/>
+                  </a:spcAft>
+                  <a:defRPr kumimoji="1">
+                    <a:solidFill>
+                      <a:schemeClr val="tx1"/>
+                    </a:solidFill>
+                    <a:latin typeface="굴림" charset="-127"/>
+                    <a:ea typeface="굴림" charset="-127"/>
+                  </a:defRPr>
+                </a:lvl7pPr>
+                <a:lvl8pPr marL="3429000" indent="-228600" eaLnBrk="0" fontAlgn="base" hangingPunct="0">
+                  <a:spcBef>
+                    <a:spcPct val="0"/>
+                  </a:spcBef>
+                  <a:spcAft>
+                    <a:spcPct val="0"/>
+                  </a:spcAft>
+                  <a:defRPr kumimoji="1">
+                    <a:solidFill>
+                      <a:schemeClr val="tx1"/>
+                    </a:solidFill>
+                    <a:latin typeface="굴림" charset="-127"/>
+                    <a:ea typeface="굴림" charset="-127"/>
+                  </a:defRPr>
+                </a:lvl8pPr>
+                <a:lvl9pPr marL="3886200" indent="-228600" eaLnBrk="0" fontAlgn="base" hangingPunct="0">
+                  <a:spcBef>
+                    <a:spcPct val="0"/>
+                  </a:spcBef>
+                  <a:spcAft>
+                    <a:spcPct val="0"/>
+                  </a:spcAft>
+                  <a:defRPr kumimoji="1">
+                    <a:solidFill>
+                      <a:schemeClr val="tx1"/>
+                    </a:solidFill>
+                    <a:latin typeface="굴림" charset="-127"/>
+                    <a:ea typeface="굴림" charset="-127"/>
+                  </a:defRPr>
+                </a:lvl9pPr>
+              </a:lstStyle>
+              <a:p>
+                <a:pPr marL="0" indent="0" algn="ctr" eaLnBrk="1" hangingPunct="1"/>
+                <a:r>
+                  <a:rPr lang="en-US" altLang="ko-KR" sz="700" dirty="0">
+                    <a:latin typeface="+mn-ea"/>
+                    <a:ea typeface="+mn-ea"/>
+                  </a:rPr>
+                  <a:t>L/B</a:t>
+                </a:r>
+              </a:p>
+            </p:txBody>
+          </p:sp>
+        </p:grpSp>
+        <p:cxnSp>
+          <p:nvCxnSpPr>
+            <p:cNvPr id="115" name="직선 연결선[R] 108">
+              <a:extLst>
+                <a:ext uri="{FF2B5EF4-FFF2-40B4-BE49-F238E27FC236}">
+                  <a16:creationId xmlns:a16="http://schemas.microsoft.com/office/drawing/2014/main" id="{26B64485-2696-7544-99E5-3B64CD63BB65}"/>
+                </a:ext>
+              </a:extLst>
+            </p:cNvPr>
+            <p:cNvCxnSpPr>
+              <a:cxnSpLocks/>
+              <a:stCxn id="46" idx="3"/>
+              <a:endCxn id="113" idx="2"/>
+            </p:cNvCxnSpPr>
+            <p:nvPr/>
+          </p:nvCxnSpPr>
+          <p:spPr>
+            <a:xfrm>
+              <a:off x="6033970" y="3413063"/>
+              <a:ext cx="340878" cy="789105"/>
+            </a:xfrm>
+            <a:prstGeom prst="bentConnector3">
+              <a:avLst>
+                <a:gd name="adj1" fmla="val 68373"/>
+              </a:avLst>
+            </a:prstGeom>
+            <a:ln w="19050">
+              <a:solidFill>
+                <a:schemeClr val="accent4">
+                  <a:lumMod val="60000"/>
+                  <a:lumOff val="40000"/>
+                </a:schemeClr>
+              </a:solidFill>
+              <a:headEnd type="none" w="med" len="sm"/>
+              <a:tailEnd type="none" w="med" len="sm"/>
+            </a:ln>
+          </p:spPr>
+          <p:style>
+            <a:lnRef idx="1">
+              <a:schemeClr val="accent1"/>
+            </a:lnRef>
+            <a:fillRef idx="0">
+              <a:schemeClr val="accent1"/>
+            </a:fillRef>
+            <a:effectRef idx="0">
+              <a:schemeClr val="accent1"/>
+            </a:effectRef>
+            <a:fontRef idx="minor">
+              <a:schemeClr val="tx1"/>
+            </a:fontRef>
+          </p:style>
+        </p:cxnSp>
+        <p:sp>
+          <p:nvSpPr>
+            <p:cNvPr id="116" name="왼쪽 중괄호 55">
+              <a:extLst>
+                <a:ext uri="{FF2B5EF4-FFF2-40B4-BE49-F238E27FC236}">
+                  <a16:creationId xmlns:a16="http://schemas.microsoft.com/office/drawing/2014/main" id="{4ACAFD33-6088-0D41-95DC-9C48DFC35617}"/>
+                </a:ext>
+              </a:extLst>
+            </p:cNvPr>
+            <p:cNvSpPr/>
+            <p:nvPr/>
+          </p:nvSpPr>
+          <p:spPr>
+            <a:xfrm rot="5400000">
+              <a:off x="8338647" y="36014"/>
+              <a:ext cx="216026" cy="3573687"/>
+            </a:xfrm>
+            <a:prstGeom prst="leftBrace">
+              <a:avLst/>
+            </a:prstGeom>
+            <a:ln w="12700">
+              <a:solidFill>
+                <a:schemeClr val="bg1">
+                  <a:lumMod val="50000"/>
+                </a:schemeClr>
+              </a:solidFill>
+              <a:prstDash val="solid"/>
+              <a:headEnd type="none"/>
+              <a:tailEnd type="none"/>
+            </a:ln>
+          </p:spPr>
+          <p:style>
+            <a:lnRef idx="1">
+              <a:schemeClr val="accent1"/>
+            </a:lnRef>
+            <a:fillRef idx="0">
+              <a:schemeClr val="accent1"/>
+            </a:fillRef>
+            <a:effectRef idx="0">
+              <a:schemeClr val="accent1"/>
+            </a:effectRef>
+            <a:fontRef idx="minor">
+              <a:schemeClr val="tx1"/>
+            </a:fontRef>
+          </p:style>
+          <p:txBody>
+            <a:bodyPr rtlCol="0" anchor="ctr"/>
+            <a:lstStyle/>
+            <a:p>
+              <a:pPr algn="ctr"/>
+              <a:endParaRPr lang="ko-KR" altLang="en-US"/>
+            </a:p>
+          </p:txBody>
+        </p:sp>
+        <p:sp>
+          <p:nvSpPr>
+            <p:cNvPr id="117" name="TextBox 116">
+              <a:extLst>
+                <a:ext uri="{FF2B5EF4-FFF2-40B4-BE49-F238E27FC236}">
+                  <a16:creationId xmlns:a16="http://schemas.microsoft.com/office/drawing/2014/main" id="{2C5BA8B6-5E64-5E4A-9FC6-21653363D9C9}"/>
+                </a:ext>
+              </a:extLst>
+            </p:cNvPr>
+            <p:cNvSpPr txBox="1"/>
+            <p:nvPr/>
+          </p:nvSpPr>
+          <p:spPr>
+            <a:xfrm>
+              <a:off x="7554197" y="1436615"/>
+              <a:ext cx="1784926" cy="276999"/>
+            </a:xfrm>
+            <a:prstGeom prst="rect">
+              <a:avLst/>
+            </a:prstGeom>
+            <a:noFill/>
+          </p:spPr>
+          <p:txBody>
+            <a:bodyPr wrap="square" rtlCol="0">
+              <a:spAutoFit/>
+            </a:bodyPr>
+            <a:lstStyle/>
+            <a:p>
+              <a:pPr algn="ctr"/>
+              <a:r>
+                <a:rPr lang="en-US" altLang="ko-KR" sz="1200" b="1" dirty="0">
+                  <a:latin typeface="+mn-lt"/>
+                </a:rPr>
+                <a:t>Data Layer</a:t>
+              </a:r>
+              <a:endParaRPr lang="ko-KR" altLang="en-US" sz="1200" b="1" dirty="0">
+                <a:latin typeface="+mn-lt"/>
+              </a:endParaRPr>
+            </a:p>
+          </p:txBody>
+        </p:sp>
       </p:grpSp>
     </p:spTree>
     <p:extLst>
@@ -9138,6 +8555,4530 @@
 </file>
 
 <file path=ppt/slides/slide11.xml><?xml version="1.0" encoding="utf-8"?>
+<p:sld xmlns:a="http://schemas.openxmlformats.org/drawingml/2006/main" xmlns:r="http://schemas.openxmlformats.org/officeDocument/2006/relationships" xmlns:p="http://schemas.openxmlformats.org/presentationml/2006/main">
+  <p:cSld>
+    <p:spTree>
+      <p:nvGrpSpPr>
+        <p:cNvPr id="1" name=""/>
+        <p:cNvGrpSpPr/>
+        <p:nvPr/>
+      </p:nvGrpSpPr>
+      <p:grpSpPr>
+        <a:xfrm>
+          <a:off x="0" y="0"/>
+          <a:ext cx="0" cy="0"/>
+          <a:chOff x="0" y="0"/>
+          <a:chExt cx="0" cy="0"/>
+        </a:xfrm>
+      </p:grpSpPr>
+      <p:sp>
+        <p:nvSpPr>
+          <p:cNvPr id="5" name="Text Placeholder 4">
+            <a:extLst>
+              <a:ext uri="{FF2B5EF4-FFF2-40B4-BE49-F238E27FC236}">
+                <a16:creationId xmlns:a16="http://schemas.microsoft.com/office/drawing/2014/main" id="{95071101-42D9-A744-BD20-E3AC436CF69A}"/>
+              </a:ext>
+            </a:extLst>
+          </p:cNvPr>
+          <p:cNvSpPr>
+            <a:spLocks noGrp="1"/>
+          </p:cNvSpPr>
+          <p:nvPr>
+            <p:ph type="body" sz="quarter" idx="16"/>
+          </p:nvPr>
+        </p:nvSpPr>
+        <p:spPr>
+          <a:xfrm>
+            <a:off x="328823" y="411491"/>
+            <a:ext cx="8799411" cy="327721"/>
+          </a:xfrm>
+          <a:prstGeom prst="rect">
+            <a:avLst/>
+          </a:prstGeom>
+        </p:spPr>
+        <p:txBody>
+          <a:bodyPr/>
+          <a:lstStyle/>
+          <a:p>
+            <a:r>
+              <a:rPr lang="en-US" sz="2800" dirty="0">
+                <a:solidFill>
+                  <a:schemeClr val="tx1"/>
+                </a:solidFill>
+                <a:latin typeface="+mn-ea"/>
+                <a:ea typeface="+mn-ea"/>
+                <a:cs typeface="Arial" panose="020B0604020202020204" pitchFamily="34" charset="0"/>
+              </a:rPr>
+              <a:t>Logical Architecture (prod)</a:t>
+            </a:r>
+            <a:endParaRPr lang="de-DE" altLang="ko-KR" sz="2800" dirty="0">
+              <a:solidFill>
+                <a:schemeClr val="tx1"/>
+              </a:solidFill>
+              <a:latin typeface="+mn-ea"/>
+              <a:ea typeface="+mn-ea"/>
+              <a:cs typeface="Arial" panose="020B0604020202020204" pitchFamily="34" charset="0"/>
+            </a:endParaRPr>
+          </a:p>
+        </p:txBody>
+      </p:sp>
+      <p:grpSp>
+        <p:nvGrpSpPr>
+          <p:cNvPr id="52" name="그룹 51">
+            <a:extLst>
+              <a:ext uri="{FF2B5EF4-FFF2-40B4-BE49-F238E27FC236}">
+                <a16:creationId xmlns:a16="http://schemas.microsoft.com/office/drawing/2014/main" id="{336DCA87-4A8B-D14C-9B32-68B834217195}"/>
+              </a:ext>
+            </a:extLst>
+          </p:cNvPr>
+          <p:cNvGrpSpPr/>
+          <p:nvPr/>
+        </p:nvGrpSpPr>
+        <p:grpSpPr>
+          <a:xfrm>
+            <a:off x="1328413" y="1305092"/>
+            <a:ext cx="9637865" cy="5283598"/>
+            <a:chOff x="1328413" y="1305092"/>
+            <a:chExt cx="9637865" cy="5283598"/>
+          </a:xfrm>
+        </p:grpSpPr>
+        <p:sp>
+          <p:nvSpPr>
+            <p:cNvPr id="43" name="모서리가 둥근 직사각형 42">
+              <a:extLst>
+                <a:ext uri="{FF2B5EF4-FFF2-40B4-BE49-F238E27FC236}">
+                  <a16:creationId xmlns:a16="http://schemas.microsoft.com/office/drawing/2014/main" id="{9D5B7D09-F83B-044A-8BC3-51BF9FC4B6AD}"/>
+                </a:ext>
+              </a:extLst>
+            </p:cNvPr>
+            <p:cNvSpPr/>
+            <p:nvPr/>
+          </p:nvSpPr>
+          <p:spPr bwMode="auto">
+            <a:xfrm>
+              <a:off x="1482277" y="1866342"/>
+              <a:ext cx="9484000" cy="3093965"/>
+            </a:xfrm>
+            <a:prstGeom prst="roundRect">
+              <a:avLst>
+                <a:gd name="adj" fmla="val 2047"/>
+              </a:avLst>
+            </a:prstGeom>
+            <a:solidFill>
+              <a:srgbClr val="333D47"/>
+            </a:solidFill>
+            <a:ln w="12700">
+              <a:noFill/>
+              <a:round/>
+              <a:headEnd type="none" w="med" len="med"/>
+              <a:tailEnd type="none" w="med" len="med"/>
+            </a:ln>
+          </p:spPr>
+          <p:txBody>
+            <a:bodyPr rot="0" spcFirstLastPara="0" vertOverflow="overflow" horzOverflow="overflow" vert="horz" wrap="square" lIns="90000" tIns="45720" rIns="91440" bIns="45720" numCol="1" spcCol="0" rtlCol="0" fromWordArt="0" anchor="t" anchorCtr="0" forceAA="0" compatLnSpc="1">
+              <a:prstTxWarp prst="textNoShape">
+                <a:avLst/>
+              </a:prstTxWarp>
+              <a:noAutofit/>
+            </a:bodyPr>
+            <a:lstStyle/>
+            <a:p>
+              <a:r>
+                <a:rPr kumimoji="1" lang="en-US" altLang="ko-KR" sz="1000" b="1" dirty="0">
+                  <a:solidFill>
+                    <a:schemeClr val="bg1"/>
+                  </a:solidFill>
+                  <a:latin typeface="+mn-lt"/>
+                  <a:ea typeface="+mn-ea"/>
+                </a:rPr>
+                <a:t>Kubernetes Cluster </a:t>
+              </a:r>
+              <a:r>
+                <a:rPr kumimoji="1" lang="en-US" altLang="ko-KR" sz="1000" dirty="0">
+                  <a:solidFill>
+                    <a:schemeClr val="bg1"/>
+                  </a:solidFill>
+                  <a:latin typeface="+mn-lt"/>
+                  <a:ea typeface="+mn-ea"/>
+                </a:rPr>
+                <a:t>(EKS, namespace=yogiyo)</a:t>
+              </a:r>
+              <a:endParaRPr kumimoji="1" lang="ko-KR" altLang="en-US" sz="1000" dirty="0">
+                <a:solidFill>
+                  <a:schemeClr val="bg1"/>
+                </a:solidFill>
+                <a:latin typeface="+mn-lt"/>
+                <a:ea typeface="+mn-ea"/>
+              </a:endParaRPr>
+            </a:p>
+          </p:txBody>
+        </p:sp>
+        <p:sp>
+          <p:nvSpPr>
+            <p:cNvPr id="83" name="모서리가 둥근 직사각형 82">
+              <a:extLst>
+                <a:ext uri="{FF2B5EF4-FFF2-40B4-BE49-F238E27FC236}">
+                  <a16:creationId xmlns:a16="http://schemas.microsoft.com/office/drawing/2014/main" id="{F8A6059F-A8B6-3743-842C-C3814EF4D15E}"/>
+                </a:ext>
+              </a:extLst>
+            </p:cNvPr>
+            <p:cNvSpPr/>
+            <p:nvPr/>
+          </p:nvSpPr>
+          <p:spPr bwMode="auto">
+            <a:xfrm>
+              <a:off x="5349881" y="2348858"/>
+              <a:ext cx="1529559" cy="2098347"/>
+            </a:xfrm>
+            <a:prstGeom prst="roundRect">
+              <a:avLst>
+                <a:gd name="adj" fmla="val 4646"/>
+              </a:avLst>
+            </a:prstGeom>
+            <a:solidFill>
+              <a:schemeClr val="accent3">
+                <a:lumMod val="40000"/>
+                <a:lumOff val="60000"/>
+              </a:schemeClr>
+            </a:solidFill>
+            <a:ln w="12700">
+              <a:solidFill>
+                <a:schemeClr val="bg1"/>
+              </a:solidFill>
+              <a:round/>
+              <a:headEnd type="none" w="med" len="med"/>
+              <a:tailEnd type="none" w="med" len="med"/>
+            </a:ln>
+          </p:spPr>
+          <p:txBody>
+            <a:bodyPr rot="0" spcFirstLastPara="0" vertOverflow="overflow" horzOverflow="overflow" vert="horz" wrap="square" lIns="90000" tIns="45720" rIns="91440" bIns="45720" numCol="1" spcCol="0" rtlCol="0" fromWordArt="0" anchor="t" anchorCtr="0" forceAA="0" compatLnSpc="1">
+              <a:prstTxWarp prst="textNoShape">
+                <a:avLst/>
+              </a:prstTxWarp>
+              <a:noAutofit/>
+            </a:bodyPr>
+            <a:lstStyle/>
+            <a:p>
+              <a:r>
+                <a:rPr kumimoji="1" lang="en-US" altLang="ko-KR" sz="1000" b="1" dirty="0">
+                  <a:latin typeface="+mn-lt"/>
+                  <a:ea typeface="+mn-ea"/>
+                </a:rPr>
+                <a:t>Backend Pod</a:t>
+              </a:r>
+              <a:r>
+                <a:rPr kumimoji="1" lang="en-US" altLang="ko-KR" sz="900" dirty="0">
+                  <a:latin typeface="+mn-lt"/>
+                  <a:ea typeface="+mn-ea"/>
+                </a:rPr>
+                <a:t> (replica &gt;= 2)</a:t>
+              </a:r>
+              <a:endParaRPr kumimoji="1" lang="ko-KR" altLang="en-US" sz="900" dirty="0">
+                <a:latin typeface="+mn-lt"/>
+                <a:ea typeface="+mn-ea"/>
+              </a:endParaRPr>
+            </a:p>
+          </p:txBody>
+        </p:sp>
+        <p:sp>
+          <p:nvSpPr>
+            <p:cNvPr id="41" name="왼쪽 중괄호 55">
+              <a:extLst>
+                <a:ext uri="{FF2B5EF4-FFF2-40B4-BE49-F238E27FC236}">
+                  <a16:creationId xmlns:a16="http://schemas.microsoft.com/office/drawing/2014/main" id="{088E1133-91EA-BD43-8708-71F9939E4955}"/>
+                </a:ext>
+              </a:extLst>
+            </p:cNvPr>
+            <p:cNvSpPr/>
+            <p:nvPr/>
+          </p:nvSpPr>
+          <p:spPr>
+            <a:xfrm rot="5400000">
+              <a:off x="5950299" y="870207"/>
+              <a:ext cx="216026" cy="1642256"/>
+            </a:xfrm>
+            <a:prstGeom prst="leftBrace">
+              <a:avLst/>
+            </a:prstGeom>
+            <a:ln w="12700">
+              <a:solidFill>
+                <a:schemeClr val="bg1">
+                  <a:lumMod val="50000"/>
+                </a:schemeClr>
+              </a:solidFill>
+              <a:prstDash val="solid"/>
+              <a:headEnd type="none"/>
+              <a:tailEnd type="none"/>
+            </a:ln>
+          </p:spPr>
+          <p:style>
+            <a:lnRef idx="1">
+              <a:schemeClr val="accent1"/>
+            </a:lnRef>
+            <a:fillRef idx="0">
+              <a:schemeClr val="accent1"/>
+            </a:fillRef>
+            <a:effectRef idx="0">
+              <a:schemeClr val="accent1"/>
+            </a:effectRef>
+            <a:fontRef idx="minor">
+              <a:schemeClr val="tx1"/>
+            </a:fontRef>
+          </p:style>
+          <p:txBody>
+            <a:bodyPr rtlCol="0" anchor="ctr"/>
+            <a:lstStyle/>
+            <a:p>
+              <a:pPr algn="ctr"/>
+              <a:endParaRPr lang="ko-KR" altLang="en-US"/>
+            </a:p>
+          </p:txBody>
+        </p:sp>
+        <p:sp>
+          <p:nvSpPr>
+            <p:cNvPr id="42" name="TextBox 41">
+              <a:extLst>
+                <a:ext uri="{FF2B5EF4-FFF2-40B4-BE49-F238E27FC236}">
+                  <a16:creationId xmlns:a16="http://schemas.microsoft.com/office/drawing/2014/main" id="{45B241D2-0775-CB43-B9A0-065A8BB0A5B7}"/>
+                </a:ext>
+              </a:extLst>
+            </p:cNvPr>
+            <p:cNvSpPr txBox="1"/>
+            <p:nvPr/>
+          </p:nvSpPr>
+          <p:spPr>
+            <a:xfrm>
+              <a:off x="5165849" y="1305092"/>
+              <a:ext cx="1784926" cy="276999"/>
+            </a:xfrm>
+            <a:prstGeom prst="rect">
+              <a:avLst/>
+            </a:prstGeom>
+            <a:noFill/>
+          </p:spPr>
+          <p:txBody>
+            <a:bodyPr wrap="square" rtlCol="0">
+              <a:spAutoFit/>
+            </a:bodyPr>
+            <a:lstStyle/>
+            <a:p>
+              <a:pPr algn="ctr"/>
+              <a:r>
+                <a:rPr lang="en-US" altLang="ko-KR" sz="1200" b="1" dirty="0">
+                  <a:latin typeface="+mn-lt"/>
+                </a:rPr>
+                <a:t>Business Layer</a:t>
+              </a:r>
+              <a:endParaRPr lang="ko-KR" altLang="en-US" sz="1200" b="1" dirty="0">
+                <a:latin typeface="+mn-lt"/>
+              </a:endParaRPr>
+            </a:p>
+          </p:txBody>
+        </p:sp>
+        <p:sp>
+          <p:nvSpPr>
+            <p:cNvPr id="46" name="모서리가 둥근 직사각형 45">
+              <a:extLst>
+                <a:ext uri="{FF2B5EF4-FFF2-40B4-BE49-F238E27FC236}">
+                  <a16:creationId xmlns:a16="http://schemas.microsoft.com/office/drawing/2014/main" id="{62EE4C9A-4E3A-D44C-9C15-43638FFEFF80}"/>
+                </a:ext>
+              </a:extLst>
+            </p:cNvPr>
+            <p:cNvSpPr/>
+            <p:nvPr/>
+          </p:nvSpPr>
+          <p:spPr bwMode="auto">
+            <a:xfrm>
+              <a:off x="5237184" y="2232366"/>
+              <a:ext cx="1529559" cy="2098347"/>
+            </a:xfrm>
+            <a:prstGeom prst="roundRect">
+              <a:avLst>
+                <a:gd name="adj" fmla="val 4646"/>
+              </a:avLst>
+            </a:prstGeom>
+            <a:solidFill>
+              <a:schemeClr val="accent3">
+                <a:lumMod val="40000"/>
+                <a:lumOff val="60000"/>
+              </a:schemeClr>
+            </a:solidFill>
+            <a:ln w="12700">
+              <a:solidFill>
+                <a:schemeClr val="bg1"/>
+              </a:solidFill>
+              <a:round/>
+              <a:headEnd type="none" w="med" len="med"/>
+              <a:tailEnd type="none" w="med" len="med"/>
+            </a:ln>
+          </p:spPr>
+          <p:txBody>
+            <a:bodyPr rot="0" spcFirstLastPara="0" vertOverflow="overflow" horzOverflow="overflow" vert="horz" wrap="square" lIns="90000" tIns="45720" rIns="91440" bIns="45720" numCol="1" spcCol="0" rtlCol="0" fromWordArt="0" anchor="t" anchorCtr="0" forceAA="0" compatLnSpc="1">
+              <a:prstTxWarp prst="textNoShape">
+                <a:avLst/>
+              </a:prstTxWarp>
+              <a:noAutofit/>
+            </a:bodyPr>
+            <a:lstStyle/>
+            <a:p>
+              <a:r>
+                <a:rPr kumimoji="1" lang="en-US" altLang="ko-KR" sz="1000" b="1" dirty="0">
+                  <a:latin typeface="+mn-lt"/>
+                  <a:ea typeface="+mn-ea"/>
+                </a:rPr>
+                <a:t>Backend Pod</a:t>
+              </a:r>
+              <a:r>
+                <a:rPr kumimoji="1" lang="en-US" altLang="ko-KR" sz="900" dirty="0">
+                  <a:latin typeface="+mn-lt"/>
+                  <a:ea typeface="+mn-ea"/>
+                </a:rPr>
+                <a:t> (rep: 2 ~ 10)</a:t>
+              </a:r>
+              <a:endParaRPr kumimoji="1" lang="ko-KR" altLang="en-US" sz="900" dirty="0">
+                <a:latin typeface="+mn-lt"/>
+                <a:ea typeface="+mn-ea"/>
+              </a:endParaRPr>
+            </a:p>
+          </p:txBody>
+        </p:sp>
+        <p:sp>
+          <p:nvSpPr>
+            <p:cNvPr id="47" name="모서리가 둥근 직사각형 6">
+              <a:extLst>
+                <a:ext uri="{FF2B5EF4-FFF2-40B4-BE49-F238E27FC236}">
+                  <a16:creationId xmlns:a16="http://schemas.microsoft.com/office/drawing/2014/main" id="{560D5307-C0C8-4141-9B68-3D9C876B686C}"/>
+                </a:ext>
+              </a:extLst>
+            </p:cNvPr>
+            <p:cNvSpPr/>
+            <p:nvPr/>
+          </p:nvSpPr>
+          <p:spPr>
+            <a:xfrm>
+              <a:off x="5324841" y="2571507"/>
+              <a:ext cx="1336933" cy="1260414"/>
+            </a:xfrm>
+            <a:prstGeom prst="roundRect">
+              <a:avLst>
+                <a:gd name="adj" fmla="val 3674"/>
+              </a:avLst>
+            </a:prstGeom>
+            <a:solidFill>
+              <a:schemeClr val="bg1"/>
+            </a:solidFill>
+            <a:ln w="6350"/>
+            <a:effectLst/>
+          </p:spPr>
+          <p:style>
+            <a:lnRef idx="1">
+              <a:schemeClr val="dk1"/>
+            </a:lnRef>
+            <a:fillRef idx="2">
+              <a:schemeClr val="dk1"/>
+            </a:fillRef>
+            <a:effectRef idx="1">
+              <a:schemeClr val="dk1"/>
+            </a:effectRef>
+            <a:fontRef idx="minor">
+              <a:schemeClr val="dk1"/>
+            </a:fontRef>
+          </p:style>
+          <p:txBody>
+            <a:bodyPr lIns="18000" rIns="18000" anchor="t" anchorCtr="0"/>
+            <a:lstStyle/>
+            <a:p>
+              <a:pPr>
+                <a:defRPr/>
+              </a:pPr>
+              <a:r>
+                <a:rPr lang="en-US" altLang="ko-KR" sz="900" dirty="0">
+                  <a:solidFill>
+                    <a:srgbClr val="000000"/>
+                  </a:solidFill>
+                  <a:ea typeface="맑은 고딕" pitchFamily="50" charset="-127"/>
+                </a:rPr>
+                <a:t>Rest API</a:t>
+              </a:r>
+              <a:endParaRPr lang="en-US" altLang="ko-KR" sz="1000" b="1" dirty="0">
+                <a:solidFill>
+                  <a:srgbClr val="000000"/>
+                </a:solidFill>
+                <a:ea typeface="맑은 고딕" pitchFamily="50" charset="-127"/>
+              </a:endParaRPr>
+            </a:p>
+          </p:txBody>
+        </p:sp>
+        <p:sp>
+          <p:nvSpPr>
+            <p:cNvPr id="48" name="모서리가 둥근 직사각형 47">
+              <a:extLst>
+                <a:ext uri="{FF2B5EF4-FFF2-40B4-BE49-F238E27FC236}">
+                  <a16:creationId xmlns:a16="http://schemas.microsoft.com/office/drawing/2014/main" id="{C162CA87-2421-3843-931C-9E11E06A68D7}"/>
+                </a:ext>
+              </a:extLst>
+            </p:cNvPr>
+            <p:cNvSpPr/>
+            <p:nvPr/>
+          </p:nvSpPr>
+          <p:spPr bwMode="auto">
+            <a:xfrm>
+              <a:off x="5427105" y="3177860"/>
+              <a:ext cx="1132402" cy="203783"/>
+            </a:xfrm>
+            <a:prstGeom prst="roundRect">
+              <a:avLst>
+                <a:gd name="adj" fmla="val 9531"/>
+              </a:avLst>
+            </a:prstGeom>
+            <a:solidFill>
+              <a:schemeClr val="accent1"/>
+            </a:solidFill>
+            <a:ln w="12700">
+              <a:noFill/>
+              <a:round/>
+              <a:headEnd type="none" w="med" len="med"/>
+              <a:tailEnd type="none" w="med" len="med"/>
+            </a:ln>
+          </p:spPr>
+          <p:txBody>
+            <a:bodyPr rot="0" spcFirstLastPara="0" vertOverflow="overflow" horzOverflow="overflow" vert="horz" wrap="square" lIns="91440" tIns="45720" rIns="91440" bIns="45720" numCol="1" spcCol="0" rtlCol="0" fromWordArt="0" anchor="ctr" anchorCtr="0" forceAA="0" compatLnSpc="1">
+              <a:prstTxWarp prst="textNoShape">
+                <a:avLst/>
+              </a:prstTxWarp>
+              <a:noAutofit/>
+            </a:bodyPr>
+            <a:lstStyle/>
+            <a:p>
+              <a:pPr algn="ctr"/>
+              <a:r>
+                <a:rPr kumimoji="1" lang="en-US" altLang="ko-KR" sz="900" b="0" dirty="0">
+                  <a:solidFill>
+                    <a:schemeClr val="bg1"/>
+                  </a:solidFill>
+                  <a:latin typeface="+mn-lt"/>
+                  <a:ea typeface="+mn-ea"/>
+                </a:rPr>
+                <a:t>Django</a:t>
+              </a:r>
+            </a:p>
+          </p:txBody>
+        </p:sp>
+        <p:sp>
+          <p:nvSpPr>
+            <p:cNvPr id="49" name="모서리가 둥근 직사각형 48">
+              <a:extLst>
+                <a:ext uri="{FF2B5EF4-FFF2-40B4-BE49-F238E27FC236}">
+                  <a16:creationId xmlns:a16="http://schemas.microsoft.com/office/drawing/2014/main" id="{1DEB2CEA-D950-9B41-9D72-8CBEC1DE130B}"/>
+                </a:ext>
+              </a:extLst>
+            </p:cNvPr>
+            <p:cNvSpPr/>
+            <p:nvPr/>
+          </p:nvSpPr>
+          <p:spPr bwMode="auto">
+            <a:xfrm>
+              <a:off x="5427105" y="2905373"/>
+              <a:ext cx="1132402" cy="204944"/>
+            </a:xfrm>
+            <a:prstGeom prst="roundRect">
+              <a:avLst>
+                <a:gd name="adj" fmla="val 9531"/>
+              </a:avLst>
+            </a:prstGeom>
+            <a:solidFill>
+              <a:schemeClr val="accent1"/>
+            </a:solidFill>
+            <a:ln w="12700">
+              <a:noFill/>
+              <a:round/>
+              <a:headEnd type="none" w="med" len="med"/>
+              <a:tailEnd type="none" w="med" len="med"/>
+            </a:ln>
+          </p:spPr>
+          <p:txBody>
+            <a:bodyPr rot="0" spcFirstLastPara="0" vertOverflow="overflow" horzOverflow="overflow" vert="horz" wrap="square" lIns="91440" tIns="45720" rIns="91440" bIns="45720" numCol="1" spcCol="0" rtlCol="0" fromWordArt="0" anchor="ctr" anchorCtr="0" forceAA="0" compatLnSpc="1">
+              <a:prstTxWarp prst="textNoShape">
+                <a:avLst/>
+              </a:prstTxWarp>
+              <a:noAutofit/>
+            </a:bodyPr>
+            <a:lstStyle/>
+            <a:p>
+              <a:pPr algn="ctr"/>
+              <a:r>
+                <a:rPr kumimoji="1" lang="en-US" altLang="ko-KR" sz="900" b="0" dirty="0">
+                  <a:solidFill>
+                    <a:schemeClr val="bg1"/>
+                  </a:solidFill>
+                  <a:latin typeface="+mn-lt"/>
+                  <a:ea typeface="+mn-ea"/>
+                </a:rPr>
+                <a:t>Django Rest</a:t>
+              </a:r>
+            </a:p>
+          </p:txBody>
+        </p:sp>
+        <p:sp>
+          <p:nvSpPr>
+            <p:cNvPr id="50" name="왼쪽 중괄호 55">
+              <a:extLst>
+                <a:ext uri="{FF2B5EF4-FFF2-40B4-BE49-F238E27FC236}">
+                  <a16:creationId xmlns:a16="http://schemas.microsoft.com/office/drawing/2014/main" id="{580E2E7D-9784-AF42-81C3-B4F1208E7E02}"/>
+                </a:ext>
+              </a:extLst>
+            </p:cNvPr>
+            <p:cNvSpPr/>
+            <p:nvPr/>
+          </p:nvSpPr>
+          <p:spPr>
+            <a:xfrm rot="5400000">
+              <a:off x="3861451" y="925401"/>
+              <a:ext cx="216026" cy="1531871"/>
+            </a:xfrm>
+            <a:prstGeom prst="leftBrace">
+              <a:avLst/>
+            </a:prstGeom>
+            <a:ln w="12700">
+              <a:solidFill>
+                <a:schemeClr val="bg1">
+                  <a:lumMod val="50000"/>
+                </a:schemeClr>
+              </a:solidFill>
+              <a:prstDash val="solid"/>
+              <a:headEnd type="none"/>
+              <a:tailEnd type="none"/>
+            </a:ln>
+          </p:spPr>
+          <p:style>
+            <a:lnRef idx="1">
+              <a:schemeClr val="accent1"/>
+            </a:lnRef>
+            <a:fillRef idx="0">
+              <a:schemeClr val="accent1"/>
+            </a:fillRef>
+            <a:effectRef idx="0">
+              <a:schemeClr val="accent1"/>
+            </a:effectRef>
+            <a:fontRef idx="minor">
+              <a:schemeClr val="tx1"/>
+            </a:fontRef>
+          </p:style>
+          <p:txBody>
+            <a:bodyPr rtlCol="0" anchor="ctr"/>
+            <a:lstStyle/>
+            <a:p>
+              <a:pPr algn="ctr"/>
+              <a:endParaRPr lang="ko-KR" altLang="en-US"/>
+            </a:p>
+          </p:txBody>
+        </p:sp>
+        <p:sp>
+          <p:nvSpPr>
+            <p:cNvPr id="51" name="TextBox 50">
+              <a:extLst>
+                <a:ext uri="{FF2B5EF4-FFF2-40B4-BE49-F238E27FC236}">
+                  <a16:creationId xmlns:a16="http://schemas.microsoft.com/office/drawing/2014/main" id="{16E59379-04D0-9240-B8AE-7E4E33731EE8}"/>
+                </a:ext>
+              </a:extLst>
+            </p:cNvPr>
+            <p:cNvSpPr txBox="1"/>
+            <p:nvPr/>
+          </p:nvSpPr>
+          <p:spPr>
+            <a:xfrm>
+              <a:off x="3070911" y="1305093"/>
+              <a:ext cx="1784926" cy="276999"/>
+            </a:xfrm>
+            <a:prstGeom prst="rect">
+              <a:avLst/>
+            </a:prstGeom>
+            <a:noFill/>
+          </p:spPr>
+          <p:txBody>
+            <a:bodyPr wrap="square" rtlCol="0">
+              <a:spAutoFit/>
+            </a:bodyPr>
+            <a:lstStyle/>
+            <a:p>
+              <a:pPr algn="ctr"/>
+              <a:r>
+                <a:rPr lang="en-US" altLang="ko-KR" sz="1200" b="1" dirty="0">
+                  <a:latin typeface="+mn-lt"/>
+                </a:rPr>
+                <a:t>Presentation Layer</a:t>
+              </a:r>
+              <a:endParaRPr lang="ko-KR" altLang="en-US" sz="1200" b="1" dirty="0">
+                <a:latin typeface="+mn-lt"/>
+              </a:endParaRPr>
+            </a:p>
+          </p:txBody>
+        </p:sp>
+        <p:sp>
+          <p:nvSpPr>
+            <p:cNvPr id="65" name="모서리가 둥근 직사각형 64">
+              <a:extLst>
+                <a:ext uri="{FF2B5EF4-FFF2-40B4-BE49-F238E27FC236}">
+                  <a16:creationId xmlns:a16="http://schemas.microsoft.com/office/drawing/2014/main" id="{0CD14D86-E6FE-5145-A51A-F9D6F88E0930}"/>
+                </a:ext>
+              </a:extLst>
+            </p:cNvPr>
+            <p:cNvSpPr/>
+            <p:nvPr/>
+          </p:nvSpPr>
+          <p:spPr bwMode="auto">
+            <a:xfrm>
+              <a:off x="1610337" y="2241458"/>
+              <a:ext cx="964600" cy="1394717"/>
+            </a:xfrm>
+            <a:prstGeom prst="roundRect">
+              <a:avLst>
+                <a:gd name="adj" fmla="val 8161"/>
+              </a:avLst>
+            </a:prstGeom>
+            <a:solidFill>
+              <a:schemeClr val="accent3">
+                <a:lumMod val="40000"/>
+                <a:lumOff val="60000"/>
+              </a:schemeClr>
+            </a:solidFill>
+            <a:ln w="12700">
+              <a:solidFill>
+                <a:schemeClr val="bg1"/>
+              </a:solidFill>
+              <a:round/>
+              <a:headEnd type="none" w="med" len="med"/>
+              <a:tailEnd type="none" w="med" len="med"/>
+            </a:ln>
+          </p:spPr>
+          <p:txBody>
+            <a:bodyPr rot="0" spcFirstLastPara="0" vertOverflow="overflow" horzOverflow="overflow" vert="horz" wrap="square" lIns="90000" tIns="45720" rIns="91440" bIns="45720" numCol="1" spcCol="0" rtlCol="0" fromWordArt="0" anchor="t" anchorCtr="0" forceAA="0" compatLnSpc="1">
+              <a:prstTxWarp prst="textNoShape">
+                <a:avLst/>
+              </a:prstTxWarp>
+              <a:noAutofit/>
+            </a:bodyPr>
+            <a:lstStyle/>
+            <a:p>
+              <a:r>
+                <a:rPr kumimoji="1" lang="en-US" altLang="ko-KR" sz="1000" b="1" dirty="0">
+                  <a:latin typeface="+mn-lt"/>
+                  <a:ea typeface="+mn-ea"/>
+                </a:rPr>
+                <a:t>Ingress</a:t>
+              </a:r>
+            </a:p>
+            <a:p>
+              <a:r>
+                <a:rPr kumimoji="1" lang="en-US" altLang="ko-KR" sz="1000" dirty="0"/>
+                <a:t>(ALB ctrl.)</a:t>
+              </a:r>
+              <a:endParaRPr kumimoji="1" lang="en-US" altLang="ko-KR" sz="900" dirty="0">
+                <a:latin typeface="+mn-lt"/>
+                <a:ea typeface="+mn-ea"/>
+              </a:endParaRPr>
+            </a:p>
+            <a:p>
+              <a:endParaRPr kumimoji="1" lang="ko-KR" altLang="en-US" sz="900" dirty="0">
+                <a:latin typeface="+mn-lt"/>
+                <a:ea typeface="+mn-ea"/>
+              </a:endParaRPr>
+            </a:p>
+          </p:txBody>
+        </p:sp>
+        <p:sp>
+          <p:nvSpPr>
+            <p:cNvPr id="67" name="Text Box 53">
+              <a:extLst>
+                <a:ext uri="{FF2B5EF4-FFF2-40B4-BE49-F238E27FC236}">
+                  <a16:creationId xmlns:a16="http://schemas.microsoft.com/office/drawing/2014/main" id="{7A63623F-ED6D-6849-8739-BC0F9E07DDF0}"/>
+                </a:ext>
+              </a:extLst>
+            </p:cNvPr>
+            <p:cNvSpPr txBox="1">
+              <a:spLocks noChangeArrowheads="1"/>
+            </p:cNvSpPr>
+            <p:nvPr/>
+          </p:nvSpPr>
+          <p:spPr bwMode="auto">
+            <a:xfrm>
+              <a:off x="1929429" y="2760853"/>
+              <a:ext cx="643988" cy="200055"/>
+            </a:xfrm>
+            <a:prstGeom prst="rect">
+              <a:avLst/>
+            </a:prstGeom>
+            <a:noFill/>
+            <a:ln>
+              <a:noFill/>
+            </a:ln>
+            <a:extLst>
+              <a:ext uri="{909E8E84-426E-40DD-AFC4-6F175D3DCCD1}">
+                <a14:hiddenFill xmlns:a14="http://schemas.microsoft.com/office/drawing/2010/main">
+                  <a:solidFill>
+                    <a:srgbClr val="FFFFFF"/>
+                  </a:solidFill>
+                </a14:hiddenFill>
+              </a:ext>
+              <a:ext uri="{91240B29-F687-4F45-9708-019B960494DF}">
+                <a14:hiddenLine xmlns:a14="http://schemas.microsoft.com/office/drawing/2010/main" w="9525" algn="ctr">
+                  <a:solidFill>
+                    <a:srgbClr val="000000"/>
+                  </a:solidFill>
+                  <a:miter lim="800000"/>
+                  <a:headEnd/>
+                  <a:tailEnd/>
+                </a14:hiddenLine>
+              </a:ext>
+            </a:extLst>
+          </p:spPr>
+          <p:txBody>
+            <a:bodyPr wrap="square">
+              <a:spAutoFit/>
+            </a:bodyPr>
+            <a:lstStyle>
+              <a:lvl1pPr marL="90488" indent="-90488" eaLnBrk="0" hangingPunct="0">
+                <a:defRPr kumimoji="1">
+                  <a:solidFill>
+                    <a:schemeClr val="tx1"/>
+                  </a:solidFill>
+                  <a:latin typeface="굴림" charset="-127"/>
+                  <a:ea typeface="굴림" charset="-127"/>
+                </a:defRPr>
+              </a:lvl1pPr>
+              <a:lvl2pPr marL="742950" indent="-285750" eaLnBrk="0" hangingPunct="0">
+                <a:defRPr kumimoji="1">
+                  <a:solidFill>
+                    <a:schemeClr val="tx1"/>
+                  </a:solidFill>
+                  <a:latin typeface="굴림" charset="-127"/>
+                  <a:ea typeface="굴림" charset="-127"/>
+                </a:defRPr>
+              </a:lvl2pPr>
+              <a:lvl3pPr marL="1143000" indent="-228600" eaLnBrk="0" hangingPunct="0">
+                <a:defRPr kumimoji="1">
+                  <a:solidFill>
+                    <a:schemeClr val="tx1"/>
+                  </a:solidFill>
+                  <a:latin typeface="굴림" charset="-127"/>
+                  <a:ea typeface="굴림" charset="-127"/>
+                </a:defRPr>
+              </a:lvl3pPr>
+              <a:lvl4pPr marL="1600200" indent="-228600" eaLnBrk="0" hangingPunct="0">
+                <a:defRPr kumimoji="1">
+                  <a:solidFill>
+                    <a:schemeClr val="tx1"/>
+                  </a:solidFill>
+                  <a:latin typeface="굴림" charset="-127"/>
+                  <a:ea typeface="굴림" charset="-127"/>
+                </a:defRPr>
+              </a:lvl4pPr>
+              <a:lvl5pPr marL="2057400" indent="-228600" eaLnBrk="0" hangingPunct="0">
+                <a:defRPr kumimoji="1">
+                  <a:solidFill>
+                    <a:schemeClr val="tx1"/>
+                  </a:solidFill>
+                  <a:latin typeface="굴림" charset="-127"/>
+                  <a:ea typeface="굴림" charset="-127"/>
+                </a:defRPr>
+              </a:lvl5pPr>
+              <a:lvl6pPr marL="2514600" indent="-228600" eaLnBrk="0" fontAlgn="base" hangingPunct="0">
+                <a:spcBef>
+                  <a:spcPct val="0"/>
+                </a:spcBef>
+                <a:spcAft>
+                  <a:spcPct val="0"/>
+                </a:spcAft>
+                <a:defRPr kumimoji="1">
+                  <a:solidFill>
+                    <a:schemeClr val="tx1"/>
+                  </a:solidFill>
+                  <a:latin typeface="굴림" charset="-127"/>
+                  <a:ea typeface="굴림" charset="-127"/>
+                </a:defRPr>
+              </a:lvl6pPr>
+              <a:lvl7pPr marL="2971800" indent="-228600" eaLnBrk="0" fontAlgn="base" hangingPunct="0">
+                <a:spcBef>
+                  <a:spcPct val="0"/>
+                </a:spcBef>
+                <a:spcAft>
+                  <a:spcPct val="0"/>
+                </a:spcAft>
+                <a:defRPr kumimoji="1">
+                  <a:solidFill>
+                    <a:schemeClr val="tx1"/>
+                  </a:solidFill>
+                  <a:latin typeface="굴림" charset="-127"/>
+                  <a:ea typeface="굴림" charset="-127"/>
+                </a:defRPr>
+              </a:lvl7pPr>
+              <a:lvl8pPr marL="3429000" indent="-228600" eaLnBrk="0" fontAlgn="base" hangingPunct="0">
+                <a:spcBef>
+                  <a:spcPct val="0"/>
+                </a:spcBef>
+                <a:spcAft>
+                  <a:spcPct val="0"/>
+                </a:spcAft>
+                <a:defRPr kumimoji="1">
+                  <a:solidFill>
+                    <a:schemeClr val="tx1"/>
+                  </a:solidFill>
+                  <a:latin typeface="굴림" charset="-127"/>
+                  <a:ea typeface="굴림" charset="-127"/>
+                </a:defRPr>
+              </a:lvl8pPr>
+              <a:lvl9pPr marL="3886200" indent="-228600" eaLnBrk="0" fontAlgn="base" hangingPunct="0">
+                <a:spcBef>
+                  <a:spcPct val="0"/>
+                </a:spcBef>
+                <a:spcAft>
+                  <a:spcPct val="0"/>
+                </a:spcAft>
+                <a:defRPr kumimoji="1">
+                  <a:solidFill>
+                    <a:schemeClr val="tx1"/>
+                  </a:solidFill>
+                  <a:latin typeface="굴림" charset="-127"/>
+                  <a:ea typeface="굴림" charset="-127"/>
+                </a:defRPr>
+              </a:lvl9pPr>
+            </a:lstStyle>
+            <a:p>
+              <a:pPr marL="0" indent="0" eaLnBrk="1" hangingPunct="1"/>
+              <a:r>
+                <a:rPr lang="en-US" altLang="ko-KR" sz="700" dirty="0">
+                  <a:latin typeface="+mn-ea"/>
+                  <a:ea typeface="+mn-ea"/>
+                </a:rPr>
+                <a:t>http 8080</a:t>
+              </a:r>
+            </a:p>
+          </p:txBody>
+        </p:sp>
+        <p:cxnSp>
+          <p:nvCxnSpPr>
+            <p:cNvPr id="69" name="직선 연결선[R] 108">
+              <a:extLst>
+                <a:ext uri="{FF2B5EF4-FFF2-40B4-BE49-F238E27FC236}">
+                  <a16:creationId xmlns:a16="http://schemas.microsoft.com/office/drawing/2014/main" id="{274047F7-8EDE-D447-A02C-EC46F2910567}"/>
+                </a:ext>
+              </a:extLst>
+            </p:cNvPr>
+            <p:cNvCxnSpPr>
+              <a:cxnSpLocks/>
+              <a:stCxn id="67" idx="3"/>
+              <a:endCxn id="90" idx="2"/>
+            </p:cNvCxnSpPr>
+            <p:nvPr/>
+          </p:nvCxnSpPr>
+          <p:spPr>
+            <a:xfrm>
+              <a:off x="2573417" y="2860881"/>
+              <a:ext cx="358402" cy="323566"/>
+            </a:xfrm>
+            <a:prstGeom prst="bentConnector3">
+              <a:avLst>
+                <a:gd name="adj1" fmla="val 50000"/>
+              </a:avLst>
+            </a:prstGeom>
+            <a:ln w="19050">
+              <a:solidFill>
+                <a:schemeClr val="accent4">
+                  <a:lumMod val="60000"/>
+                  <a:lumOff val="40000"/>
+                </a:schemeClr>
+              </a:solidFill>
+              <a:headEnd type="none" w="med" len="sm"/>
+              <a:tailEnd type="none" w="med" len="sm"/>
+            </a:ln>
+          </p:spPr>
+          <p:style>
+            <a:lnRef idx="1">
+              <a:schemeClr val="accent1"/>
+            </a:lnRef>
+            <a:fillRef idx="0">
+              <a:schemeClr val="accent1"/>
+            </a:fillRef>
+            <a:effectRef idx="0">
+              <a:schemeClr val="accent1"/>
+            </a:effectRef>
+            <a:fontRef idx="minor">
+              <a:schemeClr val="tx1"/>
+            </a:fontRef>
+          </p:style>
+        </p:cxnSp>
+        <p:grpSp>
+          <p:nvGrpSpPr>
+            <p:cNvPr id="74" name="그룹 73">
+              <a:extLst>
+                <a:ext uri="{FF2B5EF4-FFF2-40B4-BE49-F238E27FC236}">
+                  <a16:creationId xmlns:a16="http://schemas.microsoft.com/office/drawing/2014/main" id="{F6D6E57D-FC0B-5645-8166-07E0728B95A1}"/>
+                </a:ext>
+              </a:extLst>
+            </p:cNvPr>
+            <p:cNvGrpSpPr/>
+            <p:nvPr/>
+          </p:nvGrpSpPr>
+          <p:grpSpPr>
+            <a:xfrm>
+              <a:off x="4942705" y="3905769"/>
+              <a:ext cx="360000" cy="360000"/>
+              <a:chOff x="2210181" y="2714828"/>
+              <a:chExt cx="360000" cy="360000"/>
+            </a:xfrm>
+          </p:grpSpPr>
+          <p:sp>
+            <p:nvSpPr>
+              <p:cNvPr id="88" name="타원 87">
+                <a:extLst>
+                  <a:ext uri="{FF2B5EF4-FFF2-40B4-BE49-F238E27FC236}">
+                    <a16:creationId xmlns:a16="http://schemas.microsoft.com/office/drawing/2014/main" id="{9C98AEC4-01E9-254E-9CF2-6522DE1CB952}"/>
+                  </a:ext>
+                </a:extLst>
+              </p:cNvPr>
+              <p:cNvSpPr/>
+              <p:nvPr/>
+            </p:nvSpPr>
+            <p:spPr>
+              <a:xfrm>
+                <a:off x="2210181" y="2714828"/>
+                <a:ext cx="360000" cy="360000"/>
+              </a:xfrm>
+              <a:prstGeom prst="ellipse">
+                <a:avLst/>
+              </a:prstGeom>
+              <a:solidFill>
+                <a:schemeClr val="bg1">
+                  <a:lumMod val="95000"/>
+                </a:schemeClr>
+              </a:solidFill>
+              <a:ln w="9525">
+                <a:solidFill>
+                  <a:schemeClr val="tx1">
+                    <a:lumMod val="85000"/>
+                    <a:lumOff val="15000"/>
+                  </a:schemeClr>
+                </a:solidFill>
+              </a:ln>
+              <a:scene3d>
+                <a:camera prst="orthographicFront"/>
+                <a:lightRig rig="threePt" dir="t"/>
+              </a:scene3d>
+              <a:sp3d/>
+            </p:spPr>
+            <p:style>
+              <a:lnRef idx="2">
+                <a:schemeClr val="accent1">
+                  <a:shade val="50000"/>
+                </a:schemeClr>
+              </a:lnRef>
+              <a:fillRef idx="1">
+                <a:schemeClr val="accent1"/>
+              </a:fillRef>
+              <a:effectRef idx="0">
+                <a:schemeClr val="accent1"/>
+              </a:effectRef>
+              <a:fontRef idx="minor">
+                <a:schemeClr val="lt1"/>
+              </a:fontRef>
+            </p:style>
+            <p:txBody>
+              <a:bodyPr rtlCol="0" anchor="ctr">
+                <a:flatTx/>
+              </a:bodyPr>
+              <a:lstStyle/>
+              <a:p>
+                <a:pPr algn="ctr"/>
+                <a:endParaRPr kumimoji="1" lang="ko-Kore-KR" altLang="en-US" sz="700" dirty="0">
+                  <a:solidFill>
+                    <a:schemeClr val="tx1"/>
+                  </a:solidFill>
+                  <a:ea typeface="맑은 고딕" pitchFamily="50" charset="-127"/>
+                </a:endParaRPr>
+              </a:p>
+            </p:txBody>
+          </p:sp>
+          <p:sp>
+            <p:nvSpPr>
+              <p:cNvPr id="89" name="Text Box 53">
+                <a:extLst>
+                  <a:ext uri="{FF2B5EF4-FFF2-40B4-BE49-F238E27FC236}">
+                    <a16:creationId xmlns:a16="http://schemas.microsoft.com/office/drawing/2014/main" id="{05BEECEA-AEE4-7E49-A3D4-DE971AA96384}"/>
+                  </a:ext>
+                </a:extLst>
+              </p:cNvPr>
+              <p:cNvSpPr txBox="1">
+                <a:spLocks noChangeArrowheads="1"/>
+              </p:cNvSpPr>
+              <p:nvPr/>
+            </p:nvSpPr>
+            <p:spPr bwMode="auto">
+              <a:xfrm>
+                <a:off x="2234985" y="2790182"/>
+                <a:ext cx="335196" cy="200055"/>
+              </a:xfrm>
+              <a:prstGeom prst="rect">
+                <a:avLst/>
+              </a:prstGeom>
+              <a:noFill/>
+              <a:ln>
+                <a:noFill/>
+              </a:ln>
+              <a:extLst>
+                <a:ext uri="{909E8E84-426E-40DD-AFC4-6F175D3DCCD1}">
+                  <a14:hiddenFill xmlns:a14="http://schemas.microsoft.com/office/drawing/2010/main">
+                    <a:solidFill>
+                      <a:srgbClr val="FFFFFF"/>
+                    </a:solidFill>
+                  </a14:hiddenFill>
+                </a:ext>
+                <a:ext uri="{91240B29-F687-4F45-9708-019B960494DF}">
+                  <a14:hiddenLine xmlns:a14="http://schemas.microsoft.com/office/drawing/2010/main" w="9525" algn="ctr">
+                    <a:solidFill>
+                      <a:srgbClr val="000000"/>
+                    </a:solidFill>
+                    <a:miter lim="800000"/>
+                    <a:headEnd/>
+                    <a:tailEnd/>
+                  </a14:hiddenLine>
+                </a:ext>
+              </a:extLst>
+            </p:spPr>
+            <p:txBody>
+              <a:bodyPr wrap="square">
+                <a:spAutoFit/>
+              </a:bodyPr>
+              <a:lstStyle>
+                <a:lvl1pPr marL="90488" indent="-90488" eaLnBrk="0" hangingPunct="0">
+                  <a:defRPr kumimoji="1">
+                    <a:solidFill>
+                      <a:schemeClr val="tx1"/>
+                    </a:solidFill>
+                    <a:latin typeface="굴림" charset="-127"/>
+                    <a:ea typeface="굴림" charset="-127"/>
+                  </a:defRPr>
+                </a:lvl1pPr>
+                <a:lvl2pPr marL="742950" indent="-285750" eaLnBrk="0" hangingPunct="0">
+                  <a:defRPr kumimoji="1">
+                    <a:solidFill>
+                      <a:schemeClr val="tx1"/>
+                    </a:solidFill>
+                    <a:latin typeface="굴림" charset="-127"/>
+                    <a:ea typeface="굴림" charset="-127"/>
+                  </a:defRPr>
+                </a:lvl2pPr>
+                <a:lvl3pPr marL="1143000" indent="-228600" eaLnBrk="0" hangingPunct="0">
+                  <a:defRPr kumimoji="1">
+                    <a:solidFill>
+                      <a:schemeClr val="tx1"/>
+                    </a:solidFill>
+                    <a:latin typeface="굴림" charset="-127"/>
+                    <a:ea typeface="굴림" charset="-127"/>
+                  </a:defRPr>
+                </a:lvl3pPr>
+                <a:lvl4pPr marL="1600200" indent="-228600" eaLnBrk="0" hangingPunct="0">
+                  <a:defRPr kumimoji="1">
+                    <a:solidFill>
+                      <a:schemeClr val="tx1"/>
+                    </a:solidFill>
+                    <a:latin typeface="굴림" charset="-127"/>
+                    <a:ea typeface="굴림" charset="-127"/>
+                  </a:defRPr>
+                </a:lvl4pPr>
+                <a:lvl5pPr marL="2057400" indent="-228600" eaLnBrk="0" hangingPunct="0">
+                  <a:defRPr kumimoji="1">
+                    <a:solidFill>
+                      <a:schemeClr val="tx1"/>
+                    </a:solidFill>
+                    <a:latin typeface="굴림" charset="-127"/>
+                    <a:ea typeface="굴림" charset="-127"/>
+                  </a:defRPr>
+                </a:lvl5pPr>
+                <a:lvl6pPr marL="2514600" indent="-228600" eaLnBrk="0" fontAlgn="base" hangingPunct="0">
+                  <a:spcBef>
+                    <a:spcPct val="0"/>
+                  </a:spcBef>
+                  <a:spcAft>
+                    <a:spcPct val="0"/>
+                  </a:spcAft>
+                  <a:defRPr kumimoji="1">
+                    <a:solidFill>
+                      <a:schemeClr val="tx1"/>
+                    </a:solidFill>
+                    <a:latin typeface="굴림" charset="-127"/>
+                    <a:ea typeface="굴림" charset="-127"/>
+                  </a:defRPr>
+                </a:lvl6pPr>
+                <a:lvl7pPr marL="2971800" indent="-228600" eaLnBrk="0" fontAlgn="base" hangingPunct="0">
+                  <a:spcBef>
+                    <a:spcPct val="0"/>
+                  </a:spcBef>
+                  <a:spcAft>
+                    <a:spcPct val="0"/>
+                  </a:spcAft>
+                  <a:defRPr kumimoji="1">
+                    <a:solidFill>
+                      <a:schemeClr val="tx1"/>
+                    </a:solidFill>
+                    <a:latin typeface="굴림" charset="-127"/>
+                    <a:ea typeface="굴림" charset="-127"/>
+                  </a:defRPr>
+                </a:lvl7pPr>
+                <a:lvl8pPr marL="3429000" indent="-228600" eaLnBrk="0" fontAlgn="base" hangingPunct="0">
+                  <a:spcBef>
+                    <a:spcPct val="0"/>
+                  </a:spcBef>
+                  <a:spcAft>
+                    <a:spcPct val="0"/>
+                  </a:spcAft>
+                  <a:defRPr kumimoji="1">
+                    <a:solidFill>
+                      <a:schemeClr val="tx1"/>
+                    </a:solidFill>
+                    <a:latin typeface="굴림" charset="-127"/>
+                    <a:ea typeface="굴림" charset="-127"/>
+                  </a:defRPr>
+                </a:lvl8pPr>
+                <a:lvl9pPr marL="3886200" indent="-228600" eaLnBrk="0" fontAlgn="base" hangingPunct="0">
+                  <a:spcBef>
+                    <a:spcPct val="0"/>
+                  </a:spcBef>
+                  <a:spcAft>
+                    <a:spcPct val="0"/>
+                  </a:spcAft>
+                  <a:defRPr kumimoji="1">
+                    <a:solidFill>
+                      <a:schemeClr val="tx1"/>
+                    </a:solidFill>
+                    <a:latin typeface="굴림" charset="-127"/>
+                    <a:ea typeface="굴림" charset="-127"/>
+                  </a:defRPr>
+                </a:lvl9pPr>
+              </a:lstStyle>
+              <a:p>
+                <a:pPr marL="0" indent="0" algn="ctr" eaLnBrk="1" hangingPunct="1"/>
+                <a:r>
+                  <a:rPr lang="en-US" altLang="ko-KR" sz="700" dirty="0">
+                    <a:latin typeface="+mn-ea"/>
+                    <a:ea typeface="+mn-ea"/>
+                  </a:rPr>
+                  <a:t>L/B</a:t>
+                </a:r>
+              </a:p>
+            </p:txBody>
+          </p:sp>
+        </p:grpSp>
+        <p:sp>
+          <p:nvSpPr>
+            <p:cNvPr id="77" name="Text Box 53">
+              <a:extLst>
+                <a:ext uri="{FF2B5EF4-FFF2-40B4-BE49-F238E27FC236}">
+                  <a16:creationId xmlns:a16="http://schemas.microsoft.com/office/drawing/2014/main" id="{FF085835-C652-9F4B-A68C-8C0D367EDB21}"/>
+                </a:ext>
+              </a:extLst>
+            </p:cNvPr>
+            <p:cNvSpPr txBox="1">
+              <a:spLocks noChangeArrowheads="1"/>
+            </p:cNvSpPr>
+            <p:nvPr/>
+          </p:nvSpPr>
+          <p:spPr bwMode="auto">
+            <a:xfrm>
+              <a:off x="1929429" y="3245158"/>
+              <a:ext cx="643988" cy="200055"/>
+            </a:xfrm>
+            <a:prstGeom prst="rect">
+              <a:avLst/>
+            </a:prstGeom>
+            <a:noFill/>
+            <a:ln>
+              <a:noFill/>
+            </a:ln>
+            <a:extLst>
+              <a:ext uri="{909E8E84-426E-40DD-AFC4-6F175D3DCCD1}">
+                <a14:hiddenFill xmlns:a14="http://schemas.microsoft.com/office/drawing/2010/main">
+                  <a:solidFill>
+                    <a:srgbClr val="FFFFFF"/>
+                  </a:solidFill>
+                </a14:hiddenFill>
+              </a:ext>
+              <a:ext uri="{91240B29-F687-4F45-9708-019B960494DF}">
+                <a14:hiddenLine xmlns:a14="http://schemas.microsoft.com/office/drawing/2010/main" w="9525" algn="ctr">
+                  <a:solidFill>
+                    <a:srgbClr val="000000"/>
+                  </a:solidFill>
+                  <a:miter lim="800000"/>
+                  <a:headEnd/>
+                  <a:tailEnd/>
+                </a14:hiddenLine>
+              </a:ext>
+            </a:extLst>
+          </p:spPr>
+          <p:txBody>
+            <a:bodyPr wrap="square">
+              <a:spAutoFit/>
+            </a:bodyPr>
+            <a:lstStyle>
+              <a:lvl1pPr marL="90488" indent="-90488" eaLnBrk="0" hangingPunct="0">
+                <a:defRPr kumimoji="1">
+                  <a:solidFill>
+                    <a:schemeClr val="tx1"/>
+                  </a:solidFill>
+                  <a:latin typeface="굴림" charset="-127"/>
+                  <a:ea typeface="굴림" charset="-127"/>
+                </a:defRPr>
+              </a:lvl1pPr>
+              <a:lvl2pPr marL="742950" indent="-285750" eaLnBrk="0" hangingPunct="0">
+                <a:defRPr kumimoji="1">
+                  <a:solidFill>
+                    <a:schemeClr val="tx1"/>
+                  </a:solidFill>
+                  <a:latin typeface="굴림" charset="-127"/>
+                  <a:ea typeface="굴림" charset="-127"/>
+                </a:defRPr>
+              </a:lvl2pPr>
+              <a:lvl3pPr marL="1143000" indent="-228600" eaLnBrk="0" hangingPunct="0">
+                <a:defRPr kumimoji="1">
+                  <a:solidFill>
+                    <a:schemeClr val="tx1"/>
+                  </a:solidFill>
+                  <a:latin typeface="굴림" charset="-127"/>
+                  <a:ea typeface="굴림" charset="-127"/>
+                </a:defRPr>
+              </a:lvl3pPr>
+              <a:lvl4pPr marL="1600200" indent="-228600" eaLnBrk="0" hangingPunct="0">
+                <a:defRPr kumimoji="1">
+                  <a:solidFill>
+                    <a:schemeClr val="tx1"/>
+                  </a:solidFill>
+                  <a:latin typeface="굴림" charset="-127"/>
+                  <a:ea typeface="굴림" charset="-127"/>
+                </a:defRPr>
+              </a:lvl4pPr>
+              <a:lvl5pPr marL="2057400" indent="-228600" eaLnBrk="0" hangingPunct="0">
+                <a:defRPr kumimoji="1">
+                  <a:solidFill>
+                    <a:schemeClr val="tx1"/>
+                  </a:solidFill>
+                  <a:latin typeface="굴림" charset="-127"/>
+                  <a:ea typeface="굴림" charset="-127"/>
+                </a:defRPr>
+              </a:lvl5pPr>
+              <a:lvl6pPr marL="2514600" indent="-228600" eaLnBrk="0" fontAlgn="base" hangingPunct="0">
+                <a:spcBef>
+                  <a:spcPct val="0"/>
+                </a:spcBef>
+                <a:spcAft>
+                  <a:spcPct val="0"/>
+                </a:spcAft>
+                <a:defRPr kumimoji="1">
+                  <a:solidFill>
+                    <a:schemeClr val="tx1"/>
+                  </a:solidFill>
+                  <a:latin typeface="굴림" charset="-127"/>
+                  <a:ea typeface="굴림" charset="-127"/>
+                </a:defRPr>
+              </a:lvl6pPr>
+              <a:lvl7pPr marL="2971800" indent="-228600" eaLnBrk="0" fontAlgn="base" hangingPunct="0">
+                <a:spcBef>
+                  <a:spcPct val="0"/>
+                </a:spcBef>
+                <a:spcAft>
+                  <a:spcPct val="0"/>
+                </a:spcAft>
+                <a:defRPr kumimoji="1">
+                  <a:solidFill>
+                    <a:schemeClr val="tx1"/>
+                  </a:solidFill>
+                  <a:latin typeface="굴림" charset="-127"/>
+                  <a:ea typeface="굴림" charset="-127"/>
+                </a:defRPr>
+              </a:lvl7pPr>
+              <a:lvl8pPr marL="3429000" indent="-228600" eaLnBrk="0" fontAlgn="base" hangingPunct="0">
+                <a:spcBef>
+                  <a:spcPct val="0"/>
+                </a:spcBef>
+                <a:spcAft>
+                  <a:spcPct val="0"/>
+                </a:spcAft>
+                <a:defRPr kumimoji="1">
+                  <a:solidFill>
+                    <a:schemeClr val="tx1"/>
+                  </a:solidFill>
+                  <a:latin typeface="굴림" charset="-127"/>
+                  <a:ea typeface="굴림" charset="-127"/>
+                </a:defRPr>
+              </a:lvl8pPr>
+              <a:lvl9pPr marL="3886200" indent="-228600" eaLnBrk="0" fontAlgn="base" hangingPunct="0">
+                <a:spcBef>
+                  <a:spcPct val="0"/>
+                </a:spcBef>
+                <a:spcAft>
+                  <a:spcPct val="0"/>
+                </a:spcAft>
+                <a:defRPr kumimoji="1">
+                  <a:solidFill>
+                    <a:schemeClr val="tx1"/>
+                  </a:solidFill>
+                  <a:latin typeface="굴림" charset="-127"/>
+                  <a:ea typeface="굴림" charset="-127"/>
+                </a:defRPr>
+              </a:lvl9pPr>
+            </a:lstStyle>
+            <a:p>
+              <a:pPr marL="0" indent="0" eaLnBrk="1" hangingPunct="1"/>
+              <a:r>
+                <a:rPr lang="en-US" altLang="ko-KR" sz="700" dirty="0">
+                  <a:latin typeface="+mn-ea"/>
+                  <a:ea typeface="+mn-ea"/>
+                </a:rPr>
+                <a:t>http 8000</a:t>
+              </a:r>
+            </a:p>
+          </p:txBody>
+        </p:sp>
+        <p:cxnSp>
+          <p:nvCxnSpPr>
+            <p:cNvPr id="78" name="직선 연결선[R] 108">
+              <a:extLst>
+                <a:ext uri="{FF2B5EF4-FFF2-40B4-BE49-F238E27FC236}">
+                  <a16:creationId xmlns:a16="http://schemas.microsoft.com/office/drawing/2014/main" id="{AD54DBFA-FA4D-9043-A903-DE2FA721D576}"/>
+                </a:ext>
+              </a:extLst>
+            </p:cNvPr>
+            <p:cNvCxnSpPr>
+              <a:cxnSpLocks/>
+              <a:stCxn id="77" idx="2"/>
+              <a:endCxn id="88" idx="4"/>
+            </p:cNvCxnSpPr>
+            <p:nvPr/>
+          </p:nvCxnSpPr>
+          <p:spPr>
+            <a:xfrm rot="16200000" flipH="1">
+              <a:off x="3276786" y="2419850"/>
+              <a:ext cx="820556" cy="2871282"/>
+            </a:xfrm>
+            <a:prstGeom prst="bentConnector3">
+              <a:avLst>
+                <a:gd name="adj1" fmla="val 108014"/>
+              </a:avLst>
+            </a:prstGeom>
+            <a:ln w="19050">
+              <a:solidFill>
+                <a:schemeClr val="accent4">
+                  <a:lumMod val="60000"/>
+                  <a:lumOff val="40000"/>
+                </a:schemeClr>
+              </a:solidFill>
+              <a:headEnd type="none" w="med" len="sm"/>
+              <a:tailEnd type="none" w="med" len="sm"/>
+            </a:ln>
+          </p:spPr>
+          <p:style>
+            <a:lnRef idx="1">
+              <a:schemeClr val="accent1"/>
+            </a:lnRef>
+            <a:fillRef idx="0">
+              <a:schemeClr val="accent1"/>
+            </a:fillRef>
+            <a:effectRef idx="0">
+              <a:schemeClr val="accent1"/>
+            </a:effectRef>
+            <a:fontRef idx="minor">
+              <a:schemeClr val="tx1"/>
+            </a:fontRef>
+          </p:style>
+        </p:cxnSp>
+        <p:grpSp>
+          <p:nvGrpSpPr>
+            <p:cNvPr id="79" name="그룹 78">
+              <a:extLst>
+                <a:ext uri="{FF2B5EF4-FFF2-40B4-BE49-F238E27FC236}">
+                  <a16:creationId xmlns:a16="http://schemas.microsoft.com/office/drawing/2014/main" id="{34C13C3E-8B22-6344-82DF-A02663508986}"/>
+                </a:ext>
+              </a:extLst>
+            </p:cNvPr>
+            <p:cNvGrpSpPr/>
+            <p:nvPr/>
+          </p:nvGrpSpPr>
+          <p:grpSpPr>
+            <a:xfrm>
+              <a:off x="1328413" y="2750317"/>
+              <a:ext cx="458034" cy="360000"/>
+              <a:chOff x="636121" y="3452752"/>
+              <a:chExt cx="458034" cy="360000"/>
+            </a:xfrm>
+          </p:grpSpPr>
+          <p:sp>
+            <p:nvSpPr>
+              <p:cNvPr id="80" name="타원 79">
+                <a:extLst>
+                  <a:ext uri="{FF2B5EF4-FFF2-40B4-BE49-F238E27FC236}">
+                    <a16:creationId xmlns:a16="http://schemas.microsoft.com/office/drawing/2014/main" id="{A66E3081-1890-514F-8CFE-D6D69B0143CA}"/>
+                  </a:ext>
+                </a:extLst>
+              </p:cNvPr>
+              <p:cNvSpPr/>
+              <p:nvPr/>
+            </p:nvSpPr>
+            <p:spPr>
+              <a:xfrm>
+                <a:off x="685358" y="3452752"/>
+                <a:ext cx="360000" cy="360000"/>
+              </a:xfrm>
+              <a:prstGeom prst="ellipse">
+                <a:avLst/>
+              </a:prstGeom>
+              <a:solidFill>
+                <a:schemeClr val="bg1">
+                  <a:lumMod val="95000"/>
+                </a:schemeClr>
+              </a:solidFill>
+              <a:ln w="9525">
+                <a:solidFill>
+                  <a:schemeClr val="tx1">
+                    <a:lumMod val="85000"/>
+                    <a:lumOff val="15000"/>
+                  </a:schemeClr>
+                </a:solidFill>
+              </a:ln>
+              <a:scene3d>
+                <a:camera prst="orthographicFront"/>
+                <a:lightRig rig="threePt" dir="t"/>
+              </a:scene3d>
+              <a:sp3d/>
+            </p:spPr>
+            <p:style>
+              <a:lnRef idx="2">
+                <a:schemeClr val="accent1">
+                  <a:shade val="50000"/>
+                </a:schemeClr>
+              </a:lnRef>
+              <a:fillRef idx="1">
+                <a:schemeClr val="accent1"/>
+              </a:fillRef>
+              <a:effectRef idx="0">
+                <a:schemeClr val="accent1"/>
+              </a:effectRef>
+              <a:fontRef idx="minor">
+                <a:schemeClr val="lt1"/>
+              </a:fontRef>
+            </p:style>
+            <p:txBody>
+              <a:bodyPr rtlCol="0" anchor="ctr">
+                <a:flatTx/>
+              </a:bodyPr>
+              <a:lstStyle/>
+              <a:p>
+                <a:pPr algn="ctr"/>
+                <a:endParaRPr kumimoji="1" lang="ko-Kore-KR" altLang="en-US" sz="700" dirty="0">
+                  <a:solidFill>
+                    <a:schemeClr val="tx1"/>
+                  </a:solidFill>
+                  <a:ea typeface="맑은 고딕" pitchFamily="50" charset="-127"/>
+                </a:endParaRPr>
+              </a:p>
+            </p:txBody>
+          </p:sp>
+          <p:sp>
+            <p:nvSpPr>
+              <p:cNvPr id="81" name="Text Box 53">
+                <a:extLst>
+                  <a:ext uri="{FF2B5EF4-FFF2-40B4-BE49-F238E27FC236}">
+                    <a16:creationId xmlns:a16="http://schemas.microsoft.com/office/drawing/2014/main" id="{5D004828-88AD-8041-AEFC-3FEB055358AA}"/>
+                  </a:ext>
+                </a:extLst>
+              </p:cNvPr>
+              <p:cNvSpPr txBox="1">
+                <a:spLocks noChangeArrowheads="1"/>
+              </p:cNvSpPr>
+              <p:nvPr/>
+            </p:nvSpPr>
+            <p:spPr bwMode="auto">
+              <a:xfrm>
+                <a:off x="636121" y="3484698"/>
+                <a:ext cx="458034" cy="307777"/>
+              </a:xfrm>
+              <a:prstGeom prst="rect">
+                <a:avLst/>
+              </a:prstGeom>
+              <a:noFill/>
+              <a:ln>
+                <a:noFill/>
+              </a:ln>
+              <a:extLst>
+                <a:ext uri="{909E8E84-426E-40DD-AFC4-6F175D3DCCD1}">
+                  <a14:hiddenFill xmlns:a14="http://schemas.microsoft.com/office/drawing/2010/main">
+                    <a:solidFill>
+                      <a:srgbClr val="FFFFFF"/>
+                    </a:solidFill>
+                  </a14:hiddenFill>
+                </a:ext>
+                <a:ext uri="{91240B29-F687-4F45-9708-019B960494DF}">
+                  <a14:hiddenLine xmlns:a14="http://schemas.microsoft.com/office/drawing/2010/main" w="9525" algn="ctr">
+                    <a:solidFill>
+                      <a:srgbClr val="000000"/>
+                    </a:solidFill>
+                    <a:miter lim="800000"/>
+                    <a:headEnd/>
+                    <a:tailEnd/>
+                  </a14:hiddenLine>
+                </a:ext>
+              </a:extLst>
+            </p:spPr>
+            <p:txBody>
+              <a:bodyPr wrap="square">
+                <a:spAutoFit/>
+              </a:bodyPr>
+              <a:lstStyle>
+                <a:lvl1pPr marL="90488" indent="-90488" eaLnBrk="0" hangingPunct="0">
+                  <a:defRPr kumimoji="1">
+                    <a:solidFill>
+                      <a:schemeClr val="tx1"/>
+                    </a:solidFill>
+                    <a:latin typeface="굴림" charset="-127"/>
+                    <a:ea typeface="굴림" charset="-127"/>
+                  </a:defRPr>
+                </a:lvl1pPr>
+                <a:lvl2pPr marL="742950" indent="-285750" eaLnBrk="0" hangingPunct="0">
+                  <a:defRPr kumimoji="1">
+                    <a:solidFill>
+                      <a:schemeClr val="tx1"/>
+                    </a:solidFill>
+                    <a:latin typeface="굴림" charset="-127"/>
+                    <a:ea typeface="굴림" charset="-127"/>
+                  </a:defRPr>
+                </a:lvl2pPr>
+                <a:lvl3pPr marL="1143000" indent="-228600" eaLnBrk="0" hangingPunct="0">
+                  <a:defRPr kumimoji="1">
+                    <a:solidFill>
+                      <a:schemeClr val="tx1"/>
+                    </a:solidFill>
+                    <a:latin typeface="굴림" charset="-127"/>
+                    <a:ea typeface="굴림" charset="-127"/>
+                  </a:defRPr>
+                </a:lvl3pPr>
+                <a:lvl4pPr marL="1600200" indent="-228600" eaLnBrk="0" hangingPunct="0">
+                  <a:defRPr kumimoji="1">
+                    <a:solidFill>
+                      <a:schemeClr val="tx1"/>
+                    </a:solidFill>
+                    <a:latin typeface="굴림" charset="-127"/>
+                    <a:ea typeface="굴림" charset="-127"/>
+                  </a:defRPr>
+                </a:lvl4pPr>
+                <a:lvl5pPr marL="2057400" indent="-228600" eaLnBrk="0" hangingPunct="0">
+                  <a:defRPr kumimoji="1">
+                    <a:solidFill>
+                      <a:schemeClr val="tx1"/>
+                    </a:solidFill>
+                    <a:latin typeface="굴림" charset="-127"/>
+                    <a:ea typeface="굴림" charset="-127"/>
+                  </a:defRPr>
+                </a:lvl5pPr>
+                <a:lvl6pPr marL="2514600" indent="-228600" eaLnBrk="0" fontAlgn="base" hangingPunct="0">
+                  <a:spcBef>
+                    <a:spcPct val="0"/>
+                  </a:spcBef>
+                  <a:spcAft>
+                    <a:spcPct val="0"/>
+                  </a:spcAft>
+                  <a:defRPr kumimoji="1">
+                    <a:solidFill>
+                      <a:schemeClr val="tx1"/>
+                    </a:solidFill>
+                    <a:latin typeface="굴림" charset="-127"/>
+                    <a:ea typeface="굴림" charset="-127"/>
+                  </a:defRPr>
+                </a:lvl6pPr>
+                <a:lvl7pPr marL="2971800" indent="-228600" eaLnBrk="0" fontAlgn="base" hangingPunct="0">
+                  <a:spcBef>
+                    <a:spcPct val="0"/>
+                  </a:spcBef>
+                  <a:spcAft>
+                    <a:spcPct val="0"/>
+                  </a:spcAft>
+                  <a:defRPr kumimoji="1">
+                    <a:solidFill>
+                      <a:schemeClr val="tx1"/>
+                    </a:solidFill>
+                    <a:latin typeface="굴림" charset="-127"/>
+                    <a:ea typeface="굴림" charset="-127"/>
+                  </a:defRPr>
+                </a:lvl7pPr>
+                <a:lvl8pPr marL="3429000" indent="-228600" eaLnBrk="0" fontAlgn="base" hangingPunct="0">
+                  <a:spcBef>
+                    <a:spcPct val="0"/>
+                  </a:spcBef>
+                  <a:spcAft>
+                    <a:spcPct val="0"/>
+                  </a:spcAft>
+                  <a:defRPr kumimoji="1">
+                    <a:solidFill>
+                      <a:schemeClr val="tx1"/>
+                    </a:solidFill>
+                    <a:latin typeface="굴림" charset="-127"/>
+                    <a:ea typeface="굴림" charset="-127"/>
+                  </a:defRPr>
+                </a:lvl8pPr>
+                <a:lvl9pPr marL="3886200" indent="-228600" eaLnBrk="0" fontAlgn="base" hangingPunct="0">
+                  <a:spcBef>
+                    <a:spcPct val="0"/>
+                  </a:spcBef>
+                  <a:spcAft>
+                    <a:spcPct val="0"/>
+                  </a:spcAft>
+                  <a:defRPr kumimoji="1">
+                    <a:solidFill>
+                      <a:schemeClr val="tx1"/>
+                    </a:solidFill>
+                    <a:latin typeface="굴림" charset="-127"/>
+                    <a:ea typeface="굴림" charset="-127"/>
+                  </a:defRPr>
+                </a:lvl9pPr>
+              </a:lstStyle>
+              <a:p>
+                <a:pPr marL="0" indent="0" algn="ctr" eaLnBrk="1" hangingPunct="1"/>
+                <a:r>
+                  <a:rPr lang="en-US" altLang="ko-KR" sz="700" dirty="0">
+                    <a:latin typeface="+mn-ea"/>
+                    <a:ea typeface="+mn-ea"/>
+                  </a:rPr>
+                  <a:t>http 80</a:t>
+                </a:r>
+              </a:p>
+            </p:txBody>
+          </p:sp>
+        </p:grpSp>
+        <p:cxnSp>
+          <p:nvCxnSpPr>
+            <p:cNvPr id="66" name="직선 연결선[R] 108">
+              <a:extLst>
+                <a:ext uri="{FF2B5EF4-FFF2-40B4-BE49-F238E27FC236}">
+                  <a16:creationId xmlns:a16="http://schemas.microsoft.com/office/drawing/2014/main" id="{4FE62FE4-2B5D-C046-B8A6-F7FE1DAB31D8}"/>
+                </a:ext>
+              </a:extLst>
+            </p:cNvPr>
+            <p:cNvCxnSpPr>
+              <a:cxnSpLocks/>
+              <a:stCxn id="71" idx="3"/>
+              <a:endCxn id="88" idx="0"/>
+            </p:cNvCxnSpPr>
+            <p:nvPr/>
+          </p:nvCxnSpPr>
+          <p:spPr>
+            <a:xfrm>
+              <a:off x="4630024" y="3148675"/>
+              <a:ext cx="492681" cy="757094"/>
+            </a:xfrm>
+            <a:prstGeom prst="bentConnector2">
+              <a:avLst/>
+            </a:prstGeom>
+            <a:ln w="19050">
+              <a:solidFill>
+                <a:schemeClr val="accent4">
+                  <a:lumMod val="60000"/>
+                  <a:lumOff val="40000"/>
+                </a:schemeClr>
+              </a:solidFill>
+              <a:headEnd type="none" w="med" len="sm"/>
+              <a:tailEnd type="none" w="med" len="sm"/>
+            </a:ln>
+          </p:spPr>
+          <p:style>
+            <a:lnRef idx="1">
+              <a:schemeClr val="accent1"/>
+            </a:lnRef>
+            <a:fillRef idx="0">
+              <a:schemeClr val="accent1"/>
+            </a:fillRef>
+            <a:effectRef idx="0">
+              <a:schemeClr val="accent1"/>
+            </a:effectRef>
+            <a:fontRef idx="minor">
+              <a:schemeClr val="tx1"/>
+            </a:fontRef>
+          </p:style>
+        </p:cxnSp>
+        <p:grpSp>
+          <p:nvGrpSpPr>
+            <p:cNvPr id="4" name="그룹 3">
+              <a:extLst>
+                <a:ext uri="{FF2B5EF4-FFF2-40B4-BE49-F238E27FC236}">
+                  <a16:creationId xmlns:a16="http://schemas.microsoft.com/office/drawing/2014/main" id="{118ACE27-8E85-B046-96B9-958E13A159DC}"/>
+                </a:ext>
+              </a:extLst>
+            </p:cNvPr>
+            <p:cNvGrpSpPr/>
+            <p:nvPr/>
+          </p:nvGrpSpPr>
+          <p:grpSpPr>
+            <a:xfrm>
+              <a:off x="2931819" y="2245346"/>
+              <a:ext cx="1803580" cy="1905404"/>
+              <a:chOff x="2239527" y="1964561"/>
+              <a:chExt cx="1803580" cy="1905404"/>
+            </a:xfrm>
+          </p:grpSpPr>
+          <p:sp>
+            <p:nvSpPr>
+              <p:cNvPr id="70" name="모서리가 둥근 직사각형 69">
+                <a:extLst>
+                  <a:ext uri="{FF2B5EF4-FFF2-40B4-BE49-F238E27FC236}">
+                    <a16:creationId xmlns:a16="http://schemas.microsoft.com/office/drawing/2014/main" id="{2A620B4E-FE04-7049-B688-E68EE3D84D78}"/>
+                  </a:ext>
+                </a:extLst>
+              </p:cNvPr>
+              <p:cNvSpPr/>
+              <p:nvPr/>
+            </p:nvSpPr>
+            <p:spPr bwMode="auto">
+              <a:xfrm>
+                <a:off x="2499057" y="2065494"/>
+                <a:ext cx="1544050" cy="1804471"/>
+              </a:xfrm>
+              <a:prstGeom prst="roundRect">
+                <a:avLst>
+                  <a:gd name="adj" fmla="val 5152"/>
+                </a:avLst>
+              </a:prstGeom>
+              <a:solidFill>
+                <a:schemeClr val="accent3">
+                  <a:lumMod val="40000"/>
+                  <a:lumOff val="60000"/>
+                </a:schemeClr>
+              </a:solidFill>
+              <a:ln w="12700">
+                <a:solidFill>
+                  <a:schemeClr val="bg1"/>
+                </a:solidFill>
+                <a:round/>
+                <a:headEnd type="none" w="med" len="med"/>
+                <a:tailEnd type="none" w="med" len="med"/>
+              </a:ln>
+            </p:spPr>
+            <p:txBody>
+              <a:bodyPr rot="0" spcFirstLastPara="0" vertOverflow="overflow" horzOverflow="overflow" vert="horz" wrap="square" lIns="90000" tIns="45720" rIns="91440" bIns="45720" numCol="1" spcCol="0" rtlCol="0" fromWordArt="0" anchor="t" anchorCtr="0" forceAA="0" compatLnSpc="1">
+                <a:prstTxWarp prst="textNoShape">
+                  <a:avLst/>
+                </a:prstTxWarp>
+                <a:noAutofit/>
+              </a:bodyPr>
+              <a:lstStyle/>
+              <a:p>
+                <a:r>
+                  <a:rPr kumimoji="1" lang="en-US" altLang="ko-KR" sz="900" dirty="0">
+                    <a:latin typeface="+mn-lt"/>
+                    <a:ea typeface="+mn-ea"/>
+                  </a:rPr>
+                  <a:t>Pod (replica &gt; 2)</a:t>
+                </a:r>
+                <a:endParaRPr kumimoji="1" lang="ko-KR" altLang="en-US" sz="900" dirty="0">
+                  <a:latin typeface="+mn-lt"/>
+                  <a:ea typeface="+mn-ea"/>
+                </a:endParaRPr>
+              </a:p>
+            </p:txBody>
+          </p:sp>
+          <p:sp>
+            <p:nvSpPr>
+              <p:cNvPr id="71" name="모서리가 둥근 직사각형 70">
+                <a:extLst>
+                  <a:ext uri="{FF2B5EF4-FFF2-40B4-BE49-F238E27FC236}">
+                    <a16:creationId xmlns:a16="http://schemas.microsoft.com/office/drawing/2014/main" id="{F2237898-ADF5-A343-B2BE-9D12CA429061}"/>
+                  </a:ext>
+                </a:extLst>
+              </p:cNvPr>
+              <p:cNvSpPr/>
+              <p:nvPr/>
+            </p:nvSpPr>
+            <p:spPr bwMode="auto">
+              <a:xfrm>
+                <a:off x="2393682" y="1964561"/>
+                <a:ext cx="1544050" cy="1806658"/>
+              </a:xfrm>
+              <a:prstGeom prst="roundRect">
+                <a:avLst>
+                  <a:gd name="adj" fmla="val 5152"/>
+                </a:avLst>
+              </a:prstGeom>
+              <a:solidFill>
+                <a:schemeClr val="accent3">
+                  <a:lumMod val="40000"/>
+                  <a:lumOff val="60000"/>
+                </a:schemeClr>
+              </a:solidFill>
+              <a:ln w="12700">
+                <a:solidFill>
+                  <a:schemeClr val="bg1"/>
+                </a:solidFill>
+                <a:round/>
+                <a:headEnd type="none" w="med" len="med"/>
+                <a:tailEnd type="none" w="med" len="med"/>
+              </a:ln>
+            </p:spPr>
+            <p:txBody>
+              <a:bodyPr rot="0" spcFirstLastPara="0" vertOverflow="overflow" horzOverflow="overflow" vert="horz" wrap="square" lIns="90000" tIns="45720" rIns="91440" bIns="45720" numCol="1" spcCol="0" rtlCol="0" fromWordArt="0" anchor="t" anchorCtr="0" forceAA="0" compatLnSpc="1">
+                <a:prstTxWarp prst="textNoShape">
+                  <a:avLst/>
+                </a:prstTxWarp>
+                <a:noAutofit/>
+              </a:bodyPr>
+              <a:lstStyle/>
+              <a:p>
+                <a:r>
+                  <a:rPr kumimoji="1" lang="en-US" altLang="ko-KR" sz="1000" b="1" dirty="0">
+                    <a:latin typeface="+mn-lt"/>
+                    <a:ea typeface="+mn-ea"/>
+                  </a:rPr>
+                  <a:t>Frontend Pod</a:t>
+                </a:r>
+                <a:r>
+                  <a:rPr kumimoji="1" lang="en-US" altLang="ko-KR" sz="900" dirty="0">
+                    <a:latin typeface="+mn-lt"/>
+                    <a:ea typeface="+mn-ea"/>
+                  </a:rPr>
+                  <a:t> (rep: 2~10)</a:t>
+                </a:r>
+                <a:endParaRPr kumimoji="1" lang="ko-KR" altLang="en-US" sz="900" dirty="0">
+                  <a:latin typeface="+mn-lt"/>
+                  <a:ea typeface="+mn-ea"/>
+                </a:endParaRPr>
+              </a:p>
+            </p:txBody>
+          </p:sp>
+          <p:sp>
+            <p:nvSpPr>
+              <p:cNvPr id="92" name="모서리가 둥근 직사각형 6">
+                <a:extLst>
+                  <a:ext uri="{FF2B5EF4-FFF2-40B4-BE49-F238E27FC236}">
+                    <a16:creationId xmlns:a16="http://schemas.microsoft.com/office/drawing/2014/main" id="{ECF06ABC-FCE4-D245-954E-F36357EE34CB}"/>
+                  </a:ext>
+                </a:extLst>
+              </p:cNvPr>
+              <p:cNvSpPr/>
+              <p:nvPr/>
+            </p:nvSpPr>
+            <p:spPr>
+              <a:xfrm>
+                <a:off x="2492722" y="2290723"/>
+                <a:ext cx="1336933" cy="1385378"/>
+              </a:xfrm>
+              <a:prstGeom prst="roundRect">
+                <a:avLst>
+                  <a:gd name="adj" fmla="val 3674"/>
+                </a:avLst>
+              </a:prstGeom>
+              <a:solidFill>
+                <a:schemeClr val="bg1"/>
+              </a:solidFill>
+              <a:ln w="6350"/>
+              <a:effectLst/>
+            </p:spPr>
+            <p:style>
+              <a:lnRef idx="1">
+                <a:schemeClr val="dk1"/>
+              </a:lnRef>
+              <a:fillRef idx="2">
+                <a:schemeClr val="dk1"/>
+              </a:fillRef>
+              <a:effectRef idx="1">
+                <a:schemeClr val="dk1"/>
+              </a:effectRef>
+              <a:fontRef idx="minor">
+                <a:schemeClr val="dk1"/>
+              </a:fontRef>
+            </p:style>
+            <p:txBody>
+              <a:bodyPr lIns="18000" rIns="18000" anchor="t" anchorCtr="0"/>
+              <a:lstStyle/>
+              <a:p>
+                <a:pPr>
+                  <a:defRPr/>
+                </a:pPr>
+                <a:r>
+                  <a:rPr lang="en-US" altLang="ko-KR" sz="900" dirty="0" err="1">
+                    <a:solidFill>
+                      <a:srgbClr val="000000"/>
+                    </a:solidFill>
+                    <a:ea typeface="맑은 고딕" pitchFamily="50" charset="-127"/>
+                  </a:rPr>
+                  <a:t>nginx</a:t>
+                </a:r>
+                <a:endParaRPr lang="en-US" altLang="ko-KR" sz="1000" dirty="0">
+                  <a:solidFill>
+                    <a:srgbClr val="000000"/>
+                  </a:solidFill>
+                  <a:ea typeface="맑은 고딕" pitchFamily="50" charset="-127"/>
+                </a:endParaRPr>
+              </a:p>
+            </p:txBody>
+          </p:sp>
+          <p:sp>
+            <p:nvSpPr>
+              <p:cNvPr id="93" name="모서리가 둥근 직사각형 92">
+                <a:extLst>
+                  <a:ext uri="{FF2B5EF4-FFF2-40B4-BE49-F238E27FC236}">
+                    <a16:creationId xmlns:a16="http://schemas.microsoft.com/office/drawing/2014/main" id="{3AC4E8BB-FFFB-5B49-8D03-BF7D624D8B86}"/>
+                  </a:ext>
+                </a:extLst>
+              </p:cNvPr>
+              <p:cNvSpPr/>
+              <p:nvPr/>
+            </p:nvSpPr>
+            <p:spPr bwMode="auto">
+              <a:xfrm>
+                <a:off x="2594986" y="2624588"/>
+                <a:ext cx="1132402" cy="191668"/>
+              </a:xfrm>
+              <a:prstGeom prst="roundRect">
+                <a:avLst>
+                  <a:gd name="adj" fmla="val 9531"/>
+                </a:avLst>
+              </a:prstGeom>
+              <a:solidFill>
+                <a:schemeClr val="accent1"/>
+              </a:solidFill>
+              <a:ln w="12700">
+                <a:noFill/>
+                <a:round/>
+                <a:headEnd type="none" w="med" len="med"/>
+                <a:tailEnd type="none" w="med" len="med"/>
+              </a:ln>
+            </p:spPr>
+            <p:txBody>
+              <a:bodyPr rot="0" spcFirstLastPara="0" vertOverflow="overflow" horzOverflow="overflow" vert="horz" wrap="square" lIns="91440" tIns="45720" rIns="91440" bIns="45720" numCol="1" spcCol="0" rtlCol="0" fromWordArt="0" anchor="ctr" anchorCtr="0" forceAA="0" compatLnSpc="1">
+                <a:prstTxWarp prst="textNoShape">
+                  <a:avLst/>
+                </a:prstTxWarp>
+                <a:noAutofit/>
+              </a:bodyPr>
+              <a:lstStyle/>
+              <a:p>
+                <a:pPr algn="ctr"/>
+                <a:r>
+                  <a:rPr kumimoji="1" lang="en-US" altLang="ko-KR" sz="900" b="0" dirty="0">
+                    <a:solidFill>
+                      <a:schemeClr val="bg1"/>
+                    </a:solidFill>
+                    <a:latin typeface="+mn-lt"/>
+                    <a:ea typeface="+mn-ea"/>
+                  </a:rPr>
+                  <a:t>HTML</a:t>
+                </a:r>
+              </a:p>
+            </p:txBody>
+          </p:sp>
+          <p:sp>
+            <p:nvSpPr>
+              <p:cNvPr id="94" name="모서리가 둥근 직사각형 93">
+                <a:extLst>
+                  <a:ext uri="{FF2B5EF4-FFF2-40B4-BE49-F238E27FC236}">
+                    <a16:creationId xmlns:a16="http://schemas.microsoft.com/office/drawing/2014/main" id="{6DC67952-6947-B141-8523-525F7CE2B308}"/>
+                  </a:ext>
+                </a:extLst>
+              </p:cNvPr>
+              <p:cNvSpPr/>
+              <p:nvPr/>
+            </p:nvSpPr>
+            <p:spPr bwMode="auto">
+              <a:xfrm>
+                <a:off x="2594986" y="2882494"/>
+                <a:ext cx="1132402" cy="191668"/>
+              </a:xfrm>
+              <a:prstGeom prst="roundRect">
+                <a:avLst>
+                  <a:gd name="adj" fmla="val 9531"/>
+                </a:avLst>
+              </a:prstGeom>
+              <a:solidFill>
+                <a:schemeClr val="accent1"/>
+              </a:solidFill>
+              <a:ln w="12700">
+                <a:noFill/>
+                <a:round/>
+                <a:headEnd type="none" w="med" len="med"/>
+                <a:tailEnd type="none" w="med" len="med"/>
+              </a:ln>
+            </p:spPr>
+            <p:txBody>
+              <a:bodyPr rot="0" spcFirstLastPara="0" vertOverflow="overflow" horzOverflow="overflow" vert="horz" wrap="square" lIns="91440" tIns="45720" rIns="91440" bIns="45720" numCol="1" spcCol="0" rtlCol="0" fromWordArt="0" anchor="ctr" anchorCtr="0" forceAA="0" compatLnSpc="1">
+                <a:prstTxWarp prst="textNoShape">
+                  <a:avLst/>
+                </a:prstTxWarp>
+                <a:noAutofit/>
+              </a:bodyPr>
+              <a:lstStyle/>
+              <a:p>
+                <a:pPr algn="ctr"/>
+                <a:r>
+                  <a:rPr kumimoji="1" lang="en-US" altLang="ko-KR" sz="900" b="0" dirty="0">
+                    <a:solidFill>
+                      <a:schemeClr val="bg1"/>
+                    </a:solidFill>
+                    <a:latin typeface="+mn-lt"/>
+                    <a:ea typeface="+mn-ea"/>
+                  </a:rPr>
+                  <a:t>CSS, Images</a:t>
+                </a:r>
+              </a:p>
+            </p:txBody>
+          </p:sp>
+          <p:sp>
+            <p:nvSpPr>
+              <p:cNvPr id="95" name="모서리가 둥근 직사각형 94">
+                <a:extLst>
+                  <a:ext uri="{FF2B5EF4-FFF2-40B4-BE49-F238E27FC236}">
+                    <a16:creationId xmlns:a16="http://schemas.microsoft.com/office/drawing/2014/main" id="{38CB6D34-ECF7-4442-9312-0F2992FC27F8}"/>
+                  </a:ext>
+                </a:extLst>
+              </p:cNvPr>
+              <p:cNvSpPr/>
+              <p:nvPr/>
+            </p:nvSpPr>
+            <p:spPr bwMode="auto">
+              <a:xfrm>
+                <a:off x="2594986" y="3140400"/>
+                <a:ext cx="1132402" cy="191668"/>
+              </a:xfrm>
+              <a:prstGeom prst="roundRect">
+                <a:avLst>
+                  <a:gd name="adj" fmla="val 9531"/>
+                </a:avLst>
+              </a:prstGeom>
+              <a:solidFill>
+                <a:schemeClr val="accent1"/>
+              </a:solidFill>
+              <a:ln w="12700">
+                <a:noFill/>
+                <a:round/>
+                <a:headEnd type="none" w="med" len="med"/>
+                <a:tailEnd type="none" w="med" len="med"/>
+              </a:ln>
+            </p:spPr>
+            <p:txBody>
+              <a:bodyPr rot="0" spcFirstLastPara="0" vertOverflow="overflow" horzOverflow="overflow" vert="horz" wrap="square" lIns="91440" tIns="45720" rIns="91440" bIns="45720" numCol="1" spcCol="0" rtlCol="0" fromWordArt="0" anchor="ctr" anchorCtr="0" forceAA="0" compatLnSpc="1">
+                <a:prstTxWarp prst="textNoShape">
+                  <a:avLst/>
+                </a:prstTxWarp>
+                <a:noAutofit/>
+              </a:bodyPr>
+              <a:lstStyle/>
+              <a:p>
+                <a:pPr algn="ctr"/>
+                <a:r>
+                  <a:rPr kumimoji="1" lang="en-US" altLang="ko-KR" sz="900" b="0" dirty="0">
+                    <a:solidFill>
+                      <a:schemeClr val="bg1"/>
+                    </a:solidFill>
+                    <a:latin typeface="+mn-lt"/>
+                    <a:ea typeface="+mn-ea"/>
+                  </a:rPr>
+                  <a:t>Bootstrap</a:t>
+                </a:r>
+              </a:p>
+            </p:txBody>
+          </p:sp>
+          <p:grpSp>
+            <p:nvGrpSpPr>
+              <p:cNvPr id="73" name="그룹 72">
+                <a:extLst>
+                  <a:ext uri="{FF2B5EF4-FFF2-40B4-BE49-F238E27FC236}">
+                    <a16:creationId xmlns:a16="http://schemas.microsoft.com/office/drawing/2014/main" id="{75E21566-3B36-C34A-9428-A96A9F19392C}"/>
+                  </a:ext>
+                </a:extLst>
+              </p:cNvPr>
+              <p:cNvGrpSpPr/>
+              <p:nvPr/>
+            </p:nvGrpSpPr>
+            <p:grpSpPr>
+              <a:xfrm>
+                <a:off x="2239527" y="2723662"/>
+                <a:ext cx="360000" cy="360000"/>
+                <a:chOff x="2210181" y="2714828"/>
+                <a:chExt cx="360000" cy="360000"/>
+              </a:xfrm>
+            </p:grpSpPr>
+            <p:sp>
+              <p:nvSpPr>
+                <p:cNvPr id="90" name="타원 89">
+                  <a:extLst>
+                    <a:ext uri="{FF2B5EF4-FFF2-40B4-BE49-F238E27FC236}">
+                      <a16:creationId xmlns:a16="http://schemas.microsoft.com/office/drawing/2014/main" id="{FAC67BA9-042C-CE46-926B-FE40688CF938}"/>
+                    </a:ext>
+                  </a:extLst>
+                </p:cNvPr>
+                <p:cNvSpPr/>
+                <p:nvPr/>
+              </p:nvSpPr>
+              <p:spPr>
+                <a:xfrm>
+                  <a:off x="2210181" y="2714828"/>
+                  <a:ext cx="360000" cy="360000"/>
+                </a:xfrm>
+                <a:prstGeom prst="ellipse">
+                  <a:avLst/>
+                </a:prstGeom>
+                <a:solidFill>
+                  <a:schemeClr val="bg1">
+                    <a:lumMod val="95000"/>
+                  </a:schemeClr>
+                </a:solidFill>
+                <a:ln w="9525">
+                  <a:solidFill>
+                    <a:schemeClr val="tx1">
+                      <a:lumMod val="85000"/>
+                      <a:lumOff val="15000"/>
+                    </a:schemeClr>
+                  </a:solidFill>
+                </a:ln>
+                <a:scene3d>
+                  <a:camera prst="orthographicFront"/>
+                  <a:lightRig rig="threePt" dir="t"/>
+                </a:scene3d>
+                <a:sp3d/>
+              </p:spPr>
+              <p:style>
+                <a:lnRef idx="2">
+                  <a:schemeClr val="accent1">
+                    <a:shade val="50000"/>
+                  </a:schemeClr>
+                </a:lnRef>
+                <a:fillRef idx="1">
+                  <a:schemeClr val="accent1"/>
+                </a:fillRef>
+                <a:effectRef idx="0">
+                  <a:schemeClr val="accent1"/>
+                </a:effectRef>
+                <a:fontRef idx="minor">
+                  <a:schemeClr val="lt1"/>
+                </a:fontRef>
+              </p:style>
+              <p:txBody>
+                <a:bodyPr rtlCol="0" anchor="ctr">
+                  <a:flatTx/>
+                </a:bodyPr>
+                <a:lstStyle/>
+                <a:p>
+                  <a:pPr algn="ctr"/>
+                  <a:endParaRPr kumimoji="1" lang="ko-Kore-KR" altLang="en-US" sz="700" dirty="0">
+                    <a:solidFill>
+                      <a:schemeClr val="tx1"/>
+                    </a:solidFill>
+                    <a:ea typeface="맑은 고딕" pitchFamily="50" charset="-127"/>
+                  </a:endParaRPr>
+                </a:p>
+              </p:txBody>
+            </p:sp>
+            <p:sp>
+              <p:nvSpPr>
+                <p:cNvPr id="91" name="Text Box 53">
+                  <a:extLst>
+                    <a:ext uri="{FF2B5EF4-FFF2-40B4-BE49-F238E27FC236}">
+                      <a16:creationId xmlns:a16="http://schemas.microsoft.com/office/drawing/2014/main" id="{78AD33C3-60D1-684E-91D8-1CB271BAB909}"/>
+                    </a:ext>
+                  </a:extLst>
+                </p:cNvPr>
+                <p:cNvSpPr txBox="1">
+                  <a:spLocks noChangeArrowheads="1"/>
+                </p:cNvSpPr>
+                <p:nvPr/>
+              </p:nvSpPr>
+              <p:spPr bwMode="auto">
+                <a:xfrm>
+                  <a:off x="2234985" y="2790182"/>
+                  <a:ext cx="335196" cy="200055"/>
+                </a:xfrm>
+                <a:prstGeom prst="rect">
+                  <a:avLst/>
+                </a:prstGeom>
+                <a:noFill/>
+                <a:ln>
+                  <a:noFill/>
+                </a:ln>
+                <a:extLst>
+                  <a:ext uri="{909E8E84-426E-40DD-AFC4-6F175D3DCCD1}">
+                    <a14:hiddenFill xmlns:a14="http://schemas.microsoft.com/office/drawing/2010/main">
+                      <a:solidFill>
+                        <a:srgbClr val="FFFFFF"/>
+                      </a:solidFill>
+                    </a14:hiddenFill>
+                  </a:ext>
+                  <a:ext uri="{91240B29-F687-4F45-9708-019B960494DF}">
+                    <a14:hiddenLine xmlns:a14="http://schemas.microsoft.com/office/drawing/2010/main" w="9525" algn="ctr">
+                      <a:solidFill>
+                        <a:srgbClr val="000000"/>
+                      </a:solidFill>
+                      <a:miter lim="800000"/>
+                      <a:headEnd/>
+                      <a:tailEnd/>
+                    </a14:hiddenLine>
+                  </a:ext>
+                </a:extLst>
+              </p:spPr>
+              <p:txBody>
+                <a:bodyPr wrap="square">
+                  <a:spAutoFit/>
+                </a:bodyPr>
+                <a:lstStyle>
+                  <a:lvl1pPr marL="90488" indent="-90488" eaLnBrk="0" hangingPunct="0">
+                    <a:defRPr kumimoji="1">
+                      <a:solidFill>
+                        <a:schemeClr val="tx1"/>
+                      </a:solidFill>
+                      <a:latin typeface="굴림" charset="-127"/>
+                      <a:ea typeface="굴림" charset="-127"/>
+                    </a:defRPr>
+                  </a:lvl1pPr>
+                  <a:lvl2pPr marL="742950" indent="-285750" eaLnBrk="0" hangingPunct="0">
+                    <a:defRPr kumimoji="1">
+                      <a:solidFill>
+                        <a:schemeClr val="tx1"/>
+                      </a:solidFill>
+                      <a:latin typeface="굴림" charset="-127"/>
+                      <a:ea typeface="굴림" charset="-127"/>
+                    </a:defRPr>
+                  </a:lvl2pPr>
+                  <a:lvl3pPr marL="1143000" indent="-228600" eaLnBrk="0" hangingPunct="0">
+                    <a:defRPr kumimoji="1">
+                      <a:solidFill>
+                        <a:schemeClr val="tx1"/>
+                      </a:solidFill>
+                      <a:latin typeface="굴림" charset="-127"/>
+                      <a:ea typeface="굴림" charset="-127"/>
+                    </a:defRPr>
+                  </a:lvl3pPr>
+                  <a:lvl4pPr marL="1600200" indent="-228600" eaLnBrk="0" hangingPunct="0">
+                    <a:defRPr kumimoji="1">
+                      <a:solidFill>
+                        <a:schemeClr val="tx1"/>
+                      </a:solidFill>
+                      <a:latin typeface="굴림" charset="-127"/>
+                      <a:ea typeface="굴림" charset="-127"/>
+                    </a:defRPr>
+                  </a:lvl4pPr>
+                  <a:lvl5pPr marL="2057400" indent="-228600" eaLnBrk="0" hangingPunct="0">
+                    <a:defRPr kumimoji="1">
+                      <a:solidFill>
+                        <a:schemeClr val="tx1"/>
+                      </a:solidFill>
+                      <a:latin typeface="굴림" charset="-127"/>
+                      <a:ea typeface="굴림" charset="-127"/>
+                    </a:defRPr>
+                  </a:lvl5pPr>
+                  <a:lvl6pPr marL="2514600" indent="-228600" eaLnBrk="0" fontAlgn="base" hangingPunct="0">
+                    <a:spcBef>
+                      <a:spcPct val="0"/>
+                    </a:spcBef>
+                    <a:spcAft>
+                      <a:spcPct val="0"/>
+                    </a:spcAft>
+                    <a:defRPr kumimoji="1">
+                      <a:solidFill>
+                        <a:schemeClr val="tx1"/>
+                      </a:solidFill>
+                      <a:latin typeface="굴림" charset="-127"/>
+                      <a:ea typeface="굴림" charset="-127"/>
+                    </a:defRPr>
+                  </a:lvl6pPr>
+                  <a:lvl7pPr marL="2971800" indent="-228600" eaLnBrk="0" fontAlgn="base" hangingPunct="0">
+                    <a:spcBef>
+                      <a:spcPct val="0"/>
+                    </a:spcBef>
+                    <a:spcAft>
+                      <a:spcPct val="0"/>
+                    </a:spcAft>
+                    <a:defRPr kumimoji="1">
+                      <a:solidFill>
+                        <a:schemeClr val="tx1"/>
+                      </a:solidFill>
+                      <a:latin typeface="굴림" charset="-127"/>
+                      <a:ea typeface="굴림" charset="-127"/>
+                    </a:defRPr>
+                  </a:lvl7pPr>
+                  <a:lvl8pPr marL="3429000" indent="-228600" eaLnBrk="0" fontAlgn="base" hangingPunct="0">
+                    <a:spcBef>
+                      <a:spcPct val="0"/>
+                    </a:spcBef>
+                    <a:spcAft>
+                      <a:spcPct val="0"/>
+                    </a:spcAft>
+                    <a:defRPr kumimoji="1">
+                      <a:solidFill>
+                        <a:schemeClr val="tx1"/>
+                      </a:solidFill>
+                      <a:latin typeface="굴림" charset="-127"/>
+                      <a:ea typeface="굴림" charset="-127"/>
+                    </a:defRPr>
+                  </a:lvl8pPr>
+                  <a:lvl9pPr marL="3886200" indent="-228600" eaLnBrk="0" fontAlgn="base" hangingPunct="0">
+                    <a:spcBef>
+                      <a:spcPct val="0"/>
+                    </a:spcBef>
+                    <a:spcAft>
+                      <a:spcPct val="0"/>
+                    </a:spcAft>
+                    <a:defRPr kumimoji="1">
+                      <a:solidFill>
+                        <a:schemeClr val="tx1"/>
+                      </a:solidFill>
+                      <a:latin typeface="굴림" charset="-127"/>
+                      <a:ea typeface="굴림" charset="-127"/>
+                    </a:defRPr>
+                  </a:lvl9pPr>
+                </a:lstStyle>
+                <a:p>
+                  <a:pPr marL="0" indent="0" algn="ctr" eaLnBrk="1" hangingPunct="1"/>
+                  <a:r>
+                    <a:rPr lang="en-US" altLang="ko-KR" sz="700" dirty="0">
+                      <a:latin typeface="+mn-ea"/>
+                      <a:ea typeface="+mn-ea"/>
+                    </a:rPr>
+                    <a:t>L/B</a:t>
+                  </a:r>
+                </a:p>
+              </p:txBody>
+            </p:sp>
+          </p:grpSp>
+          <p:sp>
+            <p:nvSpPr>
+              <p:cNvPr id="104" name="모서리가 둥근 직사각형 103">
+                <a:extLst>
+                  <a:ext uri="{FF2B5EF4-FFF2-40B4-BE49-F238E27FC236}">
+                    <a16:creationId xmlns:a16="http://schemas.microsoft.com/office/drawing/2014/main" id="{70C2C6EC-FFC8-F34C-A3D1-F642B47C24B6}"/>
+                  </a:ext>
+                </a:extLst>
+              </p:cNvPr>
+              <p:cNvSpPr/>
+              <p:nvPr/>
+            </p:nvSpPr>
+            <p:spPr bwMode="auto">
+              <a:xfrm>
+                <a:off x="2594986" y="3400324"/>
+                <a:ext cx="1132402" cy="191668"/>
+              </a:xfrm>
+              <a:prstGeom prst="roundRect">
+                <a:avLst>
+                  <a:gd name="adj" fmla="val 9531"/>
+                </a:avLst>
+              </a:prstGeom>
+              <a:solidFill>
+                <a:schemeClr val="accent1"/>
+              </a:solidFill>
+              <a:ln w="12700">
+                <a:noFill/>
+                <a:round/>
+                <a:headEnd type="none" w="med" len="med"/>
+                <a:tailEnd type="none" w="med" len="med"/>
+              </a:ln>
+            </p:spPr>
+            <p:txBody>
+              <a:bodyPr rot="0" spcFirstLastPara="0" vertOverflow="overflow" horzOverflow="overflow" vert="horz" wrap="square" lIns="91440" tIns="45720" rIns="91440" bIns="45720" numCol="1" spcCol="0" rtlCol="0" fromWordArt="0" anchor="ctr" anchorCtr="0" forceAA="0" compatLnSpc="1">
+                <a:prstTxWarp prst="textNoShape">
+                  <a:avLst/>
+                </a:prstTxWarp>
+                <a:noAutofit/>
+              </a:bodyPr>
+              <a:lstStyle/>
+              <a:p>
+                <a:pPr algn="ctr"/>
+                <a:r>
+                  <a:rPr kumimoji="1" lang="en-US" altLang="ko-KR" sz="900" b="0" dirty="0" err="1">
+                    <a:solidFill>
+                      <a:schemeClr val="bg1"/>
+                    </a:solidFill>
+                    <a:latin typeface="+mn-lt"/>
+                    <a:ea typeface="+mn-ea"/>
+                  </a:rPr>
+                  <a:t>JQuery.js</a:t>
+                </a:r>
+                <a:endParaRPr kumimoji="1" lang="en-US" altLang="ko-KR" sz="900" b="0" dirty="0">
+                  <a:solidFill>
+                    <a:schemeClr val="bg1"/>
+                  </a:solidFill>
+                  <a:latin typeface="+mn-lt"/>
+                  <a:ea typeface="+mn-ea"/>
+                </a:endParaRPr>
+              </a:p>
+            </p:txBody>
+          </p:sp>
+        </p:grpSp>
+        <p:sp>
+          <p:nvSpPr>
+            <p:cNvPr id="72" name="모서리가 둥근 직사각형 6">
+              <a:extLst>
+                <a:ext uri="{FF2B5EF4-FFF2-40B4-BE49-F238E27FC236}">
+                  <a16:creationId xmlns:a16="http://schemas.microsoft.com/office/drawing/2014/main" id="{F14F9D13-61AA-E446-9DA3-FE950A2E8C47}"/>
+                </a:ext>
+              </a:extLst>
+            </p:cNvPr>
+            <p:cNvSpPr/>
+            <p:nvPr/>
+          </p:nvSpPr>
+          <p:spPr>
+            <a:xfrm>
+              <a:off x="5324841" y="3931114"/>
+              <a:ext cx="1336933" cy="295285"/>
+            </a:xfrm>
+            <a:prstGeom prst="roundRect">
+              <a:avLst>
+                <a:gd name="adj" fmla="val 17236"/>
+              </a:avLst>
+            </a:prstGeom>
+            <a:solidFill>
+              <a:schemeClr val="bg1"/>
+            </a:solidFill>
+            <a:ln w="6350"/>
+            <a:effectLst/>
+          </p:spPr>
+          <p:style>
+            <a:lnRef idx="1">
+              <a:schemeClr val="dk1"/>
+            </a:lnRef>
+            <a:fillRef idx="2">
+              <a:schemeClr val="dk1"/>
+            </a:fillRef>
+            <a:effectRef idx="1">
+              <a:schemeClr val="dk1"/>
+            </a:effectRef>
+            <a:fontRef idx="minor">
+              <a:schemeClr val="dk1"/>
+            </a:fontRef>
+          </p:style>
+          <p:txBody>
+            <a:bodyPr lIns="18000" rIns="18000" anchor="t" anchorCtr="0"/>
+            <a:lstStyle/>
+            <a:p>
+              <a:pPr>
+                <a:defRPr/>
+              </a:pPr>
+              <a:r>
+                <a:rPr lang="en-US" altLang="ko-KR" sz="900" dirty="0" err="1">
+                  <a:solidFill>
+                    <a:srgbClr val="000000"/>
+                  </a:solidFill>
+                  <a:ea typeface="맑은 고딕" pitchFamily="50" charset="-127"/>
+                </a:rPr>
+                <a:t>nginx</a:t>
+              </a:r>
+              <a:endParaRPr lang="en-US" altLang="ko-KR" sz="1000" b="1" dirty="0">
+                <a:solidFill>
+                  <a:srgbClr val="000000"/>
+                </a:solidFill>
+                <a:ea typeface="맑은 고딕" pitchFamily="50" charset="-127"/>
+              </a:endParaRPr>
+            </a:p>
+          </p:txBody>
+        </p:sp>
+        <p:sp>
+          <p:nvSpPr>
+            <p:cNvPr id="75" name="모서리가 둥근 직사각형 74">
+              <a:extLst>
+                <a:ext uri="{FF2B5EF4-FFF2-40B4-BE49-F238E27FC236}">
+                  <a16:creationId xmlns:a16="http://schemas.microsoft.com/office/drawing/2014/main" id="{B5BC0FC2-7919-6442-B62C-16BD3CC0EABE}"/>
+                </a:ext>
+              </a:extLst>
+            </p:cNvPr>
+            <p:cNvSpPr/>
+            <p:nvPr/>
+          </p:nvSpPr>
+          <p:spPr bwMode="auto">
+            <a:xfrm>
+              <a:off x="5427105" y="3445073"/>
+              <a:ext cx="1132402" cy="203783"/>
+            </a:xfrm>
+            <a:prstGeom prst="roundRect">
+              <a:avLst>
+                <a:gd name="adj" fmla="val 9531"/>
+              </a:avLst>
+            </a:prstGeom>
+            <a:solidFill>
+              <a:schemeClr val="accent1"/>
+            </a:solidFill>
+            <a:ln w="12700">
+              <a:noFill/>
+              <a:round/>
+              <a:headEnd type="none" w="med" len="med"/>
+              <a:tailEnd type="none" w="med" len="med"/>
+            </a:ln>
+          </p:spPr>
+          <p:txBody>
+            <a:bodyPr rot="0" spcFirstLastPara="0" vertOverflow="overflow" horzOverflow="overflow" vert="horz" wrap="square" lIns="91440" tIns="45720" rIns="91440" bIns="45720" numCol="1" spcCol="0" rtlCol="0" fromWordArt="0" anchor="ctr" anchorCtr="0" forceAA="0" compatLnSpc="1">
+              <a:prstTxWarp prst="textNoShape">
+                <a:avLst/>
+              </a:prstTxWarp>
+              <a:noAutofit/>
+            </a:bodyPr>
+            <a:lstStyle/>
+            <a:p>
+              <a:pPr algn="ctr"/>
+              <a:r>
+                <a:rPr kumimoji="1" lang="en-US" altLang="ko-KR" sz="900" b="0" dirty="0" err="1">
+                  <a:solidFill>
+                    <a:schemeClr val="bg1"/>
+                  </a:solidFill>
+                  <a:latin typeface="+mn-lt"/>
+                  <a:ea typeface="+mn-ea"/>
+                </a:rPr>
+                <a:t>gunicorn</a:t>
+              </a:r>
+              <a:endParaRPr kumimoji="1" lang="en-US" altLang="ko-KR" sz="900" b="0" dirty="0">
+                <a:solidFill>
+                  <a:schemeClr val="bg1"/>
+                </a:solidFill>
+                <a:latin typeface="+mn-lt"/>
+                <a:ea typeface="+mn-ea"/>
+              </a:endParaRPr>
+            </a:p>
+          </p:txBody>
+        </p:sp>
+        <p:sp>
+          <p:nvSpPr>
+            <p:cNvPr id="68" name="모서리가 둥근 직사각형 67">
+              <a:extLst>
+                <a:ext uri="{FF2B5EF4-FFF2-40B4-BE49-F238E27FC236}">
+                  <a16:creationId xmlns:a16="http://schemas.microsoft.com/office/drawing/2014/main" id="{2919333D-FF42-C546-B529-80AA678F67B7}"/>
+                </a:ext>
+              </a:extLst>
+            </p:cNvPr>
+            <p:cNvSpPr/>
+            <p:nvPr/>
+          </p:nvSpPr>
+          <p:spPr bwMode="auto">
+            <a:xfrm>
+              <a:off x="7392590" y="2232366"/>
+              <a:ext cx="1529559" cy="1212707"/>
+            </a:xfrm>
+            <a:prstGeom prst="roundRect">
+              <a:avLst>
+                <a:gd name="adj" fmla="val 6488"/>
+              </a:avLst>
+            </a:prstGeom>
+            <a:solidFill>
+              <a:schemeClr val="accent3">
+                <a:lumMod val="40000"/>
+                <a:lumOff val="60000"/>
+              </a:schemeClr>
+            </a:solidFill>
+            <a:ln w="12700">
+              <a:solidFill>
+                <a:schemeClr val="bg1"/>
+              </a:solidFill>
+              <a:round/>
+              <a:headEnd type="none" w="med" len="med"/>
+              <a:tailEnd type="none" w="med" len="med"/>
+            </a:ln>
+          </p:spPr>
+          <p:txBody>
+            <a:bodyPr rot="0" spcFirstLastPara="0" vertOverflow="overflow" horzOverflow="overflow" vert="horz" wrap="square" lIns="90000" tIns="45720" rIns="91440" bIns="45720" numCol="1" spcCol="0" rtlCol="0" fromWordArt="0" anchor="t" anchorCtr="0" forceAA="0" compatLnSpc="1">
+              <a:prstTxWarp prst="textNoShape">
+                <a:avLst/>
+              </a:prstTxWarp>
+              <a:noAutofit/>
+            </a:bodyPr>
+            <a:lstStyle/>
+            <a:p>
+              <a:r>
+                <a:rPr kumimoji="1" lang="en-US" altLang="ko-KR" sz="1000" b="1" dirty="0">
+                  <a:latin typeface="+mn-lt"/>
+                  <a:ea typeface="+mn-ea"/>
+                </a:rPr>
+                <a:t>Redis Pod</a:t>
+              </a:r>
+              <a:r>
+                <a:rPr kumimoji="1" lang="en-US" altLang="ko-KR" sz="900" dirty="0">
+                  <a:latin typeface="+mn-lt"/>
+                  <a:ea typeface="+mn-ea"/>
+                </a:rPr>
+                <a:t> (replica = 1)</a:t>
+              </a:r>
+              <a:endParaRPr kumimoji="1" lang="ko-KR" altLang="en-US" sz="900" dirty="0">
+                <a:latin typeface="+mn-lt"/>
+                <a:ea typeface="+mn-ea"/>
+              </a:endParaRPr>
+            </a:p>
+          </p:txBody>
+        </p:sp>
+        <p:sp>
+          <p:nvSpPr>
+            <p:cNvPr id="87" name="모서리가 둥근 직사각형 6">
+              <a:extLst>
+                <a:ext uri="{FF2B5EF4-FFF2-40B4-BE49-F238E27FC236}">
+                  <a16:creationId xmlns:a16="http://schemas.microsoft.com/office/drawing/2014/main" id="{1AF7F973-3DE3-CF41-B7DE-D4904397937B}"/>
+                </a:ext>
+              </a:extLst>
+            </p:cNvPr>
+            <p:cNvSpPr/>
+            <p:nvPr/>
+          </p:nvSpPr>
+          <p:spPr>
+            <a:xfrm>
+              <a:off x="7478090" y="2667086"/>
+              <a:ext cx="1336933" cy="295285"/>
+            </a:xfrm>
+            <a:prstGeom prst="roundRect">
+              <a:avLst>
+                <a:gd name="adj" fmla="val 17236"/>
+              </a:avLst>
+            </a:prstGeom>
+            <a:solidFill>
+              <a:schemeClr val="bg1"/>
+            </a:solidFill>
+            <a:ln w="6350"/>
+            <a:effectLst/>
+          </p:spPr>
+          <p:style>
+            <a:lnRef idx="1">
+              <a:schemeClr val="dk1"/>
+            </a:lnRef>
+            <a:fillRef idx="2">
+              <a:schemeClr val="dk1"/>
+            </a:fillRef>
+            <a:effectRef idx="1">
+              <a:schemeClr val="dk1"/>
+            </a:effectRef>
+            <a:fontRef idx="minor">
+              <a:schemeClr val="dk1"/>
+            </a:fontRef>
+          </p:style>
+          <p:txBody>
+            <a:bodyPr lIns="18000" rIns="18000" anchor="ctr" anchorCtr="0"/>
+            <a:lstStyle/>
+            <a:p>
+              <a:pPr algn="ctr">
+                <a:defRPr/>
+              </a:pPr>
+              <a:r>
+                <a:rPr lang="en-US" altLang="ko-KR" sz="900" dirty="0">
+                  <a:solidFill>
+                    <a:srgbClr val="000000"/>
+                  </a:solidFill>
+                  <a:ea typeface="맑은 고딕" pitchFamily="50" charset="-127"/>
+                </a:rPr>
+                <a:t>Session Data</a:t>
+              </a:r>
+              <a:endParaRPr lang="en-US" altLang="ko-KR" sz="1000" b="1" dirty="0">
+                <a:solidFill>
+                  <a:srgbClr val="000000"/>
+                </a:solidFill>
+                <a:ea typeface="맑은 고딕" pitchFamily="50" charset="-127"/>
+              </a:endParaRPr>
+            </a:p>
+          </p:txBody>
+        </p:sp>
+        <p:grpSp>
+          <p:nvGrpSpPr>
+            <p:cNvPr id="98" name="그룹 97">
+              <a:extLst>
+                <a:ext uri="{FF2B5EF4-FFF2-40B4-BE49-F238E27FC236}">
+                  <a16:creationId xmlns:a16="http://schemas.microsoft.com/office/drawing/2014/main" id="{EF2F972D-9FC0-074D-A592-26B768C41B61}"/>
+                </a:ext>
+              </a:extLst>
+            </p:cNvPr>
+            <p:cNvGrpSpPr/>
+            <p:nvPr/>
+          </p:nvGrpSpPr>
+          <p:grpSpPr>
+            <a:xfrm>
+              <a:off x="7107621" y="2478162"/>
+              <a:ext cx="360000" cy="360000"/>
+              <a:chOff x="2210181" y="2714828"/>
+              <a:chExt cx="360000" cy="360000"/>
+            </a:xfrm>
+          </p:grpSpPr>
+          <p:sp>
+            <p:nvSpPr>
+              <p:cNvPr id="99" name="타원 98">
+                <a:extLst>
+                  <a:ext uri="{FF2B5EF4-FFF2-40B4-BE49-F238E27FC236}">
+                    <a16:creationId xmlns:a16="http://schemas.microsoft.com/office/drawing/2014/main" id="{4AED5010-0621-7C42-89CF-86EA5A671FC3}"/>
+                  </a:ext>
+                </a:extLst>
+              </p:cNvPr>
+              <p:cNvSpPr/>
+              <p:nvPr/>
+            </p:nvSpPr>
+            <p:spPr>
+              <a:xfrm>
+                <a:off x="2210181" y="2714828"/>
+                <a:ext cx="360000" cy="360000"/>
+              </a:xfrm>
+              <a:prstGeom prst="ellipse">
+                <a:avLst/>
+              </a:prstGeom>
+              <a:solidFill>
+                <a:schemeClr val="bg1">
+                  <a:lumMod val="95000"/>
+                </a:schemeClr>
+              </a:solidFill>
+              <a:ln w="9525">
+                <a:solidFill>
+                  <a:schemeClr val="tx1">
+                    <a:lumMod val="85000"/>
+                    <a:lumOff val="15000"/>
+                  </a:schemeClr>
+                </a:solidFill>
+              </a:ln>
+              <a:scene3d>
+                <a:camera prst="orthographicFront"/>
+                <a:lightRig rig="threePt" dir="t"/>
+              </a:scene3d>
+              <a:sp3d/>
+            </p:spPr>
+            <p:style>
+              <a:lnRef idx="2">
+                <a:schemeClr val="accent1">
+                  <a:shade val="50000"/>
+                </a:schemeClr>
+              </a:lnRef>
+              <a:fillRef idx="1">
+                <a:schemeClr val="accent1"/>
+              </a:fillRef>
+              <a:effectRef idx="0">
+                <a:schemeClr val="accent1"/>
+              </a:effectRef>
+              <a:fontRef idx="minor">
+                <a:schemeClr val="lt1"/>
+              </a:fontRef>
+            </p:style>
+            <p:txBody>
+              <a:bodyPr rtlCol="0" anchor="ctr">
+                <a:flatTx/>
+              </a:bodyPr>
+              <a:lstStyle/>
+              <a:p>
+                <a:pPr algn="ctr"/>
+                <a:endParaRPr kumimoji="1" lang="ko-Kore-KR" altLang="en-US" sz="700" dirty="0">
+                  <a:solidFill>
+                    <a:schemeClr val="tx1"/>
+                  </a:solidFill>
+                  <a:ea typeface="맑은 고딕" pitchFamily="50" charset="-127"/>
+                </a:endParaRPr>
+              </a:p>
+            </p:txBody>
+          </p:sp>
+          <p:sp>
+            <p:nvSpPr>
+              <p:cNvPr id="105" name="Text Box 53">
+                <a:extLst>
+                  <a:ext uri="{FF2B5EF4-FFF2-40B4-BE49-F238E27FC236}">
+                    <a16:creationId xmlns:a16="http://schemas.microsoft.com/office/drawing/2014/main" id="{1B98BC15-57BA-8240-8A0E-6051AA72D9C4}"/>
+                  </a:ext>
+                </a:extLst>
+              </p:cNvPr>
+              <p:cNvSpPr txBox="1">
+                <a:spLocks noChangeArrowheads="1"/>
+              </p:cNvSpPr>
+              <p:nvPr/>
+            </p:nvSpPr>
+            <p:spPr bwMode="auto">
+              <a:xfrm>
+                <a:off x="2234985" y="2790182"/>
+                <a:ext cx="335196" cy="200055"/>
+              </a:xfrm>
+              <a:prstGeom prst="rect">
+                <a:avLst/>
+              </a:prstGeom>
+              <a:noFill/>
+              <a:ln>
+                <a:noFill/>
+              </a:ln>
+              <a:extLst>
+                <a:ext uri="{909E8E84-426E-40DD-AFC4-6F175D3DCCD1}">
+                  <a14:hiddenFill xmlns:a14="http://schemas.microsoft.com/office/drawing/2010/main">
+                    <a:solidFill>
+                      <a:srgbClr val="FFFFFF"/>
+                    </a:solidFill>
+                  </a14:hiddenFill>
+                </a:ext>
+                <a:ext uri="{91240B29-F687-4F45-9708-019B960494DF}">
+                  <a14:hiddenLine xmlns:a14="http://schemas.microsoft.com/office/drawing/2010/main" w="9525" algn="ctr">
+                    <a:solidFill>
+                      <a:srgbClr val="000000"/>
+                    </a:solidFill>
+                    <a:miter lim="800000"/>
+                    <a:headEnd/>
+                    <a:tailEnd/>
+                  </a14:hiddenLine>
+                </a:ext>
+              </a:extLst>
+            </p:spPr>
+            <p:txBody>
+              <a:bodyPr wrap="square">
+                <a:spAutoFit/>
+              </a:bodyPr>
+              <a:lstStyle>
+                <a:lvl1pPr marL="90488" indent="-90488" eaLnBrk="0" hangingPunct="0">
+                  <a:defRPr kumimoji="1">
+                    <a:solidFill>
+                      <a:schemeClr val="tx1"/>
+                    </a:solidFill>
+                    <a:latin typeface="굴림" charset="-127"/>
+                    <a:ea typeface="굴림" charset="-127"/>
+                  </a:defRPr>
+                </a:lvl1pPr>
+                <a:lvl2pPr marL="742950" indent="-285750" eaLnBrk="0" hangingPunct="0">
+                  <a:defRPr kumimoji="1">
+                    <a:solidFill>
+                      <a:schemeClr val="tx1"/>
+                    </a:solidFill>
+                    <a:latin typeface="굴림" charset="-127"/>
+                    <a:ea typeface="굴림" charset="-127"/>
+                  </a:defRPr>
+                </a:lvl2pPr>
+                <a:lvl3pPr marL="1143000" indent="-228600" eaLnBrk="0" hangingPunct="0">
+                  <a:defRPr kumimoji="1">
+                    <a:solidFill>
+                      <a:schemeClr val="tx1"/>
+                    </a:solidFill>
+                    <a:latin typeface="굴림" charset="-127"/>
+                    <a:ea typeface="굴림" charset="-127"/>
+                  </a:defRPr>
+                </a:lvl3pPr>
+                <a:lvl4pPr marL="1600200" indent="-228600" eaLnBrk="0" hangingPunct="0">
+                  <a:defRPr kumimoji="1">
+                    <a:solidFill>
+                      <a:schemeClr val="tx1"/>
+                    </a:solidFill>
+                    <a:latin typeface="굴림" charset="-127"/>
+                    <a:ea typeface="굴림" charset="-127"/>
+                  </a:defRPr>
+                </a:lvl4pPr>
+                <a:lvl5pPr marL="2057400" indent="-228600" eaLnBrk="0" hangingPunct="0">
+                  <a:defRPr kumimoji="1">
+                    <a:solidFill>
+                      <a:schemeClr val="tx1"/>
+                    </a:solidFill>
+                    <a:latin typeface="굴림" charset="-127"/>
+                    <a:ea typeface="굴림" charset="-127"/>
+                  </a:defRPr>
+                </a:lvl5pPr>
+                <a:lvl6pPr marL="2514600" indent="-228600" eaLnBrk="0" fontAlgn="base" hangingPunct="0">
+                  <a:spcBef>
+                    <a:spcPct val="0"/>
+                  </a:spcBef>
+                  <a:spcAft>
+                    <a:spcPct val="0"/>
+                  </a:spcAft>
+                  <a:defRPr kumimoji="1">
+                    <a:solidFill>
+                      <a:schemeClr val="tx1"/>
+                    </a:solidFill>
+                    <a:latin typeface="굴림" charset="-127"/>
+                    <a:ea typeface="굴림" charset="-127"/>
+                  </a:defRPr>
+                </a:lvl6pPr>
+                <a:lvl7pPr marL="2971800" indent="-228600" eaLnBrk="0" fontAlgn="base" hangingPunct="0">
+                  <a:spcBef>
+                    <a:spcPct val="0"/>
+                  </a:spcBef>
+                  <a:spcAft>
+                    <a:spcPct val="0"/>
+                  </a:spcAft>
+                  <a:defRPr kumimoji="1">
+                    <a:solidFill>
+                      <a:schemeClr val="tx1"/>
+                    </a:solidFill>
+                    <a:latin typeface="굴림" charset="-127"/>
+                    <a:ea typeface="굴림" charset="-127"/>
+                  </a:defRPr>
+                </a:lvl7pPr>
+                <a:lvl8pPr marL="3429000" indent="-228600" eaLnBrk="0" fontAlgn="base" hangingPunct="0">
+                  <a:spcBef>
+                    <a:spcPct val="0"/>
+                  </a:spcBef>
+                  <a:spcAft>
+                    <a:spcPct val="0"/>
+                  </a:spcAft>
+                  <a:defRPr kumimoji="1">
+                    <a:solidFill>
+                      <a:schemeClr val="tx1"/>
+                    </a:solidFill>
+                    <a:latin typeface="굴림" charset="-127"/>
+                    <a:ea typeface="굴림" charset="-127"/>
+                  </a:defRPr>
+                </a:lvl8pPr>
+                <a:lvl9pPr marL="3886200" indent="-228600" eaLnBrk="0" fontAlgn="base" hangingPunct="0">
+                  <a:spcBef>
+                    <a:spcPct val="0"/>
+                  </a:spcBef>
+                  <a:spcAft>
+                    <a:spcPct val="0"/>
+                  </a:spcAft>
+                  <a:defRPr kumimoji="1">
+                    <a:solidFill>
+                      <a:schemeClr val="tx1"/>
+                    </a:solidFill>
+                    <a:latin typeface="굴림" charset="-127"/>
+                    <a:ea typeface="굴림" charset="-127"/>
+                  </a:defRPr>
+                </a:lvl9pPr>
+              </a:lstStyle>
+              <a:p>
+                <a:pPr marL="0" indent="0" algn="ctr" eaLnBrk="1" hangingPunct="1"/>
+                <a:r>
+                  <a:rPr lang="en-US" altLang="ko-KR" sz="700" dirty="0">
+                    <a:latin typeface="+mn-ea"/>
+                    <a:ea typeface="+mn-ea"/>
+                  </a:rPr>
+                  <a:t>L/B</a:t>
+                </a:r>
+              </a:p>
+            </p:txBody>
+          </p:sp>
+        </p:grpSp>
+        <p:cxnSp>
+          <p:nvCxnSpPr>
+            <p:cNvPr id="106" name="직선 연결선[R] 108">
+              <a:extLst>
+                <a:ext uri="{FF2B5EF4-FFF2-40B4-BE49-F238E27FC236}">
+                  <a16:creationId xmlns:a16="http://schemas.microsoft.com/office/drawing/2014/main" id="{72359472-8AFB-764B-B828-08128A96BACF}"/>
+                </a:ext>
+              </a:extLst>
+            </p:cNvPr>
+            <p:cNvCxnSpPr>
+              <a:cxnSpLocks/>
+              <a:stCxn id="46" idx="3"/>
+              <a:endCxn id="99" idx="2"/>
+            </p:cNvCxnSpPr>
+            <p:nvPr/>
+          </p:nvCxnSpPr>
+          <p:spPr>
+            <a:xfrm flipV="1">
+              <a:off x="6766743" y="2658162"/>
+              <a:ext cx="340878" cy="623378"/>
+            </a:xfrm>
+            <a:prstGeom prst="bentConnector3">
+              <a:avLst>
+                <a:gd name="adj1" fmla="val 68373"/>
+              </a:avLst>
+            </a:prstGeom>
+            <a:ln w="19050">
+              <a:solidFill>
+                <a:schemeClr val="accent4">
+                  <a:lumMod val="60000"/>
+                  <a:lumOff val="40000"/>
+                </a:schemeClr>
+              </a:solidFill>
+              <a:headEnd type="none" w="med" len="sm"/>
+              <a:tailEnd type="none" w="med" len="sm"/>
+            </a:ln>
+          </p:spPr>
+          <p:style>
+            <a:lnRef idx="1">
+              <a:schemeClr val="accent1"/>
+            </a:lnRef>
+            <a:fillRef idx="0">
+              <a:schemeClr val="accent1"/>
+            </a:fillRef>
+            <a:effectRef idx="0">
+              <a:schemeClr val="accent1"/>
+            </a:effectRef>
+            <a:fontRef idx="minor">
+              <a:schemeClr val="tx1"/>
+            </a:fontRef>
+          </p:style>
+        </p:cxnSp>
+        <p:sp>
+          <p:nvSpPr>
+            <p:cNvPr id="107" name="모서리가 둥근 직사각형 106">
+              <a:extLst>
+                <a:ext uri="{FF2B5EF4-FFF2-40B4-BE49-F238E27FC236}">
+                  <a16:creationId xmlns:a16="http://schemas.microsoft.com/office/drawing/2014/main" id="{E21F2FB2-1AD0-ED44-80C6-836152F1FBA8}"/>
+                </a:ext>
+              </a:extLst>
+            </p:cNvPr>
+            <p:cNvSpPr/>
+            <p:nvPr/>
+          </p:nvSpPr>
+          <p:spPr bwMode="auto">
+            <a:xfrm>
+              <a:off x="7392590" y="3612852"/>
+              <a:ext cx="1529559" cy="1215931"/>
+            </a:xfrm>
+            <a:prstGeom prst="roundRect">
+              <a:avLst>
+                <a:gd name="adj" fmla="val 6497"/>
+              </a:avLst>
+            </a:prstGeom>
+            <a:solidFill>
+              <a:schemeClr val="accent3">
+                <a:lumMod val="40000"/>
+                <a:lumOff val="60000"/>
+              </a:schemeClr>
+            </a:solidFill>
+            <a:ln w="12700">
+              <a:solidFill>
+                <a:schemeClr val="bg1"/>
+              </a:solidFill>
+              <a:round/>
+              <a:headEnd type="none" w="med" len="med"/>
+              <a:tailEnd type="none" w="med" len="med"/>
+            </a:ln>
+          </p:spPr>
+          <p:txBody>
+            <a:bodyPr rot="0" spcFirstLastPara="0" vertOverflow="overflow" horzOverflow="overflow" vert="horz" wrap="square" lIns="90000" tIns="45720" rIns="91440" bIns="45720" numCol="1" spcCol="0" rtlCol="0" fromWordArt="0" anchor="t" anchorCtr="0" forceAA="0" compatLnSpc="1">
+              <a:prstTxWarp prst="textNoShape">
+                <a:avLst/>
+              </a:prstTxWarp>
+              <a:noAutofit/>
+            </a:bodyPr>
+            <a:lstStyle/>
+            <a:p>
+              <a:r>
+                <a:rPr kumimoji="1" lang="en-US" altLang="ko-KR" sz="1000" b="1" dirty="0">
+                  <a:latin typeface="+mn-lt"/>
+                  <a:ea typeface="+mn-ea"/>
+                </a:rPr>
+                <a:t>Postgres Pod</a:t>
+              </a:r>
+              <a:r>
+                <a:rPr kumimoji="1" lang="en-US" altLang="ko-KR" sz="900" dirty="0">
+                  <a:latin typeface="+mn-lt"/>
+                  <a:ea typeface="+mn-ea"/>
+                </a:rPr>
+                <a:t> (replica = 1)</a:t>
+              </a:r>
+              <a:endParaRPr kumimoji="1" lang="ko-KR" altLang="en-US" sz="900" dirty="0">
+                <a:latin typeface="+mn-lt"/>
+                <a:ea typeface="+mn-ea"/>
+              </a:endParaRPr>
+            </a:p>
+          </p:txBody>
+        </p:sp>
+        <p:sp>
+          <p:nvSpPr>
+            <p:cNvPr id="110" name="모서리가 둥근 직사각형 6">
+              <a:extLst>
+                <a:ext uri="{FF2B5EF4-FFF2-40B4-BE49-F238E27FC236}">
+                  <a16:creationId xmlns:a16="http://schemas.microsoft.com/office/drawing/2014/main" id="{EFEA3EFF-A5B0-104D-A7E1-5C12A43EE32C}"/>
+                </a:ext>
+              </a:extLst>
+            </p:cNvPr>
+            <p:cNvSpPr/>
+            <p:nvPr/>
+          </p:nvSpPr>
+          <p:spPr>
+            <a:xfrm>
+              <a:off x="7478090" y="4053087"/>
+              <a:ext cx="1336933" cy="295285"/>
+            </a:xfrm>
+            <a:prstGeom prst="roundRect">
+              <a:avLst>
+                <a:gd name="adj" fmla="val 17236"/>
+              </a:avLst>
+            </a:prstGeom>
+            <a:solidFill>
+              <a:schemeClr val="bg1"/>
+            </a:solidFill>
+            <a:ln w="6350"/>
+            <a:effectLst/>
+          </p:spPr>
+          <p:style>
+            <a:lnRef idx="1">
+              <a:schemeClr val="dk1"/>
+            </a:lnRef>
+            <a:fillRef idx="2">
+              <a:schemeClr val="dk1"/>
+            </a:fillRef>
+            <a:effectRef idx="1">
+              <a:schemeClr val="dk1"/>
+            </a:effectRef>
+            <a:fontRef idx="minor">
+              <a:schemeClr val="dk1"/>
+            </a:fontRef>
+          </p:style>
+          <p:txBody>
+            <a:bodyPr lIns="18000" rIns="18000" anchor="ctr" anchorCtr="0"/>
+            <a:lstStyle/>
+            <a:p>
+              <a:pPr algn="ctr">
+                <a:defRPr/>
+              </a:pPr>
+              <a:r>
+                <a:rPr lang="en-US" altLang="ko-KR" sz="900" dirty="0">
+                  <a:solidFill>
+                    <a:srgbClr val="000000"/>
+                  </a:solidFill>
+                  <a:ea typeface="맑은 고딕" pitchFamily="50" charset="-127"/>
+                </a:rPr>
+                <a:t>Relational Data</a:t>
+              </a:r>
+              <a:endParaRPr lang="en-US" altLang="ko-KR" sz="1000" b="1" dirty="0">
+                <a:solidFill>
+                  <a:srgbClr val="000000"/>
+                </a:solidFill>
+                <a:ea typeface="맑은 고딕" pitchFamily="50" charset="-127"/>
+              </a:endParaRPr>
+            </a:p>
+          </p:txBody>
+        </p:sp>
+        <p:grpSp>
+          <p:nvGrpSpPr>
+            <p:cNvPr id="112" name="그룹 111">
+              <a:extLst>
+                <a:ext uri="{FF2B5EF4-FFF2-40B4-BE49-F238E27FC236}">
+                  <a16:creationId xmlns:a16="http://schemas.microsoft.com/office/drawing/2014/main" id="{D15BC055-23EA-EA43-87A0-3D9DCBF68C81}"/>
+                </a:ext>
+              </a:extLst>
+            </p:cNvPr>
+            <p:cNvGrpSpPr/>
+            <p:nvPr/>
+          </p:nvGrpSpPr>
+          <p:grpSpPr>
+            <a:xfrm>
+              <a:off x="7107621" y="3890645"/>
+              <a:ext cx="360000" cy="360000"/>
+              <a:chOff x="2210181" y="2714828"/>
+              <a:chExt cx="360000" cy="360000"/>
+            </a:xfrm>
+          </p:grpSpPr>
+          <p:sp>
+            <p:nvSpPr>
+              <p:cNvPr id="113" name="타원 112">
+                <a:extLst>
+                  <a:ext uri="{FF2B5EF4-FFF2-40B4-BE49-F238E27FC236}">
+                    <a16:creationId xmlns:a16="http://schemas.microsoft.com/office/drawing/2014/main" id="{8B8E6F5C-3E39-6D4D-B874-321D78D5B683}"/>
+                  </a:ext>
+                </a:extLst>
+              </p:cNvPr>
+              <p:cNvSpPr/>
+              <p:nvPr/>
+            </p:nvSpPr>
+            <p:spPr>
+              <a:xfrm>
+                <a:off x="2210181" y="2714828"/>
+                <a:ext cx="360000" cy="360000"/>
+              </a:xfrm>
+              <a:prstGeom prst="ellipse">
+                <a:avLst/>
+              </a:prstGeom>
+              <a:solidFill>
+                <a:schemeClr val="bg1">
+                  <a:lumMod val="95000"/>
+                </a:schemeClr>
+              </a:solidFill>
+              <a:ln w="9525">
+                <a:solidFill>
+                  <a:schemeClr val="tx1">
+                    <a:lumMod val="85000"/>
+                    <a:lumOff val="15000"/>
+                  </a:schemeClr>
+                </a:solidFill>
+              </a:ln>
+              <a:scene3d>
+                <a:camera prst="orthographicFront"/>
+                <a:lightRig rig="threePt" dir="t"/>
+              </a:scene3d>
+              <a:sp3d/>
+            </p:spPr>
+            <p:style>
+              <a:lnRef idx="2">
+                <a:schemeClr val="accent1">
+                  <a:shade val="50000"/>
+                </a:schemeClr>
+              </a:lnRef>
+              <a:fillRef idx="1">
+                <a:schemeClr val="accent1"/>
+              </a:fillRef>
+              <a:effectRef idx="0">
+                <a:schemeClr val="accent1"/>
+              </a:effectRef>
+              <a:fontRef idx="minor">
+                <a:schemeClr val="lt1"/>
+              </a:fontRef>
+            </p:style>
+            <p:txBody>
+              <a:bodyPr rtlCol="0" anchor="ctr">
+                <a:flatTx/>
+              </a:bodyPr>
+              <a:lstStyle/>
+              <a:p>
+                <a:pPr algn="ctr"/>
+                <a:endParaRPr kumimoji="1" lang="ko-Kore-KR" altLang="en-US" sz="700" dirty="0">
+                  <a:solidFill>
+                    <a:schemeClr val="tx1"/>
+                  </a:solidFill>
+                  <a:ea typeface="맑은 고딕" pitchFamily="50" charset="-127"/>
+                </a:endParaRPr>
+              </a:p>
+            </p:txBody>
+          </p:sp>
+          <p:sp>
+            <p:nvSpPr>
+              <p:cNvPr id="114" name="Text Box 53">
+                <a:extLst>
+                  <a:ext uri="{FF2B5EF4-FFF2-40B4-BE49-F238E27FC236}">
+                    <a16:creationId xmlns:a16="http://schemas.microsoft.com/office/drawing/2014/main" id="{9D14350F-46A7-9D4B-AE30-42CD56596365}"/>
+                  </a:ext>
+                </a:extLst>
+              </p:cNvPr>
+              <p:cNvSpPr txBox="1">
+                <a:spLocks noChangeArrowheads="1"/>
+              </p:cNvSpPr>
+              <p:nvPr/>
+            </p:nvSpPr>
+            <p:spPr bwMode="auto">
+              <a:xfrm>
+                <a:off x="2234985" y="2790182"/>
+                <a:ext cx="335196" cy="200055"/>
+              </a:xfrm>
+              <a:prstGeom prst="rect">
+                <a:avLst/>
+              </a:prstGeom>
+              <a:noFill/>
+              <a:ln>
+                <a:noFill/>
+              </a:ln>
+              <a:extLst>
+                <a:ext uri="{909E8E84-426E-40DD-AFC4-6F175D3DCCD1}">
+                  <a14:hiddenFill xmlns:a14="http://schemas.microsoft.com/office/drawing/2010/main">
+                    <a:solidFill>
+                      <a:srgbClr val="FFFFFF"/>
+                    </a:solidFill>
+                  </a14:hiddenFill>
+                </a:ext>
+                <a:ext uri="{91240B29-F687-4F45-9708-019B960494DF}">
+                  <a14:hiddenLine xmlns:a14="http://schemas.microsoft.com/office/drawing/2010/main" w="9525" algn="ctr">
+                    <a:solidFill>
+                      <a:srgbClr val="000000"/>
+                    </a:solidFill>
+                    <a:miter lim="800000"/>
+                    <a:headEnd/>
+                    <a:tailEnd/>
+                  </a14:hiddenLine>
+                </a:ext>
+              </a:extLst>
+            </p:spPr>
+            <p:txBody>
+              <a:bodyPr wrap="square">
+                <a:spAutoFit/>
+              </a:bodyPr>
+              <a:lstStyle>
+                <a:lvl1pPr marL="90488" indent="-90488" eaLnBrk="0" hangingPunct="0">
+                  <a:defRPr kumimoji="1">
+                    <a:solidFill>
+                      <a:schemeClr val="tx1"/>
+                    </a:solidFill>
+                    <a:latin typeface="굴림" charset="-127"/>
+                    <a:ea typeface="굴림" charset="-127"/>
+                  </a:defRPr>
+                </a:lvl1pPr>
+                <a:lvl2pPr marL="742950" indent="-285750" eaLnBrk="0" hangingPunct="0">
+                  <a:defRPr kumimoji="1">
+                    <a:solidFill>
+                      <a:schemeClr val="tx1"/>
+                    </a:solidFill>
+                    <a:latin typeface="굴림" charset="-127"/>
+                    <a:ea typeface="굴림" charset="-127"/>
+                  </a:defRPr>
+                </a:lvl2pPr>
+                <a:lvl3pPr marL="1143000" indent="-228600" eaLnBrk="0" hangingPunct="0">
+                  <a:defRPr kumimoji="1">
+                    <a:solidFill>
+                      <a:schemeClr val="tx1"/>
+                    </a:solidFill>
+                    <a:latin typeface="굴림" charset="-127"/>
+                    <a:ea typeface="굴림" charset="-127"/>
+                  </a:defRPr>
+                </a:lvl3pPr>
+                <a:lvl4pPr marL="1600200" indent="-228600" eaLnBrk="0" hangingPunct="0">
+                  <a:defRPr kumimoji="1">
+                    <a:solidFill>
+                      <a:schemeClr val="tx1"/>
+                    </a:solidFill>
+                    <a:latin typeface="굴림" charset="-127"/>
+                    <a:ea typeface="굴림" charset="-127"/>
+                  </a:defRPr>
+                </a:lvl4pPr>
+                <a:lvl5pPr marL="2057400" indent="-228600" eaLnBrk="0" hangingPunct="0">
+                  <a:defRPr kumimoji="1">
+                    <a:solidFill>
+                      <a:schemeClr val="tx1"/>
+                    </a:solidFill>
+                    <a:latin typeface="굴림" charset="-127"/>
+                    <a:ea typeface="굴림" charset="-127"/>
+                  </a:defRPr>
+                </a:lvl5pPr>
+                <a:lvl6pPr marL="2514600" indent="-228600" eaLnBrk="0" fontAlgn="base" hangingPunct="0">
+                  <a:spcBef>
+                    <a:spcPct val="0"/>
+                  </a:spcBef>
+                  <a:spcAft>
+                    <a:spcPct val="0"/>
+                  </a:spcAft>
+                  <a:defRPr kumimoji="1">
+                    <a:solidFill>
+                      <a:schemeClr val="tx1"/>
+                    </a:solidFill>
+                    <a:latin typeface="굴림" charset="-127"/>
+                    <a:ea typeface="굴림" charset="-127"/>
+                  </a:defRPr>
+                </a:lvl6pPr>
+                <a:lvl7pPr marL="2971800" indent="-228600" eaLnBrk="0" fontAlgn="base" hangingPunct="0">
+                  <a:spcBef>
+                    <a:spcPct val="0"/>
+                  </a:spcBef>
+                  <a:spcAft>
+                    <a:spcPct val="0"/>
+                  </a:spcAft>
+                  <a:defRPr kumimoji="1">
+                    <a:solidFill>
+                      <a:schemeClr val="tx1"/>
+                    </a:solidFill>
+                    <a:latin typeface="굴림" charset="-127"/>
+                    <a:ea typeface="굴림" charset="-127"/>
+                  </a:defRPr>
+                </a:lvl7pPr>
+                <a:lvl8pPr marL="3429000" indent="-228600" eaLnBrk="0" fontAlgn="base" hangingPunct="0">
+                  <a:spcBef>
+                    <a:spcPct val="0"/>
+                  </a:spcBef>
+                  <a:spcAft>
+                    <a:spcPct val="0"/>
+                  </a:spcAft>
+                  <a:defRPr kumimoji="1">
+                    <a:solidFill>
+                      <a:schemeClr val="tx1"/>
+                    </a:solidFill>
+                    <a:latin typeface="굴림" charset="-127"/>
+                    <a:ea typeface="굴림" charset="-127"/>
+                  </a:defRPr>
+                </a:lvl8pPr>
+                <a:lvl9pPr marL="3886200" indent="-228600" eaLnBrk="0" fontAlgn="base" hangingPunct="0">
+                  <a:spcBef>
+                    <a:spcPct val="0"/>
+                  </a:spcBef>
+                  <a:spcAft>
+                    <a:spcPct val="0"/>
+                  </a:spcAft>
+                  <a:defRPr kumimoji="1">
+                    <a:solidFill>
+                      <a:schemeClr val="tx1"/>
+                    </a:solidFill>
+                    <a:latin typeface="굴림" charset="-127"/>
+                    <a:ea typeface="굴림" charset="-127"/>
+                  </a:defRPr>
+                </a:lvl9pPr>
+              </a:lstStyle>
+              <a:p>
+                <a:pPr marL="0" indent="0" algn="ctr" eaLnBrk="1" hangingPunct="1"/>
+                <a:r>
+                  <a:rPr lang="en-US" altLang="ko-KR" sz="700" dirty="0">
+                    <a:latin typeface="+mn-ea"/>
+                    <a:ea typeface="+mn-ea"/>
+                  </a:rPr>
+                  <a:t>L/B</a:t>
+                </a:r>
+              </a:p>
+            </p:txBody>
+          </p:sp>
+        </p:grpSp>
+        <p:cxnSp>
+          <p:nvCxnSpPr>
+            <p:cNvPr id="115" name="직선 연결선[R] 108">
+              <a:extLst>
+                <a:ext uri="{FF2B5EF4-FFF2-40B4-BE49-F238E27FC236}">
+                  <a16:creationId xmlns:a16="http://schemas.microsoft.com/office/drawing/2014/main" id="{26B64485-2696-7544-99E5-3B64CD63BB65}"/>
+                </a:ext>
+              </a:extLst>
+            </p:cNvPr>
+            <p:cNvCxnSpPr>
+              <a:cxnSpLocks/>
+              <a:stCxn id="46" idx="3"/>
+              <a:endCxn id="113" idx="2"/>
+            </p:cNvCxnSpPr>
+            <p:nvPr/>
+          </p:nvCxnSpPr>
+          <p:spPr>
+            <a:xfrm>
+              <a:off x="6766743" y="3281540"/>
+              <a:ext cx="340878" cy="789105"/>
+            </a:xfrm>
+            <a:prstGeom prst="bentConnector3">
+              <a:avLst>
+                <a:gd name="adj1" fmla="val 68373"/>
+              </a:avLst>
+            </a:prstGeom>
+            <a:ln w="19050">
+              <a:solidFill>
+                <a:schemeClr val="accent4">
+                  <a:lumMod val="60000"/>
+                  <a:lumOff val="40000"/>
+                </a:schemeClr>
+              </a:solidFill>
+              <a:headEnd type="none" w="med" len="sm"/>
+              <a:tailEnd type="none" w="med" len="sm"/>
+            </a:ln>
+          </p:spPr>
+          <p:style>
+            <a:lnRef idx="1">
+              <a:schemeClr val="accent1"/>
+            </a:lnRef>
+            <a:fillRef idx="0">
+              <a:schemeClr val="accent1"/>
+            </a:fillRef>
+            <a:effectRef idx="0">
+              <a:schemeClr val="accent1"/>
+            </a:effectRef>
+            <a:fontRef idx="minor">
+              <a:schemeClr val="tx1"/>
+            </a:fontRef>
+          </p:style>
+        </p:cxnSp>
+        <p:sp>
+          <p:nvSpPr>
+            <p:cNvPr id="116" name="왼쪽 중괄호 55">
+              <a:extLst>
+                <a:ext uri="{FF2B5EF4-FFF2-40B4-BE49-F238E27FC236}">
+                  <a16:creationId xmlns:a16="http://schemas.microsoft.com/office/drawing/2014/main" id="{4ACAFD33-6088-0D41-95DC-9C48DFC35617}"/>
+                </a:ext>
+              </a:extLst>
+            </p:cNvPr>
+            <p:cNvSpPr/>
+            <p:nvPr/>
+          </p:nvSpPr>
+          <p:spPr>
+            <a:xfrm rot="5400000">
+              <a:off x="9071421" y="-95510"/>
+              <a:ext cx="216026" cy="3573689"/>
+            </a:xfrm>
+            <a:prstGeom prst="leftBrace">
+              <a:avLst/>
+            </a:prstGeom>
+            <a:ln w="12700">
+              <a:solidFill>
+                <a:schemeClr val="bg1">
+                  <a:lumMod val="50000"/>
+                </a:schemeClr>
+              </a:solidFill>
+              <a:prstDash val="solid"/>
+              <a:headEnd type="none"/>
+              <a:tailEnd type="none"/>
+            </a:ln>
+          </p:spPr>
+          <p:style>
+            <a:lnRef idx="1">
+              <a:schemeClr val="accent1"/>
+            </a:lnRef>
+            <a:fillRef idx="0">
+              <a:schemeClr val="accent1"/>
+            </a:fillRef>
+            <a:effectRef idx="0">
+              <a:schemeClr val="accent1"/>
+            </a:effectRef>
+            <a:fontRef idx="minor">
+              <a:schemeClr val="tx1"/>
+            </a:fontRef>
+          </p:style>
+          <p:txBody>
+            <a:bodyPr rtlCol="0" anchor="ctr"/>
+            <a:lstStyle/>
+            <a:p>
+              <a:pPr algn="ctr"/>
+              <a:endParaRPr lang="ko-KR" altLang="en-US"/>
+            </a:p>
+          </p:txBody>
+        </p:sp>
+        <p:sp>
+          <p:nvSpPr>
+            <p:cNvPr id="117" name="TextBox 116">
+              <a:extLst>
+                <a:ext uri="{FF2B5EF4-FFF2-40B4-BE49-F238E27FC236}">
+                  <a16:creationId xmlns:a16="http://schemas.microsoft.com/office/drawing/2014/main" id="{2C5BA8B6-5E64-5E4A-9FC6-21653363D9C9}"/>
+                </a:ext>
+              </a:extLst>
+            </p:cNvPr>
+            <p:cNvSpPr txBox="1"/>
+            <p:nvPr/>
+          </p:nvSpPr>
+          <p:spPr>
+            <a:xfrm>
+              <a:off x="8286970" y="1305092"/>
+              <a:ext cx="1784926" cy="276999"/>
+            </a:xfrm>
+            <a:prstGeom prst="rect">
+              <a:avLst/>
+            </a:prstGeom>
+            <a:noFill/>
+          </p:spPr>
+          <p:txBody>
+            <a:bodyPr wrap="square" rtlCol="0">
+              <a:spAutoFit/>
+            </a:bodyPr>
+            <a:lstStyle/>
+            <a:p>
+              <a:pPr algn="ctr"/>
+              <a:r>
+                <a:rPr lang="en-US" altLang="ko-KR" sz="1200" b="1" dirty="0">
+                  <a:latin typeface="+mn-lt"/>
+                </a:rPr>
+                <a:t>Data Layer</a:t>
+              </a:r>
+              <a:endParaRPr lang="ko-KR" altLang="en-US" sz="1200" b="1" dirty="0">
+                <a:latin typeface="+mn-lt"/>
+              </a:endParaRPr>
+            </a:p>
+          </p:txBody>
+        </p:sp>
+        <p:sp>
+          <p:nvSpPr>
+            <p:cNvPr id="60" name="모서리가 둥근 직사각형 59">
+              <a:extLst>
+                <a:ext uri="{FF2B5EF4-FFF2-40B4-BE49-F238E27FC236}">
+                  <a16:creationId xmlns:a16="http://schemas.microsoft.com/office/drawing/2014/main" id="{5645983E-9FFF-724C-A758-C8F8705DADCC}"/>
+                </a:ext>
+              </a:extLst>
+            </p:cNvPr>
+            <p:cNvSpPr/>
+            <p:nvPr/>
+          </p:nvSpPr>
+          <p:spPr bwMode="auto">
+            <a:xfrm>
+              <a:off x="1610337" y="4450611"/>
+              <a:ext cx="963080" cy="378173"/>
+            </a:xfrm>
+            <a:prstGeom prst="roundRect">
+              <a:avLst>
+                <a:gd name="adj" fmla="val 19754"/>
+              </a:avLst>
+            </a:prstGeom>
+            <a:solidFill>
+              <a:schemeClr val="accent3">
+                <a:lumMod val="40000"/>
+                <a:lumOff val="60000"/>
+              </a:schemeClr>
+            </a:solidFill>
+            <a:ln w="12700">
+              <a:solidFill>
+                <a:schemeClr val="bg1"/>
+              </a:solidFill>
+              <a:round/>
+              <a:headEnd type="none" w="med" len="med"/>
+              <a:tailEnd type="none" w="med" len="med"/>
+            </a:ln>
+          </p:spPr>
+          <p:txBody>
+            <a:bodyPr rot="0" spcFirstLastPara="0" vertOverflow="overflow" horzOverflow="overflow" vert="horz" wrap="square" lIns="90000" tIns="45720" rIns="91440" bIns="45720" numCol="1" spcCol="0" rtlCol="0" fromWordArt="0" anchor="t" anchorCtr="0" forceAA="0" compatLnSpc="1">
+              <a:prstTxWarp prst="textNoShape">
+                <a:avLst/>
+              </a:prstTxWarp>
+              <a:noAutofit/>
+            </a:bodyPr>
+            <a:lstStyle/>
+            <a:p>
+              <a:r>
+                <a:rPr kumimoji="1" lang="en-US" altLang="ko-KR" sz="1000" b="1" dirty="0">
+                  <a:latin typeface="+mn-lt"/>
+                  <a:ea typeface="+mn-ea"/>
+                </a:rPr>
+                <a:t>External DNS</a:t>
+              </a:r>
+              <a:endParaRPr kumimoji="1" lang="en-US" altLang="ko-KR" sz="900" dirty="0">
+                <a:latin typeface="+mn-lt"/>
+                <a:ea typeface="+mn-ea"/>
+              </a:endParaRPr>
+            </a:p>
+            <a:p>
+              <a:endParaRPr kumimoji="1" lang="ko-KR" altLang="en-US" sz="900" dirty="0">
+                <a:latin typeface="+mn-lt"/>
+                <a:ea typeface="+mn-ea"/>
+              </a:endParaRPr>
+            </a:p>
+          </p:txBody>
+        </p:sp>
+        <p:sp>
+          <p:nvSpPr>
+            <p:cNvPr id="63" name="모서리가 둥근 직사각형 62">
+              <a:extLst>
+                <a:ext uri="{FF2B5EF4-FFF2-40B4-BE49-F238E27FC236}">
+                  <a16:creationId xmlns:a16="http://schemas.microsoft.com/office/drawing/2014/main" id="{D397DF6B-845A-5548-9F5C-C3EC80601CFC}"/>
+                </a:ext>
+              </a:extLst>
+            </p:cNvPr>
+            <p:cNvSpPr/>
+            <p:nvPr/>
+          </p:nvSpPr>
+          <p:spPr bwMode="auto">
+            <a:xfrm>
+              <a:off x="1482277" y="5370547"/>
+              <a:ext cx="9484000" cy="1218143"/>
+            </a:xfrm>
+            <a:prstGeom prst="roundRect">
+              <a:avLst>
+                <a:gd name="adj" fmla="val 6452"/>
+              </a:avLst>
+            </a:prstGeom>
+            <a:solidFill>
+              <a:srgbClr val="333D47"/>
+            </a:solidFill>
+            <a:ln w="12700">
+              <a:noFill/>
+              <a:round/>
+              <a:headEnd type="none" w="med" len="med"/>
+              <a:tailEnd type="none" w="med" len="med"/>
+            </a:ln>
+          </p:spPr>
+          <p:txBody>
+            <a:bodyPr rot="0" spcFirstLastPara="0" vertOverflow="overflow" horzOverflow="overflow" vert="horz" wrap="square" lIns="90000" tIns="45720" rIns="91440" bIns="45720" numCol="1" spcCol="0" rtlCol="0" fromWordArt="0" anchor="t" anchorCtr="0" forceAA="0" compatLnSpc="1">
+              <a:prstTxWarp prst="textNoShape">
+                <a:avLst/>
+              </a:prstTxWarp>
+              <a:noAutofit/>
+            </a:bodyPr>
+            <a:lstStyle/>
+            <a:p>
+              <a:r>
+                <a:rPr kumimoji="1" lang="en-US" altLang="ko-KR" sz="1000" b="1" dirty="0">
+                  <a:solidFill>
+                    <a:schemeClr val="bg1"/>
+                  </a:solidFill>
+                </a:rPr>
+                <a:t>aws</a:t>
+              </a:r>
+              <a:endParaRPr kumimoji="1" lang="ko-KR" altLang="en-US" sz="1000" dirty="0">
+                <a:solidFill>
+                  <a:schemeClr val="bg1"/>
+                </a:solidFill>
+                <a:latin typeface="+mn-lt"/>
+                <a:ea typeface="+mn-ea"/>
+              </a:endParaRPr>
+            </a:p>
+          </p:txBody>
+        </p:sp>
+        <p:sp>
+          <p:nvSpPr>
+            <p:cNvPr id="64" name="모서리가 둥근 직사각형 63">
+              <a:extLst>
+                <a:ext uri="{FF2B5EF4-FFF2-40B4-BE49-F238E27FC236}">
+                  <a16:creationId xmlns:a16="http://schemas.microsoft.com/office/drawing/2014/main" id="{55198D93-2C71-9A4F-A53B-75324B1BADA3}"/>
+                </a:ext>
+              </a:extLst>
+            </p:cNvPr>
+            <p:cNvSpPr/>
+            <p:nvPr/>
+          </p:nvSpPr>
+          <p:spPr bwMode="auto">
+            <a:xfrm>
+              <a:off x="1929428" y="5576673"/>
+              <a:ext cx="1790801" cy="943124"/>
+            </a:xfrm>
+            <a:prstGeom prst="roundRect">
+              <a:avLst>
+                <a:gd name="adj" fmla="val 8161"/>
+              </a:avLst>
+            </a:prstGeom>
+            <a:solidFill>
+              <a:schemeClr val="accent3">
+                <a:lumMod val="40000"/>
+                <a:lumOff val="60000"/>
+              </a:schemeClr>
+            </a:solidFill>
+            <a:ln w="12700">
+              <a:solidFill>
+                <a:schemeClr val="bg1"/>
+              </a:solidFill>
+              <a:round/>
+              <a:headEnd type="none" w="med" len="med"/>
+              <a:tailEnd type="none" w="med" len="med"/>
+            </a:ln>
+          </p:spPr>
+          <p:txBody>
+            <a:bodyPr rot="0" spcFirstLastPara="0" vertOverflow="overflow" horzOverflow="overflow" vert="horz" wrap="square" lIns="90000" tIns="45720" rIns="91440" bIns="45720" numCol="1" spcCol="0" rtlCol="0" fromWordArt="0" anchor="t" anchorCtr="0" forceAA="0" compatLnSpc="1">
+              <a:prstTxWarp prst="textNoShape">
+                <a:avLst/>
+              </a:prstTxWarp>
+              <a:noAutofit/>
+            </a:bodyPr>
+            <a:lstStyle/>
+            <a:p>
+              <a:r>
+                <a:rPr kumimoji="1" lang="en-US" altLang="ko-KR" sz="1000" b="1" dirty="0">
+                  <a:latin typeface="+mn-lt"/>
+                  <a:ea typeface="+mn-ea"/>
+                </a:rPr>
+                <a:t>Route53</a:t>
+              </a:r>
+              <a:endParaRPr kumimoji="1" lang="en-US" altLang="ko-KR" sz="900" dirty="0">
+                <a:latin typeface="+mn-lt"/>
+                <a:ea typeface="+mn-ea"/>
+              </a:endParaRPr>
+            </a:p>
+            <a:p>
+              <a:endParaRPr kumimoji="1" lang="ko-KR" altLang="en-US" sz="900" dirty="0">
+                <a:latin typeface="+mn-lt"/>
+                <a:ea typeface="+mn-ea"/>
+              </a:endParaRPr>
+            </a:p>
+          </p:txBody>
+        </p:sp>
+        <p:cxnSp>
+          <p:nvCxnSpPr>
+            <p:cNvPr id="76" name="직선 연결선[R] 108">
+              <a:extLst>
+                <a:ext uri="{FF2B5EF4-FFF2-40B4-BE49-F238E27FC236}">
+                  <a16:creationId xmlns:a16="http://schemas.microsoft.com/office/drawing/2014/main" id="{670B7981-FE5E-4442-8E13-81C0521A3AF7}"/>
+                </a:ext>
+              </a:extLst>
+            </p:cNvPr>
+            <p:cNvCxnSpPr>
+              <a:cxnSpLocks/>
+              <a:stCxn id="65" idx="2"/>
+              <a:endCxn id="60" idx="0"/>
+            </p:cNvCxnSpPr>
+            <p:nvPr/>
+          </p:nvCxnSpPr>
+          <p:spPr>
+            <a:xfrm rot="5400000">
+              <a:off x="1685039" y="4043013"/>
+              <a:ext cx="814436" cy="760"/>
+            </a:xfrm>
+            <a:prstGeom prst="bentConnector3">
+              <a:avLst>
+                <a:gd name="adj1" fmla="val 50000"/>
+              </a:avLst>
+            </a:prstGeom>
+            <a:ln w="19050">
+              <a:solidFill>
+                <a:schemeClr val="accent4">
+                  <a:lumMod val="60000"/>
+                  <a:lumOff val="40000"/>
+                </a:schemeClr>
+              </a:solidFill>
+              <a:headEnd type="none" w="med" len="sm"/>
+              <a:tailEnd type="none" w="med" len="sm"/>
+            </a:ln>
+          </p:spPr>
+          <p:style>
+            <a:lnRef idx="1">
+              <a:schemeClr val="accent1"/>
+            </a:lnRef>
+            <a:fillRef idx="0">
+              <a:schemeClr val="accent1"/>
+            </a:fillRef>
+            <a:effectRef idx="0">
+              <a:schemeClr val="accent1"/>
+            </a:effectRef>
+            <a:fontRef idx="minor">
+              <a:schemeClr val="tx1"/>
+            </a:fontRef>
+          </p:style>
+        </p:cxnSp>
+        <p:cxnSp>
+          <p:nvCxnSpPr>
+            <p:cNvPr id="82" name="직선 연결선[R] 108">
+              <a:extLst>
+                <a:ext uri="{FF2B5EF4-FFF2-40B4-BE49-F238E27FC236}">
+                  <a16:creationId xmlns:a16="http://schemas.microsoft.com/office/drawing/2014/main" id="{B1E0A056-0C31-3C4C-AC55-73105A8CF988}"/>
+                </a:ext>
+              </a:extLst>
+            </p:cNvPr>
+            <p:cNvCxnSpPr>
+              <a:cxnSpLocks/>
+              <a:stCxn id="60" idx="2"/>
+              <a:endCxn id="64" idx="0"/>
+            </p:cNvCxnSpPr>
+            <p:nvPr/>
+          </p:nvCxnSpPr>
+          <p:spPr>
+            <a:xfrm rot="16200000" flipH="1">
+              <a:off x="2084409" y="4836252"/>
+              <a:ext cx="747889" cy="732952"/>
+            </a:xfrm>
+            <a:prstGeom prst="bentConnector3">
+              <a:avLst>
+                <a:gd name="adj1" fmla="val 50000"/>
+              </a:avLst>
+            </a:prstGeom>
+            <a:ln w="19050">
+              <a:solidFill>
+                <a:schemeClr val="accent4">
+                  <a:lumMod val="60000"/>
+                  <a:lumOff val="40000"/>
+                </a:schemeClr>
+              </a:solidFill>
+              <a:headEnd type="none" w="med" len="sm"/>
+              <a:tailEnd type="none" w="med" len="sm"/>
+            </a:ln>
+          </p:spPr>
+          <p:style>
+            <a:lnRef idx="1">
+              <a:schemeClr val="accent1"/>
+            </a:lnRef>
+            <a:fillRef idx="0">
+              <a:schemeClr val="accent1"/>
+            </a:fillRef>
+            <a:effectRef idx="0">
+              <a:schemeClr val="accent1"/>
+            </a:effectRef>
+            <a:fontRef idx="minor">
+              <a:schemeClr val="tx1"/>
+            </a:fontRef>
+          </p:style>
+        </p:cxnSp>
+        <p:sp>
+          <p:nvSpPr>
+            <p:cNvPr id="84" name="모서리가 둥근 직사각형 6">
+              <a:extLst>
+                <a:ext uri="{FF2B5EF4-FFF2-40B4-BE49-F238E27FC236}">
+                  <a16:creationId xmlns:a16="http://schemas.microsoft.com/office/drawing/2014/main" id="{2048C8D1-D5EE-BD49-8A09-4B6ED79B70CF}"/>
+                </a:ext>
+              </a:extLst>
+            </p:cNvPr>
+            <p:cNvSpPr/>
+            <p:nvPr/>
+          </p:nvSpPr>
+          <p:spPr>
+            <a:xfrm>
+              <a:off x="2027894" y="5871690"/>
+              <a:ext cx="1567076" cy="574819"/>
+            </a:xfrm>
+            <a:prstGeom prst="roundRect">
+              <a:avLst>
+                <a:gd name="adj" fmla="val 10657"/>
+              </a:avLst>
+            </a:prstGeom>
+            <a:solidFill>
+              <a:schemeClr val="bg1"/>
+            </a:solidFill>
+            <a:ln w="6350"/>
+            <a:effectLst/>
+          </p:spPr>
+          <p:style>
+            <a:lnRef idx="1">
+              <a:schemeClr val="dk1"/>
+            </a:lnRef>
+            <a:fillRef idx="2">
+              <a:schemeClr val="dk1"/>
+            </a:fillRef>
+            <a:effectRef idx="1">
+              <a:schemeClr val="dk1"/>
+            </a:effectRef>
+            <a:fontRef idx="minor">
+              <a:schemeClr val="dk1"/>
+            </a:fontRef>
+          </p:style>
+          <p:txBody>
+            <a:bodyPr lIns="18000" rIns="18000" anchor="ctr" anchorCtr="0"/>
+            <a:lstStyle/>
+            <a:p>
+              <a:pPr>
+                <a:defRPr/>
+              </a:pPr>
+              <a:r>
+                <a:rPr lang="en-US" altLang="ko-KR" sz="800" dirty="0">
+                  <a:solidFill>
+                    <a:srgbClr val="000000"/>
+                  </a:solidFill>
+                  <a:ea typeface="맑은 고딕" pitchFamily="50" charset="-127"/>
+                </a:rPr>
+                <a:t>A, yogiyo-</a:t>
+              </a:r>
+              <a:r>
+                <a:rPr lang="en-US" altLang="ko-KR" sz="800" dirty="0" err="1">
+                  <a:solidFill>
+                    <a:srgbClr val="000000"/>
+                  </a:solidFill>
+                  <a:ea typeface="맑은 고딕" pitchFamily="50" charset="-127"/>
+                </a:rPr>
+                <a:t>nuno.click</a:t>
+              </a:r>
+              <a:endParaRPr lang="en-US" altLang="ko-KR" sz="800" dirty="0">
+                <a:solidFill>
+                  <a:srgbClr val="000000"/>
+                </a:solidFill>
+                <a:ea typeface="맑은 고딕" pitchFamily="50" charset="-127"/>
+              </a:endParaRPr>
+            </a:p>
+            <a:p>
+              <a:pPr>
+                <a:defRPr/>
+              </a:pPr>
+              <a:r>
+                <a:rPr lang="en-US" altLang="ko-KR" sz="800" dirty="0">
+                  <a:solidFill>
+                    <a:srgbClr val="000000"/>
+                  </a:solidFill>
+                  <a:ea typeface="맑은 고딕" pitchFamily="50" charset="-127"/>
+                </a:rPr>
+                <a:t>A, </a:t>
+              </a:r>
+              <a:r>
+                <a:rPr lang="en-US" altLang="ko-KR" sz="800" dirty="0" err="1">
+                  <a:solidFill>
+                    <a:srgbClr val="000000"/>
+                  </a:solidFill>
+                  <a:ea typeface="맑은 고딕" pitchFamily="50" charset="-127"/>
+                </a:rPr>
+                <a:t>www.yogiyo-nuno.click</a:t>
+              </a:r>
+              <a:endParaRPr lang="en-US" altLang="ko-KR" sz="800" dirty="0">
+                <a:solidFill>
+                  <a:srgbClr val="000000"/>
+                </a:solidFill>
+                <a:ea typeface="맑은 고딕" pitchFamily="50" charset="-127"/>
+              </a:endParaRPr>
+            </a:p>
+            <a:p>
+              <a:pPr>
+                <a:defRPr/>
+              </a:pPr>
+              <a:r>
+                <a:rPr lang="en-US" altLang="ko-KR" sz="800" dirty="0">
+                  <a:solidFill>
+                    <a:srgbClr val="000000"/>
+                  </a:solidFill>
+                  <a:ea typeface="맑은 고딕" pitchFamily="50" charset="-127"/>
+                </a:rPr>
+                <a:t>A, </a:t>
+              </a:r>
+              <a:r>
+                <a:rPr lang="en-US" altLang="ko-KR" sz="800" dirty="0" err="1">
+                  <a:solidFill>
+                    <a:srgbClr val="000000"/>
+                  </a:solidFill>
+                  <a:ea typeface="맑은 고딕" pitchFamily="50" charset="-127"/>
+                </a:rPr>
+                <a:t>backend.yogiyo-nuno.click</a:t>
+              </a:r>
+              <a:endParaRPr lang="en-US" altLang="ko-KR" sz="800" dirty="0">
+                <a:solidFill>
+                  <a:srgbClr val="000000"/>
+                </a:solidFill>
+                <a:ea typeface="맑은 고딕" pitchFamily="50" charset="-127"/>
+              </a:endParaRPr>
+            </a:p>
+          </p:txBody>
+        </p:sp>
+        <p:sp>
+          <p:nvSpPr>
+            <p:cNvPr id="100" name="원통[C] 99">
+              <a:extLst>
+                <a:ext uri="{FF2B5EF4-FFF2-40B4-BE49-F238E27FC236}">
+                  <a16:creationId xmlns:a16="http://schemas.microsoft.com/office/drawing/2014/main" id="{7AC44CF6-61EE-D840-ADF9-FA7196C0D07B}"/>
+                </a:ext>
+              </a:extLst>
+            </p:cNvPr>
+            <p:cNvSpPr/>
+            <p:nvPr/>
+          </p:nvSpPr>
+          <p:spPr bwMode="auto">
+            <a:xfrm>
+              <a:off x="9235377" y="5691034"/>
+              <a:ext cx="1529559" cy="577168"/>
+            </a:xfrm>
+            <a:prstGeom prst="can">
+              <a:avLst/>
+            </a:prstGeom>
+            <a:solidFill>
+              <a:schemeClr val="accent3">
+                <a:lumMod val="40000"/>
+                <a:lumOff val="60000"/>
+              </a:schemeClr>
+            </a:solidFill>
+            <a:ln w="12700">
+              <a:solidFill>
+                <a:schemeClr val="bg1"/>
+              </a:solidFill>
+              <a:round/>
+              <a:headEnd type="none" w="med" len="med"/>
+              <a:tailEnd type="none" w="med" len="med"/>
+            </a:ln>
+          </p:spPr>
+          <p:txBody>
+            <a:bodyPr rot="0" spcFirstLastPara="0" vertOverflow="overflow" horzOverflow="overflow" vert="horz" wrap="square" lIns="90000" tIns="45720" rIns="91440" bIns="45720" numCol="1" spcCol="0" rtlCol="0" fromWordArt="0" anchor="t" anchorCtr="0" forceAA="0" compatLnSpc="1">
+              <a:prstTxWarp prst="textNoShape">
+                <a:avLst/>
+              </a:prstTxWarp>
+              <a:noAutofit/>
+            </a:bodyPr>
+            <a:lstStyle/>
+            <a:p>
+              <a:pPr algn="l"/>
+              <a:r>
+                <a:rPr kumimoji="1" lang="en-US" altLang="ko-Kore-KR" sz="1000" b="1" dirty="0">
+                  <a:latin typeface="+mn-lt"/>
+                  <a:ea typeface="+mn-ea"/>
+                </a:rPr>
+                <a:t>EFS</a:t>
+              </a:r>
+              <a:r>
+                <a:rPr kumimoji="1" lang="en-US" altLang="ko-Kore-KR" sz="1000" dirty="0">
+                  <a:latin typeface="+mn-lt"/>
+                  <a:ea typeface="+mn-ea"/>
+                </a:rPr>
+                <a:t> (</a:t>
+              </a:r>
+              <a:r>
+                <a:rPr kumimoji="1" lang="en-US" altLang="ko-Kore-KR" sz="1000" dirty="0" err="1">
+                  <a:latin typeface="+mn-lt"/>
+                  <a:ea typeface="+mn-ea"/>
+                </a:rPr>
+                <a:t>redis-efs</a:t>
+              </a:r>
+              <a:r>
+                <a:rPr kumimoji="1" lang="en-US" altLang="ko-Kore-KR" sz="1000" dirty="0">
+                  <a:latin typeface="+mn-lt"/>
+                  <a:ea typeface="+mn-ea"/>
+                </a:rPr>
+                <a:t>)</a:t>
+              </a:r>
+              <a:endParaRPr kumimoji="1" lang="ko-Kore-KR" altLang="en-US" sz="1000" dirty="0">
+                <a:latin typeface="+mn-lt"/>
+                <a:ea typeface="+mn-ea"/>
+              </a:endParaRPr>
+            </a:p>
+          </p:txBody>
+        </p:sp>
+        <p:sp>
+          <p:nvSpPr>
+            <p:cNvPr id="101" name="원통[C] 100">
+              <a:extLst>
+                <a:ext uri="{FF2B5EF4-FFF2-40B4-BE49-F238E27FC236}">
+                  <a16:creationId xmlns:a16="http://schemas.microsoft.com/office/drawing/2014/main" id="{8AEBE1EC-B828-B949-95DF-B5E8605143BA}"/>
+                </a:ext>
+              </a:extLst>
+            </p:cNvPr>
+            <p:cNvSpPr/>
+            <p:nvPr/>
+          </p:nvSpPr>
+          <p:spPr bwMode="auto">
+            <a:xfrm>
+              <a:off x="7392589" y="5705847"/>
+              <a:ext cx="1529559" cy="577168"/>
+            </a:xfrm>
+            <a:prstGeom prst="can">
+              <a:avLst/>
+            </a:prstGeom>
+            <a:solidFill>
+              <a:schemeClr val="accent3">
+                <a:lumMod val="40000"/>
+                <a:lumOff val="60000"/>
+              </a:schemeClr>
+            </a:solidFill>
+            <a:ln w="12700">
+              <a:solidFill>
+                <a:schemeClr val="bg1"/>
+              </a:solidFill>
+              <a:round/>
+              <a:headEnd type="none" w="med" len="med"/>
+              <a:tailEnd type="none" w="med" len="med"/>
+            </a:ln>
+          </p:spPr>
+          <p:txBody>
+            <a:bodyPr rot="0" spcFirstLastPara="0" vertOverflow="overflow" horzOverflow="overflow" vert="horz" wrap="square" lIns="90000" tIns="45720" rIns="91440" bIns="45720" numCol="1" spcCol="0" rtlCol="0" fromWordArt="0" anchor="t" anchorCtr="0" forceAA="0" compatLnSpc="1">
+              <a:prstTxWarp prst="textNoShape">
+                <a:avLst/>
+              </a:prstTxWarp>
+              <a:noAutofit/>
+            </a:bodyPr>
+            <a:lstStyle/>
+            <a:p>
+              <a:pPr algn="l"/>
+              <a:r>
+                <a:rPr kumimoji="1" lang="en-US" altLang="ko-Kore-KR" sz="1000" b="1" dirty="0">
+                  <a:latin typeface="+mn-lt"/>
+                  <a:ea typeface="+mn-ea"/>
+                </a:rPr>
+                <a:t>EFS</a:t>
+              </a:r>
+              <a:r>
+                <a:rPr kumimoji="1" lang="en-US" altLang="ko-Kore-KR" sz="1000" dirty="0">
+                  <a:latin typeface="+mn-lt"/>
+                  <a:ea typeface="+mn-ea"/>
+                </a:rPr>
+                <a:t> (</a:t>
+              </a:r>
+              <a:r>
+                <a:rPr kumimoji="1" lang="en-US" altLang="ko-Kore-KR" sz="1000" dirty="0" err="1">
+                  <a:latin typeface="+mn-lt"/>
+                  <a:ea typeface="+mn-ea"/>
+                </a:rPr>
+                <a:t>postgres-efs</a:t>
+              </a:r>
+              <a:r>
+                <a:rPr kumimoji="1" lang="en-US" altLang="ko-Kore-KR" sz="1000" dirty="0">
+                  <a:latin typeface="+mn-lt"/>
+                  <a:ea typeface="+mn-ea"/>
+                </a:rPr>
+                <a:t>)</a:t>
+              </a:r>
+              <a:endParaRPr kumimoji="1" lang="ko-Kore-KR" altLang="en-US" sz="1000" dirty="0">
+                <a:latin typeface="+mn-lt"/>
+                <a:ea typeface="+mn-ea"/>
+              </a:endParaRPr>
+            </a:p>
+          </p:txBody>
+        </p:sp>
+        <p:sp>
+          <p:nvSpPr>
+            <p:cNvPr id="102" name="모서리가 둥근 직사각형 6">
+              <a:extLst>
+                <a:ext uri="{FF2B5EF4-FFF2-40B4-BE49-F238E27FC236}">
+                  <a16:creationId xmlns:a16="http://schemas.microsoft.com/office/drawing/2014/main" id="{2555AFAB-63FA-CE44-A237-4EB1F1AC136B}"/>
+                </a:ext>
+              </a:extLst>
+            </p:cNvPr>
+            <p:cNvSpPr/>
+            <p:nvPr/>
+          </p:nvSpPr>
+          <p:spPr>
+            <a:xfrm>
+              <a:off x="7478090" y="4447205"/>
+              <a:ext cx="1336933" cy="295285"/>
+            </a:xfrm>
+            <a:prstGeom prst="roundRect">
+              <a:avLst>
+                <a:gd name="adj" fmla="val 17236"/>
+              </a:avLst>
+            </a:prstGeom>
+            <a:solidFill>
+              <a:schemeClr val="bg1"/>
+            </a:solidFill>
+            <a:ln w="6350"/>
+            <a:effectLst/>
+          </p:spPr>
+          <p:style>
+            <a:lnRef idx="1">
+              <a:schemeClr val="dk1"/>
+            </a:lnRef>
+            <a:fillRef idx="2">
+              <a:schemeClr val="dk1"/>
+            </a:fillRef>
+            <a:effectRef idx="1">
+              <a:schemeClr val="dk1"/>
+            </a:effectRef>
+            <a:fontRef idx="minor">
+              <a:schemeClr val="dk1"/>
+            </a:fontRef>
+          </p:style>
+          <p:txBody>
+            <a:bodyPr lIns="18000" rIns="18000" anchor="ctr" anchorCtr="0"/>
+            <a:lstStyle/>
+            <a:p>
+              <a:pPr algn="ctr">
+                <a:defRPr/>
+              </a:pPr>
+              <a:r>
+                <a:rPr lang="en-US" altLang="ko-KR" sz="900" dirty="0">
+                  <a:solidFill>
+                    <a:srgbClr val="000000"/>
+                  </a:solidFill>
+                  <a:ea typeface="맑은 고딕" pitchFamily="50" charset="-127"/>
+                </a:rPr>
+                <a:t>PVC/PV/SC</a:t>
+              </a:r>
+              <a:endParaRPr lang="en-US" altLang="ko-KR" sz="1000" b="1" dirty="0">
+                <a:solidFill>
+                  <a:srgbClr val="000000"/>
+                </a:solidFill>
+                <a:ea typeface="맑은 고딕" pitchFamily="50" charset="-127"/>
+              </a:endParaRPr>
+            </a:p>
+          </p:txBody>
+        </p:sp>
+        <p:cxnSp>
+          <p:nvCxnSpPr>
+            <p:cNvPr id="111" name="직선 연결선[R] 108">
+              <a:extLst>
+                <a:ext uri="{FF2B5EF4-FFF2-40B4-BE49-F238E27FC236}">
+                  <a16:creationId xmlns:a16="http://schemas.microsoft.com/office/drawing/2014/main" id="{7A04289F-89DE-E148-88AE-3EDD40F7D75F}"/>
+                </a:ext>
+              </a:extLst>
+            </p:cNvPr>
+            <p:cNvCxnSpPr>
+              <a:cxnSpLocks/>
+              <a:stCxn id="107" idx="2"/>
+              <a:endCxn id="101" idx="1"/>
+            </p:cNvCxnSpPr>
+            <p:nvPr/>
+          </p:nvCxnSpPr>
+          <p:spPr>
+            <a:xfrm flipH="1">
+              <a:off x="8157369" y="4828783"/>
+              <a:ext cx="1" cy="877064"/>
+            </a:xfrm>
+            <a:prstGeom prst="straightConnector1">
+              <a:avLst/>
+            </a:prstGeom>
+            <a:ln w="19050">
+              <a:solidFill>
+                <a:schemeClr val="accent4">
+                  <a:lumMod val="60000"/>
+                  <a:lumOff val="40000"/>
+                </a:schemeClr>
+              </a:solidFill>
+              <a:headEnd type="none" w="med" len="sm"/>
+              <a:tailEnd type="none" w="med" len="sm"/>
+            </a:ln>
+          </p:spPr>
+          <p:style>
+            <a:lnRef idx="1">
+              <a:schemeClr val="accent1"/>
+            </a:lnRef>
+            <a:fillRef idx="0">
+              <a:schemeClr val="accent1"/>
+            </a:fillRef>
+            <a:effectRef idx="0">
+              <a:schemeClr val="accent1"/>
+            </a:effectRef>
+            <a:fontRef idx="minor">
+              <a:schemeClr val="tx1"/>
+            </a:fontRef>
+          </p:style>
+        </p:cxnSp>
+        <p:sp>
+          <p:nvSpPr>
+            <p:cNvPr id="103" name="모서리가 둥근 직사각형 6">
+              <a:extLst>
+                <a:ext uri="{FF2B5EF4-FFF2-40B4-BE49-F238E27FC236}">
+                  <a16:creationId xmlns:a16="http://schemas.microsoft.com/office/drawing/2014/main" id="{B0D53653-39E9-E541-8EBC-6E3BB0B87481}"/>
+                </a:ext>
+              </a:extLst>
+            </p:cNvPr>
+            <p:cNvSpPr/>
+            <p:nvPr/>
+          </p:nvSpPr>
+          <p:spPr>
+            <a:xfrm>
+              <a:off x="7478090" y="3054934"/>
+              <a:ext cx="1336933" cy="295285"/>
+            </a:xfrm>
+            <a:prstGeom prst="roundRect">
+              <a:avLst>
+                <a:gd name="adj" fmla="val 17236"/>
+              </a:avLst>
+            </a:prstGeom>
+            <a:solidFill>
+              <a:schemeClr val="bg1"/>
+            </a:solidFill>
+            <a:ln w="6350"/>
+            <a:effectLst/>
+          </p:spPr>
+          <p:style>
+            <a:lnRef idx="1">
+              <a:schemeClr val="dk1"/>
+            </a:lnRef>
+            <a:fillRef idx="2">
+              <a:schemeClr val="dk1"/>
+            </a:fillRef>
+            <a:effectRef idx="1">
+              <a:schemeClr val="dk1"/>
+            </a:effectRef>
+            <a:fontRef idx="minor">
+              <a:schemeClr val="dk1"/>
+            </a:fontRef>
+          </p:style>
+          <p:txBody>
+            <a:bodyPr lIns="18000" rIns="18000" anchor="ctr" anchorCtr="0"/>
+            <a:lstStyle/>
+            <a:p>
+              <a:pPr algn="ctr">
+                <a:defRPr/>
+              </a:pPr>
+              <a:r>
+                <a:rPr lang="en-US" altLang="ko-KR" sz="900" dirty="0">
+                  <a:solidFill>
+                    <a:srgbClr val="000000"/>
+                  </a:solidFill>
+                  <a:ea typeface="맑은 고딕" pitchFamily="50" charset="-127"/>
+                </a:rPr>
+                <a:t>PVC/PV/SC</a:t>
+              </a:r>
+              <a:endParaRPr lang="en-US" altLang="ko-KR" sz="1000" b="1" dirty="0">
+                <a:solidFill>
+                  <a:srgbClr val="000000"/>
+                </a:solidFill>
+                <a:ea typeface="맑은 고딕" pitchFamily="50" charset="-127"/>
+              </a:endParaRPr>
+            </a:p>
+          </p:txBody>
+        </p:sp>
+        <p:cxnSp>
+          <p:nvCxnSpPr>
+            <p:cNvPr id="97" name="직선 연결선[R] 108">
+              <a:extLst>
+                <a:ext uri="{FF2B5EF4-FFF2-40B4-BE49-F238E27FC236}">
+                  <a16:creationId xmlns:a16="http://schemas.microsoft.com/office/drawing/2014/main" id="{0C0C6F50-2AB8-6642-BD4B-2E19BAF32995}"/>
+                </a:ext>
+              </a:extLst>
+            </p:cNvPr>
+            <p:cNvCxnSpPr>
+              <a:cxnSpLocks/>
+              <a:stCxn id="103" idx="3"/>
+              <a:endCxn id="100" idx="1"/>
+            </p:cNvCxnSpPr>
+            <p:nvPr/>
+          </p:nvCxnSpPr>
+          <p:spPr>
+            <a:xfrm>
+              <a:off x="8815023" y="3202577"/>
+              <a:ext cx="1185134" cy="2488457"/>
+            </a:xfrm>
+            <a:prstGeom prst="bentConnector2">
+              <a:avLst/>
+            </a:prstGeom>
+            <a:ln w="19050">
+              <a:solidFill>
+                <a:schemeClr val="accent4">
+                  <a:lumMod val="60000"/>
+                  <a:lumOff val="40000"/>
+                </a:schemeClr>
+              </a:solidFill>
+              <a:headEnd type="none" w="med" len="sm"/>
+              <a:tailEnd type="none" w="med" len="sm"/>
+            </a:ln>
+          </p:spPr>
+          <p:style>
+            <a:lnRef idx="1">
+              <a:schemeClr val="accent1"/>
+            </a:lnRef>
+            <a:fillRef idx="0">
+              <a:schemeClr val="accent1"/>
+            </a:fillRef>
+            <a:effectRef idx="0">
+              <a:schemeClr val="accent1"/>
+            </a:effectRef>
+            <a:fontRef idx="minor">
+              <a:schemeClr val="tx1"/>
+            </a:fontRef>
+          </p:style>
+        </p:cxnSp>
+        <p:sp>
+          <p:nvSpPr>
+            <p:cNvPr id="109" name="원통[C] 108">
+              <a:extLst>
+                <a:ext uri="{FF2B5EF4-FFF2-40B4-BE49-F238E27FC236}">
+                  <a16:creationId xmlns:a16="http://schemas.microsoft.com/office/drawing/2014/main" id="{7D16C7CF-5284-2347-8894-4965CBE4A73A}"/>
+                </a:ext>
+              </a:extLst>
+            </p:cNvPr>
+            <p:cNvSpPr/>
+            <p:nvPr/>
+          </p:nvSpPr>
+          <p:spPr bwMode="auto">
+            <a:xfrm>
+              <a:off x="4715861" y="5705847"/>
+              <a:ext cx="1529559" cy="577168"/>
+            </a:xfrm>
+            <a:prstGeom prst="can">
+              <a:avLst/>
+            </a:prstGeom>
+            <a:solidFill>
+              <a:schemeClr val="accent3">
+                <a:lumMod val="40000"/>
+                <a:lumOff val="60000"/>
+              </a:schemeClr>
+            </a:solidFill>
+            <a:ln w="12700">
+              <a:solidFill>
+                <a:schemeClr val="bg1"/>
+              </a:solidFill>
+              <a:round/>
+              <a:headEnd type="none" w="med" len="med"/>
+              <a:tailEnd type="none" w="med" len="med"/>
+            </a:ln>
+          </p:spPr>
+          <p:txBody>
+            <a:bodyPr rot="0" spcFirstLastPara="0" vertOverflow="overflow" horzOverflow="overflow" vert="horz" wrap="square" lIns="90000" tIns="45720" rIns="91440" bIns="45720" numCol="1" spcCol="0" rtlCol="0" fromWordArt="0" anchor="t" anchorCtr="0" forceAA="0" compatLnSpc="1">
+              <a:prstTxWarp prst="textNoShape">
+                <a:avLst/>
+              </a:prstTxWarp>
+              <a:noAutofit/>
+            </a:bodyPr>
+            <a:lstStyle/>
+            <a:p>
+              <a:pPr algn="l"/>
+              <a:r>
+                <a:rPr kumimoji="1" lang="en-US" altLang="ko-Kore-KR" sz="1000" b="1" dirty="0">
+                  <a:latin typeface="+mn-lt"/>
+                  <a:ea typeface="+mn-ea"/>
+                </a:rPr>
+                <a:t>ECR</a:t>
+              </a:r>
+              <a:r>
+                <a:rPr kumimoji="1" lang="en-US" altLang="ko-Kore-KR" sz="1000" dirty="0">
+                  <a:latin typeface="+mn-lt"/>
+                  <a:ea typeface="+mn-ea"/>
+                </a:rPr>
+                <a:t> (image registry)</a:t>
+              </a:r>
+              <a:endParaRPr kumimoji="1" lang="ko-Kore-KR" altLang="en-US" sz="1000" dirty="0">
+                <a:latin typeface="+mn-lt"/>
+                <a:ea typeface="+mn-ea"/>
+              </a:endParaRPr>
+            </a:p>
+          </p:txBody>
+        </p:sp>
+        <p:sp>
+          <p:nvSpPr>
+            <p:cNvPr id="44" name="위쪽 화살표[U] 43">
+              <a:extLst>
+                <a:ext uri="{FF2B5EF4-FFF2-40B4-BE49-F238E27FC236}">
+                  <a16:creationId xmlns:a16="http://schemas.microsoft.com/office/drawing/2014/main" id="{5FE99AB6-131E-724F-A232-34DB0785A25B}"/>
+                </a:ext>
+              </a:extLst>
+            </p:cNvPr>
+            <p:cNvSpPr/>
+            <p:nvPr/>
+          </p:nvSpPr>
+          <p:spPr>
+            <a:xfrm>
+              <a:off x="5216260" y="4811605"/>
+              <a:ext cx="421690" cy="1010268"/>
+            </a:xfrm>
+            <a:prstGeom prst="upArrow">
+              <a:avLst/>
+            </a:prstGeom>
+            <a:solidFill>
+              <a:schemeClr val="bg1"/>
+            </a:solidFill>
+            <a:ln w="6350"/>
+            <a:effectLst/>
+          </p:spPr>
+          <p:style>
+            <a:lnRef idx="1">
+              <a:schemeClr val="dk1"/>
+            </a:lnRef>
+            <a:fillRef idx="2">
+              <a:schemeClr val="dk1"/>
+            </a:fillRef>
+            <a:effectRef idx="1">
+              <a:schemeClr val="dk1"/>
+            </a:effectRef>
+            <a:fontRef idx="minor">
+              <a:schemeClr val="dk1"/>
+            </a:fontRef>
+          </p:style>
+          <p:txBody>
+            <a:bodyPr lIns="18000" rIns="18000" rtlCol="0" anchor="ctr" anchorCtr="0"/>
+            <a:lstStyle/>
+            <a:p>
+              <a:pPr algn="l"/>
+              <a:endParaRPr kumimoji="1" lang="ko-Kore-KR" altLang="en-US" sz="800" dirty="0">
+                <a:solidFill>
+                  <a:srgbClr val="000000"/>
+                </a:solidFill>
+                <a:ea typeface="맑은 고딕" pitchFamily="50" charset="-127"/>
+              </a:endParaRPr>
+            </a:p>
+          </p:txBody>
+        </p:sp>
+      </p:grpSp>
+    </p:spTree>
+    <p:extLst>
+      <p:ext uri="{BB962C8B-B14F-4D97-AF65-F5344CB8AC3E}">
+        <p14:creationId xmlns:p14="http://schemas.microsoft.com/office/powerpoint/2010/main" val="459382599"/>
+      </p:ext>
+    </p:extLst>
+  </p:cSld>
+  <p:clrMapOvr>
+    <a:masterClrMapping/>
+  </p:clrMapOvr>
+</p:sld>
+</file>
+
+<file path=ppt/slides/slide12.xml><?xml version="1.0" encoding="utf-8"?>
 <p:sld xmlns:a="http://schemas.openxmlformats.org/drawingml/2006/main" xmlns:r="http://schemas.openxmlformats.org/officeDocument/2006/relationships" xmlns:p="http://schemas.openxmlformats.org/presentationml/2006/main">
   <p:cSld>
     <p:spTree>
@@ -9868,13 +13809,13 @@
                 <a:buNone/>
               </a:pPr>
               <a:r>
-                <a:rPr lang="en-US" sz="900" dirty="0">
+                <a:rPr lang="en-US" sz="900" dirty="0" err="1">
                   <a:latin typeface="Malgun Gothic" panose="020B0503020000020004" pitchFamily="34" charset="-127"/>
                   <a:ea typeface="Malgun Gothic" panose="020B0503020000020004" pitchFamily="34" charset="-127"/>
                   <a:cs typeface="Consolas"/>
                   <a:sym typeface="Consolas"/>
                 </a:rPr>
-                <a:t>hostpath</a:t>
+                <a:t>hostath</a:t>
               </a:r>
               <a:endParaRPr sz="900" dirty="0">
                 <a:latin typeface="Malgun Gothic" panose="020B0503020000020004" pitchFamily="34" charset="-127"/>
@@ -11539,7 +15480,7 @@
 </p:sld>
 </file>
 
-<file path=ppt/slides/slide12.xml><?xml version="1.0" encoding="utf-8"?>
+<file path=ppt/slides/slide13.xml><?xml version="1.0" encoding="utf-8"?>
 <p:sld xmlns:a="http://schemas.openxmlformats.org/drawingml/2006/main" xmlns:r="http://schemas.openxmlformats.org/officeDocument/2006/relationships" xmlns:p="http://schemas.openxmlformats.org/presentationml/2006/main">
   <p:cSld>
     <p:spTree>
@@ -13021,7 +16962,7 @@
 </p:sld>
 </file>
 
-<file path=ppt/slides/slide13.xml><?xml version="1.0" encoding="utf-8"?>
+<file path=ppt/slides/slide14.xml><?xml version="1.0" encoding="utf-8"?>
 <p:sld xmlns:a="http://schemas.openxmlformats.org/drawingml/2006/main" xmlns:r="http://schemas.openxmlformats.org/officeDocument/2006/relationships" xmlns:p="http://schemas.openxmlformats.org/presentationml/2006/main">
   <p:cSld>
     <p:spTree>
@@ -15088,7 +19029,7 @@
 </p:sld>
 </file>
 
-<file path=ppt/slides/slide14.xml><?xml version="1.0" encoding="utf-8"?>
+<file path=ppt/slides/slide15.xml><?xml version="1.0" encoding="utf-8"?>
 <p:sld xmlns:a="http://schemas.openxmlformats.org/drawingml/2006/main" xmlns:r="http://schemas.openxmlformats.org/officeDocument/2006/relationships" xmlns:p="http://schemas.openxmlformats.org/presentationml/2006/main">
   <p:cSld>
     <p:spTree>
@@ -15403,7 +19344,7 @@
             </a:ln>
             <a:extLst>
               <a:ext uri="{C572A759-6A51-4108-AA02-DFA0A04FC94B}">
-                <ma14:wrappingTextBoxFlag xmlns="" xmlns:ma14="http://schemas.microsoft.com/office/mac/drawingml/2011/main" val="1"/>
+                <ma14:wrappingTextBoxFlag xmlns:ma14="http://schemas.microsoft.com/office/mac/drawingml/2011/main" xmlns="" val="1"/>
               </a:ext>
             </a:extLst>
           </p:spPr>
@@ -15464,7 +19405,7 @@
             </a:ln>
             <a:extLst>
               <a:ext uri="{C572A759-6A51-4108-AA02-DFA0A04FC94B}">
-                <ma14:wrappingTextBoxFlag xmlns="" xmlns:ma14="http://schemas.microsoft.com/office/mac/drawingml/2011/main" val="1"/>
+                <ma14:wrappingTextBoxFlag xmlns:ma14="http://schemas.microsoft.com/office/mac/drawingml/2011/main" xmlns="" val="1"/>
               </a:ext>
             </a:extLst>
           </p:spPr>
@@ -15824,7 +19765,7 @@
             </a:ln>
             <a:extLst>
               <a:ext uri="{C572A759-6A51-4108-AA02-DFA0A04FC94B}">
-                <ma14:wrappingTextBoxFlag xmlns="" xmlns:ma14="http://schemas.microsoft.com/office/mac/drawingml/2011/main" val="1"/>
+                <ma14:wrappingTextBoxFlag xmlns:ma14="http://schemas.microsoft.com/office/mac/drawingml/2011/main" xmlns="" val="1"/>
               </a:ext>
             </a:extLst>
           </p:spPr>
@@ -15900,7 +19841,7 @@
             </a:ln>
             <a:extLst>
               <a:ext uri="{C572A759-6A51-4108-AA02-DFA0A04FC94B}">
-                <ma14:wrappingTextBoxFlag xmlns="" xmlns:ma14="http://schemas.microsoft.com/office/mac/drawingml/2011/main" val="1"/>
+                <ma14:wrappingTextBoxFlag xmlns:ma14="http://schemas.microsoft.com/office/mac/drawingml/2011/main" xmlns="" val="1"/>
               </a:ext>
             </a:extLst>
           </p:spPr>
@@ -15961,7 +19902,7 @@
             </a:ln>
             <a:extLst>
               <a:ext uri="{C572A759-6A51-4108-AA02-DFA0A04FC94B}">
-                <ma14:wrappingTextBoxFlag xmlns="" xmlns:ma14="http://schemas.microsoft.com/office/mac/drawingml/2011/main" val="1"/>
+                <ma14:wrappingTextBoxFlag xmlns:ma14="http://schemas.microsoft.com/office/mac/drawingml/2011/main" xmlns="" val="1"/>
               </a:ext>
             </a:extLst>
           </p:spPr>
@@ -16033,7 +19974,7 @@
             </a:ln>
             <a:extLst>
               <a:ext uri="{C572A759-6A51-4108-AA02-DFA0A04FC94B}">
-                <ma14:wrappingTextBoxFlag xmlns="" xmlns:ma14="http://schemas.microsoft.com/office/mac/drawingml/2011/main" val="1"/>
+                <ma14:wrappingTextBoxFlag xmlns:ma14="http://schemas.microsoft.com/office/mac/drawingml/2011/main" xmlns="" val="1"/>
               </a:ext>
             </a:extLst>
           </p:spPr>
@@ -16090,7 +20031,7 @@
             </a:ln>
             <a:extLst>
               <a:ext uri="{C572A759-6A51-4108-AA02-DFA0A04FC94B}">
-                <ma14:wrappingTextBoxFlag xmlns="" xmlns:ma14="http://schemas.microsoft.com/office/mac/drawingml/2011/main" val="1"/>
+                <ma14:wrappingTextBoxFlag xmlns:ma14="http://schemas.microsoft.com/office/mac/drawingml/2011/main" xmlns="" val="1"/>
               </a:ext>
             </a:extLst>
           </p:spPr>
@@ -16151,7 +20092,7 @@
             </a:ln>
             <a:extLst>
               <a:ext uri="{C572A759-6A51-4108-AA02-DFA0A04FC94B}">
-                <ma14:wrappingTextBoxFlag xmlns="" xmlns:ma14="http://schemas.microsoft.com/office/mac/drawingml/2011/main" val="1"/>
+                <ma14:wrappingTextBoxFlag xmlns:ma14="http://schemas.microsoft.com/office/mac/drawingml/2011/main" xmlns="" val="1"/>
               </a:ext>
             </a:extLst>
           </p:spPr>
@@ -16208,7 +20149,7 @@
             </a:ln>
             <a:extLst>
               <a:ext uri="{C572A759-6A51-4108-AA02-DFA0A04FC94B}">
-                <ma14:wrappingTextBoxFlag xmlns="" xmlns:ma14="http://schemas.microsoft.com/office/mac/drawingml/2011/main" val="1"/>
+                <ma14:wrappingTextBoxFlag xmlns:ma14="http://schemas.microsoft.com/office/mac/drawingml/2011/main" xmlns="" val="1"/>
               </a:ext>
             </a:extLst>
           </p:spPr>
@@ -16265,7 +20206,7 @@
             </a:ln>
             <a:extLst>
               <a:ext uri="{C572A759-6A51-4108-AA02-DFA0A04FC94B}">
-                <ma14:wrappingTextBoxFlag xmlns="" xmlns:ma14="http://schemas.microsoft.com/office/mac/drawingml/2011/main" val="1"/>
+                <ma14:wrappingTextBoxFlag xmlns:ma14="http://schemas.microsoft.com/office/mac/drawingml/2011/main" xmlns="" val="1"/>
               </a:ext>
             </a:extLst>
           </p:spPr>
@@ -16532,7 +20473,7 @@
 </p:sld>
 </file>
 
-<file path=ppt/slides/slide15.xml><?xml version="1.0" encoding="utf-8"?>
+<file path=ppt/slides/slide16.xml><?xml version="1.0" encoding="utf-8"?>
 <p:sld xmlns:a="http://schemas.openxmlformats.org/drawingml/2006/main" xmlns:r="http://schemas.openxmlformats.org/officeDocument/2006/relationships" xmlns:p="http://schemas.openxmlformats.org/presentationml/2006/main">
   <p:cSld>
     <p:spTree>
@@ -21767,21 +25708,36 @@
   </a:themeElements>
   <a:objectDefaults>
     <a:spDef>
-      <a:spPr/>
-      <a:bodyPr/>
-      <a:lstStyle/>
+      <a:spPr>
+        <a:solidFill>
+          <a:schemeClr val="bg1"/>
+        </a:solidFill>
+        <a:ln w="6350"/>
+        <a:effectLst/>
+      </a:spPr>
+      <a:bodyPr lIns="18000" rIns="18000" anchor="ctr" anchorCtr="0"/>
+      <a:lstStyle>
+        <a:defPPr algn="l">
+          <a:defRPr sz="800" dirty="0" smtClean="0">
+            <a:solidFill>
+              <a:srgbClr val="000000"/>
+            </a:solidFill>
+            <a:ea typeface="맑은 고딕" pitchFamily="50" charset="-127"/>
+          </a:defRPr>
+        </a:defPPr>
+      </a:lstStyle>
       <a:style>
         <a:lnRef idx="1">
-          <a:schemeClr val="accent1"/>
+          <a:schemeClr val="dk1"/>
         </a:lnRef>
-        <a:fillRef idx="3">
-          <a:schemeClr val="accent1"/>
+        <a:fillRef idx="2">
+          <a:schemeClr val="dk1"/>
         </a:fillRef>
-        <a:effectRef idx="2">
-          <a:schemeClr val="accent1"/>
+        <a:effectRef idx="1">
+          <a:schemeClr val="dk1"/>
         </a:effectRef>
         <a:fontRef idx="minor">
-          <a:schemeClr val="lt1"/>
+          <a:schemeClr val="dk1"/>
         </a:fontRef>
       </a:style>
     </a:spDef>

--- a/doc/An Introduction to Kubernetes.pptx
+++ b/doc/An Introduction to Kubernetes.pptx
@@ -5,10 +5,10 @@
     <p:sldMasterId id="2147483648" r:id="rId1"/>
   </p:sldMasterIdLst>
   <p:notesMasterIdLst>
-    <p:notesMasterId r:id="rId18"/>
+    <p:notesMasterId r:id="rId19"/>
   </p:notesMasterIdLst>
   <p:handoutMasterIdLst>
-    <p:handoutMasterId r:id="rId19"/>
+    <p:handoutMasterId r:id="rId20"/>
   </p:handoutMasterIdLst>
   <p:sldIdLst>
     <p:sldId id="279" r:id="rId2"/>
@@ -23,10 +23,11 @@
     <p:sldId id="306" r:id="rId11"/>
     <p:sldId id="349" r:id="rId12"/>
     <p:sldId id="331" r:id="rId13"/>
-    <p:sldId id="314" r:id="rId14"/>
-    <p:sldId id="332" r:id="rId15"/>
-    <p:sldId id="347" r:id="rId16"/>
-    <p:sldId id="313" r:id="rId17"/>
+    <p:sldId id="350" r:id="rId14"/>
+    <p:sldId id="351" r:id="rId15"/>
+    <p:sldId id="332" r:id="rId16"/>
+    <p:sldId id="347" r:id="rId17"/>
+    <p:sldId id="313" r:id="rId18"/>
   </p:sldIdLst>
   <p:sldSz cx="12192000" cy="6858000"/>
   <p:notesSz cx="6858000" cy="9144000"/>
@@ -15550,10 +15551,10 @@
       </p:sp>
       <p:grpSp>
         <p:nvGrpSpPr>
-          <p:cNvPr id="2" name="그룹 1">
+          <p:cNvPr id="9" name="그룹 8">
             <a:extLst>
               <a:ext uri="{FF2B5EF4-FFF2-40B4-BE49-F238E27FC236}">
-                <a16:creationId xmlns:a16="http://schemas.microsoft.com/office/drawing/2014/main" id="{63837864-BDBA-814F-850F-7D5016D20B6E}"/>
+                <a16:creationId xmlns:a16="http://schemas.microsoft.com/office/drawing/2014/main" id="{F28B3103-CCEE-9341-9FFB-301C2A5B3F9F}"/>
               </a:ext>
             </a:extLst>
           </p:cNvPr>
@@ -16286,7 +16287,1987 @@
           </p:nvSpPr>
           <p:spPr>
             <a:xfrm>
-              <a:off x="7643188" y="5266256"/>
+              <a:off x="7939564" y="5266256"/>
+              <a:ext cx="1156623" cy="430887"/>
+            </a:xfrm>
+            <a:prstGeom prst="rect">
+              <a:avLst/>
+            </a:prstGeom>
+            <a:noFill/>
+          </p:spPr>
+          <p:txBody>
+            <a:bodyPr wrap="square" rtlCol="0">
+              <a:spAutoFit/>
+            </a:bodyPr>
+            <a:lstStyle/>
+            <a:p>
+              <a:pPr algn="ctr" eaLnBrk="1" fontAlgn="auto" hangingPunct="1">
+                <a:spcBef>
+                  <a:spcPts val="0"/>
+                </a:spcBef>
+                <a:spcAft>
+                  <a:spcPts val="0"/>
+                </a:spcAft>
+              </a:pPr>
+              <a:r>
+                <a:rPr lang="en-US" sz="1200" b="0" dirty="0">
+                  <a:solidFill>
+                    <a:srgbClr val="232F3D"/>
+                  </a:solidFill>
+                  <a:latin typeface="+mj-lt"/>
+                  <a:ea typeface="+mn-ea"/>
+                </a:rPr>
+                <a:t>EFS</a:t>
+              </a:r>
+              <a:endParaRPr lang="en-US" sz="1400" b="0" dirty="0">
+                <a:solidFill>
+                  <a:srgbClr val="232F3D"/>
+                </a:solidFill>
+                <a:latin typeface="+mj-lt"/>
+                <a:ea typeface="+mn-ea"/>
+              </a:endParaRPr>
+            </a:p>
+            <a:p>
+              <a:pPr algn="ctr" eaLnBrk="1" fontAlgn="auto" hangingPunct="1">
+                <a:spcBef>
+                  <a:spcPts val="0"/>
+                </a:spcBef>
+                <a:spcAft>
+                  <a:spcPts val="0"/>
+                </a:spcAft>
+              </a:pPr>
+              <a:r>
+                <a:rPr lang="en-US" sz="1000" b="0" dirty="0">
+                  <a:solidFill>
+                    <a:srgbClr val="232F3D"/>
+                  </a:solidFill>
+                  <a:latin typeface="+mj-lt"/>
+                  <a:ea typeface="+mn-ea"/>
+                </a:rPr>
+                <a:t>(</a:t>
+              </a:r>
+              <a:r>
+                <a:rPr lang="en-US" sz="1000" b="0" dirty="0" err="1">
+                  <a:solidFill>
+                    <a:srgbClr val="232F3D"/>
+                  </a:solidFill>
+                  <a:latin typeface="+mj-lt"/>
+                  <a:ea typeface="+mn-ea"/>
+                </a:rPr>
+                <a:t>postgres-efs</a:t>
+              </a:r>
+              <a:r>
+                <a:rPr lang="en-US" sz="1000" b="0" dirty="0">
+                  <a:solidFill>
+                    <a:srgbClr val="232F3D"/>
+                  </a:solidFill>
+                  <a:latin typeface="+mj-lt"/>
+                  <a:ea typeface="+mn-ea"/>
+                </a:rPr>
+                <a:t>)</a:t>
+              </a:r>
+            </a:p>
+          </p:txBody>
+        </p:sp>
+        <p:sp>
+          <p:nvSpPr>
+            <p:cNvPr id="124" name="TextBox 123">
+              <a:extLst>
+                <a:ext uri="{FF2B5EF4-FFF2-40B4-BE49-F238E27FC236}">
+                  <a16:creationId xmlns:a16="http://schemas.microsoft.com/office/drawing/2014/main" id="{FD7E1AE1-D83C-8748-8D35-C0C93A807F8B}"/>
+                </a:ext>
+              </a:extLst>
+            </p:cNvPr>
+            <p:cNvSpPr txBox="1"/>
+            <p:nvPr/>
+          </p:nvSpPr>
+          <p:spPr>
+            <a:xfrm>
+              <a:off x="7058543" y="5266256"/>
+              <a:ext cx="913095" cy="430887"/>
+            </a:xfrm>
+            <a:prstGeom prst="rect">
+              <a:avLst/>
+            </a:prstGeom>
+            <a:noFill/>
+          </p:spPr>
+          <p:txBody>
+            <a:bodyPr wrap="square" rtlCol="0">
+              <a:spAutoFit/>
+            </a:bodyPr>
+            <a:lstStyle/>
+            <a:p>
+              <a:pPr algn="ctr" eaLnBrk="1" fontAlgn="auto" hangingPunct="1">
+                <a:spcBef>
+                  <a:spcPts val="0"/>
+                </a:spcBef>
+                <a:spcAft>
+                  <a:spcPts val="0"/>
+                </a:spcAft>
+              </a:pPr>
+              <a:r>
+                <a:rPr lang="en-US" sz="1200" b="0" dirty="0">
+                  <a:solidFill>
+                    <a:srgbClr val="232F3D"/>
+                  </a:solidFill>
+                  <a:latin typeface="+mj-lt"/>
+                  <a:ea typeface="+mn-ea"/>
+                </a:rPr>
+                <a:t>EFS</a:t>
+              </a:r>
+            </a:p>
+            <a:p>
+              <a:pPr algn="ctr" eaLnBrk="1" fontAlgn="auto" hangingPunct="1">
+                <a:spcBef>
+                  <a:spcPts val="0"/>
+                </a:spcBef>
+                <a:spcAft>
+                  <a:spcPts val="0"/>
+                </a:spcAft>
+              </a:pPr>
+              <a:r>
+                <a:rPr lang="en-US" sz="1000" b="0" dirty="0">
+                  <a:solidFill>
+                    <a:srgbClr val="232F3D"/>
+                  </a:solidFill>
+                  <a:latin typeface="+mj-lt"/>
+                  <a:ea typeface="+mn-ea"/>
+                </a:rPr>
+                <a:t>(</a:t>
+              </a:r>
+              <a:r>
+                <a:rPr lang="en-US" sz="1000" b="0" dirty="0" err="1">
+                  <a:solidFill>
+                    <a:srgbClr val="232F3D"/>
+                  </a:solidFill>
+                  <a:latin typeface="+mj-lt"/>
+                  <a:ea typeface="+mn-ea"/>
+                </a:rPr>
+                <a:t>redis-efs</a:t>
+              </a:r>
+              <a:r>
+                <a:rPr lang="en-US" sz="1000" b="0" dirty="0">
+                  <a:solidFill>
+                    <a:srgbClr val="232F3D"/>
+                  </a:solidFill>
+                  <a:latin typeface="+mj-lt"/>
+                  <a:ea typeface="+mn-ea"/>
+                </a:rPr>
+                <a:t>)</a:t>
+              </a:r>
+            </a:p>
+          </p:txBody>
+        </p:sp>
+        <p:cxnSp>
+          <p:nvCxnSpPr>
+            <p:cNvPr id="127" name="Straight Arrow Connector 19">
+              <a:extLst>
+                <a:ext uri="{FF2B5EF4-FFF2-40B4-BE49-F238E27FC236}">
+                  <a16:creationId xmlns:a16="http://schemas.microsoft.com/office/drawing/2014/main" id="{642CA9FC-EBC0-4C4C-A9B0-47207DE032D3}"/>
+                </a:ext>
+              </a:extLst>
+            </p:cNvPr>
+            <p:cNvCxnSpPr>
+              <a:cxnSpLocks/>
+              <a:stCxn id="134" idx="2"/>
+              <a:endCxn id="30" idx="0"/>
+            </p:cNvCxnSpPr>
+            <p:nvPr/>
+          </p:nvCxnSpPr>
+          <p:spPr>
+            <a:xfrm rot="5400000">
+              <a:off x="7519532" y="3534777"/>
+              <a:ext cx="976279" cy="1041722"/>
+            </a:xfrm>
+            <a:prstGeom prst="bentConnector3">
+              <a:avLst>
+                <a:gd name="adj1" fmla="val 50000"/>
+              </a:avLst>
+            </a:prstGeom>
+            <a:ln w="12700">
+              <a:solidFill>
+                <a:schemeClr val="tx2"/>
+              </a:solidFill>
+              <a:headEnd type="none" w="med" len="sm"/>
+              <a:tailEnd type="arrow" w="med" len="sm"/>
+            </a:ln>
+          </p:spPr>
+          <p:style>
+            <a:lnRef idx="1">
+              <a:schemeClr val="accent1"/>
+            </a:lnRef>
+            <a:fillRef idx="0">
+              <a:schemeClr val="accent1"/>
+            </a:fillRef>
+            <a:effectRef idx="0">
+              <a:schemeClr val="accent1"/>
+            </a:effectRef>
+            <a:fontRef idx="minor">
+              <a:schemeClr val="tx1"/>
+            </a:fontRef>
+          </p:style>
+        </p:cxnSp>
+        <p:cxnSp>
+          <p:nvCxnSpPr>
+            <p:cNvPr id="128" name="Straight Arrow Connector 19">
+              <a:extLst>
+                <a:ext uri="{FF2B5EF4-FFF2-40B4-BE49-F238E27FC236}">
+                  <a16:creationId xmlns:a16="http://schemas.microsoft.com/office/drawing/2014/main" id="{431ACA32-A1E4-4947-9A62-2AAB770FFF31}"/>
+                </a:ext>
+              </a:extLst>
+            </p:cNvPr>
+            <p:cNvCxnSpPr>
+              <a:cxnSpLocks/>
+              <a:stCxn id="134" idx="2"/>
+              <a:endCxn id="31" idx="0"/>
+            </p:cNvCxnSpPr>
+            <p:nvPr/>
+          </p:nvCxnSpPr>
+          <p:spPr>
+            <a:xfrm>
+              <a:off x="8528532" y="3567499"/>
+              <a:ext cx="946" cy="985507"/>
+            </a:xfrm>
+            <a:prstGeom prst="straightConnector1">
+              <a:avLst/>
+            </a:prstGeom>
+            <a:ln w="12700">
+              <a:solidFill>
+                <a:schemeClr val="tx2"/>
+              </a:solidFill>
+              <a:headEnd type="none" w="med" len="sm"/>
+              <a:tailEnd type="arrow" w="med" len="sm"/>
+            </a:ln>
+          </p:spPr>
+          <p:style>
+            <a:lnRef idx="1">
+              <a:schemeClr val="accent1"/>
+            </a:lnRef>
+            <a:fillRef idx="0">
+              <a:schemeClr val="accent1"/>
+            </a:fillRef>
+            <a:effectRef idx="0">
+              <a:schemeClr val="accent1"/>
+            </a:effectRef>
+            <a:fontRef idx="minor">
+              <a:schemeClr val="tx1"/>
+            </a:fontRef>
+          </p:style>
+        </p:cxnSp>
+        <p:cxnSp>
+          <p:nvCxnSpPr>
+            <p:cNvPr id="131" name="Straight Arrow Connector 19">
+              <a:extLst>
+                <a:ext uri="{FF2B5EF4-FFF2-40B4-BE49-F238E27FC236}">
+                  <a16:creationId xmlns:a16="http://schemas.microsoft.com/office/drawing/2014/main" id="{35BAF0CB-40E8-AB46-8C18-814C37E46CA0}"/>
+                </a:ext>
+              </a:extLst>
+            </p:cNvPr>
+            <p:cNvCxnSpPr>
+              <a:cxnSpLocks/>
+              <a:stCxn id="120" idx="3"/>
+            </p:cNvCxnSpPr>
+            <p:nvPr/>
+          </p:nvCxnSpPr>
+          <p:spPr>
+            <a:xfrm flipV="1">
+              <a:off x="4228159" y="2949120"/>
+              <a:ext cx="1671959" cy="6271"/>
+            </a:xfrm>
+            <a:prstGeom prst="straightConnector1">
+              <a:avLst/>
+            </a:prstGeom>
+            <a:ln w="12700">
+              <a:solidFill>
+                <a:schemeClr val="tx2"/>
+              </a:solidFill>
+              <a:headEnd type="none" w="med" len="sm"/>
+              <a:tailEnd type="arrow" w="med" len="sm"/>
+            </a:ln>
+          </p:spPr>
+          <p:style>
+            <a:lnRef idx="1">
+              <a:schemeClr val="accent1"/>
+            </a:lnRef>
+            <a:fillRef idx="0">
+              <a:schemeClr val="accent1"/>
+            </a:fillRef>
+            <a:effectRef idx="0">
+              <a:schemeClr val="accent1"/>
+            </a:effectRef>
+            <a:fontRef idx="minor">
+              <a:schemeClr val="tx1"/>
+            </a:fontRef>
+          </p:style>
+        </p:cxnSp>
+        <p:pic>
+          <p:nvPicPr>
+            <p:cNvPr id="132" name="Graphic 8">
+              <a:extLst>
+                <a:ext uri="{FF2B5EF4-FFF2-40B4-BE49-F238E27FC236}">
+                  <a16:creationId xmlns:a16="http://schemas.microsoft.com/office/drawing/2014/main" id="{EE6BDF67-66FA-3D4A-BB8C-FDB13B7464DD}"/>
+                </a:ext>
+              </a:extLst>
+            </p:cNvPr>
+            <p:cNvPicPr>
+              <a:picLocks noChangeAspect="1"/>
+            </p:cNvPicPr>
+            <p:nvPr/>
+          </p:nvPicPr>
+          <p:blipFill>
+            <a:blip r:embed="rId14">
+              <a:extLst>
+                <a:ext uri="{96DAC541-7B7A-43D3-8B79-37D633B846F1}">
+                  <asvg:svgBlip xmlns:asvg="http://schemas.microsoft.com/office/drawing/2016/SVG/main" r:embed="rId15"/>
+                </a:ext>
+              </a:extLst>
+            </a:blip>
+            <a:stretch>
+              <a:fillRect/>
+            </a:stretch>
+          </p:blipFill>
+          <p:spPr>
+            <a:xfrm>
+              <a:off x="5895445" y="2593520"/>
+              <a:ext cx="711200" cy="711200"/>
+            </a:xfrm>
+            <a:prstGeom prst="rect">
+              <a:avLst/>
+            </a:prstGeom>
+          </p:spPr>
+        </p:pic>
+        <p:pic>
+          <p:nvPicPr>
+            <p:cNvPr id="133" name="Graphic 7">
+              <a:extLst>
+                <a:ext uri="{FF2B5EF4-FFF2-40B4-BE49-F238E27FC236}">
+                  <a16:creationId xmlns:a16="http://schemas.microsoft.com/office/drawing/2014/main" id="{19C54BCA-6683-7A4F-ACD5-520DAD056BDC}"/>
+                </a:ext>
+              </a:extLst>
+            </p:cNvPr>
+            <p:cNvPicPr>
+              <a:picLocks noChangeAspect="1"/>
+            </p:cNvPicPr>
+            <p:nvPr/>
+          </p:nvPicPr>
+          <p:blipFill>
+            <a:blip r:embed="rId16">
+              <a:extLst>
+                <a:ext uri="{96DAC541-7B7A-43D3-8B79-37D633B846F1}">
+                  <asvg:svgBlip xmlns:asvg="http://schemas.microsoft.com/office/drawing/2016/SVG/main" r:embed="rId17"/>
+                </a:ext>
+              </a:extLst>
+            </a:blip>
+            <a:stretch>
+              <a:fillRect/>
+            </a:stretch>
+          </p:blipFill>
+          <p:spPr>
+            <a:xfrm>
+              <a:off x="8173878" y="2588428"/>
+              <a:ext cx="711200" cy="711200"/>
+            </a:xfrm>
+            <a:prstGeom prst="rect">
+              <a:avLst/>
+            </a:prstGeom>
+          </p:spPr>
+        </p:pic>
+        <p:sp>
+          <p:nvSpPr>
+            <p:cNvPr id="134" name="TextBox 133">
+              <a:extLst>
+                <a:ext uri="{FF2B5EF4-FFF2-40B4-BE49-F238E27FC236}">
+                  <a16:creationId xmlns:a16="http://schemas.microsoft.com/office/drawing/2014/main" id="{EA5FE931-01E3-3441-BD14-EA5079746CD7}"/>
+                </a:ext>
+              </a:extLst>
+            </p:cNvPr>
+            <p:cNvSpPr txBox="1"/>
+            <p:nvPr/>
+          </p:nvSpPr>
+          <p:spPr>
+            <a:xfrm>
+              <a:off x="7950220" y="3290500"/>
+              <a:ext cx="1156623" cy="276999"/>
+            </a:xfrm>
+            <a:prstGeom prst="rect">
+              <a:avLst/>
+            </a:prstGeom>
+            <a:noFill/>
+          </p:spPr>
+          <p:txBody>
+            <a:bodyPr wrap="square" rtlCol="0">
+              <a:spAutoFit/>
+            </a:bodyPr>
+            <a:lstStyle/>
+            <a:p>
+              <a:pPr algn="ctr" eaLnBrk="1" fontAlgn="auto" hangingPunct="1">
+                <a:spcBef>
+                  <a:spcPts val="0"/>
+                </a:spcBef>
+                <a:spcAft>
+                  <a:spcPts val="0"/>
+                </a:spcAft>
+              </a:pPr>
+              <a:r>
+                <a:rPr lang="en-US" sz="1200" b="0" dirty="0">
+                  <a:solidFill>
+                    <a:srgbClr val="232F3D"/>
+                  </a:solidFill>
+                  <a:latin typeface="+mj-lt"/>
+                  <a:ea typeface="+mn-ea"/>
+                </a:rPr>
+                <a:t>Fargate</a:t>
+              </a:r>
+            </a:p>
+          </p:txBody>
+        </p:sp>
+        <p:cxnSp>
+          <p:nvCxnSpPr>
+            <p:cNvPr id="135" name="Straight Arrow Connector 19">
+              <a:extLst>
+                <a:ext uri="{FF2B5EF4-FFF2-40B4-BE49-F238E27FC236}">
+                  <a16:creationId xmlns:a16="http://schemas.microsoft.com/office/drawing/2014/main" id="{BBF1F749-3020-3F43-BE94-D76C4C45BCBF}"/>
+                </a:ext>
+              </a:extLst>
+            </p:cNvPr>
+            <p:cNvCxnSpPr>
+              <a:cxnSpLocks/>
+              <a:stCxn id="132" idx="3"/>
+              <a:endCxn id="133" idx="1"/>
+            </p:cNvCxnSpPr>
+            <p:nvPr/>
+          </p:nvCxnSpPr>
+          <p:spPr>
+            <a:xfrm flipV="1">
+              <a:off x="6606645" y="2944028"/>
+              <a:ext cx="1567233" cy="5092"/>
+            </a:xfrm>
+            <a:prstGeom prst="straightConnector1">
+              <a:avLst/>
+            </a:prstGeom>
+            <a:ln w="12700">
+              <a:solidFill>
+                <a:schemeClr val="tx2"/>
+              </a:solidFill>
+              <a:headEnd type="none" w="med" len="sm"/>
+              <a:tailEnd type="arrow" w="med" len="sm"/>
+            </a:ln>
+          </p:spPr>
+          <p:style>
+            <a:lnRef idx="1">
+              <a:schemeClr val="accent1"/>
+            </a:lnRef>
+            <a:fillRef idx="0">
+              <a:schemeClr val="accent1"/>
+            </a:fillRef>
+            <a:effectRef idx="0">
+              <a:schemeClr val="accent1"/>
+            </a:effectRef>
+            <a:fontRef idx="minor">
+              <a:schemeClr val="tx1"/>
+            </a:fontRef>
+          </p:style>
+        </p:cxnSp>
+        <p:sp>
+          <p:nvSpPr>
+            <p:cNvPr id="136" name="사각형 설명선[R] 135">
+              <a:extLst>
+                <a:ext uri="{FF2B5EF4-FFF2-40B4-BE49-F238E27FC236}">
+                  <a16:creationId xmlns:a16="http://schemas.microsoft.com/office/drawing/2014/main" id="{437A6326-E131-E348-8844-51F01AFCB1BD}"/>
+                </a:ext>
+              </a:extLst>
+            </p:cNvPr>
+            <p:cNvSpPr/>
+            <p:nvPr/>
+          </p:nvSpPr>
+          <p:spPr>
+            <a:xfrm>
+              <a:off x="9649065" y="1905181"/>
+              <a:ext cx="1585531" cy="1458991"/>
+            </a:xfrm>
+            <a:prstGeom prst="wedgeRectCallout">
+              <a:avLst>
+                <a:gd name="adj1" fmla="val -98001"/>
+                <a:gd name="adj2" fmla="val 24864"/>
+              </a:avLst>
+            </a:prstGeom>
+            <a:solidFill>
+              <a:schemeClr val="bg1">
+                <a:lumMod val="95000"/>
+              </a:schemeClr>
+            </a:solidFill>
+            <a:ln w="9525">
+              <a:solidFill>
+                <a:schemeClr val="tx1">
+                  <a:lumMod val="85000"/>
+                  <a:lumOff val="15000"/>
+                </a:schemeClr>
+              </a:solidFill>
+            </a:ln>
+            <a:scene3d>
+              <a:camera prst="orthographicFront"/>
+              <a:lightRig rig="threePt" dir="t"/>
+            </a:scene3d>
+            <a:sp3d/>
+          </p:spPr>
+          <p:style>
+            <a:lnRef idx="2">
+              <a:schemeClr val="accent1">
+                <a:shade val="50000"/>
+              </a:schemeClr>
+            </a:lnRef>
+            <a:fillRef idx="1">
+              <a:schemeClr val="accent1"/>
+            </a:fillRef>
+            <a:effectRef idx="0">
+              <a:schemeClr val="accent1"/>
+            </a:effectRef>
+            <a:fontRef idx="minor">
+              <a:schemeClr val="lt1"/>
+            </a:fontRef>
+          </p:style>
+          <p:txBody>
+            <a:bodyPr rtlCol="0" anchor="ctr">
+              <a:flatTx/>
+            </a:bodyPr>
+            <a:lstStyle/>
+            <a:p>
+              <a:pPr lvl="0" eaLnBrk="1" fontAlgn="auto" hangingPunct="1">
+                <a:spcBef>
+                  <a:spcPts val="0"/>
+                </a:spcBef>
+                <a:spcAft>
+                  <a:spcPts val="0"/>
+                </a:spcAft>
+              </a:pPr>
+              <a:r>
+                <a:rPr lang="en-US" altLang="ko-Kore-KR" sz="1100" b="0" dirty="0">
+                  <a:solidFill>
+                    <a:prstClr val="black"/>
+                  </a:solidFill>
+                </a:rPr>
+                <a:t>Pods</a:t>
+              </a:r>
+            </a:p>
+            <a:p>
+              <a:pPr lvl="0" eaLnBrk="1" fontAlgn="auto" hangingPunct="1">
+                <a:spcBef>
+                  <a:spcPts val="0"/>
+                </a:spcBef>
+                <a:spcAft>
+                  <a:spcPts val="0"/>
+                </a:spcAft>
+              </a:pPr>
+              <a:endParaRPr lang="en-US" altLang="ko-Kore-KR" sz="1100" b="0" dirty="0">
+                <a:solidFill>
+                  <a:srgbClr val="0074C8"/>
+                </a:solidFill>
+              </a:endParaRPr>
+            </a:p>
+            <a:p>
+              <a:pPr marL="171450" lvl="0" indent="-171450">
+                <a:buFont typeface="Arial" panose="020B0604020202020204" pitchFamily="34" charset="0"/>
+                <a:buChar char="•"/>
+              </a:pPr>
+              <a:r>
+                <a:rPr lang="en-US" altLang="ko-Kore-KR" sz="1000" dirty="0">
+                  <a:solidFill>
+                    <a:srgbClr val="0074C8"/>
+                  </a:solidFill>
+                </a:rPr>
+                <a:t>frontend</a:t>
+              </a:r>
+            </a:p>
+            <a:p>
+              <a:pPr marL="171450" indent="-171450">
+                <a:buFont typeface="Arial" panose="020B0604020202020204" pitchFamily="34" charset="0"/>
+                <a:buChar char="•"/>
+              </a:pPr>
+              <a:r>
+                <a:rPr lang="en-US" altLang="ko-Kore-KR" sz="1000" dirty="0">
+                  <a:solidFill>
+                    <a:srgbClr val="0074C8"/>
+                  </a:solidFill>
+                </a:rPr>
+                <a:t>backend</a:t>
+              </a:r>
+            </a:p>
+            <a:p>
+              <a:pPr marL="171450" indent="-171450">
+                <a:buFont typeface="Arial" panose="020B0604020202020204" pitchFamily="34" charset="0"/>
+                <a:buChar char="•"/>
+              </a:pPr>
+              <a:r>
+                <a:rPr kumimoji="1" lang="en-US" altLang="ko-Kore-KR" sz="1000" b="0" dirty="0" err="1">
+                  <a:solidFill>
+                    <a:srgbClr val="0074C8"/>
+                  </a:solidFill>
+                  <a:ea typeface="맑은 고딕" pitchFamily="50" charset="-127"/>
+                </a:rPr>
+                <a:t>redis</a:t>
+              </a:r>
+              <a:endParaRPr kumimoji="1" lang="en-US" altLang="ko-Kore-KR" sz="1000" b="0" dirty="0">
+                <a:solidFill>
+                  <a:srgbClr val="0074C8"/>
+                </a:solidFill>
+                <a:ea typeface="맑은 고딕" pitchFamily="50" charset="-127"/>
+              </a:endParaRPr>
+            </a:p>
+            <a:p>
+              <a:pPr marL="171450" indent="-171450">
+                <a:buFont typeface="Arial" panose="020B0604020202020204" pitchFamily="34" charset="0"/>
+                <a:buChar char="•"/>
+              </a:pPr>
+              <a:r>
+                <a:rPr kumimoji="1" lang="en-US" altLang="ko-Kore-KR" sz="1000" dirty="0" err="1">
+                  <a:solidFill>
+                    <a:srgbClr val="0074C8"/>
+                  </a:solidFill>
+                  <a:ea typeface="맑은 고딕" pitchFamily="50" charset="-127"/>
+                </a:rPr>
+                <a:t>postgres</a:t>
+              </a:r>
+              <a:r>
+                <a:rPr kumimoji="1" lang="en-US" altLang="ko-Kore-KR" sz="700" b="0" dirty="0">
+                  <a:solidFill>
+                    <a:schemeClr val="tx1"/>
+                  </a:solidFill>
+                  <a:ea typeface="맑은 고딕" pitchFamily="50" charset="-127"/>
+                </a:rPr>
+                <a:t> </a:t>
+              </a:r>
+              <a:endParaRPr lang="en-US" altLang="ko-Kore-KR" sz="1100" b="0" dirty="0">
+                <a:solidFill>
+                  <a:srgbClr val="0074C8"/>
+                </a:solidFill>
+              </a:endParaRPr>
+            </a:p>
+          </p:txBody>
+        </p:sp>
+        <p:pic>
+          <p:nvPicPr>
+            <p:cNvPr id="30" name="Graphic 19">
+              <a:extLst>
+                <a:ext uri="{FF2B5EF4-FFF2-40B4-BE49-F238E27FC236}">
+                  <a16:creationId xmlns:a16="http://schemas.microsoft.com/office/drawing/2014/main" id="{2B2373F8-E4CF-204B-932B-173586E062CA}"/>
+                </a:ext>
+              </a:extLst>
+            </p:cNvPr>
+            <p:cNvPicPr>
+              <a:picLocks noChangeAspect="1" noChangeArrowheads="1"/>
+            </p:cNvPicPr>
+            <p:nvPr/>
+          </p:nvPicPr>
+          <p:blipFill>
+            <a:blip r:embed="rId18">
+              <a:extLst>
+                <a:ext uri="{28A0092B-C50C-407E-A947-70E740481C1C}">
+                  <a14:useLocalDpi xmlns:a14="http://schemas.microsoft.com/office/drawing/2010/main" val="0"/>
+                </a:ext>
+              </a:extLst>
+            </a:blip>
+            <a:srcRect/>
+            <a:stretch>
+              <a:fillRect/>
+            </a:stretch>
+          </p:blipFill>
+          <p:spPr bwMode="auto">
+            <a:xfrm>
+              <a:off x="7131210" y="4543778"/>
+              <a:ext cx="711200" cy="711200"/>
+            </a:xfrm>
+            <a:prstGeom prst="rect">
+              <a:avLst/>
+            </a:prstGeom>
+            <a:noFill/>
+            <a:ln>
+              <a:noFill/>
+            </a:ln>
+            <a:extLst>
+              <a:ext uri="{909E8E84-426E-40DD-AFC4-6F175D3DCCD1}">
+                <a14:hiddenFill xmlns:a14="http://schemas.microsoft.com/office/drawing/2010/main">
+                  <a:solidFill>
+                    <a:srgbClr val="FFFFFF"/>
+                  </a:solidFill>
+                </a14:hiddenFill>
+              </a:ext>
+              <a:ext uri="{91240B29-F687-4F45-9708-019B960494DF}">
+                <a14:hiddenLine xmlns:a14="http://schemas.microsoft.com/office/drawing/2010/main" w="9525">
+                  <a:solidFill>
+                    <a:srgbClr val="000000"/>
+                  </a:solidFill>
+                  <a:miter lim="800000"/>
+                  <a:headEnd/>
+                  <a:tailEnd/>
+                </a14:hiddenLine>
+              </a:ext>
+            </a:extLst>
+          </p:spPr>
+        </p:pic>
+        <p:pic>
+          <p:nvPicPr>
+            <p:cNvPr id="31" name="Graphic 19">
+              <a:extLst>
+                <a:ext uri="{FF2B5EF4-FFF2-40B4-BE49-F238E27FC236}">
+                  <a16:creationId xmlns:a16="http://schemas.microsoft.com/office/drawing/2014/main" id="{065F5313-84DE-0B46-9DA6-C8DA8CCCF9D0}"/>
+                </a:ext>
+              </a:extLst>
+            </p:cNvPr>
+            <p:cNvPicPr>
+              <a:picLocks noChangeAspect="1" noChangeArrowheads="1"/>
+            </p:cNvPicPr>
+            <p:nvPr/>
+          </p:nvPicPr>
+          <p:blipFill>
+            <a:blip r:embed="rId18">
+              <a:extLst>
+                <a:ext uri="{28A0092B-C50C-407E-A947-70E740481C1C}">
+                  <a14:useLocalDpi xmlns:a14="http://schemas.microsoft.com/office/drawing/2010/main" val="0"/>
+                </a:ext>
+              </a:extLst>
+            </a:blip>
+            <a:srcRect/>
+            <a:stretch>
+              <a:fillRect/>
+            </a:stretch>
+          </p:blipFill>
+          <p:spPr bwMode="auto">
+            <a:xfrm>
+              <a:off x="8173878" y="4553006"/>
+              <a:ext cx="711200" cy="711200"/>
+            </a:xfrm>
+            <a:prstGeom prst="rect">
+              <a:avLst/>
+            </a:prstGeom>
+            <a:noFill/>
+            <a:ln>
+              <a:noFill/>
+            </a:ln>
+            <a:extLst>
+              <a:ext uri="{909E8E84-426E-40DD-AFC4-6F175D3DCCD1}">
+                <a14:hiddenFill xmlns:a14="http://schemas.microsoft.com/office/drawing/2010/main">
+                  <a:solidFill>
+                    <a:srgbClr val="FFFFFF"/>
+                  </a:solidFill>
+                </a14:hiddenFill>
+              </a:ext>
+              <a:ext uri="{91240B29-F687-4F45-9708-019B960494DF}">
+                <a14:hiddenLine xmlns:a14="http://schemas.microsoft.com/office/drawing/2010/main" w="9525">
+                  <a:solidFill>
+                    <a:srgbClr val="000000"/>
+                  </a:solidFill>
+                  <a:miter lim="800000"/>
+                  <a:headEnd/>
+                  <a:tailEnd/>
+                </a14:hiddenLine>
+              </a:ext>
+            </a:extLst>
+          </p:spPr>
+        </p:pic>
+        <p:pic>
+          <p:nvPicPr>
+            <p:cNvPr id="35" name="Graphic 20">
+              <a:extLst>
+                <a:ext uri="{FF2B5EF4-FFF2-40B4-BE49-F238E27FC236}">
+                  <a16:creationId xmlns:a16="http://schemas.microsoft.com/office/drawing/2014/main" id="{233075AA-85AC-604B-B943-DCAA45E52AB0}"/>
+                </a:ext>
+              </a:extLst>
+            </p:cNvPr>
+            <p:cNvPicPr>
+              <a:picLocks noChangeAspect="1" noChangeArrowheads="1"/>
+            </p:cNvPicPr>
+            <p:nvPr/>
+          </p:nvPicPr>
+          <p:blipFill>
+            <a:blip r:embed="rId19">
+              <a:extLst>
+                <a:ext uri="{28A0092B-C50C-407E-A947-70E740481C1C}">
+                  <a14:useLocalDpi xmlns:a14="http://schemas.microsoft.com/office/drawing/2010/main" val="0"/>
+                </a:ext>
+              </a:extLst>
+            </a:blip>
+            <a:srcRect/>
+            <a:stretch>
+              <a:fillRect/>
+            </a:stretch>
+          </p:blipFill>
+          <p:spPr bwMode="auto">
+            <a:xfrm>
+              <a:off x="5638318" y="4553006"/>
+              <a:ext cx="711200" cy="711200"/>
+            </a:xfrm>
+            <a:prstGeom prst="rect">
+              <a:avLst/>
+            </a:prstGeom>
+            <a:noFill/>
+            <a:ln>
+              <a:noFill/>
+            </a:ln>
+            <a:extLst>
+              <a:ext uri="{909E8E84-426E-40DD-AFC4-6F175D3DCCD1}">
+                <a14:hiddenFill xmlns:a14="http://schemas.microsoft.com/office/drawing/2010/main">
+                  <a:solidFill>
+                    <a:srgbClr val="FFFFFF"/>
+                  </a:solidFill>
+                </a14:hiddenFill>
+              </a:ext>
+              <a:ext uri="{91240B29-F687-4F45-9708-019B960494DF}">
+                <a14:hiddenLine xmlns:a14="http://schemas.microsoft.com/office/drawing/2010/main" w="9525">
+                  <a:solidFill>
+                    <a:srgbClr val="000000"/>
+                  </a:solidFill>
+                  <a:miter lim="800000"/>
+                  <a:headEnd/>
+                  <a:tailEnd/>
+                </a14:hiddenLine>
+              </a:ext>
+            </a:extLst>
+          </p:spPr>
+        </p:pic>
+        <p:sp>
+          <p:nvSpPr>
+            <p:cNvPr id="36" name="TextBox 35">
+              <a:extLst>
+                <a:ext uri="{FF2B5EF4-FFF2-40B4-BE49-F238E27FC236}">
+                  <a16:creationId xmlns:a16="http://schemas.microsoft.com/office/drawing/2014/main" id="{467A26B2-1CD7-9048-B862-C0A24D8070F2}"/>
+                </a:ext>
+              </a:extLst>
+            </p:cNvPr>
+            <p:cNvSpPr txBox="1"/>
+            <p:nvPr/>
+          </p:nvSpPr>
+          <p:spPr>
+            <a:xfrm>
+              <a:off x="5537370" y="5266256"/>
+              <a:ext cx="913095" cy="276999"/>
+            </a:xfrm>
+            <a:prstGeom prst="rect">
+              <a:avLst/>
+            </a:prstGeom>
+            <a:noFill/>
+          </p:spPr>
+          <p:txBody>
+            <a:bodyPr wrap="square" rtlCol="0">
+              <a:spAutoFit/>
+            </a:bodyPr>
+            <a:lstStyle/>
+            <a:p>
+              <a:pPr algn="ctr" eaLnBrk="1" fontAlgn="auto" hangingPunct="1">
+                <a:spcBef>
+                  <a:spcPts val="0"/>
+                </a:spcBef>
+                <a:spcAft>
+                  <a:spcPts val="0"/>
+                </a:spcAft>
+              </a:pPr>
+              <a:r>
+                <a:rPr lang="en-US" sz="1200" b="0" dirty="0">
+                  <a:solidFill>
+                    <a:srgbClr val="232F3D"/>
+                  </a:solidFill>
+                  <a:latin typeface="+mj-lt"/>
+                  <a:ea typeface="+mn-ea"/>
+                </a:rPr>
+                <a:t>ECR</a:t>
+              </a:r>
+            </a:p>
+          </p:txBody>
+        </p:sp>
+        <p:cxnSp>
+          <p:nvCxnSpPr>
+            <p:cNvPr id="37" name="Straight Arrow Connector 19">
+              <a:extLst>
+                <a:ext uri="{FF2B5EF4-FFF2-40B4-BE49-F238E27FC236}">
+                  <a16:creationId xmlns:a16="http://schemas.microsoft.com/office/drawing/2014/main" id="{9CCF809E-15B9-934D-BA82-938740385DC0}"/>
+                </a:ext>
+              </a:extLst>
+            </p:cNvPr>
+            <p:cNvCxnSpPr>
+              <a:cxnSpLocks/>
+              <a:stCxn id="121" idx="2"/>
+              <a:endCxn id="35" idx="0"/>
+            </p:cNvCxnSpPr>
+            <p:nvPr/>
+          </p:nvCxnSpPr>
+          <p:spPr>
+            <a:xfrm rot="5400000">
+              <a:off x="5629729" y="3931689"/>
+              <a:ext cx="985507" cy="257127"/>
+            </a:xfrm>
+            <a:prstGeom prst="bentConnector3">
+              <a:avLst>
+                <a:gd name="adj1" fmla="val 50000"/>
+              </a:avLst>
+            </a:prstGeom>
+            <a:ln w="12700">
+              <a:solidFill>
+                <a:schemeClr val="tx2"/>
+              </a:solidFill>
+              <a:headEnd type="none" w="med" len="sm"/>
+              <a:tailEnd type="arrow" w="med" len="sm"/>
+            </a:ln>
+          </p:spPr>
+          <p:style>
+            <a:lnRef idx="1">
+              <a:schemeClr val="accent1"/>
+            </a:lnRef>
+            <a:fillRef idx="0">
+              <a:schemeClr val="accent1"/>
+            </a:fillRef>
+            <a:effectRef idx="0">
+              <a:schemeClr val="accent1"/>
+            </a:effectRef>
+            <a:fontRef idx="minor">
+              <a:schemeClr val="tx1"/>
+            </a:fontRef>
+          </p:style>
+        </p:cxnSp>
+        <p:pic>
+          <p:nvPicPr>
+            <p:cNvPr id="40" name="Graphic 21">
+              <a:extLst>
+                <a:ext uri="{FF2B5EF4-FFF2-40B4-BE49-F238E27FC236}">
+                  <a16:creationId xmlns:a16="http://schemas.microsoft.com/office/drawing/2014/main" id="{8418C56A-5741-A64C-955D-7E7D178DA77A}"/>
+                </a:ext>
+              </a:extLst>
+            </p:cNvPr>
+            <p:cNvPicPr>
+              <a:picLocks noChangeAspect="1" noChangeArrowheads="1"/>
+            </p:cNvPicPr>
+            <p:nvPr/>
+          </p:nvPicPr>
+          <p:blipFill>
+            <a:blip r:embed="rId20">
+              <a:extLst>
+                <a:ext uri="{28A0092B-C50C-407E-A947-70E740481C1C}">
+                  <a14:useLocalDpi xmlns:a14="http://schemas.microsoft.com/office/drawing/2010/main" val="0"/>
+                </a:ext>
+              </a:extLst>
+            </a:blip>
+            <a:srcRect/>
+            <a:stretch>
+              <a:fillRect/>
+            </a:stretch>
+          </p:blipFill>
+          <p:spPr bwMode="auto">
+            <a:xfrm>
+              <a:off x="3203735" y="4543778"/>
+              <a:ext cx="711200" cy="711200"/>
+            </a:xfrm>
+            <a:prstGeom prst="rect">
+              <a:avLst/>
+            </a:prstGeom>
+            <a:noFill/>
+            <a:ln>
+              <a:noFill/>
+            </a:ln>
+            <a:extLst>
+              <a:ext uri="{909E8E84-426E-40DD-AFC4-6F175D3DCCD1}">
+                <a14:hiddenFill xmlns:a14="http://schemas.microsoft.com/office/drawing/2010/main">
+                  <a:solidFill>
+                    <a:srgbClr val="FFFFFF"/>
+                  </a:solidFill>
+                </a14:hiddenFill>
+              </a:ext>
+              <a:ext uri="{91240B29-F687-4F45-9708-019B960494DF}">
+                <a14:hiddenLine xmlns:a14="http://schemas.microsoft.com/office/drawing/2010/main" w="9525">
+                  <a:solidFill>
+                    <a:srgbClr val="000000"/>
+                  </a:solidFill>
+                  <a:miter lim="800000"/>
+                  <a:headEnd/>
+                  <a:tailEnd/>
+                </a14:hiddenLine>
+              </a:ext>
+            </a:extLst>
+          </p:spPr>
+        </p:pic>
+        <p:sp>
+          <p:nvSpPr>
+            <p:cNvPr id="41" name="TextBox 40">
+              <a:extLst>
+                <a:ext uri="{FF2B5EF4-FFF2-40B4-BE49-F238E27FC236}">
+                  <a16:creationId xmlns:a16="http://schemas.microsoft.com/office/drawing/2014/main" id="{82219617-332D-A043-A047-A29FE49E68FF}"/>
+                </a:ext>
+              </a:extLst>
+            </p:cNvPr>
+            <p:cNvSpPr txBox="1"/>
+            <p:nvPr/>
+          </p:nvSpPr>
+          <p:spPr>
+            <a:xfrm>
+              <a:off x="3107441" y="5266256"/>
+              <a:ext cx="913095" cy="276999"/>
+            </a:xfrm>
+            <a:prstGeom prst="rect">
+              <a:avLst/>
+            </a:prstGeom>
+            <a:noFill/>
+          </p:spPr>
+          <p:txBody>
+            <a:bodyPr wrap="square" rtlCol="0">
+              <a:spAutoFit/>
+            </a:bodyPr>
+            <a:lstStyle/>
+            <a:p>
+              <a:pPr algn="ctr" eaLnBrk="1" fontAlgn="auto" hangingPunct="1">
+                <a:spcBef>
+                  <a:spcPts val="0"/>
+                </a:spcBef>
+                <a:spcAft>
+                  <a:spcPts val="0"/>
+                </a:spcAft>
+              </a:pPr>
+              <a:r>
+                <a:rPr lang="en-US" sz="1200" b="0" dirty="0">
+                  <a:solidFill>
+                    <a:srgbClr val="232F3D"/>
+                  </a:solidFill>
+                  <a:latin typeface="+mj-lt"/>
+                  <a:ea typeface="+mn-ea"/>
+                </a:rPr>
+                <a:t>Route53</a:t>
+              </a:r>
+            </a:p>
+          </p:txBody>
+        </p:sp>
+        <p:pic>
+          <p:nvPicPr>
+            <p:cNvPr id="42" name="Graphic 8">
+              <a:extLst>
+                <a:ext uri="{FF2B5EF4-FFF2-40B4-BE49-F238E27FC236}">
+                  <a16:creationId xmlns:a16="http://schemas.microsoft.com/office/drawing/2014/main" id="{F7A5A1D0-8E43-B942-B26D-88C01A6FD3F6}"/>
+                </a:ext>
+              </a:extLst>
+            </p:cNvPr>
+            <p:cNvPicPr>
+              <a:picLocks noChangeAspect="1" noChangeArrowheads="1"/>
+            </p:cNvPicPr>
+            <p:nvPr/>
+          </p:nvPicPr>
+          <p:blipFill>
+            <a:blip r:embed="rId21">
+              <a:extLst>
+                <a:ext uri="{28A0092B-C50C-407E-A947-70E740481C1C}">
+                  <a14:useLocalDpi xmlns:a14="http://schemas.microsoft.com/office/drawing/2010/main" val="0"/>
+                </a:ext>
+              </a:extLst>
+            </a:blip>
+            <a:srcRect/>
+            <a:stretch>
+              <a:fillRect/>
+            </a:stretch>
+          </p:blipFill>
+          <p:spPr bwMode="auto">
+            <a:xfrm>
+              <a:off x="5121029" y="2723222"/>
+              <a:ext cx="468000" cy="468000"/>
+            </a:xfrm>
+            <a:prstGeom prst="rect">
+              <a:avLst/>
+            </a:prstGeom>
+            <a:noFill/>
+            <a:ln>
+              <a:noFill/>
+            </a:ln>
+            <a:extLst>
+              <a:ext uri="{909E8E84-426E-40DD-AFC4-6F175D3DCCD1}">
+                <a14:hiddenFill xmlns:a14="http://schemas.microsoft.com/office/drawing/2010/main">
+                  <a:solidFill>
+                    <a:srgbClr val="FFFFFF"/>
+                  </a:solidFill>
+                </a14:hiddenFill>
+              </a:ext>
+              <a:ext uri="{91240B29-F687-4F45-9708-019B960494DF}">
+                <a14:hiddenLine xmlns:a14="http://schemas.microsoft.com/office/drawing/2010/main" w="9525">
+                  <a:solidFill>
+                    <a:srgbClr val="000000"/>
+                  </a:solidFill>
+                  <a:miter lim="800000"/>
+                  <a:headEnd/>
+                  <a:tailEnd/>
+                </a14:hiddenLine>
+              </a:ext>
+            </a:extLst>
+          </p:spPr>
+        </p:pic>
+        <p:sp>
+          <p:nvSpPr>
+            <p:cNvPr id="43" name="TextBox 42">
+              <a:extLst>
+                <a:ext uri="{FF2B5EF4-FFF2-40B4-BE49-F238E27FC236}">
+                  <a16:creationId xmlns:a16="http://schemas.microsoft.com/office/drawing/2014/main" id="{FD28D5FA-ED7A-8E40-9775-82A5D127C9FB}"/>
+                </a:ext>
+              </a:extLst>
+            </p:cNvPr>
+            <p:cNvSpPr txBox="1"/>
+            <p:nvPr/>
+          </p:nvSpPr>
+          <p:spPr>
+            <a:xfrm>
+              <a:off x="4959451" y="3203181"/>
+              <a:ext cx="791156" cy="276999"/>
+            </a:xfrm>
+            <a:prstGeom prst="rect">
+              <a:avLst/>
+            </a:prstGeom>
+            <a:noFill/>
+          </p:spPr>
+          <p:txBody>
+            <a:bodyPr wrap="square" rtlCol="0">
+              <a:spAutoFit/>
+            </a:bodyPr>
+            <a:lstStyle/>
+            <a:p>
+              <a:pPr algn="ctr" eaLnBrk="1" fontAlgn="auto" hangingPunct="1">
+                <a:spcBef>
+                  <a:spcPts val="0"/>
+                </a:spcBef>
+                <a:spcAft>
+                  <a:spcPts val="0"/>
+                </a:spcAft>
+              </a:pPr>
+              <a:r>
+                <a:rPr lang="en-US" sz="1200" b="0" dirty="0" err="1">
+                  <a:solidFill>
+                    <a:srgbClr val="232F3D"/>
+                  </a:solidFill>
+                  <a:latin typeface="+mj-lt"/>
+                  <a:ea typeface="+mn-ea"/>
+                </a:rPr>
+                <a:t>alb</a:t>
+              </a:r>
+              <a:endParaRPr lang="en-US" sz="1200" b="0" dirty="0">
+                <a:solidFill>
+                  <a:srgbClr val="232F3D"/>
+                </a:solidFill>
+                <a:latin typeface="+mj-lt"/>
+                <a:ea typeface="+mn-ea"/>
+              </a:endParaRPr>
+            </a:p>
+          </p:txBody>
+        </p:sp>
+      </p:grpSp>
+    </p:spTree>
+    <p:extLst>
+      <p:ext uri="{BB962C8B-B14F-4D97-AF65-F5344CB8AC3E}">
+        <p14:creationId xmlns:p14="http://schemas.microsoft.com/office/powerpoint/2010/main" val="1795422426"/>
+      </p:ext>
+    </p:extLst>
+  </p:cSld>
+  <p:clrMapOvr>
+    <a:masterClrMapping/>
+  </p:clrMapOvr>
+</p:sld>
+</file>
+
+<file path=ppt/slides/slide14.xml><?xml version="1.0" encoding="utf-8"?>
+<p:sld xmlns:a="http://schemas.openxmlformats.org/drawingml/2006/main" xmlns:r="http://schemas.openxmlformats.org/officeDocument/2006/relationships" xmlns:p="http://schemas.openxmlformats.org/presentationml/2006/main">
+  <p:cSld>
+    <p:spTree>
+      <p:nvGrpSpPr>
+        <p:cNvPr id="1" name=""/>
+        <p:cNvGrpSpPr/>
+        <p:nvPr/>
+      </p:nvGrpSpPr>
+      <p:grpSpPr>
+        <a:xfrm>
+          <a:off x="0" y="0"/>
+          <a:ext cx="0" cy="0"/>
+          <a:chOff x="0" y="0"/>
+          <a:chExt cx="0" cy="0"/>
+        </a:xfrm>
+      </p:grpSpPr>
+      <p:sp>
+        <p:nvSpPr>
+          <p:cNvPr id="5" name="Text Placeholder 4">
+            <a:extLst>
+              <a:ext uri="{FF2B5EF4-FFF2-40B4-BE49-F238E27FC236}">
+                <a16:creationId xmlns:a16="http://schemas.microsoft.com/office/drawing/2014/main" id="{95071101-42D9-A744-BD20-E3AC436CF69A}"/>
+              </a:ext>
+            </a:extLst>
+          </p:cNvPr>
+          <p:cNvSpPr>
+            <a:spLocks noGrp="1"/>
+          </p:cNvSpPr>
+          <p:nvPr>
+            <p:ph type="body" sz="quarter" idx="16"/>
+          </p:nvPr>
+        </p:nvSpPr>
+        <p:spPr>
+          <a:xfrm>
+            <a:off x="328823" y="411491"/>
+            <a:ext cx="8799411" cy="327721"/>
+          </a:xfrm>
+          <a:prstGeom prst="rect">
+            <a:avLst/>
+          </a:prstGeom>
+        </p:spPr>
+        <p:txBody>
+          <a:bodyPr/>
+          <a:lstStyle/>
+          <a:p>
+            <a:r>
+              <a:rPr lang="en-US" sz="2800" dirty="0">
+                <a:solidFill>
+                  <a:schemeClr val="tx1"/>
+                </a:solidFill>
+                <a:latin typeface="+mn-ea"/>
+                <a:ea typeface="+mn-ea"/>
+                <a:cs typeface="Arial" panose="020B0604020202020204" pitchFamily="34" charset="0"/>
+              </a:rPr>
+              <a:t>AWS Deployment Diagram</a:t>
+            </a:r>
+            <a:endParaRPr lang="de-DE" altLang="ko-KR" sz="2800" dirty="0">
+              <a:solidFill>
+                <a:schemeClr val="tx1"/>
+              </a:solidFill>
+              <a:latin typeface="+mn-ea"/>
+              <a:ea typeface="+mn-ea"/>
+              <a:cs typeface="Arial" panose="020B0604020202020204" pitchFamily="34" charset="0"/>
+            </a:endParaRPr>
+          </a:p>
+        </p:txBody>
+      </p:sp>
+      <p:grpSp>
+        <p:nvGrpSpPr>
+          <p:cNvPr id="7" name="그룹 6">
+            <a:extLst>
+              <a:ext uri="{FF2B5EF4-FFF2-40B4-BE49-F238E27FC236}">
+                <a16:creationId xmlns:a16="http://schemas.microsoft.com/office/drawing/2014/main" id="{0DA4A62E-220D-0946-90A9-831C8F2BD541}"/>
+              </a:ext>
+            </a:extLst>
+          </p:cNvPr>
+          <p:cNvGrpSpPr/>
+          <p:nvPr/>
+        </p:nvGrpSpPr>
+        <p:grpSpPr>
+          <a:xfrm>
+            <a:off x="414152" y="1075653"/>
+            <a:ext cx="11429505" cy="5281603"/>
+            <a:chOff x="414152" y="1075653"/>
+            <a:chExt cx="11429505" cy="5281603"/>
+          </a:xfrm>
+        </p:grpSpPr>
+        <p:sp>
+          <p:nvSpPr>
+            <p:cNvPr id="105" name="TextBox 104">
+              <a:extLst>
+                <a:ext uri="{FF2B5EF4-FFF2-40B4-BE49-F238E27FC236}">
+                  <a16:creationId xmlns:a16="http://schemas.microsoft.com/office/drawing/2014/main" id="{EC93805B-E308-5545-9975-B997E0985C7F}"/>
+                </a:ext>
+              </a:extLst>
+            </p:cNvPr>
+            <p:cNvSpPr txBox="1"/>
+            <p:nvPr/>
+          </p:nvSpPr>
+          <p:spPr>
+            <a:xfrm>
+              <a:off x="414152" y="4334101"/>
+              <a:ext cx="1130171" cy="276999"/>
+            </a:xfrm>
+            <a:prstGeom prst="rect">
+              <a:avLst/>
+            </a:prstGeom>
+            <a:noFill/>
+          </p:spPr>
+          <p:txBody>
+            <a:bodyPr wrap="square" rtlCol="0">
+              <a:spAutoFit/>
+            </a:bodyPr>
+            <a:lstStyle/>
+            <a:p>
+              <a:pPr algn="ctr" eaLnBrk="1" fontAlgn="auto" hangingPunct="1">
+                <a:spcBef>
+                  <a:spcPts val="0"/>
+                </a:spcBef>
+                <a:spcAft>
+                  <a:spcPts val="0"/>
+                </a:spcAft>
+              </a:pPr>
+              <a:r>
+                <a:rPr lang="en-US" sz="1200" b="0" dirty="0">
+                  <a:solidFill>
+                    <a:srgbClr val="232F3D"/>
+                  </a:solidFill>
+                  <a:latin typeface="+mj-lt"/>
+                  <a:ea typeface="+mn-ea"/>
+                </a:rPr>
+                <a:t>Users</a:t>
+              </a:r>
+            </a:p>
+          </p:txBody>
+        </p:sp>
+        <p:sp>
+          <p:nvSpPr>
+            <p:cNvPr id="107" name="Rectangle 47">
+              <a:extLst>
+                <a:ext uri="{FF2B5EF4-FFF2-40B4-BE49-F238E27FC236}">
+                  <a16:creationId xmlns:a16="http://schemas.microsoft.com/office/drawing/2014/main" id="{2F5FBBA8-E74E-2646-A22B-BCFE5B7DCD39}"/>
+                </a:ext>
+              </a:extLst>
+            </p:cNvPr>
+            <p:cNvSpPr/>
+            <p:nvPr/>
+          </p:nvSpPr>
+          <p:spPr>
+            <a:xfrm>
+              <a:off x="2564606" y="1084881"/>
+              <a:ext cx="9279051" cy="5272375"/>
+            </a:xfrm>
+            <a:prstGeom prst="rect">
+              <a:avLst/>
+            </a:prstGeom>
+            <a:noFill/>
+            <a:ln w="12700">
+              <a:solidFill>
+                <a:srgbClr val="141B23"/>
+              </a:solidFill>
+            </a:ln>
+          </p:spPr>
+          <p:style>
+            <a:lnRef idx="2">
+              <a:schemeClr val="accent1">
+                <a:shade val="50000"/>
+              </a:schemeClr>
+            </a:lnRef>
+            <a:fillRef idx="1">
+              <a:schemeClr val="accent1"/>
+            </a:fillRef>
+            <a:effectRef idx="0">
+              <a:schemeClr val="accent1"/>
+            </a:effectRef>
+            <a:fontRef idx="minor">
+              <a:schemeClr val="lt1"/>
+            </a:fontRef>
+          </p:style>
+          <p:txBody>
+            <a:bodyPr rot="0" spcFirstLastPara="0" vertOverflow="overflow" horzOverflow="overflow" vert="horz" wrap="square" lIns="457200" tIns="91440" rIns="91440" bIns="45720" numCol="1" spcCol="0" rtlCol="0" fromWordArt="0" anchor="t" anchorCtr="0" forceAA="0" compatLnSpc="1">
+              <a:prstTxWarp prst="textNoShape">
+                <a:avLst/>
+              </a:prstTxWarp>
+              <a:noAutofit/>
+            </a:bodyPr>
+            <a:lstStyle/>
+            <a:p>
+              <a:pPr algn="l"/>
+              <a:r>
+                <a:rPr lang="en-US" sz="1200" b="0" dirty="0">
+                  <a:solidFill>
+                    <a:schemeClr val="tx1"/>
+                  </a:solidFill>
+                </a:rPr>
+                <a:t>AWS</a:t>
+              </a:r>
+            </a:p>
+          </p:txBody>
+        </p:sp>
+        <p:pic>
+          <p:nvPicPr>
+            <p:cNvPr id="108" name="Graphic 5">
+              <a:extLst>
+                <a:ext uri="{FF2B5EF4-FFF2-40B4-BE49-F238E27FC236}">
+                  <a16:creationId xmlns:a16="http://schemas.microsoft.com/office/drawing/2014/main" id="{9ED4EFC8-9CE5-EE47-A4B1-E1EFFBC04EC1}"/>
+                </a:ext>
+              </a:extLst>
+            </p:cNvPr>
+            <p:cNvPicPr>
+              <a:picLocks noChangeAspect="1"/>
+            </p:cNvPicPr>
+            <p:nvPr/>
+          </p:nvPicPr>
+          <p:blipFill>
+            <a:blip r:embed="rId2">
+              <a:extLst>
+                <a:ext uri="{96DAC541-7B7A-43D3-8B79-37D633B846F1}">
+                  <asvg:svgBlip xmlns:asvg="http://schemas.microsoft.com/office/drawing/2016/SVG/main" r:embed="rId3"/>
+                </a:ext>
+              </a:extLst>
+            </a:blip>
+            <a:stretch>
+              <a:fillRect/>
+            </a:stretch>
+          </p:blipFill>
+          <p:spPr>
+            <a:xfrm flipH="1">
+              <a:off x="737445" y="3810567"/>
+              <a:ext cx="483586" cy="469900"/>
+            </a:xfrm>
+            <a:prstGeom prst="rect">
+              <a:avLst/>
+            </a:prstGeom>
+          </p:spPr>
+        </p:pic>
+        <p:cxnSp>
+          <p:nvCxnSpPr>
+            <p:cNvPr id="109" name="Straight Arrow Connector 19">
+              <a:extLst>
+                <a:ext uri="{FF2B5EF4-FFF2-40B4-BE49-F238E27FC236}">
+                  <a16:creationId xmlns:a16="http://schemas.microsoft.com/office/drawing/2014/main" id="{3AD84CA1-BBD8-6C4A-8ED4-380F286B8FBD}"/>
+                </a:ext>
+              </a:extLst>
+            </p:cNvPr>
+            <p:cNvCxnSpPr>
+              <a:cxnSpLocks/>
+              <a:stCxn id="108" idx="1"/>
+              <a:endCxn id="120" idx="1"/>
+            </p:cNvCxnSpPr>
+            <p:nvPr/>
+          </p:nvCxnSpPr>
+          <p:spPr>
+            <a:xfrm flipV="1">
+              <a:off x="1221031" y="2955391"/>
+              <a:ext cx="2537228" cy="1090126"/>
+            </a:xfrm>
+            <a:prstGeom prst="bentConnector3">
+              <a:avLst>
+                <a:gd name="adj1" fmla="val 50000"/>
+              </a:avLst>
+            </a:prstGeom>
+            <a:ln w="12700">
+              <a:solidFill>
+                <a:schemeClr val="tx2"/>
+              </a:solidFill>
+              <a:headEnd type="none" w="med" len="sm"/>
+              <a:tailEnd type="arrow" w="med" len="sm"/>
+            </a:ln>
+          </p:spPr>
+          <p:style>
+            <a:lnRef idx="1">
+              <a:schemeClr val="accent1"/>
+            </a:lnRef>
+            <a:fillRef idx="0">
+              <a:schemeClr val="accent1"/>
+            </a:fillRef>
+            <a:effectRef idx="0">
+              <a:schemeClr val="accent1"/>
+            </a:effectRef>
+            <a:fontRef idx="minor">
+              <a:schemeClr val="tx1"/>
+            </a:fontRef>
+          </p:style>
+        </p:cxnSp>
+        <p:sp>
+          <p:nvSpPr>
+            <p:cNvPr id="111" name="TextBox 110">
+              <a:extLst>
+                <a:ext uri="{FF2B5EF4-FFF2-40B4-BE49-F238E27FC236}">
+                  <a16:creationId xmlns:a16="http://schemas.microsoft.com/office/drawing/2014/main" id="{7A2BAD5D-A9AA-4841-8C10-6B812AAA468B}"/>
+                </a:ext>
+              </a:extLst>
+            </p:cNvPr>
+            <p:cNvSpPr txBox="1"/>
+            <p:nvPr/>
+          </p:nvSpPr>
+          <p:spPr>
+            <a:xfrm>
+              <a:off x="3364240" y="3203181"/>
+              <a:ext cx="1286757" cy="276999"/>
+            </a:xfrm>
+            <a:prstGeom prst="rect">
+              <a:avLst/>
+            </a:prstGeom>
+            <a:noFill/>
+          </p:spPr>
+          <p:txBody>
+            <a:bodyPr wrap="square" rtlCol="0">
+              <a:spAutoFit/>
+            </a:bodyPr>
+            <a:lstStyle/>
+            <a:p>
+              <a:pPr algn="ctr" eaLnBrk="1" fontAlgn="auto" hangingPunct="1">
+                <a:spcBef>
+                  <a:spcPts val="0"/>
+                </a:spcBef>
+                <a:spcAft>
+                  <a:spcPts val="0"/>
+                </a:spcAft>
+              </a:pPr>
+              <a:r>
+                <a:rPr lang="en-US" sz="1200" b="0" dirty="0">
+                  <a:solidFill>
+                    <a:srgbClr val="232F3D"/>
+                  </a:solidFill>
+                  <a:latin typeface="+mj-lt"/>
+                  <a:ea typeface="+mn-ea"/>
+                </a:rPr>
+                <a:t>Internet gateway</a:t>
+              </a:r>
+            </a:p>
+          </p:txBody>
+        </p:sp>
+        <p:sp>
+          <p:nvSpPr>
+            <p:cNvPr id="113" name="Rectangle 32">
+              <a:extLst>
+                <a:ext uri="{FF2B5EF4-FFF2-40B4-BE49-F238E27FC236}">
+                  <a16:creationId xmlns:a16="http://schemas.microsoft.com/office/drawing/2014/main" id="{AF5F70FE-9F73-0047-8326-3F779F3133EB}"/>
+                </a:ext>
+              </a:extLst>
+            </p:cNvPr>
+            <p:cNvSpPr/>
+            <p:nvPr/>
+          </p:nvSpPr>
+          <p:spPr>
+            <a:xfrm>
+              <a:off x="3107442" y="1464590"/>
+              <a:ext cx="8481729" cy="4747524"/>
+            </a:xfrm>
+            <a:prstGeom prst="rect">
+              <a:avLst/>
+            </a:prstGeom>
+            <a:noFill/>
+            <a:ln w="12700" cap="flat" cmpd="sng" algn="ctr">
+              <a:solidFill>
+                <a:srgbClr val="007CBC"/>
+              </a:solidFill>
+              <a:prstDash val="sysDash"/>
+              <a:miter lim="800000"/>
+            </a:ln>
+            <a:effectLst/>
+          </p:spPr>
+          <p:txBody>
+            <a:bodyPr rot="0" spcFirstLastPara="0" vertOverflow="overflow" horzOverflow="overflow" vert="horz" wrap="square" lIns="457200" tIns="91440" rIns="91440" bIns="45720" numCol="1" spcCol="0" rtlCol="0" fromWordArt="0" anchor="t" anchorCtr="0" forceAA="0" compatLnSpc="1">
+              <a:prstTxWarp prst="textNoShape">
+                <a:avLst/>
+              </a:prstTxWarp>
+              <a:noAutofit/>
+            </a:bodyPr>
+            <a:lstStyle/>
+            <a:p>
+              <a:pPr marL="0" marR="0" lvl="0" indent="0" defTabSz="914400" eaLnBrk="1" fontAlgn="auto" latinLnBrk="0" hangingPunct="1">
+                <a:lnSpc>
+                  <a:spcPct val="100000"/>
+                </a:lnSpc>
+                <a:spcBef>
+                  <a:spcPts val="0"/>
+                </a:spcBef>
+                <a:spcAft>
+                  <a:spcPts val="0"/>
+                </a:spcAft>
+                <a:buClrTx/>
+                <a:buSzTx/>
+                <a:buFontTx/>
+                <a:buNone/>
+                <a:tabLst/>
+                <a:defRPr/>
+              </a:pPr>
+              <a:r>
+                <a:rPr kumimoji="0" lang="en-US" sz="1200" b="0" i="0" u="none" strike="noStrike" kern="0" cap="none" spc="0" normalizeH="0" baseline="0" noProof="0" dirty="0">
+                  <a:ln>
+                    <a:noFill/>
+                  </a:ln>
+                  <a:solidFill>
+                    <a:srgbClr val="007CBC"/>
+                  </a:solidFill>
+                  <a:effectLst/>
+                  <a:uLnTx/>
+                  <a:uFillTx/>
+                  <a:latin typeface="+mj-lt"/>
+                  <a:ea typeface="+mn-ea"/>
+                  <a:cs typeface="+mn-cs"/>
+                </a:rPr>
+                <a:t>Seoul Region</a:t>
+              </a:r>
+            </a:p>
+          </p:txBody>
+        </p:sp>
+        <p:pic>
+          <p:nvPicPr>
+            <p:cNvPr id="114" name="Graphic 48">
+              <a:extLst>
+                <a:ext uri="{FF2B5EF4-FFF2-40B4-BE49-F238E27FC236}">
+                  <a16:creationId xmlns:a16="http://schemas.microsoft.com/office/drawing/2014/main" id="{82F77EBC-19CD-AD40-B0ED-8B63FF6AC61B}"/>
+                </a:ext>
+              </a:extLst>
+            </p:cNvPr>
+            <p:cNvPicPr>
+              <a:picLocks noChangeAspect="1"/>
+            </p:cNvPicPr>
+            <p:nvPr/>
+          </p:nvPicPr>
+          <p:blipFill>
+            <a:blip r:embed="rId4">
+              <a:extLst>
+                <a:ext uri="{96DAC541-7B7A-43D3-8B79-37D633B846F1}">
+                  <asvg:svgBlip xmlns:asvg="http://schemas.microsoft.com/office/drawing/2016/SVG/main" r:embed="rId5"/>
+                </a:ext>
+              </a:extLst>
+            </a:blip>
+            <a:stretch>
+              <a:fillRect/>
+            </a:stretch>
+          </p:blipFill>
+          <p:spPr>
+            <a:xfrm>
+              <a:off x="3107443" y="1452261"/>
+              <a:ext cx="330200" cy="330200"/>
+            </a:xfrm>
+            <a:prstGeom prst="rect">
+              <a:avLst/>
+            </a:prstGeom>
+          </p:spPr>
+        </p:pic>
+        <p:sp>
+          <p:nvSpPr>
+            <p:cNvPr id="115" name="Rectangle 25">
+              <a:extLst>
+                <a:ext uri="{FF2B5EF4-FFF2-40B4-BE49-F238E27FC236}">
+                  <a16:creationId xmlns:a16="http://schemas.microsoft.com/office/drawing/2014/main" id="{FBFDEC15-908C-9E4A-8F1C-41E8F9FAB330}"/>
+                </a:ext>
+              </a:extLst>
+            </p:cNvPr>
+            <p:cNvSpPr/>
+            <p:nvPr/>
+          </p:nvSpPr>
+          <p:spPr>
+            <a:xfrm>
+              <a:off x="3993208" y="1859864"/>
+              <a:ext cx="5257627" cy="4170821"/>
+            </a:xfrm>
+            <a:prstGeom prst="rect">
+              <a:avLst/>
+            </a:prstGeom>
+            <a:noFill/>
+            <a:ln w="12700" cap="flat" cmpd="sng" algn="ctr">
+              <a:solidFill>
+                <a:srgbClr val="1D8900"/>
+              </a:solidFill>
+              <a:prstDash val="solid"/>
+              <a:miter lim="800000"/>
+            </a:ln>
+            <a:effectLst/>
+          </p:spPr>
+          <p:txBody>
+            <a:bodyPr rot="0" spcFirstLastPara="0" vertOverflow="overflow" horzOverflow="overflow" vert="horz" wrap="square" lIns="457200" tIns="91440" rIns="91440" bIns="45720" numCol="1" spcCol="0" rtlCol="0" fromWordArt="0" anchor="t" anchorCtr="0" forceAA="0" compatLnSpc="1">
+              <a:prstTxWarp prst="textNoShape">
+                <a:avLst/>
+              </a:prstTxWarp>
+              <a:noAutofit/>
+            </a:bodyPr>
+            <a:lstStyle/>
+            <a:p>
+              <a:pPr marL="0" marR="0" lvl="0" indent="0" defTabSz="914400" eaLnBrk="1" fontAlgn="auto" latinLnBrk="0" hangingPunct="1">
+                <a:lnSpc>
+                  <a:spcPct val="100000"/>
+                </a:lnSpc>
+                <a:spcBef>
+                  <a:spcPts val="0"/>
+                </a:spcBef>
+                <a:spcAft>
+                  <a:spcPts val="0"/>
+                </a:spcAft>
+                <a:buClrTx/>
+                <a:buSzTx/>
+                <a:buFontTx/>
+                <a:buNone/>
+                <a:tabLst/>
+                <a:defRPr/>
+              </a:pPr>
+              <a:r>
+                <a:rPr kumimoji="0" lang="en-US" sz="1200" b="0" i="0" u="none" strike="noStrike" kern="0" cap="none" spc="0" normalizeH="0" baseline="0" noProof="0" dirty="0">
+                  <a:ln w="0"/>
+                  <a:solidFill>
+                    <a:srgbClr val="1D8900"/>
+                  </a:solidFill>
+                  <a:effectLst/>
+                  <a:uLnTx/>
+                  <a:uFillTx/>
+                  <a:latin typeface="+mj-lt"/>
+                  <a:ea typeface="+mn-ea"/>
+                  <a:cs typeface="+mn-cs"/>
+                </a:rPr>
+                <a:t>VPC</a:t>
+              </a:r>
+            </a:p>
+          </p:txBody>
+        </p:sp>
+        <p:pic>
+          <p:nvPicPr>
+            <p:cNvPr id="116" name="Graphic 66">
+              <a:extLst>
+                <a:ext uri="{FF2B5EF4-FFF2-40B4-BE49-F238E27FC236}">
+                  <a16:creationId xmlns:a16="http://schemas.microsoft.com/office/drawing/2014/main" id="{86B4EE92-3D51-8E4C-9D23-529D935F8832}"/>
+                </a:ext>
+              </a:extLst>
+            </p:cNvPr>
+            <p:cNvPicPr>
+              <a:picLocks noChangeAspect="1"/>
+            </p:cNvPicPr>
+            <p:nvPr/>
+          </p:nvPicPr>
+          <p:blipFill>
+            <a:blip r:embed="rId6">
+              <a:extLst>
+                <a:ext uri="{96DAC541-7B7A-43D3-8B79-37D633B846F1}">
+                  <asvg:svgBlip xmlns:asvg="http://schemas.microsoft.com/office/drawing/2016/SVG/main" r:embed="rId7"/>
+                </a:ext>
+              </a:extLst>
+            </a:blip>
+            <a:stretch>
+              <a:fillRect/>
+            </a:stretch>
+          </p:blipFill>
+          <p:spPr>
+            <a:xfrm>
+              <a:off x="3993209" y="1859865"/>
+              <a:ext cx="330200" cy="330200"/>
+            </a:xfrm>
+            <a:prstGeom prst="rect">
+              <a:avLst/>
+            </a:prstGeom>
+          </p:spPr>
+        </p:pic>
+        <p:pic>
+          <p:nvPicPr>
+            <p:cNvPr id="117" name="Graphic 9">
+              <a:extLst>
+                <a:ext uri="{FF2B5EF4-FFF2-40B4-BE49-F238E27FC236}">
+                  <a16:creationId xmlns:a16="http://schemas.microsoft.com/office/drawing/2014/main" id="{20124209-6DC4-D646-A19F-05D29DBA26D2}"/>
+                </a:ext>
+              </a:extLst>
+            </p:cNvPr>
+            <p:cNvPicPr>
+              <a:picLocks noChangeAspect="1"/>
+            </p:cNvPicPr>
+            <p:nvPr/>
+          </p:nvPicPr>
+          <p:blipFill>
+            <a:blip r:embed="rId8">
+              <a:extLst>
+                <a:ext uri="{96DAC541-7B7A-43D3-8B79-37D633B846F1}">
+                  <asvg:svgBlip xmlns:asvg="http://schemas.microsoft.com/office/drawing/2016/SVG/main" r:embed="rId9"/>
+                </a:ext>
+              </a:extLst>
+            </a:blip>
+            <a:stretch>
+              <a:fillRect/>
+            </a:stretch>
+          </p:blipFill>
+          <p:spPr>
+            <a:xfrm>
+              <a:off x="2564606" y="1075653"/>
+              <a:ext cx="330200" cy="330200"/>
+            </a:xfrm>
+            <a:prstGeom prst="rect">
+              <a:avLst/>
+            </a:prstGeom>
+          </p:spPr>
+        </p:pic>
+        <p:sp>
+          <p:nvSpPr>
+            <p:cNvPr id="118" name="Rectangle 28">
+              <a:extLst>
+                <a:ext uri="{FF2B5EF4-FFF2-40B4-BE49-F238E27FC236}">
+                  <a16:creationId xmlns:a16="http://schemas.microsoft.com/office/drawing/2014/main" id="{F20B1B71-2CF0-7540-A474-6DC119253342}"/>
+                </a:ext>
+              </a:extLst>
+            </p:cNvPr>
+            <p:cNvSpPr/>
+            <p:nvPr/>
+          </p:nvSpPr>
+          <p:spPr>
+            <a:xfrm>
+              <a:off x="5343681" y="2064894"/>
+              <a:ext cx="3686540" cy="3806134"/>
+            </a:xfrm>
+            <a:prstGeom prst="rect">
+              <a:avLst/>
+            </a:prstGeom>
+            <a:solidFill>
+              <a:srgbClr val="007CBC">
+                <a:alpha val="9804"/>
+              </a:srgbClr>
+            </a:solidFill>
+            <a:ln w="12700" cap="flat" cmpd="sng" algn="ctr">
+              <a:noFill/>
+              <a:prstDash val="dash"/>
+              <a:miter lim="800000"/>
+            </a:ln>
+            <a:effectLst/>
+          </p:spPr>
+          <p:txBody>
+            <a:bodyPr rot="0" spcFirstLastPara="0" vertOverflow="overflow" horzOverflow="overflow" vert="horz" wrap="square" lIns="338328" tIns="45720" rIns="91440" bIns="45720" numCol="1" spcCol="0" rtlCol="0" fromWordArt="0" anchor="t" anchorCtr="0" forceAA="0" compatLnSpc="1">
+              <a:prstTxWarp prst="textNoShape">
+                <a:avLst/>
+              </a:prstTxWarp>
+              <a:noAutofit/>
+            </a:bodyPr>
+            <a:lstStyle/>
+            <a:p>
+              <a:pPr marL="0" marR="0" lvl="0" indent="0" defTabSz="914400" eaLnBrk="1" fontAlgn="auto" latinLnBrk="0" hangingPunct="1">
+                <a:lnSpc>
+                  <a:spcPct val="100000"/>
+                </a:lnSpc>
+                <a:spcBef>
+                  <a:spcPts val="0"/>
+                </a:spcBef>
+                <a:spcAft>
+                  <a:spcPts val="0"/>
+                </a:spcAft>
+                <a:buClrTx/>
+                <a:buSzTx/>
+                <a:buFontTx/>
+                <a:buNone/>
+                <a:tabLst/>
+                <a:defRPr/>
+              </a:pPr>
+              <a:r>
+                <a:rPr kumimoji="0" lang="en-US" sz="1200" b="0" i="0" u="none" strike="noStrike" kern="0" cap="none" spc="0" normalizeH="0" baseline="0" noProof="0" dirty="0">
+                  <a:ln>
+                    <a:noFill/>
+                  </a:ln>
+                  <a:solidFill>
+                    <a:srgbClr val="007CBC"/>
+                  </a:solidFill>
+                  <a:effectLst/>
+                  <a:uLnTx/>
+                  <a:uFillTx/>
+                  <a:latin typeface="+mj-lt"/>
+                  <a:ea typeface="+mn-ea"/>
+                  <a:cs typeface="+mn-cs"/>
+                </a:rPr>
+                <a:t>Private subnet</a:t>
+              </a:r>
+            </a:p>
+          </p:txBody>
+        </p:sp>
+        <p:pic>
+          <p:nvPicPr>
+            <p:cNvPr id="119" name="Graphic 13">
+              <a:extLst>
+                <a:ext uri="{FF2B5EF4-FFF2-40B4-BE49-F238E27FC236}">
+                  <a16:creationId xmlns:a16="http://schemas.microsoft.com/office/drawing/2014/main" id="{88789D73-4474-4D48-B762-5F3CE88BA95F}"/>
+                </a:ext>
+              </a:extLst>
+            </p:cNvPr>
+            <p:cNvPicPr>
+              <a:picLocks noChangeAspect="1"/>
+            </p:cNvPicPr>
+            <p:nvPr/>
+          </p:nvPicPr>
+          <p:blipFill>
+            <a:blip r:embed="rId10">
+              <a:extLst>
+                <a:ext uri="{96DAC541-7B7A-43D3-8B79-37D633B846F1}">
+                  <asvg:svgBlip xmlns:asvg="http://schemas.microsoft.com/office/drawing/2016/SVG/main" r:embed="rId11"/>
+                </a:ext>
+              </a:extLst>
+            </a:blip>
+            <a:stretch>
+              <a:fillRect/>
+            </a:stretch>
+          </p:blipFill>
+          <p:spPr>
+            <a:xfrm>
+              <a:off x="5343680" y="2064893"/>
+              <a:ext cx="274320" cy="274320"/>
+            </a:xfrm>
+            <a:prstGeom prst="rect">
+              <a:avLst/>
+            </a:prstGeom>
+          </p:spPr>
+        </p:pic>
+        <p:pic>
+          <p:nvPicPr>
+            <p:cNvPr id="120" name="Graphic 64">
+              <a:extLst>
+                <a:ext uri="{FF2B5EF4-FFF2-40B4-BE49-F238E27FC236}">
+                  <a16:creationId xmlns:a16="http://schemas.microsoft.com/office/drawing/2014/main" id="{4E3F4007-1EB4-7B47-89BE-600890664E05}"/>
+                </a:ext>
+              </a:extLst>
+            </p:cNvPr>
+            <p:cNvPicPr>
+              <a:picLocks noChangeAspect="1"/>
+            </p:cNvPicPr>
+            <p:nvPr/>
+          </p:nvPicPr>
+          <p:blipFill>
+            <a:blip r:embed="rId12">
+              <a:extLst>
+                <a:ext uri="{96DAC541-7B7A-43D3-8B79-37D633B846F1}">
+                  <asvg:svgBlip xmlns:asvg="http://schemas.microsoft.com/office/drawing/2016/SVG/main" r:embed="rId13"/>
+                </a:ext>
+              </a:extLst>
+            </a:blip>
+            <a:stretch>
+              <a:fillRect/>
+            </a:stretch>
+          </p:blipFill>
+          <p:spPr>
+            <a:xfrm>
+              <a:off x="3758259" y="2720441"/>
+              <a:ext cx="469900" cy="469900"/>
+            </a:xfrm>
+            <a:prstGeom prst="rect">
+              <a:avLst/>
+            </a:prstGeom>
+          </p:spPr>
+        </p:pic>
+        <p:sp>
+          <p:nvSpPr>
+            <p:cNvPr id="121" name="TextBox 120">
+              <a:extLst>
+                <a:ext uri="{FF2B5EF4-FFF2-40B4-BE49-F238E27FC236}">
+                  <a16:creationId xmlns:a16="http://schemas.microsoft.com/office/drawing/2014/main" id="{BA739139-9520-A64A-A8BB-7AF60F4F815B}"/>
+                </a:ext>
+              </a:extLst>
+            </p:cNvPr>
+            <p:cNvSpPr txBox="1"/>
+            <p:nvPr/>
+          </p:nvSpPr>
+          <p:spPr>
+            <a:xfrm>
+              <a:off x="5672733" y="3290500"/>
+              <a:ext cx="1156623" cy="276999"/>
+            </a:xfrm>
+            <a:prstGeom prst="rect">
+              <a:avLst/>
+            </a:prstGeom>
+            <a:noFill/>
+          </p:spPr>
+          <p:txBody>
+            <a:bodyPr wrap="square" rtlCol="0">
+              <a:spAutoFit/>
+            </a:bodyPr>
+            <a:lstStyle/>
+            <a:p>
+              <a:pPr algn="ctr" eaLnBrk="1" fontAlgn="auto" hangingPunct="1">
+                <a:spcBef>
+                  <a:spcPts val="0"/>
+                </a:spcBef>
+                <a:spcAft>
+                  <a:spcPts val="0"/>
+                </a:spcAft>
+              </a:pPr>
+              <a:r>
+                <a:rPr lang="en-US" sz="1200" b="0" dirty="0">
+                  <a:solidFill>
+                    <a:srgbClr val="232F3D"/>
+                  </a:solidFill>
+                  <a:latin typeface="+mj-lt"/>
+                  <a:ea typeface="+mn-ea"/>
+                </a:rPr>
+                <a:t>EKS</a:t>
+              </a:r>
+            </a:p>
+          </p:txBody>
+        </p:sp>
+        <p:sp>
+          <p:nvSpPr>
+            <p:cNvPr id="122" name="TextBox 121">
+              <a:extLst>
+                <a:ext uri="{FF2B5EF4-FFF2-40B4-BE49-F238E27FC236}">
+                  <a16:creationId xmlns:a16="http://schemas.microsoft.com/office/drawing/2014/main" id="{F6FF7EF0-6B3B-7F4E-AC6B-716239DF5285}"/>
+                </a:ext>
+              </a:extLst>
+            </p:cNvPr>
+            <p:cNvSpPr txBox="1"/>
+            <p:nvPr/>
+          </p:nvSpPr>
+          <p:spPr>
+            <a:xfrm>
+              <a:off x="7902022" y="5266256"/>
               <a:ext cx="1156623" cy="430887"/>
             </a:xfrm>
             <a:prstGeom prst="rect">
@@ -16376,7 +18357,7 @@
           </p:blipFill>
           <p:spPr>
             <a:xfrm>
-              <a:off x="5957591" y="4543777"/>
+              <a:off x="7012330" y="4543777"/>
               <a:ext cx="711200" cy="711200"/>
             </a:xfrm>
             <a:prstGeom prst="rect">
@@ -16398,7 +18379,7 @@
           </p:nvSpPr>
           <p:spPr>
             <a:xfrm>
-              <a:off x="5714063" y="5266256"/>
+              <a:off x="6768802" y="5266256"/>
               <a:ext cx="1156623" cy="430887"/>
             </a:xfrm>
             <a:prstGeom prst="rect">
@@ -16478,8 +18459,8 @@
           </p:nvCxnSpPr>
           <p:spPr>
             <a:xfrm rot="5400000">
-              <a:off x="6932723" y="2947968"/>
-              <a:ext cx="976278" cy="2215341"/>
+              <a:off x="7460092" y="3475337"/>
+              <a:ext cx="976278" cy="1160602"/>
             </a:xfrm>
             <a:prstGeom prst="bentConnector3">
               <a:avLst>
@@ -16527,8 +18508,8 @@
           </p:nvCxnSpPr>
           <p:spPr>
             <a:xfrm rot="5400000">
-              <a:off x="7885959" y="3901204"/>
-              <a:ext cx="976278" cy="308869"/>
+              <a:off x="8015376" y="4030621"/>
+              <a:ext cx="976278" cy="50035"/>
             </a:xfrm>
             <a:prstGeom prst="bentConnector3">
               <a:avLst>
@@ -16586,7 +18567,7 @@
           </p:blipFill>
           <p:spPr>
             <a:xfrm>
-              <a:off x="7864063" y="4543777"/>
+              <a:off x="8122897" y="4543777"/>
               <a:ext cx="711200" cy="711200"/>
             </a:xfrm>
             <a:prstGeom prst="rect">
@@ -16915,7 +18896,7 @@
                     <a:srgbClr val="0074C8"/>
                   </a:solidFill>
                 </a:rPr>
-                <a:t>Frontend</a:t>
+                <a:t>frontend</a:t>
               </a:r>
             </a:p>
             <a:p>
@@ -16929,7 +18910,7 @@
                     <a:srgbClr val="0074C8"/>
                   </a:solidFill>
                 </a:rPr>
-                <a:t>Backend</a:t>
+                <a:t>backend</a:t>
               </a:r>
               <a:r>
                 <a:rPr kumimoji="1" lang="en-US" altLang="ko-Kore-KR" sz="700" b="0" dirty="0">
@@ -16948,11 +18929,393 @@
             </a:p>
           </p:txBody>
         </p:sp>
+        <p:pic>
+          <p:nvPicPr>
+            <p:cNvPr id="30" name="Graphic 21">
+              <a:extLst>
+                <a:ext uri="{FF2B5EF4-FFF2-40B4-BE49-F238E27FC236}">
+                  <a16:creationId xmlns:a16="http://schemas.microsoft.com/office/drawing/2014/main" id="{50786221-5465-AC4D-8B7A-2264A414BB85}"/>
+                </a:ext>
+              </a:extLst>
+            </p:cNvPr>
+            <p:cNvPicPr>
+              <a:picLocks noChangeAspect="1" noChangeArrowheads="1"/>
+            </p:cNvPicPr>
+            <p:nvPr/>
+          </p:nvPicPr>
+          <p:blipFill>
+            <a:blip r:embed="rId22">
+              <a:extLst>
+                <a:ext uri="{28A0092B-C50C-407E-A947-70E740481C1C}">
+                  <a14:useLocalDpi xmlns:a14="http://schemas.microsoft.com/office/drawing/2010/main" val="0"/>
+                </a:ext>
+              </a:extLst>
+            </a:blip>
+            <a:srcRect/>
+            <a:stretch>
+              <a:fillRect/>
+            </a:stretch>
+          </p:blipFill>
+          <p:spPr bwMode="auto">
+            <a:xfrm>
+              <a:off x="3203735" y="4543778"/>
+              <a:ext cx="711200" cy="711200"/>
+            </a:xfrm>
+            <a:prstGeom prst="rect">
+              <a:avLst/>
+            </a:prstGeom>
+            <a:noFill/>
+            <a:ln>
+              <a:noFill/>
+            </a:ln>
+            <a:extLst>
+              <a:ext uri="{909E8E84-426E-40DD-AFC4-6F175D3DCCD1}">
+                <a14:hiddenFill xmlns:a14="http://schemas.microsoft.com/office/drawing/2010/main">
+                  <a:solidFill>
+                    <a:srgbClr val="FFFFFF"/>
+                  </a:solidFill>
+                </a14:hiddenFill>
+              </a:ext>
+              <a:ext uri="{91240B29-F687-4F45-9708-019B960494DF}">
+                <a14:hiddenLine xmlns:a14="http://schemas.microsoft.com/office/drawing/2010/main" w="9525">
+                  <a:solidFill>
+                    <a:srgbClr val="000000"/>
+                  </a:solidFill>
+                  <a:miter lim="800000"/>
+                  <a:headEnd/>
+                  <a:tailEnd/>
+                </a14:hiddenLine>
+              </a:ext>
+            </a:extLst>
+          </p:spPr>
+        </p:pic>
+        <p:sp>
+          <p:nvSpPr>
+            <p:cNvPr id="31" name="TextBox 30">
+              <a:extLst>
+                <a:ext uri="{FF2B5EF4-FFF2-40B4-BE49-F238E27FC236}">
+                  <a16:creationId xmlns:a16="http://schemas.microsoft.com/office/drawing/2014/main" id="{A302A0EA-42B9-BA40-836B-A29405728691}"/>
+                </a:ext>
+              </a:extLst>
+            </p:cNvPr>
+            <p:cNvSpPr txBox="1"/>
+            <p:nvPr/>
+          </p:nvSpPr>
+          <p:spPr>
+            <a:xfrm>
+              <a:off x="3107441" y="5266256"/>
+              <a:ext cx="913095" cy="276999"/>
+            </a:xfrm>
+            <a:prstGeom prst="rect">
+              <a:avLst/>
+            </a:prstGeom>
+            <a:noFill/>
+          </p:spPr>
+          <p:txBody>
+            <a:bodyPr wrap="square" rtlCol="0">
+              <a:spAutoFit/>
+            </a:bodyPr>
+            <a:lstStyle/>
+            <a:p>
+              <a:pPr algn="ctr" eaLnBrk="1" fontAlgn="auto" hangingPunct="1">
+                <a:spcBef>
+                  <a:spcPts val="0"/>
+                </a:spcBef>
+                <a:spcAft>
+                  <a:spcPts val="0"/>
+                </a:spcAft>
+              </a:pPr>
+              <a:r>
+                <a:rPr lang="en-US" sz="1200" b="0" dirty="0">
+                  <a:solidFill>
+                    <a:srgbClr val="232F3D"/>
+                  </a:solidFill>
+                  <a:latin typeface="+mj-lt"/>
+                  <a:ea typeface="+mn-ea"/>
+                </a:rPr>
+                <a:t>Route53</a:t>
+              </a:r>
+            </a:p>
+          </p:txBody>
+        </p:sp>
+        <p:pic>
+          <p:nvPicPr>
+            <p:cNvPr id="32" name="Graphic 8">
+              <a:extLst>
+                <a:ext uri="{FF2B5EF4-FFF2-40B4-BE49-F238E27FC236}">
+                  <a16:creationId xmlns:a16="http://schemas.microsoft.com/office/drawing/2014/main" id="{DA3A0C23-3603-704D-B962-3734E1C49689}"/>
+                </a:ext>
+              </a:extLst>
+            </p:cNvPr>
+            <p:cNvPicPr>
+              <a:picLocks noChangeAspect="1" noChangeArrowheads="1"/>
+            </p:cNvPicPr>
+            <p:nvPr/>
+          </p:nvPicPr>
+          <p:blipFill>
+            <a:blip r:embed="rId23">
+              <a:extLst>
+                <a:ext uri="{28A0092B-C50C-407E-A947-70E740481C1C}">
+                  <a14:useLocalDpi xmlns:a14="http://schemas.microsoft.com/office/drawing/2010/main" val="0"/>
+                </a:ext>
+              </a:extLst>
+            </a:blip>
+            <a:srcRect/>
+            <a:stretch>
+              <a:fillRect/>
+            </a:stretch>
+          </p:blipFill>
+          <p:spPr bwMode="auto">
+            <a:xfrm>
+              <a:off x="5121029" y="2723222"/>
+              <a:ext cx="468000" cy="468000"/>
+            </a:xfrm>
+            <a:prstGeom prst="rect">
+              <a:avLst/>
+            </a:prstGeom>
+            <a:noFill/>
+            <a:ln>
+              <a:noFill/>
+            </a:ln>
+            <a:extLst>
+              <a:ext uri="{909E8E84-426E-40DD-AFC4-6F175D3DCCD1}">
+                <a14:hiddenFill xmlns:a14="http://schemas.microsoft.com/office/drawing/2010/main">
+                  <a:solidFill>
+                    <a:srgbClr val="FFFFFF"/>
+                  </a:solidFill>
+                </a14:hiddenFill>
+              </a:ext>
+              <a:ext uri="{91240B29-F687-4F45-9708-019B960494DF}">
+                <a14:hiddenLine xmlns:a14="http://schemas.microsoft.com/office/drawing/2010/main" w="9525">
+                  <a:solidFill>
+                    <a:srgbClr val="000000"/>
+                  </a:solidFill>
+                  <a:miter lim="800000"/>
+                  <a:headEnd/>
+                  <a:tailEnd/>
+                </a14:hiddenLine>
+              </a:ext>
+            </a:extLst>
+          </p:spPr>
+        </p:pic>
+        <p:sp>
+          <p:nvSpPr>
+            <p:cNvPr id="33" name="TextBox 32">
+              <a:extLst>
+                <a:ext uri="{FF2B5EF4-FFF2-40B4-BE49-F238E27FC236}">
+                  <a16:creationId xmlns:a16="http://schemas.microsoft.com/office/drawing/2014/main" id="{9AEA64F1-8E21-534D-80D7-2DC465867420}"/>
+                </a:ext>
+              </a:extLst>
+            </p:cNvPr>
+            <p:cNvSpPr txBox="1"/>
+            <p:nvPr/>
+          </p:nvSpPr>
+          <p:spPr>
+            <a:xfrm>
+              <a:off x="4959451" y="3203181"/>
+              <a:ext cx="791156" cy="276999"/>
+            </a:xfrm>
+            <a:prstGeom prst="rect">
+              <a:avLst/>
+            </a:prstGeom>
+            <a:noFill/>
+          </p:spPr>
+          <p:txBody>
+            <a:bodyPr wrap="square" rtlCol="0">
+              <a:spAutoFit/>
+            </a:bodyPr>
+            <a:lstStyle/>
+            <a:p>
+              <a:pPr algn="ctr" eaLnBrk="1" fontAlgn="auto" hangingPunct="1">
+                <a:spcBef>
+                  <a:spcPts val="0"/>
+                </a:spcBef>
+                <a:spcAft>
+                  <a:spcPts val="0"/>
+                </a:spcAft>
+              </a:pPr>
+              <a:r>
+                <a:rPr lang="en-US" sz="1200" b="0" dirty="0" err="1">
+                  <a:solidFill>
+                    <a:srgbClr val="232F3D"/>
+                  </a:solidFill>
+                  <a:latin typeface="+mj-lt"/>
+                  <a:ea typeface="+mn-ea"/>
+                </a:rPr>
+                <a:t>alb</a:t>
+              </a:r>
+              <a:endParaRPr lang="en-US" sz="1200" b="0" dirty="0">
+                <a:solidFill>
+                  <a:srgbClr val="232F3D"/>
+                </a:solidFill>
+                <a:latin typeface="+mj-lt"/>
+                <a:ea typeface="+mn-ea"/>
+              </a:endParaRPr>
+            </a:p>
+          </p:txBody>
+        </p:sp>
+        <p:pic>
+          <p:nvPicPr>
+            <p:cNvPr id="37" name="Graphic 20">
+              <a:extLst>
+                <a:ext uri="{FF2B5EF4-FFF2-40B4-BE49-F238E27FC236}">
+                  <a16:creationId xmlns:a16="http://schemas.microsoft.com/office/drawing/2014/main" id="{8BA60A74-6292-574F-B265-8F2629EE9417}"/>
+                </a:ext>
+              </a:extLst>
+            </p:cNvPr>
+            <p:cNvPicPr>
+              <a:picLocks noChangeAspect="1" noChangeArrowheads="1"/>
+            </p:cNvPicPr>
+            <p:nvPr/>
+          </p:nvPicPr>
+          <p:blipFill>
+            <a:blip r:embed="rId24">
+              <a:extLst>
+                <a:ext uri="{28A0092B-C50C-407E-A947-70E740481C1C}">
+                  <a14:useLocalDpi xmlns:a14="http://schemas.microsoft.com/office/drawing/2010/main" val="0"/>
+                </a:ext>
+              </a:extLst>
+            </a:blip>
+            <a:srcRect/>
+            <a:stretch>
+              <a:fillRect/>
+            </a:stretch>
+          </p:blipFill>
+          <p:spPr bwMode="auto">
+            <a:xfrm>
+              <a:off x="5638318" y="4553006"/>
+              <a:ext cx="711200" cy="711200"/>
+            </a:xfrm>
+            <a:prstGeom prst="rect">
+              <a:avLst/>
+            </a:prstGeom>
+            <a:noFill/>
+            <a:ln>
+              <a:noFill/>
+            </a:ln>
+            <a:extLst>
+              <a:ext uri="{909E8E84-426E-40DD-AFC4-6F175D3DCCD1}">
+                <a14:hiddenFill xmlns:a14="http://schemas.microsoft.com/office/drawing/2010/main">
+                  <a:solidFill>
+                    <a:srgbClr val="FFFFFF"/>
+                  </a:solidFill>
+                </a14:hiddenFill>
+              </a:ext>
+              <a:ext uri="{91240B29-F687-4F45-9708-019B960494DF}">
+                <a14:hiddenLine xmlns:a14="http://schemas.microsoft.com/office/drawing/2010/main" w="9525">
+                  <a:solidFill>
+                    <a:srgbClr val="000000"/>
+                  </a:solidFill>
+                  <a:miter lim="800000"/>
+                  <a:headEnd/>
+                  <a:tailEnd/>
+                </a14:hiddenLine>
+              </a:ext>
+            </a:extLst>
+          </p:spPr>
+        </p:pic>
+        <p:sp>
+          <p:nvSpPr>
+            <p:cNvPr id="38" name="TextBox 37">
+              <a:extLst>
+                <a:ext uri="{FF2B5EF4-FFF2-40B4-BE49-F238E27FC236}">
+                  <a16:creationId xmlns:a16="http://schemas.microsoft.com/office/drawing/2014/main" id="{C6F92CF5-1413-C742-B9E4-9E72484FD4C4}"/>
+                </a:ext>
+              </a:extLst>
+            </p:cNvPr>
+            <p:cNvSpPr txBox="1"/>
+            <p:nvPr/>
+          </p:nvSpPr>
+          <p:spPr>
+            <a:xfrm>
+              <a:off x="5537370" y="5266256"/>
+              <a:ext cx="913095" cy="276999"/>
+            </a:xfrm>
+            <a:prstGeom prst="rect">
+              <a:avLst/>
+            </a:prstGeom>
+            <a:noFill/>
+          </p:spPr>
+          <p:txBody>
+            <a:bodyPr wrap="square" rtlCol="0">
+              <a:spAutoFit/>
+            </a:bodyPr>
+            <a:lstStyle/>
+            <a:p>
+              <a:pPr algn="ctr" eaLnBrk="1" fontAlgn="auto" hangingPunct="1">
+                <a:spcBef>
+                  <a:spcPts val="0"/>
+                </a:spcBef>
+                <a:spcAft>
+                  <a:spcPts val="0"/>
+                </a:spcAft>
+              </a:pPr>
+              <a:r>
+                <a:rPr lang="en-US" sz="1200" b="0" dirty="0">
+                  <a:solidFill>
+                    <a:srgbClr val="232F3D"/>
+                  </a:solidFill>
+                  <a:latin typeface="+mj-lt"/>
+                  <a:ea typeface="+mn-ea"/>
+                </a:rPr>
+                <a:t>ECR</a:t>
+              </a:r>
+            </a:p>
+          </p:txBody>
+        </p:sp>
+        <p:cxnSp>
+          <p:nvCxnSpPr>
+            <p:cNvPr id="39" name="Straight Arrow Connector 19">
+              <a:extLst>
+                <a:ext uri="{FF2B5EF4-FFF2-40B4-BE49-F238E27FC236}">
+                  <a16:creationId xmlns:a16="http://schemas.microsoft.com/office/drawing/2014/main" id="{8D7C200B-3C39-2346-B17C-E4FBACEB943B}"/>
+                </a:ext>
+              </a:extLst>
+            </p:cNvPr>
+            <p:cNvCxnSpPr>
+              <a:cxnSpLocks/>
+              <a:endCxn id="37" idx="0"/>
+            </p:cNvCxnSpPr>
+            <p:nvPr/>
+          </p:nvCxnSpPr>
+          <p:spPr>
+            <a:xfrm rot="5400000">
+              <a:off x="5629729" y="3931689"/>
+              <a:ext cx="985507" cy="257127"/>
+            </a:xfrm>
+            <a:prstGeom prst="bentConnector3">
+              <a:avLst>
+                <a:gd name="adj1" fmla="val 50000"/>
+              </a:avLst>
+            </a:prstGeom>
+            <a:ln w="12700">
+              <a:solidFill>
+                <a:schemeClr val="tx2"/>
+              </a:solidFill>
+              <a:headEnd type="none" w="med" len="sm"/>
+              <a:tailEnd type="arrow" w="med" len="sm"/>
+            </a:ln>
+          </p:spPr>
+          <p:style>
+            <a:lnRef idx="1">
+              <a:schemeClr val="accent1"/>
+            </a:lnRef>
+            <a:fillRef idx="0">
+              <a:schemeClr val="accent1"/>
+            </a:fillRef>
+            <a:effectRef idx="0">
+              <a:schemeClr val="accent1"/>
+            </a:effectRef>
+            <a:fontRef idx="minor">
+              <a:schemeClr val="tx1"/>
+            </a:fontRef>
+          </p:style>
+        </p:cxnSp>
       </p:grpSp>
     </p:spTree>
     <p:extLst>
       <p:ext uri="{BB962C8B-B14F-4D97-AF65-F5344CB8AC3E}">
-        <p14:creationId xmlns:p14="http://schemas.microsoft.com/office/powerpoint/2010/main" val="1567748761"/>
+        <p14:creationId xmlns:p14="http://schemas.microsoft.com/office/powerpoint/2010/main" val="25881704"/>
       </p:ext>
     </p:extLst>
   </p:cSld>
@@ -16962,7 +19325,7 @@
 </p:sld>
 </file>
 
-<file path=ppt/slides/slide14.xml><?xml version="1.0" encoding="utf-8"?>
+<file path=ppt/slides/slide15.xml><?xml version="1.0" encoding="utf-8"?>
 <p:sld xmlns:a="http://schemas.openxmlformats.org/drawingml/2006/main" xmlns:r="http://schemas.openxmlformats.org/officeDocument/2006/relationships" xmlns:p="http://schemas.openxmlformats.org/presentationml/2006/main">
   <p:cSld>
     <p:spTree>
@@ -19029,7 +21392,7 @@
 </p:sld>
 </file>
 
-<file path=ppt/slides/slide15.xml><?xml version="1.0" encoding="utf-8"?>
+<file path=ppt/slides/slide16.xml><?xml version="1.0" encoding="utf-8"?>
 <p:sld xmlns:a="http://schemas.openxmlformats.org/drawingml/2006/main" xmlns:r="http://schemas.openxmlformats.org/officeDocument/2006/relationships" xmlns:p="http://schemas.openxmlformats.org/presentationml/2006/main">
   <p:cSld>
     <p:spTree>
@@ -19344,7 +21707,7 @@
             </a:ln>
             <a:extLst>
               <a:ext uri="{C572A759-6A51-4108-AA02-DFA0A04FC94B}">
-                <ma14:wrappingTextBoxFlag xmlns:ma14="http://schemas.microsoft.com/office/mac/drawingml/2011/main" xmlns="" val="1"/>
+                <ma14:wrappingTextBoxFlag xmlns="" xmlns:ma14="http://schemas.microsoft.com/office/mac/drawingml/2011/main" val="1"/>
               </a:ext>
             </a:extLst>
           </p:spPr>
@@ -19405,7 +21768,7 @@
             </a:ln>
             <a:extLst>
               <a:ext uri="{C572A759-6A51-4108-AA02-DFA0A04FC94B}">
-                <ma14:wrappingTextBoxFlag xmlns:ma14="http://schemas.microsoft.com/office/mac/drawingml/2011/main" xmlns="" val="1"/>
+                <ma14:wrappingTextBoxFlag xmlns="" xmlns:ma14="http://schemas.microsoft.com/office/mac/drawingml/2011/main" val="1"/>
               </a:ext>
             </a:extLst>
           </p:spPr>
@@ -19765,7 +22128,7 @@
             </a:ln>
             <a:extLst>
               <a:ext uri="{C572A759-6A51-4108-AA02-DFA0A04FC94B}">
-                <ma14:wrappingTextBoxFlag xmlns:ma14="http://schemas.microsoft.com/office/mac/drawingml/2011/main" xmlns="" val="1"/>
+                <ma14:wrappingTextBoxFlag xmlns="" xmlns:ma14="http://schemas.microsoft.com/office/mac/drawingml/2011/main" val="1"/>
               </a:ext>
             </a:extLst>
           </p:spPr>
@@ -19841,7 +22204,7 @@
             </a:ln>
             <a:extLst>
               <a:ext uri="{C572A759-6A51-4108-AA02-DFA0A04FC94B}">
-                <ma14:wrappingTextBoxFlag xmlns:ma14="http://schemas.microsoft.com/office/mac/drawingml/2011/main" xmlns="" val="1"/>
+                <ma14:wrappingTextBoxFlag xmlns="" xmlns:ma14="http://schemas.microsoft.com/office/mac/drawingml/2011/main" val="1"/>
               </a:ext>
             </a:extLst>
           </p:spPr>
@@ -19902,7 +22265,7 @@
             </a:ln>
             <a:extLst>
               <a:ext uri="{C572A759-6A51-4108-AA02-DFA0A04FC94B}">
-                <ma14:wrappingTextBoxFlag xmlns:ma14="http://schemas.microsoft.com/office/mac/drawingml/2011/main" xmlns="" val="1"/>
+                <ma14:wrappingTextBoxFlag xmlns="" xmlns:ma14="http://schemas.microsoft.com/office/mac/drawingml/2011/main" val="1"/>
               </a:ext>
             </a:extLst>
           </p:spPr>
@@ -19974,7 +22337,7 @@
             </a:ln>
             <a:extLst>
               <a:ext uri="{C572A759-6A51-4108-AA02-DFA0A04FC94B}">
-                <ma14:wrappingTextBoxFlag xmlns:ma14="http://schemas.microsoft.com/office/mac/drawingml/2011/main" xmlns="" val="1"/>
+                <ma14:wrappingTextBoxFlag xmlns="" xmlns:ma14="http://schemas.microsoft.com/office/mac/drawingml/2011/main" val="1"/>
               </a:ext>
             </a:extLst>
           </p:spPr>
@@ -20031,7 +22394,7 @@
             </a:ln>
             <a:extLst>
               <a:ext uri="{C572A759-6A51-4108-AA02-DFA0A04FC94B}">
-                <ma14:wrappingTextBoxFlag xmlns:ma14="http://schemas.microsoft.com/office/mac/drawingml/2011/main" xmlns="" val="1"/>
+                <ma14:wrappingTextBoxFlag xmlns="" xmlns:ma14="http://schemas.microsoft.com/office/mac/drawingml/2011/main" val="1"/>
               </a:ext>
             </a:extLst>
           </p:spPr>
@@ -20092,7 +22455,7 @@
             </a:ln>
             <a:extLst>
               <a:ext uri="{C572A759-6A51-4108-AA02-DFA0A04FC94B}">
-                <ma14:wrappingTextBoxFlag xmlns:ma14="http://schemas.microsoft.com/office/mac/drawingml/2011/main" xmlns="" val="1"/>
+                <ma14:wrappingTextBoxFlag xmlns="" xmlns:ma14="http://schemas.microsoft.com/office/mac/drawingml/2011/main" val="1"/>
               </a:ext>
             </a:extLst>
           </p:spPr>
@@ -20149,7 +22512,7 @@
             </a:ln>
             <a:extLst>
               <a:ext uri="{C572A759-6A51-4108-AA02-DFA0A04FC94B}">
-                <ma14:wrappingTextBoxFlag xmlns:ma14="http://schemas.microsoft.com/office/mac/drawingml/2011/main" xmlns="" val="1"/>
+                <ma14:wrappingTextBoxFlag xmlns="" xmlns:ma14="http://schemas.microsoft.com/office/mac/drawingml/2011/main" val="1"/>
               </a:ext>
             </a:extLst>
           </p:spPr>
@@ -20206,7 +22569,7 @@
             </a:ln>
             <a:extLst>
               <a:ext uri="{C572A759-6A51-4108-AA02-DFA0A04FC94B}">
-                <ma14:wrappingTextBoxFlag xmlns:ma14="http://schemas.microsoft.com/office/mac/drawingml/2011/main" xmlns="" val="1"/>
+                <ma14:wrappingTextBoxFlag xmlns="" xmlns:ma14="http://schemas.microsoft.com/office/mac/drawingml/2011/main" val="1"/>
               </a:ext>
             </a:extLst>
           </p:spPr>
@@ -20473,7 +22836,7 @@
 </p:sld>
 </file>
 
-<file path=ppt/slides/slide16.xml><?xml version="1.0" encoding="utf-8"?>
+<file path=ppt/slides/slide17.xml><?xml version="1.0" encoding="utf-8"?>
 <p:sld xmlns:a="http://schemas.openxmlformats.org/drawingml/2006/main" xmlns:r="http://schemas.openxmlformats.org/officeDocument/2006/relationships" xmlns:p="http://schemas.openxmlformats.org/presentationml/2006/main">
   <p:cSld>
     <p:spTree>

--- a/doc/An Introduction to Kubernetes.pptx
+++ b/doc/An Introduction to Kubernetes.pptx
@@ -21,7 +21,7 @@
     <p:sldId id="334" r:id="rId9"/>
     <p:sldId id="344" r:id="rId10"/>
     <p:sldId id="306" r:id="rId11"/>
-    <p:sldId id="349" r:id="rId12"/>
+    <p:sldId id="352" r:id="rId12"/>
     <p:sldId id="331" r:id="rId13"/>
     <p:sldId id="350" r:id="rId14"/>
     <p:sldId id="351" r:id="rId15"/>
@@ -8637,7 +8637,7 @@
         </p:nvGrpSpPr>
         <p:grpSpPr>
           <a:xfrm>
-            <a:off x="1328413" y="1305092"/>
+            <a:off x="1887971" y="1305092"/>
             <a:ext cx="9637865" cy="5283598"/>
             <a:chOff x="1328413" y="1305092"/>
             <a:chExt cx="9637865" cy="5283598"/>
@@ -13066,10 +13066,585 @@
           </p:txBody>
         </p:sp>
       </p:grpSp>
+      <p:sp>
+        <p:nvSpPr>
+          <p:cNvPr id="85" name="Text Box 53">
+            <a:extLst>
+              <a:ext uri="{FF2B5EF4-FFF2-40B4-BE49-F238E27FC236}">
+                <a16:creationId xmlns:a16="http://schemas.microsoft.com/office/drawing/2014/main" id="{04748457-F02C-4243-A33D-DC643AD9AC12}"/>
+              </a:ext>
+            </a:extLst>
+          </p:cNvPr>
+          <p:cNvSpPr txBox="1">
+            <a:spLocks noChangeArrowheads="1"/>
+          </p:cNvSpPr>
+          <p:nvPr/>
+        </p:nvSpPr>
+        <p:spPr bwMode="auto">
+          <a:xfrm>
+            <a:off x="189732" y="2647981"/>
+            <a:ext cx="1302370" cy="307777"/>
+          </a:xfrm>
+          <a:prstGeom prst="rect">
+            <a:avLst/>
+          </a:prstGeom>
+          <a:noFill/>
+          <a:ln>
+            <a:noFill/>
+          </a:ln>
+          <a:extLst>
+            <a:ext uri="{909E8E84-426E-40DD-AFC4-6F175D3DCCD1}">
+              <a14:hiddenFill xmlns:a14="http://schemas.microsoft.com/office/drawing/2010/main">
+                <a:solidFill>
+                  <a:srgbClr val="FFFFFF"/>
+                </a:solidFill>
+              </a14:hiddenFill>
+            </a:ext>
+            <a:ext uri="{91240B29-F687-4F45-9708-019B960494DF}">
+              <a14:hiddenLine xmlns:a14="http://schemas.microsoft.com/office/drawing/2010/main" w="9525" algn="ctr">
+                <a:solidFill>
+                  <a:srgbClr val="000000"/>
+                </a:solidFill>
+                <a:miter lim="800000"/>
+                <a:headEnd/>
+                <a:tailEnd/>
+              </a14:hiddenLine>
+            </a:ext>
+          </a:extLst>
+        </p:spPr>
+        <p:txBody>
+          <a:bodyPr wrap="square">
+            <a:spAutoFit/>
+          </a:bodyPr>
+          <a:lstStyle>
+            <a:lvl1pPr marL="90488" indent="-90488" eaLnBrk="0" hangingPunct="0">
+              <a:defRPr kumimoji="1">
+                <a:solidFill>
+                  <a:schemeClr val="tx1"/>
+                </a:solidFill>
+                <a:latin typeface="굴림" charset="-127"/>
+                <a:ea typeface="굴림" charset="-127"/>
+              </a:defRPr>
+            </a:lvl1pPr>
+            <a:lvl2pPr marL="742950" indent="-285750" eaLnBrk="0" hangingPunct="0">
+              <a:defRPr kumimoji="1">
+                <a:solidFill>
+                  <a:schemeClr val="tx1"/>
+                </a:solidFill>
+                <a:latin typeface="굴림" charset="-127"/>
+                <a:ea typeface="굴림" charset="-127"/>
+              </a:defRPr>
+            </a:lvl2pPr>
+            <a:lvl3pPr marL="1143000" indent="-228600" eaLnBrk="0" hangingPunct="0">
+              <a:defRPr kumimoji="1">
+                <a:solidFill>
+                  <a:schemeClr val="tx1"/>
+                </a:solidFill>
+                <a:latin typeface="굴림" charset="-127"/>
+                <a:ea typeface="굴림" charset="-127"/>
+              </a:defRPr>
+            </a:lvl3pPr>
+            <a:lvl4pPr marL="1600200" indent="-228600" eaLnBrk="0" hangingPunct="0">
+              <a:defRPr kumimoji="1">
+                <a:solidFill>
+                  <a:schemeClr val="tx1"/>
+                </a:solidFill>
+                <a:latin typeface="굴림" charset="-127"/>
+                <a:ea typeface="굴림" charset="-127"/>
+              </a:defRPr>
+            </a:lvl4pPr>
+            <a:lvl5pPr marL="2057400" indent="-228600" eaLnBrk="0" hangingPunct="0">
+              <a:defRPr kumimoji="1">
+                <a:solidFill>
+                  <a:schemeClr val="tx1"/>
+                </a:solidFill>
+                <a:latin typeface="굴림" charset="-127"/>
+                <a:ea typeface="굴림" charset="-127"/>
+              </a:defRPr>
+            </a:lvl5pPr>
+            <a:lvl6pPr marL="2514600" indent="-228600" eaLnBrk="0" fontAlgn="base" hangingPunct="0">
+              <a:spcBef>
+                <a:spcPct val="0"/>
+              </a:spcBef>
+              <a:spcAft>
+                <a:spcPct val="0"/>
+              </a:spcAft>
+              <a:defRPr kumimoji="1">
+                <a:solidFill>
+                  <a:schemeClr val="tx1"/>
+                </a:solidFill>
+                <a:latin typeface="굴림" charset="-127"/>
+                <a:ea typeface="굴림" charset="-127"/>
+              </a:defRPr>
+            </a:lvl6pPr>
+            <a:lvl7pPr marL="2971800" indent="-228600" eaLnBrk="0" fontAlgn="base" hangingPunct="0">
+              <a:spcBef>
+                <a:spcPct val="0"/>
+              </a:spcBef>
+              <a:spcAft>
+                <a:spcPct val="0"/>
+              </a:spcAft>
+              <a:defRPr kumimoji="1">
+                <a:solidFill>
+                  <a:schemeClr val="tx1"/>
+                </a:solidFill>
+                <a:latin typeface="굴림" charset="-127"/>
+                <a:ea typeface="굴림" charset="-127"/>
+              </a:defRPr>
+            </a:lvl7pPr>
+            <a:lvl8pPr marL="3429000" indent="-228600" eaLnBrk="0" fontAlgn="base" hangingPunct="0">
+              <a:spcBef>
+                <a:spcPct val="0"/>
+              </a:spcBef>
+              <a:spcAft>
+                <a:spcPct val="0"/>
+              </a:spcAft>
+              <a:defRPr kumimoji="1">
+                <a:solidFill>
+                  <a:schemeClr val="tx1"/>
+                </a:solidFill>
+                <a:latin typeface="굴림" charset="-127"/>
+                <a:ea typeface="굴림" charset="-127"/>
+              </a:defRPr>
+            </a:lvl8pPr>
+            <a:lvl9pPr marL="3886200" indent="-228600" eaLnBrk="0" fontAlgn="base" hangingPunct="0">
+              <a:spcBef>
+                <a:spcPct val="0"/>
+              </a:spcBef>
+              <a:spcAft>
+                <a:spcPct val="0"/>
+              </a:spcAft>
+              <a:defRPr kumimoji="1">
+                <a:solidFill>
+                  <a:schemeClr val="tx1"/>
+                </a:solidFill>
+                <a:latin typeface="굴림" charset="-127"/>
+                <a:ea typeface="굴림" charset="-127"/>
+              </a:defRPr>
+            </a:lvl9pPr>
+          </a:lstStyle>
+          <a:p>
+            <a:pPr marL="0" indent="0" eaLnBrk="1" hangingPunct="1"/>
+            <a:r>
+              <a:rPr lang="en-US" altLang="ko-KR" sz="700" b="1" dirty="0">
+                <a:latin typeface="+mn-ea"/>
+                <a:ea typeface="+mn-ea"/>
+              </a:rPr>
+              <a:t>yogiyo-</a:t>
+            </a:r>
+            <a:r>
+              <a:rPr lang="en-US" altLang="ko-KR" sz="700" b="1" dirty="0" err="1">
+                <a:latin typeface="+mn-ea"/>
+                <a:ea typeface="+mn-ea"/>
+              </a:rPr>
+              <a:t>nuno.click</a:t>
+            </a:r>
+            <a:endParaRPr lang="en-US" altLang="ko-KR" sz="700" b="1" dirty="0">
+              <a:latin typeface="+mn-ea"/>
+              <a:ea typeface="+mn-ea"/>
+            </a:endParaRPr>
+          </a:p>
+          <a:p>
+            <a:pPr marL="0" indent="0" eaLnBrk="1" hangingPunct="1"/>
+            <a:r>
+              <a:rPr lang="en-US" altLang="ko-KR" sz="700" b="1" dirty="0" err="1">
+                <a:latin typeface="+mn-ea"/>
+                <a:ea typeface="+mn-ea"/>
+              </a:rPr>
+              <a:t>www.yogiyo-nuno.click</a:t>
+            </a:r>
+            <a:endParaRPr lang="en-US" altLang="ko-KR" sz="700" b="1" dirty="0">
+              <a:latin typeface="+mn-ea"/>
+              <a:ea typeface="+mn-ea"/>
+            </a:endParaRPr>
+          </a:p>
+        </p:txBody>
+      </p:sp>
+      <p:cxnSp>
+        <p:nvCxnSpPr>
+          <p:cNvPr id="86" name="직선 연결선[R] 108">
+            <a:extLst>
+              <a:ext uri="{FF2B5EF4-FFF2-40B4-BE49-F238E27FC236}">
+                <a16:creationId xmlns:a16="http://schemas.microsoft.com/office/drawing/2014/main" id="{20FA521A-1E9C-7C41-9256-006BE3BE23B9}"/>
+              </a:ext>
+            </a:extLst>
+          </p:cNvPr>
+          <p:cNvCxnSpPr>
+            <a:cxnSpLocks/>
+            <a:stCxn id="118" idx="3"/>
+            <a:endCxn id="81" idx="1"/>
+          </p:cNvCxnSpPr>
+          <p:nvPr/>
+        </p:nvCxnSpPr>
+        <p:spPr>
+          <a:xfrm flipV="1">
+            <a:off x="1562736" y="2936152"/>
+            <a:ext cx="325235" cy="241400"/>
+          </a:xfrm>
+          <a:prstGeom prst="bentConnector3">
+            <a:avLst>
+              <a:gd name="adj1" fmla="val 50000"/>
+            </a:avLst>
+          </a:prstGeom>
+          <a:ln w="19050">
+            <a:solidFill>
+              <a:schemeClr val="accent4">
+                <a:lumMod val="60000"/>
+                <a:lumOff val="40000"/>
+              </a:schemeClr>
+            </a:solidFill>
+            <a:headEnd type="none" w="med" len="sm"/>
+            <a:tailEnd type="none" w="med" len="sm"/>
+          </a:ln>
+        </p:spPr>
+        <p:style>
+          <a:lnRef idx="1">
+            <a:schemeClr val="accent1"/>
+          </a:lnRef>
+          <a:fillRef idx="0">
+            <a:schemeClr val="accent1"/>
+          </a:fillRef>
+          <a:effectRef idx="0">
+            <a:schemeClr val="accent1"/>
+          </a:effectRef>
+          <a:fontRef idx="minor">
+            <a:schemeClr val="tx1"/>
+          </a:fontRef>
+        </p:style>
+      </p:cxnSp>
+      <p:cxnSp>
+        <p:nvCxnSpPr>
+          <p:cNvPr id="96" name="직선 연결선[R] 108">
+            <a:extLst>
+              <a:ext uri="{FF2B5EF4-FFF2-40B4-BE49-F238E27FC236}">
+                <a16:creationId xmlns:a16="http://schemas.microsoft.com/office/drawing/2014/main" id="{AA5BE9E2-A37E-8340-B5BE-9EAA1C63E6A0}"/>
+              </a:ext>
+            </a:extLst>
+          </p:cNvPr>
+          <p:cNvCxnSpPr>
+            <a:cxnSpLocks/>
+            <a:stCxn id="81" idx="3"/>
+            <a:endCxn id="67" idx="1"/>
+          </p:cNvCxnSpPr>
+          <p:nvPr/>
+        </p:nvCxnSpPr>
+        <p:spPr>
+          <a:xfrm flipV="1">
+            <a:off x="2346005" y="2860881"/>
+            <a:ext cx="142982" cy="75271"/>
+          </a:xfrm>
+          <a:prstGeom prst="bentConnector3">
+            <a:avLst>
+              <a:gd name="adj1" fmla="val 50000"/>
+            </a:avLst>
+          </a:prstGeom>
+          <a:ln w="19050">
+            <a:solidFill>
+              <a:schemeClr val="accent4">
+                <a:lumMod val="60000"/>
+                <a:lumOff val="40000"/>
+              </a:schemeClr>
+            </a:solidFill>
+            <a:headEnd type="none" w="med" len="sm"/>
+            <a:tailEnd type="none" w="med" len="sm"/>
+          </a:ln>
+        </p:spPr>
+        <p:style>
+          <a:lnRef idx="1">
+            <a:schemeClr val="accent1"/>
+          </a:lnRef>
+          <a:fillRef idx="0">
+            <a:schemeClr val="accent1"/>
+          </a:fillRef>
+          <a:effectRef idx="0">
+            <a:schemeClr val="accent1"/>
+          </a:effectRef>
+          <a:fontRef idx="minor">
+            <a:schemeClr val="tx1"/>
+          </a:fontRef>
+        </p:style>
+      </p:cxnSp>
+      <p:cxnSp>
+        <p:nvCxnSpPr>
+          <p:cNvPr id="108" name="직선 연결선[R] 108">
+            <a:extLst>
+              <a:ext uri="{FF2B5EF4-FFF2-40B4-BE49-F238E27FC236}">
+                <a16:creationId xmlns:a16="http://schemas.microsoft.com/office/drawing/2014/main" id="{382ABA2F-C983-2A4B-B3F2-179A93CAEC0A}"/>
+              </a:ext>
+            </a:extLst>
+          </p:cNvPr>
+          <p:cNvCxnSpPr>
+            <a:cxnSpLocks/>
+            <a:stCxn id="85" idx="3"/>
+            <a:endCxn id="81" idx="1"/>
+          </p:cNvCxnSpPr>
+          <p:nvPr/>
+        </p:nvCxnSpPr>
+        <p:spPr>
+          <a:xfrm>
+            <a:off x="1492102" y="2801870"/>
+            <a:ext cx="395869" cy="134282"/>
+          </a:xfrm>
+          <a:prstGeom prst="bentConnector3">
+            <a:avLst>
+              <a:gd name="adj1" fmla="val 50000"/>
+            </a:avLst>
+          </a:prstGeom>
+          <a:ln w="19050">
+            <a:solidFill>
+              <a:schemeClr val="accent4">
+                <a:lumMod val="60000"/>
+                <a:lumOff val="40000"/>
+              </a:schemeClr>
+            </a:solidFill>
+            <a:headEnd type="none" w="med" len="sm"/>
+            <a:tailEnd type="none" w="med" len="sm"/>
+          </a:ln>
+        </p:spPr>
+        <p:style>
+          <a:lnRef idx="1">
+            <a:schemeClr val="accent1"/>
+          </a:lnRef>
+          <a:fillRef idx="0">
+            <a:schemeClr val="accent1"/>
+          </a:fillRef>
+          <a:effectRef idx="0">
+            <a:schemeClr val="accent1"/>
+          </a:effectRef>
+          <a:fontRef idx="minor">
+            <a:schemeClr val="tx1"/>
+          </a:fontRef>
+        </p:style>
+      </p:cxnSp>
+      <p:sp>
+        <p:nvSpPr>
+          <p:cNvPr id="118" name="Text Box 53">
+            <a:extLst>
+              <a:ext uri="{FF2B5EF4-FFF2-40B4-BE49-F238E27FC236}">
+                <a16:creationId xmlns:a16="http://schemas.microsoft.com/office/drawing/2014/main" id="{7C728AA7-452A-DE42-B076-B4DAF76E53E0}"/>
+              </a:ext>
+            </a:extLst>
+          </p:cNvPr>
+          <p:cNvSpPr txBox="1">
+            <a:spLocks noChangeArrowheads="1"/>
+          </p:cNvSpPr>
+          <p:nvPr/>
+        </p:nvSpPr>
+        <p:spPr bwMode="auto">
+          <a:xfrm>
+            <a:off x="180570" y="3077524"/>
+            <a:ext cx="1382166" cy="200055"/>
+          </a:xfrm>
+          <a:prstGeom prst="rect">
+            <a:avLst/>
+          </a:prstGeom>
+          <a:noFill/>
+          <a:ln>
+            <a:noFill/>
+          </a:ln>
+          <a:extLst>
+            <a:ext uri="{909E8E84-426E-40DD-AFC4-6F175D3DCCD1}">
+              <a14:hiddenFill xmlns:a14="http://schemas.microsoft.com/office/drawing/2010/main">
+                <a:solidFill>
+                  <a:srgbClr val="FFFFFF"/>
+                </a:solidFill>
+              </a14:hiddenFill>
+            </a:ext>
+            <a:ext uri="{91240B29-F687-4F45-9708-019B960494DF}">
+              <a14:hiddenLine xmlns:a14="http://schemas.microsoft.com/office/drawing/2010/main" w="9525" algn="ctr">
+                <a:solidFill>
+                  <a:srgbClr val="000000"/>
+                </a:solidFill>
+                <a:miter lim="800000"/>
+                <a:headEnd/>
+                <a:tailEnd/>
+              </a14:hiddenLine>
+            </a:ext>
+          </a:extLst>
+        </p:spPr>
+        <p:txBody>
+          <a:bodyPr wrap="square">
+            <a:spAutoFit/>
+          </a:bodyPr>
+          <a:lstStyle>
+            <a:lvl1pPr marL="90488" indent="-90488" eaLnBrk="0" hangingPunct="0">
+              <a:defRPr kumimoji="1">
+                <a:solidFill>
+                  <a:schemeClr val="tx1"/>
+                </a:solidFill>
+                <a:latin typeface="굴림" charset="-127"/>
+                <a:ea typeface="굴림" charset="-127"/>
+              </a:defRPr>
+            </a:lvl1pPr>
+            <a:lvl2pPr marL="742950" indent="-285750" eaLnBrk="0" hangingPunct="0">
+              <a:defRPr kumimoji="1">
+                <a:solidFill>
+                  <a:schemeClr val="tx1"/>
+                </a:solidFill>
+                <a:latin typeface="굴림" charset="-127"/>
+                <a:ea typeface="굴림" charset="-127"/>
+              </a:defRPr>
+            </a:lvl2pPr>
+            <a:lvl3pPr marL="1143000" indent="-228600" eaLnBrk="0" hangingPunct="0">
+              <a:defRPr kumimoji="1">
+                <a:solidFill>
+                  <a:schemeClr val="tx1"/>
+                </a:solidFill>
+                <a:latin typeface="굴림" charset="-127"/>
+                <a:ea typeface="굴림" charset="-127"/>
+              </a:defRPr>
+            </a:lvl3pPr>
+            <a:lvl4pPr marL="1600200" indent="-228600" eaLnBrk="0" hangingPunct="0">
+              <a:defRPr kumimoji="1">
+                <a:solidFill>
+                  <a:schemeClr val="tx1"/>
+                </a:solidFill>
+                <a:latin typeface="굴림" charset="-127"/>
+                <a:ea typeface="굴림" charset="-127"/>
+              </a:defRPr>
+            </a:lvl4pPr>
+            <a:lvl5pPr marL="2057400" indent="-228600" eaLnBrk="0" hangingPunct="0">
+              <a:defRPr kumimoji="1">
+                <a:solidFill>
+                  <a:schemeClr val="tx1"/>
+                </a:solidFill>
+                <a:latin typeface="굴림" charset="-127"/>
+                <a:ea typeface="굴림" charset="-127"/>
+              </a:defRPr>
+            </a:lvl5pPr>
+            <a:lvl6pPr marL="2514600" indent="-228600" eaLnBrk="0" fontAlgn="base" hangingPunct="0">
+              <a:spcBef>
+                <a:spcPct val="0"/>
+              </a:spcBef>
+              <a:spcAft>
+                <a:spcPct val="0"/>
+              </a:spcAft>
+              <a:defRPr kumimoji="1">
+                <a:solidFill>
+                  <a:schemeClr val="tx1"/>
+                </a:solidFill>
+                <a:latin typeface="굴림" charset="-127"/>
+                <a:ea typeface="굴림" charset="-127"/>
+              </a:defRPr>
+            </a:lvl6pPr>
+            <a:lvl7pPr marL="2971800" indent="-228600" eaLnBrk="0" fontAlgn="base" hangingPunct="0">
+              <a:spcBef>
+                <a:spcPct val="0"/>
+              </a:spcBef>
+              <a:spcAft>
+                <a:spcPct val="0"/>
+              </a:spcAft>
+              <a:defRPr kumimoji="1">
+                <a:solidFill>
+                  <a:schemeClr val="tx1"/>
+                </a:solidFill>
+                <a:latin typeface="굴림" charset="-127"/>
+                <a:ea typeface="굴림" charset="-127"/>
+              </a:defRPr>
+            </a:lvl7pPr>
+            <a:lvl8pPr marL="3429000" indent="-228600" eaLnBrk="0" fontAlgn="base" hangingPunct="0">
+              <a:spcBef>
+                <a:spcPct val="0"/>
+              </a:spcBef>
+              <a:spcAft>
+                <a:spcPct val="0"/>
+              </a:spcAft>
+              <a:defRPr kumimoji="1">
+                <a:solidFill>
+                  <a:schemeClr val="tx1"/>
+                </a:solidFill>
+                <a:latin typeface="굴림" charset="-127"/>
+                <a:ea typeface="굴림" charset="-127"/>
+              </a:defRPr>
+            </a:lvl8pPr>
+            <a:lvl9pPr marL="3886200" indent="-228600" eaLnBrk="0" fontAlgn="base" hangingPunct="0">
+              <a:spcBef>
+                <a:spcPct val="0"/>
+              </a:spcBef>
+              <a:spcAft>
+                <a:spcPct val="0"/>
+              </a:spcAft>
+              <a:defRPr kumimoji="1">
+                <a:solidFill>
+                  <a:schemeClr val="tx1"/>
+                </a:solidFill>
+                <a:latin typeface="굴림" charset="-127"/>
+                <a:ea typeface="굴림" charset="-127"/>
+              </a:defRPr>
+            </a:lvl9pPr>
+          </a:lstStyle>
+          <a:p>
+            <a:pPr marL="0" indent="0" eaLnBrk="1" hangingPunct="1"/>
+            <a:r>
+              <a:rPr lang="en-US" altLang="ko-KR" sz="700" b="1" dirty="0" err="1">
+                <a:latin typeface="+mn-ea"/>
+                <a:ea typeface="+mn-ea"/>
+              </a:rPr>
+              <a:t>backend.yogiyo-nuno.click</a:t>
+            </a:r>
+            <a:endParaRPr lang="en-US" altLang="ko-KR" sz="700" b="1" dirty="0">
+              <a:latin typeface="+mn-ea"/>
+              <a:ea typeface="+mn-ea"/>
+            </a:endParaRPr>
+          </a:p>
+        </p:txBody>
+      </p:sp>
+      <p:cxnSp>
+        <p:nvCxnSpPr>
+          <p:cNvPr id="119" name="직선 연결선[R] 108">
+            <a:extLst>
+              <a:ext uri="{FF2B5EF4-FFF2-40B4-BE49-F238E27FC236}">
+                <a16:creationId xmlns:a16="http://schemas.microsoft.com/office/drawing/2014/main" id="{8F233AB1-A6F6-BF40-B47C-5C65E710A57C}"/>
+              </a:ext>
+            </a:extLst>
+          </p:cNvPr>
+          <p:cNvCxnSpPr>
+            <a:cxnSpLocks/>
+            <a:stCxn id="81" idx="3"/>
+            <a:endCxn id="77" idx="1"/>
+          </p:cNvCxnSpPr>
+          <p:nvPr/>
+        </p:nvCxnSpPr>
+        <p:spPr>
+          <a:xfrm>
+            <a:off x="2346005" y="2936152"/>
+            <a:ext cx="142982" cy="409034"/>
+          </a:xfrm>
+          <a:prstGeom prst="bentConnector3">
+            <a:avLst>
+              <a:gd name="adj1" fmla="val 50000"/>
+            </a:avLst>
+          </a:prstGeom>
+          <a:ln w="19050">
+            <a:solidFill>
+              <a:schemeClr val="accent4">
+                <a:lumMod val="60000"/>
+                <a:lumOff val="40000"/>
+              </a:schemeClr>
+            </a:solidFill>
+            <a:headEnd type="none" w="med" len="sm"/>
+            <a:tailEnd type="none" w="med" len="sm"/>
+          </a:ln>
+        </p:spPr>
+        <p:style>
+          <a:lnRef idx="1">
+            <a:schemeClr val="accent1"/>
+          </a:lnRef>
+          <a:fillRef idx="0">
+            <a:schemeClr val="accent1"/>
+          </a:fillRef>
+          <a:effectRef idx="0">
+            <a:schemeClr val="accent1"/>
+          </a:effectRef>
+          <a:fontRef idx="minor">
+            <a:schemeClr val="tx1"/>
+          </a:fontRef>
+        </p:style>
+      </p:cxnSp>
     </p:spTree>
     <p:extLst>
       <p:ext uri="{BB962C8B-B14F-4D97-AF65-F5344CB8AC3E}">
-        <p14:creationId xmlns:p14="http://schemas.microsoft.com/office/powerpoint/2010/main" val="459382599"/>
+        <p14:creationId xmlns:p14="http://schemas.microsoft.com/office/powerpoint/2010/main" val="488066328"/>
       </p:ext>
     </p:extLst>
   </p:cSld>
@@ -21707,7 +22282,7 @@
             </a:ln>
             <a:extLst>
               <a:ext uri="{C572A759-6A51-4108-AA02-DFA0A04FC94B}">
-                <ma14:wrappingTextBoxFlag xmlns="" xmlns:ma14="http://schemas.microsoft.com/office/mac/drawingml/2011/main" val="1"/>
+                <ma14:wrappingTextBoxFlag xmlns:ma14="http://schemas.microsoft.com/office/mac/drawingml/2011/main" xmlns="" val="1"/>
               </a:ext>
             </a:extLst>
           </p:spPr>
@@ -21768,7 +22343,7 @@
             </a:ln>
             <a:extLst>
               <a:ext uri="{C572A759-6A51-4108-AA02-DFA0A04FC94B}">
-                <ma14:wrappingTextBoxFlag xmlns="" xmlns:ma14="http://schemas.microsoft.com/office/mac/drawingml/2011/main" val="1"/>
+                <ma14:wrappingTextBoxFlag xmlns:ma14="http://schemas.microsoft.com/office/mac/drawingml/2011/main" xmlns="" val="1"/>
               </a:ext>
             </a:extLst>
           </p:spPr>
@@ -22128,7 +22703,7 @@
             </a:ln>
             <a:extLst>
               <a:ext uri="{C572A759-6A51-4108-AA02-DFA0A04FC94B}">
-                <ma14:wrappingTextBoxFlag xmlns="" xmlns:ma14="http://schemas.microsoft.com/office/mac/drawingml/2011/main" val="1"/>
+                <ma14:wrappingTextBoxFlag xmlns:ma14="http://schemas.microsoft.com/office/mac/drawingml/2011/main" xmlns="" val="1"/>
               </a:ext>
             </a:extLst>
           </p:spPr>
@@ -22204,7 +22779,7 @@
             </a:ln>
             <a:extLst>
               <a:ext uri="{C572A759-6A51-4108-AA02-DFA0A04FC94B}">
-                <ma14:wrappingTextBoxFlag xmlns="" xmlns:ma14="http://schemas.microsoft.com/office/mac/drawingml/2011/main" val="1"/>
+                <ma14:wrappingTextBoxFlag xmlns:ma14="http://schemas.microsoft.com/office/mac/drawingml/2011/main" xmlns="" val="1"/>
               </a:ext>
             </a:extLst>
           </p:spPr>
@@ -22265,7 +22840,7 @@
             </a:ln>
             <a:extLst>
               <a:ext uri="{C572A759-6A51-4108-AA02-DFA0A04FC94B}">
-                <ma14:wrappingTextBoxFlag xmlns="" xmlns:ma14="http://schemas.microsoft.com/office/mac/drawingml/2011/main" val="1"/>
+                <ma14:wrappingTextBoxFlag xmlns:ma14="http://schemas.microsoft.com/office/mac/drawingml/2011/main" xmlns="" val="1"/>
               </a:ext>
             </a:extLst>
           </p:spPr>
@@ -22337,7 +22912,7 @@
             </a:ln>
             <a:extLst>
               <a:ext uri="{C572A759-6A51-4108-AA02-DFA0A04FC94B}">
-                <ma14:wrappingTextBoxFlag xmlns="" xmlns:ma14="http://schemas.microsoft.com/office/mac/drawingml/2011/main" val="1"/>
+                <ma14:wrappingTextBoxFlag xmlns:ma14="http://schemas.microsoft.com/office/mac/drawingml/2011/main" xmlns="" val="1"/>
               </a:ext>
             </a:extLst>
           </p:spPr>
@@ -22394,7 +22969,7 @@
             </a:ln>
             <a:extLst>
               <a:ext uri="{C572A759-6A51-4108-AA02-DFA0A04FC94B}">
-                <ma14:wrappingTextBoxFlag xmlns="" xmlns:ma14="http://schemas.microsoft.com/office/mac/drawingml/2011/main" val="1"/>
+                <ma14:wrappingTextBoxFlag xmlns:ma14="http://schemas.microsoft.com/office/mac/drawingml/2011/main" xmlns="" val="1"/>
               </a:ext>
             </a:extLst>
           </p:spPr>
@@ -22455,7 +23030,7 @@
             </a:ln>
             <a:extLst>
               <a:ext uri="{C572A759-6A51-4108-AA02-DFA0A04FC94B}">
-                <ma14:wrappingTextBoxFlag xmlns="" xmlns:ma14="http://schemas.microsoft.com/office/mac/drawingml/2011/main" val="1"/>
+                <ma14:wrappingTextBoxFlag xmlns:ma14="http://schemas.microsoft.com/office/mac/drawingml/2011/main" xmlns="" val="1"/>
               </a:ext>
             </a:extLst>
           </p:spPr>
@@ -22512,7 +23087,7 @@
             </a:ln>
             <a:extLst>
               <a:ext uri="{C572A759-6A51-4108-AA02-DFA0A04FC94B}">
-                <ma14:wrappingTextBoxFlag xmlns="" xmlns:ma14="http://schemas.microsoft.com/office/mac/drawingml/2011/main" val="1"/>
+                <ma14:wrappingTextBoxFlag xmlns:ma14="http://schemas.microsoft.com/office/mac/drawingml/2011/main" xmlns="" val="1"/>
               </a:ext>
             </a:extLst>
           </p:spPr>
@@ -22569,7 +23144,7 @@
             </a:ln>
             <a:extLst>
               <a:ext uri="{C572A759-6A51-4108-AA02-DFA0A04FC94B}">
-                <ma14:wrappingTextBoxFlag xmlns="" xmlns:ma14="http://schemas.microsoft.com/office/mac/drawingml/2011/main" val="1"/>
+                <ma14:wrappingTextBoxFlag xmlns:ma14="http://schemas.microsoft.com/office/mac/drawingml/2011/main" xmlns="" val="1"/>
               </a:ext>
             </a:extLst>
           </p:spPr>

--- a/doc/An Introduction to Kubernetes.pptx
+++ b/doc/An Introduction to Kubernetes.pptx
@@ -22282,7 +22282,7 @@
             </a:ln>
             <a:extLst>
               <a:ext uri="{C572A759-6A51-4108-AA02-DFA0A04FC94B}">
-                <ma14:wrappingTextBoxFlag xmlns:ma14="http://schemas.microsoft.com/office/mac/drawingml/2011/main" xmlns="" val="1"/>
+                <ma14:wrappingTextBoxFlag xmlns="" xmlns:ma14="http://schemas.microsoft.com/office/mac/drawingml/2011/main" val="1"/>
               </a:ext>
             </a:extLst>
           </p:spPr>
@@ -22343,7 +22343,7 @@
             </a:ln>
             <a:extLst>
               <a:ext uri="{C572A759-6A51-4108-AA02-DFA0A04FC94B}">
-                <ma14:wrappingTextBoxFlag xmlns:ma14="http://schemas.microsoft.com/office/mac/drawingml/2011/main" xmlns="" val="1"/>
+                <ma14:wrappingTextBoxFlag xmlns="" xmlns:ma14="http://schemas.microsoft.com/office/mac/drawingml/2011/main" val="1"/>
               </a:ext>
             </a:extLst>
           </p:spPr>
@@ -22703,7 +22703,7 @@
             </a:ln>
             <a:extLst>
               <a:ext uri="{C572A759-6A51-4108-AA02-DFA0A04FC94B}">
-                <ma14:wrappingTextBoxFlag xmlns:ma14="http://schemas.microsoft.com/office/mac/drawingml/2011/main" xmlns="" val="1"/>
+                <ma14:wrappingTextBoxFlag xmlns="" xmlns:ma14="http://schemas.microsoft.com/office/mac/drawingml/2011/main" val="1"/>
               </a:ext>
             </a:extLst>
           </p:spPr>
@@ -22779,7 +22779,7 @@
             </a:ln>
             <a:extLst>
               <a:ext uri="{C572A759-6A51-4108-AA02-DFA0A04FC94B}">
-                <ma14:wrappingTextBoxFlag xmlns:ma14="http://schemas.microsoft.com/office/mac/drawingml/2011/main" xmlns="" val="1"/>
+                <ma14:wrappingTextBoxFlag xmlns="" xmlns:ma14="http://schemas.microsoft.com/office/mac/drawingml/2011/main" val="1"/>
               </a:ext>
             </a:extLst>
           </p:spPr>
@@ -22840,7 +22840,7 @@
             </a:ln>
             <a:extLst>
               <a:ext uri="{C572A759-6A51-4108-AA02-DFA0A04FC94B}">
-                <ma14:wrappingTextBoxFlag xmlns:ma14="http://schemas.microsoft.com/office/mac/drawingml/2011/main" xmlns="" val="1"/>
+                <ma14:wrappingTextBoxFlag xmlns="" xmlns:ma14="http://schemas.microsoft.com/office/mac/drawingml/2011/main" val="1"/>
               </a:ext>
             </a:extLst>
           </p:spPr>
@@ -22912,7 +22912,7 @@
             </a:ln>
             <a:extLst>
               <a:ext uri="{C572A759-6A51-4108-AA02-DFA0A04FC94B}">
-                <ma14:wrappingTextBoxFlag xmlns:ma14="http://schemas.microsoft.com/office/mac/drawingml/2011/main" xmlns="" val="1"/>
+                <ma14:wrappingTextBoxFlag xmlns="" xmlns:ma14="http://schemas.microsoft.com/office/mac/drawingml/2011/main" val="1"/>
               </a:ext>
             </a:extLst>
           </p:spPr>
@@ -22969,7 +22969,7 @@
             </a:ln>
             <a:extLst>
               <a:ext uri="{C572A759-6A51-4108-AA02-DFA0A04FC94B}">
-                <ma14:wrappingTextBoxFlag xmlns:ma14="http://schemas.microsoft.com/office/mac/drawingml/2011/main" xmlns="" val="1"/>
+                <ma14:wrappingTextBoxFlag xmlns="" xmlns:ma14="http://schemas.microsoft.com/office/mac/drawingml/2011/main" val="1"/>
               </a:ext>
             </a:extLst>
           </p:spPr>
@@ -23030,7 +23030,7 @@
             </a:ln>
             <a:extLst>
               <a:ext uri="{C572A759-6A51-4108-AA02-DFA0A04FC94B}">
-                <ma14:wrappingTextBoxFlag xmlns:ma14="http://schemas.microsoft.com/office/mac/drawingml/2011/main" xmlns="" val="1"/>
+                <ma14:wrappingTextBoxFlag xmlns="" xmlns:ma14="http://schemas.microsoft.com/office/mac/drawingml/2011/main" val="1"/>
               </a:ext>
             </a:extLst>
           </p:spPr>
@@ -23087,7 +23087,7 @@
             </a:ln>
             <a:extLst>
               <a:ext uri="{C572A759-6A51-4108-AA02-DFA0A04FC94B}">
-                <ma14:wrappingTextBoxFlag xmlns:ma14="http://schemas.microsoft.com/office/mac/drawingml/2011/main" xmlns="" val="1"/>
+                <ma14:wrappingTextBoxFlag xmlns="" xmlns:ma14="http://schemas.microsoft.com/office/mac/drawingml/2011/main" val="1"/>
               </a:ext>
             </a:extLst>
           </p:spPr>
@@ -23144,7 +23144,7 @@
             </a:ln>
             <a:extLst>
               <a:ext uri="{C572A759-6A51-4108-AA02-DFA0A04FC94B}">
-                <ma14:wrappingTextBoxFlag xmlns:ma14="http://schemas.microsoft.com/office/mac/drawingml/2011/main" xmlns="" val="1"/>
+                <ma14:wrappingTextBoxFlag xmlns="" xmlns:ma14="http://schemas.microsoft.com/office/mac/drawingml/2011/main" val="1"/>
               </a:ext>
             </a:extLst>
           </p:spPr>

--- a/doc/An Introduction to Kubernetes.pptx
+++ b/doc/An Introduction to Kubernetes.pptx
@@ -997,7 +997,7 @@
               <a:rPr lang="en-US" smtClean="0">
                 <a:latin typeface="Tahoma"/>
               </a:rPr>
-              <a:t>5/18/21</a:t>
+              <a:t>5/20/21</a:t>
             </a:fld>
             <a:endParaRPr lang="en-US" dirty="0">
               <a:latin typeface="Tahoma"/>
@@ -1176,7 +1176,7 @@
             <a:fld id="{F9071F84-0802-C84F-8F3A-2F91A2DB1D02}" type="datetimeFigureOut">
               <a:rPr lang="en-US" smtClean="0"/>
               <a:pPr/>
-              <a:t>5/18/21</a:t>
+              <a:t>5/20/21</a:t>
             </a:fld>
             <a:endParaRPr lang="en-US" dirty="0"/>
           </a:p>
@@ -16126,10 +16126,10 @@
       </p:sp>
       <p:grpSp>
         <p:nvGrpSpPr>
-          <p:cNvPr id="9" name="그룹 8">
+          <p:cNvPr id="6" name="그룹 5">
             <a:extLst>
               <a:ext uri="{FF2B5EF4-FFF2-40B4-BE49-F238E27FC236}">
-                <a16:creationId xmlns:a16="http://schemas.microsoft.com/office/drawing/2014/main" id="{F28B3103-CCEE-9341-9FFB-301C2A5B3F9F}"/>
+                <a16:creationId xmlns:a16="http://schemas.microsoft.com/office/drawing/2014/main" id="{E26DD74A-3305-C44C-8FC3-7D6784F15D71}"/>
               </a:ext>
             </a:extLst>
           </p:cNvPr>
@@ -17141,13 +17141,14 @@
             <p:cNvCxnSpPr>
               <a:cxnSpLocks/>
               <a:stCxn id="120" idx="3"/>
+              <a:endCxn id="42" idx="1"/>
             </p:cNvCxnSpPr>
             <p:nvPr/>
           </p:nvCxnSpPr>
           <p:spPr>
-            <a:xfrm flipV="1">
-              <a:off x="4228159" y="2949120"/>
-              <a:ext cx="1671959" cy="6271"/>
+            <a:xfrm>
+              <a:off x="4228159" y="2955391"/>
+              <a:ext cx="892870" cy="1831"/>
             </a:xfrm>
             <a:prstGeom prst="straightConnector1">
               <a:avLst/>
@@ -17203,7 +17204,7 @@
           </p:blipFill>
           <p:spPr>
             <a:xfrm>
-              <a:off x="5895445" y="2593520"/>
+              <a:off x="5895445" y="2601269"/>
               <a:ext cx="711200" cy="711200"/>
             </a:xfrm>
             <a:prstGeom prst="rect">
@@ -17239,7 +17240,7 @@
           </p:blipFill>
           <p:spPr>
             <a:xfrm>
-              <a:off x="8173878" y="2588428"/>
+              <a:off x="8173878" y="2596177"/>
               <a:ext cx="711200" cy="711200"/>
             </a:xfrm>
             <a:prstGeom prst="rect">
@@ -17314,7 +17315,7 @@
           </p:nvCxnSpPr>
           <p:spPr>
             <a:xfrm flipV="1">
-              <a:off x="6606645" y="2944028"/>
+              <a:off x="6606645" y="2951777"/>
               <a:ext cx="1567233" cy="5092"/>
             </a:xfrm>
             <a:prstGeom prst="straightConnector1">
@@ -18022,6 +18023,53 @@
             </a:p>
           </p:txBody>
         </p:sp>
+        <p:cxnSp>
+          <p:nvCxnSpPr>
+            <p:cNvPr id="38" name="Straight Arrow Connector 19">
+              <a:extLst>
+                <a:ext uri="{FF2B5EF4-FFF2-40B4-BE49-F238E27FC236}">
+                  <a16:creationId xmlns:a16="http://schemas.microsoft.com/office/drawing/2014/main" id="{42048F69-7678-1C40-B4D2-007CE6BE7E90}"/>
+                </a:ext>
+              </a:extLst>
+            </p:cNvPr>
+            <p:cNvCxnSpPr>
+              <a:cxnSpLocks/>
+              <a:stCxn id="42" idx="3"/>
+              <a:endCxn id="132" idx="1"/>
+            </p:cNvCxnSpPr>
+            <p:nvPr/>
+          </p:nvCxnSpPr>
+          <p:spPr>
+            <a:xfrm flipV="1">
+              <a:off x="5589029" y="2956869"/>
+              <a:ext cx="306416" cy="353"/>
+            </a:xfrm>
+            <a:prstGeom prst="straightConnector1">
+              <a:avLst/>
+            </a:prstGeom>
+            <a:ln w="12700">
+              <a:solidFill>
+                <a:schemeClr val="tx2"/>
+              </a:solidFill>
+              <a:headEnd type="none" w="med" len="sm"/>
+              <a:tailEnd type="arrow" w="med" len="sm"/>
+            </a:ln>
+          </p:spPr>
+          <p:style>
+            <a:lnRef idx="1">
+              <a:schemeClr val="accent1"/>
+            </a:lnRef>
+            <a:fillRef idx="0">
+              <a:schemeClr val="accent1"/>
+            </a:fillRef>
+            <a:effectRef idx="0">
+              <a:schemeClr val="accent1"/>
+            </a:effectRef>
+            <a:fontRef idx="minor">
+              <a:schemeClr val="tx1"/>
+            </a:fontRef>
+          </p:style>
+        </p:cxnSp>
       </p:grpSp>
     </p:spTree>
     <p:extLst>
@@ -18106,10 +18154,10 @@
       </p:sp>
       <p:grpSp>
         <p:nvGrpSpPr>
-          <p:cNvPr id="7" name="그룹 6">
+          <p:cNvPr id="8" name="그룹 7">
             <a:extLst>
               <a:ext uri="{FF2B5EF4-FFF2-40B4-BE49-F238E27FC236}">
-                <a16:creationId xmlns:a16="http://schemas.microsoft.com/office/drawing/2014/main" id="{0DA4A62E-220D-0946-90A9-831C8F2BD541}"/>
+                <a16:creationId xmlns:a16="http://schemas.microsoft.com/office/drawing/2014/main" id="{1F1E8935-49CC-D043-8A0C-73AA1E8F8363}"/>
               </a:ext>
             </a:extLst>
           </p:cNvPr>
@@ -18793,7 +18841,7 @@
           </p:nvSpPr>
           <p:spPr>
             <a:xfrm>
-              <a:off x="5672733" y="3290500"/>
+              <a:off x="5672733" y="3298249"/>
               <a:ext cx="1156623" cy="276999"/>
             </a:xfrm>
             <a:prstGeom prst="rect">
@@ -19034,8 +19082,8 @@
           </p:nvCxnSpPr>
           <p:spPr>
             <a:xfrm rot="5400000">
-              <a:off x="7460092" y="3475337"/>
-              <a:ext cx="976278" cy="1160602"/>
+              <a:off x="7463967" y="3479211"/>
+              <a:ext cx="968529" cy="1160602"/>
             </a:xfrm>
             <a:prstGeom prst="bentConnector3">
               <a:avLst>
@@ -19083,8 +19131,8 @@
           </p:nvCxnSpPr>
           <p:spPr>
             <a:xfrm rot="5400000">
-              <a:off x="8015376" y="4030621"/>
-              <a:ext cx="976278" cy="50035"/>
+              <a:off x="8019251" y="4034495"/>
+              <a:ext cx="968529" cy="50035"/>
             </a:xfrm>
             <a:prstGeom prst="bentConnector3">
               <a:avLst>
@@ -19162,13 +19210,14 @@
             <p:cNvCxnSpPr>
               <a:cxnSpLocks/>
               <a:stCxn id="120" idx="3"/>
+              <a:endCxn id="32" idx="1"/>
             </p:cNvCxnSpPr>
             <p:nvPr/>
           </p:nvCxnSpPr>
           <p:spPr>
-            <a:xfrm flipV="1">
-              <a:off x="4228159" y="2949120"/>
-              <a:ext cx="1671959" cy="6271"/>
+            <a:xfrm>
+              <a:off x="4228159" y="2955391"/>
+              <a:ext cx="892870" cy="1831"/>
             </a:xfrm>
             <a:prstGeom prst="straightConnector1">
               <a:avLst/>
@@ -19224,7 +19273,7 @@
           </p:blipFill>
           <p:spPr>
             <a:xfrm>
-              <a:off x="5895445" y="2593520"/>
+              <a:off x="5895445" y="2601269"/>
               <a:ext cx="711200" cy="711200"/>
             </a:xfrm>
             <a:prstGeom prst="rect">
@@ -19260,7 +19309,7 @@
           </p:blipFill>
           <p:spPr>
             <a:xfrm>
-              <a:off x="8173878" y="2588428"/>
+              <a:off x="8173878" y="2596177"/>
               <a:ext cx="711200" cy="711200"/>
             </a:xfrm>
             <a:prstGeom prst="rect">
@@ -19282,7 +19331,7 @@
           </p:nvSpPr>
           <p:spPr>
             <a:xfrm>
-              <a:off x="7950220" y="3290500"/>
+              <a:off x="7950220" y="3298249"/>
               <a:ext cx="1156623" cy="276999"/>
             </a:xfrm>
             <a:prstGeom prst="rect">
@@ -19335,7 +19384,7 @@
           </p:nvCxnSpPr>
           <p:spPr>
             <a:xfrm flipV="1">
-              <a:off x="6606645" y="2944028"/>
+              <a:off x="6606645" y="2951777"/>
               <a:ext cx="1567233" cy="5092"/>
             </a:xfrm>
             <a:prstGeom prst="straightConnector1">
@@ -19862,6 +19911,53 @@
               <a:avLst>
                 <a:gd name="adj1" fmla="val 50000"/>
               </a:avLst>
+            </a:prstGeom>
+            <a:ln w="12700">
+              <a:solidFill>
+                <a:schemeClr val="tx2"/>
+              </a:solidFill>
+              <a:headEnd type="none" w="med" len="sm"/>
+              <a:tailEnd type="arrow" w="med" len="sm"/>
+            </a:ln>
+          </p:spPr>
+          <p:style>
+            <a:lnRef idx="1">
+              <a:schemeClr val="accent1"/>
+            </a:lnRef>
+            <a:fillRef idx="0">
+              <a:schemeClr val="accent1"/>
+            </a:fillRef>
+            <a:effectRef idx="0">
+              <a:schemeClr val="accent1"/>
+            </a:effectRef>
+            <a:fontRef idx="minor">
+              <a:schemeClr val="tx1"/>
+            </a:fontRef>
+          </p:style>
+        </p:cxnSp>
+        <p:cxnSp>
+          <p:nvCxnSpPr>
+            <p:cNvPr id="40" name="Straight Arrow Connector 19">
+              <a:extLst>
+                <a:ext uri="{FF2B5EF4-FFF2-40B4-BE49-F238E27FC236}">
+                  <a16:creationId xmlns:a16="http://schemas.microsoft.com/office/drawing/2014/main" id="{506E3D0F-6F62-DD41-9D8D-D3EA6BFA047B}"/>
+                </a:ext>
+              </a:extLst>
+            </p:cNvPr>
+            <p:cNvCxnSpPr>
+              <a:cxnSpLocks/>
+              <a:stCxn id="32" idx="3"/>
+              <a:endCxn id="132" idx="1"/>
+            </p:cNvCxnSpPr>
+            <p:nvPr/>
+          </p:nvCxnSpPr>
+          <p:spPr>
+            <a:xfrm flipV="1">
+              <a:off x="5589029" y="2956869"/>
+              <a:ext cx="306416" cy="353"/>
+            </a:xfrm>
+            <a:prstGeom prst="straightConnector1">
+              <a:avLst/>
             </a:prstGeom>
             <a:ln w="12700">
               <a:solidFill>
@@ -22282,7 +22378,7 @@
             </a:ln>
             <a:extLst>
               <a:ext uri="{C572A759-6A51-4108-AA02-DFA0A04FC94B}">
-                <ma14:wrappingTextBoxFlag xmlns="" xmlns:ma14="http://schemas.microsoft.com/office/mac/drawingml/2011/main" val="1"/>
+                <ma14:wrappingTextBoxFlag xmlns:ma14="http://schemas.microsoft.com/office/mac/drawingml/2011/main" xmlns="" val="1"/>
               </a:ext>
             </a:extLst>
           </p:spPr>
@@ -22343,7 +22439,7 @@
             </a:ln>
             <a:extLst>
               <a:ext uri="{C572A759-6A51-4108-AA02-DFA0A04FC94B}">
-                <ma14:wrappingTextBoxFlag xmlns="" xmlns:ma14="http://schemas.microsoft.com/office/mac/drawingml/2011/main" val="1"/>
+                <ma14:wrappingTextBoxFlag xmlns:ma14="http://schemas.microsoft.com/office/mac/drawingml/2011/main" xmlns="" val="1"/>
               </a:ext>
             </a:extLst>
           </p:spPr>
@@ -22703,7 +22799,7 @@
             </a:ln>
             <a:extLst>
               <a:ext uri="{C572A759-6A51-4108-AA02-DFA0A04FC94B}">
-                <ma14:wrappingTextBoxFlag xmlns="" xmlns:ma14="http://schemas.microsoft.com/office/mac/drawingml/2011/main" val="1"/>
+                <ma14:wrappingTextBoxFlag xmlns:ma14="http://schemas.microsoft.com/office/mac/drawingml/2011/main" xmlns="" val="1"/>
               </a:ext>
             </a:extLst>
           </p:spPr>
@@ -22779,7 +22875,7 @@
             </a:ln>
             <a:extLst>
               <a:ext uri="{C572A759-6A51-4108-AA02-DFA0A04FC94B}">
-                <ma14:wrappingTextBoxFlag xmlns="" xmlns:ma14="http://schemas.microsoft.com/office/mac/drawingml/2011/main" val="1"/>
+                <ma14:wrappingTextBoxFlag xmlns:ma14="http://schemas.microsoft.com/office/mac/drawingml/2011/main" xmlns="" val="1"/>
               </a:ext>
             </a:extLst>
           </p:spPr>
@@ -22840,7 +22936,7 @@
             </a:ln>
             <a:extLst>
               <a:ext uri="{C572A759-6A51-4108-AA02-DFA0A04FC94B}">
-                <ma14:wrappingTextBoxFlag xmlns="" xmlns:ma14="http://schemas.microsoft.com/office/mac/drawingml/2011/main" val="1"/>
+                <ma14:wrappingTextBoxFlag xmlns:ma14="http://schemas.microsoft.com/office/mac/drawingml/2011/main" xmlns="" val="1"/>
               </a:ext>
             </a:extLst>
           </p:spPr>
@@ -22912,7 +23008,7 @@
             </a:ln>
             <a:extLst>
               <a:ext uri="{C572A759-6A51-4108-AA02-DFA0A04FC94B}">
-                <ma14:wrappingTextBoxFlag xmlns="" xmlns:ma14="http://schemas.microsoft.com/office/mac/drawingml/2011/main" val="1"/>
+                <ma14:wrappingTextBoxFlag xmlns:ma14="http://schemas.microsoft.com/office/mac/drawingml/2011/main" xmlns="" val="1"/>
               </a:ext>
             </a:extLst>
           </p:spPr>
@@ -22969,7 +23065,7 @@
             </a:ln>
             <a:extLst>
               <a:ext uri="{C572A759-6A51-4108-AA02-DFA0A04FC94B}">
-                <ma14:wrappingTextBoxFlag xmlns="" xmlns:ma14="http://schemas.microsoft.com/office/mac/drawingml/2011/main" val="1"/>
+                <ma14:wrappingTextBoxFlag xmlns:ma14="http://schemas.microsoft.com/office/mac/drawingml/2011/main" xmlns="" val="1"/>
               </a:ext>
             </a:extLst>
           </p:spPr>
@@ -23030,7 +23126,7 @@
             </a:ln>
             <a:extLst>
               <a:ext uri="{C572A759-6A51-4108-AA02-DFA0A04FC94B}">
-                <ma14:wrappingTextBoxFlag xmlns="" xmlns:ma14="http://schemas.microsoft.com/office/mac/drawingml/2011/main" val="1"/>
+                <ma14:wrappingTextBoxFlag xmlns:ma14="http://schemas.microsoft.com/office/mac/drawingml/2011/main" xmlns="" val="1"/>
               </a:ext>
             </a:extLst>
           </p:spPr>
@@ -23087,7 +23183,7 @@
             </a:ln>
             <a:extLst>
               <a:ext uri="{C572A759-6A51-4108-AA02-DFA0A04FC94B}">
-                <ma14:wrappingTextBoxFlag xmlns="" xmlns:ma14="http://schemas.microsoft.com/office/mac/drawingml/2011/main" val="1"/>
+                <ma14:wrappingTextBoxFlag xmlns:ma14="http://schemas.microsoft.com/office/mac/drawingml/2011/main" xmlns="" val="1"/>
               </a:ext>
             </a:extLst>
           </p:spPr>
@@ -23144,7 +23240,7 @@
             </a:ln>
             <a:extLst>
               <a:ext uri="{C572A759-6A51-4108-AA02-DFA0A04FC94B}">
-                <ma14:wrappingTextBoxFlag xmlns="" xmlns:ma14="http://schemas.microsoft.com/office/mac/drawingml/2011/main" val="1"/>
+                <ma14:wrappingTextBoxFlag xmlns:ma14="http://schemas.microsoft.com/office/mac/drawingml/2011/main" xmlns="" val="1"/>
               </a:ext>
             </a:extLst>
           </p:spPr>
